--- a/Homies City Collection.pptx
+++ b/Homies City Collection.pptx
@@ -1,53 +1,54 @@
 
 <file path=ppt/presentation.xml><?xml version="1.0" encoding="utf-8"?>
-<p:presentation xmlns:a="http://schemas.openxmlformats.org/drawingml/2006/main" xmlns:r="http://schemas.openxmlformats.org/officeDocument/2006/relationships" xmlns:mc="http://schemas.openxmlformats.org/markup-compatibility/2006" xmlns:mv="urn:schemas-microsoft-com:mac:vml" xmlns:p="http://schemas.openxmlformats.org/presentationml/2006/main" xmlns:c="http://schemas.openxmlformats.org/drawingml/2006/chart" xmlns:dgm="http://schemas.openxmlformats.org/drawingml/2006/diagram" xmlns:o="urn:schemas-microsoft-com:office:office" xmlns:v="urn:schemas-microsoft-com:vml" xmlns:pvml="urn:schemas-microsoft-com:office:powerpoint" xmlns:com="http://schemas.openxmlformats.org/drawingml/2006/compatibility" xmlns:p14="http://schemas.microsoft.com/office/powerpoint/2010/main" xmlns:p15="http://schemas.microsoft.com/office/powerpoint/2012/main" autoCompressPictures="0" embedTrueTypeFonts="1" strictFirstAndLastChars="0" saveSubsetFonts="1">
+<p:presentation xmlns:a="http://schemas.openxmlformats.org/drawingml/2006/main" xmlns:r="http://schemas.openxmlformats.org/officeDocument/2006/relationships" xmlns:p="http://schemas.openxmlformats.org/presentationml/2006/main" strictFirstAndLastChars="0" embedTrueTypeFonts="1" saveSubsetFonts="1" autoCompressPictures="0">
   <p:sldMasterIdLst>
-    <p:sldMasterId id="2147483659" r:id="rId4"/>
+    <p:sldMasterId id="2147483659" r:id="rId1"/>
   </p:sldMasterIdLst>
   <p:notesMasterIdLst>
-    <p:notesMasterId r:id="rId5"/>
+    <p:notesMasterId r:id="rId22"/>
   </p:notesMasterIdLst>
   <p:sldIdLst>
-    <p:sldId id="256" r:id="rId6"/>
-    <p:sldId id="257" r:id="rId7"/>
-    <p:sldId id="258" r:id="rId8"/>
-    <p:sldId id="259" r:id="rId9"/>
-    <p:sldId id="260" r:id="rId10"/>
-    <p:sldId id="261" r:id="rId11"/>
-    <p:sldId id="262" r:id="rId12"/>
-    <p:sldId id="263" r:id="rId13"/>
-    <p:sldId id="264" r:id="rId14"/>
-    <p:sldId id="265" r:id="rId15"/>
-    <p:sldId id="266" r:id="rId16"/>
-    <p:sldId id="267" r:id="rId17"/>
-    <p:sldId id="268" r:id="rId18"/>
-    <p:sldId id="269" r:id="rId19"/>
-    <p:sldId id="270" r:id="rId20"/>
-    <p:sldId id="271" r:id="rId21"/>
-    <p:sldId id="272" r:id="rId22"/>
-    <p:sldId id="273" r:id="rId23"/>
-    <p:sldId id="274" r:id="rId24"/>
+    <p:sldId id="256" r:id="rId2"/>
+    <p:sldId id="257" r:id="rId3"/>
+    <p:sldId id="258" r:id="rId4"/>
+    <p:sldId id="259" r:id="rId5"/>
+    <p:sldId id="260" r:id="rId6"/>
+    <p:sldId id="261" r:id="rId7"/>
+    <p:sldId id="262" r:id="rId8"/>
+    <p:sldId id="263" r:id="rId9"/>
+    <p:sldId id="264" r:id="rId10"/>
+    <p:sldId id="265" r:id="rId11"/>
+    <p:sldId id="266" r:id="rId12"/>
+    <p:sldId id="267" r:id="rId13"/>
+    <p:sldId id="268" r:id="rId14"/>
+    <p:sldId id="269" r:id="rId15"/>
+    <p:sldId id="270" r:id="rId16"/>
+    <p:sldId id="271" r:id="rId17"/>
+    <p:sldId id="272" r:id="rId18"/>
+    <p:sldId id="275" r:id="rId19"/>
+    <p:sldId id="273" r:id="rId20"/>
+    <p:sldId id="274" r:id="rId21"/>
   </p:sldIdLst>
-  <p:sldSz cy="5143500" cx="9144000"/>
+  <p:sldSz cx="9144000" cy="5143500" type="screen16x9"/>
   <p:notesSz cx="6858000" cy="9144000"/>
   <p:embeddedFontLst>
     <p:embeddedFont>
-      <p:font typeface="Raleway"/>
-      <p:regular r:id="rId25"/>
-      <p:bold r:id="rId26"/>
-      <p:italic r:id="rId27"/>
-      <p:boldItalic r:id="rId28"/>
+      <p:font typeface="Lato" panose="020B0604020202020204" charset="0"/>
+      <p:regular r:id="rId23"/>
+      <p:bold r:id="rId24"/>
+      <p:italic r:id="rId25"/>
+      <p:boldItalic r:id="rId26"/>
     </p:embeddedFont>
     <p:embeddedFont>
-      <p:font typeface="Lato"/>
-      <p:regular r:id="rId29"/>
-      <p:bold r:id="rId30"/>
-      <p:italic r:id="rId31"/>
-      <p:boldItalic r:id="rId32"/>
+      <p:font typeface="Raleway" panose="020B0604020202020204" charset="0"/>
+      <p:regular r:id="rId27"/>
+      <p:bold r:id="rId28"/>
+      <p:italic r:id="rId29"/>
+      <p:boldItalic r:id="rId30"/>
     </p:embeddedFont>
   </p:embeddedFontLst>
   <p:defaultTextStyle>
-    <a:defPPr lvl="0" marR="0" rtl="0" algn="l">
+    <a:defPPr marR="0" lvl="0" algn="l" rtl="0">
       <a:lnSpc>
         <a:spcPct val="100000"/>
       </a:lnSpc>
@@ -58,7 +59,7 @@
         <a:spcPts val="0"/>
       </a:spcAft>
     </a:defPPr>
-    <a:lvl1pPr lvl="0" marR="0" rtl="0" algn="l">
+    <a:lvl1pPr marR="0" lvl="0" algn="l" rtl="0">
       <a:lnSpc>
         <a:spcPct val="100000"/>
       </a:lnSpc>
@@ -72,7 +73,7 @@
         <a:srgbClr val="000000"/>
       </a:buClr>
       <a:buFont typeface="Arial"/>
-      <a:defRPr b="0" i="0" sz="1400" u="none" cap="none" strike="noStrike">
+      <a:defRPr sz="1400" b="0" i="0" u="none" strike="noStrike" cap="none">
         <a:solidFill>
           <a:srgbClr val="000000"/>
         </a:solidFill>
@@ -82,7 +83,7 @@
         <a:sym typeface="Arial"/>
       </a:defRPr>
     </a:lvl1pPr>
-    <a:lvl2pPr lvl="1" marR="0" rtl="0" algn="l">
+    <a:lvl2pPr marR="0" lvl="1" algn="l" rtl="0">
       <a:lnSpc>
         <a:spcPct val="100000"/>
       </a:lnSpc>
@@ -96,7 +97,7 @@
         <a:srgbClr val="000000"/>
       </a:buClr>
       <a:buFont typeface="Arial"/>
-      <a:defRPr b="0" i="0" sz="1400" u="none" cap="none" strike="noStrike">
+      <a:defRPr sz="1400" b="0" i="0" u="none" strike="noStrike" cap="none">
         <a:solidFill>
           <a:srgbClr val="000000"/>
         </a:solidFill>
@@ -106,7 +107,7 @@
         <a:sym typeface="Arial"/>
       </a:defRPr>
     </a:lvl2pPr>
-    <a:lvl3pPr lvl="2" marR="0" rtl="0" algn="l">
+    <a:lvl3pPr marR="0" lvl="2" algn="l" rtl="0">
       <a:lnSpc>
         <a:spcPct val="100000"/>
       </a:lnSpc>
@@ -120,7 +121,7 @@
         <a:srgbClr val="000000"/>
       </a:buClr>
       <a:buFont typeface="Arial"/>
-      <a:defRPr b="0" i="0" sz="1400" u="none" cap="none" strike="noStrike">
+      <a:defRPr sz="1400" b="0" i="0" u="none" strike="noStrike" cap="none">
         <a:solidFill>
           <a:srgbClr val="000000"/>
         </a:solidFill>
@@ -130,7 +131,7 @@
         <a:sym typeface="Arial"/>
       </a:defRPr>
     </a:lvl3pPr>
-    <a:lvl4pPr lvl="3" marR="0" rtl="0" algn="l">
+    <a:lvl4pPr marR="0" lvl="3" algn="l" rtl="0">
       <a:lnSpc>
         <a:spcPct val="100000"/>
       </a:lnSpc>
@@ -144,7 +145,7 @@
         <a:srgbClr val="000000"/>
       </a:buClr>
       <a:buFont typeface="Arial"/>
-      <a:defRPr b="0" i="0" sz="1400" u="none" cap="none" strike="noStrike">
+      <a:defRPr sz="1400" b="0" i="0" u="none" strike="noStrike" cap="none">
         <a:solidFill>
           <a:srgbClr val="000000"/>
         </a:solidFill>
@@ -154,7 +155,7 @@
         <a:sym typeface="Arial"/>
       </a:defRPr>
     </a:lvl4pPr>
-    <a:lvl5pPr lvl="4" marR="0" rtl="0" algn="l">
+    <a:lvl5pPr marR="0" lvl="4" algn="l" rtl="0">
       <a:lnSpc>
         <a:spcPct val="100000"/>
       </a:lnSpc>
@@ -168,7 +169,7 @@
         <a:srgbClr val="000000"/>
       </a:buClr>
       <a:buFont typeface="Arial"/>
-      <a:defRPr b="0" i="0" sz="1400" u="none" cap="none" strike="noStrike">
+      <a:defRPr sz="1400" b="0" i="0" u="none" strike="noStrike" cap="none">
         <a:solidFill>
           <a:srgbClr val="000000"/>
         </a:solidFill>
@@ -178,7 +179,7 @@
         <a:sym typeface="Arial"/>
       </a:defRPr>
     </a:lvl5pPr>
-    <a:lvl6pPr lvl="5" marR="0" rtl="0" algn="l">
+    <a:lvl6pPr marR="0" lvl="5" algn="l" rtl="0">
       <a:lnSpc>
         <a:spcPct val="100000"/>
       </a:lnSpc>
@@ -192,7 +193,7 @@
         <a:srgbClr val="000000"/>
       </a:buClr>
       <a:buFont typeface="Arial"/>
-      <a:defRPr b="0" i="0" sz="1400" u="none" cap="none" strike="noStrike">
+      <a:defRPr sz="1400" b="0" i="0" u="none" strike="noStrike" cap="none">
         <a:solidFill>
           <a:srgbClr val="000000"/>
         </a:solidFill>
@@ -202,7 +203,7 @@
         <a:sym typeface="Arial"/>
       </a:defRPr>
     </a:lvl6pPr>
-    <a:lvl7pPr lvl="6" marR="0" rtl="0" algn="l">
+    <a:lvl7pPr marR="0" lvl="6" algn="l" rtl="0">
       <a:lnSpc>
         <a:spcPct val="100000"/>
       </a:lnSpc>
@@ -216,7 +217,7 @@
         <a:srgbClr val="000000"/>
       </a:buClr>
       <a:buFont typeface="Arial"/>
-      <a:defRPr b="0" i="0" sz="1400" u="none" cap="none" strike="noStrike">
+      <a:defRPr sz="1400" b="0" i="0" u="none" strike="noStrike" cap="none">
         <a:solidFill>
           <a:srgbClr val="000000"/>
         </a:solidFill>
@@ -226,7 +227,7 @@
         <a:sym typeface="Arial"/>
       </a:defRPr>
     </a:lvl7pPr>
-    <a:lvl8pPr lvl="7" marR="0" rtl="0" algn="l">
+    <a:lvl8pPr marR="0" lvl="7" algn="l" rtl="0">
       <a:lnSpc>
         <a:spcPct val="100000"/>
       </a:lnSpc>
@@ -240,7 +241,7 @@
         <a:srgbClr val="000000"/>
       </a:buClr>
       <a:buFont typeface="Arial"/>
-      <a:defRPr b="0" i="0" sz="1400" u="none" cap="none" strike="noStrike">
+      <a:defRPr sz="1400" b="0" i="0" u="none" strike="noStrike" cap="none">
         <a:solidFill>
           <a:srgbClr val="000000"/>
         </a:solidFill>
@@ -250,7 +251,7 @@
         <a:sym typeface="Arial"/>
       </a:defRPr>
     </a:lvl8pPr>
-    <a:lvl9pPr lvl="8" marR="0" rtl="0" algn="l">
+    <a:lvl9pPr marR="0" lvl="8" algn="l" rtl="0">
       <a:lnSpc>
         <a:spcPct val="100000"/>
       </a:lnSpc>
@@ -264,7 +265,7 @@
         <a:srgbClr val="000000"/>
       </a:buClr>
       <a:buFont typeface="Arial"/>
-      <a:defRPr b="0" i="0" sz="1400" u="none" cap="none" strike="noStrike">
+      <a:defRPr sz="1400" b="0" i="0" u="none" strike="noStrike" cap="none">
         <a:solidFill>
           <a:srgbClr val="000000"/>
         </a:solidFill>
@@ -277,7 +278,7 @@
   </p:defaultTextStyle>
   <p:extLst>
     <p:ext uri="{EFAFB233-063F-42B5-8137-9DF3F51BA10A}">
-      <p15:sldGuideLst>
+      <p15:sldGuideLst xmlns:p15="http://schemas.microsoft.com/office/powerpoint/2012/main">
         <p15:guide id="1" orient="horz" pos="1620">
           <p15:clr>
             <a:srgbClr val="A4A3A4"/>
@@ -294,12 +295,85 @@
 </p:presentation>
 </file>
 
+<file path=ppt/revisionInfo.xml><?xml version="1.0" encoding="utf-8"?>
+<p1510:revInfo xmlns:a="http://schemas.openxmlformats.org/drawingml/2006/main" xmlns:r="http://schemas.openxmlformats.org/officeDocument/2006/relationships" xmlns:p1510="http://schemas.microsoft.com/office/powerpoint/2015/10/main">
+  <p1510:revLst>
+    <p1510:client id="{DBF0D679-A1D2-41BA-9DE5-196B1668C167}" v="1" dt="2020-07-20T00:39:20.959"/>
+  </p1510:revLst>
+</p1510:revInfo>
+</file>
+
+<file path=ppt/changesInfos/changesInfo1.xml><?xml version="1.0" encoding="utf-8"?>
+<pc:chgInfo xmlns:a="http://schemas.openxmlformats.org/drawingml/2006/main" xmlns:r="http://schemas.openxmlformats.org/officeDocument/2006/relationships" xmlns:ac="http://schemas.microsoft.com/office/drawing/2013/main/command" xmlns:pc="http://schemas.microsoft.com/office/powerpoint/2013/main/command">
+  <pc:docChgLst>
+    <pc:chgData name="Colin" userId="c2c872a862d4dd17" providerId="LiveId" clId="{DBF0D679-A1D2-41BA-9DE5-196B1668C167}"/>
+    <pc:docChg chg="custSel addSld modSld">
+      <pc:chgData name="Colin" userId="c2c872a862d4dd17" providerId="LiveId" clId="{DBF0D679-A1D2-41BA-9DE5-196B1668C167}" dt="2020-07-20T00:40:55.321" v="30" actId="1076"/>
+      <pc:docMkLst>
+        <pc:docMk/>
+      </pc:docMkLst>
+      <pc:sldChg chg="modSp mod">
+        <pc:chgData name="Colin" userId="c2c872a862d4dd17" providerId="LiveId" clId="{DBF0D679-A1D2-41BA-9DE5-196B1668C167}" dt="2020-07-20T00:39:28.565" v="9" actId="20577"/>
+        <pc:sldMkLst>
+          <pc:docMk/>
+          <pc:sldMk cId="0" sldId="272"/>
+        </pc:sldMkLst>
+        <pc:spChg chg="mod">
+          <ac:chgData name="Colin" userId="c2c872a862d4dd17" providerId="LiveId" clId="{DBF0D679-A1D2-41BA-9DE5-196B1668C167}" dt="2020-07-20T00:39:28.565" v="9" actId="20577"/>
+          <ac:spMkLst>
+            <pc:docMk/>
+            <pc:sldMk cId="0" sldId="272"/>
+            <ac:spMk id="168" creationId="{00000000-0000-0000-0000-000000000000}"/>
+          </ac:spMkLst>
+        </pc:spChg>
+      </pc:sldChg>
+      <pc:sldChg chg="addSp delSp modSp add mod">
+        <pc:chgData name="Colin" userId="c2c872a862d4dd17" providerId="LiveId" clId="{DBF0D679-A1D2-41BA-9DE5-196B1668C167}" dt="2020-07-20T00:40:55.321" v="30" actId="1076"/>
+        <pc:sldMkLst>
+          <pc:docMk/>
+          <pc:sldMk cId="2138216353" sldId="275"/>
+        </pc:sldMkLst>
+        <pc:spChg chg="mod">
+          <ac:chgData name="Colin" userId="c2c872a862d4dd17" providerId="LiveId" clId="{DBF0D679-A1D2-41BA-9DE5-196B1668C167}" dt="2020-07-20T00:39:35.168" v="24" actId="20577"/>
+          <ac:spMkLst>
+            <pc:docMk/>
+            <pc:sldMk cId="2138216353" sldId="275"/>
+            <ac:spMk id="168" creationId="{00000000-0000-0000-0000-000000000000}"/>
+          </ac:spMkLst>
+        </pc:spChg>
+        <pc:picChg chg="add mod">
+          <ac:chgData name="Colin" userId="c2c872a862d4dd17" providerId="LiveId" clId="{DBF0D679-A1D2-41BA-9DE5-196B1668C167}" dt="2020-07-20T00:40:55.321" v="30" actId="1076"/>
+          <ac:picMkLst>
+            <pc:docMk/>
+            <pc:sldMk cId="2138216353" sldId="275"/>
+            <ac:picMk id="3" creationId="{21A25E7E-1151-4361-BB9C-623C03CF0634}"/>
+          </ac:picMkLst>
+        </pc:picChg>
+        <pc:picChg chg="del">
+          <ac:chgData name="Colin" userId="c2c872a862d4dd17" providerId="LiveId" clId="{DBF0D679-A1D2-41BA-9DE5-196B1668C167}" dt="2020-07-20T00:39:39.229" v="25" actId="478"/>
+          <ac:picMkLst>
+            <pc:docMk/>
+            <pc:sldMk cId="2138216353" sldId="275"/>
+            <ac:picMk id="169" creationId="{00000000-0000-0000-0000-000000000000}"/>
+          </ac:picMkLst>
+        </pc:picChg>
+      </pc:sldChg>
+    </pc:docChg>
+  </pc:docChgLst>
+</pc:chgInfo>
+</file>
+
 <file path=ppt/notesMasters/notesMaster1.xml><?xml version="1.0" encoding="utf-8"?>
-<p:notesMaster xmlns:a="http://schemas.openxmlformats.org/drawingml/2006/main" xmlns:r="http://schemas.openxmlformats.org/officeDocument/2006/relationships" xmlns:mc="http://schemas.openxmlformats.org/markup-compatibility/2006" xmlns:mv="urn:schemas-microsoft-com:mac:vml" xmlns:p="http://schemas.openxmlformats.org/presentationml/2006/main" xmlns:c="http://schemas.openxmlformats.org/drawingml/2006/chart" xmlns:dgm="http://schemas.openxmlformats.org/drawingml/2006/diagram" xmlns:o="urn:schemas-microsoft-com:office:office" xmlns:v="urn:schemas-microsoft-com:vml" xmlns:pvml="urn:schemas-microsoft-com:office:powerpoint" xmlns:com="http://schemas.openxmlformats.org/drawingml/2006/compatibility" xmlns:p14="http://schemas.microsoft.com/office/powerpoint/2010/main" xmlns:p15="http://schemas.microsoft.com/office/powerpoint/2012/main">
+<p:notesMaster xmlns:a="http://schemas.openxmlformats.org/drawingml/2006/main" xmlns:r="http://schemas.openxmlformats.org/officeDocument/2006/relationships" xmlns:p="http://schemas.openxmlformats.org/presentationml/2006/main">
   <p:cSld>
+    <p:bg>
+      <p:bgRef idx="1001">
+        <a:schemeClr val="bg1"/>
+      </p:bgRef>
+    </p:bg>
     <p:spTree>
       <p:nvGrpSpPr>
-        <p:cNvPr id="2" name="Shape 2"/>
+        <p:cNvPr id="1" name="Shape 2"/>
         <p:cNvGrpSpPr/>
         <p:nvPr/>
       </p:nvGrpSpPr>
@@ -314,9 +388,11 @@
       <p:sp>
         <p:nvSpPr>
           <p:cNvPr id="3" name="Google Shape;3;n"/>
-          <p:cNvSpPr/>
+          <p:cNvSpPr>
+            <a:spLocks noGrp="1" noRot="1" noChangeAspect="1"/>
+          </p:cNvSpPr>
           <p:nvPr>
-            <p:ph idx="2" type="sldImg"/>
+            <p:ph type="sldImg" idx="2"/>
           </p:nvPr>
         </p:nvSpPr>
         <p:spPr>
@@ -325,9 +401,13 @@
             <a:ext cx="6096075" cy="3429000"/>
           </a:xfrm>
           <a:custGeom>
-            <a:rect b="b" l="l" r="r" t="t"/>
+            <a:avLst/>
+            <a:gdLst/>
+            <a:ahLst/>
+            <a:cxnLst/>
+            <a:rect l="l" t="t" r="r" b="b"/>
             <a:pathLst>
-              <a:path extrusionOk="0" h="120000" w="120000">
+              <a:path w="120000" h="120000" extrusionOk="0">
                 <a:moveTo>
                   <a:pt x="0" y="0"/>
                 </a:moveTo>
@@ -345,23 +425,25 @@
             </a:pathLst>
           </a:custGeom>
           <a:noFill/>
-          <a:ln cap="flat" cmpd="sng" w="9525">
+          <a:ln w="9525" cap="flat" cmpd="sng">
             <a:solidFill>
               <a:srgbClr val="000000"/>
             </a:solidFill>
             <a:prstDash val="solid"/>
             <a:round/>
-            <a:headEnd len="sm" w="sm" type="none"/>
-            <a:tailEnd len="sm" w="sm" type="none"/>
+            <a:headEnd type="none" w="sm" len="sm"/>
+            <a:tailEnd type="none" w="sm" len="sm"/>
           </a:ln>
         </p:spPr>
       </p:sp>
       <p:sp>
         <p:nvSpPr>
           <p:cNvPr id="4" name="Google Shape;4;n"/>
-          <p:cNvSpPr txBox="1"/>
+          <p:cNvSpPr txBox="1">
+            <a:spLocks noGrp="1"/>
+          </p:cNvSpPr>
           <p:nvPr>
-            <p:ph idx="1" type="body"/>
+            <p:ph type="body" idx="1"/>
           </p:nvPr>
         </p:nvSpPr>
         <p:spPr>
@@ -378,11 +460,11 @@
           </a:ln>
         </p:spPr>
         <p:txBody>
-          <a:bodyPr anchorCtr="0" anchor="t" bIns="91425" lIns="91425" spcFirstLastPara="1" rIns="91425" wrap="square" tIns="91425">
+          <a:bodyPr spcFirstLastPara="1" wrap="square" lIns="91425" tIns="91425" rIns="91425" bIns="91425" anchor="t" anchorCtr="0">
             <a:noAutofit/>
           </a:bodyPr>
           <a:lstStyle>
-            <a:lvl1pPr indent="-317500" lvl="0" marL="457200">
+            <a:lvl1pPr marL="457200" lvl="0" indent="-317500">
               <a:spcBef>
                 <a:spcPts val="0"/>
               </a:spcBef>
@@ -393,7 +475,7 @@
               <a:buChar char="●"/>
               <a:defRPr sz="1100"/>
             </a:lvl1pPr>
-            <a:lvl2pPr indent="-317500" lvl="1" marL="914400">
+            <a:lvl2pPr marL="914400" lvl="1" indent="-317500">
               <a:spcBef>
                 <a:spcPts val="0"/>
               </a:spcBef>
@@ -404,7 +486,7 @@
               <a:buChar char="○"/>
               <a:defRPr sz="1100"/>
             </a:lvl2pPr>
-            <a:lvl3pPr indent="-317500" lvl="2" marL="1371600">
+            <a:lvl3pPr marL="1371600" lvl="2" indent="-317500">
               <a:spcBef>
                 <a:spcPts val="0"/>
               </a:spcBef>
@@ -415,7 +497,7 @@
               <a:buChar char="■"/>
               <a:defRPr sz="1100"/>
             </a:lvl3pPr>
-            <a:lvl4pPr indent="-317500" lvl="3" marL="1828800">
+            <a:lvl4pPr marL="1828800" lvl="3" indent="-317500">
               <a:spcBef>
                 <a:spcPts val="0"/>
               </a:spcBef>
@@ -426,7 +508,7 @@
               <a:buChar char="●"/>
               <a:defRPr sz="1100"/>
             </a:lvl4pPr>
-            <a:lvl5pPr indent="-317500" lvl="4" marL="2286000">
+            <a:lvl5pPr marL="2286000" lvl="4" indent="-317500">
               <a:spcBef>
                 <a:spcPts val="0"/>
               </a:spcBef>
@@ -437,7 +519,7 @@
               <a:buChar char="○"/>
               <a:defRPr sz="1100"/>
             </a:lvl5pPr>
-            <a:lvl6pPr indent="-317500" lvl="5" marL="2743200">
+            <a:lvl6pPr marL="2743200" lvl="5" indent="-317500">
               <a:spcBef>
                 <a:spcPts val="0"/>
               </a:spcBef>
@@ -448,7 +530,7 @@
               <a:buChar char="■"/>
               <a:defRPr sz="1100"/>
             </a:lvl6pPr>
-            <a:lvl7pPr indent="-317500" lvl="6" marL="3200400">
+            <a:lvl7pPr marL="3200400" lvl="6" indent="-317500">
               <a:spcBef>
                 <a:spcPts val="0"/>
               </a:spcBef>
@@ -459,7 +541,7 @@
               <a:buChar char="●"/>
               <a:defRPr sz="1100"/>
             </a:lvl7pPr>
-            <a:lvl8pPr indent="-317500" lvl="7" marL="3657600">
+            <a:lvl8pPr marL="3657600" lvl="7" indent="-317500">
               <a:spcBef>
                 <a:spcPts val="0"/>
               </a:spcBef>
@@ -470,7 +552,7 @@
               <a:buChar char="○"/>
               <a:defRPr sz="1100"/>
             </a:lvl8pPr>
-            <a:lvl9pPr indent="-317500" lvl="8" marL="4114800">
+            <a:lvl9pPr marL="4114800" lvl="8" indent="-317500">
               <a:spcBef>
                 <a:spcPts val="0"/>
               </a:spcBef>
@@ -482,14 +564,16 @@
               <a:defRPr sz="1100"/>
             </a:lvl9pPr>
           </a:lstStyle>
-          <a:p/>
+          <a:p>
+            <a:endParaRPr/>
+          </a:p>
         </p:txBody>
       </p:sp>
     </p:spTree>
   </p:cSld>
-  <p:clrMap accent1="accent1" accent2="accent2" accent3="accent3" accent4="accent4" accent5="accent5" accent6="accent6" bg1="lt1" bg2="dk2" tx1="dk1" tx2="lt2" folHlink="folHlink" hlink="hlink"/>
+  <p:clrMap bg1="lt1" tx1="dk1" bg2="dk2" tx2="lt2" accent1="accent1" accent2="accent2" accent3="accent3" accent4="accent4" accent5="accent5" accent6="accent6" hlink="hlink" folHlink="folHlink"/>
   <p:notesStyle>
-    <a:defPPr lvl="0" marR="0" rtl="0" algn="l">
+    <a:defPPr marR="0" lvl="0" algn="l" rtl="0">
       <a:lnSpc>
         <a:spcPct val="100000"/>
       </a:lnSpc>
@@ -500,7 +584,7 @@
         <a:spcPts val="0"/>
       </a:spcAft>
     </a:defPPr>
-    <a:lvl1pPr lvl="0" marR="0" rtl="0" algn="l">
+    <a:lvl1pPr marR="0" lvl="0" algn="l" rtl="0">
       <a:lnSpc>
         <a:spcPct val="100000"/>
       </a:lnSpc>
@@ -514,7 +598,7 @@
         <a:srgbClr val="000000"/>
       </a:buClr>
       <a:buFont typeface="Arial"/>
-      <a:defRPr b="0" i="0" sz="1400" u="none" cap="none" strike="noStrike">
+      <a:defRPr sz="1400" b="0" i="0" u="none" strike="noStrike" cap="none">
         <a:solidFill>
           <a:srgbClr val="000000"/>
         </a:solidFill>
@@ -524,7 +608,7 @@
         <a:sym typeface="Arial"/>
       </a:defRPr>
     </a:lvl1pPr>
-    <a:lvl2pPr lvl="1" marR="0" rtl="0" algn="l">
+    <a:lvl2pPr marR="0" lvl="1" algn="l" rtl="0">
       <a:lnSpc>
         <a:spcPct val="100000"/>
       </a:lnSpc>
@@ -538,7 +622,7 @@
         <a:srgbClr val="000000"/>
       </a:buClr>
       <a:buFont typeface="Arial"/>
-      <a:defRPr b="0" i="0" sz="1400" u="none" cap="none" strike="noStrike">
+      <a:defRPr sz="1400" b="0" i="0" u="none" strike="noStrike" cap="none">
         <a:solidFill>
           <a:srgbClr val="000000"/>
         </a:solidFill>
@@ -548,7 +632,7 @@
         <a:sym typeface="Arial"/>
       </a:defRPr>
     </a:lvl2pPr>
-    <a:lvl3pPr lvl="2" marR="0" rtl="0" algn="l">
+    <a:lvl3pPr marR="0" lvl="2" algn="l" rtl="0">
       <a:lnSpc>
         <a:spcPct val="100000"/>
       </a:lnSpc>
@@ -562,7 +646,7 @@
         <a:srgbClr val="000000"/>
       </a:buClr>
       <a:buFont typeface="Arial"/>
-      <a:defRPr b="0" i="0" sz="1400" u="none" cap="none" strike="noStrike">
+      <a:defRPr sz="1400" b="0" i="0" u="none" strike="noStrike" cap="none">
         <a:solidFill>
           <a:srgbClr val="000000"/>
         </a:solidFill>
@@ -572,7 +656,7 @@
         <a:sym typeface="Arial"/>
       </a:defRPr>
     </a:lvl3pPr>
-    <a:lvl4pPr lvl="3" marR="0" rtl="0" algn="l">
+    <a:lvl4pPr marR="0" lvl="3" algn="l" rtl="0">
       <a:lnSpc>
         <a:spcPct val="100000"/>
       </a:lnSpc>
@@ -586,7 +670,7 @@
         <a:srgbClr val="000000"/>
       </a:buClr>
       <a:buFont typeface="Arial"/>
-      <a:defRPr b="0" i="0" sz="1400" u="none" cap="none" strike="noStrike">
+      <a:defRPr sz="1400" b="0" i="0" u="none" strike="noStrike" cap="none">
         <a:solidFill>
           <a:srgbClr val="000000"/>
         </a:solidFill>
@@ -596,7 +680,7 @@
         <a:sym typeface="Arial"/>
       </a:defRPr>
     </a:lvl4pPr>
-    <a:lvl5pPr lvl="4" marR="0" rtl="0" algn="l">
+    <a:lvl5pPr marR="0" lvl="4" algn="l" rtl="0">
       <a:lnSpc>
         <a:spcPct val="100000"/>
       </a:lnSpc>
@@ -610,7 +694,7 @@
         <a:srgbClr val="000000"/>
       </a:buClr>
       <a:buFont typeface="Arial"/>
-      <a:defRPr b="0" i="0" sz="1400" u="none" cap="none" strike="noStrike">
+      <a:defRPr sz="1400" b="0" i="0" u="none" strike="noStrike" cap="none">
         <a:solidFill>
           <a:srgbClr val="000000"/>
         </a:solidFill>
@@ -620,7 +704,7 @@
         <a:sym typeface="Arial"/>
       </a:defRPr>
     </a:lvl5pPr>
-    <a:lvl6pPr lvl="5" marR="0" rtl="0" algn="l">
+    <a:lvl6pPr marR="0" lvl="5" algn="l" rtl="0">
       <a:lnSpc>
         <a:spcPct val="100000"/>
       </a:lnSpc>
@@ -634,7 +718,7 @@
         <a:srgbClr val="000000"/>
       </a:buClr>
       <a:buFont typeface="Arial"/>
-      <a:defRPr b="0" i="0" sz="1400" u="none" cap="none" strike="noStrike">
+      <a:defRPr sz="1400" b="0" i="0" u="none" strike="noStrike" cap="none">
         <a:solidFill>
           <a:srgbClr val="000000"/>
         </a:solidFill>
@@ -644,7 +728,7 @@
         <a:sym typeface="Arial"/>
       </a:defRPr>
     </a:lvl6pPr>
-    <a:lvl7pPr lvl="6" marR="0" rtl="0" algn="l">
+    <a:lvl7pPr marR="0" lvl="6" algn="l" rtl="0">
       <a:lnSpc>
         <a:spcPct val="100000"/>
       </a:lnSpc>
@@ -658,7 +742,7 @@
         <a:srgbClr val="000000"/>
       </a:buClr>
       <a:buFont typeface="Arial"/>
-      <a:defRPr b="0" i="0" sz="1400" u="none" cap="none" strike="noStrike">
+      <a:defRPr sz="1400" b="0" i="0" u="none" strike="noStrike" cap="none">
         <a:solidFill>
           <a:srgbClr val="000000"/>
         </a:solidFill>
@@ -668,7 +752,7 @@
         <a:sym typeface="Arial"/>
       </a:defRPr>
     </a:lvl7pPr>
-    <a:lvl8pPr lvl="7" marR="0" rtl="0" algn="l">
+    <a:lvl8pPr marR="0" lvl="7" algn="l" rtl="0">
       <a:lnSpc>
         <a:spcPct val="100000"/>
       </a:lnSpc>
@@ -682,7 +766,7 @@
         <a:srgbClr val="000000"/>
       </a:buClr>
       <a:buFont typeface="Arial"/>
-      <a:defRPr b="0" i="0" sz="1400" u="none" cap="none" strike="noStrike">
+      <a:defRPr sz="1400" b="0" i="0" u="none" strike="noStrike" cap="none">
         <a:solidFill>
           <a:srgbClr val="000000"/>
         </a:solidFill>
@@ -692,7 +776,7 @@
         <a:sym typeface="Arial"/>
       </a:defRPr>
     </a:lvl8pPr>
-    <a:lvl9pPr lvl="8" marR="0" rtl="0" algn="l">
+    <a:lvl9pPr marR="0" lvl="8" algn="l" rtl="0">
       <a:lnSpc>
         <a:spcPct val="100000"/>
       </a:lnSpc>
@@ -706,7 +790,7 @@
         <a:srgbClr val="000000"/>
       </a:buClr>
       <a:buFont typeface="Arial"/>
-      <a:defRPr b="0" i="0" sz="1400" u="none" cap="none" strike="noStrike">
+      <a:defRPr sz="1400" b="0" i="0" u="none" strike="noStrike" cap="none">
         <a:solidFill>
           <a:srgbClr val="000000"/>
         </a:solidFill>
@@ -721,11 +805,11 @@
 </file>
 
 <file path=ppt/notesSlides/notesSlide1.xml><?xml version="1.0" encoding="utf-8"?>
-<p:notes xmlns:a="http://schemas.openxmlformats.org/drawingml/2006/main" xmlns:r="http://schemas.openxmlformats.org/officeDocument/2006/relationships" xmlns:mc="http://schemas.openxmlformats.org/markup-compatibility/2006" xmlns:mv="urn:schemas-microsoft-com:mac:vml" xmlns:p="http://schemas.openxmlformats.org/presentationml/2006/main" xmlns:c="http://schemas.openxmlformats.org/drawingml/2006/chart" xmlns:dgm="http://schemas.openxmlformats.org/drawingml/2006/diagram" xmlns:o="urn:schemas-microsoft-com:office:office" xmlns:v="urn:schemas-microsoft-com:vml" xmlns:pvml="urn:schemas-microsoft-com:office:powerpoint" xmlns:com="http://schemas.openxmlformats.org/drawingml/2006/compatibility" xmlns:p14="http://schemas.microsoft.com/office/powerpoint/2010/main" xmlns:p15="http://schemas.microsoft.com/office/powerpoint/2012/main" showMasterPhAnim="0" showMasterSp="0">
+<p:notes xmlns:a="http://schemas.openxmlformats.org/drawingml/2006/main" xmlns:r="http://schemas.openxmlformats.org/officeDocument/2006/relationships" xmlns:p="http://schemas.openxmlformats.org/presentationml/2006/main" showMasterSp="0" showMasterPhAnim="0">
   <p:cSld>
     <p:spTree>
       <p:nvGrpSpPr>
-        <p:cNvPr id="68" name="Shape 68"/>
+        <p:cNvPr id="1" name="Shape 68"/>
         <p:cNvGrpSpPr/>
         <p:nvPr/>
       </p:nvGrpSpPr>
@@ -740,9 +824,11 @@
       <p:sp>
         <p:nvSpPr>
           <p:cNvPr id="69" name="Google Shape;69;gcb9a0b074_1_0:notes"/>
-          <p:cNvSpPr/>
+          <p:cNvSpPr>
+            <a:spLocks noGrp="1" noRot="1" noChangeAspect="1"/>
+          </p:cNvSpPr>
           <p:nvPr>
-            <p:ph idx="2" type="sldImg"/>
+            <p:ph type="sldImg" idx="2"/>
           </p:nvPr>
         </p:nvSpPr>
         <p:spPr>
@@ -751,9 +837,13 @@
             <a:ext cx="6096000" cy="3429000"/>
           </a:xfrm>
           <a:custGeom>
-            <a:rect b="b" l="l" r="r" t="t"/>
+            <a:avLst/>
+            <a:gdLst/>
+            <a:ahLst/>
+            <a:cxnLst/>
+            <a:rect l="l" t="t" r="r" b="b"/>
             <a:pathLst>
-              <a:path extrusionOk="0" h="120000" w="120000">
+              <a:path w="120000" h="120000" extrusionOk="0">
                 <a:moveTo>
                   <a:pt x="0" y="0"/>
                 </a:moveTo>
@@ -775,9 +865,11 @@
       <p:sp>
         <p:nvSpPr>
           <p:cNvPr id="70" name="Google Shape;70;gcb9a0b074_1_0:notes"/>
-          <p:cNvSpPr txBox="1"/>
+          <p:cNvSpPr txBox="1">
+            <a:spLocks noGrp="1"/>
+          </p:cNvSpPr>
           <p:nvPr>
-            <p:ph idx="1" type="body"/>
+            <p:ph type="body" idx="1"/>
           </p:nvPr>
         </p:nvSpPr>
         <p:spPr>
@@ -790,12 +882,12 @@
           </a:prstGeom>
         </p:spPr>
         <p:txBody>
-          <a:bodyPr anchorCtr="0" anchor="t" bIns="91425" lIns="91425" spcFirstLastPara="1" rIns="91425" wrap="square" tIns="91425">
+          <a:bodyPr spcFirstLastPara="1" wrap="square" lIns="91425" tIns="91425" rIns="91425" bIns="91425" anchor="t" anchorCtr="0">
             <a:noAutofit/>
           </a:bodyPr>
           <a:lstStyle/>
           <a:p>
-            <a:pPr indent="0" lvl="0" marL="0" rtl="0" algn="l">
+            <a:pPr marL="0" lvl="0" indent="0" algn="l" rtl="0">
               <a:spcBef>
                 <a:spcPts val="0"/>
               </a:spcBef>
@@ -804,9 +896,6 @@
               </a:spcAft>
               <a:buNone/>
             </a:pPr>
-            <a:r>
-              <a:t/>
-            </a:r>
             <a:endParaRPr/>
           </a:p>
         </p:txBody>
@@ -820,11 +909,11 @@
 </file>
 
 <file path=ppt/notesSlides/notesSlide10.xml><?xml version="1.0" encoding="utf-8"?>
-<p:notes xmlns:a="http://schemas.openxmlformats.org/drawingml/2006/main" xmlns:r="http://schemas.openxmlformats.org/officeDocument/2006/relationships" xmlns:mc="http://schemas.openxmlformats.org/markup-compatibility/2006" xmlns:mv="urn:schemas-microsoft-com:mac:vml" xmlns:p="http://schemas.openxmlformats.org/presentationml/2006/main" xmlns:c="http://schemas.openxmlformats.org/drawingml/2006/chart" xmlns:dgm="http://schemas.openxmlformats.org/drawingml/2006/diagram" xmlns:o="urn:schemas-microsoft-com:office:office" xmlns:v="urn:schemas-microsoft-com:vml" xmlns:pvml="urn:schemas-microsoft-com:office:powerpoint" xmlns:com="http://schemas.openxmlformats.org/drawingml/2006/compatibility" xmlns:p14="http://schemas.microsoft.com/office/powerpoint/2010/main" xmlns:p15="http://schemas.microsoft.com/office/powerpoint/2012/main" showMasterPhAnim="0" showMasterSp="0">
+<p:notes xmlns:a="http://schemas.openxmlformats.org/drawingml/2006/main" xmlns:r="http://schemas.openxmlformats.org/officeDocument/2006/relationships" xmlns:p="http://schemas.openxmlformats.org/presentationml/2006/main" showMasterSp="0" showMasterPhAnim="0">
   <p:cSld>
     <p:spTree>
       <p:nvGrpSpPr>
-        <p:cNvPr id="122" name="Shape 122"/>
+        <p:cNvPr id="1" name="Shape 122"/>
         <p:cNvGrpSpPr/>
         <p:nvPr/>
       </p:nvGrpSpPr>
@@ -839,9 +928,11 @@
       <p:sp>
         <p:nvSpPr>
           <p:cNvPr id="123" name="Google Shape;123;g8db37c88b9_0_34:notes"/>
-          <p:cNvSpPr/>
+          <p:cNvSpPr>
+            <a:spLocks noGrp="1" noRot="1" noChangeAspect="1"/>
+          </p:cNvSpPr>
           <p:nvPr>
-            <p:ph idx="2" type="sldImg"/>
+            <p:ph type="sldImg" idx="2"/>
           </p:nvPr>
         </p:nvSpPr>
         <p:spPr>
@@ -850,9 +941,13 @@
             <a:ext cx="6096000" cy="3429000"/>
           </a:xfrm>
           <a:custGeom>
-            <a:rect b="b" l="l" r="r" t="t"/>
+            <a:avLst/>
+            <a:gdLst/>
+            <a:ahLst/>
+            <a:cxnLst/>
+            <a:rect l="l" t="t" r="r" b="b"/>
             <a:pathLst>
-              <a:path extrusionOk="0" h="120000" w="120000">
+              <a:path w="120000" h="120000" extrusionOk="0">
                 <a:moveTo>
                   <a:pt x="0" y="0"/>
                 </a:moveTo>
@@ -874,9 +969,11 @@
       <p:sp>
         <p:nvSpPr>
           <p:cNvPr id="124" name="Google Shape;124;g8db37c88b9_0_34:notes"/>
-          <p:cNvSpPr txBox="1"/>
+          <p:cNvSpPr txBox="1">
+            <a:spLocks noGrp="1"/>
+          </p:cNvSpPr>
           <p:nvPr>
-            <p:ph idx="1" type="body"/>
+            <p:ph type="body" idx="1"/>
           </p:nvPr>
         </p:nvSpPr>
         <p:spPr>
@@ -889,12 +986,12 @@
           </a:prstGeom>
         </p:spPr>
         <p:txBody>
-          <a:bodyPr anchorCtr="0" anchor="t" bIns="91425" lIns="91425" spcFirstLastPara="1" rIns="91425" wrap="square" tIns="91425">
+          <a:bodyPr spcFirstLastPara="1" wrap="square" lIns="91425" tIns="91425" rIns="91425" bIns="91425" anchor="t" anchorCtr="0">
             <a:noAutofit/>
           </a:bodyPr>
           <a:lstStyle/>
           <a:p>
-            <a:pPr indent="0" lvl="0" marL="0" rtl="0" algn="l">
+            <a:pPr marL="0" lvl="0" indent="0" algn="l" rtl="0">
               <a:spcBef>
                 <a:spcPts val="0"/>
               </a:spcBef>
@@ -903,9 +1000,6 @@
               </a:spcAft>
               <a:buNone/>
             </a:pPr>
-            <a:r>
-              <a:t/>
-            </a:r>
             <a:endParaRPr/>
           </a:p>
         </p:txBody>
@@ -919,11 +1013,11 @@
 </file>
 
 <file path=ppt/notesSlides/notesSlide11.xml><?xml version="1.0" encoding="utf-8"?>
-<p:notes xmlns:a="http://schemas.openxmlformats.org/drawingml/2006/main" xmlns:r="http://schemas.openxmlformats.org/officeDocument/2006/relationships" xmlns:mc="http://schemas.openxmlformats.org/markup-compatibility/2006" xmlns:mv="urn:schemas-microsoft-com:mac:vml" xmlns:p="http://schemas.openxmlformats.org/presentationml/2006/main" xmlns:c="http://schemas.openxmlformats.org/drawingml/2006/chart" xmlns:dgm="http://schemas.openxmlformats.org/drawingml/2006/diagram" xmlns:o="urn:schemas-microsoft-com:office:office" xmlns:v="urn:schemas-microsoft-com:vml" xmlns:pvml="urn:schemas-microsoft-com:office:powerpoint" xmlns:com="http://schemas.openxmlformats.org/drawingml/2006/compatibility" xmlns:p14="http://schemas.microsoft.com/office/powerpoint/2010/main" xmlns:p15="http://schemas.microsoft.com/office/powerpoint/2012/main" showMasterPhAnim="0" showMasterSp="0">
+<p:notes xmlns:a="http://schemas.openxmlformats.org/drawingml/2006/main" xmlns:r="http://schemas.openxmlformats.org/officeDocument/2006/relationships" xmlns:p="http://schemas.openxmlformats.org/presentationml/2006/main" showMasterSp="0" showMasterPhAnim="0">
   <p:cSld>
     <p:spTree>
       <p:nvGrpSpPr>
-        <p:cNvPr id="128" name="Shape 128"/>
+        <p:cNvPr id="1" name="Shape 128"/>
         <p:cNvGrpSpPr/>
         <p:nvPr/>
       </p:nvGrpSpPr>
@@ -938,9 +1032,11 @@
       <p:sp>
         <p:nvSpPr>
           <p:cNvPr id="129" name="Google Shape;129;g8db37c88b9_0_44:notes"/>
-          <p:cNvSpPr/>
+          <p:cNvSpPr>
+            <a:spLocks noGrp="1" noRot="1" noChangeAspect="1"/>
+          </p:cNvSpPr>
           <p:nvPr>
-            <p:ph idx="2" type="sldImg"/>
+            <p:ph type="sldImg" idx="2"/>
           </p:nvPr>
         </p:nvSpPr>
         <p:spPr>
@@ -949,9 +1045,13 @@
             <a:ext cx="6096000" cy="3429000"/>
           </a:xfrm>
           <a:custGeom>
-            <a:rect b="b" l="l" r="r" t="t"/>
+            <a:avLst/>
+            <a:gdLst/>
+            <a:ahLst/>
+            <a:cxnLst/>
+            <a:rect l="l" t="t" r="r" b="b"/>
             <a:pathLst>
-              <a:path extrusionOk="0" h="120000" w="120000">
+              <a:path w="120000" h="120000" extrusionOk="0">
                 <a:moveTo>
                   <a:pt x="0" y="0"/>
                 </a:moveTo>
@@ -973,9 +1073,11 @@
       <p:sp>
         <p:nvSpPr>
           <p:cNvPr id="130" name="Google Shape;130;g8db37c88b9_0_44:notes"/>
-          <p:cNvSpPr txBox="1"/>
+          <p:cNvSpPr txBox="1">
+            <a:spLocks noGrp="1"/>
+          </p:cNvSpPr>
           <p:nvPr>
-            <p:ph idx="1" type="body"/>
+            <p:ph type="body" idx="1"/>
           </p:nvPr>
         </p:nvSpPr>
         <p:spPr>
@@ -988,12 +1090,12 @@
           </a:prstGeom>
         </p:spPr>
         <p:txBody>
-          <a:bodyPr anchorCtr="0" anchor="t" bIns="91425" lIns="91425" spcFirstLastPara="1" rIns="91425" wrap="square" tIns="91425">
+          <a:bodyPr spcFirstLastPara="1" wrap="square" lIns="91425" tIns="91425" rIns="91425" bIns="91425" anchor="t" anchorCtr="0">
             <a:noAutofit/>
           </a:bodyPr>
           <a:lstStyle/>
           <a:p>
-            <a:pPr indent="0" lvl="0" marL="0" rtl="0" algn="l">
+            <a:pPr marL="0" lvl="0" indent="0" algn="l" rtl="0">
               <a:spcBef>
                 <a:spcPts val="0"/>
               </a:spcBef>
@@ -1002,9 +1104,6 @@
               </a:spcAft>
               <a:buNone/>
             </a:pPr>
-            <a:r>
-              <a:t/>
-            </a:r>
             <a:endParaRPr/>
           </a:p>
         </p:txBody>
@@ -1018,11 +1117,11 @@
 </file>
 
 <file path=ppt/notesSlides/notesSlide12.xml><?xml version="1.0" encoding="utf-8"?>
-<p:notes xmlns:a="http://schemas.openxmlformats.org/drawingml/2006/main" xmlns:r="http://schemas.openxmlformats.org/officeDocument/2006/relationships" xmlns:mc="http://schemas.openxmlformats.org/markup-compatibility/2006" xmlns:mv="urn:schemas-microsoft-com:mac:vml" xmlns:p="http://schemas.openxmlformats.org/presentationml/2006/main" xmlns:c="http://schemas.openxmlformats.org/drawingml/2006/chart" xmlns:dgm="http://schemas.openxmlformats.org/drawingml/2006/diagram" xmlns:o="urn:schemas-microsoft-com:office:office" xmlns:v="urn:schemas-microsoft-com:vml" xmlns:pvml="urn:schemas-microsoft-com:office:powerpoint" xmlns:com="http://schemas.openxmlformats.org/drawingml/2006/compatibility" xmlns:p14="http://schemas.microsoft.com/office/powerpoint/2010/main" xmlns:p15="http://schemas.microsoft.com/office/powerpoint/2012/main" showMasterPhAnim="0" showMasterSp="0">
+<p:notes xmlns:a="http://schemas.openxmlformats.org/drawingml/2006/main" xmlns:r="http://schemas.openxmlformats.org/officeDocument/2006/relationships" xmlns:p="http://schemas.openxmlformats.org/presentationml/2006/main" showMasterSp="0" showMasterPhAnim="0">
   <p:cSld>
     <p:spTree>
       <p:nvGrpSpPr>
-        <p:cNvPr id="134" name="Shape 134"/>
+        <p:cNvPr id="1" name="Shape 134"/>
         <p:cNvGrpSpPr/>
         <p:nvPr/>
       </p:nvGrpSpPr>
@@ -1037,9 +1136,11 @@
       <p:sp>
         <p:nvSpPr>
           <p:cNvPr id="135" name="Google Shape;135;g8db37c88b9_0_49:notes"/>
-          <p:cNvSpPr/>
+          <p:cNvSpPr>
+            <a:spLocks noGrp="1" noRot="1" noChangeAspect="1"/>
+          </p:cNvSpPr>
           <p:nvPr>
-            <p:ph idx="2" type="sldImg"/>
+            <p:ph type="sldImg" idx="2"/>
           </p:nvPr>
         </p:nvSpPr>
         <p:spPr>
@@ -1048,9 +1149,13 @@
             <a:ext cx="6096000" cy="3429000"/>
           </a:xfrm>
           <a:custGeom>
-            <a:rect b="b" l="l" r="r" t="t"/>
+            <a:avLst/>
+            <a:gdLst/>
+            <a:ahLst/>
+            <a:cxnLst/>
+            <a:rect l="l" t="t" r="r" b="b"/>
             <a:pathLst>
-              <a:path extrusionOk="0" h="120000" w="120000">
+              <a:path w="120000" h="120000" extrusionOk="0">
                 <a:moveTo>
                   <a:pt x="0" y="0"/>
                 </a:moveTo>
@@ -1072,9 +1177,11 @@
       <p:sp>
         <p:nvSpPr>
           <p:cNvPr id="136" name="Google Shape;136;g8db37c88b9_0_49:notes"/>
-          <p:cNvSpPr txBox="1"/>
+          <p:cNvSpPr txBox="1">
+            <a:spLocks noGrp="1"/>
+          </p:cNvSpPr>
           <p:nvPr>
-            <p:ph idx="1" type="body"/>
+            <p:ph type="body" idx="1"/>
           </p:nvPr>
         </p:nvSpPr>
         <p:spPr>
@@ -1087,12 +1194,12 @@
           </a:prstGeom>
         </p:spPr>
         <p:txBody>
-          <a:bodyPr anchorCtr="0" anchor="t" bIns="91425" lIns="91425" spcFirstLastPara="1" rIns="91425" wrap="square" tIns="91425">
+          <a:bodyPr spcFirstLastPara="1" wrap="square" lIns="91425" tIns="91425" rIns="91425" bIns="91425" anchor="t" anchorCtr="0">
             <a:noAutofit/>
           </a:bodyPr>
           <a:lstStyle/>
           <a:p>
-            <a:pPr indent="0" lvl="0" marL="0" rtl="0" algn="l">
+            <a:pPr marL="0" lvl="0" indent="0" algn="l" rtl="0">
               <a:spcBef>
                 <a:spcPts val="0"/>
               </a:spcBef>
@@ -1101,9 +1208,6 @@
               </a:spcAft>
               <a:buNone/>
             </a:pPr>
-            <a:r>
-              <a:t/>
-            </a:r>
             <a:endParaRPr/>
           </a:p>
         </p:txBody>
@@ -1117,11 +1221,11 @@
 </file>
 
 <file path=ppt/notesSlides/notesSlide13.xml><?xml version="1.0" encoding="utf-8"?>
-<p:notes xmlns:a="http://schemas.openxmlformats.org/drawingml/2006/main" xmlns:r="http://schemas.openxmlformats.org/officeDocument/2006/relationships" xmlns:mc="http://schemas.openxmlformats.org/markup-compatibility/2006" xmlns:mv="urn:schemas-microsoft-com:mac:vml" xmlns:p="http://schemas.openxmlformats.org/presentationml/2006/main" xmlns:c="http://schemas.openxmlformats.org/drawingml/2006/chart" xmlns:dgm="http://schemas.openxmlformats.org/drawingml/2006/diagram" xmlns:o="urn:schemas-microsoft-com:office:office" xmlns:v="urn:schemas-microsoft-com:vml" xmlns:pvml="urn:schemas-microsoft-com:office:powerpoint" xmlns:com="http://schemas.openxmlformats.org/drawingml/2006/compatibility" xmlns:p14="http://schemas.microsoft.com/office/powerpoint/2010/main" xmlns:p15="http://schemas.microsoft.com/office/powerpoint/2012/main" showMasterPhAnim="0" showMasterSp="0">
+<p:notes xmlns:a="http://schemas.openxmlformats.org/drawingml/2006/main" xmlns:r="http://schemas.openxmlformats.org/officeDocument/2006/relationships" xmlns:p="http://schemas.openxmlformats.org/presentationml/2006/main" showMasterSp="0" showMasterPhAnim="0">
   <p:cSld>
     <p:spTree>
       <p:nvGrpSpPr>
-        <p:cNvPr id="140" name="Shape 140"/>
+        <p:cNvPr id="1" name="Shape 140"/>
         <p:cNvGrpSpPr/>
         <p:nvPr/>
       </p:nvGrpSpPr>
@@ -1136,9 +1240,11 @@
       <p:sp>
         <p:nvSpPr>
           <p:cNvPr id="141" name="Google Shape;141;g8db37c88b9_0_54:notes"/>
-          <p:cNvSpPr/>
+          <p:cNvSpPr>
+            <a:spLocks noGrp="1" noRot="1" noChangeAspect="1"/>
+          </p:cNvSpPr>
           <p:nvPr>
-            <p:ph idx="2" type="sldImg"/>
+            <p:ph type="sldImg" idx="2"/>
           </p:nvPr>
         </p:nvSpPr>
         <p:spPr>
@@ -1147,9 +1253,13 @@
             <a:ext cx="6096000" cy="3429000"/>
           </a:xfrm>
           <a:custGeom>
-            <a:rect b="b" l="l" r="r" t="t"/>
+            <a:avLst/>
+            <a:gdLst/>
+            <a:ahLst/>
+            <a:cxnLst/>
+            <a:rect l="l" t="t" r="r" b="b"/>
             <a:pathLst>
-              <a:path extrusionOk="0" h="120000" w="120000">
+              <a:path w="120000" h="120000" extrusionOk="0">
                 <a:moveTo>
                   <a:pt x="0" y="0"/>
                 </a:moveTo>
@@ -1171,9 +1281,11 @@
       <p:sp>
         <p:nvSpPr>
           <p:cNvPr id="142" name="Google Shape;142;g8db37c88b9_0_54:notes"/>
-          <p:cNvSpPr txBox="1"/>
+          <p:cNvSpPr txBox="1">
+            <a:spLocks noGrp="1"/>
+          </p:cNvSpPr>
           <p:nvPr>
-            <p:ph idx="1" type="body"/>
+            <p:ph type="body" idx="1"/>
           </p:nvPr>
         </p:nvSpPr>
         <p:spPr>
@@ -1186,12 +1298,12 @@
           </a:prstGeom>
         </p:spPr>
         <p:txBody>
-          <a:bodyPr anchorCtr="0" anchor="t" bIns="91425" lIns="91425" spcFirstLastPara="1" rIns="91425" wrap="square" tIns="91425">
+          <a:bodyPr spcFirstLastPara="1" wrap="square" lIns="91425" tIns="91425" rIns="91425" bIns="91425" anchor="t" anchorCtr="0">
             <a:noAutofit/>
           </a:bodyPr>
           <a:lstStyle/>
           <a:p>
-            <a:pPr indent="0" lvl="0" marL="0" rtl="0" algn="l">
+            <a:pPr marL="0" lvl="0" indent="0" algn="l" rtl="0">
               <a:spcBef>
                 <a:spcPts val="0"/>
               </a:spcBef>
@@ -1200,9 +1312,6 @@
               </a:spcAft>
               <a:buNone/>
             </a:pPr>
-            <a:r>
-              <a:t/>
-            </a:r>
             <a:endParaRPr/>
           </a:p>
         </p:txBody>
@@ -1216,11 +1325,11 @@
 </file>
 
 <file path=ppt/notesSlides/notesSlide14.xml><?xml version="1.0" encoding="utf-8"?>
-<p:notes xmlns:a="http://schemas.openxmlformats.org/drawingml/2006/main" xmlns:r="http://schemas.openxmlformats.org/officeDocument/2006/relationships" xmlns:mc="http://schemas.openxmlformats.org/markup-compatibility/2006" xmlns:mv="urn:schemas-microsoft-com:mac:vml" xmlns:p="http://schemas.openxmlformats.org/presentationml/2006/main" xmlns:c="http://schemas.openxmlformats.org/drawingml/2006/chart" xmlns:dgm="http://schemas.openxmlformats.org/drawingml/2006/diagram" xmlns:o="urn:schemas-microsoft-com:office:office" xmlns:v="urn:schemas-microsoft-com:vml" xmlns:pvml="urn:schemas-microsoft-com:office:powerpoint" xmlns:com="http://schemas.openxmlformats.org/drawingml/2006/compatibility" xmlns:p14="http://schemas.microsoft.com/office/powerpoint/2010/main" xmlns:p15="http://schemas.microsoft.com/office/powerpoint/2012/main" showMasterPhAnim="0" showMasterSp="0">
+<p:notes xmlns:a="http://schemas.openxmlformats.org/drawingml/2006/main" xmlns:r="http://schemas.openxmlformats.org/officeDocument/2006/relationships" xmlns:p="http://schemas.openxmlformats.org/presentationml/2006/main" showMasterSp="0" showMasterPhAnim="0">
   <p:cSld>
     <p:spTree>
       <p:nvGrpSpPr>
-        <p:cNvPr id="146" name="Shape 146"/>
+        <p:cNvPr id="1" name="Shape 146"/>
         <p:cNvGrpSpPr/>
         <p:nvPr/>
       </p:nvGrpSpPr>
@@ -1235,9 +1344,11 @@
       <p:sp>
         <p:nvSpPr>
           <p:cNvPr id="147" name="Google Shape;147;g8db37c88b9_0_59:notes"/>
-          <p:cNvSpPr/>
+          <p:cNvSpPr>
+            <a:spLocks noGrp="1" noRot="1" noChangeAspect="1"/>
+          </p:cNvSpPr>
           <p:nvPr>
-            <p:ph idx="2" type="sldImg"/>
+            <p:ph type="sldImg" idx="2"/>
           </p:nvPr>
         </p:nvSpPr>
         <p:spPr>
@@ -1246,9 +1357,13 @@
             <a:ext cx="6096000" cy="3429000"/>
           </a:xfrm>
           <a:custGeom>
-            <a:rect b="b" l="l" r="r" t="t"/>
+            <a:avLst/>
+            <a:gdLst/>
+            <a:ahLst/>
+            <a:cxnLst/>
+            <a:rect l="l" t="t" r="r" b="b"/>
             <a:pathLst>
-              <a:path extrusionOk="0" h="120000" w="120000">
+              <a:path w="120000" h="120000" extrusionOk="0">
                 <a:moveTo>
                   <a:pt x="0" y="0"/>
                 </a:moveTo>
@@ -1270,9 +1385,11 @@
       <p:sp>
         <p:nvSpPr>
           <p:cNvPr id="148" name="Google Shape;148;g8db37c88b9_0_59:notes"/>
-          <p:cNvSpPr txBox="1"/>
+          <p:cNvSpPr txBox="1">
+            <a:spLocks noGrp="1"/>
+          </p:cNvSpPr>
           <p:nvPr>
-            <p:ph idx="1" type="body"/>
+            <p:ph type="body" idx="1"/>
           </p:nvPr>
         </p:nvSpPr>
         <p:spPr>
@@ -1285,12 +1402,12 @@
           </a:prstGeom>
         </p:spPr>
         <p:txBody>
-          <a:bodyPr anchorCtr="0" anchor="t" bIns="91425" lIns="91425" spcFirstLastPara="1" rIns="91425" wrap="square" tIns="91425">
+          <a:bodyPr spcFirstLastPara="1" wrap="square" lIns="91425" tIns="91425" rIns="91425" bIns="91425" anchor="t" anchorCtr="0">
             <a:noAutofit/>
           </a:bodyPr>
           <a:lstStyle/>
           <a:p>
-            <a:pPr indent="0" lvl="0" marL="0" rtl="0" algn="l">
+            <a:pPr marL="0" lvl="0" indent="0" algn="l" rtl="0">
               <a:spcBef>
                 <a:spcPts val="0"/>
               </a:spcBef>
@@ -1299,9 +1416,6 @@
               </a:spcAft>
               <a:buNone/>
             </a:pPr>
-            <a:r>
-              <a:t/>
-            </a:r>
             <a:endParaRPr/>
           </a:p>
         </p:txBody>
@@ -1315,11 +1429,11 @@
 </file>
 
 <file path=ppt/notesSlides/notesSlide15.xml><?xml version="1.0" encoding="utf-8"?>
-<p:notes xmlns:a="http://schemas.openxmlformats.org/drawingml/2006/main" xmlns:r="http://schemas.openxmlformats.org/officeDocument/2006/relationships" xmlns:mc="http://schemas.openxmlformats.org/markup-compatibility/2006" xmlns:mv="urn:schemas-microsoft-com:mac:vml" xmlns:p="http://schemas.openxmlformats.org/presentationml/2006/main" xmlns:c="http://schemas.openxmlformats.org/drawingml/2006/chart" xmlns:dgm="http://schemas.openxmlformats.org/drawingml/2006/diagram" xmlns:o="urn:schemas-microsoft-com:office:office" xmlns:v="urn:schemas-microsoft-com:vml" xmlns:pvml="urn:schemas-microsoft-com:office:powerpoint" xmlns:com="http://schemas.openxmlformats.org/drawingml/2006/compatibility" xmlns:p14="http://schemas.microsoft.com/office/powerpoint/2010/main" xmlns:p15="http://schemas.microsoft.com/office/powerpoint/2012/main" showMasterPhAnim="0" showMasterSp="0">
+<p:notes xmlns:a="http://schemas.openxmlformats.org/drawingml/2006/main" xmlns:r="http://schemas.openxmlformats.org/officeDocument/2006/relationships" xmlns:p="http://schemas.openxmlformats.org/presentationml/2006/main" showMasterSp="0" showMasterPhAnim="0">
   <p:cSld>
     <p:spTree>
       <p:nvGrpSpPr>
-        <p:cNvPr id="152" name="Shape 152"/>
+        <p:cNvPr id="1" name="Shape 152"/>
         <p:cNvGrpSpPr/>
         <p:nvPr/>
       </p:nvGrpSpPr>
@@ -1334,9 +1448,11 @@
       <p:sp>
         <p:nvSpPr>
           <p:cNvPr id="153" name="Google Shape;153;g8db37c88b9_0_64:notes"/>
-          <p:cNvSpPr/>
+          <p:cNvSpPr>
+            <a:spLocks noGrp="1" noRot="1" noChangeAspect="1"/>
+          </p:cNvSpPr>
           <p:nvPr>
-            <p:ph idx="2" type="sldImg"/>
+            <p:ph type="sldImg" idx="2"/>
           </p:nvPr>
         </p:nvSpPr>
         <p:spPr>
@@ -1345,9 +1461,13 @@
             <a:ext cx="6096000" cy="3429000"/>
           </a:xfrm>
           <a:custGeom>
-            <a:rect b="b" l="l" r="r" t="t"/>
+            <a:avLst/>
+            <a:gdLst/>
+            <a:ahLst/>
+            <a:cxnLst/>
+            <a:rect l="l" t="t" r="r" b="b"/>
             <a:pathLst>
-              <a:path extrusionOk="0" h="120000" w="120000">
+              <a:path w="120000" h="120000" extrusionOk="0">
                 <a:moveTo>
                   <a:pt x="0" y="0"/>
                 </a:moveTo>
@@ -1369,9 +1489,11 @@
       <p:sp>
         <p:nvSpPr>
           <p:cNvPr id="154" name="Google Shape;154;g8db37c88b9_0_64:notes"/>
-          <p:cNvSpPr txBox="1"/>
+          <p:cNvSpPr txBox="1">
+            <a:spLocks noGrp="1"/>
+          </p:cNvSpPr>
           <p:nvPr>
-            <p:ph idx="1" type="body"/>
+            <p:ph type="body" idx="1"/>
           </p:nvPr>
         </p:nvSpPr>
         <p:spPr>
@@ -1384,12 +1506,12 @@
           </a:prstGeom>
         </p:spPr>
         <p:txBody>
-          <a:bodyPr anchorCtr="0" anchor="t" bIns="91425" lIns="91425" spcFirstLastPara="1" rIns="91425" wrap="square" tIns="91425">
+          <a:bodyPr spcFirstLastPara="1" wrap="square" lIns="91425" tIns="91425" rIns="91425" bIns="91425" anchor="t" anchorCtr="0">
             <a:noAutofit/>
           </a:bodyPr>
           <a:lstStyle/>
           <a:p>
-            <a:pPr indent="0" lvl="0" marL="0" rtl="0" algn="l">
+            <a:pPr marL="0" lvl="0" indent="0" algn="l" rtl="0">
               <a:spcBef>
                 <a:spcPts val="0"/>
               </a:spcBef>
@@ -1398,9 +1520,6 @@
               </a:spcAft>
               <a:buNone/>
             </a:pPr>
-            <a:r>
-              <a:t/>
-            </a:r>
             <a:endParaRPr/>
           </a:p>
         </p:txBody>
@@ -1414,11 +1533,11 @@
 </file>
 
 <file path=ppt/notesSlides/notesSlide16.xml><?xml version="1.0" encoding="utf-8"?>
-<p:notes xmlns:a="http://schemas.openxmlformats.org/drawingml/2006/main" xmlns:r="http://schemas.openxmlformats.org/officeDocument/2006/relationships" xmlns:mc="http://schemas.openxmlformats.org/markup-compatibility/2006" xmlns:mv="urn:schemas-microsoft-com:mac:vml" xmlns:p="http://schemas.openxmlformats.org/presentationml/2006/main" xmlns:c="http://schemas.openxmlformats.org/drawingml/2006/chart" xmlns:dgm="http://schemas.openxmlformats.org/drawingml/2006/diagram" xmlns:o="urn:schemas-microsoft-com:office:office" xmlns:v="urn:schemas-microsoft-com:vml" xmlns:pvml="urn:schemas-microsoft-com:office:powerpoint" xmlns:com="http://schemas.openxmlformats.org/drawingml/2006/compatibility" xmlns:p14="http://schemas.microsoft.com/office/powerpoint/2010/main" xmlns:p15="http://schemas.microsoft.com/office/powerpoint/2012/main" showMasterPhAnim="0" showMasterSp="0">
+<p:notes xmlns:a="http://schemas.openxmlformats.org/drawingml/2006/main" xmlns:r="http://schemas.openxmlformats.org/officeDocument/2006/relationships" xmlns:p="http://schemas.openxmlformats.org/presentationml/2006/main" showMasterSp="0" showMasterPhAnim="0">
   <p:cSld>
     <p:spTree>
       <p:nvGrpSpPr>
-        <p:cNvPr id="158" name="Shape 158"/>
+        <p:cNvPr id="1" name="Shape 158"/>
         <p:cNvGrpSpPr/>
         <p:nvPr/>
       </p:nvGrpSpPr>
@@ -1433,9 +1552,11 @@
       <p:sp>
         <p:nvSpPr>
           <p:cNvPr id="159" name="Google Shape;159;g8db37c88b9_0_74:notes"/>
-          <p:cNvSpPr/>
+          <p:cNvSpPr>
+            <a:spLocks noGrp="1" noRot="1" noChangeAspect="1"/>
+          </p:cNvSpPr>
           <p:nvPr>
-            <p:ph idx="2" type="sldImg"/>
+            <p:ph type="sldImg" idx="2"/>
           </p:nvPr>
         </p:nvSpPr>
         <p:spPr>
@@ -1444,9 +1565,13 @@
             <a:ext cx="6096000" cy="3429000"/>
           </a:xfrm>
           <a:custGeom>
-            <a:rect b="b" l="l" r="r" t="t"/>
+            <a:avLst/>
+            <a:gdLst/>
+            <a:ahLst/>
+            <a:cxnLst/>
+            <a:rect l="l" t="t" r="r" b="b"/>
             <a:pathLst>
-              <a:path extrusionOk="0" h="120000" w="120000">
+              <a:path w="120000" h="120000" extrusionOk="0">
                 <a:moveTo>
                   <a:pt x="0" y="0"/>
                 </a:moveTo>
@@ -1468,9 +1593,11 @@
       <p:sp>
         <p:nvSpPr>
           <p:cNvPr id="160" name="Google Shape;160;g8db37c88b9_0_74:notes"/>
-          <p:cNvSpPr txBox="1"/>
+          <p:cNvSpPr txBox="1">
+            <a:spLocks noGrp="1"/>
+          </p:cNvSpPr>
           <p:nvPr>
-            <p:ph idx="1" type="body"/>
+            <p:ph type="body" idx="1"/>
           </p:nvPr>
         </p:nvSpPr>
         <p:spPr>
@@ -1483,12 +1610,12 @@
           </a:prstGeom>
         </p:spPr>
         <p:txBody>
-          <a:bodyPr anchorCtr="0" anchor="t" bIns="91425" lIns="91425" spcFirstLastPara="1" rIns="91425" wrap="square" tIns="91425">
+          <a:bodyPr spcFirstLastPara="1" wrap="square" lIns="91425" tIns="91425" rIns="91425" bIns="91425" anchor="t" anchorCtr="0">
             <a:noAutofit/>
           </a:bodyPr>
           <a:lstStyle/>
           <a:p>
-            <a:pPr indent="0" lvl="0" marL="0" rtl="0" algn="l">
+            <a:pPr marL="0" lvl="0" indent="0" algn="l" rtl="0">
               <a:spcBef>
                 <a:spcPts val="0"/>
               </a:spcBef>
@@ -1497,9 +1624,6 @@
               </a:spcAft>
               <a:buNone/>
             </a:pPr>
-            <a:r>
-              <a:t/>
-            </a:r>
             <a:endParaRPr/>
           </a:p>
         </p:txBody>
@@ -1513,11 +1637,11 @@
 </file>
 
 <file path=ppt/notesSlides/notesSlide17.xml><?xml version="1.0" encoding="utf-8"?>
-<p:notes xmlns:a="http://schemas.openxmlformats.org/drawingml/2006/main" xmlns:r="http://schemas.openxmlformats.org/officeDocument/2006/relationships" xmlns:mc="http://schemas.openxmlformats.org/markup-compatibility/2006" xmlns:mv="urn:schemas-microsoft-com:mac:vml" xmlns:p="http://schemas.openxmlformats.org/presentationml/2006/main" xmlns:c="http://schemas.openxmlformats.org/drawingml/2006/chart" xmlns:dgm="http://schemas.openxmlformats.org/drawingml/2006/diagram" xmlns:o="urn:schemas-microsoft-com:office:office" xmlns:v="urn:schemas-microsoft-com:vml" xmlns:pvml="urn:schemas-microsoft-com:office:powerpoint" xmlns:com="http://schemas.openxmlformats.org/drawingml/2006/compatibility" xmlns:p14="http://schemas.microsoft.com/office/powerpoint/2010/main" xmlns:p15="http://schemas.microsoft.com/office/powerpoint/2012/main" showMasterPhAnim="0" showMasterSp="0">
+<p:notes xmlns:a="http://schemas.openxmlformats.org/drawingml/2006/main" xmlns:r="http://schemas.openxmlformats.org/officeDocument/2006/relationships" xmlns:p="http://schemas.openxmlformats.org/presentationml/2006/main" showMasterSp="0" showMasterPhAnim="0">
   <p:cSld>
     <p:spTree>
       <p:nvGrpSpPr>
-        <p:cNvPr id="164" name="Shape 164"/>
+        <p:cNvPr id="1" name="Shape 164"/>
         <p:cNvGrpSpPr/>
         <p:nvPr/>
       </p:nvGrpSpPr>
@@ -1532,20 +1656,26 @@
       <p:sp>
         <p:nvSpPr>
           <p:cNvPr id="165" name="Google Shape;165;g8db37c88b9_0_69:notes"/>
-          <p:cNvSpPr/>
+          <p:cNvSpPr>
+            <a:spLocks noGrp="1" noRot="1" noChangeAspect="1"/>
+          </p:cNvSpPr>
           <p:nvPr>
-            <p:ph idx="2" type="sldImg"/>
+            <p:ph type="sldImg" idx="2"/>
           </p:nvPr>
         </p:nvSpPr>
         <p:spPr>
           <a:xfrm>
-            <a:off x="381300" y="685800"/>
+            <a:off x="381000" y="685800"/>
             <a:ext cx="6096000" cy="3429000"/>
           </a:xfrm>
           <a:custGeom>
-            <a:rect b="b" l="l" r="r" t="t"/>
+            <a:avLst/>
+            <a:gdLst/>
+            <a:ahLst/>
+            <a:cxnLst/>
+            <a:rect l="l" t="t" r="r" b="b"/>
             <a:pathLst>
-              <a:path extrusionOk="0" h="120000" w="120000">
+              <a:path w="120000" h="120000" extrusionOk="0">
                 <a:moveTo>
                   <a:pt x="0" y="0"/>
                 </a:moveTo>
@@ -1567,9 +1697,11 @@
       <p:sp>
         <p:nvSpPr>
           <p:cNvPr id="166" name="Google Shape;166;g8db37c88b9_0_69:notes"/>
-          <p:cNvSpPr txBox="1"/>
+          <p:cNvSpPr txBox="1">
+            <a:spLocks noGrp="1"/>
+          </p:cNvSpPr>
           <p:nvPr>
-            <p:ph idx="1" type="body"/>
+            <p:ph type="body" idx="1"/>
           </p:nvPr>
         </p:nvSpPr>
         <p:spPr>
@@ -1582,12 +1714,12 @@
           </a:prstGeom>
         </p:spPr>
         <p:txBody>
-          <a:bodyPr anchorCtr="0" anchor="t" bIns="91425" lIns="91425" spcFirstLastPara="1" rIns="91425" wrap="square" tIns="91425">
+          <a:bodyPr spcFirstLastPara="1" wrap="square" lIns="91425" tIns="91425" rIns="91425" bIns="91425" anchor="t" anchorCtr="0">
             <a:noAutofit/>
           </a:bodyPr>
           <a:lstStyle/>
           <a:p>
-            <a:pPr indent="0" lvl="0" marL="0" rtl="0" algn="l">
+            <a:pPr marL="0" lvl="0" indent="0" algn="l" rtl="0">
               <a:spcBef>
                 <a:spcPts val="0"/>
               </a:spcBef>
@@ -1596,9 +1728,6 @@
               </a:spcAft>
               <a:buNone/>
             </a:pPr>
-            <a:r>
-              <a:t/>
-            </a:r>
             <a:endParaRPr/>
           </a:p>
         </p:txBody>
@@ -1612,11 +1741,11 @@
 </file>
 
 <file path=ppt/notesSlides/notesSlide18.xml><?xml version="1.0" encoding="utf-8"?>
-<p:notes xmlns:a="http://schemas.openxmlformats.org/drawingml/2006/main" xmlns:r="http://schemas.openxmlformats.org/officeDocument/2006/relationships" xmlns:mc="http://schemas.openxmlformats.org/markup-compatibility/2006" xmlns:mv="urn:schemas-microsoft-com:mac:vml" xmlns:p="http://schemas.openxmlformats.org/presentationml/2006/main" xmlns:c="http://schemas.openxmlformats.org/drawingml/2006/chart" xmlns:dgm="http://schemas.openxmlformats.org/drawingml/2006/diagram" xmlns:o="urn:schemas-microsoft-com:office:office" xmlns:v="urn:schemas-microsoft-com:vml" xmlns:pvml="urn:schemas-microsoft-com:office:powerpoint" xmlns:com="http://schemas.openxmlformats.org/drawingml/2006/compatibility" xmlns:p14="http://schemas.microsoft.com/office/powerpoint/2010/main" xmlns:p15="http://schemas.microsoft.com/office/powerpoint/2012/main" showMasterPhAnim="0" showMasterSp="0">
+<p:notes xmlns:a="http://schemas.openxmlformats.org/drawingml/2006/main" xmlns:r="http://schemas.openxmlformats.org/officeDocument/2006/relationships" xmlns:p="http://schemas.openxmlformats.org/presentationml/2006/main" showMasterSp="0" showMasterPhAnim="0">
   <p:cSld>
     <p:spTree>
       <p:nvGrpSpPr>
-        <p:cNvPr id="170" name="Shape 170"/>
+        <p:cNvPr id="1" name="Shape 164"/>
         <p:cNvGrpSpPr/>
         <p:nvPr/>
       </p:nvGrpSpPr>
@@ -1630,21 +1759,27 @@
       </p:grpSpPr>
       <p:sp>
         <p:nvSpPr>
-          <p:cNvPr id="171" name="Google Shape;171;g8db37c88b9_0_79:notes"/>
-          <p:cNvSpPr/>
+          <p:cNvPr id="165" name="Google Shape;165;g8db37c88b9_0_69:notes"/>
+          <p:cNvSpPr>
+            <a:spLocks noGrp="1" noRot="1" noChangeAspect="1"/>
+          </p:cNvSpPr>
           <p:nvPr>
-            <p:ph idx="2" type="sldImg"/>
+            <p:ph type="sldImg" idx="2"/>
           </p:nvPr>
         </p:nvSpPr>
         <p:spPr>
           <a:xfrm>
-            <a:off x="381300" y="685800"/>
+            <a:off x="381000" y="685800"/>
             <a:ext cx="6096000" cy="3429000"/>
           </a:xfrm>
           <a:custGeom>
-            <a:rect b="b" l="l" r="r" t="t"/>
+            <a:avLst/>
+            <a:gdLst/>
+            <a:ahLst/>
+            <a:cxnLst/>
+            <a:rect l="l" t="t" r="r" b="b"/>
             <a:pathLst>
-              <a:path extrusionOk="0" h="120000" w="120000">
+              <a:path w="120000" h="120000" extrusionOk="0">
                 <a:moveTo>
                   <a:pt x="0" y="0"/>
                 </a:moveTo>
@@ -1665,10 +1800,12 @@
       </p:sp>
       <p:sp>
         <p:nvSpPr>
-          <p:cNvPr id="172" name="Google Shape;172;g8db37c88b9_0_79:notes"/>
-          <p:cNvSpPr txBox="1"/>
+          <p:cNvPr id="166" name="Google Shape;166;g8db37c88b9_0_69:notes"/>
+          <p:cNvSpPr txBox="1">
+            <a:spLocks noGrp="1"/>
+          </p:cNvSpPr>
           <p:nvPr>
-            <p:ph idx="1" type="body"/>
+            <p:ph type="body" idx="1"/>
           </p:nvPr>
         </p:nvSpPr>
         <p:spPr>
@@ -1681,12 +1818,12 @@
           </a:prstGeom>
         </p:spPr>
         <p:txBody>
-          <a:bodyPr anchorCtr="0" anchor="t" bIns="91425" lIns="91425" spcFirstLastPara="1" rIns="91425" wrap="square" tIns="91425">
+          <a:bodyPr spcFirstLastPara="1" wrap="square" lIns="91425" tIns="91425" rIns="91425" bIns="91425" anchor="t" anchorCtr="0">
             <a:noAutofit/>
           </a:bodyPr>
           <a:lstStyle/>
           <a:p>
-            <a:pPr indent="0" lvl="0" marL="0" rtl="0" algn="l">
+            <a:pPr marL="0" lvl="0" indent="0" algn="l" rtl="0">
               <a:spcBef>
                 <a:spcPts val="0"/>
               </a:spcBef>
@@ -1695,14 +1832,16 @@
               </a:spcAft>
               <a:buNone/>
             </a:pPr>
-            <a:r>
-              <a:t/>
-            </a:r>
             <a:endParaRPr/>
           </a:p>
         </p:txBody>
       </p:sp>
     </p:spTree>
+    <p:extLst>
+      <p:ext uri="{BB962C8B-B14F-4D97-AF65-F5344CB8AC3E}">
+        <p14:creationId xmlns:p14="http://schemas.microsoft.com/office/powerpoint/2010/main" val="2055091841"/>
+      </p:ext>
+    </p:extLst>
   </p:cSld>
   <p:clrMapOvr>
     <a:masterClrMapping/>
@@ -1711,11 +1850,11 @@
 </file>
 
 <file path=ppt/notesSlides/notesSlide19.xml><?xml version="1.0" encoding="utf-8"?>
-<p:notes xmlns:a="http://schemas.openxmlformats.org/drawingml/2006/main" xmlns:r="http://schemas.openxmlformats.org/officeDocument/2006/relationships" xmlns:mc="http://schemas.openxmlformats.org/markup-compatibility/2006" xmlns:mv="urn:schemas-microsoft-com:mac:vml" xmlns:p="http://schemas.openxmlformats.org/presentationml/2006/main" xmlns:c="http://schemas.openxmlformats.org/drawingml/2006/chart" xmlns:dgm="http://schemas.openxmlformats.org/drawingml/2006/diagram" xmlns:o="urn:schemas-microsoft-com:office:office" xmlns:v="urn:schemas-microsoft-com:vml" xmlns:pvml="urn:schemas-microsoft-com:office:powerpoint" xmlns:com="http://schemas.openxmlformats.org/drawingml/2006/compatibility" xmlns:p14="http://schemas.microsoft.com/office/powerpoint/2010/main" xmlns:p15="http://schemas.microsoft.com/office/powerpoint/2012/main" showMasterPhAnim="0" showMasterSp="0">
+<p:notes xmlns:a="http://schemas.openxmlformats.org/drawingml/2006/main" xmlns:r="http://schemas.openxmlformats.org/officeDocument/2006/relationships" xmlns:p="http://schemas.openxmlformats.org/presentationml/2006/main" showMasterSp="0" showMasterPhAnim="0">
   <p:cSld>
     <p:spTree>
       <p:nvGrpSpPr>
-        <p:cNvPr id="176" name="Shape 176"/>
+        <p:cNvPr id="1" name="Shape 170"/>
         <p:cNvGrpSpPr/>
         <p:nvPr/>
       </p:nvGrpSpPr>
@@ -1729,10 +1868,12 @@
       </p:grpSpPr>
       <p:sp>
         <p:nvSpPr>
-          <p:cNvPr id="177" name="Google Shape;177;g8db37c88b9_0_84:notes"/>
-          <p:cNvSpPr/>
+          <p:cNvPr id="171" name="Google Shape;171;g8db37c88b9_0_79:notes"/>
+          <p:cNvSpPr>
+            <a:spLocks noGrp="1" noRot="1" noChangeAspect="1"/>
+          </p:cNvSpPr>
           <p:nvPr>
-            <p:ph idx="2" type="sldImg"/>
+            <p:ph type="sldImg" idx="2"/>
           </p:nvPr>
         </p:nvSpPr>
         <p:spPr>
@@ -1741,9 +1882,13 @@
             <a:ext cx="6096000" cy="3429000"/>
           </a:xfrm>
           <a:custGeom>
-            <a:rect b="b" l="l" r="r" t="t"/>
+            <a:avLst/>
+            <a:gdLst/>
+            <a:ahLst/>
+            <a:cxnLst/>
+            <a:rect l="l" t="t" r="r" b="b"/>
             <a:pathLst>
-              <a:path extrusionOk="0" h="120000" w="120000">
+              <a:path w="120000" h="120000" extrusionOk="0">
                 <a:moveTo>
                   <a:pt x="0" y="0"/>
                 </a:moveTo>
@@ -1764,10 +1909,12 @@
       </p:sp>
       <p:sp>
         <p:nvSpPr>
-          <p:cNvPr id="178" name="Google Shape;178;g8db37c88b9_0_84:notes"/>
-          <p:cNvSpPr txBox="1"/>
+          <p:cNvPr id="172" name="Google Shape;172;g8db37c88b9_0_79:notes"/>
+          <p:cNvSpPr txBox="1">
+            <a:spLocks noGrp="1"/>
+          </p:cNvSpPr>
           <p:nvPr>
-            <p:ph idx="1" type="body"/>
+            <p:ph type="body" idx="1"/>
           </p:nvPr>
         </p:nvSpPr>
         <p:spPr>
@@ -1780,12 +1927,12 @@
           </a:prstGeom>
         </p:spPr>
         <p:txBody>
-          <a:bodyPr anchorCtr="0" anchor="t" bIns="91425" lIns="91425" spcFirstLastPara="1" rIns="91425" wrap="square" tIns="91425">
+          <a:bodyPr spcFirstLastPara="1" wrap="square" lIns="91425" tIns="91425" rIns="91425" bIns="91425" anchor="t" anchorCtr="0">
             <a:noAutofit/>
           </a:bodyPr>
           <a:lstStyle/>
           <a:p>
-            <a:pPr indent="0" lvl="0" marL="0" rtl="0" algn="l">
+            <a:pPr marL="0" lvl="0" indent="0" algn="l" rtl="0">
               <a:spcBef>
                 <a:spcPts val="0"/>
               </a:spcBef>
@@ -1794,9 +1941,6 @@
               </a:spcAft>
               <a:buNone/>
             </a:pPr>
-            <a:r>
-              <a:t/>
-            </a:r>
             <a:endParaRPr/>
           </a:p>
         </p:txBody>
@@ -1810,11 +1954,11 @@
 </file>
 
 <file path=ppt/notesSlides/notesSlide2.xml><?xml version="1.0" encoding="utf-8"?>
-<p:notes xmlns:a="http://schemas.openxmlformats.org/drawingml/2006/main" xmlns:r="http://schemas.openxmlformats.org/officeDocument/2006/relationships" xmlns:mc="http://schemas.openxmlformats.org/markup-compatibility/2006" xmlns:mv="urn:schemas-microsoft-com:mac:vml" xmlns:p="http://schemas.openxmlformats.org/presentationml/2006/main" xmlns:c="http://schemas.openxmlformats.org/drawingml/2006/chart" xmlns:dgm="http://schemas.openxmlformats.org/drawingml/2006/diagram" xmlns:o="urn:schemas-microsoft-com:office:office" xmlns:v="urn:schemas-microsoft-com:vml" xmlns:pvml="urn:schemas-microsoft-com:office:powerpoint" xmlns:com="http://schemas.openxmlformats.org/drawingml/2006/compatibility" xmlns:p14="http://schemas.microsoft.com/office/powerpoint/2010/main" xmlns:p15="http://schemas.microsoft.com/office/powerpoint/2012/main" showMasterPhAnim="0" showMasterSp="0">
+<p:notes xmlns:a="http://schemas.openxmlformats.org/drawingml/2006/main" xmlns:r="http://schemas.openxmlformats.org/officeDocument/2006/relationships" xmlns:p="http://schemas.openxmlformats.org/presentationml/2006/main" showMasterSp="0" showMasterPhAnim="0">
   <p:cSld>
     <p:spTree>
       <p:nvGrpSpPr>
-        <p:cNvPr id="74" name="Shape 74"/>
+        <p:cNvPr id="1" name="Shape 74"/>
         <p:cNvGrpSpPr/>
         <p:nvPr/>
       </p:nvGrpSpPr>
@@ -1829,9 +1973,11 @@
       <p:sp>
         <p:nvSpPr>
           <p:cNvPr id="75" name="Google Shape;75;g8db37c88b9_0_13:notes"/>
-          <p:cNvSpPr/>
+          <p:cNvSpPr>
+            <a:spLocks noGrp="1" noRot="1" noChangeAspect="1"/>
+          </p:cNvSpPr>
           <p:nvPr>
-            <p:ph idx="2" type="sldImg"/>
+            <p:ph type="sldImg" idx="2"/>
           </p:nvPr>
         </p:nvSpPr>
         <p:spPr>
@@ -1840,9 +1986,13 @@
             <a:ext cx="6096000" cy="3429000"/>
           </a:xfrm>
           <a:custGeom>
-            <a:rect b="b" l="l" r="r" t="t"/>
+            <a:avLst/>
+            <a:gdLst/>
+            <a:ahLst/>
+            <a:cxnLst/>
+            <a:rect l="l" t="t" r="r" b="b"/>
             <a:pathLst>
-              <a:path extrusionOk="0" h="120000" w="120000">
+              <a:path w="120000" h="120000" extrusionOk="0">
                 <a:moveTo>
                   <a:pt x="0" y="0"/>
                 </a:moveTo>
@@ -1864,9 +2014,11 @@
       <p:sp>
         <p:nvSpPr>
           <p:cNvPr id="76" name="Google Shape;76;g8db37c88b9_0_13:notes"/>
-          <p:cNvSpPr txBox="1"/>
+          <p:cNvSpPr txBox="1">
+            <a:spLocks noGrp="1"/>
+          </p:cNvSpPr>
           <p:nvPr>
-            <p:ph idx="1" type="body"/>
+            <p:ph type="body" idx="1"/>
           </p:nvPr>
         </p:nvSpPr>
         <p:spPr>
@@ -1879,12 +2031,12 @@
           </a:prstGeom>
         </p:spPr>
         <p:txBody>
-          <a:bodyPr anchorCtr="0" anchor="t" bIns="91425" lIns="91425" spcFirstLastPara="1" rIns="91425" wrap="square" tIns="91425">
+          <a:bodyPr spcFirstLastPara="1" wrap="square" lIns="91425" tIns="91425" rIns="91425" bIns="91425" anchor="t" anchorCtr="0">
             <a:noAutofit/>
           </a:bodyPr>
           <a:lstStyle/>
           <a:p>
-            <a:pPr indent="0" lvl="0" marL="0" rtl="0" algn="l">
+            <a:pPr marL="0" lvl="0" indent="0" algn="l" rtl="0">
               <a:spcBef>
                 <a:spcPts val="0"/>
               </a:spcBef>
@@ -1893,9 +2045,6 @@
               </a:spcAft>
               <a:buNone/>
             </a:pPr>
-            <a:r>
-              <a:t/>
-            </a:r>
             <a:endParaRPr/>
           </a:p>
         </p:txBody>
@@ -1908,12 +2057,12 @@
 </p:notes>
 </file>
 
-<file path=ppt/notesSlides/notesSlide3.xml><?xml version="1.0" encoding="utf-8"?>
-<p:notes xmlns:a="http://schemas.openxmlformats.org/drawingml/2006/main" xmlns:r="http://schemas.openxmlformats.org/officeDocument/2006/relationships" xmlns:mc="http://schemas.openxmlformats.org/markup-compatibility/2006" xmlns:mv="urn:schemas-microsoft-com:mac:vml" xmlns:p="http://schemas.openxmlformats.org/presentationml/2006/main" xmlns:c="http://schemas.openxmlformats.org/drawingml/2006/chart" xmlns:dgm="http://schemas.openxmlformats.org/drawingml/2006/diagram" xmlns:o="urn:schemas-microsoft-com:office:office" xmlns:v="urn:schemas-microsoft-com:vml" xmlns:pvml="urn:schemas-microsoft-com:office:powerpoint" xmlns:com="http://schemas.openxmlformats.org/drawingml/2006/compatibility" xmlns:p14="http://schemas.microsoft.com/office/powerpoint/2010/main" xmlns:p15="http://schemas.microsoft.com/office/powerpoint/2012/main" showMasterPhAnim="0" showMasterSp="0">
+<file path=ppt/notesSlides/notesSlide20.xml><?xml version="1.0" encoding="utf-8"?>
+<p:notes xmlns:a="http://schemas.openxmlformats.org/drawingml/2006/main" xmlns:r="http://schemas.openxmlformats.org/officeDocument/2006/relationships" xmlns:p="http://schemas.openxmlformats.org/presentationml/2006/main" showMasterSp="0" showMasterPhAnim="0">
   <p:cSld>
     <p:spTree>
       <p:nvGrpSpPr>
-        <p:cNvPr id="80" name="Shape 80"/>
+        <p:cNvPr id="1" name="Shape 176"/>
         <p:cNvGrpSpPr/>
         <p:nvPr/>
       </p:nvGrpSpPr>
@@ -1927,10 +2076,12 @@
       </p:grpSpPr>
       <p:sp>
         <p:nvSpPr>
-          <p:cNvPr id="81" name="Google Shape;81;gd5b15f0a3_5_26:notes"/>
-          <p:cNvSpPr/>
+          <p:cNvPr id="177" name="Google Shape;177;g8db37c88b9_0_84:notes"/>
+          <p:cNvSpPr>
+            <a:spLocks noGrp="1" noRot="1" noChangeAspect="1"/>
+          </p:cNvSpPr>
           <p:nvPr>
-            <p:ph idx="2" type="sldImg"/>
+            <p:ph type="sldImg" idx="2"/>
           </p:nvPr>
         </p:nvSpPr>
         <p:spPr>
@@ -1939,9 +2090,13 @@
             <a:ext cx="6096000" cy="3429000"/>
           </a:xfrm>
           <a:custGeom>
-            <a:rect b="b" l="l" r="r" t="t"/>
+            <a:avLst/>
+            <a:gdLst/>
+            <a:ahLst/>
+            <a:cxnLst/>
+            <a:rect l="l" t="t" r="r" b="b"/>
             <a:pathLst>
-              <a:path extrusionOk="0" h="120000" w="120000">
+              <a:path w="120000" h="120000" extrusionOk="0">
                 <a:moveTo>
                   <a:pt x="0" y="0"/>
                 </a:moveTo>
@@ -1962,10 +2117,12 @@
       </p:sp>
       <p:sp>
         <p:nvSpPr>
-          <p:cNvPr id="82" name="Google Shape;82;gd5b15f0a3_5_26:notes"/>
-          <p:cNvSpPr txBox="1"/>
+          <p:cNvPr id="178" name="Google Shape;178;g8db37c88b9_0_84:notes"/>
+          <p:cNvSpPr txBox="1">
+            <a:spLocks noGrp="1"/>
+          </p:cNvSpPr>
           <p:nvPr>
-            <p:ph idx="1" type="body"/>
+            <p:ph type="body" idx="1"/>
           </p:nvPr>
         </p:nvSpPr>
         <p:spPr>
@@ -1978,12 +2135,12 @@
           </a:prstGeom>
         </p:spPr>
         <p:txBody>
-          <a:bodyPr anchorCtr="0" anchor="t" bIns="91425" lIns="91425" spcFirstLastPara="1" rIns="91425" wrap="square" tIns="91425">
+          <a:bodyPr spcFirstLastPara="1" wrap="square" lIns="91425" tIns="91425" rIns="91425" bIns="91425" anchor="t" anchorCtr="0">
             <a:noAutofit/>
           </a:bodyPr>
           <a:lstStyle/>
           <a:p>
-            <a:pPr indent="0" lvl="0" marL="0" rtl="0" algn="l">
+            <a:pPr marL="0" lvl="0" indent="0" algn="l" rtl="0">
               <a:spcBef>
                 <a:spcPts val="0"/>
               </a:spcBef>
@@ -1992,9 +2149,6 @@
               </a:spcAft>
               <a:buNone/>
             </a:pPr>
-            <a:r>
-              <a:t/>
-            </a:r>
             <a:endParaRPr/>
           </a:p>
         </p:txBody>
@@ -2007,12 +2161,12 @@
 </p:notes>
 </file>
 
-<file path=ppt/notesSlides/notesSlide4.xml><?xml version="1.0" encoding="utf-8"?>
-<p:notes xmlns:a="http://schemas.openxmlformats.org/drawingml/2006/main" xmlns:r="http://schemas.openxmlformats.org/officeDocument/2006/relationships" xmlns:mc="http://schemas.openxmlformats.org/markup-compatibility/2006" xmlns:mv="urn:schemas-microsoft-com:mac:vml" xmlns:p="http://schemas.openxmlformats.org/presentationml/2006/main" xmlns:c="http://schemas.openxmlformats.org/drawingml/2006/chart" xmlns:dgm="http://schemas.openxmlformats.org/drawingml/2006/diagram" xmlns:o="urn:schemas-microsoft-com:office:office" xmlns:v="urn:schemas-microsoft-com:vml" xmlns:pvml="urn:schemas-microsoft-com:office:powerpoint" xmlns:com="http://schemas.openxmlformats.org/drawingml/2006/compatibility" xmlns:p14="http://schemas.microsoft.com/office/powerpoint/2010/main" xmlns:p15="http://schemas.microsoft.com/office/powerpoint/2012/main" showMasterPhAnim="0" showMasterSp="0">
+<file path=ppt/notesSlides/notesSlide3.xml><?xml version="1.0" encoding="utf-8"?>
+<p:notes xmlns:a="http://schemas.openxmlformats.org/drawingml/2006/main" xmlns:r="http://schemas.openxmlformats.org/officeDocument/2006/relationships" xmlns:p="http://schemas.openxmlformats.org/presentationml/2006/main" showMasterSp="0" showMasterPhAnim="0">
   <p:cSld>
     <p:spTree>
       <p:nvGrpSpPr>
-        <p:cNvPr id="86" name="Shape 86"/>
+        <p:cNvPr id="1" name="Shape 80"/>
         <p:cNvGrpSpPr/>
         <p:nvPr/>
       </p:nvGrpSpPr>
@@ -2026,10 +2180,12 @@
       </p:grpSpPr>
       <p:sp>
         <p:nvSpPr>
-          <p:cNvPr id="87" name="Google Shape;87;g8db37c88b9_0_18:notes"/>
-          <p:cNvSpPr/>
+          <p:cNvPr id="81" name="Google Shape;81;gd5b15f0a3_5_26:notes"/>
+          <p:cNvSpPr>
+            <a:spLocks noGrp="1" noRot="1" noChangeAspect="1"/>
+          </p:cNvSpPr>
           <p:nvPr>
-            <p:ph idx="2" type="sldImg"/>
+            <p:ph type="sldImg" idx="2"/>
           </p:nvPr>
         </p:nvSpPr>
         <p:spPr>
@@ -2038,9 +2194,13 @@
             <a:ext cx="6096000" cy="3429000"/>
           </a:xfrm>
           <a:custGeom>
-            <a:rect b="b" l="l" r="r" t="t"/>
+            <a:avLst/>
+            <a:gdLst/>
+            <a:ahLst/>
+            <a:cxnLst/>
+            <a:rect l="l" t="t" r="r" b="b"/>
             <a:pathLst>
-              <a:path extrusionOk="0" h="120000" w="120000">
+              <a:path w="120000" h="120000" extrusionOk="0">
                 <a:moveTo>
                   <a:pt x="0" y="0"/>
                 </a:moveTo>
@@ -2061,10 +2221,12 @@
       </p:sp>
       <p:sp>
         <p:nvSpPr>
-          <p:cNvPr id="88" name="Google Shape;88;g8db37c88b9_0_18:notes"/>
-          <p:cNvSpPr txBox="1"/>
+          <p:cNvPr id="82" name="Google Shape;82;gd5b15f0a3_5_26:notes"/>
+          <p:cNvSpPr txBox="1">
+            <a:spLocks noGrp="1"/>
+          </p:cNvSpPr>
           <p:nvPr>
-            <p:ph idx="1" type="body"/>
+            <p:ph type="body" idx="1"/>
           </p:nvPr>
         </p:nvSpPr>
         <p:spPr>
@@ -2077,12 +2239,12 @@
           </a:prstGeom>
         </p:spPr>
         <p:txBody>
-          <a:bodyPr anchorCtr="0" anchor="t" bIns="91425" lIns="91425" spcFirstLastPara="1" rIns="91425" wrap="square" tIns="91425">
+          <a:bodyPr spcFirstLastPara="1" wrap="square" lIns="91425" tIns="91425" rIns="91425" bIns="91425" anchor="t" anchorCtr="0">
             <a:noAutofit/>
           </a:bodyPr>
           <a:lstStyle/>
           <a:p>
-            <a:pPr indent="0" lvl="0" marL="0" rtl="0" algn="l">
+            <a:pPr marL="0" lvl="0" indent="0" algn="l" rtl="0">
               <a:spcBef>
                 <a:spcPts val="0"/>
               </a:spcBef>
@@ -2091,9 +2253,6 @@
               </a:spcAft>
               <a:buNone/>
             </a:pPr>
-            <a:r>
-              <a:t/>
-            </a:r>
             <a:endParaRPr/>
           </a:p>
         </p:txBody>
@@ -2106,12 +2265,12 @@
 </p:notes>
 </file>
 
-<file path=ppt/notesSlides/notesSlide5.xml><?xml version="1.0" encoding="utf-8"?>
-<p:notes xmlns:a="http://schemas.openxmlformats.org/drawingml/2006/main" xmlns:r="http://schemas.openxmlformats.org/officeDocument/2006/relationships" xmlns:mc="http://schemas.openxmlformats.org/markup-compatibility/2006" xmlns:mv="urn:schemas-microsoft-com:mac:vml" xmlns:p="http://schemas.openxmlformats.org/presentationml/2006/main" xmlns:c="http://schemas.openxmlformats.org/drawingml/2006/chart" xmlns:dgm="http://schemas.openxmlformats.org/drawingml/2006/diagram" xmlns:o="urn:schemas-microsoft-com:office:office" xmlns:v="urn:schemas-microsoft-com:vml" xmlns:pvml="urn:schemas-microsoft-com:office:powerpoint" xmlns:com="http://schemas.openxmlformats.org/drawingml/2006/compatibility" xmlns:p14="http://schemas.microsoft.com/office/powerpoint/2010/main" xmlns:p15="http://schemas.microsoft.com/office/powerpoint/2012/main" showMasterPhAnim="0" showMasterSp="0">
+<file path=ppt/notesSlides/notesSlide4.xml><?xml version="1.0" encoding="utf-8"?>
+<p:notes xmlns:a="http://schemas.openxmlformats.org/drawingml/2006/main" xmlns:r="http://schemas.openxmlformats.org/officeDocument/2006/relationships" xmlns:p="http://schemas.openxmlformats.org/presentationml/2006/main" showMasterSp="0" showMasterPhAnim="0">
   <p:cSld>
     <p:spTree>
       <p:nvGrpSpPr>
-        <p:cNvPr id="92" name="Shape 92"/>
+        <p:cNvPr id="1" name="Shape 86"/>
         <p:cNvGrpSpPr/>
         <p:nvPr/>
       </p:nvGrpSpPr>
@@ -2125,10 +2284,12 @@
       </p:grpSpPr>
       <p:sp>
         <p:nvSpPr>
-          <p:cNvPr id="93" name="Google Shape;93;g8db37c88b9_0_89:notes"/>
-          <p:cNvSpPr/>
+          <p:cNvPr id="87" name="Google Shape;87;g8db37c88b9_0_18:notes"/>
+          <p:cNvSpPr>
+            <a:spLocks noGrp="1" noRot="1" noChangeAspect="1"/>
+          </p:cNvSpPr>
           <p:nvPr>
-            <p:ph idx="2" type="sldImg"/>
+            <p:ph type="sldImg" idx="2"/>
           </p:nvPr>
         </p:nvSpPr>
         <p:spPr>
@@ -2137,9 +2298,13 @@
             <a:ext cx="6096000" cy="3429000"/>
           </a:xfrm>
           <a:custGeom>
-            <a:rect b="b" l="l" r="r" t="t"/>
+            <a:avLst/>
+            <a:gdLst/>
+            <a:ahLst/>
+            <a:cxnLst/>
+            <a:rect l="l" t="t" r="r" b="b"/>
             <a:pathLst>
-              <a:path extrusionOk="0" h="120000" w="120000">
+              <a:path w="120000" h="120000" extrusionOk="0">
                 <a:moveTo>
                   <a:pt x="0" y="0"/>
                 </a:moveTo>
@@ -2160,10 +2325,12 @@
       </p:sp>
       <p:sp>
         <p:nvSpPr>
-          <p:cNvPr id="94" name="Google Shape;94;g8db37c88b9_0_89:notes"/>
-          <p:cNvSpPr txBox="1"/>
+          <p:cNvPr id="88" name="Google Shape;88;g8db37c88b9_0_18:notes"/>
+          <p:cNvSpPr txBox="1">
+            <a:spLocks noGrp="1"/>
+          </p:cNvSpPr>
           <p:nvPr>
-            <p:ph idx="1" type="body"/>
+            <p:ph type="body" idx="1"/>
           </p:nvPr>
         </p:nvSpPr>
         <p:spPr>
@@ -2176,12 +2343,12 @@
           </a:prstGeom>
         </p:spPr>
         <p:txBody>
-          <a:bodyPr anchorCtr="0" anchor="t" bIns="91425" lIns="91425" spcFirstLastPara="1" rIns="91425" wrap="square" tIns="91425">
+          <a:bodyPr spcFirstLastPara="1" wrap="square" lIns="91425" tIns="91425" rIns="91425" bIns="91425" anchor="t" anchorCtr="0">
             <a:noAutofit/>
           </a:bodyPr>
           <a:lstStyle/>
           <a:p>
-            <a:pPr indent="0" lvl="0" marL="0" rtl="0" algn="l">
+            <a:pPr marL="0" lvl="0" indent="0" algn="l" rtl="0">
               <a:spcBef>
                 <a:spcPts val="0"/>
               </a:spcBef>
@@ -2190,9 +2357,6 @@
               </a:spcAft>
               <a:buNone/>
             </a:pPr>
-            <a:r>
-              <a:t/>
-            </a:r>
             <a:endParaRPr/>
           </a:p>
         </p:txBody>
@@ -2205,12 +2369,12 @@
 </p:notes>
 </file>
 
-<file path=ppt/notesSlides/notesSlide6.xml><?xml version="1.0" encoding="utf-8"?>
-<p:notes xmlns:a="http://schemas.openxmlformats.org/drawingml/2006/main" xmlns:r="http://schemas.openxmlformats.org/officeDocument/2006/relationships" xmlns:mc="http://schemas.openxmlformats.org/markup-compatibility/2006" xmlns:mv="urn:schemas-microsoft-com:mac:vml" xmlns:p="http://schemas.openxmlformats.org/presentationml/2006/main" xmlns:c="http://schemas.openxmlformats.org/drawingml/2006/chart" xmlns:dgm="http://schemas.openxmlformats.org/drawingml/2006/diagram" xmlns:o="urn:schemas-microsoft-com:office:office" xmlns:v="urn:schemas-microsoft-com:vml" xmlns:pvml="urn:schemas-microsoft-com:office:powerpoint" xmlns:com="http://schemas.openxmlformats.org/drawingml/2006/compatibility" xmlns:p14="http://schemas.microsoft.com/office/powerpoint/2010/main" xmlns:p15="http://schemas.microsoft.com/office/powerpoint/2012/main" showMasterPhAnim="0" showMasterSp="0">
+<file path=ppt/notesSlides/notesSlide5.xml><?xml version="1.0" encoding="utf-8"?>
+<p:notes xmlns:a="http://schemas.openxmlformats.org/drawingml/2006/main" xmlns:r="http://schemas.openxmlformats.org/officeDocument/2006/relationships" xmlns:p="http://schemas.openxmlformats.org/presentationml/2006/main" showMasterSp="0" showMasterPhAnim="0">
   <p:cSld>
     <p:spTree>
       <p:nvGrpSpPr>
-        <p:cNvPr id="98" name="Shape 98"/>
+        <p:cNvPr id="1" name="Shape 92"/>
         <p:cNvGrpSpPr/>
         <p:nvPr/>
       </p:nvGrpSpPr>
@@ -2224,10 +2388,12 @@
       </p:grpSpPr>
       <p:sp>
         <p:nvSpPr>
-          <p:cNvPr id="99" name="Google Shape;99;g723630543_3_0:notes"/>
-          <p:cNvSpPr/>
+          <p:cNvPr id="93" name="Google Shape;93;g8db37c88b9_0_89:notes"/>
+          <p:cNvSpPr>
+            <a:spLocks noGrp="1" noRot="1" noChangeAspect="1"/>
+          </p:cNvSpPr>
           <p:nvPr>
-            <p:ph idx="2" type="sldImg"/>
+            <p:ph type="sldImg" idx="2"/>
           </p:nvPr>
         </p:nvSpPr>
         <p:spPr>
@@ -2236,9 +2402,13 @@
             <a:ext cx="6096000" cy="3429000"/>
           </a:xfrm>
           <a:custGeom>
-            <a:rect b="b" l="l" r="r" t="t"/>
+            <a:avLst/>
+            <a:gdLst/>
+            <a:ahLst/>
+            <a:cxnLst/>
+            <a:rect l="l" t="t" r="r" b="b"/>
             <a:pathLst>
-              <a:path extrusionOk="0" h="120000" w="120000">
+              <a:path w="120000" h="120000" extrusionOk="0">
                 <a:moveTo>
                   <a:pt x="0" y="0"/>
                 </a:moveTo>
@@ -2259,10 +2429,12 @@
       </p:sp>
       <p:sp>
         <p:nvSpPr>
-          <p:cNvPr id="100" name="Google Shape;100;g723630543_3_0:notes"/>
-          <p:cNvSpPr txBox="1"/>
+          <p:cNvPr id="94" name="Google Shape;94;g8db37c88b9_0_89:notes"/>
+          <p:cNvSpPr txBox="1">
+            <a:spLocks noGrp="1"/>
+          </p:cNvSpPr>
           <p:nvPr>
-            <p:ph idx="1" type="body"/>
+            <p:ph type="body" idx="1"/>
           </p:nvPr>
         </p:nvSpPr>
         <p:spPr>
@@ -2275,12 +2447,12 @@
           </a:prstGeom>
         </p:spPr>
         <p:txBody>
-          <a:bodyPr anchorCtr="0" anchor="t" bIns="91425" lIns="91425" spcFirstLastPara="1" rIns="91425" wrap="square" tIns="91425">
+          <a:bodyPr spcFirstLastPara="1" wrap="square" lIns="91425" tIns="91425" rIns="91425" bIns="91425" anchor="t" anchorCtr="0">
             <a:noAutofit/>
           </a:bodyPr>
           <a:lstStyle/>
           <a:p>
-            <a:pPr indent="0" lvl="0" marL="0" rtl="0" algn="l">
+            <a:pPr marL="0" lvl="0" indent="0" algn="l" rtl="0">
               <a:spcBef>
                 <a:spcPts val="0"/>
               </a:spcBef>
@@ -2289,9 +2461,6 @@
               </a:spcAft>
               <a:buNone/>
             </a:pPr>
-            <a:r>
-              <a:t/>
-            </a:r>
             <a:endParaRPr/>
           </a:p>
         </p:txBody>
@@ -2304,12 +2473,12 @@
 </p:notes>
 </file>
 
-<file path=ppt/notesSlides/notesSlide7.xml><?xml version="1.0" encoding="utf-8"?>
-<p:notes xmlns:a="http://schemas.openxmlformats.org/drawingml/2006/main" xmlns:r="http://schemas.openxmlformats.org/officeDocument/2006/relationships" xmlns:mc="http://schemas.openxmlformats.org/markup-compatibility/2006" xmlns:mv="urn:schemas-microsoft-com:mac:vml" xmlns:p="http://schemas.openxmlformats.org/presentationml/2006/main" xmlns:c="http://schemas.openxmlformats.org/drawingml/2006/chart" xmlns:dgm="http://schemas.openxmlformats.org/drawingml/2006/diagram" xmlns:o="urn:schemas-microsoft-com:office:office" xmlns:v="urn:schemas-microsoft-com:vml" xmlns:pvml="urn:schemas-microsoft-com:office:powerpoint" xmlns:com="http://schemas.openxmlformats.org/drawingml/2006/compatibility" xmlns:p14="http://schemas.microsoft.com/office/powerpoint/2010/main" xmlns:p15="http://schemas.microsoft.com/office/powerpoint/2012/main" showMasterPhAnim="0" showMasterSp="0">
+<file path=ppt/notesSlides/notesSlide6.xml><?xml version="1.0" encoding="utf-8"?>
+<p:notes xmlns:a="http://schemas.openxmlformats.org/drawingml/2006/main" xmlns:r="http://schemas.openxmlformats.org/officeDocument/2006/relationships" xmlns:p="http://schemas.openxmlformats.org/presentationml/2006/main" showMasterSp="0" showMasterPhAnim="0">
   <p:cSld>
     <p:spTree>
       <p:nvGrpSpPr>
-        <p:cNvPr id="104" name="Shape 104"/>
+        <p:cNvPr id="1" name="Shape 98"/>
         <p:cNvGrpSpPr/>
         <p:nvPr/>
       </p:nvGrpSpPr>
@@ -2323,10 +2492,12 @@
       </p:grpSpPr>
       <p:sp>
         <p:nvSpPr>
-          <p:cNvPr id="105" name="Google Shape;105;g8db37c88b9_0_5:notes"/>
-          <p:cNvSpPr/>
+          <p:cNvPr id="99" name="Google Shape;99;g723630543_3_0:notes"/>
+          <p:cNvSpPr>
+            <a:spLocks noGrp="1" noRot="1" noChangeAspect="1"/>
+          </p:cNvSpPr>
           <p:nvPr>
-            <p:ph idx="2" type="sldImg"/>
+            <p:ph type="sldImg" idx="2"/>
           </p:nvPr>
         </p:nvSpPr>
         <p:spPr>
@@ -2335,9 +2506,13 @@
             <a:ext cx="6096000" cy="3429000"/>
           </a:xfrm>
           <a:custGeom>
-            <a:rect b="b" l="l" r="r" t="t"/>
+            <a:avLst/>
+            <a:gdLst/>
+            <a:ahLst/>
+            <a:cxnLst/>
+            <a:rect l="l" t="t" r="r" b="b"/>
             <a:pathLst>
-              <a:path extrusionOk="0" h="120000" w="120000">
+              <a:path w="120000" h="120000" extrusionOk="0">
                 <a:moveTo>
                   <a:pt x="0" y="0"/>
                 </a:moveTo>
@@ -2358,10 +2533,12 @@
       </p:sp>
       <p:sp>
         <p:nvSpPr>
-          <p:cNvPr id="106" name="Google Shape;106;g8db37c88b9_0_5:notes"/>
-          <p:cNvSpPr txBox="1"/>
+          <p:cNvPr id="100" name="Google Shape;100;g723630543_3_0:notes"/>
+          <p:cNvSpPr txBox="1">
+            <a:spLocks noGrp="1"/>
+          </p:cNvSpPr>
           <p:nvPr>
-            <p:ph idx="1" type="body"/>
+            <p:ph type="body" idx="1"/>
           </p:nvPr>
         </p:nvSpPr>
         <p:spPr>
@@ -2374,12 +2551,12 @@
           </a:prstGeom>
         </p:spPr>
         <p:txBody>
-          <a:bodyPr anchorCtr="0" anchor="t" bIns="91425" lIns="91425" spcFirstLastPara="1" rIns="91425" wrap="square" tIns="91425">
+          <a:bodyPr spcFirstLastPara="1" wrap="square" lIns="91425" tIns="91425" rIns="91425" bIns="91425" anchor="t" anchorCtr="0">
             <a:noAutofit/>
           </a:bodyPr>
           <a:lstStyle/>
           <a:p>
-            <a:pPr indent="0" lvl="0" marL="0" rtl="0" algn="l">
+            <a:pPr marL="0" lvl="0" indent="0" algn="l" rtl="0">
               <a:spcBef>
                 <a:spcPts val="0"/>
               </a:spcBef>
@@ -2388,9 +2565,6 @@
               </a:spcAft>
               <a:buNone/>
             </a:pPr>
-            <a:r>
-              <a:t/>
-            </a:r>
             <a:endParaRPr/>
           </a:p>
         </p:txBody>
@@ -2403,12 +2577,12 @@
 </p:notes>
 </file>
 
-<file path=ppt/notesSlides/notesSlide8.xml><?xml version="1.0" encoding="utf-8"?>
-<p:notes xmlns:a="http://schemas.openxmlformats.org/drawingml/2006/main" xmlns:r="http://schemas.openxmlformats.org/officeDocument/2006/relationships" xmlns:mc="http://schemas.openxmlformats.org/markup-compatibility/2006" xmlns:mv="urn:schemas-microsoft-com:mac:vml" xmlns:p="http://schemas.openxmlformats.org/presentationml/2006/main" xmlns:c="http://schemas.openxmlformats.org/drawingml/2006/chart" xmlns:dgm="http://schemas.openxmlformats.org/drawingml/2006/diagram" xmlns:o="urn:schemas-microsoft-com:office:office" xmlns:v="urn:schemas-microsoft-com:vml" xmlns:pvml="urn:schemas-microsoft-com:office:powerpoint" xmlns:com="http://schemas.openxmlformats.org/drawingml/2006/compatibility" xmlns:p14="http://schemas.microsoft.com/office/powerpoint/2010/main" xmlns:p15="http://schemas.microsoft.com/office/powerpoint/2012/main" showMasterPhAnim="0" showMasterSp="0">
+<file path=ppt/notesSlides/notesSlide7.xml><?xml version="1.0" encoding="utf-8"?>
+<p:notes xmlns:a="http://schemas.openxmlformats.org/drawingml/2006/main" xmlns:r="http://schemas.openxmlformats.org/officeDocument/2006/relationships" xmlns:p="http://schemas.openxmlformats.org/presentationml/2006/main" showMasterSp="0" showMasterPhAnim="0">
   <p:cSld>
     <p:spTree>
       <p:nvGrpSpPr>
-        <p:cNvPr id="110" name="Shape 110"/>
+        <p:cNvPr id="1" name="Shape 104"/>
         <p:cNvGrpSpPr/>
         <p:nvPr/>
       </p:nvGrpSpPr>
@@ -2422,10 +2596,12 @@
       </p:grpSpPr>
       <p:sp>
         <p:nvSpPr>
-          <p:cNvPr id="111" name="Google Shape;111;g8db37c88b9_0_39:notes"/>
-          <p:cNvSpPr/>
+          <p:cNvPr id="105" name="Google Shape;105;g8db37c88b9_0_5:notes"/>
+          <p:cNvSpPr>
+            <a:spLocks noGrp="1" noRot="1" noChangeAspect="1"/>
+          </p:cNvSpPr>
           <p:nvPr>
-            <p:ph idx="2" type="sldImg"/>
+            <p:ph type="sldImg" idx="2"/>
           </p:nvPr>
         </p:nvSpPr>
         <p:spPr>
@@ -2434,9 +2610,13 @@
             <a:ext cx="6096000" cy="3429000"/>
           </a:xfrm>
           <a:custGeom>
-            <a:rect b="b" l="l" r="r" t="t"/>
+            <a:avLst/>
+            <a:gdLst/>
+            <a:ahLst/>
+            <a:cxnLst/>
+            <a:rect l="l" t="t" r="r" b="b"/>
             <a:pathLst>
-              <a:path extrusionOk="0" h="120000" w="120000">
+              <a:path w="120000" h="120000" extrusionOk="0">
                 <a:moveTo>
                   <a:pt x="0" y="0"/>
                 </a:moveTo>
@@ -2457,10 +2637,12 @@
       </p:sp>
       <p:sp>
         <p:nvSpPr>
-          <p:cNvPr id="112" name="Google Shape;112;g8db37c88b9_0_39:notes"/>
-          <p:cNvSpPr txBox="1"/>
+          <p:cNvPr id="106" name="Google Shape;106;g8db37c88b9_0_5:notes"/>
+          <p:cNvSpPr txBox="1">
+            <a:spLocks noGrp="1"/>
+          </p:cNvSpPr>
           <p:nvPr>
-            <p:ph idx="1" type="body"/>
+            <p:ph type="body" idx="1"/>
           </p:nvPr>
         </p:nvSpPr>
         <p:spPr>
@@ -2473,12 +2655,12 @@
           </a:prstGeom>
         </p:spPr>
         <p:txBody>
-          <a:bodyPr anchorCtr="0" anchor="t" bIns="91425" lIns="91425" spcFirstLastPara="1" rIns="91425" wrap="square" tIns="91425">
+          <a:bodyPr spcFirstLastPara="1" wrap="square" lIns="91425" tIns="91425" rIns="91425" bIns="91425" anchor="t" anchorCtr="0">
             <a:noAutofit/>
           </a:bodyPr>
           <a:lstStyle/>
           <a:p>
-            <a:pPr indent="0" lvl="0" marL="0" rtl="0" algn="l">
+            <a:pPr marL="0" lvl="0" indent="0" algn="l" rtl="0">
               <a:spcBef>
                 <a:spcPts val="0"/>
               </a:spcBef>
@@ -2487,9 +2669,6 @@
               </a:spcAft>
               <a:buNone/>
             </a:pPr>
-            <a:r>
-              <a:t/>
-            </a:r>
             <a:endParaRPr/>
           </a:p>
         </p:txBody>
@@ -2502,12 +2681,12 @@
 </p:notes>
 </file>
 
-<file path=ppt/notesSlides/notesSlide9.xml><?xml version="1.0" encoding="utf-8"?>
-<p:notes xmlns:a="http://schemas.openxmlformats.org/drawingml/2006/main" xmlns:r="http://schemas.openxmlformats.org/officeDocument/2006/relationships" xmlns:mc="http://schemas.openxmlformats.org/markup-compatibility/2006" xmlns:mv="urn:schemas-microsoft-com:mac:vml" xmlns:p="http://schemas.openxmlformats.org/presentationml/2006/main" xmlns:c="http://schemas.openxmlformats.org/drawingml/2006/chart" xmlns:dgm="http://schemas.openxmlformats.org/drawingml/2006/diagram" xmlns:o="urn:schemas-microsoft-com:office:office" xmlns:v="urn:schemas-microsoft-com:vml" xmlns:pvml="urn:schemas-microsoft-com:office:powerpoint" xmlns:com="http://schemas.openxmlformats.org/drawingml/2006/compatibility" xmlns:p14="http://schemas.microsoft.com/office/powerpoint/2010/main" xmlns:p15="http://schemas.microsoft.com/office/powerpoint/2012/main" showMasterPhAnim="0" showMasterSp="0">
+<file path=ppt/notesSlides/notesSlide8.xml><?xml version="1.0" encoding="utf-8"?>
+<p:notes xmlns:a="http://schemas.openxmlformats.org/drawingml/2006/main" xmlns:r="http://schemas.openxmlformats.org/officeDocument/2006/relationships" xmlns:p="http://schemas.openxmlformats.org/presentationml/2006/main" showMasterSp="0" showMasterPhAnim="0">
   <p:cSld>
     <p:spTree>
       <p:nvGrpSpPr>
-        <p:cNvPr id="116" name="Shape 116"/>
+        <p:cNvPr id="1" name="Shape 110"/>
         <p:cNvGrpSpPr/>
         <p:nvPr/>
       </p:nvGrpSpPr>
@@ -2521,10 +2700,12 @@
       </p:grpSpPr>
       <p:sp>
         <p:nvSpPr>
-          <p:cNvPr id="117" name="Google Shape;117;g8db37c88b9_0_24:notes"/>
-          <p:cNvSpPr/>
+          <p:cNvPr id="111" name="Google Shape;111;g8db37c88b9_0_39:notes"/>
+          <p:cNvSpPr>
+            <a:spLocks noGrp="1" noRot="1" noChangeAspect="1"/>
+          </p:cNvSpPr>
           <p:nvPr>
-            <p:ph idx="2" type="sldImg"/>
+            <p:ph type="sldImg" idx="2"/>
           </p:nvPr>
         </p:nvSpPr>
         <p:spPr>
@@ -2533,9 +2714,13 @@
             <a:ext cx="6096000" cy="3429000"/>
           </a:xfrm>
           <a:custGeom>
-            <a:rect b="b" l="l" r="r" t="t"/>
+            <a:avLst/>
+            <a:gdLst/>
+            <a:ahLst/>
+            <a:cxnLst/>
+            <a:rect l="l" t="t" r="r" b="b"/>
             <a:pathLst>
-              <a:path extrusionOk="0" h="120000" w="120000">
+              <a:path w="120000" h="120000" extrusionOk="0">
                 <a:moveTo>
                   <a:pt x="0" y="0"/>
                 </a:moveTo>
@@ -2556,10 +2741,12 @@
       </p:sp>
       <p:sp>
         <p:nvSpPr>
-          <p:cNvPr id="118" name="Google Shape;118;g8db37c88b9_0_24:notes"/>
-          <p:cNvSpPr txBox="1"/>
+          <p:cNvPr id="112" name="Google Shape;112;g8db37c88b9_0_39:notes"/>
+          <p:cNvSpPr txBox="1">
+            <a:spLocks noGrp="1"/>
+          </p:cNvSpPr>
           <p:nvPr>
-            <p:ph idx="1" type="body"/>
+            <p:ph type="body" idx="1"/>
           </p:nvPr>
         </p:nvSpPr>
         <p:spPr>
@@ -2572,12 +2759,12 @@
           </a:prstGeom>
         </p:spPr>
         <p:txBody>
-          <a:bodyPr anchorCtr="0" anchor="t" bIns="91425" lIns="91425" spcFirstLastPara="1" rIns="91425" wrap="square" tIns="91425">
+          <a:bodyPr spcFirstLastPara="1" wrap="square" lIns="91425" tIns="91425" rIns="91425" bIns="91425" anchor="t" anchorCtr="0">
             <a:noAutofit/>
           </a:bodyPr>
           <a:lstStyle/>
           <a:p>
-            <a:pPr indent="0" lvl="0" marL="0" rtl="0" algn="l">
+            <a:pPr marL="0" lvl="0" indent="0" algn="l" rtl="0">
               <a:spcBef>
                 <a:spcPts val="0"/>
               </a:spcBef>
@@ -2586,9 +2773,110 @@
               </a:spcAft>
               <a:buNone/>
             </a:pPr>
-            <a:r>
-              <a:t/>
-            </a:r>
+            <a:endParaRPr/>
+          </a:p>
+        </p:txBody>
+      </p:sp>
+    </p:spTree>
+  </p:cSld>
+  <p:clrMapOvr>
+    <a:masterClrMapping/>
+  </p:clrMapOvr>
+</p:notes>
+</file>
+
+<file path=ppt/notesSlides/notesSlide9.xml><?xml version="1.0" encoding="utf-8"?>
+<p:notes xmlns:a="http://schemas.openxmlformats.org/drawingml/2006/main" xmlns:r="http://schemas.openxmlformats.org/officeDocument/2006/relationships" xmlns:p="http://schemas.openxmlformats.org/presentationml/2006/main" showMasterSp="0" showMasterPhAnim="0">
+  <p:cSld>
+    <p:spTree>
+      <p:nvGrpSpPr>
+        <p:cNvPr id="1" name="Shape 116"/>
+        <p:cNvGrpSpPr/>
+        <p:nvPr/>
+      </p:nvGrpSpPr>
+      <p:grpSpPr>
+        <a:xfrm>
+          <a:off x="0" y="0"/>
+          <a:ext cx="0" cy="0"/>
+          <a:chOff x="0" y="0"/>
+          <a:chExt cx="0" cy="0"/>
+        </a:xfrm>
+      </p:grpSpPr>
+      <p:sp>
+        <p:nvSpPr>
+          <p:cNvPr id="117" name="Google Shape;117;g8db37c88b9_0_24:notes"/>
+          <p:cNvSpPr>
+            <a:spLocks noGrp="1" noRot="1" noChangeAspect="1"/>
+          </p:cNvSpPr>
+          <p:nvPr>
+            <p:ph type="sldImg" idx="2"/>
+          </p:nvPr>
+        </p:nvSpPr>
+        <p:spPr>
+          <a:xfrm>
+            <a:off x="381300" y="685800"/>
+            <a:ext cx="6096000" cy="3429000"/>
+          </a:xfrm>
+          <a:custGeom>
+            <a:avLst/>
+            <a:gdLst/>
+            <a:ahLst/>
+            <a:cxnLst/>
+            <a:rect l="l" t="t" r="r" b="b"/>
+            <a:pathLst>
+              <a:path w="120000" h="120000" extrusionOk="0">
+                <a:moveTo>
+                  <a:pt x="0" y="0"/>
+                </a:moveTo>
+                <a:lnTo>
+                  <a:pt x="120000" y="0"/>
+                </a:lnTo>
+                <a:lnTo>
+                  <a:pt x="120000" y="120000"/>
+                </a:lnTo>
+                <a:lnTo>
+                  <a:pt x="0" y="120000"/>
+                </a:lnTo>
+                <a:close/>
+              </a:path>
+            </a:pathLst>
+          </a:custGeom>
+        </p:spPr>
+      </p:sp>
+      <p:sp>
+        <p:nvSpPr>
+          <p:cNvPr id="118" name="Google Shape;118;g8db37c88b9_0_24:notes"/>
+          <p:cNvSpPr txBox="1">
+            <a:spLocks noGrp="1"/>
+          </p:cNvSpPr>
+          <p:nvPr>
+            <p:ph type="body" idx="1"/>
+          </p:nvPr>
+        </p:nvSpPr>
+        <p:spPr>
+          <a:xfrm>
+            <a:off x="685800" y="4343400"/>
+            <a:ext cx="5486400" cy="4114800"/>
+          </a:xfrm>
+          <a:prstGeom prst="rect">
+            <a:avLst/>
+          </a:prstGeom>
+        </p:spPr>
+        <p:txBody>
+          <a:bodyPr spcFirstLastPara="1" wrap="square" lIns="91425" tIns="91425" rIns="91425" bIns="91425" anchor="t" anchorCtr="0">
+            <a:noAutofit/>
+          </a:bodyPr>
+          <a:lstStyle/>
+          <a:p>
+            <a:pPr marL="0" lvl="0" indent="0" algn="l" rtl="0">
+              <a:spcBef>
+                <a:spcPts val="0"/>
+              </a:spcBef>
+              <a:spcAft>
+                <a:spcPts val="0"/>
+              </a:spcAft>
+              <a:buNone/>
+            </a:pPr>
             <a:endParaRPr/>
           </a:p>
         </p:txBody>
@@ -2602,11 +2890,11 @@
 </file>
 
 <file path=ppt/slideLayouts/slideLayout1.xml><?xml version="1.0" encoding="utf-8"?>
-<p:sldLayout xmlns:a="http://schemas.openxmlformats.org/drawingml/2006/main" xmlns:r="http://schemas.openxmlformats.org/officeDocument/2006/relationships" xmlns:mc="http://schemas.openxmlformats.org/markup-compatibility/2006" xmlns:mv="urn:schemas-microsoft-com:mac:vml" xmlns:p="http://schemas.openxmlformats.org/presentationml/2006/main" xmlns:c="http://schemas.openxmlformats.org/drawingml/2006/chart" xmlns:dgm="http://schemas.openxmlformats.org/drawingml/2006/diagram" xmlns:o="urn:schemas-microsoft-com:office:office" xmlns:v="urn:schemas-microsoft-com:vml" xmlns:pvml="urn:schemas-microsoft-com:office:powerpoint" xmlns:com="http://schemas.openxmlformats.org/drawingml/2006/compatibility" xmlns:p14="http://schemas.microsoft.com/office/powerpoint/2010/main" xmlns:p15="http://schemas.microsoft.com/office/powerpoint/2012/main" matchingName="Title slide" type="title">
+<p:sldLayout xmlns:a="http://schemas.openxmlformats.org/drawingml/2006/main" xmlns:r="http://schemas.openxmlformats.org/officeDocument/2006/relationships" xmlns:p="http://schemas.openxmlformats.org/presentationml/2006/main" matchingName="Title slide" type="title">
   <p:cSld name="TITLE">
     <p:spTree>
       <p:nvGrpSpPr>
-        <p:cNvPr id="9" name="Shape 9"/>
+        <p:cNvPr id="1" name="Shape 9"/>
         <p:cNvGrpSpPr/>
         <p:nvPr/>
       </p:nvGrpSpPr>
@@ -2633,14 +2921,14 @@
             <a:avLst/>
           </a:prstGeom>
           <a:noFill/>
-          <a:ln cap="flat" cmpd="sng" w="38100">
+          <a:ln w="38100" cap="flat" cmpd="sng">
             <a:solidFill>
               <a:schemeClr val="lt1"/>
             </a:solidFill>
             <a:prstDash val="solid"/>
             <a:round/>
-            <a:headEnd len="sm" w="sm" type="none"/>
-            <a:tailEnd len="sm" w="sm" type="none"/>
+            <a:headEnd type="none" w="sm" len="sm"/>
+            <a:tailEnd type="none" w="sm" len="sm"/>
           </a:ln>
         </p:spPr>
       </p:cxnSp>
@@ -2659,14 +2947,14 @@
             <a:avLst/>
           </a:prstGeom>
           <a:noFill/>
-          <a:ln cap="flat" cmpd="sng" w="19050">
+          <a:ln w="19050" cap="flat" cmpd="sng">
             <a:solidFill>
               <a:schemeClr val="lt1"/>
             </a:solidFill>
             <a:prstDash val="solid"/>
             <a:round/>
-            <a:headEnd len="sm" w="sm" type="none"/>
-            <a:tailEnd len="sm" w="sm" type="none"/>
+            <a:headEnd type="none" w="sm" len="sm"/>
+            <a:tailEnd type="none" w="sm" len="sm"/>
           </a:ln>
         </p:spPr>
       </p:cxnSp>
@@ -2685,21 +2973,23 @@
             <a:avLst/>
           </a:prstGeom>
           <a:noFill/>
-          <a:ln cap="flat" cmpd="sng" w="19050">
+          <a:ln w="19050" cap="flat" cmpd="sng">
             <a:solidFill>
               <a:schemeClr val="lt1"/>
             </a:solidFill>
             <a:prstDash val="solid"/>
             <a:round/>
-            <a:headEnd len="sm" w="sm" type="none"/>
-            <a:tailEnd len="sm" w="sm" type="none"/>
+            <a:headEnd type="none" w="sm" len="sm"/>
+            <a:tailEnd type="none" w="sm" len="sm"/>
           </a:ln>
         </p:spPr>
       </p:cxnSp>
       <p:sp>
         <p:nvSpPr>
           <p:cNvPr id="13" name="Google Shape;13;p2"/>
-          <p:cNvSpPr txBox="1"/>
+          <p:cNvSpPr txBox="1">
+            <a:spLocks noGrp="1"/>
+          </p:cNvSpPr>
           <p:nvPr>
             <p:ph type="ctrTitle"/>
           </p:nvPr>
@@ -2714,7 +3004,7 @@
           </a:prstGeom>
         </p:spPr>
         <p:txBody>
-          <a:bodyPr anchorCtr="0" anchor="t" bIns="91425" lIns="91425" spcFirstLastPara="1" rIns="91425" wrap="square" tIns="91425">
+          <a:bodyPr spcFirstLastPara="1" wrap="square" lIns="91425" tIns="91425" rIns="91425" bIns="91425" anchor="t" anchorCtr="0">
             <a:noAutofit/>
           </a:bodyPr>
           <a:lstStyle>
@@ -2881,15 +3171,19 @@
               </a:defRPr>
             </a:lvl9pPr>
           </a:lstStyle>
-          <a:p/>
+          <a:p>
+            <a:endParaRPr/>
+          </a:p>
         </p:txBody>
       </p:sp>
       <p:sp>
         <p:nvSpPr>
           <p:cNvPr id="14" name="Google Shape;14;p2"/>
-          <p:cNvSpPr txBox="1"/>
+          <p:cNvSpPr txBox="1">
+            <a:spLocks noGrp="1"/>
+          </p:cNvSpPr>
           <p:nvPr>
-            <p:ph idx="1" type="subTitle"/>
+            <p:ph type="subTitle" idx="1"/>
           </p:nvPr>
         </p:nvSpPr>
         <p:spPr>
@@ -2902,7 +3196,7 @@
           </a:prstGeom>
         </p:spPr>
         <p:txBody>
-          <a:bodyPr anchorCtr="0" anchor="b" bIns="91425" lIns="91425" spcFirstLastPara="1" rIns="91425" wrap="square" tIns="91425">
+          <a:bodyPr spcFirstLastPara="1" wrap="square" lIns="91425" tIns="91425" rIns="91425" bIns="91425" anchor="b" anchorCtr="0">
             <a:noAutofit/>
           </a:bodyPr>
           <a:lstStyle>
@@ -3096,15 +3390,19 @@
               </a:defRPr>
             </a:lvl9pPr>
           </a:lstStyle>
-          <a:p/>
+          <a:p>
+            <a:endParaRPr/>
+          </a:p>
         </p:txBody>
       </p:sp>
       <p:sp>
         <p:nvSpPr>
           <p:cNvPr id="15" name="Google Shape;15;p2"/>
-          <p:cNvSpPr txBox="1"/>
+          <p:cNvSpPr txBox="1">
+            <a:spLocks noGrp="1"/>
+          </p:cNvSpPr>
           <p:nvPr>
-            <p:ph idx="12" type="sldNum"/>
+            <p:ph type="sldNum" idx="12"/>
           </p:nvPr>
         </p:nvSpPr>
         <p:spPr>
@@ -3117,7 +3415,7 @@
           </a:prstGeom>
         </p:spPr>
         <p:txBody>
-          <a:bodyPr anchorCtr="0" anchor="ctr" bIns="91425" lIns="91425" spcFirstLastPara="1" rIns="91425" wrap="square" tIns="91425">
+          <a:bodyPr spcFirstLastPara="1" wrap="square" lIns="91425" tIns="91425" rIns="91425" bIns="91425" anchor="ctr" anchorCtr="0">
             <a:noAutofit/>
           </a:bodyPr>
           <a:lstStyle>
@@ -3195,7 +3493,7 @@
             </a:lvl9pPr>
           </a:lstStyle>
           <a:p>
-            <a:pPr indent="0" lvl="0" marL="0" rtl="0" algn="r">
+            <a:pPr marL="0" lvl="0" indent="0" algn="r" rtl="0">
               <a:spcBef>
                 <a:spcPts val="0"/>
               </a:spcBef>
@@ -3221,11 +3519,11 @@
 </file>
 
 <file path=ppt/slideLayouts/slideLayout10.xml><?xml version="1.0" encoding="utf-8"?>
-<p:sldLayout xmlns:a="http://schemas.openxmlformats.org/drawingml/2006/main" xmlns:r="http://schemas.openxmlformats.org/officeDocument/2006/relationships" xmlns:mc="http://schemas.openxmlformats.org/markup-compatibility/2006" xmlns:mv="urn:schemas-microsoft-com:mac:vml" xmlns:p="http://schemas.openxmlformats.org/presentationml/2006/main" xmlns:c="http://schemas.openxmlformats.org/drawingml/2006/chart" xmlns:dgm="http://schemas.openxmlformats.org/drawingml/2006/diagram" xmlns:o="urn:schemas-microsoft-com:office:office" xmlns:v="urn:schemas-microsoft-com:vml" xmlns:pvml="urn:schemas-microsoft-com:office:powerpoint" xmlns:com="http://schemas.openxmlformats.org/drawingml/2006/compatibility" xmlns:p14="http://schemas.microsoft.com/office/powerpoint/2010/main" xmlns:p15="http://schemas.microsoft.com/office/powerpoint/2012/main" matchingName="Big number">
+<p:sldLayout xmlns:a="http://schemas.openxmlformats.org/drawingml/2006/main" xmlns:r="http://schemas.openxmlformats.org/officeDocument/2006/relationships" xmlns:p="http://schemas.openxmlformats.org/presentationml/2006/main" matchingName="Big number">
   <p:cSld name="BIG_NUMBER">
     <p:spTree>
       <p:nvGrpSpPr>
-        <p:cNvPr id="60" name="Shape 60"/>
+        <p:cNvPr id="1" name="Shape 60"/>
         <p:cNvGrpSpPr/>
         <p:nvPr/>
       </p:nvGrpSpPr>
@@ -3252,14 +3550,14 @@
             <a:avLst/>
           </a:prstGeom>
           <a:noFill/>
-          <a:ln cap="flat" cmpd="sng" w="19050">
+          <a:ln w="19050" cap="flat" cmpd="sng">
             <a:solidFill>
               <a:schemeClr val="dk2"/>
             </a:solidFill>
             <a:prstDash val="solid"/>
             <a:round/>
-            <a:headEnd len="sm" w="sm" type="none"/>
-            <a:tailEnd len="sm" w="sm" type="none"/>
+            <a:headEnd type="none" w="sm" len="sm"/>
+            <a:tailEnd type="none" w="sm" len="sm"/>
           </a:ln>
         </p:spPr>
       </p:cxnSp>
@@ -3278,23 +3576,25 @@
             <a:avLst/>
           </a:prstGeom>
           <a:noFill/>
-          <a:ln cap="flat" cmpd="sng" w="38100">
+          <a:ln w="38100" cap="flat" cmpd="sng">
             <a:solidFill>
               <a:schemeClr val="dk2"/>
             </a:solidFill>
             <a:prstDash val="solid"/>
             <a:round/>
-            <a:headEnd len="sm" w="sm" type="none"/>
-            <a:tailEnd len="sm" w="sm" type="none"/>
+            <a:headEnd type="none" w="sm" len="sm"/>
+            <a:tailEnd type="none" w="sm" len="sm"/>
           </a:ln>
         </p:spPr>
       </p:cxnSp>
       <p:sp>
         <p:nvSpPr>
           <p:cNvPr id="63" name="Google Shape;63;p11"/>
-          <p:cNvSpPr txBox="1"/>
+          <p:cNvSpPr txBox="1">
+            <a:spLocks noGrp="1"/>
+          </p:cNvSpPr>
           <p:nvPr>
-            <p:ph hasCustomPrompt="1" type="title"/>
+            <p:ph type="title" hasCustomPrompt="1"/>
           </p:nvPr>
         </p:nvSpPr>
         <p:spPr>
@@ -3307,11 +3607,11 @@
           </a:prstGeom>
         </p:spPr>
         <p:txBody>
-          <a:bodyPr anchorCtr="0" anchor="ctr" bIns="91425" lIns="91425" spcFirstLastPara="1" rIns="91425" wrap="square" tIns="91425">
+          <a:bodyPr spcFirstLastPara="1" wrap="square" lIns="91425" tIns="91425" rIns="91425" bIns="91425" anchor="ctr" anchorCtr="0">
             <a:noAutofit/>
           </a:bodyPr>
           <a:lstStyle>
-            <a:lvl1pPr lvl="0" rtl="0" algn="ctr">
+            <a:lvl1pPr lvl="0" algn="ctr" rtl="0">
               <a:spcBef>
                 <a:spcPts val="0"/>
               </a:spcBef>
@@ -3334,7 +3634,7 @@
                 <a:sym typeface="Lato"/>
               </a:defRPr>
             </a:lvl1pPr>
-            <a:lvl2pPr lvl="1" rtl="0" algn="ctr">
+            <a:lvl2pPr lvl="1" algn="ctr" rtl="0">
               <a:spcBef>
                 <a:spcPts val="0"/>
               </a:spcBef>
@@ -3357,7 +3657,7 @@
                 <a:sym typeface="Lato"/>
               </a:defRPr>
             </a:lvl2pPr>
-            <a:lvl3pPr lvl="2" rtl="0" algn="ctr">
+            <a:lvl3pPr lvl="2" algn="ctr" rtl="0">
               <a:spcBef>
                 <a:spcPts val="0"/>
               </a:spcBef>
@@ -3380,7 +3680,7 @@
                 <a:sym typeface="Lato"/>
               </a:defRPr>
             </a:lvl3pPr>
-            <a:lvl4pPr lvl="3" rtl="0" algn="ctr">
+            <a:lvl4pPr lvl="3" algn="ctr" rtl="0">
               <a:spcBef>
                 <a:spcPts val="0"/>
               </a:spcBef>
@@ -3403,7 +3703,7 @@
                 <a:sym typeface="Lato"/>
               </a:defRPr>
             </a:lvl4pPr>
-            <a:lvl5pPr lvl="4" rtl="0" algn="ctr">
+            <a:lvl5pPr lvl="4" algn="ctr" rtl="0">
               <a:spcBef>
                 <a:spcPts val="0"/>
               </a:spcBef>
@@ -3426,7 +3726,7 @@
                 <a:sym typeface="Lato"/>
               </a:defRPr>
             </a:lvl5pPr>
-            <a:lvl6pPr lvl="5" rtl="0" algn="ctr">
+            <a:lvl6pPr lvl="5" algn="ctr" rtl="0">
               <a:spcBef>
                 <a:spcPts val="0"/>
               </a:spcBef>
@@ -3449,7 +3749,7 @@
                 <a:sym typeface="Lato"/>
               </a:defRPr>
             </a:lvl6pPr>
-            <a:lvl7pPr lvl="6" rtl="0" algn="ctr">
+            <a:lvl7pPr lvl="6" algn="ctr" rtl="0">
               <a:spcBef>
                 <a:spcPts val="0"/>
               </a:spcBef>
@@ -3472,7 +3772,7 @@
                 <a:sym typeface="Lato"/>
               </a:defRPr>
             </a:lvl7pPr>
-            <a:lvl8pPr lvl="7" rtl="0" algn="ctr">
+            <a:lvl8pPr lvl="7" algn="ctr" rtl="0">
               <a:spcBef>
                 <a:spcPts val="0"/>
               </a:spcBef>
@@ -3495,7 +3795,7 @@
                 <a:sym typeface="Lato"/>
               </a:defRPr>
             </a:lvl8pPr>
-            <a:lvl9pPr lvl="8" rtl="0" algn="ctr">
+            <a:lvl9pPr lvl="8" algn="ctr" rtl="0">
               <a:spcBef>
                 <a:spcPts val="0"/>
               </a:spcBef>
@@ -3529,9 +3829,11 @@
       <p:sp>
         <p:nvSpPr>
           <p:cNvPr id="64" name="Google Shape;64;p11"/>
-          <p:cNvSpPr txBox="1"/>
+          <p:cNvSpPr txBox="1">
+            <a:spLocks noGrp="1"/>
+          </p:cNvSpPr>
           <p:nvPr>
-            <p:ph idx="1" type="body"/>
+            <p:ph type="body" idx="1"/>
           </p:nvPr>
         </p:nvSpPr>
         <p:spPr>
@@ -3544,11 +3846,11 @@
           </a:prstGeom>
         </p:spPr>
         <p:txBody>
-          <a:bodyPr anchorCtr="0" anchor="t" bIns="91425" lIns="91425" spcFirstLastPara="1" rIns="91425" wrap="square" tIns="91425">
+          <a:bodyPr spcFirstLastPara="1" wrap="square" lIns="91425" tIns="91425" rIns="91425" bIns="91425" anchor="t" anchorCtr="0">
             <a:noAutofit/>
           </a:bodyPr>
           <a:lstStyle>
-            <a:lvl1pPr indent="-342900" lvl="0" marL="457200" rtl="0" algn="ctr">
+            <a:lvl1pPr marL="457200" lvl="0" indent="-342900" algn="ctr" rtl="0">
               <a:spcBef>
                 <a:spcPts val="0"/>
               </a:spcBef>
@@ -3559,7 +3861,7 @@
               <a:buChar char="●"/>
               <a:defRPr/>
             </a:lvl1pPr>
-            <a:lvl2pPr indent="-317500" lvl="1" marL="914400" rtl="0" algn="ctr">
+            <a:lvl2pPr marL="914400" lvl="1" indent="-317500" algn="ctr" rtl="0">
               <a:spcBef>
                 <a:spcPts val="1600"/>
               </a:spcBef>
@@ -3570,7 +3872,7 @@
               <a:buChar char="○"/>
               <a:defRPr/>
             </a:lvl2pPr>
-            <a:lvl3pPr indent="-317500" lvl="2" marL="1371600" rtl="0" algn="ctr">
+            <a:lvl3pPr marL="1371600" lvl="2" indent="-317500" algn="ctr" rtl="0">
               <a:spcBef>
                 <a:spcPts val="1600"/>
               </a:spcBef>
@@ -3581,7 +3883,7 @@
               <a:buChar char="■"/>
               <a:defRPr/>
             </a:lvl3pPr>
-            <a:lvl4pPr indent="-317500" lvl="3" marL="1828800" rtl="0" algn="ctr">
+            <a:lvl4pPr marL="1828800" lvl="3" indent="-317500" algn="ctr" rtl="0">
               <a:spcBef>
                 <a:spcPts val="1600"/>
               </a:spcBef>
@@ -3592,7 +3894,7 @@
               <a:buChar char="●"/>
               <a:defRPr/>
             </a:lvl4pPr>
-            <a:lvl5pPr indent="-317500" lvl="4" marL="2286000" rtl="0" algn="ctr">
+            <a:lvl5pPr marL="2286000" lvl="4" indent="-317500" algn="ctr" rtl="0">
               <a:spcBef>
                 <a:spcPts val="1600"/>
               </a:spcBef>
@@ -3603,7 +3905,7 @@
               <a:buChar char="○"/>
               <a:defRPr/>
             </a:lvl5pPr>
-            <a:lvl6pPr indent="-317500" lvl="5" marL="2743200" rtl="0" algn="ctr">
+            <a:lvl6pPr marL="2743200" lvl="5" indent="-317500" algn="ctr" rtl="0">
               <a:spcBef>
                 <a:spcPts val="1600"/>
               </a:spcBef>
@@ -3614,7 +3916,7 @@
               <a:buChar char="■"/>
               <a:defRPr/>
             </a:lvl6pPr>
-            <a:lvl7pPr indent="-317500" lvl="6" marL="3200400" rtl="0" algn="ctr">
+            <a:lvl7pPr marL="3200400" lvl="6" indent="-317500" algn="ctr" rtl="0">
               <a:spcBef>
                 <a:spcPts val="1600"/>
               </a:spcBef>
@@ -3625,7 +3927,7 @@
               <a:buChar char="●"/>
               <a:defRPr/>
             </a:lvl7pPr>
-            <a:lvl8pPr indent="-317500" lvl="7" marL="3657600" rtl="0" algn="ctr">
+            <a:lvl8pPr marL="3657600" lvl="7" indent="-317500" algn="ctr" rtl="0">
               <a:spcBef>
                 <a:spcPts val="1600"/>
               </a:spcBef>
@@ -3636,7 +3938,7 @@
               <a:buChar char="○"/>
               <a:defRPr/>
             </a:lvl8pPr>
-            <a:lvl9pPr indent="-317500" lvl="8" marL="4114800" rtl="0" algn="ctr">
+            <a:lvl9pPr marL="4114800" lvl="8" indent="-317500" algn="ctr" rtl="0">
               <a:spcBef>
                 <a:spcPts val="1600"/>
               </a:spcBef>
@@ -3648,15 +3950,19 @@
               <a:defRPr/>
             </a:lvl9pPr>
           </a:lstStyle>
-          <a:p/>
+          <a:p>
+            <a:endParaRPr/>
+          </a:p>
         </p:txBody>
       </p:sp>
       <p:sp>
         <p:nvSpPr>
           <p:cNvPr id="65" name="Google Shape;65;p11"/>
-          <p:cNvSpPr txBox="1"/>
+          <p:cNvSpPr txBox="1">
+            <a:spLocks noGrp="1"/>
+          </p:cNvSpPr>
           <p:nvPr>
-            <p:ph idx="12" type="sldNum"/>
+            <p:ph type="sldNum" idx="12"/>
           </p:nvPr>
         </p:nvSpPr>
         <p:spPr>
@@ -3669,7 +3975,7 @@
           </a:prstGeom>
         </p:spPr>
         <p:txBody>
-          <a:bodyPr anchorCtr="0" anchor="ctr" bIns="91425" lIns="91425" spcFirstLastPara="1" rIns="91425" wrap="square" tIns="91425">
+          <a:bodyPr spcFirstLastPara="1" wrap="square" lIns="91425" tIns="91425" rIns="91425" bIns="91425" anchor="ctr" anchorCtr="0">
             <a:noAutofit/>
           </a:bodyPr>
           <a:lstStyle>
@@ -3711,7 +4017,7 @@
             </a:lvl9pPr>
           </a:lstStyle>
           <a:p>
-            <a:pPr indent="0" lvl="0" marL="0" rtl="0" algn="r">
+            <a:pPr marL="0" lvl="0" indent="0" algn="r" rtl="0">
               <a:spcBef>
                 <a:spcPts val="0"/>
               </a:spcBef>
@@ -3737,11 +4043,11 @@
 </file>
 
 <file path=ppt/slideLayouts/slideLayout11.xml><?xml version="1.0" encoding="utf-8"?>
-<p:sldLayout xmlns:a="http://schemas.openxmlformats.org/drawingml/2006/main" xmlns:r="http://schemas.openxmlformats.org/officeDocument/2006/relationships" xmlns:mc="http://schemas.openxmlformats.org/markup-compatibility/2006" xmlns:mv="urn:schemas-microsoft-com:mac:vml" xmlns:p="http://schemas.openxmlformats.org/presentationml/2006/main" xmlns:c="http://schemas.openxmlformats.org/drawingml/2006/chart" xmlns:dgm="http://schemas.openxmlformats.org/drawingml/2006/diagram" xmlns:o="urn:schemas-microsoft-com:office:office" xmlns:v="urn:schemas-microsoft-com:vml" xmlns:pvml="urn:schemas-microsoft-com:office:powerpoint" xmlns:com="http://schemas.openxmlformats.org/drawingml/2006/compatibility" xmlns:p14="http://schemas.microsoft.com/office/powerpoint/2010/main" xmlns:p15="http://schemas.microsoft.com/office/powerpoint/2012/main" matchingName="Blank" type="blank">
+<p:sldLayout xmlns:a="http://schemas.openxmlformats.org/drawingml/2006/main" xmlns:r="http://schemas.openxmlformats.org/officeDocument/2006/relationships" xmlns:p="http://schemas.openxmlformats.org/presentationml/2006/main" matchingName="Blank" type="blank">
   <p:cSld name="BLANK">
     <p:spTree>
       <p:nvGrpSpPr>
-        <p:cNvPr id="66" name="Shape 66"/>
+        <p:cNvPr id="1" name="Shape 66"/>
         <p:cNvGrpSpPr/>
         <p:nvPr/>
       </p:nvGrpSpPr>
@@ -3756,9 +4062,11 @@
       <p:sp>
         <p:nvSpPr>
           <p:cNvPr id="67" name="Google Shape;67;p12"/>
-          <p:cNvSpPr txBox="1"/>
+          <p:cNvSpPr txBox="1">
+            <a:spLocks noGrp="1"/>
+          </p:cNvSpPr>
           <p:nvPr>
-            <p:ph idx="12" type="sldNum"/>
+            <p:ph type="sldNum" idx="12"/>
           </p:nvPr>
         </p:nvSpPr>
         <p:spPr>
@@ -3771,7 +4079,7 @@
           </a:prstGeom>
         </p:spPr>
         <p:txBody>
-          <a:bodyPr anchorCtr="0" anchor="ctr" bIns="91425" lIns="91425" spcFirstLastPara="1" rIns="91425" wrap="square" tIns="91425">
+          <a:bodyPr spcFirstLastPara="1" wrap="square" lIns="91425" tIns="91425" rIns="91425" bIns="91425" anchor="ctr" anchorCtr="0">
             <a:noAutofit/>
           </a:bodyPr>
           <a:lstStyle>
@@ -3813,7 +4121,7 @@
             </a:lvl9pPr>
           </a:lstStyle>
           <a:p>
-            <a:pPr indent="0" lvl="0" marL="0" rtl="0" algn="r">
+            <a:pPr marL="0" lvl="0" indent="0" algn="r" rtl="0">
               <a:spcBef>
                 <a:spcPts val="0"/>
               </a:spcBef>
@@ -3839,11 +4147,11 @@
 </file>
 
 <file path=ppt/slideLayouts/slideLayout2.xml><?xml version="1.0" encoding="utf-8"?>
-<p:sldLayout xmlns:a="http://schemas.openxmlformats.org/drawingml/2006/main" xmlns:r="http://schemas.openxmlformats.org/officeDocument/2006/relationships" xmlns:mc="http://schemas.openxmlformats.org/markup-compatibility/2006" xmlns:mv="urn:schemas-microsoft-com:mac:vml" xmlns:p="http://schemas.openxmlformats.org/presentationml/2006/main" xmlns:c="http://schemas.openxmlformats.org/drawingml/2006/chart" xmlns:dgm="http://schemas.openxmlformats.org/drawingml/2006/diagram" xmlns:o="urn:schemas-microsoft-com:office:office" xmlns:v="urn:schemas-microsoft-com:vml" xmlns:pvml="urn:schemas-microsoft-com:office:powerpoint" xmlns:com="http://schemas.openxmlformats.org/drawingml/2006/compatibility" xmlns:p14="http://schemas.microsoft.com/office/powerpoint/2010/main" xmlns:p15="http://schemas.microsoft.com/office/powerpoint/2012/main" matchingName="Section header" type="secHead">
+<p:sldLayout xmlns:a="http://schemas.openxmlformats.org/drawingml/2006/main" xmlns:r="http://schemas.openxmlformats.org/officeDocument/2006/relationships" xmlns:p="http://schemas.openxmlformats.org/presentationml/2006/main" matchingName="Section header" type="secHead">
   <p:cSld name="SECTION_HEADER">
     <p:spTree>
       <p:nvGrpSpPr>
-        <p:cNvPr id="16" name="Shape 16"/>
+        <p:cNvPr id="1" name="Shape 16"/>
         <p:cNvGrpSpPr/>
         <p:nvPr/>
       </p:nvGrpSpPr>
@@ -3870,14 +4178,14 @@
             <a:avLst/>
           </a:prstGeom>
           <a:noFill/>
-          <a:ln cap="flat" cmpd="sng" w="38100">
+          <a:ln w="38100" cap="flat" cmpd="sng">
             <a:solidFill>
               <a:schemeClr val="lt1"/>
             </a:solidFill>
             <a:prstDash val="solid"/>
             <a:round/>
-            <a:headEnd len="sm" w="sm" type="none"/>
-            <a:tailEnd len="sm" w="sm" type="none"/>
+            <a:headEnd type="none" w="sm" len="sm"/>
+            <a:tailEnd type="none" w="sm" len="sm"/>
           </a:ln>
         </p:spPr>
       </p:cxnSp>
@@ -3896,21 +4204,23 @@
             <a:avLst/>
           </a:prstGeom>
           <a:noFill/>
-          <a:ln cap="flat" cmpd="sng" w="19050">
+          <a:ln w="19050" cap="flat" cmpd="sng">
             <a:solidFill>
               <a:schemeClr val="lt1"/>
             </a:solidFill>
             <a:prstDash val="solid"/>
             <a:round/>
-            <a:headEnd len="sm" w="sm" type="none"/>
-            <a:tailEnd len="sm" w="sm" type="none"/>
+            <a:headEnd type="none" w="sm" len="sm"/>
+            <a:tailEnd type="none" w="sm" len="sm"/>
           </a:ln>
         </p:spPr>
       </p:cxnSp>
       <p:sp>
         <p:nvSpPr>
           <p:cNvPr id="19" name="Google Shape;19;p3"/>
-          <p:cNvSpPr txBox="1"/>
+          <p:cNvSpPr txBox="1">
+            <a:spLocks noGrp="1"/>
+          </p:cNvSpPr>
           <p:nvPr>
             <p:ph type="title"/>
           </p:nvPr>
@@ -3925,11 +4235,11 @@
           </a:prstGeom>
         </p:spPr>
         <p:txBody>
-          <a:bodyPr anchorCtr="0" anchor="ctr" bIns="91425" lIns="91425" spcFirstLastPara="1" rIns="91425" wrap="square" tIns="91425">
+          <a:bodyPr spcFirstLastPara="1" wrap="square" lIns="91425" tIns="91425" rIns="91425" bIns="91425" anchor="ctr" anchorCtr="0">
             <a:noAutofit/>
           </a:bodyPr>
           <a:lstStyle>
-            <a:lvl1pPr lvl="0" rtl="0" algn="ctr">
+            <a:lvl1pPr lvl="0" algn="ctr" rtl="0">
               <a:spcBef>
                 <a:spcPts val="0"/>
               </a:spcBef>
@@ -3947,7 +4257,7 @@
                 </a:solidFill>
               </a:defRPr>
             </a:lvl1pPr>
-            <a:lvl2pPr lvl="1" rtl="0" algn="ctr">
+            <a:lvl2pPr lvl="1" algn="ctr" rtl="0">
               <a:spcBef>
                 <a:spcPts val="0"/>
               </a:spcBef>
@@ -3965,7 +4275,7 @@
                 </a:solidFill>
               </a:defRPr>
             </a:lvl2pPr>
-            <a:lvl3pPr lvl="2" rtl="0" algn="ctr">
+            <a:lvl3pPr lvl="2" algn="ctr" rtl="0">
               <a:spcBef>
                 <a:spcPts val="0"/>
               </a:spcBef>
@@ -3983,7 +4293,7 @@
                 </a:solidFill>
               </a:defRPr>
             </a:lvl3pPr>
-            <a:lvl4pPr lvl="3" rtl="0" algn="ctr">
+            <a:lvl4pPr lvl="3" algn="ctr" rtl="0">
               <a:spcBef>
                 <a:spcPts val="0"/>
               </a:spcBef>
@@ -4001,7 +4311,7 @@
                 </a:solidFill>
               </a:defRPr>
             </a:lvl4pPr>
-            <a:lvl5pPr lvl="4" rtl="0" algn="ctr">
+            <a:lvl5pPr lvl="4" algn="ctr" rtl="0">
               <a:spcBef>
                 <a:spcPts val="0"/>
               </a:spcBef>
@@ -4019,7 +4329,7 @@
                 </a:solidFill>
               </a:defRPr>
             </a:lvl5pPr>
-            <a:lvl6pPr lvl="5" rtl="0" algn="ctr">
+            <a:lvl6pPr lvl="5" algn="ctr" rtl="0">
               <a:spcBef>
                 <a:spcPts val="0"/>
               </a:spcBef>
@@ -4037,7 +4347,7 @@
                 </a:solidFill>
               </a:defRPr>
             </a:lvl6pPr>
-            <a:lvl7pPr lvl="6" rtl="0" algn="ctr">
+            <a:lvl7pPr lvl="6" algn="ctr" rtl="0">
               <a:spcBef>
                 <a:spcPts val="0"/>
               </a:spcBef>
@@ -4055,7 +4365,7 @@
                 </a:solidFill>
               </a:defRPr>
             </a:lvl7pPr>
-            <a:lvl8pPr lvl="7" rtl="0" algn="ctr">
+            <a:lvl8pPr lvl="7" algn="ctr" rtl="0">
               <a:spcBef>
                 <a:spcPts val="0"/>
               </a:spcBef>
@@ -4073,7 +4383,7 @@
                 </a:solidFill>
               </a:defRPr>
             </a:lvl8pPr>
-            <a:lvl9pPr lvl="8" rtl="0" algn="ctr">
+            <a:lvl9pPr lvl="8" algn="ctr" rtl="0">
               <a:spcBef>
                 <a:spcPts val="0"/>
               </a:spcBef>
@@ -4092,15 +4402,19 @@
               </a:defRPr>
             </a:lvl9pPr>
           </a:lstStyle>
-          <a:p/>
+          <a:p>
+            <a:endParaRPr/>
+          </a:p>
         </p:txBody>
       </p:sp>
       <p:sp>
         <p:nvSpPr>
           <p:cNvPr id="20" name="Google Shape;20;p3"/>
-          <p:cNvSpPr txBox="1"/>
+          <p:cNvSpPr txBox="1">
+            <a:spLocks noGrp="1"/>
+          </p:cNvSpPr>
           <p:nvPr>
-            <p:ph idx="12" type="sldNum"/>
+            <p:ph type="sldNum" idx="12"/>
           </p:nvPr>
         </p:nvSpPr>
         <p:spPr>
@@ -4113,7 +4427,7 @@
           </a:prstGeom>
         </p:spPr>
         <p:txBody>
-          <a:bodyPr anchorCtr="0" anchor="ctr" bIns="91425" lIns="91425" spcFirstLastPara="1" rIns="91425" wrap="square" tIns="91425">
+          <a:bodyPr spcFirstLastPara="1" wrap="square" lIns="91425" tIns="91425" rIns="91425" bIns="91425" anchor="ctr" anchorCtr="0">
             <a:noAutofit/>
           </a:bodyPr>
           <a:lstStyle>
@@ -4191,7 +4505,7 @@
             </a:lvl9pPr>
           </a:lstStyle>
           <a:p>
-            <a:pPr indent="0" lvl="0" marL="0" rtl="0" algn="r">
+            <a:pPr marL="0" lvl="0" indent="0" algn="r" rtl="0">
               <a:spcBef>
                 <a:spcPts val="0"/>
               </a:spcBef>
@@ -4217,11 +4531,11 @@
 </file>
 
 <file path=ppt/slideLayouts/slideLayout3.xml><?xml version="1.0" encoding="utf-8"?>
-<p:sldLayout xmlns:a="http://schemas.openxmlformats.org/drawingml/2006/main" xmlns:r="http://schemas.openxmlformats.org/officeDocument/2006/relationships" xmlns:mc="http://schemas.openxmlformats.org/markup-compatibility/2006" xmlns:mv="urn:schemas-microsoft-com:mac:vml" xmlns:p="http://schemas.openxmlformats.org/presentationml/2006/main" xmlns:c="http://schemas.openxmlformats.org/drawingml/2006/chart" xmlns:dgm="http://schemas.openxmlformats.org/drawingml/2006/diagram" xmlns:o="urn:schemas-microsoft-com:office:office" xmlns:v="urn:schemas-microsoft-com:vml" xmlns:pvml="urn:schemas-microsoft-com:office:powerpoint" xmlns:com="http://schemas.openxmlformats.org/drawingml/2006/compatibility" xmlns:p14="http://schemas.microsoft.com/office/powerpoint/2010/main" xmlns:p15="http://schemas.microsoft.com/office/powerpoint/2012/main" matchingName="Title and body" type="tx">
+<p:sldLayout xmlns:a="http://schemas.openxmlformats.org/drawingml/2006/main" xmlns:r="http://schemas.openxmlformats.org/officeDocument/2006/relationships" xmlns:p="http://schemas.openxmlformats.org/presentationml/2006/main" matchingName="Title and body" type="tx">
   <p:cSld name="TITLE_AND_BODY">
     <p:spTree>
       <p:nvGrpSpPr>
-        <p:cNvPr id="21" name="Shape 21"/>
+        <p:cNvPr id="1" name="Shape 21"/>
         <p:cNvGrpSpPr/>
         <p:nvPr/>
       </p:nvGrpSpPr>
@@ -4248,14 +4562,14 @@
             <a:avLst/>
           </a:prstGeom>
           <a:noFill/>
-          <a:ln cap="flat" cmpd="sng" w="38100">
+          <a:ln w="38100" cap="flat" cmpd="sng">
             <a:solidFill>
               <a:schemeClr val="dk2"/>
             </a:solidFill>
             <a:prstDash val="solid"/>
             <a:round/>
-            <a:headEnd len="sm" w="sm" type="none"/>
-            <a:tailEnd len="sm" w="sm" type="none"/>
+            <a:headEnd type="none" w="sm" len="sm"/>
+            <a:tailEnd type="none" w="sm" len="sm"/>
           </a:ln>
         </p:spPr>
       </p:cxnSp>
@@ -4274,14 +4588,14 @@
             <a:avLst/>
           </a:prstGeom>
           <a:noFill/>
-          <a:ln cap="flat" cmpd="sng" w="19050">
+          <a:ln w="19050" cap="flat" cmpd="sng">
             <a:solidFill>
               <a:schemeClr val="dk2"/>
             </a:solidFill>
             <a:prstDash val="solid"/>
             <a:round/>
-            <a:headEnd len="sm" w="sm" type="none"/>
-            <a:tailEnd len="sm" w="sm" type="none"/>
+            <a:headEnd type="none" w="sm" len="sm"/>
+            <a:tailEnd type="none" w="sm" len="sm"/>
           </a:ln>
         </p:spPr>
       </p:cxnSp>
@@ -4300,21 +4614,23 @@
             <a:avLst/>
           </a:prstGeom>
           <a:noFill/>
-          <a:ln cap="flat" cmpd="sng" w="19050">
+          <a:ln w="19050" cap="flat" cmpd="sng">
             <a:solidFill>
               <a:schemeClr val="dk2"/>
             </a:solidFill>
             <a:prstDash val="solid"/>
             <a:round/>
-            <a:headEnd len="sm" w="sm" type="none"/>
-            <a:tailEnd len="sm" w="sm" type="none"/>
+            <a:headEnd type="none" w="sm" len="sm"/>
+            <a:tailEnd type="none" w="sm" len="sm"/>
           </a:ln>
         </p:spPr>
       </p:cxnSp>
       <p:sp>
         <p:nvSpPr>
           <p:cNvPr id="25" name="Google Shape;25;p4"/>
-          <p:cNvSpPr txBox="1"/>
+          <p:cNvSpPr txBox="1">
+            <a:spLocks noGrp="1"/>
+          </p:cNvSpPr>
           <p:nvPr>
             <p:ph type="title"/>
           </p:nvPr>
@@ -4329,7 +4645,7 @@
           </a:prstGeom>
         </p:spPr>
         <p:txBody>
-          <a:bodyPr anchorCtr="0" anchor="t" bIns="91425" lIns="91425" spcFirstLastPara="1" rIns="91425" wrap="square" tIns="91425">
+          <a:bodyPr spcFirstLastPara="1" wrap="square" lIns="91425" tIns="91425" rIns="91425" bIns="91425" anchor="t" anchorCtr="0">
             <a:noAutofit/>
           </a:bodyPr>
           <a:lstStyle>
@@ -4433,15 +4749,19 @@
               <a:defRPr/>
             </a:lvl9pPr>
           </a:lstStyle>
-          <a:p/>
+          <a:p>
+            <a:endParaRPr/>
+          </a:p>
         </p:txBody>
       </p:sp>
       <p:sp>
         <p:nvSpPr>
           <p:cNvPr id="26" name="Google Shape;26;p4"/>
-          <p:cNvSpPr txBox="1"/>
+          <p:cNvSpPr txBox="1">
+            <a:spLocks noGrp="1"/>
+          </p:cNvSpPr>
           <p:nvPr>
-            <p:ph idx="1" type="body"/>
+            <p:ph type="body" idx="1"/>
           </p:nvPr>
         </p:nvSpPr>
         <p:spPr>
@@ -4454,11 +4774,11 @@
           </a:prstGeom>
         </p:spPr>
         <p:txBody>
-          <a:bodyPr anchorCtr="0" anchor="t" bIns="91425" lIns="91425" spcFirstLastPara="1" rIns="91425" wrap="square" tIns="91425">
+          <a:bodyPr spcFirstLastPara="1" wrap="square" lIns="91425" tIns="91425" rIns="91425" bIns="91425" anchor="t" anchorCtr="0">
             <a:noAutofit/>
           </a:bodyPr>
           <a:lstStyle>
-            <a:lvl1pPr indent="-342900" lvl="0" marL="457200" rtl="0">
+            <a:lvl1pPr marL="457200" lvl="0" indent="-342900" rtl="0">
               <a:spcBef>
                 <a:spcPts val="0"/>
               </a:spcBef>
@@ -4469,7 +4789,7 @@
               <a:buChar char="●"/>
               <a:defRPr/>
             </a:lvl1pPr>
-            <a:lvl2pPr indent="-317500" lvl="1" marL="914400" rtl="0">
+            <a:lvl2pPr marL="914400" lvl="1" indent="-317500" rtl="0">
               <a:spcBef>
                 <a:spcPts val="1600"/>
               </a:spcBef>
@@ -4480,7 +4800,7 @@
               <a:buChar char="○"/>
               <a:defRPr/>
             </a:lvl2pPr>
-            <a:lvl3pPr indent="-317500" lvl="2" marL="1371600" rtl="0">
+            <a:lvl3pPr marL="1371600" lvl="2" indent="-317500" rtl="0">
               <a:spcBef>
                 <a:spcPts val="1600"/>
               </a:spcBef>
@@ -4491,7 +4811,7 @@
               <a:buChar char="■"/>
               <a:defRPr/>
             </a:lvl3pPr>
-            <a:lvl4pPr indent="-317500" lvl="3" marL="1828800" rtl="0">
+            <a:lvl4pPr marL="1828800" lvl="3" indent="-317500" rtl="0">
               <a:spcBef>
                 <a:spcPts val="1600"/>
               </a:spcBef>
@@ -4502,7 +4822,7 @@
               <a:buChar char="●"/>
               <a:defRPr/>
             </a:lvl4pPr>
-            <a:lvl5pPr indent="-317500" lvl="4" marL="2286000" rtl="0">
+            <a:lvl5pPr marL="2286000" lvl="4" indent="-317500" rtl="0">
               <a:spcBef>
                 <a:spcPts val="1600"/>
               </a:spcBef>
@@ -4513,7 +4833,7 @@
               <a:buChar char="○"/>
               <a:defRPr/>
             </a:lvl5pPr>
-            <a:lvl6pPr indent="-317500" lvl="5" marL="2743200" rtl="0">
+            <a:lvl6pPr marL="2743200" lvl="5" indent="-317500" rtl="0">
               <a:spcBef>
                 <a:spcPts val="1600"/>
               </a:spcBef>
@@ -4524,7 +4844,7 @@
               <a:buChar char="■"/>
               <a:defRPr/>
             </a:lvl6pPr>
-            <a:lvl7pPr indent="-317500" lvl="6" marL="3200400" rtl="0">
+            <a:lvl7pPr marL="3200400" lvl="6" indent="-317500" rtl="0">
               <a:spcBef>
                 <a:spcPts val="1600"/>
               </a:spcBef>
@@ -4535,7 +4855,7 @@
               <a:buChar char="●"/>
               <a:defRPr/>
             </a:lvl7pPr>
-            <a:lvl8pPr indent="-317500" lvl="7" marL="3657600" rtl="0">
+            <a:lvl8pPr marL="3657600" lvl="7" indent="-317500" rtl="0">
               <a:spcBef>
                 <a:spcPts val="1600"/>
               </a:spcBef>
@@ -4546,7 +4866,7 @@
               <a:buChar char="○"/>
               <a:defRPr/>
             </a:lvl8pPr>
-            <a:lvl9pPr indent="-317500" lvl="8" marL="4114800" rtl="0">
+            <a:lvl9pPr marL="4114800" lvl="8" indent="-317500" rtl="0">
               <a:spcBef>
                 <a:spcPts val="1600"/>
               </a:spcBef>
@@ -4558,15 +4878,19 @@
               <a:defRPr/>
             </a:lvl9pPr>
           </a:lstStyle>
-          <a:p/>
+          <a:p>
+            <a:endParaRPr/>
+          </a:p>
         </p:txBody>
       </p:sp>
       <p:sp>
         <p:nvSpPr>
           <p:cNvPr id="27" name="Google Shape;27;p4"/>
-          <p:cNvSpPr txBox="1"/>
+          <p:cNvSpPr txBox="1">
+            <a:spLocks noGrp="1"/>
+          </p:cNvSpPr>
           <p:nvPr>
-            <p:ph idx="12" type="sldNum"/>
+            <p:ph type="sldNum" idx="12"/>
           </p:nvPr>
         </p:nvSpPr>
         <p:spPr>
@@ -4579,7 +4903,7 @@
           </a:prstGeom>
         </p:spPr>
         <p:txBody>
-          <a:bodyPr anchorCtr="0" anchor="ctr" bIns="91425" lIns="91425" spcFirstLastPara="1" rIns="91425" wrap="square" tIns="91425">
+          <a:bodyPr spcFirstLastPara="1" wrap="square" lIns="91425" tIns="91425" rIns="91425" bIns="91425" anchor="ctr" anchorCtr="0">
             <a:noAutofit/>
           </a:bodyPr>
           <a:lstStyle>
@@ -4621,7 +4945,7 @@
             </a:lvl9pPr>
           </a:lstStyle>
           <a:p>
-            <a:pPr indent="0" lvl="0" marL="0" rtl="0" algn="r">
+            <a:pPr marL="0" lvl="0" indent="0" algn="r" rtl="0">
               <a:spcBef>
                 <a:spcPts val="0"/>
               </a:spcBef>
@@ -4647,11 +4971,11 @@
 </file>
 
 <file path=ppt/slideLayouts/slideLayout4.xml><?xml version="1.0" encoding="utf-8"?>
-<p:sldLayout xmlns:a="http://schemas.openxmlformats.org/drawingml/2006/main" xmlns:r="http://schemas.openxmlformats.org/officeDocument/2006/relationships" xmlns:mc="http://schemas.openxmlformats.org/markup-compatibility/2006" xmlns:mv="urn:schemas-microsoft-com:mac:vml" xmlns:p="http://schemas.openxmlformats.org/presentationml/2006/main" xmlns:c="http://schemas.openxmlformats.org/drawingml/2006/chart" xmlns:dgm="http://schemas.openxmlformats.org/drawingml/2006/diagram" xmlns:o="urn:schemas-microsoft-com:office:office" xmlns:v="urn:schemas-microsoft-com:vml" xmlns:pvml="urn:schemas-microsoft-com:office:powerpoint" xmlns:com="http://schemas.openxmlformats.org/drawingml/2006/compatibility" xmlns:p14="http://schemas.microsoft.com/office/powerpoint/2010/main" xmlns:p15="http://schemas.microsoft.com/office/powerpoint/2012/main" matchingName="Title and two columns" type="twoColTx">
+<p:sldLayout xmlns:a="http://schemas.openxmlformats.org/drawingml/2006/main" xmlns:r="http://schemas.openxmlformats.org/officeDocument/2006/relationships" xmlns:p="http://schemas.openxmlformats.org/presentationml/2006/main" matchingName="Title and two columns" type="twoColTx">
   <p:cSld name="TITLE_AND_TWO_COLUMNS">
     <p:spTree>
       <p:nvGrpSpPr>
-        <p:cNvPr id="28" name="Shape 28"/>
+        <p:cNvPr id="1" name="Shape 28"/>
         <p:cNvGrpSpPr/>
         <p:nvPr/>
       </p:nvGrpSpPr>
@@ -4678,14 +5002,14 @@
             <a:avLst/>
           </a:prstGeom>
           <a:noFill/>
-          <a:ln cap="flat" cmpd="sng" w="38100">
+          <a:ln w="38100" cap="flat" cmpd="sng">
             <a:solidFill>
               <a:schemeClr val="dk2"/>
             </a:solidFill>
             <a:prstDash val="solid"/>
             <a:round/>
-            <a:headEnd len="sm" w="sm" type="none"/>
-            <a:tailEnd len="sm" w="sm" type="none"/>
+            <a:headEnd type="none" w="sm" len="sm"/>
+            <a:tailEnd type="none" w="sm" len="sm"/>
           </a:ln>
         </p:spPr>
       </p:cxnSp>
@@ -4704,14 +5028,14 @@
             <a:avLst/>
           </a:prstGeom>
           <a:noFill/>
-          <a:ln cap="flat" cmpd="sng" w="19050">
+          <a:ln w="19050" cap="flat" cmpd="sng">
             <a:solidFill>
               <a:schemeClr val="dk2"/>
             </a:solidFill>
             <a:prstDash val="solid"/>
             <a:round/>
-            <a:headEnd len="sm" w="sm" type="none"/>
-            <a:tailEnd len="sm" w="sm" type="none"/>
+            <a:headEnd type="none" w="sm" len="sm"/>
+            <a:tailEnd type="none" w="sm" len="sm"/>
           </a:ln>
         </p:spPr>
       </p:cxnSp>
@@ -4730,21 +5054,23 @@
             <a:avLst/>
           </a:prstGeom>
           <a:noFill/>
-          <a:ln cap="flat" cmpd="sng" w="19050">
+          <a:ln w="19050" cap="flat" cmpd="sng">
             <a:solidFill>
               <a:schemeClr val="dk2"/>
             </a:solidFill>
             <a:prstDash val="solid"/>
             <a:round/>
-            <a:headEnd len="sm" w="sm" type="none"/>
-            <a:tailEnd len="sm" w="sm" type="none"/>
+            <a:headEnd type="none" w="sm" len="sm"/>
+            <a:tailEnd type="none" w="sm" len="sm"/>
           </a:ln>
         </p:spPr>
       </p:cxnSp>
       <p:sp>
         <p:nvSpPr>
           <p:cNvPr id="32" name="Google Shape;32;p5"/>
-          <p:cNvSpPr txBox="1"/>
+          <p:cNvSpPr txBox="1">
+            <a:spLocks noGrp="1"/>
+          </p:cNvSpPr>
           <p:nvPr>
             <p:ph type="title"/>
           </p:nvPr>
@@ -4759,7 +5085,7 @@
           </a:prstGeom>
         </p:spPr>
         <p:txBody>
-          <a:bodyPr anchorCtr="0" anchor="t" bIns="91425" lIns="91425" spcFirstLastPara="1" rIns="91425" wrap="square" tIns="91425">
+          <a:bodyPr spcFirstLastPara="1" wrap="square" lIns="91425" tIns="91425" rIns="91425" bIns="91425" anchor="t" anchorCtr="0">
             <a:noAutofit/>
           </a:bodyPr>
           <a:lstStyle>
@@ -4863,15 +5189,19 @@
               <a:defRPr/>
             </a:lvl9pPr>
           </a:lstStyle>
-          <a:p/>
+          <a:p>
+            <a:endParaRPr/>
+          </a:p>
         </p:txBody>
       </p:sp>
       <p:sp>
         <p:nvSpPr>
           <p:cNvPr id="33" name="Google Shape;33;p5"/>
-          <p:cNvSpPr txBox="1"/>
+          <p:cNvSpPr txBox="1">
+            <a:spLocks noGrp="1"/>
+          </p:cNvSpPr>
           <p:nvPr>
-            <p:ph idx="1" type="body"/>
+            <p:ph type="body" idx="1"/>
           </p:nvPr>
         </p:nvSpPr>
         <p:spPr>
@@ -4884,11 +5214,11 @@
           </a:prstGeom>
         </p:spPr>
         <p:txBody>
-          <a:bodyPr anchorCtr="0" anchor="t" bIns="91425" lIns="91425" spcFirstLastPara="1" rIns="91425" wrap="square" tIns="91425">
+          <a:bodyPr spcFirstLastPara="1" wrap="square" lIns="91425" tIns="91425" rIns="91425" bIns="91425" anchor="t" anchorCtr="0">
             <a:noAutofit/>
           </a:bodyPr>
           <a:lstStyle>
-            <a:lvl1pPr indent="-317500" lvl="0" marL="457200" rtl="0">
+            <a:lvl1pPr marL="457200" lvl="0" indent="-317500" rtl="0">
               <a:spcBef>
                 <a:spcPts val="0"/>
               </a:spcBef>
@@ -4899,7 +5229,7 @@
               <a:buChar char="●"/>
               <a:defRPr sz="1400"/>
             </a:lvl1pPr>
-            <a:lvl2pPr indent="-304800" lvl="1" marL="914400" rtl="0">
+            <a:lvl2pPr marL="914400" lvl="1" indent="-304800" rtl="0">
               <a:spcBef>
                 <a:spcPts val="1600"/>
               </a:spcBef>
@@ -4910,7 +5240,7 @@
               <a:buChar char="○"/>
               <a:defRPr sz="1200"/>
             </a:lvl2pPr>
-            <a:lvl3pPr indent="-304800" lvl="2" marL="1371600" rtl="0">
+            <a:lvl3pPr marL="1371600" lvl="2" indent="-304800" rtl="0">
               <a:spcBef>
                 <a:spcPts val="1600"/>
               </a:spcBef>
@@ -4921,7 +5251,7 @@
               <a:buChar char="■"/>
               <a:defRPr sz="1200"/>
             </a:lvl3pPr>
-            <a:lvl4pPr indent="-304800" lvl="3" marL="1828800" rtl="0">
+            <a:lvl4pPr marL="1828800" lvl="3" indent="-304800" rtl="0">
               <a:spcBef>
                 <a:spcPts val="1600"/>
               </a:spcBef>
@@ -4932,7 +5262,7 @@
               <a:buChar char="●"/>
               <a:defRPr sz="1200"/>
             </a:lvl4pPr>
-            <a:lvl5pPr indent="-304800" lvl="4" marL="2286000" rtl="0">
+            <a:lvl5pPr marL="2286000" lvl="4" indent="-304800" rtl="0">
               <a:spcBef>
                 <a:spcPts val="1600"/>
               </a:spcBef>
@@ -4943,7 +5273,7 @@
               <a:buChar char="○"/>
               <a:defRPr sz="1200"/>
             </a:lvl5pPr>
-            <a:lvl6pPr indent="-304800" lvl="5" marL="2743200" rtl="0">
+            <a:lvl6pPr marL="2743200" lvl="5" indent="-304800" rtl="0">
               <a:spcBef>
                 <a:spcPts val="1600"/>
               </a:spcBef>
@@ -4954,7 +5284,7 @@
               <a:buChar char="■"/>
               <a:defRPr sz="1200"/>
             </a:lvl6pPr>
-            <a:lvl7pPr indent="-304800" lvl="6" marL="3200400" rtl="0">
+            <a:lvl7pPr marL="3200400" lvl="6" indent="-304800" rtl="0">
               <a:spcBef>
                 <a:spcPts val="1600"/>
               </a:spcBef>
@@ -4965,7 +5295,7 @@
               <a:buChar char="●"/>
               <a:defRPr sz="1200"/>
             </a:lvl7pPr>
-            <a:lvl8pPr indent="-304800" lvl="7" marL="3657600" rtl="0">
+            <a:lvl8pPr marL="3657600" lvl="7" indent="-304800" rtl="0">
               <a:spcBef>
                 <a:spcPts val="1600"/>
               </a:spcBef>
@@ -4976,7 +5306,7 @@
               <a:buChar char="○"/>
               <a:defRPr sz="1200"/>
             </a:lvl8pPr>
-            <a:lvl9pPr indent="-304800" lvl="8" marL="4114800" rtl="0">
+            <a:lvl9pPr marL="4114800" lvl="8" indent="-304800" rtl="0">
               <a:spcBef>
                 <a:spcPts val="1600"/>
               </a:spcBef>
@@ -4988,15 +5318,19 @@
               <a:defRPr sz="1200"/>
             </a:lvl9pPr>
           </a:lstStyle>
-          <a:p/>
+          <a:p>
+            <a:endParaRPr/>
+          </a:p>
         </p:txBody>
       </p:sp>
       <p:sp>
         <p:nvSpPr>
           <p:cNvPr id="34" name="Google Shape;34;p5"/>
-          <p:cNvSpPr txBox="1"/>
+          <p:cNvSpPr txBox="1">
+            <a:spLocks noGrp="1"/>
+          </p:cNvSpPr>
           <p:nvPr>
-            <p:ph idx="2" type="body"/>
+            <p:ph type="body" idx="2"/>
           </p:nvPr>
         </p:nvSpPr>
         <p:spPr>
@@ -5009,11 +5343,11 @@
           </a:prstGeom>
         </p:spPr>
         <p:txBody>
-          <a:bodyPr anchorCtr="0" anchor="t" bIns="91425" lIns="91425" spcFirstLastPara="1" rIns="91425" wrap="square" tIns="91425">
+          <a:bodyPr spcFirstLastPara="1" wrap="square" lIns="91425" tIns="91425" rIns="91425" bIns="91425" anchor="t" anchorCtr="0">
             <a:noAutofit/>
           </a:bodyPr>
           <a:lstStyle>
-            <a:lvl1pPr indent="-317500" lvl="0" marL="457200" rtl="0">
+            <a:lvl1pPr marL="457200" lvl="0" indent="-317500" rtl="0">
               <a:spcBef>
                 <a:spcPts val="0"/>
               </a:spcBef>
@@ -5024,7 +5358,7 @@
               <a:buChar char="●"/>
               <a:defRPr sz="1400"/>
             </a:lvl1pPr>
-            <a:lvl2pPr indent="-304800" lvl="1" marL="914400" rtl="0">
+            <a:lvl2pPr marL="914400" lvl="1" indent="-304800" rtl="0">
               <a:spcBef>
                 <a:spcPts val="1600"/>
               </a:spcBef>
@@ -5035,7 +5369,7 @@
               <a:buChar char="○"/>
               <a:defRPr sz="1200"/>
             </a:lvl2pPr>
-            <a:lvl3pPr indent="-304800" lvl="2" marL="1371600" rtl="0">
+            <a:lvl3pPr marL="1371600" lvl="2" indent="-304800" rtl="0">
               <a:spcBef>
                 <a:spcPts val="1600"/>
               </a:spcBef>
@@ -5046,7 +5380,7 @@
               <a:buChar char="■"/>
               <a:defRPr sz="1200"/>
             </a:lvl3pPr>
-            <a:lvl4pPr indent="-304800" lvl="3" marL="1828800" rtl="0">
+            <a:lvl4pPr marL="1828800" lvl="3" indent="-304800" rtl="0">
               <a:spcBef>
                 <a:spcPts val="1600"/>
               </a:spcBef>
@@ -5057,7 +5391,7 @@
               <a:buChar char="●"/>
               <a:defRPr sz="1200"/>
             </a:lvl4pPr>
-            <a:lvl5pPr indent="-304800" lvl="4" marL="2286000" rtl="0">
+            <a:lvl5pPr marL="2286000" lvl="4" indent="-304800" rtl="0">
               <a:spcBef>
                 <a:spcPts val="1600"/>
               </a:spcBef>
@@ -5068,7 +5402,7 @@
               <a:buChar char="○"/>
               <a:defRPr sz="1200"/>
             </a:lvl5pPr>
-            <a:lvl6pPr indent="-304800" lvl="5" marL="2743200" rtl="0">
+            <a:lvl6pPr marL="2743200" lvl="5" indent="-304800" rtl="0">
               <a:spcBef>
                 <a:spcPts val="1600"/>
               </a:spcBef>
@@ -5079,7 +5413,7 @@
               <a:buChar char="■"/>
               <a:defRPr sz="1200"/>
             </a:lvl6pPr>
-            <a:lvl7pPr indent="-304800" lvl="6" marL="3200400" rtl="0">
+            <a:lvl7pPr marL="3200400" lvl="6" indent="-304800" rtl="0">
               <a:spcBef>
                 <a:spcPts val="1600"/>
               </a:spcBef>
@@ -5090,7 +5424,7 @@
               <a:buChar char="●"/>
               <a:defRPr sz="1200"/>
             </a:lvl7pPr>
-            <a:lvl8pPr indent="-304800" lvl="7" marL="3657600" rtl="0">
+            <a:lvl8pPr marL="3657600" lvl="7" indent="-304800" rtl="0">
               <a:spcBef>
                 <a:spcPts val="1600"/>
               </a:spcBef>
@@ -5101,7 +5435,7 @@
               <a:buChar char="○"/>
               <a:defRPr sz="1200"/>
             </a:lvl8pPr>
-            <a:lvl9pPr indent="-304800" lvl="8" marL="4114800" rtl="0">
+            <a:lvl9pPr marL="4114800" lvl="8" indent="-304800" rtl="0">
               <a:spcBef>
                 <a:spcPts val="1600"/>
               </a:spcBef>
@@ -5113,15 +5447,19 @@
               <a:defRPr sz="1200"/>
             </a:lvl9pPr>
           </a:lstStyle>
-          <a:p/>
+          <a:p>
+            <a:endParaRPr/>
+          </a:p>
         </p:txBody>
       </p:sp>
       <p:sp>
         <p:nvSpPr>
           <p:cNvPr id="35" name="Google Shape;35;p5"/>
-          <p:cNvSpPr txBox="1"/>
+          <p:cNvSpPr txBox="1">
+            <a:spLocks noGrp="1"/>
+          </p:cNvSpPr>
           <p:nvPr>
-            <p:ph idx="12" type="sldNum"/>
+            <p:ph type="sldNum" idx="12"/>
           </p:nvPr>
         </p:nvSpPr>
         <p:spPr>
@@ -5134,7 +5472,7 @@
           </a:prstGeom>
         </p:spPr>
         <p:txBody>
-          <a:bodyPr anchorCtr="0" anchor="ctr" bIns="91425" lIns="91425" spcFirstLastPara="1" rIns="91425" wrap="square" tIns="91425">
+          <a:bodyPr spcFirstLastPara="1" wrap="square" lIns="91425" tIns="91425" rIns="91425" bIns="91425" anchor="ctr" anchorCtr="0">
             <a:noAutofit/>
           </a:bodyPr>
           <a:lstStyle>
@@ -5176,7 +5514,7 @@
             </a:lvl9pPr>
           </a:lstStyle>
           <a:p>
-            <a:pPr indent="0" lvl="0" marL="0" rtl="0" algn="r">
+            <a:pPr marL="0" lvl="0" indent="0" algn="r" rtl="0">
               <a:spcBef>
                 <a:spcPts val="0"/>
               </a:spcBef>
@@ -5202,11 +5540,11 @@
 </file>
 
 <file path=ppt/slideLayouts/slideLayout5.xml><?xml version="1.0" encoding="utf-8"?>
-<p:sldLayout xmlns:a="http://schemas.openxmlformats.org/drawingml/2006/main" xmlns:r="http://schemas.openxmlformats.org/officeDocument/2006/relationships" xmlns:mc="http://schemas.openxmlformats.org/markup-compatibility/2006" xmlns:mv="urn:schemas-microsoft-com:mac:vml" xmlns:p="http://schemas.openxmlformats.org/presentationml/2006/main" xmlns:c="http://schemas.openxmlformats.org/drawingml/2006/chart" xmlns:dgm="http://schemas.openxmlformats.org/drawingml/2006/diagram" xmlns:o="urn:schemas-microsoft-com:office:office" xmlns:v="urn:schemas-microsoft-com:vml" xmlns:pvml="urn:schemas-microsoft-com:office:powerpoint" xmlns:com="http://schemas.openxmlformats.org/drawingml/2006/compatibility" xmlns:p14="http://schemas.microsoft.com/office/powerpoint/2010/main" xmlns:p15="http://schemas.microsoft.com/office/powerpoint/2012/main" matchingName="Title only" type="titleOnly">
+<p:sldLayout xmlns:a="http://schemas.openxmlformats.org/drawingml/2006/main" xmlns:r="http://schemas.openxmlformats.org/officeDocument/2006/relationships" xmlns:p="http://schemas.openxmlformats.org/presentationml/2006/main" matchingName="Title only" type="titleOnly">
   <p:cSld name="TITLE_ONLY">
     <p:spTree>
       <p:nvGrpSpPr>
-        <p:cNvPr id="36" name="Shape 36"/>
+        <p:cNvPr id="1" name="Shape 36"/>
         <p:cNvGrpSpPr/>
         <p:nvPr/>
       </p:nvGrpSpPr>
@@ -5221,7 +5559,9 @@
       <p:sp>
         <p:nvSpPr>
           <p:cNvPr id="37" name="Google Shape;37;p6"/>
-          <p:cNvSpPr txBox="1"/>
+          <p:cNvSpPr txBox="1">
+            <a:spLocks noGrp="1"/>
+          </p:cNvSpPr>
           <p:nvPr>
             <p:ph type="title"/>
           </p:nvPr>
@@ -5236,7 +5576,7 @@
           </a:prstGeom>
         </p:spPr>
         <p:txBody>
-          <a:bodyPr anchorCtr="0" anchor="t" bIns="91425" lIns="91425" spcFirstLastPara="1" rIns="91425" wrap="square" tIns="91425">
+          <a:bodyPr spcFirstLastPara="1" wrap="square" lIns="91425" tIns="91425" rIns="91425" bIns="91425" anchor="t" anchorCtr="0">
             <a:noAutofit/>
           </a:bodyPr>
           <a:lstStyle>
@@ -5340,15 +5680,19 @@
               <a:defRPr/>
             </a:lvl9pPr>
           </a:lstStyle>
-          <a:p/>
+          <a:p>
+            <a:endParaRPr/>
+          </a:p>
         </p:txBody>
       </p:sp>
       <p:sp>
         <p:nvSpPr>
           <p:cNvPr id="38" name="Google Shape;38;p6"/>
-          <p:cNvSpPr txBox="1"/>
+          <p:cNvSpPr txBox="1">
+            <a:spLocks noGrp="1"/>
+          </p:cNvSpPr>
           <p:nvPr>
-            <p:ph idx="12" type="sldNum"/>
+            <p:ph type="sldNum" idx="12"/>
           </p:nvPr>
         </p:nvSpPr>
         <p:spPr>
@@ -5361,7 +5705,7 @@
           </a:prstGeom>
         </p:spPr>
         <p:txBody>
-          <a:bodyPr anchorCtr="0" anchor="ctr" bIns="91425" lIns="91425" spcFirstLastPara="1" rIns="91425" wrap="square" tIns="91425">
+          <a:bodyPr spcFirstLastPara="1" wrap="square" lIns="91425" tIns="91425" rIns="91425" bIns="91425" anchor="ctr" anchorCtr="0">
             <a:noAutofit/>
           </a:bodyPr>
           <a:lstStyle>
@@ -5403,7 +5747,7 @@
             </a:lvl9pPr>
           </a:lstStyle>
           <a:p>
-            <a:pPr indent="0" lvl="0" marL="0" rtl="0" algn="r">
+            <a:pPr marL="0" lvl="0" indent="0" algn="r" rtl="0">
               <a:spcBef>
                 <a:spcPts val="0"/>
               </a:spcBef>
@@ -5429,11 +5773,11 @@
 </file>
 
 <file path=ppt/slideLayouts/slideLayout6.xml><?xml version="1.0" encoding="utf-8"?>
-<p:sldLayout xmlns:a="http://schemas.openxmlformats.org/drawingml/2006/main" xmlns:r="http://schemas.openxmlformats.org/officeDocument/2006/relationships" xmlns:mc="http://schemas.openxmlformats.org/markup-compatibility/2006" xmlns:mv="urn:schemas-microsoft-com:mac:vml" xmlns:p="http://schemas.openxmlformats.org/presentationml/2006/main" xmlns:c="http://schemas.openxmlformats.org/drawingml/2006/chart" xmlns:dgm="http://schemas.openxmlformats.org/drawingml/2006/diagram" xmlns:o="urn:schemas-microsoft-com:office:office" xmlns:v="urn:schemas-microsoft-com:vml" xmlns:pvml="urn:schemas-microsoft-com:office:powerpoint" xmlns:com="http://schemas.openxmlformats.org/drawingml/2006/compatibility" xmlns:p14="http://schemas.microsoft.com/office/powerpoint/2010/main" xmlns:p15="http://schemas.microsoft.com/office/powerpoint/2012/main" matchingName="One column text">
+<p:sldLayout xmlns:a="http://schemas.openxmlformats.org/drawingml/2006/main" xmlns:r="http://schemas.openxmlformats.org/officeDocument/2006/relationships" xmlns:p="http://schemas.openxmlformats.org/presentationml/2006/main" matchingName="One column text">
   <p:cSld name="ONE_COLUMN_TEXT">
     <p:spTree>
       <p:nvGrpSpPr>
-        <p:cNvPr id="39" name="Shape 39"/>
+        <p:cNvPr id="1" name="Shape 39"/>
         <p:cNvGrpSpPr/>
         <p:nvPr/>
       </p:nvGrpSpPr>
@@ -5460,21 +5804,23 @@
             <a:avLst/>
           </a:prstGeom>
           <a:noFill/>
-          <a:ln cap="flat" cmpd="sng" w="19050">
+          <a:ln w="19050" cap="flat" cmpd="sng">
             <a:solidFill>
               <a:schemeClr val="dk2"/>
             </a:solidFill>
             <a:prstDash val="solid"/>
             <a:round/>
-            <a:headEnd len="sm" w="sm" type="none"/>
-            <a:tailEnd len="sm" w="sm" type="none"/>
+            <a:headEnd type="none" w="sm" len="sm"/>
+            <a:tailEnd type="none" w="sm" len="sm"/>
           </a:ln>
         </p:spPr>
       </p:cxnSp>
       <p:sp>
         <p:nvSpPr>
           <p:cNvPr id="41" name="Google Shape;41;p7"/>
-          <p:cNvSpPr txBox="1"/>
+          <p:cNvSpPr txBox="1">
+            <a:spLocks noGrp="1"/>
+          </p:cNvSpPr>
           <p:nvPr>
             <p:ph type="title"/>
           </p:nvPr>
@@ -5489,7 +5835,7 @@
           </a:prstGeom>
         </p:spPr>
         <p:txBody>
-          <a:bodyPr anchorCtr="0" anchor="b" bIns="91425" lIns="91425" spcFirstLastPara="1" rIns="91425" wrap="square" tIns="91425">
+          <a:bodyPr spcFirstLastPara="1" wrap="square" lIns="91425" tIns="91425" rIns="91425" bIns="91425" anchor="b" anchorCtr="0">
             <a:noAutofit/>
           </a:bodyPr>
           <a:lstStyle>
@@ -5593,15 +5939,19 @@
               <a:defRPr sz="2400"/>
             </a:lvl9pPr>
           </a:lstStyle>
-          <a:p/>
+          <a:p>
+            <a:endParaRPr/>
+          </a:p>
         </p:txBody>
       </p:sp>
       <p:sp>
         <p:nvSpPr>
           <p:cNvPr id="42" name="Google Shape;42;p7"/>
-          <p:cNvSpPr txBox="1"/>
+          <p:cNvSpPr txBox="1">
+            <a:spLocks noGrp="1"/>
+          </p:cNvSpPr>
           <p:nvPr>
-            <p:ph idx="1" type="body"/>
+            <p:ph type="body" idx="1"/>
           </p:nvPr>
         </p:nvSpPr>
         <p:spPr>
@@ -5614,11 +5964,11 @@
           </a:prstGeom>
         </p:spPr>
         <p:txBody>
-          <a:bodyPr anchorCtr="0" anchor="t" bIns="91425" lIns="91425" spcFirstLastPara="1" rIns="91425" wrap="square" tIns="91425">
+          <a:bodyPr spcFirstLastPara="1" wrap="square" lIns="91425" tIns="91425" rIns="91425" bIns="91425" anchor="t" anchorCtr="0">
             <a:noAutofit/>
           </a:bodyPr>
           <a:lstStyle>
-            <a:lvl1pPr indent="-304800" lvl="0" marL="457200" rtl="0">
+            <a:lvl1pPr marL="457200" lvl="0" indent="-304800" rtl="0">
               <a:spcBef>
                 <a:spcPts val="0"/>
               </a:spcBef>
@@ -5629,7 +5979,7 @@
               <a:buChar char="●"/>
               <a:defRPr sz="1200"/>
             </a:lvl1pPr>
-            <a:lvl2pPr indent="-304800" lvl="1" marL="914400" rtl="0">
+            <a:lvl2pPr marL="914400" lvl="1" indent="-304800" rtl="0">
               <a:spcBef>
                 <a:spcPts val="1600"/>
               </a:spcBef>
@@ -5640,7 +5990,7 @@
               <a:buChar char="○"/>
               <a:defRPr sz="1200"/>
             </a:lvl2pPr>
-            <a:lvl3pPr indent="-304800" lvl="2" marL="1371600" rtl="0">
+            <a:lvl3pPr marL="1371600" lvl="2" indent="-304800" rtl="0">
               <a:spcBef>
                 <a:spcPts val="1600"/>
               </a:spcBef>
@@ -5651,7 +6001,7 @@
               <a:buChar char="■"/>
               <a:defRPr sz="1200"/>
             </a:lvl3pPr>
-            <a:lvl4pPr indent="-304800" lvl="3" marL="1828800" rtl="0">
+            <a:lvl4pPr marL="1828800" lvl="3" indent="-304800" rtl="0">
               <a:spcBef>
                 <a:spcPts val="1600"/>
               </a:spcBef>
@@ -5662,7 +6012,7 @@
               <a:buChar char="●"/>
               <a:defRPr sz="1200"/>
             </a:lvl4pPr>
-            <a:lvl5pPr indent="-304800" lvl="4" marL="2286000" rtl="0">
+            <a:lvl5pPr marL="2286000" lvl="4" indent="-304800" rtl="0">
               <a:spcBef>
                 <a:spcPts val="1600"/>
               </a:spcBef>
@@ -5673,7 +6023,7 @@
               <a:buChar char="○"/>
               <a:defRPr sz="1200"/>
             </a:lvl5pPr>
-            <a:lvl6pPr indent="-304800" lvl="5" marL="2743200" rtl="0">
+            <a:lvl6pPr marL="2743200" lvl="5" indent="-304800" rtl="0">
               <a:spcBef>
                 <a:spcPts val="1600"/>
               </a:spcBef>
@@ -5684,7 +6034,7 @@
               <a:buChar char="■"/>
               <a:defRPr sz="1200"/>
             </a:lvl6pPr>
-            <a:lvl7pPr indent="-304800" lvl="6" marL="3200400" rtl="0">
+            <a:lvl7pPr marL="3200400" lvl="6" indent="-304800" rtl="0">
               <a:spcBef>
                 <a:spcPts val="1600"/>
               </a:spcBef>
@@ -5695,7 +6045,7 @@
               <a:buChar char="●"/>
               <a:defRPr sz="1200"/>
             </a:lvl7pPr>
-            <a:lvl8pPr indent="-304800" lvl="7" marL="3657600" rtl="0">
+            <a:lvl8pPr marL="3657600" lvl="7" indent="-304800" rtl="0">
               <a:spcBef>
                 <a:spcPts val="1600"/>
               </a:spcBef>
@@ -5706,7 +6056,7 @@
               <a:buChar char="○"/>
               <a:defRPr sz="1200"/>
             </a:lvl8pPr>
-            <a:lvl9pPr indent="-304800" lvl="8" marL="4114800" rtl="0">
+            <a:lvl9pPr marL="4114800" lvl="8" indent="-304800" rtl="0">
               <a:spcBef>
                 <a:spcPts val="1600"/>
               </a:spcBef>
@@ -5718,15 +6068,19 @@
               <a:defRPr sz="1200"/>
             </a:lvl9pPr>
           </a:lstStyle>
-          <a:p/>
+          <a:p>
+            <a:endParaRPr/>
+          </a:p>
         </p:txBody>
       </p:sp>
       <p:sp>
         <p:nvSpPr>
           <p:cNvPr id="43" name="Google Shape;43;p7"/>
-          <p:cNvSpPr txBox="1"/>
+          <p:cNvSpPr txBox="1">
+            <a:spLocks noGrp="1"/>
+          </p:cNvSpPr>
           <p:nvPr>
-            <p:ph idx="12" type="sldNum"/>
+            <p:ph type="sldNum" idx="12"/>
           </p:nvPr>
         </p:nvSpPr>
         <p:spPr>
@@ -5739,7 +6093,7 @@
           </a:prstGeom>
         </p:spPr>
         <p:txBody>
-          <a:bodyPr anchorCtr="0" anchor="ctr" bIns="91425" lIns="91425" spcFirstLastPara="1" rIns="91425" wrap="square" tIns="91425">
+          <a:bodyPr spcFirstLastPara="1" wrap="square" lIns="91425" tIns="91425" rIns="91425" bIns="91425" anchor="ctr" anchorCtr="0">
             <a:noAutofit/>
           </a:bodyPr>
           <a:lstStyle>
@@ -5781,7 +6135,7 @@
             </a:lvl9pPr>
           </a:lstStyle>
           <a:p>
-            <a:pPr indent="0" lvl="0" marL="0" rtl="0" algn="r">
+            <a:pPr marL="0" lvl="0" indent="0" algn="r" rtl="0">
               <a:spcBef>
                 <a:spcPts val="0"/>
               </a:spcBef>
@@ -5807,11 +6161,11 @@
 </file>
 
 <file path=ppt/slideLayouts/slideLayout7.xml><?xml version="1.0" encoding="utf-8"?>
-<p:sldLayout xmlns:a="http://schemas.openxmlformats.org/drawingml/2006/main" xmlns:r="http://schemas.openxmlformats.org/officeDocument/2006/relationships" xmlns:mc="http://schemas.openxmlformats.org/markup-compatibility/2006" xmlns:mv="urn:schemas-microsoft-com:mac:vml" xmlns:p="http://schemas.openxmlformats.org/presentationml/2006/main" xmlns:c="http://schemas.openxmlformats.org/drawingml/2006/chart" xmlns:dgm="http://schemas.openxmlformats.org/drawingml/2006/diagram" xmlns:o="urn:schemas-microsoft-com:office:office" xmlns:v="urn:schemas-microsoft-com:vml" xmlns:pvml="urn:schemas-microsoft-com:office:powerpoint" xmlns:com="http://schemas.openxmlformats.org/drawingml/2006/compatibility" xmlns:p14="http://schemas.microsoft.com/office/powerpoint/2010/main" xmlns:p15="http://schemas.microsoft.com/office/powerpoint/2012/main" matchingName="Main point">
+<p:sldLayout xmlns:a="http://schemas.openxmlformats.org/drawingml/2006/main" xmlns:r="http://schemas.openxmlformats.org/officeDocument/2006/relationships" xmlns:p="http://schemas.openxmlformats.org/presentationml/2006/main" matchingName="Main point">
   <p:cSld name="MAIN_POINT">
     <p:spTree>
       <p:nvGrpSpPr>
-        <p:cNvPr id="44" name="Shape 44"/>
+        <p:cNvPr id="1" name="Shape 44"/>
         <p:cNvGrpSpPr/>
         <p:nvPr/>
       </p:nvGrpSpPr>
@@ -5838,21 +6192,23 @@
             <a:avLst/>
           </a:prstGeom>
           <a:noFill/>
-          <a:ln cap="flat" cmpd="sng" w="19050">
+          <a:ln w="19050" cap="flat" cmpd="sng">
             <a:solidFill>
               <a:schemeClr val="lt1"/>
             </a:solidFill>
             <a:prstDash val="solid"/>
             <a:round/>
-            <a:headEnd len="sm" w="sm" type="none"/>
-            <a:tailEnd len="sm" w="sm" type="none"/>
+            <a:headEnd type="none" w="sm" len="sm"/>
+            <a:tailEnd type="none" w="sm" len="sm"/>
           </a:ln>
         </p:spPr>
       </p:cxnSp>
       <p:sp>
         <p:nvSpPr>
           <p:cNvPr id="46" name="Google Shape;46;p8"/>
-          <p:cNvSpPr txBox="1"/>
+          <p:cNvSpPr txBox="1">
+            <a:spLocks noGrp="1"/>
+          </p:cNvSpPr>
           <p:nvPr>
             <p:ph type="title"/>
           </p:nvPr>
@@ -5867,7 +6223,7 @@
           </a:prstGeom>
         </p:spPr>
         <p:txBody>
-          <a:bodyPr anchorCtr="0" anchor="ctr" bIns="91425" lIns="91425" spcFirstLastPara="1" rIns="91425" wrap="square" tIns="91425">
+          <a:bodyPr spcFirstLastPara="1" wrap="square" lIns="91425" tIns="91425" rIns="91425" bIns="91425" anchor="ctr" anchorCtr="0">
             <a:noAutofit/>
           </a:bodyPr>
           <a:lstStyle>
@@ -6034,15 +6390,19 @@
               </a:defRPr>
             </a:lvl9pPr>
           </a:lstStyle>
-          <a:p/>
+          <a:p>
+            <a:endParaRPr/>
+          </a:p>
         </p:txBody>
       </p:sp>
       <p:sp>
         <p:nvSpPr>
           <p:cNvPr id="47" name="Google Shape;47;p8"/>
-          <p:cNvSpPr txBox="1"/>
+          <p:cNvSpPr txBox="1">
+            <a:spLocks noGrp="1"/>
+          </p:cNvSpPr>
           <p:nvPr>
-            <p:ph idx="12" type="sldNum"/>
+            <p:ph type="sldNum" idx="12"/>
           </p:nvPr>
         </p:nvSpPr>
         <p:spPr>
@@ -6055,7 +6415,7 @@
           </a:prstGeom>
         </p:spPr>
         <p:txBody>
-          <a:bodyPr anchorCtr="0" anchor="ctr" bIns="91425" lIns="91425" spcFirstLastPara="1" rIns="91425" wrap="square" tIns="91425">
+          <a:bodyPr spcFirstLastPara="1" wrap="square" lIns="91425" tIns="91425" rIns="91425" bIns="91425" anchor="ctr" anchorCtr="0">
             <a:noAutofit/>
           </a:bodyPr>
           <a:lstStyle>
@@ -6133,7 +6493,7 @@
             </a:lvl9pPr>
           </a:lstStyle>
           <a:p>
-            <a:pPr indent="0" lvl="0" marL="0" rtl="0" algn="r">
+            <a:pPr marL="0" lvl="0" indent="0" algn="r" rtl="0">
               <a:spcBef>
                 <a:spcPts val="0"/>
               </a:spcBef>
@@ -6159,11 +6519,11 @@
 </file>
 
 <file path=ppt/slideLayouts/slideLayout8.xml><?xml version="1.0" encoding="utf-8"?>
-<p:sldLayout xmlns:a="http://schemas.openxmlformats.org/drawingml/2006/main" xmlns:r="http://schemas.openxmlformats.org/officeDocument/2006/relationships" xmlns:mc="http://schemas.openxmlformats.org/markup-compatibility/2006" xmlns:mv="urn:schemas-microsoft-com:mac:vml" xmlns:p="http://schemas.openxmlformats.org/presentationml/2006/main" xmlns:c="http://schemas.openxmlformats.org/drawingml/2006/chart" xmlns:dgm="http://schemas.openxmlformats.org/drawingml/2006/diagram" xmlns:o="urn:schemas-microsoft-com:office:office" xmlns:v="urn:schemas-microsoft-com:vml" xmlns:pvml="urn:schemas-microsoft-com:office:powerpoint" xmlns:com="http://schemas.openxmlformats.org/drawingml/2006/compatibility" xmlns:p14="http://schemas.microsoft.com/office/powerpoint/2010/main" xmlns:p15="http://schemas.microsoft.com/office/powerpoint/2012/main" matchingName="Section title and description">
+<p:sldLayout xmlns:a="http://schemas.openxmlformats.org/drawingml/2006/main" xmlns:r="http://schemas.openxmlformats.org/officeDocument/2006/relationships" xmlns:p="http://schemas.openxmlformats.org/presentationml/2006/main" matchingName="Section title and description">
   <p:cSld name="SECTION_TITLE_AND_DESCRIPTION">
     <p:spTree>
       <p:nvGrpSpPr>
-        <p:cNvPr id="48" name="Shape 48"/>
+        <p:cNvPr id="1" name="Shape 48"/>
         <p:cNvGrpSpPr/>
         <p:nvPr/>
       </p:nvGrpSpPr>
@@ -6197,12 +6557,12 @@
           </a:ln>
         </p:spPr>
         <p:txBody>
-          <a:bodyPr anchorCtr="0" anchor="ctr" bIns="91425" lIns="91425" spcFirstLastPara="1" rIns="91425" wrap="square" tIns="91425">
+          <a:bodyPr spcFirstLastPara="1" wrap="square" lIns="91425" tIns="91425" rIns="91425" bIns="91425" anchor="ctr" anchorCtr="0">
             <a:noAutofit/>
           </a:bodyPr>
           <a:lstStyle/>
           <a:p>
-            <a:pPr indent="0" lvl="0" marL="0" rtl="0" algn="l">
+            <a:pPr marL="0" lvl="0" indent="0" algn="l" rtl="0">
               <a:spcBef>
                 <a:spcPts val="0"/>
               </a:spcBef>
@@ -6211,9 +6571,6 @@
               </a:spcAft>
               <a:buNone/>
             </a:pPr>
-            <a:r>
-              <a:t/>
-            </a:r>
             <a:endParaRPr/>
           </a:p>
         </p:txBody>
@@ -6233,21 +6590,23 @@
             <a:avLst/>
           </a:prstGeom>
           <a:noFill/>
-          <a:ln cap="flat" cmpd="sng" w="19050">
+          <a:ln w="19050" cap="flat" cmpd="sng">
             <a:solidFill>
               <a:schemeClr val="lt1"/>
             </a:solidFill>
             <a:prstDash val="solid"/>
             <a:round/>
-            <a:headEnd len="sm" w="sm" type="none"/>
-            <a:tailEnd len="sm" w="sm" type="none"/>
+            <a:headEnd type="none" w="sm" len="sm"/>
+            <a:tailEnd type="none" w="sm" len="sm"/>
           </a:ln>
         </p:spPr>
       </p:cxnSp>
       <p:sp>
         <p:nvSpPr>
           <p:cNvPr id="51" name="Google Shape;51;p9"/>
-          <p:cNvSpPr txBox="1"/>
+          <p:cNvSpPr txBox="1">
+            <a:spLocks noGrp="1"/>
+          </p:cNvSpPr>
           <p:nvPr>
             <p:ph type="title"/>
           </p:nvPr>
@@ -6262,11 +6621,11 @@
           </a:prstGeom>
         </p:spPr>
         <p:txBody>
-          <a:bodyPr anchorCtr="0" anchor="b" bIns="91425" lIns="91425" spcFirstLastPara="1" rIns="91425" wrap="square" tIns="91425">
+          <a:bodyPr spcFirstLastPara="1" wrap="square" lIns="91425" tIns="91425" rIns="91425" bIns="91425" anchor="b" anchorCtr="0">
             <a:noAutofit/>
           </a:bodyPr>
           <a:lstStyle>
-            <a:lvl1pPr lvl="0" rtl="0" algn="ctr">
+            <a:lvl1pPr lvl="0" algn="ctr" rtl="0">
               <a:spcBef>
                 <a:spcPts val="0"/>
               </a:spcBef>
@@ -6284,7 +6643,7 @@
                 </a:solidFill>
               </a:defRPr>
             </a:lvl1pPr>
-            <a:lvl2pPr lvl="1" rtl="0" algn="ctr">
+            <a:lvl2pPr lvl="1" algn="ctr" rtl="0">
               <a:spcBef>
                 <a:spcPts val="0"/>
               </a:spcBef>
@@ -6302,7 +6661,7 @@
                 </a:solidFill>
               </a:defRPr>
             </a:lvl2pPr>
-            <a:lvl3pPr lvl="2" rtl="0" algn="ctr">
+            <a:lvl3pPr lvl="2" algn="ctr" rtl="0">
               <a:spcBef>
                 <a:spcPts val="0"/>
               </a:spcBef>
@@ -6320,7 +6679,7 @@
                 </a:solidFill>
               </a:defRPr>
             </a:lvl3pPr>
-            <a:lvl4pPr lvl="3" rtl="0" algn="ctr">
+            <a:lvl4pPr lvl="3" algn="ctr" rtl="0">
               <a:spcBef>
                 <a:spcPts val="0"/>
               </a:spcBef>
@@ -6338,7 +6697,7 @@
                 </a:solidFill>
               </a:defRPr>
             </a:lvl4pPr>
-            <a:lvl5pPr lvl="4" rtl="0" algn="ctr">
+            <a:lvl5pPr lvl="4" algn="ctr" rtl="0">
               <a:spcBef>
                 <a:spcPts val="0"/>
               </a:spcBef>
@@ -6356,7 +6715,7 @@
                 </a:solidFill>
               </a:defRPr>
             </a:lvl5pPr>
-            <a:lvl6pPr lvl="5" rtl="0" algn="ctr">
+            <a:lvl6pPr lvl="5" algn="ctr" rtl="0">
               <a:spcBef>
                 <a:spcPts val="0"/>
               </a:spcBef>
@@ -6374,7 +6733,7 @@
                 </a:solidFill>
               </a:defRPr>
             </a:lvl6pPr>
-            <a:lvl7pPr lvl="6" rtl="0" algn="ctr">
+            <a:lvl7pPr lvl="6" algn="ctr" rtl="0">
               <a:spcBef>
                 <a:spcPts val="0"/>
               </a:spcBef>
@@ -6392,7 +6751,7 @@
                 </a:solidFill>
               </a:defRPr>
             </a:lvl7pPr>
-            <a:lvl8pPr lvl="7" rtl="0" algn="ctr">
+            <a:lvl8pPr lvl="7" algn="ctr" rtl="0">
               <a:spcBef>
                 <a:spcPts val="0"/>
               </a:spcBef>
@@ -6410,7 +6769,7 @@
                 </a:solidFill>
               </a:defRPr>
             </a:lvl8pPr>
-            <a:lvl9pPr lvl="8" rtl="0" algn="ctr">
+            <a:lvl9pPr lvl="8" algn="ctr" rtl="0">
               <a:spcBef>
                 <a:spcPts val="0"/>
               </a:spcBef>
@@ -6429,15 +6788,19 @@
               </a:defRPr>
             </a:lvl9pPr>
           </a:lstStyle>
-          <a:p/>
+          <a:p>
+            <a:endParaRPr/>
+          </a:p>
         </p:txBody>
       </p:sp>
       <p:sp>
         <p:nvSpPr>
           <p:cNvPr id="52" name="Google Shape;52;p9"/>
-          <p:cNvSpPr txBox="1"/>
+          <p:cNvSpPr txBox="1">
+            <a:spLocks noGrp="1"/>
+          </p:cNvSpPr>
           <p:nvPr>
-            <p:ph idx="1" type="subTitle"/>
+            <p:ph type="subTitle" idx="1"/>
           </p:nvPr>
         </p:nvSpPr>
         <p:spPr>
@@ -6450,11 +6813,11 @@
           </a:prstGeom>
         </p:spPr>
         <p:txBody>
-          <a:bodyPr anchorCtr="0" anchor="t" bIns="91425" lIns="91425" spcFirstLastPara="1" rIns="91425" wrap="square" tIns="91425">
+          <a:bodyPr spcFirstLastPara="1" wrap="square" lIns="91425" tIns="91425" rIns="91425" bIns="91425" anchor="t" anchorCtr="0">
             <a:noAutofit/>
           </a:bodyPr>
           <a:lstStyle>
-            <a:lvl1pPr lvl="0" rtl="0" algn="ctr">
+            <a:lvl1pPr lvl="0" algn="ctr" rtl="0">
               <a:lnSpc>
                 <a:spcPct val="100000"/>
               </a:lnSpc>
@@ -6468,7 +6831,7 @@
               <a:buNone/>
               <a:defRPr sz="2100"/>
             </a:lvl1pPr>
-            <a:lvl2pPr lvl="1" rtl="0" algn="ctr">
+            <a:lvl2pPr lvl="1" algn="ctr" rtl="0">
               <a:lnSpc>
                 <a:spcPct val="100000"/>
               </a:lnSpc>
@@ -6482,7 +6845,7 @@
               <a:buNone/>
               <a:defRPr sz="2100"/>
             </a:lvl2pPr>
-            <a:lvl3pPr lvl="2" rtl="0" algn="ctr">
+            <a:lvl3pPr lvl="2" algn="ctr" rtl="0">
               <a:lnSpc>
                 <a:spcPct val="100000"/>
               </a:lnSpc>
@@ -6496,7 +6859,7 @@
               <a:buNone/>
               <a:defRPr sz="2100"/>
             </a:lvl3pPr>
-            <a:lvl4pPr lvl="3" rtl="0" algn="ctr">
+            <a:lvl4pPr lvl="3" algn="ctr" rtl="0">
               <a:lnSpc>
                 <a:spcPct val="100000"/>
               </a:lnSpc>
@@ -6510,7 +6873,7 @@
               <a:buNone/>
               <a:defRPr sz="2100"/>
             </a:lvl4pPr>
-            <a:lvl5pPr lvl="4" rtl="0" algn="ctr">
+            <a:lvl5pPr lvl="4" algn="ctr" rtl="0">
               <a:lnSpc>
                 <a:spcPct val="100000"/>
               </a:lnSpc>
@@ -6524,7 +6887,7 @@
               <a:buNone/>
               <a:defRPr sz="2100"/>
             </a:lvl5pPr>
-            <a:lvl6pPr lvl="5" rtl="0" algn="ctr">
+            <a:lvl6pPr lvl="5" algn="ctr" rtl="0">
               <a:lnSpc>
                 <a:spcPct val="100000"/>
               </a:lnSpc>
@@ -6538,7 +6901,7 @@
               <a:buNone/>
               <a:defRPr sz="2100"/>
             </a:lvl6pPr>
-            <a:lvl7pPr lvl="6" rtl="0" algn="ctr">
+            <a:lvl7pPr lvl="6" algn="ctr" rtl="0">
               <a:lnSpc>
                 <a:spcPct val="100000"/>
               </a:lnSpc>
@@ -6552,7 +6915,7 @@
               <a:buNone/>
               <a:defRPr sz="2100"/>
             </a:lvl7pPr>
-            <a:lvl8pPr lvl="7" rtl="0" algn="ctr">
+            <a:lvl8pPr lvl="7" algn="ctr" rtl="0">
               <a:lnSpc>
                 <a:spcPct val="100000"/>
               </a:lnSpc>
@@ -6566,7 +6929,7 @@
               <a:buNone/>
               <a:defRPr sz="2100"/>
             </a:lvl8pPr>
-            <a:lvl9pPr lvl="8" rtl="0" algn="ctr">
+            <a:lvl9pPr lvl="8" algn="ctr" rtl="0">
               <a:lnSpc>
                 <a:spcPct val="100000"/>
               </a:lnSpc>
@@ -6581,15 +6944,19 @@
               <a:defRPr sz="2100"/>
             </a:lvl9pPr>
           </a:lstStyle>
-          <a:p/>
+          <a:p>
+            <a:endParaRPr/>
+          </a:p>
         </p:txBody>
       </p:sp>
       <p:sp>
         <p:nvSpPr>
           <p:cNvPr id="53" name="Google Shape;53;p9"/>
-          <p:cNvSpPr txBox="1"/>
+          <p:cNvSpPr txBox="1">
+            <a:spLocks noGrp="1"/>
+          </p:cNvSpPr>
           <p:nvPr>
-            <p:ph idx="2" type="body"/>
+            <p:ph type="body" idx="2"/>
           </p:nvPr>
         </p:nvSpPr>
         <p:spPr>
@@ -6602,11 +6969,11 @@
           </a:prstGeom>
         </p:spPr>
         <p:txBody>
-          <a:bodyPr anchorCtr="0" anchor="ctr" bIns="91425" lIns="91425" spcFirstLastPara="1" rIns="91425" wrap="square" tIns="91425">
+          <a:bodyPr spcFirstLastPara="1" wrap="square" lIns="91425" tIns="91425" rIns="91425" bIns="91425" anchor="ctr" anchorCtr="0">
             <a:noAutofit/>
           </a:bodyPr>
           <a:lstStyle>
-            <a:lvl1pPr indent="-342900" lvl="0" marL="457200" rtl="0">
+            <a:lvl1pPr marL="457200" lvl="0" indent="-342900" rtl="0">
               <a:spcBef>
                 <a:spcPts val="0"/>
               </a:spcBef>
@@ -6624,7 +6991,7 @@
                 </a:solidFill>
               </a:defRPr>
             </a:lvl1pPr>
-            <a:lvl2pPr indent="-317500" lvl="1" marL="914400" rtl="0">
+            <a:lvl2pPr marL="914400" lvl="1" indent="-317500" rtl="0">
               <a:spcBef>
                 <a:spcPts val="1600"/>
               </a:spcBef>
@@ -6642,7 +7009,7 @@
                 </a:solidFill>
               </a:defRPr>
             </a:lvl2pPr>
-            <a:lvl3pPr indent="-317500" lvl="2" marL="1371600" rtl="0">
+            <a:lvl3pPr marL="1371600" lvl="2" indent="-317500" rtl="0">
               <a:spcBef>
                 <a:spcPts val="1600"/>
               </a:spcBef>
@@ -6660,7 +7027,7 @@
                 </a:solidFill>
               </a:defRPr>
             </a:lvl3pPr>
-            <a:lvl4pPr indent="-317500" lvl="3" marL="1828800" rtl="0">
+            <a:lvl4pPr marL="1828800" lvl="3" indent="-317500" rtl="0">
               <a:spcBef>
                 <a:spcPts val="1600"/>
               </a:spcBef>
@@ -6678,7 +7045,7 @@
                 </a:solidFill>
               </a:defRPr>
             </a:lvl4pPr>
-            <a:lvl5pPr indent="-317500" lvl="4" marL="2286000" rtl="0">
+            <a:lvl5pPr marL="2286000" lvl="4" indent="-317500" rtl="0">
               <a:spcBef>
                 <a:spcPts val="1600"/>
               </a:spcBef>
@@ -6696,7 +7063,7 @@
                 </a:solidFill>
               </a:defRPr>
             </a:lvl5pPr>
-            <a:lvl6pPr indent="-317500" lvl="5" marL="2743200" rtl="0">
+            <a:lvl6pPr marL="2743200" lvl="5" indent="-317500" rtl="0">
               <a:spcBef>
                 <a:spcPts val="1600"/>
               </a:spcBef>
@@ -6714,7 +7081,7 @@
                 </a:solidFill>
               </a:defRPr>
             </a:lvl6pPr>
-            <a:lvl7pPr indent="-317500" lvl="6" marL="3200400" rtl="0">
+            <a:lvl7pPr marL="3200400" lvl="6" indent="-317500" rtl="0">
               <a:spcBef>
                 <a:spcPts val="1600"/>
               </a:spcBef>
@@ -6732,7 +7099,7 @@
                 </a:solidFill>
               </a:defRPr>
             </a:lvl7pPr>
-            <a:lvl8pPr indent="-317500" lvl="7" marL="3657600" rtl="0">
+            <a:lvl8pPr marL="3657600" lvl="7" indent="-317500" rtl="0">
               <a:spcBef>
                 <a:spcPts val="1600"/>
               </a:spcBef>
@@ -6750,7 +7117,7 @@
                 </a:solidFill>
               </a:defRPr>
             </a:lvl8pPr>
-            <a:lvl9pPr indent="-317500" lvl="8" marL="4114800" rtl="0">
+            <a:lvl9pPr marL="4114800" lvl="8" indent="-317500" rtl="0">
               <a:spcBef>
                 <a:spcPts val="1600"/>
               </a:spcBef>
@@ -6769,15 +7136,19 @@
               </a:defRPr>
             </a:lvl9pPr>
           </a:lstStyle>
-          <a:p/>
+          <a:p>
+            <a:endParaRPr/>
+          </a:p>
         </p:txBody>
       </p:sp>
       <p:sp>
         <p:nvSpPr>
           <p:cNvPr id="54" name="Google Shape;54;p9"/>
-          <p:cNvSpPr txBox="1"/>
+          <p:cNvSpPr txBox="1">
+            <a:spLocks noGrp="1"/>
+          </p:cNvSpPr>
           <p:nvPr>
-            <p:ph idx="12" type="sldNum"/>
+            <p:ph type="sldNum" idx="12"/>
           </p:nvPr>
         </p:nvSpPr>
         <p:spPr>
@@ -6790,7 +7161,7 @@
           </a:prstGeom>
         </p:spPr>
         <p:txBody>
-          <a:bodyPr anchorCtr="0" anchor="ctr" bIns="91425" lIns="91425" spcFirstLastPara="1" rIns="91425" wrap="square" tIns="91425">
+          <a:bodyPr spcFirstLastPara="1" wrap="square" lIns="91425" tIns="91425" rIns="91425" bIns="91425" anchor="ctr" anchorCtr="0">
             <a:noAutofit/>
           </a:bodyPr>
           <a:lstStyle>
@@ -6868,7 +7239,7 @@
             </a:lvl9pPr>
           </a:lstStyle>
           <a:p>
-            <a:pPr indent="0" lvl="0" marL="0" rtl="0" algn="r">
+            <a:pPr marL="0" lvl="0" indent="0" algn="r" rtl="0">
               <a:spcBef>
                 <a:spcPts val="0"/>
               </a:spcBef>
@@ -6894,11 +7265,11 @@
 </file>
 
 <file path=ppt/slideLayouts/slideLayout9.xml><?xml version="1.0" encoding="utf-8"?>
-<p:sldLayout xmlns:a="http://schemas.openxmlformats.org/drawingml/2006/main" xmlns:r="http://schemas.openxmlformats.org/officeDocument/2006/relationships" xmlns:mc="http://schemas.openxmlformats.org/markup-compatibility/2006" xmlns:mv="urn:schemas-microsoft-com:mac:vml" xmlns:p="http://schemas.openxmlformats.org/presentationml/2006/main" xmlns:c="http://schemas.openxmlformats.org/drawingml/2006/chart" xmlns:dgm="http://schemas.openxmlformats.org/drawingml/2006/diagram" xmlns:o="urn:schemas-microsoft-com:office:office" xmlns:v="urn:schemas-microsoft-com:vml" xmlns:pvml="urn:schemas-microsoft-com:office:powerpoint" xmlns:com="http://schemas.openxmlformats.org/drawingml/2006/compatibility" xmlns:p14="http://schemas.microsoft.com/office/powerpoint/2010/main" xmlns:p15="http://schemas.microsoft.com/office/powerpoint/2012/main" matchingName="Caption">
+<p:sldLayout xmlns:a="http://schemas.openxmlformats.org/drawingml/2006/main" xmlns:r="http://schemas.openxmlformats.org/officeDocument/2006/relationships" xmlns:p="http://schemas.openxmlformats.org/presentationml/2006/main" matchingName="Caption">
   <p:cSld name="CAPTION_ONLY">
     <p:spTree>
       <p:nvGrpSpPr>
-        <p:cNvPr id="55" name="Shape 55"/>
+        <p:cNvPr id="1" name="Shape 55"/>
         <p:cNvGrpSpPr/>
         <p:nvPr/>
       </p:nvGrpSpPr>
@@ -6925,14 +7296,14 @@
             <a:avLst/>
           </a:prstGeom>
           <a:noFill/>
-          <a:ln cap="flat" cmpd="sng" w="19050">
+          <a:ln w="19050" cap="flat" cmpd="sng">
             <a:solidFill>
               <a:schemeClr val="dk2"/>
             </a:solidFill>
             <a:prstDash val="solid"/>
             <a:round/>
-            <a:headEnd len="sm" w="sm" type="none"/>
-            <a:tailEnd len="sm" w="sm" type="none"/>
+            <a:headEnd type="none" w="sm" len="sm"/>
+            <a:tailEnd type="none" w="sm" len="sm"/>
           </a:ln>
         </p:spPr>
       </p:cxnSp>
@@ -6951,23 +7322,25 @@
             <a:avLst/>
           </a:prstGeom>
           <a:noFill/>
-          <a:ln cap="flat" cmpd="sng" w="19050">
+          <a:ln w="19050" cap="flat" cmpd="sng">
             <a:solidFill>
               <a:schemeClr val="dk2"/>
             </a:solidFill>
             <a:prstDash val="solid"/>
             <a:round/>
-            <a:headEnd len="sm" w="sm" type="none"/>
-            <a:tailEnd len="sm" w="sm" type="none"/>
+            <a:headEnd type="none" w="sm" len="sm"/>
+            <a:tailEnd type="none" w="sm" len="sm"/>
           </a:ln>
         </p:spPr>
       </p:cxnSp>
       <p:sp>
         <p:nvSpPr>
           <p:cNvPr id="58" name="Google Shape;58;p10"/>
-          <p:cNvSpPr txBox="1"/>
+          <p:cNvSpPr txBox="1">
+            <a:spLocks noGrp="1"/>
+          </p:cNvSpPr>
           <p:nvPr>
-            <p:ph idx="1" type="body"/>
+            <p:ph type="body" idx="1"/>
           </p:nvPr>
         </p:nvSpPr>
         <p:spPr>
@@ -6980,11 +7353,11 @@
           </a:prstGeom>
         </p:spPr>
         <p:txBody>
-          <a:bodyPr anchorCtr="0" anchor="ctr" bIns="91425" lIns="91425" spcFirstLastPara="1" rIns="91425" wrap="square" tIns="91425">
+          <a:bodyPr spcFirstLastPara="1" wrap="square" lIns="91425" tIns="91425" rIns="91425" bIns="91425" anchor="ctr" anchorCtr="0">
             <a:noAutofit/>
           </a:bodyPr>
           <a:lstStyle>
-            <a:lvl1pPr indent="-228600" lvl="0" marL="457200" rtl="0">
+            <a:lvl1pPr marL="457200" lvl="0" indent="-228600" rtl="0">
               <a:lnSpc>
                 <a:spcPct val="100000"/>
               </a:lnSpc>
@@ -6999,15 +7372,19 @@
               <a:defRPr/>
             </a:lvl1pPr>
           </a:lstStyle>
-          <a:p/>
+          <a:p>
+            <a:endParaRPr/>
+          </a:p>
         </p:txBody>
       </p:sp>
       <p:sp>
         <p:nvSpPr>
           <p:cNvPr id="59" name="Google Shape;59;p10"/>
-          <p:cNvSpPr txBox="1"/>
+          <p:cNvSpPr txBox="1">
+            <a:spLocks noGrp="1"/>
+          </p:cNvSpPr>
           <p:nvPr>
-            <p:ph idx="12" type="sldNum"/>
+            <p:ph type="sldNum" idx="12"/>
           </p:nvPr>
         </p:nvSpPr>
         <p:spPr>
@@ -7020,7 +7397,7 @@
           </a:prstGeom>
         </p:spPr>
         <p:txBody>
-          <a:bodyPr anchorCtr="0" anchor="ctr" bIns="91425" lIns="91425" spcFirstLastPara="1" rIns="91425" wrap="square" tIns="91425">
+          <a:bodyPr spcFirstLastPara="1" wrap="square" lIns="91425" tIns="91425" rIns="91425" bIns="91425" anchor="ctr" anchorCtr="0">
             <a:noAutofit/>
           </a:bodyPr>
           <a:lstStyle>
@@ -7062,7 +7439,7 @@
             </a:lvl9pPr>
           </a:lstStyle>
           <a:p>
-            <a:pPr indent="0" lvl="0" marL="0" rtl="0" algn="r">
+            <a:pPr marL="0" lvl="0" indent="0" algn="r" rtl="0">
               <a:spcBef>
                 <a:spcPts val="0"/>
               </a:spcBef>
@@ -7088,18 +7465,19 @@
 </file>
 
 <file path=ppt/slideMasters/slideMaster1.xml><?xml version="1.0" encoding="utf-8"?>
-<p:sldMaster xmlns:a="http://schemas.openxmlformats.org/drawingml/2006/main" xmlns:r="http://schemas.openxmlformats.org/officeDocument/2006/relationships" xmlns:mc="http://schemas.openxmlformats.org/markup-compatibility/2006" xmlns:mv="urn:schemas-microsoft-com:mac:vml" xmlns:p="http://schemas.openxmlformats.org/presentationml/2006/main" xmlns:c="http://schemas.openxmlformats.org/drawingml/2006/chart" xmlns:dgm="http://schemas.openxmlformats.org/drawingml/2006/diagram" xmlns:o="urn:schemas-microsoft-com:office:office" xmlns:v="urn:schemas-microsoft-com:vml" xmlns:pvml="urn:schemas-microsoft-com:office:powerpoint" xmlns:com="http://schemas.openxmlformats.org/drawingml/2006/compatibility" xmlns:p14="http://schemas.microsoft.com/office/powerpoint/2010/main" xmlns:p15="http://schemas.microsoft.com/office/powerpoint/2012/main">
+<p:sldMaster xmlns:a="http://schemas.openxmlformats.org/drawingml/2006/main" xmlns:r="http://schemas.openxmlformats.org/officeDocument/2006/relationships" xmlns:p="http://schemas.openxmlformats.org/presentationml/2006/main">
   <p:cSld name="swiss-2">
     <p:bg>
       <p:bgPr>
         <a:solidFill>
           <a:srgbClr val="3D85C6"/>
         </a:solidFill>
+        <a:effectLst/>
       </p:bgPr>
     </p:bg>
     <p:spTree>
       <p:nvGrpSpPr>
-        <p:cNvPr id="5" name="Shape 5"/>
+        <p:cNvPr id="1" name="Shape 5"/>
         <p:cNvGrpSpPr/>
         <p:nvPr/>
       </p:nvGrpSpPr>
@@ -7114,7 +7492,9 @@
       <p:sp>
         <p:nvSpPr>
           <p:cNvPr id="6" name="Google Shape;6;p1"/>
-          <p:cNvSpPr txBox="1"/>
+          <p:cNvSpPr txBox="1">
+            <a:spLocks noGrp="1"/>
+          </p:cNvSpPr>
           <p:nvPr>
             <p:ph type="title"/>
           </p:nvPr>
@@ -7133,7 +7513,7 @@
           </a:ln>
         </p:spPr>
         <p:txBody>
-          <a:bodyPr anchorCtr="0" anchor="t" bIns="91425" lIns="91425" spcFirstLastPara="1" rIns="91425" wrap="square" tIns="91425">
+          <a:bodyPr spcFirstLastPara="1" wrap="square" lIns="91425" tIns="91425" rIns="91425" bIns="91425" anchor="t" anchorCtr="0">
             <a:noAutofit/>
           </a:bodyPr>
           <a:lstStyle>
@@ -7150,7 +7530,7 @@
               <a:buSzPts val="3000"/>
               <a:buFont typeface="Raleway"/>
               <a:buNone/>
-              <a:defRPr b="1" sz="3000">
+              <a:defRPr sz="3000" b="1">
                 <a:solidFill>
                   <a:schemeClr val="dk2"/>
                 </a:solidFill>
@@ -7173,7 +7553,7 @@
               <a:buSzPts val="3000"/>
               <a:buFont typeface="Raleway"/>
               <a:buNone/>
-              <a:defRPr b="1" sz="3000">
+              <a:defRPr sz="3000" b="1">
                 <a:solidFill>
                   <a:schemeClr val="dk2"/>
                 </a:solidFill>
@@ -7196,7 +7576,7 @@
               <a:buSzPts val="3000"/>
               <a:buFont typeface="Raleway"/>
               <a:buNone/>
-              <a:defRPr b="1" sz="3000">
+              <a:defRPr sz="3000" b="1">
                 <a:solidFill>
                   <a:schemeClr val="dk2"/>
                 </a:solidFill>
@@ -7219,7 +7599,7 @@
               <a:buSzPts val="3000"/>
               <a:buFont typeface="Raleway"/>
               <a:buNone/>
-              <a:defRPr b="1" sz="3000">
+              <a:defRPr sz="3000" b="1">
                 <a:solidFill>
                   <a:schemeClr val="dk2"/>
                 </a:solidFill>
@@ -7242,7 +7622,7 @@
               <a:buSzPts val="3000"/>
               <a:buFont typeface="Raleway"/>
               <a:buNone/>
-              <a:defRPr b="1" sz="3000">
+              <a:defRPr sz="3000" b="1">
                 <a:solidFill>
                   <a:schemeClr val="dk2"/>
                 </a:solidFill>
@@ -7265,7 +7645,7 @@
               <a:buSzPts val="3000"/>
               <a:buFont typeface="Raleway"/>
               <a:buNone/>
-              <a:defRPr b="1" sz="3000">
+              <a:defRPr sz="3000" b="1">
                 <a:solidFill>
                   <a:schemeClr val="dk2"/>
                 </a:solidFill>
@@ -7288,7 +7668,7 @@
               <a:buSzPts val="3000"/>
               <a:buFont typeface="Raleway"/>
               <a:buNone/>
-              <a:defRPr b="1" sz="3000">
+              <a:defRPr sz="3000" b="1">
                 <a:solidFill>
                   <a:schemeClr val="dk2"/>
                 </a:solidFill>
@@ -7311,7 +7691,7 @@
               <a:buSzPts val="3000"/>
               <a:buFont typeface="Raleway"/>
               <a:buNone/>
-              <a:defRPr b="1" sz="3000">
+              <a:defRPr sz="3000" b="1">
                 <a:solidFill>
                   <a:schemeClr val="dk2"/>
                 </a:solidFill>
@@ -7334,7 +7714,7 @@
               <a:buSzPts val="3000"/>
               <a:buFont typeface="Raleway"/>
               <a:buNone/>
-              <a:defRPr b="1" sz="3000">
+              <a:defRPr sz="3000" b="1">
                 <a:solidFill>
                   <a:schemeClr val="dk2"/>
                 </a:solidFill>
@@ -7345,15 +7725,19 @@
               </a:defRPr>
             </a:lvl9pPr>
           </a:lstStyle>
-          <a:p/>
+          <a:p>
+            <a:endParaRPr/>
+          </a:p>
         </p:txBody>
       </p:sp>
       <p:sp>
         <p:nvSpPr>
           <p:cNvPr id="7" name="Google Shape;7;p1"/>
-          <p:cNvSpPr txBox="1"/>
+          <p:cNvSpPr txBox="1">
+            <a:spLocks noGrp="1"/>
+          </p:cNvSpPr>
           <p:nvPr>
-            <p:ph idx="1" type="body"/>
+            <p:ph type="body" idx="1"/>
           </p:nvPr>
         </p:nvSpPr>
         <p:spPr>
@@ -7370,11 +7754,11 @@
           </a:ln>
         </p:spPr>
         <p:txBody>
-          <a:bodyPr anchorCtr="0" anchor="t" bIns="91425" lIns="91425" spcFirstLastPara="1" rIns="91425" wrap="square" tIns="91425">
+          <a:bodyPr spcFirstLastPara="1" wrap="square" lIns="91425" tIns="91425" rIns="91425" bIns="91425" anchor="t" anchorCtr="0">
             <a:noAutofit/>
           </a:bodyPr>
           <a:lstStyle>
-            <a:lvl1pPr indent="-342900" lvl="0" marL="457200" rtl="0">
+            <a:lvl1pPr marL="457200" lvl="0" indent="-342900" rtl="0">
               <a:lnSpc>
                 <a:spcPct val="115000"/>
               </a:lnSpc>
@@ -7400,7 +7784,7 @@
                 <a:sym typeface="Lato"/>
               </a:defRPr>
             </a:lvl1pPr>
-            <a:lvl2pPr indent="-317500" lvl="1" marL="914400" rtl="0">
+            <a:lvl2pPr marL="914400" lvl="1" indent="-317500" rtl="0">
               <a:lnSpc>
                 <a:spcPct val="115000"/>
               </a:lnSpc>
@@ -7426,7 +7810,7 @@
                 <a:sym typeface="Lato"/>
               </a:defRPr>
             </a:lvl2pPr>
-            <a:lvl3pPr indent="-317500" lvl="2" marL="1371600" rtl="0">
+            <a:lvl3pPr marL="1371600" lvl="2" indent="-317500" rtl="0">
               <a:lnSpc>
                 <a:spcPct val="115000"/>
               </a:lnSpc>
@@ -7452,7 +7836,7 @@
                 <a:sym typeface="Lato"/>
               </a:defRPr>
             </a:lvl3pPr>
-            <a:lvl4pPr indent="-317500" lvl="3" marL="1828800" rtl="0">
+            <a:lvl4pPr marL="1828800" lvl="3" indent="-317500" rtl="0">
               <a:lnSpc>
                 <a:spcPct val="115000"/>
               </a:lnSpc>
@@ -7478,7 +7862,7 @@
                 <a:sym typeface="Lato"/>
               </a:defRPr>
             </a:lvl4pPr>
-            <a:lvl5pPr indent="-317500" lvl="4" marL="2286000" rtl="0">
+            <a:lvl5pPr marL="2286000" lvl="4" indent="-317500" rtl="0">
               <a:lnSpc>
                 <a:spcPct val="115000"/>
               </a:lnSpc>
@@ -7504,7 +7888,7 @@
                 <a:sym typeface="Lato"/>
               </a:defRPr>
             </a:lvl5pPr>
-            <a:lvl6pPr indent="-317500" lvl="5" marL="2743200" rtl="0">
+            <a:lvl6pPr marL="2743200" lvl="5" indent="-317500" rtl="0">
               <a:lnSpc>
                 <a:spcPct val="115000"/>
               </a:lnSpc>
@@ -7530,7 +7914,7 @@
                 <a:sym typeface="Lato"/>
               </a:defRPr>
             </a:lvl6pPr>
-            <a:lvl7pPr indent="-317500" lvl="6" marL="3200400" rtl="0">
+            <a:lvl7pPr marL="3200400" lvl="6" indent="-317500" rtl="0">
               <a:lnSpc>
                 <a:spcPct val="115000"/>
               </a:lnSpc>
@@ -7556,7 +7940,7 @@
                 <a:sym typeface="Lato"/>
               </a:defRPr>
             </a:lvl7pPr>
-            <a:lvl8pPr indent="-317500" lvl="7" marL="3657600" rtl="0">
+            <a:lvl8pPr marL="3657600" lvl="7" indent="-317500" rtl="0">
               <a:lnSpc>
                 <a:spcPct val="115000"/>
               </a:lnSpc>
@@ -7582,7 +7966,7 @@
                 <a:sym typeface="Lato"/>
               </a:defRPr>
             </a:lvl8pPr>
-            <a:lvl9pPr indent="-317500" lvl="8" marL="4114800" rtl="0">
+            <a:lvl9pPr marL="4114800" lvl="8" indent="-317500" rtl="0">
               <a:lnSpc>
                 <a:spcPct val="115000"/>
               </a:lnSpc>
@@ -7599,144 +7983,6 @@
               <a:buFont typeface="Lato"/>
               <a:buChar char="■"/>
               <a:defRPr>
-                <a:solidFill>
-                  <a:schemeClr val="dk2"/>
-                </a:solidFill>
-                <a:latin typeface="Lato"/>
-                <a:ea typeface="Lato"/>
-                <a:cs typeface="Lato"/>
-                <a:sym typeface="Lato"/>
-              </a:defRPr>
-            </a:lvl9pPr>
-          </a:lstStyle>
-          <a:p/>
-        </p:txBody>
-      </p:sp>
-      <p:sp>
-        <p:nvSpPr>
-          <p:cNvPr id="8" name="Google Shape;8;p1"/>
-          <p:cNvSpPr txBox="1"/>
-          <p:nvPr>
-            <p:ph idx="12" type="sldNum"/>
-          </p:nvPr>
-        </p:nvSpPr>
-        <p:spPr>
-          <a:xfrm>
-            <a:off x="8497999" y="4688759"/>
-            <a:ext cx="548700" cy="393600"/>
-          </a:xfrm>
-          <a:prstGeom prst="rect">
-            <a:avLst/>
-          </a:prstGeom>
-          <a:noFill/>
-          <a:ln>
-            <a:noFill/>
-          </a:ln>
-        </p:spPr>
-        <p:txBody>
-          <a:bodyPr anchorCtr="0" anchor="ctr" bIns="91425" lIns="91425" spcFirstLastPara="1" rIns="91425" wrap="square" tIns="91425">
-            <a:noAutofit/>
-          </a:bodyPr>
-          <a:lstStyle>
-            <a:lvl1pPr lvl="0" rtl="0" algn="r">
-              <a:buNone/>
-              <a:defRPr sz="1000">
-                <a:solidFill>
-                  <a:schemeClr val="dk2"/>
-                </a:solidFill>
-                <a:latin typeface="Lato"/>
-                <a:ea typeface="Lato"/>
-                <a:cs typeface="Lato"/>
-                <a:sym typeface="Lato"/>
-              </a:defRPr>
-            </a:lvl1pPr>
-            <a:lvl2pPr lvl="1" rtl="0" algn="r">
-              <a:buNone/>
-              <a:defRPr sz="1000">
-                <a:solidFill>
-                  <a:schemeClr val="dk2"/>
-                </a:solidFill>
-                <a:latin typeface="Lato"/>
-                <a:ea typeface="Lato"/>
-                <a:cs typeface="Lato"/>
-                <a:sym typeface="Lato"/>
-              </a:defRPr>
-            </a:lvl2pPr>
-            <a:lvl3pPr lvl="2" rtl="0" algn="r">
-              <a:buNone/>
-              <a:defRPr sz="1000">
-                <a:solidFill>
-                  <a:schemeClr val="dk2"/>
-                </a:solidFill>
-                <a:latin typeface="Lato"/>
-                <a:ea typeface="Lato"/>
-                <a:cs typeface="Lato"/>
-                <a:sym typeface="Lato"/>
-              </a:defRPr>
-            </a:lvl3pPr>
-            <a:lvl4pPr lvl="3" rtl="0" algn="r">
-              <a:buNone/>
-              <a:defRPr sz="1000">
-                <a:solidFill>
-                  <a:schemeClr val="dk2"/>
-                </a:solidFill>
-                <a:latin typeface="Lato"/>
-                <a:ea typeface="Lato"/>
-                <a:cs typeface="Lato"/>
-                <a:sym typeface="Lato"/>
-              </a:defRPr>
-            </a:lvl4pPr>
-            <a:lvl5pPr lvl="4" rtl="0" algn="r">
-              <a:buNone/>
-              <a:defRPr sz="1000">
-                <a:solidFill>
-                  <a:schemeClr val="dk2"/>
-                </a:solidFill>
-                <a:latin typeface="Lato"/>
-                <a:ea typeface="Lato"/>
-                <a:cs typeface="Lato"/>
-                <a:sym typeface="Lato"/>
-              </a:defRPr>
-            </a:lvl5pPr>
-            <a:lvl6pPr lvl="5" rtl="0" algn="r">
-              <a:buNone/>
-              <a:defRPr sz="1000">
-                <a:solidFill>
-                  <a:schemeClr val="dk2"/>
-                </a:solidFill>
-                <a:latin typeface="Lato"/>
-                <a:ea typeface="Lato"/>
-                <a:cs typeface="Lato"/>
-                <a:sym typeface="Lato"/>
-              </a:defRPr>
-            </a:lvl6pPr>
-            <a:lvl7pPr lvl="6" rtl="0" algn="r">
-              <a:buNone/>
-              <a:defRPr sz="1000">
-                <a:solidFill>
-                  <a:schemeClr val="dk2"/>
-                </a:solidFill>
-                <a:latin typeface="Lato"/>
-                <a:ea typeface="Lato"/>
-                <a:cs typeface="Lato"/>
-                <a:sym typeface="Lato"/>
-              </a:defRPr>
-            </a:lvl7pPr>
-            <a:lvl8pPr lvl="7" rtl="0" algn="r">
-              <a:buNone/>
-              <a:defRPr sz="1000">
-                <a:solidFill>
-                  <a:schemeClr val="dk2"/>
-                </a:solidFill>
-                <a:latin typeface="Lato"/>
-                <a:ea typeface="Lato"/>
-                <a:cs typeface="Lato"/>
-                <a:sym typeface="Lato"/>
-              </a:defRPr>
-            </a:lvl8pPr>
-            <a:lvl9pPr lvl="8" rtl="0" algn="r">
-              <a:buNone/>
-              <a:defRPr sz="1000">
                 <a:solidFill>
                   <a:schemeClr val="dk2"/>
                 </a:solidFill>
@@ -7748,7 +7994,149 @@
             </a:lvl9pPr>
           </a:lstStyle>
           <a:p>
-            <a:pPr indent="0" lvl="0" marL="0" rtl="0" algn="r">
+            <a:endParaRPr/>
+          </a:p>
+        </p:txBody>
+      </p:sp>
+      <p:sp>
+        <p:nvSpPr>
+          <p:cNvPr id="8" name="Google Shape;8;p1"/>
+          <p:cNvSpPr txBox="1">
+            <a:spLocks noGrp="1"/>
+          </p:cNvSpPr>
+          <p:nvPr>
+            <p:ph type="sldNum" idx="12"/>
+          </p:nvPr>
+        </p:nvSpPr>
+        <p:spPr>
+          <a:xfrm>
+            <a:off x="8497999" y="4688759"/>
+            <a:ext cx="548700" cy="393600"/>
+          </a:xfrm>
+          <a:prstGeom prst="rect">
+            <a:avLst/>
+          </a:prstGeom>
+          <a:noFill/>
+          <a:ln>
+            <a:noFill/>
+          </a:ln>
+        </p:spPr>
+        <p:txBody>
+          <a:bodyPr spcFirstLastPara="1" wrap="square" lIns="91425" tIns="91425" rIns="91425" bIns="91425" anchor="ctr" anchorCtr="0">
+            <a:noAutofit/>
+          </a:bodyPr>
+          <a:lstStyle>
+            <a:lvl1pPr lvl="0" algn="r" rtl="0">
+              <a:buNone/>
+              <a:defRPr sz="1000">
+                <a:solidFill>
+                  <a:schemeClr val="dk2"/>
+                </a:solidFill>
+                <a:latin typeface="Lato"/>
+                <a:ea typeface="Lato"/>
+                <a:cs typeface="Lato"/>
+                <a:sym typeface="Lato"/>
+              </a:defRPr>
+            </a:lvl1pPr>
+            <a:lvl2pPr lvl="1" algn="r" rtl="0">
+              <a:buNone/>
+              <a:defRPr sz="1000">
+                <a:solidFill>
+                  <a:schemeClr val="dk2"/>
+                </a:solidFill>
+                <a:latin typeface="Lato"/>
+                <a:ea typeface="Lato"/>
+                <a:cs typeface="Lato"/>
+                <a:sym typeface="Lato"/>
+              </a:defRPr>
+            </a:lvl2pPr>
+            <a:lvl3pPr lvl="2" algn="r" rtl="0">
+              <a:buNone/>
+              <a:defRPr sz="1000">
+                <a:solidFill>
+                  <a:schemeClr val="dk2"/>
+                </a:solidFill>
+                <a:latin typeface="Lato"/>
+                <a:ea typeface="Lato"/>
+                <a:cs typeface="Lato"/>
+                <a:sym typeface="Lato"/>
+              </a:defRPr>
+            </a:lvl3pPr>
+            <a:lvl4pPr lvl="3" algn="r" rtl="0">
+              <a:buNone/>
+              <a:defRPr sz="1000">
+                <a:solidFill>
+                  <a:schemeClr val="dk2"/>
+                </a:solidFill>
+                <a:latin typeface="Lato"/>
+                <a:ea typeface="Lato"/>
+                <a:cs typeface="Lato"/>
+                <a:sym typeface="Lato"/>
+              </a:defRPr>
+            </a:lvl4pPr>
+            <a:lvl5pPr lvl="4" algn="r" rtl="0">
+              <a:buNone/>
+              <a:defRPr sz="1000">
+                <a:solidFill>
+                  <a:schemeClr val="dk2"/>
+                </a:solidFill>
+                <a:latin typeface="Lato"/>
+                <a:ea typeface="Lato"/>
+                <a:cs typeface="Lato"/>
+                <a:sym typeface="Lato"/>
+              </a:defRPr>
+            </a:lvl5pPr>
+            <a:lvl6pPr lvl="5" algn="r" rtl="0">
+              <a:buNone/>
+              <a:defRPr sz="1000">
+                <a:solidFill>
+                  <a:schemeClr val="dk2"/>
+                </a:solidFill>
+                <a:latin typeface="Lato"/>
+                <a:ea typeface="Lato"/>
+                <a:cs typeface="Lato"/>
+                <a:sym typeface="Lato"/>
+              </a:defRPr>
+            </a:lvl6pPr>
+            <a:lvl7pPr lvl="6" algn="r" rtl="0">
+              <a:buNone/>
+              <a:defRPr sz="1000">
+                <a:solidFill>
+                  <a:schemeClr val="dk2"/>
+                </a:solidFill>
+                <a:latin typeface="Lato"/>
+                <a:ea typeface="Lato"/>
+                <a:cs typeface="Lato"/>
+                <a:sym typeface="Lato"/>
+              </a:defRPr>
+            </a:lvl7pPr>
+            <a:lvl8pPr lvl="7" algn="r" rtl="0">
+              <a:buNone/>
+              <a:defRPr sz="1000">
+                <a:solidFill>
+                  <a:schemeClr val="dk2"/>
+                </a:solidFill>
+                <a:latin typeface="Lato"/>
+                <a:ea typeface="Lato"/>
+                <a:cs typeface="Lato"/>
+                <a:sym typeface="Lato"/>
+              </a:defRPr>
+            </a:lvl8pPr>
+            <a:lvl9pPr lvl="8" algn="r" rtl="0">
+              <a:buNone/>
+              <a:defRPr sz="1000">
+                <a:solidFill>
+                  <a:schemeClr val="dk2"/>
+                </a:solidFill>
+                <a:latin typeface="Lato"/>
+                <a:ea typeface="Lato"/>
+                <a:cs typeface="Lato"/>
+                <a:sym typeface="Lato"/>
+              </a:defRPr>
+            </a:lvl9pPr>
+          </a:lstStyle>
+          <a:p>
+            <a:pPr marL="0" lvl="0" indent="0" algn="r" rtl="0">
               <a:spcBef>
                 <a:spcPts val="0"/>
               </a:spcBef>
@@ -7767,7 +8155,7 @@
       </p:sp>
     </p:spTree>
   </p:cSld>
-  <p:clrMap accent1="accent1" accent2="accent2" accent3="accent3" accent4="accent4" accent5="accent5" accent6="accent6" bg1="lt1" bg2="dk2" tx1="dk1" tx2="lt2" folHlink="folHlink" hlink="hlink"/>
+  <p:clrMap bg1="lt1" tx1="dk1" bg2="dk2" tx2="lt2" accent1="accent1" accent2="accent2" accent3="accent3" accent4="accent4" accent5="accent5" accent6="accent6" hlink="hlink" folHlink="folHlink"/>
   <p:sldLayoutIdLst>
     <p:sldLayoutId id="2147483648" r:id="rId1"/>
     <p:sldLayoutId id="2147483649" r:id="rId2"/>
@@ -7781,10 +8169,10 @@
     <p:sldLayoutId id="2147483657" r:id="rId10"/>
     <p:sldLayoutId id="2147483658" r:id="rId11"/>
   </p:sldLayoutIdLst>
-  <p:hf dt="0" ftr="0" hdr="0" sldNum="0"/>
+  <p:hf sldNum="0" hdr="0" ftr="0" dt="0"/>
   <p:txStyles>
     <p:titleStyle>
-      <a:defPPr lvl="0" marR="0" rtl="0" algn="l">
+      <a:defPPr marR="0" lvl="0" algn="l" rtl="0">
         <a:lnSpc>
           <a:spcPct val="100000"/>
         </a:lnSpc>
@@ -7795,7 +8183,7 @@
           <a:spcPts val="0"/>
         </a:spcAft>
       </a:defPPr>
-      <a:lvl1pPr lvl="0" marR="0" rtl="0" algn="l">
+      <a:lvl1pPr marR="0" lvl="0" algn="l" rtl="0">
         <a:lnSpc>
           <a:spcPct val="100000"/>
         </a:lnSpc>
@@ -7809,7 +8197,7 @@
           <a:srgbClr val="000000"/>
         </a:buClr>
         <a:buFont typeface="Arial"/>
-        <a:defRPr b="0" i="0" sz="1400" u="none" cap="none" strike="noStrike">
+        <a:defRPr sz="1400" b="0" i="0" u="none" strike="noStrike" cap="none">
           <a:solidFill>
             <a:srgbClr val="000000"/>
           </a:solidFill>
@@ -7819,7 +8207,7 @@
           <a:sym typeface="Arial"/>
         </a:defRPr>
       </a:lvl1pPr>
-      <a:lvl2pPr lvl="1" marR="0" rtl="0" algn="l">
+      <a:lvl2pPr marR="0" lvl="1" algn="l" rtl="0">
         <a:lnSpc>
           <a:spcPct val="100000"/>
         </a:lnSpc>
@@ -7833,7 +8221,7 @@
           <a:srgbClr val="000000"/>
         </a:buClr>
         <a:buFont typeface="Arial"/>
-        <a:defRPr b="0" i="0" sz="1400" u="none" cap="none" strike="noStrike">
+        <a:defRPr sz="1400" b="0" i="0" u="none" strike="noStrike" cap="none">
           <a:solidFill>
             <a:srgbClr val="000000"/>
           </a:solidFill>
@@ -7843,7 +8231,7 @@
           <a:sym typeface="Arial"/>
         </a:defRPr>
       </a:lvl2pPr>
-      <a:lvl3pPr lvl="2" marR="0" rtl="0" algn="l">
+      <a:lvl3pPr marR="0" lvl="2" algn="l" rtl="0">
         <a:lnSpc>
           <a:spcPct val="100000"/>
         </a:lnSpc>
@@ -7857,7 +8245,7 @@
           <a:srgbClr val="000000"/>
         </a:buClr>
         <a:buFont typeface="Arial"/>
-        <a:defRPr b="0" i="0" sz="1400" u="none" cap="none" strike="noStrike">
+        <a:defRPr sz="1400" b="0" i="0" u="none" strike="noStrike" cap="none">
           <a:solidFill>
             <a:srgbClr val="000000"/>
           </a:solidFill>
@@ -7867,7 +8255,7 @@
           <a:sym typeface="Arial"/>
         </a:defRPr>
       </a:lvl3pPr>
-      <a:lvl4pPr lvl="3" marR="0" rtl="0" algn="l">
+      <a:lvl4pPr marR="0" lvl="3" algn="l" rtl="0">
         <a:lnSpc>
           <a:spcPct val="100000"/>
         </a:lnSpc>
@@ -7881,7 +8269,7 @@
           <a:srgbClr val="000000"/>
         </a:buClr>
         <a:buFont typeface="Arial"/>
-        <a:defRPr b="0" i="0" sz="1400" u="none" cap="none" strike="noStrike">
+        <a:defRPr sz="1400" b="0" i="0" u="none" strike="noStrike" cap="none">
           <a:solidFill>
             <a:srgbClr val="000000"/>
           </a:solidFill>
@@ -7891,7 +8279,7 @@
           <a:sym typeface="Arial"/>
         </a:defRPr>
       </a:lvl4pPr>
-      <a:lvl5pPr lvl="4" marR="0" rtl="0" algn="l">
+      <a:lvl5pPr marR="0" lvl="4" algn="l" rtl="0">
         <a:lnSpc>
           <a:spcPct val="100000"/>
         </a:lnSpc>
@@ -7905,7 +8293,7 @@
           <a:srgbClr val="000000"/>
         </a:buClr>
         <a:buFont typeface="Arial"/>
-        <a:defRPr b="0" i="0" sz="1400" u="none" cap="none" strike="noStrike">
+        <a:defRPr sz="1400" b="0" i="0" u="none" strike="noStrike" cap="none">
           <a:solidFill>
             <a:srgbClr val="000000"/>
           </a:solidFill>
@@ -7915,7 +8303,7 @@
           <a:sym typeface="Arial"/>
         </a:defRPr>
       </a:lvl5pPr>
-      <a:lvl6pPr lvl="5" marR="0" rtl="0" algn="l">
+      <a:lvl6pPr marR="0" lvl="5" algn="l" rtl="0">
         <a:lnSpc>
           <a:spcPct val="100000"/>
         </a:lnSpc>
@@ -7929,7 +8317,7 @@
           <a:srgbClr val="000000"/>
         </a:buClr>
         <a:buFont typeface="Arial"/>
-        <a:defRPr b="0" i="0" sz="1400" u="none" cap="none" strike="noStrike">
+        <a:defRPr sz="1400" b="0" i="0" u="none" strike="noStrike" cap="none">
           <a:solidFill>
             <a:srgbClr val="000000"/>
           </a:solidFill>
@@ -7939,7 +8327,7 @@
           <a:sym typeface="Arial"/>
         </a:defRPr>
       </a:lvl6pPr>
-      <a:lvl7pPr lvl="6" marR="0" rtl="0" algn="l">
+      <a:lvl7pPr marR="0" lvl="6" algn="l" rtl="0">
         <a:lnSpc>
           <a:spcPct val="100000"/>
         </a:lnSpc>
@@ -7953,7 +8341,7 @@
           <a:srgbClr val="000000"/>
         </a:buClr>
         <a:buFont typeface="Arial"/>
-        <a:defRPr b="0" i="0" sz="1400" u="none" cap="none" strike="noStrike">
+        <a:defRPr sz="1400" b="0" i="0" u="none" strike="noStrike" cap="none">
           <a:solidFill>
             <a:srgbClr val="000000"/>
           </a:solidFill>
@@ -7963,7 +8351,7 @@
           <a:sym typeface="Arial"/>
         </a:defRPr>
       </a:lvl7pPr>
-      <a:lvl8pPr lvl="7" marR="0" rtl="0" algn="l">
+      <a:lvl8pPr marR="0" lvl="7" algn="l" rtl="0">
         <a:lnSpc>
           <a:spcPct val="100000"/>
         </a:lnSpc>
@@ -7977,7 +8365,7 @@
           <a:srgbClr val="000000"/>
         </a:buClr>
         <a:buFont typeface="Arial"/>
-        <a:defRPr b="0" i="0" sz="1400" u="none" cap="none" strike="noStrike">
+        <a:defRPr sz="1400" b="0" i="0" u="none" strike="noStrike" cap="none">
           <a:solidFill>
             <a:srgbClr val="000000"/>
           </a:solidFill>
@@ -7987,7 +8375,7 @@
           <a:sym typeface="Arial"/>
         </a:defRPr>
       </a:lvl8pPr>
-      <a:lvl9pPr lvl="8" marR="0" rtl="0" algn="l">
+      <a:lvl9pPr marR="0" lvl="8" algn="l" rtl="0">
         <a:lnSpc>
           <a:spcPct val="100000"/>
         </a:lnSpc>
@@ -8001,7 +8389,7 @@
           <a:srgbClr val="000000"/>
         </a:buClr>
         <a:buFont typeface="Arial"/>
-        <a:defRPr b="0" i="0" sz="1400" u="none" cap="none" strike="noStrike">
+        <a:defRPr sz="1400" b="0" i="0" u="none" strike="noStrike" cap="none">
           <a:solidFill>
             <a:srgbClr val="000000"/>
           </a:solidFill>
@@ -8013,7 +8401,7 @@
       </a:lvl9pPr>
     </p:titleStyle>
     <p:bodyStyle>
-      <a:defPPr lvl="0" marR="0" rtl="0" algn="l">
+      <a:defPPr marR="0" lvl="0" algn="l" rtl="0">
         <a:lnSpc>
           <a:spcPct val="100000"/>
         </a:lnSpc>
@@ -8024,7 +8412,7 @@
           <a:spcPts val="0"/>
         </a:spcAft>
       </a:defPPr>
-      <a:lvl1pPr lvl="0" marR="0" rtl="0" algn="l">
+      <a:lvl1pPr marR="0" lvl="0" algn="l" rtl="0">
         <a:lnSpc>
           <a:spcPct val="100000"/>
         </a:lnSpc>
@@ -8038,7 +8426,7 @@
           <a:srgbClr val="000000"/>
         </a:buClr>
         <a:buFont typeface="Arial"/>
-        <a:defRPr b="0" i="0" sz="1400" u="none" cap="none" strike="noStrike">
+        <a:defRPr sz="1400" b="0" i="0" u="none" strike="noStrike" cap="none">
           <a:solidFill>
             <a:srgbClr val="000000"/>
           </a:solidFill>
@@ -8048,7 +8436,7 @@
           <a:sym typeface="Arial"/>
         </a:defRPr>
       </a:lvl1pPr>
-      <a:lvl2pPr lvl="1" marR="0" rtl="0" algn="l">
+      <a:lvl2pPr marR="0" lvl="1" algn="l" rtl="0">
         <a:lnSpc>
           <a:spcPct val="100000"/>
         </a:lnSpc>
@@ -8062,7 +8450,7 @@
           <a:srgbClr val="000000"/>
         </a:buClr>
         <a:buFont typeface="Arial"/>
-        <a:defRPr b="0" i="0" sz="1400" u="none" cap="none" strike="noStrike">
+        <a:defRPr sz="1400" b="0" i="0" u="none" strike="noStrike" cap="none">
           <a:solidFill>
             <a:srgbClr val="000000"/>
           </a:solidFill>
@@ -8072,7 +8460,7 @@
           <a:sym typeface="Arial"/>
         </a:defRPr>
       </a:lvl2pPr>
-      <a:lvl3pPr lvl="2" marR="0" rtl="0" algn="l">
+      <a:lvl3pPr marR="0" lvl="2" algn="l" rtl="0">
         <a:lnSpc>
           <a:spcPct val="100000"/>
         </a:lnSpc>
@@ -8086,7 +8474,7 @@
           <a:srgbClr val="000000"/>
         </a:buClr>
         <a:buFont typeface="Arial"/>
-        <a:defRPr b="0" i="0" sz="1400" u="none" cap="none" strike="noStrike">
+        <a:defRPr sz="1400" b="0" i="0" u="none" strike="noStrike" cap="none">
           <a:solidFill>
             <a:srgbClr val="000000"/>
           </a:solidFill>
@@ -8096,7 +8484,7 @@
           <a:sym typeface="Arial"/>
         </a:defRPr>
       </a:lvl3pPr>
-      <a:lvl4pPr lvl="3" marR="0" rtl="0" algn="l">
+      <a:lvl4pPr marR="0" lvl="3" algn="l" rtl="0">
         <a:lnSpc>
           <a:spcPct val="100000"/>
         </a:lnSpc>
@@ -8110,7 +8498,7 @@
           <a:srgbClr val="000000"/>
         </a:buClr>
         <a:buFont typeface="Arial"/>
-        <a:defRPr b="0" i="0" sz="1400" u="none" cap="none" strike="noStrike">
+        <a:defRPr sz="1400" b="0" i="0" u="none" strike="noStrike" cap="none">
           <a:solidFill>
             <a:srgbClr val="000000"/>
           </a:solidFill>
@@ -8120,7 +8508,7 @@
           <a:sym typeface="Arial"/>
         </a:defRPr>
       </a:lvl4pPr>
-      <a:lvl5pPr lvl="4" marR="0" rtl="0" algn="l">
+      <a:lvl5pPr marR="0" lvl="4" algn="l" rtl="0">
         <a:lnSpc>
           <a:spcPct val="100000"/>
         </a:lnSpc>
@@ -8134,7 +8522,7 @@
           <a:srgbClr val="000000"/>
         </a:buClr>
         <a:buFont typeface="Arial"/>
-        <a:defRPr b="0" i="0" sz="1400" u="none" cap="none" strike="noStrike">
+        <a:defRPr sz="1400" b="0" i="0" u="none" strike="noStrike" cap="none">
           <a:solidFill>
             <a:srgbClr val="000000"/>
           </a:solidFill>
@@ -8144,7 +8532,7 @@
           <a:sym typeface="Arial"/>
         </a:defRPr>
       </a:lvl5pPr>
-      <a:lvl6pPr lvl="5" marR="0" rtl="0" algn="l">
+      <a:lvl6pPr marR="0" lvl="5" algn="l" rtl="0">
         <a:lnSpc>
           <a:spcPct val="100000"/>
         </a:lnSpc>
@@ -8158,7 +8546,7 @@
           <a:srgbClr val="000000"/>
         </a:buClr>
         <a:buFont typeface="Arial"/>
-        <a:defRPr b="0" i="0" sz="1400" u="none" cap="none" strike="noStrike">
+        <a:defRPr sz="1400" b="0" i="0" u="none" strike="noStrike" cap="none">
           <a:solidFill>
             <a:srgbClr val="000000"/>
           </a:solidFill>
@@ -8168,7 +8556,7 @@
           <a:sym typeface="Arial"/>
         </a:defRPr>
       </a:lvl6pPr>
-      <a:lvl7pPr lvl="6" marR="0" rtl="0" algn="l">
+      <a:lvl7pPr marR="0" lvl="6" algn="l" rtl="0">
         <a:lnSpc>
           <a:spcPct val="100000"/>
         </a:lnSpc>
@@ -8182,7 +8570,7 @@
           <a:srgbClr val="000000"/>
         </a:buClr>
         <a:buFont typeface="Arial"/>
-        <a:defRPr b="0" i="0" sz="1400" u="none" cap="none" strike="noStrike">
+        <a:defRPr sz="1400" b="0" i="0" u="none" strike="noStrike" cap="none">
           <a:solidFill>
             <a:srgbClr val="000000"/>
           </a:solidFill>
@@ -8192,7 +8580,7 @@
           <a:sym typeface="Arial"/>
         </a:defRPr>
       </a:lvl7pPr>
-      <a:lvl8pPr lvl="7" marR="0" rtl="0" algn="l">
+      <a:lvl8pPr marR="0" lvl="7" algn="l" rtl="0">
         <a:lnSpc>
           <a:spcPct val="100000"/>
         </a:lnSpc>
@@ -8206,7 +8594,7 @@
           <a:srgbClr val="000000"/>
         </a:buClr>
         <a:buFont typeface="Arial"/>
-        <a:defRPr b="0" i="0" sz="1400" u="none" cap="none" strike="noStrike">
+        <a:defRPr sz="1400" b="0" i="0" u="none" strike="noStrike" cap="none">
           <a:solidFill>
             <a:srgbClr val="000000"/>
           </a:solidFill>
@@ -8216,7 +8604,7 @@
           <a:sym typeface="Arial"/>
         </a:defRPr>
       </a:lvl8pPr>
-      <a:lvl9pPr lvl="8" marR="0" rtl="0" algn="l">
+      <a:lvl9pPr marR="0" lvl="8" algn="l" rtl="0">
         <a:lnSpc>
           <a:spcPct val="100000"/>
         </a:lnSpc>
@@ -8230,7 +8618,7 @@
           <a:srgbClr val="000000"/>
         </a:buClr>
         <a:buFont typeface="Arial"/>
-        <a:defRPr b="0" i="0" sz="1400" u="none" cap="none" strike="noStrike">
+        <a:defRPr sz="1400" b="0" i="0" u="none" strike="noStrike" cap="none">
           <a:solidFill>
             <a:srgbClr val="000000"/>
           </a:solidFill>
@@ -8242,7 +8630,7 @@
       </a:lvl9pPr>
     </p:bodyStyle>
     <p:otherStyle>
-      <a:defPPr lvl="0" marR="0" rtl="0" algn="l">
+      <a:defPPr marR="0" lvl="0" algn="l" rtl="0">
         <a:lnSpc>
           <a:spcPct val="100000"/>
         </a:lnSpc>
@@ -8253,7 +8641,7 @@
           <a:spcPts val="0"/>
         </a:spcAft>
       </a:defPPr>
-      <a:lvl1pPr lvl="0" marR="0" rtl="0" algn="l">
+      <a:lvl1pPr marR="0" lvl="0" algn="l" rtl="0">
         <a:lnSpc>
           <a:spcPct val="100000"/>
         </a:lnSpc>
@@ -8267,7 +8655,7 @@
           <a:srgbClr val="000000"/>
         </a:buClr>
         <a:buFont typeface="Arial"/>
-        <a:defRPr b="0" i="0" sz="1400" u="none" cap="none" strike="noStrike">
+        <a:defRPr sz="1400" b="0" i="0" u="none" strike="noStrike" cap="none">
           <a:solidFill>
             <a:srgbClr val="000000"/>
           </a:solidFill>
@@ -8277,7 +8665,7 @@
           <a:sym typeface="Arial"/>
         </a:defRPr>
       </a:lvl1pPr>
-      <a:lvl2pPr lvl="1" marR="0" rtl="0" algn="l">
+      <a:lvl2pPr marR="0" lvl="1" algn="l" rtl="0">
         <a:lnSpc>
           <a:spcPct val="100000"/>
         </a:lnSpc>
@@ -8291,7 +8679,7 @@
           <a:srgbClr val="000000"/>
         </a:buClr>
         <a:buFont typeface="Arial"/>
-        <a:defRPr b="0" i="0" sz="1400" u="none" cap="none" strike="noStrike">
+        <a:defRPr sz="1400" b="0" i="0" u="none" strike="noStrike" cap="none">
           <a:solidFill>
             <a:srgbClr val="000000"/>
           </a:solidFill>
@@ -8301,7 +8689,7 @@
           <a:sym typeface="Arial"/>
         </a:defRPr>
       </a:lvl2pPr>
-      <a:lvl3pPr lvl="2" marR="0" rtl="0" algn="l">
+      <a:lvl3pPr marR="0" lvl="2" algn="l" rtl="0">
         <a:lnSpc>
           <a:spcPct val="100000"/>
         </a:lnSpc>
@@ -8315,7 +8703,7 @@
           <a:srgbClr val="000000"/>
         </a:buClr>
         <a:buFont typeface="Arial"/>
-        <a:defRPr b="0" i="0" sz="1400" u="none" cap="none" strike="noStrike">
+        <a:defRPr sz="1400" b="0" i="0" u="none" strike="noStrike" cap="none">
           <a:solidFill>
             <a:srgbClr val="000000"/>
           </a:solidFill>
@@ -8325,7 +8713,7 @@
           <a:sym typeface="Arial"/>
         </a:defRPr>
       </a:lvl3pPr>
-      <a:lvl4pPr lvl="3" marR="0" rtl="0" algn="l">
+      <a:lvl4pPr marR="0" lvl="3" algn="l" rtl="0">
         <a:lnSpc>
           <a:spcPct val="100000"/>
         </a:lnSpc>
@@ -8339,7 +8727,7 @@
           <a:srgbClr val="000000"/>
         </a:buClr>
         <a:buFont typeface="Arial"/>
-        <a:defRPr b="0" i="0" sz="1400" u="none" cap="none" strike="noStrike">
+        <a:defRPr sz="1400" b="0" i="0" u="none" strike="noStrike" cap="none">
           <a:solidFill>
             <a:srgbClr val="000000"/>
           </a:solidFill>
@@ -8349,7 +8737,7 @@
           <a:sym typeface="Arial"/>
         </a:defRPr>
       </a:lvl4pPr>
-      <a:lvl5pPr lvl="4" marR="0" rtl="0" algn="l">
+      <a:lvl5pPr marR="0" lvl="4" algn="l" rtl="0">
         <a:lnSpc>
           <a:spcPct val="100000"/>
         </a:lnSpc>
@@ -8363,7 +8751,7 @@
           <a:srgbClr val="000000"/>
         </a:buClr>
         <a:buFont typeface="Arial"/>
-        <a:defRPr b="0" i="0" sz="1400" u="none" cap="none" strike="noStrike">
+        <a:defRPr sz="1400" b="0" i="0" u="none" strike="noStrike" cap="none">
           <a:solidFill>
             <a:srgbClr val="000000"/>
           </a:solidFill>
@@ -8373,7 +8761,7 @@
           <a:sym typeface="Arial"/>
         </a:defRPr>
       </a:lvl5pPr>
-      <a:lvl6pPr lvl="5" marR="0" rtl="0" algn="l">
+      <a:lvl6pPr marR="0" lvl="5" algn="l" rtl="0">
         <a:lnSpc>
           <a:spcPct val="100000"/>
         </a:lnSpc>
@@ -8387,7 +8775,7 @@
           <a:srgbClr val="000000"/>
         </a:buClr>
         <a:buFont typeface="Arial"/>
-        <a:defRPr b="0" i="0" sz="1400" u="none" cap="none" strike="noStrike">
+        <a:defRPr sz="1400" b="0" i="0" u="none" strike="noStrike" cap="none">
           <a:solidFill>
             <a:srgbClr val="000000"/>
           </a:solidFill>
@@ -8397,7 +8785,7 @@
           <a:sym typeface="Arial"/>
         </a:defRPr>
       </a:lvl6pPr>
-      <a:lvl7pPr lvl="6" marR="0" rtl="0" algn="l">
+      <a:lvl7pPr marR="0" lvl="6" algn="l" rtl="0">
         <a:lnSpc>
           <a:spcPct val="100000"/>
         </a:lnSpc>
@@ -8411,7 +8799,7 @@
           <a:srgbClr val="000000"/>
         </a:buClr>
         <a:buFont typeface="Arial"/>
-        <a:defRPr b="0" i="0" sz="1400" u="none" cap="none" strike="noStrike">
+        <a:defRPr sz="1400" b="0" i="0" u="none" strike="noStrike" cap="none">
           <a:solidFill>
             <a:srgbClr val="000000"/>
           </a:solidFill>
@@ -8421,7 +8809,7 @@
           <a:sym typeface="Arial"/>
         </a:defRPr>
       </a:lvl7pPr>
-      <a:lvl8pPr lvl="7" marR="0" rtl="0" algn="l">
+      <a:lvl8pPr marR="0" lvl="7" algn="l" rtl="0">
         <a:lnSpc>
           <a:spcPct val="100000"/>
         </a:lnSpc>
@@ -8435,7 +8823,7 @@
           <a:srgbClr val="000000"/>
         </a:buClr>
         <a:buFont typeface="Arial"/>
-        <a:defRPr b="0" i="0" sz="1400" u="none" cap="none" strike="noStrike">
+        <a:defRPr sz="1400" b="0" i="0" u="none" strike="noStrike" cap="none">
           <a:solidFill>
             <a:srgbClr val="000000"/>
           </a:solidFill>
@@ -8445,7 +8833,7 @@
           <a:sym typeface="Arial"/>
         </a:defRPr>
       </a:lvl8pPr>
-      <a:lvl9pPr lvl="8" marR="0" rtl="0" algn="l">
+      <a:lvl9pPr marR="0" lvl="8" algn="l" rtl="0">
         <a:lnSpc>
           <a:spcPct val="100000"/>
         </a:lnSpc>
@@ -8459,7 +8847,7 @@
           <a:srgbClr val="000000"/>
         </a:buClr>
         <a:buFont typeface="Arial"/>
-        <a:defRPr b="0" i="0" sz="1400" u="none" cap="none" strike="noStrike">
+        <a:defRPr sz="1400" b="0" i="0" u="none" strike="noStrike" cap="none">
           <a:solidFill>
             <a:srgbClr val="000000"/>
           </a:solidFill>
@@ -8475,11 +8863,11 @@
 </file>
 
 <file path=ppt/slides/slide1.xml><?xml version="1.0" encoding="utf-8"?>
-<p:sld xmlns:a="http://schemas.openxmlformats.org/drawingml/2006/main" xmlns:r="http://schemas.openxmlformats.org/officeDocument/2006/relationships" xmlns:mc="http://schemas.openxmlformats.org/markup-compatibility/2006" xmlns:mv="urn:schemas-microsoft-com:mac:vml" xmlns:p="http://schemas.openxmlformats.org/presentationml/2006/main" xmlns:c="http://schemas.openxmlformats.org/drawingml/2006/chart" xmlns:dgm="http://schemas.openxmlformats.org/drawingml/2006/diagram" xmlns:o="urn:schemas-microsoft-com:office:office" xmlns:v="urn:schemas-microsoft-com:vml" xmlns:pvml="urn:schemas-microsoft-com:office:powerpoint" xmlns:com="http://schemas.openxmlformats.org/drawingml/2006/compatibility" xmlns:p14="http://schemas.microsoft.com/office/powerpoint/2010/main" xmlns:p15="http://schemas.microsoft.com/office/powerpoint/2012/main">
+<p:sld xmlns:a="http://schemas.openxmlformats.org/drawingml/2006/main" xmlns:r="http://schemas.openxmlformats.org/officeDocument/2006/relationships" xmlns:p="http://schemas.openxmlformats.org/presentationml/2006/main">
   <p:cSld>
     <p:spTree>
       <p:nvGrpSpPr>
-        <p:cNvPr id="71" name="Shape 71"/>
+        <p:cNvPr id="1" name="Shape 71"/>
         <p:cNvGrpSpPr/>
         <p:nvPr/>
       </p:nvGrpSpPr>
@@ -8494,7 +8882,9 @@
       <p:sp>
         <p:nvSpPr>
           <p:cNvPr id="72" name="Google Shape;72;p13"/>
-          <p:cNvSpPr txBox="1"/>
+          <p:cNvSpPr txBox="1">
+            <a:spLocks noGrp="1"/>
+          </p:cNvSpPr>
           <p:nvPr>
             <p:ph type="ctrTitle"/>
           </p:nvPr>
@@ -8509,12 +8899,12 @@
           </a:prstGeom>
         </p:spPr>
         <p:txBody>
-          <a:bodyPr anchorCtr="0" anchor="t" bIns="91425" lIns="91425" spcFirstLastPara="1" rIns="91425" wrap="square" tIns="91425">
+          <a:bodyPr spcFirstLastPara="1" wrap="square" lIns="91425" tIns="91425" rIns="91425" bIns="91425" anchor="t" anchorCtr="0">
             <a:noAutofit/>
           </a:bodyPr>
           <a:lstStyle/>
           <a:p>
-            <a:pPr indent="0" lvl="0" marL="0" rtl="0" algn="l">
+            <a:pPr marL="0" lvl="0" indent="0" algn="l" rtl="0">
               <a:spcBef>
                 <a:spcPts val="0"/>
               </a:spcBef>
@@ -8541,9 +8931,11 @@
       <p:sp>
         <p:nvSpPr>
           <p:cNvPr id="73" name="Google Shape;73;p13"/>
-          <p:cNvSpPr txBox="1"/>
+          <p:cNvSpPr txBox="1">
+            <a:spLocks noGrp="1"/>
+          </p:cNvSpPr>
           <p:nvPr>
-            <p:ph idx="1" type="subTitle"/>
+            <p:ph type="subTitle" idx="1"/>
           </p:nvPr>
         </p:nvSpPr>
         <p:spPr>
@@ -8556,12 +8948,12 @@
           </a:prstGeom>
         </p:spPr>
         <p:txBody>
-          <a:bodyPr anchorCtr="0" anchor="b" bIns="91425" lIns="91425" spcFirstLastPara="1" rIns="91425" wrap="square" tIns="91425">
+          <a:bodyPr spcFirstLastPara="1" wrap="square" lIns="91425" tIns="91425" rIns="91425" bIns="91425" anchor="b" anchorCtr="0">
             <a:noAutofit/>
           </a:bodyPr>
           <a:lstStyle/>
           <a:p>
-            <a:pPr indent="0" lvl="0" marL="0" rtl="0" algn="l">
+            <a:pPr marL="0" lvl="0" indent="0" algn="l" rtl="0">
               <a:spcBef>
                 <a:spcPts val="0"/>
               </a:spcBef>
@@ -8574,7 +8966,7 @@
               <a:rPr lang="en" sz="1600"/>
               <a:t>Adil Ahmed, Colin Prince, Duong Nguyen, Karen Galindo Choudhary</a:t>
             </a:r>
-            <a:endParaRPr b="1" sz="1600"/>
+            <a:endParaRPr sz="1600" b="1"/>
           </a:p>
         </p:txBody>
       </p:sp>
@@ -8587,11 +8979,11 @@
 </file>
 
 <file path=ppt/slides/slide10.xml><?xml version="1.0" encoding="utf-8"?>
-<p:sld xmlns:a="http://schemas.openxmlformats.org/drawingml/2006/main" xmlns:r="http://schemas.openxmlformats.org/officeDocument/2006/relationships" xmlns:mc="http://schemas.openxmlformats.org/markup-compatibility/2006" xmlns:mv="urn:schemas-microsoft-com:mac:vml" xmlns:p="http://schemas.openxmlformats.org/presentationml/2006/main" xmlns:c="http://schemas.openxmlformats.org/drawingml/2006/chart" xmlns:dgm="http://schemas.openxmlformats.org/drawingml/2006/diagram" xmlns:o="urn:schemas-microsoft-com:office:office" xmlns:v="urn:schemas-microsoft-com:vml" xmlns:pvml="urn:schemas-microsoft-com:office:powerpoint" xmlns:com="http://schemas.openxmlformats.org/drawingml/2006/compatibility" xmlns:p14="http://schemas.microsoft.com/office/powerpoint/2010/main" xmlns:p15="http://schemas.microsoft.com/office/powerpoint/2012/main">
+<p:sld xmlns:a="http://schemas.openxmlformats.org/drawingml/2006/main" xmlns:r="http://schemas.openxmlformats.org/officeDocument/2006/relationships" xmlns:p="http://schemas.openxmlformats.org/presentationml/2006/main">
   <p:cSld>
     <p:spTree>
       <p:nvGrpSpPr>
-        <p:cNvPr id="125" name="Shape 125"/>
+        <p:cNvPr id="1" name="Shape 125"/>
         <p:cNvGrpSpPr/>
         <p:nvPr/>
       </p:nvGrpSpPr>
@@ -8606,7 +8998,9 @@
       <p:sp>
         <p:nvSpPr>
           <p:cNvPr id="126" name="Google Shape;126;p22"/>
-          <p:cNvSpPr txBox="1"/>
+          <p:cNvSpPr txBox="1">
+            <a:spLocks noGrp="1"/>
+          </p:cNvSpPr>
           <p:nvPr>
             <p:ph type="title"/>
           </p:nvPr>
@@ -8621,12 +9015,12 @@
           </a:prstGeom>
         </p:spPr>
         <p:txBody>
-          <a:bodyPr anchorCtr="0" anchor="t" bIns="91425" lIns="91425" spcFirstLastPara="1" rIns="91425" wrap="square" tIns="91425">
+          <a:bodyPr spcFirstLastPara="1" wrap="square" lIns="91425" tIns="91425" rIns="91425" bIns="91425" anchor="t" anchorCtr="0">
             <a:noAutofit/>
           </a:bodyPr>
           <a:lstStyle/>
           <a:p>
-            <a:pPr indent="0" lvl="0" marL="0" rtl="0" algn="l">
+            <a:pPr marL="0" lvl="0" indent="0" algn="l" rtl="0">
               <a:spcBef>
                 <a:spcPts val="0"/>
               </a:spcBef>
@@ -8671,12 +9065,12 @@
           </a:ln>
         </p:spPr>
         <p:txBody>
-          <a:bodyPr anchorCtr="0" anchor="t" bIns="91425" lIns="91425" spcFirstLastPara="1" rIns="91425" wrap="square" tIns="91425">
+          <a:bodyPr spcFirstLastPara="1" wrap="square" lIns="91425" tIns="91425" rIns="91425" bIns="91425" anchor="t" anchorCtr="0">
             <a:noAutofit/>
           </a:bodyPr>
           <a:lstStyle/>
           <a:p>
-            <a:pPr indent="0" lvl="0" marL="0" rtl="0" algn="l">
+            <a:pPr marL="0" lvl="0" indent="0" algn="l" rtl="0">
               <a:spcBef>
                 <a:spcPts val="0"/>
               </a:spcBef>
@@ -8775,11 +9169,11 @@
 </file>
 
 <file path=ppt/slides/slide11.xml><?xml version="1.0" encoding="utf-8"?>
-<p:sld xmlns:a="http://schemas.openxmlformats.org/drawingml/2006/main" xmlns:r="http://schemas.openxmlformats.org/officeDocument/2006/relationships" xmlns:mc="http://schemas.openxmlformats.org/markup-compatibility/2006" xmlns:mv="urn:schemas-microsoft-com:mac:vml" xmlns:p="http://schemas.openxmlformats.org/presentationml/2006/main" xmlns:c="http://schemas.openxmlformats.org/drawingml/2006/chart" xmlns:dgm="http://schemas.openxmlformats.org/drawingml/2006/diagram" xmlns:o="urn:schemas-microsoft-com:office:office" xmlns:v="urn:schemas-microsoft-com:vml" xmlns:pvml="urn:schemas-microsoft-com:office:powerpoint" xmlns:com="http://schemas.openxmlformats.org/drawingml/2006/compatibility" xmlns:p14="http://schemas.microsoft.com/office/powerpoint/2010/main" xmlns:p15="http://schemas.microsoft.com/office/powerpoint/2012/main">
+<p:sld xmlns:a="http://schemas.openxmlformats.org/drawingml/2006/main" xmlns:r="http://schemas.openxmlformats.org/officeDocument/2006/relationships" xmlns:p="http://schemas.openxmlformats.org/presentationml/2006/main">
   <p:cSld>
     <p:spTree>
       <p:nvGrpSpPr>
-        <p:cNvPr id="131" name="Shape 131"/>
+        <p:cNvPr id="1" name="Shape 131"/>
         <p:cNvGrpSpPr/>
         <p:nvPr/>
       </p:nvGrpSpPr>
@@ -8794,7 +9188,9 @@
       <p:sp>
         <p:nvSpPr>
           <p:cNvPr id="132" name="Google Shape;132;p23"/>
-          <p:cNvSpPr txBox="1"/>
+          <p:cNvSpPr txBox="1">
+            <a:spLocks noGrp="1"/>
+          </p:cNvSpPr>
           <p:nvPr>
             <p:ph type="title"/>
           </p:nvPr>
@@ -8809,12 +9205,12 @@
           </a:prstGeom>
         </p:spPr>
         <p:txBody>
-          <a:bodyPr anchorCtr="0" anchor="t" bIns="91425" lIns="91425" spcFirstLastPara="1" rIns="91425" wrap="square" tIns="91425">
+          <a:bodyPr spcFirstLastPara="1" wrap="square" lIns="91425" tIns="91425" rIns="91425" bIns="91425" anchor="t" anchorCtr="0">
             <a:noAutofit/>
           </a:bodyPr>
           <a:lstStyle/>
           <a:p>
-            <a:pPr indent="0" lvl="0" marL="0" rtl="0" algn="l">
+            <a:pPr marL="0" lvl="0" indent="0" algn="l" rtl="0">
               <a:spcBef>
                 <a:spcPts val="0"/>
               </a:spcBef>
@@ -8859,12 +9255,12 @@
           </a:ln>
         </p:spPr>
         <p:txBody>
-          <a:bodyPr anchorCtr="0" anchor="t" bIns="91425" lIns="91425" spcFirstLastPara="1" rIns="91425" wrap="square" tIns="91425">
+          <a:bodyPr spcFirstLastPara="1" wrap="square" lIns="91425" tIns="91425" rIns="91425" bIns="91425" anchor="t" anchorCtr="0">
             <a:noAutofit/>
           </a:bodyPr>
           <a:lstStyle/>
           <a:p>
-            <a:pPr indent="0" lvl="0" marL="0" rtl="0" algn="l">
+            <a:pPr marL="0" lvl="0" indent="0" algn="l" rtl="0">
               <a:spcBef>
                 <a:spcPts val="0"/>
               </a:spcBef>
@@ -8917,11 +9313,11 @@
 </file>
 
 <file path=ppt/slides/slide12.xml><?xml version="1.0" encoding="utf-8"?>
-<p:sld xmlns:a="http://schemas.openxmlformats.org/drawingml/2006/main" xmlns:r="http://schemas.openxmlformats.org/officeDocument/2006/relationships" xmlns:mc="http://schemas.openxmlformats.org/markup-compatibility/2006" xmlns:mv="urn:schemas-microsoft-com:mac:vml" xmlns:p="http://schemas.openxmlformats.org/presentationml/2006/main" xmlns:c="http://schemas.openxmlformats.org/drawingml/2006/chart" xmlns:dgm="http://schemas.openxmlformats.org/drawingml/2006/diagram" xmlns:o="urn:schemas-microsoft-com:office:office" xmlns:v="urn:schemas-microsoft-com:vml" xmlns:pvml="urn:schemas-microsoft-com:office:powerpoint" xmlns:com="http://schemas.openxmlformats.org/drawingml/2006/compatibility" xmlns:p14="http://schemas.microsoft.com/office/powerpoint/2010/main" xmlns:p15="http://schemas.microsoft.com/office/powerpoint/2012/main">
+<p:sld xmlns:a="http://schemas.openxmlformats.org/drawingml/2006/main" xmlns:r="http://schemas.openxmlformats.org/officeDocument/2006/relationships" xmlns:p="http://schemas.openxmlformats.org/presentationml/2006/main">
   <p:cSld>
     <p:spTree>
       <p:nvGrpSpPr>
-        <p:cNvPr id="137" name="Shape 137"/>
+        <p:cNvPr id="1" name="Shape 137"/>
         <p:cNvGrpSpPr/>
         <p:nvPr/>
       </p:nvGrpSpPr>
@@ -8936,7 +9332,9 @@
       <p:sp>
         <p:nvSpPr>
           <p:cNvPr id="138" name="Google Shape;138;p24"/>
-          <p:cNvSpPr txBox="1"/>
+          <p:cNvSpPr txBox="1">
+            <a:spLocks noGrp="1"/>
+          </p:cNvSpPr>
           <p:nvPr>
             <p:ph type="title"/>
           </p:nvPr>
@@ -8951,12 +9349,12 @@
           </a:prstGeom>
         </p:spPr>
         <p:txBody>
-          <a:bodyPr anchorCtr="0" anchor="t" bIns="91425" lIns="91425" spcFirstLastPara="1" rIns="91425" wrap="square" tIns="91425">
+          <a:bodyPr spcFirstLastPara="1" wrap="square" lIns="91425" tIns="91425" rIns="91425" bIns="91425" anchor="t" anchorCtr="0">
             <a:noAutofit/>
           </a:bodyPr>
           <a:lstStyle/>
           <a:p>
-            <a:pPr indent="0" lvl="0" marL="0" rtl="0" algn="l">
+            <a:pPr marL="0" lvl="0" indent="0" algn="l" rtl="0">
               <a:spcBef>
                 <a:spcPts val="0"/>
               </a:spcBef>
@@ -9001,12 +9399,12 @@
           </a:ln>
         </p:spPr>
         <p:txBody>
-          <a:bodyPr anchorCtr="0" anchor="t" bIns="91425" lIns="91425" spcFirstLastPara="1" rIns="91425" wrap="square" tIns="91425">
+          <a:bodyPr spcFirstLastPara="1" wrap="square" lIns="91425" tIns="91425" rIns="91425" bIns="91425" anchor="t" anchorCtr="0">
             <a:noAutofit/>
           </a:bodyPr>
           <a:lstStyle/>
           <a:p>
-            <a:pPr indent="0" lvl="0" marL="0" rtl="0" algn="l">
+            <a:pPr marL="0" lvl="0" indent="0" algn="l" rtl="0">
               <a:spcBef>
                 <a:spcPts val="0"/>
               </a:spcBef>
@@ -9059,11 +9457,11 @@
 </file>
 
 <file path=ppt/slides/slide13.xml><?xml version="1.0" encoding="utf-8"?>
-<p:sld xmlns:a="http://schemas.openxmlformats.org/drawingml/2006/main" xmlns:r="http://schemas.openxmlformats.org/officeDocument/2006/relationships" xmlns:mc="http://schemas.openxmlformats.org/markup-compatibility/2006" xmlns:mv="urn:schemas-microsoft-com:mac:vml" xmlns:p="http://schemas.openxmlformats.org/presentationml/2006/main" xmlns:c="http://schemas.openxmlformats.org/drawingml/2006/chart" xmlns:dgm="http://schemas.openxmlformats.org/drawingml/2006/diagram" xmlns:o="urn:schemas-microsoft-com:office:office" xmlns:v="urn:schemas-microsoft-com:vml" xmlns:pvml="urn:schemas-microsoft-com:office:powerpoint" xmlns:com="http://schemas.openxmlformats.org/drawingml/2006/compatibility" xmlns:p14="http://schemas.microsoft.com/office/powerpoint/2010/main" xmlns:p15="http://schemas.microsoft.com/office/powerpoint/2012/main">
+<p:sld xmlns:a="http://schemas.openxmlformats.org/drawingml/2006/main" xmlns:r="http://schemas.openxmlformats.org/officeDocument/2006/relationships" xmlns:p="http://schemas.openxmlformats.org/presentationml/2006/main">
   <p:cSld>
     <p:spTree>
       <p:nvGrpSpPr>
-        <p:cNvPr id="143" name="Shape 143"/>
+        <p:cNvPr id="1" name="Shape 143"/>
         <p:cNvGrpSpPr/>
         <p:nvPr/>
       </p:nvGrpSpPr>
@@ -9078,7 +9476,9 @@
       <p:sp>
         <p:nvSpPr>
           <p:cNvPr id="144" name="Google Shape;144;p25"/>
-          <p:cNvSpPr txBox="1"/>
+          <p:cNvSpPr txBox="1">
+            <a:spLocks noGrp="1"/>
+          </p:cNvSpPr>
           <p:nvPr>
             <p:ph type="title"/>
           </p:nvPr>
@@ -9093,12 +9493,12 @@
           </a:prstGeom>
         </p:spPr>
         <p:txBody>
-          <a:bodyPr anchorCtr="0" anchor="t" bIns="91425" lIns="91425" spcFirstLastPara="1" rIns="91425" wrap="square" tIns="91425">
+          <a:bodyPr spcFirstLastPara="1" wrap="square" lIns="91425" tIns="91425" rIns="91425" bIns="91425" anchor="t" anchorCtr="0">
             <a:noAutofit/>
           </a:bodyPr>
           <a:lstStyle/>
           <a:p>
-            <a:pPr indent="0" lvl="0" marL="0" rtl="0" algn="l">
+            <a:pPr marL="0" lvl="0" indent="0" algn="l" rtl="0">
               <a:spcBef>
                 <a:spcPts val="0"/>
               </a:spcBef>
@@ -9143,12 +9543,12 @@
           </a:ln>
         </p:spPr>
         <p:txBody>
-          <a:bodyPr anchorCtr="0" anchor="t" bIns="91425" lIns="91425" spcFirstLastPara="1" rIns="91425" wrap="square" tIns="91425">
+          <a:bodyPr spcFirstLastPara="1" wrap="square" lIns="91425" tIns="91425" rIns="91425" bIns="91425" anchor="t" anchorCtr="0">
             <a:noAutofit/>
           </a:bodyPr>
           <a:lstStyle/>
           <a:p>
-            <a:pPr indent="0" lvl="0" marL="0" rtl="0" algn="l">
+            <a:pPr marL="0" lvl="0" indent="0" algn="l" rtl="0">
               <a:spcBef>
                 <a:spcPts val="0"/>
               </a:spcBef>
@@ -9201,11 +9601,11 @@
 </file>
 
 <file path=ppt/slides/slide14.xml><?xml version="1.0" encoding="utf-8"?>
-<p:sld xmlns:a="http://schemas.openxmlformats.org/drawingml/2006/main" xmlns:r="http://schemas.openxmlformats.org/officeDocument/2006/relationships" xmlns:mc="http://schemas.openxmlformats.org/markup-compatibility/2006" xmlns:mv="urn:schemas-microsoft-com:mac:vml" xmlns:p="http://schemas.openxmlformats.org/presentationml/2006/main" xmlns:c="http://schemas.openxmlformats.org/drawingml/2006/chart" xmlns:dgm="http://schemas.openxmlformats.org/drawingml/2006/diagram" xmlns:o="urn:schemas-microsoft-com:office:office" xmlns:v="urn:schemas-microsoft-com:vml" xmlns:pvml="urn:schemas-microsoft-com:office:powerpoint" xmlns:com="http://schemas.openxmlformats.org/drawingml/2006/compatibility" xmlns:p14="http://schemas.microsoft.com/office/powerpoint/2010/main" xmlns:p15="http://schemas.microsoft.com/office/powerpoint/2012/main">
+<p:sld xmlns:a="http://schemas.openxmlformats.org/drawingml/2006/main" xmlns:r="http://schemas.openxmlformats.org/officeDocument/2006/relationships" xmlns:p="http://schemas.openxmlformats.org/presentationml/2006/main">
   <p:cSld>
     <p:spTree>
       <p:nvGrpSpPr>
-        <p:cNvPr id="149" name="Shape 149"/>
+        <p:cNvPr id="1" name="Shape 149"/>
         <p:cNvGrpSpPr/>
         <p:nvPr/>
       </p:nvGrpSpPr>
@@ -9220,7 +9620,9 @@
       <p:sp>
         <p:nvSpPr>
           <p:cNvPr id="150" name="Google Shape;150;p26"/>
-          <p:cNvSpPr txBox="1"/>
+          <p:cNvSpPr txBox="1">
+            <a:spLocks noGrp="1"/>
+          </p:cNvSpPr>
           <p:nvPr>
             <p:ph type="title"/>
           </p:nvPr>
@@ -9235,12 +9637,12 @@
           </a:prstGeom>
         </p:spPr>
         <p:txBody>
-          <a:bodyPr anchorCtr="0" anchor="t" bIns="91425" lIns="91425" spcFirstLastPara="1" rIns="91425" wrap="square" tIns="91425">
+          <a:bodyPr spcFirstLastPara="1" wrap="square" lIns="91425" tIns="91425" rIns="91425" bIns="91425" anchor="t" anchorCtr="0">
             <a:noAutofit/>
           </a:bodyPr>
           <a:lstStyle/>
           <a:p>
-            <a:pPr indent="0" lvl="0" marL="0" rtl="0" algn="l">
+            <a:pPr marL="0" lvl="0" indent="0" algn="l" rtl="0">
               <a:spcBef>
                 <a:spcPts val="0"/>
               </a:spcBef>
@@ -9285,12 +9687,12 @@
           </a:ln>
         </p:spPr>
         <p:txBody>
-          <a:bodyPr anchorCtr="0" anchor="t" bIns="91425" lIns="91425" spcFirstLastPara="1" rIns="91425" wrap="square" tIns="91425">
+          <a:bodyPr spcFirstLastPara="1" wrap="square" lIns="91425" tIns="91425" rIns="91425" bIns="91425" anchor="t" anchorCtr="0">
             <a:noAutofit/>
           </a:bodyPr>
           <a:lstStyle/>
           <a:p>
-            <a:pPr indent="0" lvl="0" marL="0" rtl="0" algn="l">
+            <a:pPr marL="0" lvl="0" indent="0" algn="l" rtl="0">
               <a:spcBef>
                 <a:spcPts val="0"/>
               </a:spcBef>
@@ -9343,11 +9745,11 @@
 </file>
 
 <file path=ppt/slides/slide15.xml><?xml version="1.0" encoding="utf-8"?>
-<p:sld xmlns:a="http://schemas.openxmlformats.org/drawingml/2006/main" xmlns:r="http://schemas.openxmlformats.org/officeDocument/2006/relationships" xmlns:mc="http://schemas.openxmlformats.org/markup-compatibility/2006" xmlns:mv="urn:schemas-microsoft-com:mac:vml" xmlns:p="http://schemas.openxmlformats.org/presentationml/2006/main" xmlns:c="http://schemas.openxmlformats.org/drawingml/2006/chart" xmlns:dgm="http://schemas.openxmlformats.org/drawingml/2006/diagram" xmlns:o="urn:schemas-microsoft-com:office:office" xmlns:v="urn:schemas-microsoft-com:vml" xmlns:pvml="urn:schemas-microsoft-com:office:powerpoint" xmlns:com="http://schemas.openxmlformats.org/drawingml/2006/compatibility" xmlns:p14="http://schemas.microsoft.com/office/powerpoint/2010/main" xmlns:p15="http://schemas.microsoft.com/office/powerpoint/2012/main">
+<p:sld xmlns:a="http://schemas.openxmlformats.org/drawingml/2006/main" xmlns:r="http://schemas.openxmlformats.org/officeDocument/2006/relationships" xmlns:p="http://schemas.openxmlformats.org/presentationml/2006/main">
   <p:cSld>
     <p:spTree>
       <p:nvGrpSpPr>
-        <p:cNvPr id="155" name="Shape 155"/>
+        <p:cNvPr id="1" name="Shape 155"/>
         <p:cNvGrpSpPr/>
         <p:nvPr/>
       </p:nvGrpSpPr>
@@ -9362,7 +9764,9 @@
       <p:sp>
         <p:nvSpPr>
           <p:cNvPr id="156" name="Google Shape;156;p27"/>
-          <p:cNvSpPr txBox="1"/>
+          <p:cNvSpPr txBox="1">
+            <a:spLocks noGrp="1"/>
+          </p:cNvSpPr>
           <p:nvPr>
             <p:ph type="title"/>
           </p:nvPr>
@@ -9377,12 +9781,12 @@
           </a:prstGeom>
         </p:spPr>
         <p:txBody>
-          <a:bodyPr anchorCtr="0" anchor="t" bIns="91425" lIns="91425" spcFirstLastPara="1" rIns="91425" wrap="square" tIns="91425">
+          <a:bodyPr spcFirstLastPara="1" wrap="square" lIns="91425" tIns="91425" rIns="91425" bIns="91425" anchor="t" anchorCtr="0">
             <a:noAutofit/>
           </a:bodyPr>
           <a:lstStyle/>
           <a:p>
-            <a:pPr indent="0" lvl="0" marL="0" rtl="0" algn="l">
+            <a:pPr marL="0" lvl="0" indent="0" algn="l" rtl="0">
               <a:spcBef>
                 <a:spcPts val="0"/>
               </a:spcBef>
@@ -9427,12 +9831,12 @@
           </a:ln>
         </p:spPr>
         <p:txBody>
-          <a:bodyPr anchorCtr="0" anchor="t" bIns="91425" lIns="91425" spcFirstLastPara="1" rIns="91425" wrap="square" tIns="91425">
+          <a:bodyPr spcFirstLastPara="1" wrap="square" lIns="91425" tIns="91425" rIns="91425" bIns="91425" anchor="t" anchorCtr="0">
             <a:noAutofit/>
           </a:bodyPr>
           <a:lstStyle/>
           <a:p>
-            <a:pPr indent="0" lvl="0" marL="0" rtl="0" algn="l">
+            <a:pPr marL="0" lvl="0" indent="0" algn="l" rtl="0">
               <a:spcBef>
                 <a:spcPts val="0"/>
               </a:spcBef>
@@ -9485,11 +9889,11 @@
 </file>
 
 <file path=ppt/slides/slide16.xml><?xml version="1.0" encoding="utf-8"?>
-<p:sld xmlns:a="http://schemas.openxmlformats.org/drawingml/2006/main" xmlns:r="http://schemas.openxmlformats.org/officeDocument/2006/relationships" xmlns:mc="http://schemas.openxmlformats.org/markup-compatibility/2006" xmlns:mv="urn:schemas-microsoft-com:mac:vml" xmlns:p="http://schemas.openxmlformats.org/presentationml/2006/main" xmlns:c="http://schemas.openxmlformats.org/drawingml/2006/chart" xmlns:dgm="http://schemas.openxmlformats.org/drawingml/2006/diagram" xmlns:o="urn:schemas-microsoft-com:office:office" xmlns:v="urn:schemas-microsoft-com:vml" xmlns:pvml="urn:schemas-microsoft-com:office:powerpoint" xmlns:com="http://schemas.openxmlformats.org/drawingml/2006/compatibility" xmlns:p14="http://schemas.microsoft.com/office/powerpoint/2010/main" xmlns:p15="http://schemas.microsoft.com/office/powerpoint/2012/main">
+<p:sld xmlns:a="http://schemas.openxmlformats.org/drawingml/2006/main" xmlns:r="http://schemas.openxmlformats.org/officeDocument/2006/relationships" xmlns:p="http://schemas.openxmlformats.org/presentationml/2006/main">
   <p:cSld>
     <p:spTree>
       <p:nvGrpSpPr>
-        <p:cNvPr id="161" name="Shape 161"/>
+        <p:cNvPr id="1" name="Shape 161"/>
         <p:cNvGrpSpPr/>
         <p:nvPr/>
       </p:nvGrpSpPr>
@@ -9504,7 +9908,9 @@
       <p:sp>
         <p:nvSpPr>
           <p:cNvPr id="162" name="Google Shape;162;p28"/>
-          <p:cNvSpPr txBox="1"/>
+          <p:cNvSpPr txBox="1">
+            <a:spLocks noGrp="1"/>
+          </p:cNvSpPr>
           <p:nvPr>
             <p:ph type="title"/>
           </p:nvPr>
@@ -9519,12 +9925,12 @@
           </a:prstGeom>
         </p:spPr>
         <p:txBody>
-          <a:bodyPr anchorCtr="0" anchor="t" bIns="91425" lIns="91425" spcFirstLastPara="1" rIns="91425" wrap="square" tIns="91425">
+          <a:bodyPr spcFirstLastPara="1" wrap="square" lIns="91425" tIns="91425" rIns="91425" bIns="91425" anchor="t" anchorCtr="0">
             <a:noAutofit/>
           </a:bodyPr>
           <a:lstStyle/>
           <a:p>
-            <a:pPr indent="0" lvl="0" marL="0" rtl="0" algn="l">
+            <a:pPr marL="0" lvl="0" indent="0" algn="l" rtl="0">
               <a:spcBef>
                 <a:spcPts val="0"/>
               </a:spcBef>
@@ -9569,12 +9975,12 @@
           </a:ln>
         </p:spPr>
         <p:txBody>
-          <a:bodyPr anchorCtr="0" anchor="t" bIns="91425" lIns="91425" spcFirstLastPara="1" rIns="91425" wrap="square" tIns="91425">
+          <a:bodyPr spcFirstLastPara="1" wrap="square" lIns="91425" tIns="91425" rIns="91425" bIns="91425" anchor="t" anchorCtr="0">
             <a:noAutofit/>
           </a:bodyPr>
           <a:lstStyle/>
           <a:p>
-            <a:pPr indent="0" lvl="0" marL="0" rtl="0" algn="l">
+            <a:pPr marL="0" lvl="0" indent="0" algn="l" rtl="0">
               <a:spcBef>
                 <a:spcPts val="0"/>
               </a:spcBef>
@@ -9627,11 +10033,11 @@
 </file>
 
 <file path=ppt/slides/slide17.xml><?xml version="1.0" encoding="utf-8"?>
-<p:sld xmlns:a="http://schemas.openxmlformats.org/drawingml/2006/main" xmlns:r="http://schemas.openxmlformats.org/officeDocument/2006/relationships" xmlns:mc="http://schemas.openxmlformats.org/markup-compatibility/2006" xmlns:mv="urn:schemas-microsoft-com:mac:vml" xmlns:p="http://schemas.openxmlformats.org/presentationml/2006/main" xmlns:c="http://schemas.openxmlformats.org/drawingml/2006/chart" xmlns:dgm="http://schemas.openxmlformats.org/drawingml/2006/diagram" xmlns:o="urn:schemas-microsoft-com:office:office" xmlns:v="urn:schemas-microsoft-com:vml" xmlns:pvml="urn:schemas-microsoft-com:office:powerpoint" xmlns:com="http://schemas.openxmlformats.org/drawingml/2006/compatibility" xmlns:p14="http://schemas.microsoft.com/office/powerpoint/2010/main" xmlns:p15="http://schemas.microsoft.com/office/powerpoint/2012/main">
+<p:sld xmlns:a="http://schemas.openxmlformats.org/drawingml/2006/main" xmlns:r="http://schemas.openxmlformats.org/officeDocument/2006/relationships" xmlns:p="http://schemas.openxmlformats.org/presentationml/2006/main">
   <p:cSld>
     <p:spTree>
       <p:nvGrpSpPr>
-        <p:cNvPr id="167" name="Shape 167"/>
+        <p:cNvPr id="1" name="Shape 167"/>
         <p:cNvGrpSpPr/>
         <p:nvPr/>
       </p:nvGrpSpPr>
@@ -9646,7 +10052,9 @@
       <p:sp>
         <p:nvSpPr>
           <p:cNvPr id="168" name="Google Shape;168;p29"/>
-          <p:cNvSpPr txBox="1"/>
+          <p:cNvSpPr txBox="1">
+            <a:spLocks noGrp="1"/>
+          </p:cNvSpPr>
           <p:nvPr>
             <p:ph type="title"/>
           </p:nvPr>
@@ -9661,12 +10069,12 @@
           </a:prstGeom>
         </p:spPr>
         <p:txBody>
-          <a:bodyPr anchorCtr="0" anchor="t" bIns="91425" lIns="91425" spcFirstLastPara="1" rIns="91425" wrap="square" tIns="91425">
+          <a:bodyPr spcFirstLastPara="1" wrap="square" lIns="91425" tIns="91425" rIns="91425" bIns="91425" anchor="t" anchorCtr="0">
             <a:noAutofit/>
           </a:bodyPr>
           <a:lstStyle/>
           <a:p>
-            <a:pPr indent="0" lvl="0" marL="0" rtl="0" algn="l">
+            <a:pPr marL="0" lvl="0" indent="0" algn="l" rtl="0">
               <a:spcBef>
                 <a:spcPts val="0"/>
               </a:spcBef>
@@ -9676,14 +10084,14 @@
               <a:buNone/>
             </a:pPr>
             <a:r>
-              <a:rPr lang="en" sz="3600">
+              <a:rPr lang="en" sz="3600" dirty="0">
                 <a:solidFill>
                   <a:srgbClr val="FFFFFF"/>
                 </a:solidFill>
               </a:rPr>
-              <a:t>Libraries</a:t>
+              <a:t>Libraries (Python)</a:t>
             </a:r>
-            <a:endParaRPr sz="3600">
+            <a:endParaRPr sz="3600" dirty="0">
               <a:solidFill>
                 <a:srgbClr val="FFFFFF"/>
               </a:solidFill>
@@ -9728,11 +10136,121 @@
 </file>
 
 <file path=ppt/slides/slide18.xml><?xml version="1.0" encoding="utf-8"?>
-<p:sld xmlns:a="http://schemas.openxmlformats.org/drawingml/2006/main" xmlns:r="http://schemas.openxmlformats.org/officeDocument/2006/relationships" xmlns:mc="http://schemas.openxmlformats.org/markup-compatibility/2006" xmlns:mv="urn:schemas-microsoft-com:mac:vml" xmlns:p="http://schemas.openxmlformats.org/presentationml/2006/main" xmlns:c="http://schemas.openxmlformats.org/drawingml/2006/chart" xmlns:dgm="http://schemas.openxmlformats.org/drawingml/2006/diagram" xmlns:o="urn:schemas-microsoft-com:office:office" xmlns:v="urn:schemas-microsoft-com:vml" xmlns:pvml="urn:schemas-microsoft-com:office:powerpoint" xmlns:com="http://schemas.openxmlformats.org/drawingml/2006/compatibility" xmlns:p14="http://schemas.microsoft.com/office/powerpoint/2010/main" xmlns:p15="http://schemas.microsoft.com/office/powerpoint/2012/main">
+<p:sld xmlns:a="http://schemas.openxmlformats.org/drawingml/2006/main" xmlns:r="http://schemas.openxmlformats.org/officeDocument/2006/relationships" xmlns:p="http://schemas.openxmlformats.org/presentationml/2006/main">
   <p:cSld>
     <p:spTree>
       <p:nvGrpSpPr>
-        <p:cNvPr id="173" name="Shape 173"/>
+        <p:cNvPr id="1" name="Shape 167"/>
+        <p:cNvGrpSpPr/>
+        <p:nvPr/>
+      </p:nvGrpSpPr>
+      <p:grpSpPr>
+        <a:xfrm>
+          <a:off x="0" y="0"/>
+          <a:ext cx="0" cy="0"/>
+          <a:chOff x="0" y="0"/>
+          <a:chExt cx="0" cy="0"/>
+        </a:xfrm>
+      </p:grpSpPr>
+      <p:sp>
+        <p:nvSpPr>
+          <p:cNvPr id="168" name="Google Shape;168;p29"/>
+          <p:cNvSpPr txBox="1">
+            <a:spLocks noGrp="1"/>
+          </p:cNvSpPr>
+          <p:nvPr>
+            <p:ph type="title"/>
+          </p:nvPr>
+        </p:nvSpPr>
+        <p:spPr>
+          <a:xfrm>
+            <a:off x="303300" y="193225"/>
+            <a:ext cx="8520600" cy="639600"/>
+          </a:xfrm>
+          <a:prstGeom prst="rect">
+            <a:avLst/>
+          </a:prstGeom>
+        </p:spPr>
+        <p:txBody>
+          <a:bodyPr spcFirstLastPara="1" wrap="square" lIns="91425" tIns="91425" rIns="91425" bIns="91425" anchor="t" anchorCtr="0">
+            <a:noAutofit/>
+          </a:bodyPr>
+          <a:lstStyle/>
+          <a:p>
+            <a:pPr marL="0" lvl="0" indent="0" algn="l" rtl="0">
+              <a:spcBef>
+                <a:spcPts val="0"/>
+              </a:spcBef>
+              <a:spcAft>
+                <a:spcPts val="0"/>
+              </a:spcAft>
+              <a:buNone/>
+            </a:pPr>
+            <a:r>
+              <a:rPr lang="en" sz="3600" dirty="0">
+                <a:solidFill>
+                  <a:srgbClr val="FFFFFF"/>
+                </a:solidFill>
+              </a:rPr>
+              <a:t>Libraries (Javascript)</a:t>
+            </a:r>
+            <a:endParaRPr sz="3600" dirty="0">
+              <a:solidFill>
+                <a:srgbClr val="FFFFFF"/>
+              </a:solidFill>
+            </a:endParaRPr>
+          </a:p>
+        </p:txBody>
+      </p:sp>
+      <p:pic>
+        <p:nvPicPr>
+          <p:cNvPr id="3" name="Picture 2">
+            <a:extLst>
+              <a:ext uri="{FF2B5EF4-FFF2-40B4-BE49-F238E27FC236}">
+                <a16:creationId xmlns:a16="http://schemas.microsoft.com/office/drawing/2014/main" id="{21A25E7E-1151-4361-BB9C-623C03CF0634}"/>
+              </a:ext>
+            </a:extLst>
+          </p:cNvPr>
+          <p:cNvPicPr>
+            <a:picLocks noChangeAspect="1"/>
+          </p:cNvPicPr>
+          <p:nvPr/>
+        </p:nvPicPr>
+        <p:blipFill>
+          <a:blip r:embed="rId3"/>
+          <a:stretch>
+            <a:fillRect/>
+          </a:stretch>
+        </p:blipFill>
+        <p:spPr>
+          <a:xfrm>
+            <a:off x="750094" y="1135641"/>
+            <a:ext cx="7643812" cy="2872218"/>
+          </a:xfrm>
+          <a:prstGeom prst="rect">
+            <a:avLst/>
+          </a:prstGeom>
+        </p:spPr>
+      </p:pic>
+    </p:spTree>
+    <p:extLst>
+      <p:ext uri="{BB962C8B-B14F-4D97-AF65-F5344CB8AC3E}">
+        <p14:creationId xmlns:p14="http://schemas.microsoft.com/office/powerpoint/2010/main" val="2138216353"/>
+      </p:ext>
+    </p:extLst>
+  </p:cSld>
+  <p:clrMapOvr>
+    <a:masterClrMapping/>
+  </p:clrMapOvr>
+</p:sld>
+</file>
+
+<file path=ppt/slides/slide19.xml><?xml version="1.0" encoding="utf-8"?>
+<p:sld xmlns:a="http://schemas.openxmlformats.org/drawingml/2006/main" xmlns:r="http://schemas.openxmlformats.org/officeDocument/2006/relationships" xmlns:p="http://schemas.openxmlformats.org/presentationml/2006/main">
+  <p:cSld>
+    <p:spTree>
+      <p:nvGrpSpPr>
+        <p:cNvPr id="1" name="Shape 173"/>
         <p:cNvGrpSpPr/>
         <p:nvPr/>
       </p:nvGrpSpPr>
@@ -9747,7 +10265,9 @@
       <p:sp>
         <p:nvSpPr>
           <p:cNvPr id="174" name="Google Shape;174;p30"/>
-          <p:cNvSpPr txBox="1"/>
+          <p:cNvSpPr txBox="1">
+            <a:spLocks noGrp="1"/>
+          </p:cNvSpPr>
           <p:nvPr>
             <p:ph type="title"/>
           </p:nvPr>
@@ -9762,12 +10282,12 @@
           </a:prstGeom>
         </p:spPr>
         <p:txBody>
-          <a:bodyPr anchorCtr="0" anchor="t" bIns="91425" lIns="91425" spcFirstLastPara="1" rIns="91425" wrap="square" tIns="91425">
+          <a:bodyPr spcFirstLastPara="1" wrap="square" lIns="91425" tIns="91425" rIns="91425" bIns="91425" anchor="t" anchorCtr="0">
             <a:noAutofit/>
           </a:bodyPr>
           <a:lstStyle/>
           <a:p>
-            <a:pPr indent="0" lvl="0" marL="0" rtl="0" algn="l">
+            <a:pPr marL="0" lvl="0" indent="0" algn="l" rtl="0">
               <a:spcBef>
                 <a:spcPts val="0"/>
               </a:spcBef>
@@ -9812,154 +10332,12 @@
           </a:ln>
         </p:spPr>
         <p:txBody>
-          <a:bodyPr anchorCtr="0" anchor="t" bIns="91425" lIns="91425" spcFirstLastPara="1" rIns="91425" wrap="square" tIns="91425">
+          <a:bodyPr spcFirstLastPara="1" wrap="square" lIns="91425" tIns="91425" rIns="91425" bIns="91425" anchor="t" anchorCtr="0">
             <a:noAutofit/>
           </a:bodyPr>
           <a:lstStyle/>
           <a:p>
-            <a:pPr indent="0" lvl="0" marL="0" rtl="0" algn="l">
-              <a:spcBef>
-                <a:spcPts val="0"/>
-              </a:spcBef>
-              <a:spcAft>
-                <a:spcPts val="0"/>
-              </a:spcAft>
-              <a:buNone/>
-            </a:pPr>
-            <a:br>
-              <a:rPr lang="en" sz="1700">
-                <a:solidFill>
-                  <a:srgbClr val="FFFFFF"/>
-                </a:solidFill>
-                <a:latin typeface="Lato"/>
-                <a:ea typeface="Lato"/>
-                <a:cs typeface="Lato"/>
-                <a:sym typeface="Lato"/>
-              </a:rPr>
-            </a:br>
-            <a:r>
-              <a:rPr lang="en" sz="1700">
-                <a:solidFill>
-                  <a:srgbClr val="FFFFFF"/>
-                </a:solidFill>
-                <a:latin typeface="Lato"/>
-                <a:ea typeface="Lato"/>
-                <a:cs typeface="Lato"/>
-                <a:sym typeface="Lato"/>
-              </a:rPr>
-              <a:t>Blah blah</a:t>
-            </a:r>
-            <a:endParaRPr sz="1700">
-              <a:solidFill>
-                <a:srgbClr val="FFFFFF"/>
-              </a:solidFill>
-              <a:latin typeface="Lato"/>
-              <a:ea typeface="Lato"/>
-              <a:cs typeface="Lato"/>
-              <a:sym typeface="Lato"/>
-            </a:endParaRPr>
-          </a:p>
-        </p:txBody>
-      </p:sp>
-    </p:spTree>
-  </p:cSld>
-  <p:clrMapOvr>
-    <a:masterClrMapping/>
-  </p:clrMapOvr>
-</p:sld>
-</file>
-
-<file path=ppt/slides/slide19.xml><?xml version="1.0" encoding="utf-8"?>
-<p:sld xmlns:a="http://schemas.openxmlformats.org/drawingml/2006/main" xmlns:r="http://schemas.openxmlformats.org/officeDocument/2006/relationships" xmlns:mc="http://schemas.openxmlformats.org/markup-compatibility/2006" xmlns:mv="urn:schemas-microsoft-com:mac:vml" xmlns:p="http://schemas.openxmlformats.org/presentationml/2006/main" xmlns:c="http://schemas.openxmlformats.org/drawingml/2006/chart" xmlns:dgm="http://schemas.openxmlformats.org/drawingml/2006/diagram" xmlns:o="urn:schemas-microsoft-com:office:office" xmlns:v="urn:schemas-microsoft-com:vml" xmlns:pvml="urn:schemas-microsoft-com:office:powerpoint" xmlns:com="http://schemas.openxmlformats.org/drawingml/2006/compatibility" xmlns:p14="http://schemas.microsoft.com/office/powerpoint/2010/main" xmlns:p15="http://schemas.microsoft.com/office/powerpoint/2012/main">
-  <p:cSld>
-    <p:spTree>
-      <p:nvGrpSpPr>
-        <p:cNvPr id="179" name="Shape 179"/>
-        <p:cNvGrpSpPr/>
-        <p:nvPr/>
-      </p:nvGrpSpPr>
-      <p:grpSpPr>
-        <a:xfrm>
-          <a:off x="0" y="0"/>
-          <a:ext cx="0" cy="0"/>
-          <a:chOff x="0" y="0"/>
-          <a:chExt cx="0" cy="0"/>
-        </a:xfrm>
-      </p:grpSpPr>
-      <p:sp>
-        <p:nvSpPr>
-          <p:cNvPr id="180" name="Google Shape;180;p31"/>
-          <p:cNvSpPr txBox="1"/>
-          <p:nvPr>
-            <p:ph type="title"/>
-          </p:nvPr>
-        </p:nvSpPr>
-        <p:spPr>
-          <a:xfrm>
-            <a:off x="303300" y="193225"/>
-            <a:ext cx="8520600" cy="639600"/>
-          </a:xfrm>
-          <a:prstGeom prst="rect">
-            <a:avLst/>
-          </a:prstGeom>
-        </p:spPr>
-        <p:txBody>
-          <a:bodyPr anchorCtr="0" anchor="t" bIns="91425" lIns="91425" spcFirstLastPara="1" rIns="91425" wrap="square" tIns="91425">
-            <a:noAutofit/>
-          </a:bodyPr>
-          <a:lstStyle/>
-          <a:p>
-            <a:pPr indent="0" lvl="0" marL="0" rtl="0" algn="l">
-              <a:spcBef>
-                <a:spcPts val="0"/>
-              </a:spcBef>
-              <a:spcAft>
-                <a:spcPts val="0"/>
-              </a:spcAft>
-              <a:buNone/>
-            </a:pPr>
-            <a:r>
-              <a:rPr lang="en" sz="3600">
-                <a:solidFill>
-                  <a:srgbClr val="FFFFFF"/>
-                </a:solidFill>
-              </a:rPr>
-              <a:t>Post-Mortem</a:t>
-            </a:r>
-            <a:endParaRPr sz="3600">
-              <a:solidFill>
-                <a:srgbClr val="FFFFFF"/>
-              </a:solidFill>
-            </a:endParaRPr>
-          </a:p>
-        </p:txBody>
-      </p:sp>
-      <p:sp>
-        <p:nvSpPr>
-          <p:cNvPr id="181" name="Google Shape;181;p31"/>
-          <p:cNvSpPr txBox="1"/>
-          <p:nvPr/>
-        </p:nvSpPr>
-        <p:spPr>
-          <a:xfrm>
-            <a:off x="303300" y="1819625"/>
-            <a:ext cx="8520600" cy="2899200"/>
-          </a:xfrm>
-          <a:prstGeom prst="rect">
-            <a:avLst/>
-          </a:prstGeom>
-          <a:noFill/>
-          <a:ln>
-            <a:noFill/>
-          </a:ln>
-        </p:spPr>
-        <p:txBody>
-          <a:bodyPr anchorCtr="0" anchor="t" bIns="91425" lIns="91425" spcFirstLastPara="1" rIns="91425" wrap="square" tIns="91425">
-            <a:noAutofit/>
-          </a:bodyPr>
-          <a:lstStyle/>
-          <a:p>
-            <a:pPr indent="0" lvl="0" marL="0" rtl="0" algn="l">
+            <a:pPr marL="0" lvl="0" indent="0" algn="l" rtl="0">
               <a:spcBef>
                 <a:spcPts val="0"/>
               </a:spcBef>
@@ -10012,11 +10390,11 @@
 </file>
 
 <file path=ppt/slides/slide2.xml><?xml version="1.0" encoding="utf-8"?>
-<p:sld xmlns:a="http://schemas.openxmlformats.org/drawingml/2006/main" xmlns:r="http://schemas.openxmlformats.org/officeDocument/2006/relationships" xmlns:mc="http://schemas.openxmlformats.org/markup-compatibility/2006" xmlns:mv="urn:schemas-microsoft-com:mac:vml" xmlns:p="http://schemas.openxmlformats.org/presentationml/2006/main" xmlns:c="http://schemas.openxmlformats.org/drawingml/2006/chart" xmlns:dgm="http://schemas.openxmlformats.org/drawingml/2006/diagram" xmlns:o="urn:schemas-microsoft-com:office:office" xmlns:v="urn:schemas-microsoft-com:vml" xmlns:pvml="urn:schemas-microsoft-com:office:powerpoint" xmlns:com="http://schemas.openxmlformats.org/drawingml/2006/compatibility" xmlns:p14="http://schemas.microsoft.com/office/powerpoint/2010/main" xmlns:p15="http://schemas.microsoft.com/office/powerpoint/2012/main">
+<p:sld xmlns:a="http://schemas.openxmlformats.org/drawingml/2006/main" xmlns:r="http://schemas.openxmlformats.org/officeDocument/2006/relationships" xmlns:p="http://schemas.openxmlformats.org/presentationml/2006/main">
   <p:cSld>
     <p:spTree>
       <p:nvGrpSpPr>
-        <p:cNvPr id="77" name="Shape 77"/>
+        <p:cNvPr id="1" name="Shape 77"/>
         <p:cNvGrpSpPr/>
         <p:nvPr/>
       </p:nvGrpSpPr>
@@ -10048,12 +10426,12 @@
           </a:ln>
         </p:spPr>
         <p:txBody>
-          <a:bodyPr anchorCtr="0" anchor="t" bIns="91425" lIns="91425" spcFirstLastPara="1" rIns="91425" wrap="square" tIns="91425">
+          <a:bodyPr spcFirstLastPara="1" wrap="square" lIns="91425" tIns="91425" rIns="91425" bIns="91425" anchor="t" anchorCtr="0">
             <a:noAutofit/>
           </a:bodyPr>
           <a:lstStyle/>
           <a:p>
-            <a:pPr indent="0" lvl="0" marL="0" rtl="0" algn="l">
+            <a:pPr marL="0" lvl="0" indent="0" algn="l" rtl="0">
               <a:spcBef>
                 <a:spcPts val="0"/>
               </a:spcBef>
@@ -10063,7 +10441,7 @@
               <a:buNone/>
             </a:pPr>
             <a:r>
-              <a:rPr b="1" lang="en" sz="3600">
+              <a:rPr lang="en" sz="3600" b="1">
                 <a:solidFill>
                   <a:srgbClr val="FFFFFF"/>
                 </a:solidFill>
@@ -10074,7 +10452,7 @@
               </a:rPr>
               <a:t>What Question Are We Answering?</a:t>
             </a:r>
-            <a:endParaRPr b="1" sz="3600">
+            <a:endParaRPr sz="3600" b="1">
               <a:solidFill>
                 <a:srgbClr val="FFFFFF"/>
               </a:solidFill>
@@ -10106,12 +10484,12 @@
           </a:ln>
         </p:spPr>
         <p:txBody>
-          <a:bodyPr anchorCtr="0" anchor="t" bIns="91425" lIns="91425" spcFirstLastPara="1" rIns="91425" wrap="square" tIns="91425">
+          <a:bodyPr spcFirstLastPara="1" wrap="square" lIns="91425" tIns="91425" rIns="91425" bIns="91425" anchor="t" anchorCtr="0">
             <a:noAutofit/>
           </a:bodyPr>
           <a:lstStyle/>
           <a:p>
-            <a:pPr indent="0" lvl="0" marL="0" rtl="0" algn="l">
+            <a:pPr marL="0" lvl="0" indent="0" algn="l" rtl="0">
               <a:spcBef>
                 <a:spcPts val="0"/>
               </a:spcBef>
@@ -10120,10 +10498,7 @@
               </a:spcAft>
               <a:buNone/>
             </a:pPr>
-            <a:r>
-              <a:t/>
-            </a:r>
-            <a:endParaRPr b="1" sz="1700">
+            <a:endParaRPr sz="1700" b="1">
               <a:solidFill>
                 <a:srgbClr val="FFFFFF"/>
               </a:solidFill>
@@ -10134,7 +10509,7 @@
             </a:endParaRPr>
           </a:p>
           <a:p>
-            <a:pPr indent="0" lvl="0" marL="0" rtl="0" algn="l">
+            <a:pPr marL="0" lvl="0" indent="0" algn="l" rtl="0">
               <a:spcBef>
                 <a:spcPts val="0"/>
               </a:spcBef>
@@ -10143,10 +10518,7 @@
               </a:spcAft>
               <a:buNone/>
             </a:pPr>
-            <a:r>
-              <a:t/>
-            </a:r>
-            <a:endParaRPr b="1" sz="1700">
+            <a:endParaRPr sz="1700" b="1">
               <a:solidFill>
                 <a:srgbClr val="FFFFFF"/>
               </a:solidFill>
@@ -10157,7 +10529,7 @@
             </a:endParaRPr>
           </a:p>
           <a:p>
-            <a:pPr indent="0" lvl="0" marL="0" rtl="0" algn="l">
+            <a:pPr marL="0" lvl="0" indent="0" algn="l" rtl="0">
               <a:spcBef>
                 <a:spcPts val="0"/>
               </a:spcBef>
@@ -10166,10 +10538,7 @@
               </a:spcAft>
               <a:buNone/>
             </a:pPr>
-            <a:r>
-              <a:t/>
-            </a:r>
-            <a:endParaRPr b="1" sz="1700">
+            <a:endParaRPr sz="1700" b="1">
               <a:solidFill>
                 <a:srgbClr val="FFFFFF"/>
               </a:solidFill>
@@ -10180,7 +10549,7 @@
             </a:endParaRPr>
           </a:p>
           <a:p>
-            <a:pPr indent="0" lvl="0" marL="0" rtl="0" algn="ctr">
+            <a:pPr marL="0" lvl="0" indent="0" algn="ctr" rtl="0">
               <a:spcBef>
                 <a:spcPts val="0"/>
               </a:spcBef>
@@ -10189,10 +10558,7 @@
               </a:spcAft>
               <a:buNone/>
             </a:pPr>
-            <a:r>
-              <a:t/>
-            </a:r>
-            <a:endParaRPr b="1" sz="2400">
+            <a:endParaRPr sz="2400" b="1">
               <a:solidFill>
                 <a:srgbClr val="FFFFFF"/>
               </a:solidFill>
@@ -10203,7 +10569,7 @@
             </a:endParaRPr>
           </a:p>
           <a:p>
-            <a:pPr indent="0" lvl="0" marL="0" rtl="0" algn="ctr">
+            <a:pPr marL="0" lvl="0" indent="0" algn="ctr" rtl="0">
               <a:spcBef>
                 <a:spcPts val="0"/>
               </a:spcBef>
@@ -10213,7 +10579,7 @@
               <a:buNone/>
             </a:pPr>
             <a:r>
-              <a:rPr b="1" lang="en" sz="2400">
+              <a:rPr lang="en" sz="2400" b="1">
                 <a:solidFill>
                   <a:srgbClr val="FFFFFF"/>
                 </a:solidFill>
@@ -10224,7 +10590,151 @@
               </a:rPr>
               <a:t>Which U.S. City is the Best to Live In?</a:t>
             </a:r>
-            <a:endParaRPr b="1" sz="2400">
+            <a:endParaRPr sz="2400" b="1">
+              <a:solidFill>
+                <a:srgbClr val="FFFFFF"/>
+              </a:solidFill>
+              <a:latin typeface="Lato"/>
+              <a:ea typeface="Lato"/>
+              <a:cs typeface="Lato"/>
+              <a:sym typeface="Lato"/>
+            </a:endParaRPr>
+          </a:p>
+        </p:txBody>
+      </p:sp>
+    </p:spTree>
+  </p:cSld>
+  <p:clrMapOvr>
+    <a:masterClrMapping/>
+  </p:clrMapOvr>
+</p:sld>
+</file>
+
+<file path=ppt/slides/slide20.xml><?xml version="1.0" encoding="utf-8"?>
+<p:sld xmlns:a="http://schemas.openxmlformats.org/drawingml/2006/main" xmlns:r="http://schemas.openxmlformats.org/officeDocument/2006/relationships" xmlns:p="http://schemas.openxmlformats.org/presentationml/2006/main">
+  <p:cSld>
+    <p:spTree>
+      <p:nvGrpSpPr>
+        <p:cNvPr id="1" name="Shape 179"/>
+        <p:cNvGrpSpPr/>
+        <p:nvPr/>
+      </p:nvGrpSpPr>
+      <p:grpSpPr>
+        <a:xfrm>
+          <a:off x="0" y="0"/>
+          <a:ext cx="0" cy="0"/>
+          <a:chOff x="0" y="0"/>
+          <a:chExt cx="0" cy="0"/>
+        </a:xfrm>
+      </p:grpSpPr>
+      <p:sp>
+        <p:nvSpPr>
+          <p:cNvPr id="180" name="Google Shape;180;p31"/>
+          <p:cNvSpPr txBox="1">
+            <a:spLocks noGrp="1"/>
+          </p:cNvSpPr>
+          <p:nvPr>
+            <p:ph type="title"/>
+          </p:nvPr>
+        </p:nvSpPr>
+        <p:spPr>
+          <a:xfrm>
+            <a:off x="303300" y="193225"/>
+            <a:ext cx="8520600" cy="639600"/>
+          </a:xfrm>
+          <a:prstGeom prst="rect">
+            <a:avLst/>
+          </a:prstGeom>
+        </p:spPr>
+        <p:txBody>
+          <a:bodyPr spcFirstLastPara="1" wrap="square" lIns="91425" tIns="91425" rIns="91425" bIns="91425" anchor="t" anchorCtr="0">
+            <a:noAutofit/>
+          </a:bodyPr>
+          <a:lstStyle/>
+          <a:p>
+            <a:pPr marL="0" lvl="0" indent="0" algn="l" rtl="0">
+              <a:spcBef>
+                <a:spcPts val="0"/>
+              </a:spcBef>
+              <a:spcAft>
+                <a:spcPts val="0"/>
+              </a:spcAft>
+              <a:buNone/>
+            </a:pPr>
+            <a:r>
+              <a:rPr lang="en" sz="3600">
+                <a:solidFill>
+                  <a:srgbClr val="FFFFFF"/>
+                </a:solidFill>
+              </a:rPr>
+              <a:t>Post-Mortem</a:t>
+            </a:r>
+            <a:endParaRPr sz="3600">
+              <a:solidFill>
+                <a:srgbClr val="FFFFFF"/>
+              </a:solidFill>
+            </a:endParaRPr>
+          </a:p>
+        </p:txBody>
+      </p:sp>
+      <p:sp>
+        <p:nvSpPr>
+          <p:cNvPr id="181" name="Google Shape;181;p31"/>
+          <p:cNvSpPr txBox="1"/>
+          <p:nvPr/>
+        </p:nvSpPr>
+        <p:spPr>
+          <a:xfrm>
+            <a:off x="303300" y="1819625"/>
+            <a:ext cx="8520600" cy="2899200"/>
+          </a:xfrm>
+          <a:prstGeom prst="rect">
+            <a:avLst/>
+          </a:prstGeom>
+          <a:noFill/>
+          <a:ln>
+            <a:noFill/>
+          </a:ln>
+        </p:spPr>
+        <p:txBody>
+          <a:bodyPr spcFirstLastPara="1" wrap="square" lIns="91425" tIns="91425" rIns="91425" bIns="91425" anchor="t" anchorCtr="0">
+            <a:noAutofit/>
+          </a:bodyPr>
+          <a:lstStyle/>
+          <a:p>
+            <a:pPr marL="0" lvl="0" indent="0" algn="l" rtl="0">
+              <a:spcBef>
+                <a:spcPts val="0"/>
+              </a:spcBef>
+              <a:spcAft>
+                <a:spcPts val="0"/>
+              </a:spcAft>
+              <a:buNone/>
+            </a:pPr>
+            <a:br>
+              <a:rPr lang="en" sz="1700">
+                <a:solidFill>
+                  <a:srgbClr val="FFFFFF"/>
+                </a:solidFill>
+                <a:latin typeface="Lato"/>
+                <a:ea typeface="Lato"/>
+                <a:cs typeface="Lato"/>
+                <a:sym typeface="Lato"/>
+              </a:rPr>
+            </a:br>
+            <a:r>
+              <a:rPr lang="en" sz="1700">
+                <a:solidFill>
+                  <a:srgbClr val="FFFFFF"/>
+                </a:solidFill>
+                <a:latin typeface="Lato"/>
+                <a:ea typeface="Lato"/>
+                <a:cs typeface="Lato"/>
+                <a:sym typeface="Lato"/>
+              </a:rPr>
+              <a:t>Blah blah</a:t>
+            </a:r>
+            <a:endParaRPr sz="1700">
               <a:solidFill>
                 <a:srgbClr val="FFFFFF"/>
               </a:solidFill>
@@ -10245,11 +10755,11 @@
 </file>
 
 <file path=ppt/slides/slide3.xml><?xml version="1.0" encoding="utf-8"?>
-<p:sld xmlns:a="http://schemas.openxmlformats.org/drawingml/2006/main" xmlns:r="http://schemas.openxmlformats.org/officeDocument/2006/relationships" xmlns:mc="http://schemas.openxmlformats.org/markup-compatibility/2006" xmlns:mv="urn:schemas-microsoft-com:mac:vml" xmlns:p="http://schemas.openxmlformats.org/presentationml/2006/main" xmlns:c="http://schemas.openxmlformats.org/drawingml/2006/chart" xmlns:dgm="http://schemas.openxmlformats.org/drawingml/2006/diagram" xmlns:o="urn:schemas-microsoft-com:office:office" xmlns:v="urn:schemas-microsoft-com:vml" xmlns:pvml="urn:schemas-microsoft-com:office:powerpoint" xmlns:com="http://schemas.openxmlformats.org/drawingml/2006/compatibility" xmlns:p14="http://schemas.microsoft.com/office/powerpoint/2010/main" xmlns:p15="http://schemas.microsoft.com/office/powerpoint/2012/main">
+<p:sld xmlns:a="http://schemas.openxmlformats.org/drawingml/2006/main" xmlns:r="http://schemas.openxmlformats.org/officeDocument/2006/relationships" xmlns:p="http://schemas.openxmlformats.org/presentationml/2006/main">
   <p:cSld>
     <p:spTree>
       <p:nvGrpSpPr>
-        <p:cNvPr id="83" name="Shape 83"/>
+        <p:cNvPr id="1" name="Shape 83"/>
         <p:cNvGrpSpPr/>
         <p:nvPr/>
       </p:nvGrpSpPr>
@@ -10264,9 +10774,11 @@
       <p:sp>
         <p:nvSpPr>
           <p:cNvPr id="84" name="Google Shape;84;p15"/>
-          <p:cNvSpPr txBox="1"/>
+          <p:cNvSpPr txBox="1">
+            <a:spLocks noGrp="1"/>
+          </p:cNvSpPr>
           <p:nvPr>
-            <p:ph idx="4294967295" type="title"/>
+            <p:ph type="title" idx="4294967295"/>
           </p:nvPr>
         </p:nvSpPr>
         <p:spPr>
@@ -10279,12 +10791,12 @@
           </a:prstGeom>
         </p:spPr>
         <p:txBody>
-          <a:bodyPr anchorCtr="0" anchor="t" bIns="91425" lIns="91425" spcFirstLastPara="1" rIns="91425" wrap="square" tIns="91425">
+          <a:bodyPr spcFirstLastPara="1" wrap="square" lIns="91425" tIns="91425" rIns="91425" bIns="91425" anchor="t" anchorCtr="0">
             <a:noAutofit/>
           </a:bodyPr>
           <a:lstStyle/>
           <a:p>
-            <a:pPr indent="0" lvl="0" marL="0" rtl="0" algn="l">
+            <a:pPr marL="0" lvl="0" indent="0" algn="l" rtl="0">
               <a:spcBef>
                 <a:spcPts val="0"/>
               </a:spcBef>
@@ -10312,9 +10824,11 @@
       <p:sp>
         <p:nvSpPr>
           <p:cNvPr id="85" name="Google Shape;85;p15"/>
-          <p:cNvSpPr txBox="1"/>
+          <p:cNvSpPr txBox="1">
+            <a:spLocks noGrp="1"/>
+          </p:cNvSpPr>
           <p:nvPr>
-            <p:ph idx="4294967295" type="title"/>
+            <p:ph type="title" idx="4294967295"/>
           </p:nvPr>
         </p:nvSpPr>
         <p:spPr>
@@ -10327,12 +10841,12 @@
           </a:prstGeom>
         </p:spPr>
         <p:txBody>
-          <a:bodyPr anchorCtr="0" anchor="t" bIns="91425" lIns="91425" spcFirstLastPara="1" rIns="91425" wrap="square" tIns="91425">
+          <a:bodyPr spcFirstLastPara="1" wrap="square" lIns="91425" tIns="91425" rIns="91425" bIns="91425" anchor="t" anchorCtr="0">
             <a:noAutofit/>
           </a:bodyPr>
           <a:lstStyle/>
           <a:p>
-            <a:pPr indent="0" lvl="0" marL="0" rtl="0" algn="l">
+            <a:pPr marL="0" lvl="0" indent="0" algn="l" rtl="0">
               <a:lnSpc>
                 <a:spcPct val="115000"/>
               </a:lnSpc>
@@ -10378,7 +10892,7 @@
             </a:endParaRPr>
           </a:p>
           <a:p>
-            <a:pPr indent="0" lvl="0" marL="0" rtl="0" algn="l">
+            <a:pPr marL="0" lvl="0" indent="0" algn="l" rtl="0">
               <a:lnSpc>
                 <a:spcPct val="115000"/>
               </a:lnSpc>
@@ -10390,9 +10904,6 @@
               </a:spcAft>
               <a:buNone/>
             </a:pPr>
-            <a:r>
-              <a:t/>
-            </a:r>
             <a:endParaRPr sz="1700">
               <a:solidFill>
                 <a:srgbClr val="FFFFFF"/>
@@ -10404,7 +10915,7 @@
             </a:endParaRPr>
           </a:p>
           <a:p>
-            <a:pPr indent="0" lvl="0" marL="0" rtl="0" algn="l">
+            <a:pPr marL="0" lvl="0" indent="0" algn="l" rtl="0">
               <a:lnSpc>
                 <a:spcPct val="115000"/>
               </a:lnSpc>
@@ -10449,11 +10960,11 @@
 </file>
 
 <file path=ppt/slides/slide4.xml><?xml version="1.0" encoding="utf-8"?>
-<p:sld xmlns:a="http://schemas.openxmlformats.org/drawingml/2006/main" xmlns:r="http://schemas.openxmlformats.org/officeDocument/2006/relationships" xmlns:mc="http://schemas.openxmlformats.org/markup-compatibility/2006" xmlns:mv="urn:schemas-microsoft-com:mac:vml" xmlns:p="http://schemas.openxmlformats.org/presentationml/2006/main" xmlns:c="http://schemas.openxmlformats.org/drawingml/2006/chart" xmlns:dgm="http://schemas.openxmlformats.org/drawingml/2006/diagram" xmlns:o="urn:schemas-microsoft-com:office:office" xmlns:v="urn:schemas-microsoft-com:vml" xmlns:pvml="urn:schemas-microsoft-com:office:powerpoint" xmlns:com="http://schemas.openxmlformats.org/drawingml/2006/compatibility" xmlns:p14="http://schemas.microsoft.com/office/powerpoint/2010/main" xmlns:p15="http://schemas.microsoft.com/office/powerpoint/2012/main">
+<p:sld xmlns:a="http://schemas.openxmlformats.org/drawingml/2006/main" xmlns:r="http://schemas.openxmlformats.org/officeDocument/2006/relationships" xmlns:p="http://schemas.openxmlformats.org/presentationml/2006/main">
   <p:cSld>
     <p:spTree>
       <p:nvGrpSpPr>
-        <p:cNvPr id="89" name="Shape 89"/>
+        <p:cNvPr id="1" name="Shape 89"/>
         <p:cNvGrpSpPr/>
         <p:nvPr/>
       </p:nvGrpSpPr>
@@ -10468,9 +10979,11 @@
       <p:sp>
         <p:nvSpPr>
           <p:cNvPr id="90" name="Google Shape;90;p16"/>
-          <p:cNvSpPr txBox="1"/>
+          <p:cNvSpPr txBox="1">
+            <a:spLocks noGrp="1"/>
+          </p:cNvSpPr>
           <p:nvPr>
-            <p:ph idx="4294967295" type="title"/>
+            <p:ph type="title" idx="4294967295"/>
           </p:nvPr>
         </p:nvSpPr>
         <p:spPr>
@@ -10483,12 +10996,12 @@
           </a:prstGeom>
         </p:spPr>
         <p:txBody>
-          <a:bodyPr anchorCtr="0" anchor="t" bIns="91425" lIns="91425" spcFirstLastPara="1" rIns="91425" wrap="square" tIns="91425">
+          <a:bodyPr spcFirstLastPara="1" wrap="square" lIns="91425" tIns="91425" rIns="91425" bIns="91425" anchor="t" anchorCtr="0">
             <a:noAutofit/>
           </a:bodyPr>
           <a:lstStyle/>
           <a:p>
-            <a:pPr indent="0" lvl="0" marL="0" rtl="0" algn="l">
+            <a:pPr marL="0" lvl="0" indent="0" algn="l" rtl="0">
               <a:spcBef>
                 <a:spcPts val="0"/>
               </a:spcBef>
@@ -10516,9 +11029,11 @@
       <p:sp>
         <p:nvSpPr>
           <p:cNvPr id="91" name="Google Shape;91;p16"/>
-          <p:cNvSpPr txBox="1"/>
+          <p:cNvSpPr txBox="1">
+            <a:spLocks noGrp="1"/>
+          </p:cNvSpPr>
           <p:nvPr>
-            <p:ph idx="4294967295" type="title"/>
+            <p:ph type="title" idx="4294967295"/>
           </p:nvPr>
         </p:nvSpPr>
         <p:spPr>
@@ -10531,12 +11046,12 @@
           </a:prstGeom>
         </p:spPr>
         <p:txBody>
-          <a:bodyPr anchorCtr="0" anchor="t" bIns="91425" lIns="91425" spcFirstLastPara="1" rIns="91425" wrap="square" tIns="91425">
+          <a:bodyPr spcFirstLastPara="1" wrap="square" lIns="91425" tIns="91425" rIns="91425" bIns="91425" anchor="t" anchorCtr="0">
             <a:noAutofit/>
           </a:bodyPr>
           <a:lstStyle/>
           <a:p>
-            <a:pPr indent="0" lvl="0" marL="0" rtl="0" algn="l">
+            <a:pPr marL="0" lvl="0" indent="0" algn="l" rtl="0">
               <a:lnSpc>
                 <a:spcPct val="115000"/>
               </a:lnSpc>
@@ -10582,7 +11097,7 @@
             </a:endParaRPr>
           </a:p>
           <a:p>
-            <a:pPr indent="0" lvl="0" marL="0" rtl="0" algn="l">
+            <a:pPr marL="0" lvl="0" indent="0" algn="l" rtl="0">
               <a:lnSpc>
                 <a:spcPct val="115000"/>
               </a:lnSpc>
@@ -10622,7 +11137,7 @@
             </a:endParaRPr>
           </a:p>
           <a:p>
-            <a:pPr indent="0" lvl="0" marL="0" rtl="0" algn="l">
+            <a:pPr marL="0" lvl="0" indent="0" algn="l" rtl="0">
               <a:lnSpc>
                 <a:spcPct val="115000"/>
               </a:lnSpc>
@@ -10662,7 +11177,7 @@
             </a:endParaRPr>
           </a:p>
           <a:p>
-            <a:pPr indent="0" lvl="0" marL="0" rtl="0" algn="l">
+            <a:pPr marL="0" lvl="0" indent="0" algn="l" rtl="0">
               <a:lnSpc>
                 <a:spcPct val="115000"/>
               </a:lnSpc>
@@ -10707,11 +11222,11 @@
 </file>
 
 <file path=ppt/slides/slide5.xml><?xml version="1.0" encoding="utf-8"?>
-<p:sld xmlns:a="http://schemas.openxmlformats.org/drawingml/2006/main" xmlns:r="http://schemas.openxmlformats.org/officeDocument/2006/relationships" xmlns:mc="http://schemas.openxmlformats.org/markup-compatibility/2006" xmlns:mv="urn:schemas-microsoft-com:mac:vml" xmlns:p="http://schemas.openxmlformats.org/presentationml/2006/main" xmlns:c="http://schemas.openxmlformats.org/drawingml/2006/chart" xmlns:dgm="http://schemas.openxmlformats.org/drawingml/2006/diagram" xmlns:o="urn:schemas-microsoft-com:office:office" xmlns:v="urn:schemas-microsoft-com:vml" xmlns:pvml="urn:schemas-microsoft-com:office:powerpoint" xmlns:com="http://schemas.openxmlformats.org/drawingml/2006/compatibility" xmlns:p14="http://schemas.microsoft.com/office/powerpoint/2010/main" xmlns:p15="http://schemas.microsoft.com/office/powerpoint/2012/main">
+<p:sld xmlns:a="http://schemas.openxmlformats.org/drawingml/2006/main" xmlns:r="http://schemas.openxmlformats.org/officeDocument/2006/relationships" xmlns:p="http://schemas.openxmlformats.org/presentationml/2006/main">
   <p:cSld>
     <p:spTree>
       <p:nvGrpSpPr>
-        <p:cNvPr id="95" name="Shape 95"/>
+        <p:cNvPr id="1" name="Shape 95"/>
         <p:cNvGrpSpPr/>
         <p:nvPr/>
       </p:nvGrpSpPr>
@@ -10743,12 +11258,12 @@
           </a:ln>
         </p:spPr>
         <p:txBody>
-          <a:bodyPr anchorCtr="0" anchor="t" bIns="91425" lIns="91425" spcFirstLastPara="1" rIns="91425" wrap="square" tIns="91425">
+          <a:bodyPr spcFirstLastPara="1" wrap="square" lIns="91425" tIns="91425" rIns="91425" bIns="91425" anchor="t" anchorCtr="0">
             <a:noAutofit/>
           </a:bodyPr>
           <a:lstStyle/>
           <a:p>
-            <a:pPr indent="0" lvl="0" marL="0" rtl="0" algn="l">
+            <a:pPr marL="0" lvl="0" indent="0" algn="l" rtl="0">
               <a:spcBef>
                 <a:spcPts val="0"/>
               </a:spcBef>
@@ -10758,7 +11273,7 @@
               <a:buNone/>
             </a:pPr>
             <a:r>
-              <a:rPr b="1" lang="en" sz="3600">
+              <a:rPr lang="en" sz="3600" b="1">
                 <a:solidFill>
                   <a:srgbClr val="FFFFFF"/>
                 </a:solidFill>
@@ -10769,7 +11284,7 @@
               </a:rPr>
               <a:t>What is “Best”?</a:t>
             </a:r>
-            <a:endParaRPr b="1" sz="3600">
+            <a:endParaRPr sz="3600" b="1">
               <a:solidFill>
                 <a:srgbClr val="FFFFFF"/>
               </a:solidFill>
@@ -10801,12 +11316,12 @@
           </a:ln>
         </p:spPr>
         <p:txBody>
-          <a:bodyPr anchorCtr="0" anchor="t" bIns="91425" lIns="91425" spcFirstLastPara="1" rIns="91425" wrap="square" tIns="91425">
+          <a:bodyPr spcFirstLastPara="1" wrap="square" lIns="91425" tIns="91425" rIns="91425" bIns="91425" anchor="t" anchorCtr="0">
             <a:noAutofit/>
           </a:bodyPr>
           <a:lstStyle/>
           <a:p>
-            <a:pPr indent="0" lvl="0" marL="0" rtl="0" algn="l">
+            <a:pPr marL="0" lvl="0" indent="0" algn="l" rtl="0">
               <a:spcBef>
                 <a:spcPts val="0"/>
               </a:spcBef>
@@ -10816,7 +11331,7 @@
               <a:buNone/>
             </a:pPr>
             <a:r>
-              <a:rPr b="1" lang="en" sz="1700">
+              <a:rPr lang="en" sz="1700" b="1">
                 <a:solidFill>
                   <a:srgbClr val="FFFFFF"/>
                 </a:solidFill>
@@ -10828,7 +11343,7 @@
               <a:t>"Best" is a subjective term as well as a subjective measurement. </a:t>
             </a:r>
             <a:br>
-              <a:rPr b="1" lang="en" sz="1700">
+              <a:rPr lang="en" sz="1700" b="1">
                 <a:solidFill>
                   <a:srgbClr val="FFFFFF"/>
                 </a:solidFill>
@@ -10839,7 +11354,7 @@
               </a:rPr>
             </a:br>
             <a:br>
-              <a:rPr b="1" lang="en" sz="1700">
+              <a:rPr lang="en" sz="1700" b="1">
                 <a:solidFill>
                   <a:srgbClr val="FFFFFF"/>
                 </a:solidFill>
@@ -10850,7 +11365,7 @@
               </a:rPr>
             </a:br>
             <a:r>
-              <a:rPr b="1" lang="en" sz="1700">
+              <a:rPr lang="en" sz="1700" b="1">
                 <a:solidFill>
                   <a:srgbClr val="FFFFFF"/>
                 </a:solidFill>
@@ -10862,7 +11377,7 @@
               <a:t>Each individual has a unique set of standards of what makes anything the best. </a:t>
             </a:r>
             <a:br>
-              <a:rPr b="1" lang="en" sz="1700">
+              <a:rPr lang="en" sz="1700" b="1">
                 <a:solidFill>
                   <a:srgbClr val="FFFFFF"/>
                 </a:solidFill>
@@ -10873,7 +11388,7 @@
               </a:rPr>
             </a:br>
             <a:br>
-              <a:rPr b="1" lang="en" sz="1700">
+              <a:rPr lang="en" sz="1700" b="1">
                 <a:solidFill>
                   <a:srgbClr val="FFFFFF"/>
                 </a:solidFill>
@@ -10884,7 +11399,7 @@
               </a:rPr>
             </a:br>
             <a:r>
-              <a:rPr b="1" lang="en" sz="1700">
+              <a:rPr lang="en" sz="1700" b="1">
                 <a:solidFill>
                   <a:srgbClr val="FFFFFF"/>
                 </a:solidFill>
@@ -10896,7 +11411,7 @@
               <a:t>Searching for the "best city to live in" is no exception. </a:t>
             </a:r>
             <a:br>
-              <a:rPr b="1" lang="en" sz="1700">
+              <a:rPr lang="en" sz="1700" b="1">
                 <a:solidFill>
                   <a:srgbClr val="FFFFFF"/>
                 </a:solidFill>
@@ -10907,7 +11422,7 @@
               </a:rPr>
             </a:br>
             <a:br>
-              <a:rPr b="1" lang="en" sz="1700">
+              <a:rPr lang="en" sz="1700" b="1">
                 <a:solidFill>
                   <a:srgbClr val="FFFFFF"/>
                 </a:solidFill>
@@ -10918,7 +11433,7 @@
               </a:rPr>
             </a:br>
             <a:r>
-              <a:rPr b="1" lang="en" sz="1700">
+              <a:rPr lang="en" sz="1700" b="1">
                 <a:solidFill>
                   <a:srgbClr val="FFFFFF"/>
                 </a:solidFill>
@@ -10929,7 +11444,7 @@
               </a:rPr>
               <a:t>An individual's paradigm of what makes a city "the best to live in" can include everything from crime to pollution to cost-of-living.</a:t>
             </a:r>
-            <a:endParaRPr b="1" sz="1700">
+            <a:endParaRPr sz="1700" b="1">
               <a:solidFill>
                 <a:srgbClr val="FFFFFF"/>
               </a:solidFill>
@@ -10950,11 +11465,11 @@
 </file>
 
 <file path=ppt/slides/slide6.xml><?xml version="1.0" encoding="utf-8"?>
-<p:sld xmlns:a="http://schemas.openxmlformats.org/drawingml/2006/main" xmlns:r="http://schemas.openxmlformats.org/officeDocument/2006/relationships" xmlns:mc="http://schemas.openxmlformats.org/markup-compatibility/2006" xmlns:mv="urn:schemas-microsoft-com:mac:vml" xmlns:p="http://schemas.openxmlformats.org/presentationml/2006/main" xmlns:c="http://schemas.openxmlformats.org/drawingml/2006/chart" xmlns:dgm="http://schemas.openxmlformats.org/drawingml/2006/diagram" xmlns:o="urn:schemas-microsoft-com:office:office" xmlns:v="urn:schemas-microsoft-com:vml" xmlns:pvml="urn:schemas-microsoft-com:office:powerpoint" xmlns:com="http://schemas.openxmlformats.org/drawingml/2006/compatibility" xmlns:p14="http://schemas.microsoft.com/office/powerpoint/2010/main" xmlns:p15="http://schemas.microsoft.com/office/powerpoint/2012/main">
+<p:sld xmlns:a="http://schemas.openxmlformats.org/drawingml/2006/main" xmlns:r="http://schemas.openxmlformats.org/officeDocument/2006/relationships" xmlns:p="http://schemas.openxmlformats.org/presentationml/2006/main">
   <p:cSld>
     <p:spTree>
       <p:nvGrpSpPr>
-        <p:cNvPr id="101" name="Shape 101"/>
+        <p:cNvPr id="1" name="Shape 101"/>
         <p:cNvGrpSpPr/>
         <p:nvPr/>
       </p:nvGrpSpPr>
@@ -10986,12 +11501,12 @@
           </a:ln>
         </p:spPr>
         <p:txBody>
-          <a:bodyPr anchorCtr="0" anchor="t" bIns="91425" lIns="91425" spcFirstLastPara="1" rIns="91425" wrap="square" tIns="91425">
+          <a:bodyPr spcFirstLastPara="1" wrap="square" lIns="91425" tIns="91425" rIns="91425" bIns="91425" anchor="t" anchorCtr="0">
             <a:noAutofit/>
           </a:bodyPr>
           <a:lstStyle/>
           <a:p>
-            <a:pPr indent="0" lvl="0" marL="0" rtl="0" algn="l">
+            <a:pPr marL="0" lvl="0" indent="0" algn="l" rtl="0">
               <a:spcBef>
                 <a:spcPts val="0"/>
               </a:spcBef>
@@ -11001,7 +11516,7 @@
               <a:buNone/>
             </a:pPr>
             <a:r>
-              <a:rPr b="1" lang="en" sz="3600">
+              <a:rPr lang="en" sz="3600" b="1">
                 <a:solidFill>
                   <a:srgbClr val="FFFFFF"/>
                 </a:solidFill>
@@ -11012,7 +11527,7 @@
               </a:rPr>
               <a:t>How Did Homies Choose Which Cities to Include?</a:t>
             </a:r>
-            <a:endParaRPr b="1" sz="3600">
+            <a:endParaRPr sz="3600" b="1">
               <a:solidFill>
                 <a:srgbClr val="FFFFFF"/>
               </a:solidFill>
@@ -11044,12 +11559,12 @@
           </a:ln>
         </p:spPr>
         <p:txBody>
-          <a:bodyPr anchorCtr="0" anchor="t" bIns="91425" lIns="91425" spcFirstLastPara="1" rIns="91425" wrap="square" tIns="91425">
+          <a:bodyPr spcFirstLastPara="1" wrap="square" lIns="91425" tIns="91425" rIns="91425" bIns="91425" anchor="t" anchorCtr="0">
             <a:noAutofit/>
           </a:bodyPr>
           <a:lstStyle/>
           <a:p>
-            <a:pPr indent="0" lvl="0" marL="0" rtl="0" algn="l">
+            <a:pPr marL="0" lvl="0" indent="0" algn="l" rtl="0">
               <a:spcBef>
                 <a:spcPts val="0"/>
               </a:spcBef>
@@ -11059,7 +11574,7 @@
               <a:buNone/>
             </a:pPr>
             <a:r>
-              <a:rPr b="1" lang="en" sz="1700">
+              <a:rPr lang="en" sz="1700" b="1">
                 <a:solidFill>
                   <a:srgbClr val="FFFFFF"/>
                 </a:solidFill>
@@ -11071,7 +11586,7 @@
               <a:t>Common Cities in U.S.</a:t>
             </a:r>
             <a:br>
-              <a:rPr b="1" lang="en" sz="1700">
+              <a:rPr lang="en" sz="1700" b="1">
                 <a:solidFill>
                   <a:srgbClr val="FFFFFF"/>
                 </a:solidFill>
@@ -11082,7 +11597,7 @@
               </a:rPr>
             </a:br>
             <a:r>
-              <a:rPr b="1" lang="en" sz="1700">
+              <a:rPr lang="en" sz="1700" b="1">
                 <a:solidFill>
                   <a:srgbClr val="FFFFFF"/>
                 </a:solidFill>
@@ -11094,7 +11609,7 @@
               <a:t>Across different states/regions</a:t>
             </a:r>
             <a:br>
-              <a:rPr b="1" lang="en" sz="1700">
+              <a:rPr lang="en" sz="1700" b="1">
                 <a:solidFill>
                   <a:srgbClr val="FFFFFF"/>
                 </a:solidFill>
@@ -11105,7 +11620,7 @@
               </a:rPr>
             </a:br>
             <a:r>
-              <a:rPr b="1" lang="en" sz="1700">
+              <a:rPr lang="en" sz="1700" b="1">
                 <a:solidFill>
                   <a:srgbClr val="FFFFFF"/>
                 </a:solidFill>
@@ -11116,7 +11631,7 @@
               </a:rPr>
               <a:t>Represents different quality of life</a:t>
             </a:r>
-            <a:endParaRPr b="1" sz="1700">
+            <a:endParaRPr sz="1700" b="1">
               <a:solidFill>
                 <a:srgbClr val="FFFFFF"/>
               </a:solidFill>
@@ -11137,11 +11652,11 @@
 </file>
 
 <file path=ppt/slides/slide7.xml><?xml version="1.0" encoding="utf-8"?>
-<p:sld xmlns:a="http://schemas.openxmlformats.org/drawingml/2006/main" xmlns:r="http://schemas.openxmlformats.org/officeDocument/2006/relationships" xmlns:mc="http://schemas.openxmlformats.org/markup-compatibility/2006" xmlns:mv="urn:schemas-microsoft-com:mac:vml" xmlns:p="http://schemas.openxmlformats.org/presentationml/2006/main" xmlns:c="http://schemas.openxmlformats.org/drawingml/2006/chart" xmlns:dgm="http://schemas.openxmlformats.org/drawingml/2006/diagram" xmlns:o="urn:schemas-microsoft-com:office:office" xmlns:v="urn:schemas-microsoft-com:vml" xmlns:pvml="urn:schemas-microsoft-com:office:powerpoint" xmlns:com="http://schemas.openxmlformats.org/drawingml/2006/compatibility" xmlns:p14="http://schemas.microsoft.com/office/powerpoint/2010/main" xmlns:p15="http://schemas.microsoft.com/office/powerpoint/2012/main">
+<p:sld xmlns:a="http://schemas.openxmlformats.org/drawingml/2006/main" xmlns:r="http://schemas.openxmlformats.org/officeDocument/2006/relationships" xmlns:p="http://schemas.openxmlformats.org/presentationml/2006/main">
   <p:cSld>
     <p:spTree>
       <p:nvGrpSpPr>
-        <p:cNvPr id="107" name="Shape 107"/>
+        <p:cNvPr id="1" name="Shape 107"/>
         <p:cNvGrpSpPr/>
         <p:nvPr/>
       </p:nvGrpSpPr>
@@ -11156,7 +11671,9 @@
       <p:sp>
         <p:nvSpPr>
           <p:cNvPr id="108" name="Google Shape;108;p19"/>
-          <p:cNvSpPr txBox="1"/>
+          <p:cNvSpPr txBox="1">
+            <a:spLocks noGrp="1"/>
+          </p:cNvSpPr>
           <p:nvPr>
             <p:ph type="title"/>
           </p:nvPr>
@@ -11171,12 +11688,12 @@
           </a:prstGeom>
         </p:spPr>
         <p:txBody>
-          <a:bodyPr anchorCtr="0" anchor="t" bIns="91425" lIns="91425" spcFirstLastPara="1" rIns="91425" wrap="square" tIns="91425">
+          <a:bodyPr spcFirstLastPara="1" wrap="square" lIns="91425" tIns="91425" rIns="91425" bIns="91425" anchor="t" anchorCtr="0">
             <a:noAutofit/>
           </a:bodyPr>
           <a:lstStyle/>
           <a:p>
-            <a:pPr indent="0" lvl="0" marL="0" rtl="0" algn="l">
+            <a:pPr marL="0" lvl="0" indent="0" algn="l" rtl="0">
               <a:spcBef>
                 <a:spcPts val="0"/>
               </a:spcBef>
@@ -11191,15 +11708,7 @@
                   <a:srgbClr val="FFFFFF"/>
                 </a:solidFill>
               </a:rPr>
-              <a:t>Which Metrics Did Homies Use</a:t>
-            </a:r>
-            <a:r>
-              <a:rPr lang="en" sz="3600">
-                <a:solidFill>
-                  <a:srgbClr val="FFFFFF"/>
-                </a:solidFill>
-              </a:rPr>
-              <a:t>?</a:t>
+              <a:t>Which Metrics Did Homies Use?</a:t>
             </a:r>
             <a:endParaRPr sz="3600">
               <a:solidFill>
@@ -11229,12 +11738,12 @@
           </a:ln>
         </p:spPr>
         <p:txBody>
-          <a:bodyPr anchorCtr="0" anchor="t" bIns="91425" lIns="91425" spcFirstLastPara="1" rIns="91425" wrap="square" tIns="91425">
+          <a:bodyPr spcFirstLastPara="1" wrap="square" lIns="91425" tIns="91425" rIns="91425" bIns="91425" anchor="t" anchorCtr="0">
             <a:noAutofit/>
           </a:bodyPr>
           <a:lstStyle/>
           <a:p>
-            <a:pPr indent="0" lvl="0" marL="0" rtl="0" algn="l">
+            <a:pPr marL="0" lvl="0" indent="0" algn="l" rtl="0">
               <a:spcBef>
                 <a:spcPts val="0"/>
               </a:spcBef>
@@ -11506,11 +12015,11 @@
 </file>
 
 <file path=ppt/slides/slide8.xml><?xml version="1.0" encoding="utf-8"?>
-<p:sld xmlns:a="http://schemas.openxmlformats.org/drawingml/2006/main" xmlns:r="http://schemas.openxmlformats.org/officeDocument/2006/relationships" xmlns:mc="http://schemas.openxmlformats.org/markup-compatibility/2006" xmlns:mv="urn:schemas-microsoft-com:mac:vml" xmlns:p="http://schemas.openxmlformats.org/presentationml/2006/main" xmlns:c="http://schemas.openxmlformats.org/drawingml/2006/chart" xmlns:dgm="http://schemas.openxmlformats.org/drawingml/2006/diagram" xmlns:o="urn:schemas-microsoft-com:office:office" xmlns:v="urn:schemas-microsoft-com:vml" xmlns:pvml="urn:schemas-microsoft-com:office:powerpoint" xmlns:com="http://schemas.openxmlformats.org/drawingml/2006/compatibility" xmlns:p14="http://schemas.microsoft.com/office/powerpoint/2010/main" xmlns:p15="http://schemas.microsoft.com/office/powerpoint/2012/main">
+<p:sld xmlns:a="http://schemas.openxmlformats.org/drawingml/2006/main" xmlns:r="http://schemas.openxmlformats.org/officeDocument/2006/relationships" xmlns:p="http://schemas.openxmlformats.org/presentationml/2006/main">
   <p:cSld>
     <p:spTree>
       <p:nvGrpSpPr>
-        <p:cNvPr id="113" name="Shape 113"/>
+        <p:cNvPr id="1" name="Shape 113"/>
         <p:cNvGrpSpPr/>
         <p:nvPr/>
       </p:nvGrpSpPr>
@@ -11525,7 +12034,9 @@
       <p:sp>
         <p:nvSpPr>
           <p:cNvPr id="114" name="Google Shape;114;p20"/>
-          <p:cNvSpPr txBox="1"/>
+          <p:cNvSpPr txBox="1">
+            <a:spLocks noGrp="1"/>
+          </p:cNvSpPr>
           <p:nvPr>
             <p:ph type="title"/>
           </p:nvPr>
@@ -11540,12 +12051,12 @@
           </a:prstGeom>
         </p:spPr>
         <p:txBody>
-          <a:bodyPr anchorCtr="0" anchor="t" bIns="91425" lIns="91425" spcFirstLastPara="1" rIns="91425" wrap="square" tIns="91425">
+          <a:bodyPr spcFirstLastPara="1" wrap="square" lIns="91425" tIns="91425" rIns="91425" bIns="91425" anchor="t" anchorCtr="0">
             <a:noAutofit/>
           </a:bodyPr>
           <a:lstStyle/>
           <a:p>
-            <a:pPr indent="0" lvl="0" marL="0" rtl="0" algn="l">
+            <a:pPr marL="0" lvl="0" indent="0" algn="l" rtl="0">
               <a:spcBef>
                 <a:spcPts val="0"/>
               </a:spcBef>
@@ -11590,12 +12101,12 @@
           </a:ln>
         </p:spPr>
         <p:txBody>
-          <a:bodyPr anchorCtr="0" anchor="t" bIns="91425" lIns="91425" spcFirstLastPara="1" rIns="91425" wrap="square" tIns="91425">
+          <a:bodyPr spcFirstLastPara="1" wrap="square" lIns="91425" tIns="91425" rIns="91425" bIns="91425" anchor="t" anchorCtr="0">
             <a:noAutofit/>
           </a:bodyPr>
           <a:lstStyle/>
           <a:p>
-            <a:pPr indent="0" lvl="0" marL="0" rtl="0" algn="l">
+            <a:pPr marL="0" lvl="0" indent="0" algn="l" rtl="0">
               <a:spcBef>
                 <a:spcPts val="0"/>
               </a:spcBef>
@@ -11683,11 +12194,11 @@
 </file>
 
 <file path=ppt/slides/slide9.xml><?xml version="1.0" encoding="utf-8"?>
-<p:sld xmlns:a="http://schemas.openxmlformats.org/drawingml/2006/main" xmlns:r="http://schemas.openxmlformats.org/officeDocument/2006/relationships" xmlns:mc="http://schemas.openxmlformats.org/markup-compatibility/2006" xmlns:mv="urn:schemas-microsoft-com:mac:vml" xmlns:p="http://schemas.openxmlformats.org/presentationml/2006/main" xmlns:c="http://schemas.openxmlformats.org/drawingml/2006/chart" xmlns:dgm="http://schemas.openxmlformats.org/drawingml/2006/diagram" xmlns:o="urn:schemas-microsoft-com:office:office" xmlns:v="urn:schemas-microsoft-com:vml" xmlns:pvml="urn:schemas-microsoft-com:office:powerpoint" xmlns:com="http://schemas.openxmlformats.org/drawingml/2006/compatibility" xmlns:p14="http://schemas.microsoft.com/office/powerpoint/2010/main" xmlns:p15="http://schemas.microsoft.com/office/powerpoint/2012/main">
+<p:sld xmlns:a="http://schemas.openxmlformats.org/drawingml/2006/main" xmlns:r="http://schemas.openxmlformats.org/officeDocument/2006/relationships" xmlns:p="http://schemas.openxmlformats.org/presentationml/2006/main">
   <p:cSld>
     <p:spTree>
       <p:nvGrpSpPr>
-        <p:cNvPr id="119" name="Shape 119"/>
+        <p:cNvPr id="1" name="Shape 119"/>
         <p:cNvGrpSpPr/>
         <p:nvPr/>
       </p:nvGrpSpPr>
@@ -11702,7 +12213,9 @@
       <p:sp>
         <p:nvSpPr>
           <p:cNvPr id="120" name="Google Shape;120;p21"/>
-          <p:cNvSpPr txBox="1"/>
+          <p:cNvSpPr txBox="1">
+            <a:spLocks noGrp="1"/>
+          </p:cNvSpPr>
           <p:nvPr>
             <p:ph type="title"/>
           </p:nvPr>
@@ -11717,12 +12230,12 @@
           </a:prstGeom>
         </p:spPr>
         <p:txBody>
-          <a:bodyPr anchorCtr="0" anchor="t" bIns="91425" lIns="91425" spcFirstLastPara="1" rIns="91425" wrap="square" tIns="91425">
+          <a:bodyPr spcFirstLastPara="1" wrap="square" lIns="91425" tIns="91425" rIns="91425" bIns="91425" anchor="t" anchorCtr="0">
             <a:noAutofit/>
           </a:bodyPr>
           <a:lstStyle/>
           <a:p>
-            <a:pPr indent="0" lvl="0" marL="0" rtl="0" algn="l">
+            <a:pPr marL="0" lvl="0" indent="0" algn="l" rtl="0">
               <a:spcBef>
                 <a:spcPts val="0"/>
               </a:spcBef>
@@ -11767,12 +12280,12 @@
           </a:ln>
         </p:spPr>
         <p:txBody>
-          <a:bodyPr anchorCtr="0" anchor="t" bIns="91425" lIns="91425" spcFirstLastPara="1" rIns="91425" wrap="square" tIns="91425">
+          <a:bodyPr spcFirstLastPara="1" wrap="square" lIns="91425" tIns="91425" rIns="91425" bIns="91425" anchor="t" anchorCtr="0">
             <a:noAutofit/>
           </a:bodyPr>
           <a:lstStyle/>
           <a:p>
-            <a:pPr indent="0" lvl="0" marL="0" rtl="0" algn="l">
+            <a:pPr marL="0" lvl="0" indent="0" algn="l" rtl="0">
               <a:spcBef>
                 <a:spcPts val="0"/>
               </a:spcBef>
@@ -11916,7 +12429,7 @@
             </a:endParaRPr>
           </a:p>
           <a:p>
-            <a:pPr indent="0" lvl="0" marL="0" rtl="0" algn="l">
+            <a:pPr marL="0" lvl="0" indent="0" algn="l" rtl="0">
               <a:spcBef>
                 <a:spcPts val="0"/>
               </a:spcBef>
@@ -11997,7 +12510,7 @@
 </file>
 
 <file path=ppt/theme/theme1.xml><?xml version="1.0" encoding="utf-8"?>
-<a:theme xmlns:a="http://schemas.openxmlformats.org/drawingml/2006/main" xmlns:r="http://schemas.openxmlformats.org/officeDocument/2006/relationships" name="Swiss">
+<a:theme xmlns:a="http://schemas.openxmlformats.org/drawingml/2006/main" name="Swiss">
   <a:themeElements>
     <a:clrScheme name="Swiss">
       <a:dk1>
@@ -12272,11 +12785,13 @@
       </a:bgFillStyleLst>
     </a:fmtScheme>
   </a:themeElements>
+  <a:objectDefaults/>
+  <a:extraClrSchemeLst/>
 </a:theme>
 </file>
 
 <file path=ppt/theme/theme2.xml><?xml version="1.0" encoding="utf-8"?>
-<a:theme xmlns:a="http://schemas.openxmlformats.org/drawingml/2006/main" xmlns:r="http://schemas.openxmlformats.org/officeDocument/2006/relationships">
+<a:theme xmlns:a="http://schemas.openxmlformats.org/drawingml/2006/main">
   <a:themeElements>
     <a:clrScheme name="Default">
       <a:dk1>
@@ -12551,5 +13066,7 @@
       </a:bgFillStyleLst>
     </a:fmtScheme>
   </a:themeElements>
+  <a:objectDefaults/>
+  <a:extraClrSchemeLst/>
 </a:theme>
 </file>
--- a/Homies City Collection.pptx
+++ b/Homies City Collection.pptx
@@ -5,7 +5,7 @@
     <p:sldMasterId id="2147483659" r:id="rId1"/>
   </p:sldMasterIdLst>
   <p:notesMasterIdLst>
-    <p:notesMasterId r:id="rId22"/>
+    <p:notesMasterId r:id="rId21"/>
   </p:notesMasterIdLst>
   <p:sldIdLst>
     <p:sldId id="256" r:id="rId2"/>
@@ -22,29 +22,28 @@
     <p:sldId id="267" r:id="rId13"/>
     <p:sldId id="268" r:id="rId14"/>
     <p:sldId id="269" r:id="rId15"/>
-    <p:sldId id="270" r:id="rId16"/>
-    <p:sldId id="271" r:id="rId17"/>
-    <p:sldId id="272" r:id="rId18"/>
-    <p:sldId id="275" r:id="rId19"/>
-    <p:sldId id="273" r:id="rId20"/>
-    <p:sldId id="274" r:id="rId21"/>
+    <p:sldId id="271" r:id="rId16"/>
+    <p:sldId id="272" r:id="rId17"/>
+    <p:sldId id="275" r:id="rId18"/>
+    <p:sldId id="273" r:id="rId19"/>
+    <p:sldId id="274" r:id="rId20"/>
   </p:sldIdLst>
   <p:sldSz cx="9144000" cy="5143500" type="screen16x9"/>
   <p:notesSz cx="6858000" cy="9144000"/>
   <p:embeddedFontLst>
     <p:embeddedFont>
       <p:font typeface="Lato" panose="020B0604020202020204" charset="0"/>
-      <p:regular r:id="rId23"/>
-      <p:bold r:id="rId24"/>
-      <p:italic r:id="rId25"/>
-      <p:boldItalic r:id="rId26"/>
+      <p:regular r:id="rId22"/>
+      <p:bold r:id="rId23"/>
+      <p:italic r:id="rId24"/>
+      <p:boldItalic r:id="rId25"/>
     </p:embeddedFont>
     <p:embeddedFont>
       <p:font typeface="Raleway" panose="020B0604020202020204" charset="0"/>
-      <p:regular r:id="rId27"/>
-      <p:bold r:id="rId28"/>
-      <p:italic r:id="rId29"/>
-      <p:boldItalic r:id="rId30"/>
+      <p:regular r:id="rId26"/>
+      <p:bold r:id="rId27"/>
+      <p:italic r:id="rId28"/>
+      <p:boldItalic r:id="rId29"/>
     </p:embeddedFont>
   </p:embeddedFontLst>
   <p:defaultTextStyle>
@@ -307,11 +306,93 @@
 <pc:chgInfo xmlns:a="http://schemas.openxmlformats.org/drawingml/2006/main" xmlns:r="http://schemas.openxmlformats.org/officeDocument/2006/relationships" xmlns:ac="http://schemas.microsoft.com/office/drawing/2013/main/command" xmlns:pc="http://schemas.microsoft.com/office/powerpoint/2013/main/command">
   <pc:docChgLst>
     <pc:chgData name="Colin" userId="c2c872a862d4dd17" providerId="LiveId" clId="{DBF0D679-A1D2-41BA-9DE5-196B1668C167}"/>
-    <pc:docChg chg="custSel addSld modSld">
-      <pc:chgData name="Colin" userId="c2c872a862d4dd17" providerId="LiveId" clId="{DBF0D679-A1D2-41BA-9DE5-196B1668C167}" dt="2020-07-20T00:40:55.321" v="30" actId="1076"/>
+    <pc:docChg chg="undo custSel addSld delSld modSld">
+      <pc:chgData name="Colin" userId="c2c872a862d4dd17" providerId="LiveId" clId="{DBF0D679-A1D2-41BA-9DE5-196B1668C167}" dt="2020-07-20T00:53:45.725" v="1003" actId="20577"/>
       <pc:docMkLst>
         <pc:docMk/>
       </pc:docMkLst>
+      <pc:sldChg chg="modSp mod">
+        <pc:chgData name="Colin" userId="c2c872a862d4dd17" providerId="LiveId" clId="{DBF0D679-A1D2-41BA-9DE5-196B1668C167}" dt="2020-07-20T00:53:45.725" v="1003" actId="20577"/>
+        <pc:sldMkLst>
+          <pc:docMk/>
+          <pc:sldMk cId="0" sldId="262"/>
+        </pc:sldMkLst>
+        <pc:spChg chg="mod">
+          <ac:chgData name="Colin" userId="c2c872a862d4dd17" providerId="LiveId" clId="{DBF0D679-A1D2-41BA-9DE5-196B1668C167}" dt="2020-07-20T00:53:45.725" v="1003" actId="20577"/>
+          <ac:spMkLst>
+            <pc:docMk/>
+            <pc:sldMk cId="0" sldId="262"/>
+            <ac:spMk id="109" creationId="{00000000-0000-0000-0000-000000000000}"/>
+          </ac:spMkLst>
+        </pc:spChg>
+      </pc:sldChg>
+      <pc:sldChg chg="modSp mod">
+        <pc:chgData name="Colin" userId="c2c872a862d4dd17" providerId="LiveId" clId="{DBF0D679-A1D2-41BA-9DE5-196B1668C167}" dt="2020-07-20T00:49:24.234" v="400" actId="20577"/>
+        <pc:sldMkLst>
+          <pc:docMk/>
+          <pc:sldMk cId="0" sldId="263"/>
+        </pc:sldMkLst>
+        <pc:spChg chg="mod">
+          <ac:chgData name="Colin" userId="c2c872a862d4dd17" providerId="LiveId" clId="{DBF0D679-A1D2-41BA-9DE5-196B1668C167}" dt="2020-07-20T00:49:24.234" v="400" actId="20577"/>
+          <ac:spMkLst>
+            <pc:docMk/>
+            <pc:sldMk cId="0" sldId="263"/>
+            <ac:spMk id="115" creationId="{00000000-0000-0000-0000-000000000000}"/>
+          </ac:spMkLst>
+        </pc:spChg>
+      </pc:sldChg>
+      <pc:sldChg chg="modSp mod">
+        <pc:chgData name="Colin" userId="c2c872a862d4dd17" providerId="LiveId" clId="{DBF0D679-A1D2-41BA-9DE5-196B1668C167}" dt="2020-07-20T00:48:17.574" v="266" actId="20577"/>
+        <pc:sldMkLst>
+          <pc:docMk/>
+          <pc:sldMk cId="0" sldId="266"/>
+        </pc:sldMkLst>
+        <pc:spChg chg="mod">
+          <ac:chgData name="Colin" userId="c2c872a862d4dd17" providerId="LiveId" clId="{DBF0D679-A1D2-41BA-9DE5-196B1668C167}" dt="2020-07-20T00:48:17.574" v="266" actId="20577"/>
+          <ac:spMkLst>
+            <pc:docMk/>
+            <pc:sldMk cId="0" sldId="266"/>
+            <ac:spMk id="133" creationId="{00000000-0000-0000-0000-000000000000}"/>
+          </ac:spMkLst>
+        </pc:spChg>
+      </pc:sldChg>
+      <pc:sldChg chg="addSp delSp modSp mod">
+        <pc:chgData name="Colin" userId="c2c872a862d4dd17" providerId="LiveId" clId="{DBF0D679-A1D2-41BA-9DE5-196B1668C167}" dt="2020-07-20T00:52:25.827" v="970" actId="20577"/>
+        <pc:sldMkLst>
+          <pc:docMk/>
+          <pc:sldMk cId="0" sldId="267"/>
+        </pc:sldMkLst>
+        <pc:spChg chg="add del mod">
+          <ac:chgData name="Colin" userId="c2c872a862d4dd17" providerId="LiveId" clId="{DBF0D679-A1D2-41BA-9DE5-196B1668C167}" dt="2020-07-20T00:52:25.827" v="970" actId="20577"/>
+          <ac:spMkLst>
+            <pc:docMk/>
+            <pc:sldMk cId="0" sldId="267"/>
+            <ac:spMk id="139" creationId="{00000000-0000-0000-0000-000000000000}"/>
+          </ac:spMkLst>
+        </pc:spChg>
+      </pc:sldChg>
+      <pc:sldChg chg="modSp mod">
+        <pc:chgData name="Colin" userId="c2c872a862d4dd17" providerId="LiveId" clId="{DBF0D679-A1D2-41BA-9DE5-196B1668C167}" dt="2020-07-20T00:44:33.604" v="48" actId="20577"/>
+        <pc:sldMkLst>
+          <pc:docMk/>
+          <pc:sldMk cId="0" sldId="269"/>
+        </pc:sldMkLst>
+        <pc:spChg chg="mod">
+          <ac:chgData name="Colin" userId="c2c872a862d4dd17" providerId="LiveId" clId="{DBF0D679-A1D2-41BA-9DE5-196B1668C167}" dt="2020-07-20T00:44:33.604" v="48" actId="20577"/>
+          <ac:spMkLst>
+            <pc:docMk/>
+            <pc:sldMk cId="0" sldId="269"/>
+            <ac:spMk id="150" creationId="{00000000-0000-0000-0000-000000000000}"/>
+          </ac:spMkLst>
+        </pc:spChg>
+      </pc:sldChg>
+      <pc:sldChg chg="del">
+        <pc:chgData name="Colin" userId="c2c872a862d4dd17" providerId="LiveId" clId="{DBF0D679-A1D2-41BA-9DE5-196B1668C167}" dt="2020-07-20T00:44:37.870" v="49" actId="2696"/>
+        <pc:sldMkLst>
+          <pc:docMk/>
+          <pc:sldMk cId="0" sldId="270"/>
+        </pc:sldMkLst>
+      </pc:sldChg>
       <pc:sldChg chg="modSp mod">
         <pc:chgData name="Colin" userId="c2c872a862d4dd17" providerId="LiveId" clId="{DBF0D679-A1D2-41BA-9DE5-196B1668C167}" dt="2020-07-20T00:39:28.565" v="9" actId="20577"/>
         <pc:sldMkLst>
@@ -1041,7 +1122,7 @@
         </p:nvSpPr>
         <p:spPr>
           <a:xfrm>
-            <a:off x="381300" y="685800"/>
+            <a:off x="381000" y="685800"/>
             <a:ext cx="6096000" cy="3429000"/>
           </a:xfrm>
           <a:custGeom>
@@ -1145,7 +1226,7 @@
         </p:nvSpPr>
         <p:spPr>
           <a:xfrm>
-            <a:off x="381300" y="685800"/>
+            <a:off x="381000" y="685800"/>
             <a:ext cx="6096000" cy="3429000"/>
           </a:xfrm>
           <a:custGeom>
@@ -1353,7 +1434,7 @@
         </p:nvSpPr>
         <p:spPr>
           <a:xfrm>
-            <a:off x="381300" y="685800"/>
+            <a:off x="381000" y="685800"/>
             <a:ext cx="6096000" cy="3429000"/>
           </a:xfrm>
           <a:custGeom>
@@ -1429,110 +1510,6 @@
 </file>
 
 <file path=ppt/notesSlides/notesSlide15.xml><?xml version="1.0" encoding="utf-8"?>
-<p:notes xmlns:a="http://schemas.openxmlformats.org/drawingml/2006/main" xmlns:r="http://schemas.openxmlformats.org/officeDocument/2006/relationships" xmlns:p="http://schemas.openxmlformats.org/presentationml/2006/main" showMasterSp="0" showMasterPhAnim="0">
-  <p:cSld>
-    <p:spTree>
-      <p:nvGrpSpPr>
-        <p:cNvPr id="1" name="Shape 152"/>
-        <p:cNvGrpSpPr/>
-        <p:nvPr/>
-      </p:nvGrpSpPr>
-      <p:grpSpPr>
-        <a:xfrm>
-          <a:off x="0" y="0"/>
-          <a:ext cx="0" cy="0"/>
-          <a:chOff x="0" y="0"/>
-          <a:chExt cx="0" cy="0"/>
-        </a:xfrm>
-      </p:grpSpPr>
-      <p:sp>
-        <p:nvSpPr>
-          <p:cNvPr id="153" name="Google Shape;153;g8db37c88b9_0_64:notes"/>
-          <p:cNvSpPr>
-            <a:spLocks noGrp="1" noRot="1" noChangeAspect="1"/>
-          </p:cNvSpPr>
-          <p:nvPr>
-            <p:ph type="sldImg" idx="2"/>
-          </p:nvPr>
-        </p:nvSpPr>
-        <p:spPr>
-          <a:xfrm>
-            <a:off x="381300" y="685800"/>
-            <a:ext cx="6096000" cy="3429000"/>
-          </a:xfrm>
-          <a:custGeom>
-            <a:avLst/>
-            <a:gdLst/>
-            <a:ahLst/>
-            <a:cxnLst/>
-            <a:rect l="l" t="t" r="r" b="b"/>
-            <a:pathLst>
-              <a:path w="120000" h="120000" extrusionOk="0">
-                <a:moveTo>
-                  <a:pt x="0" y="0"/>
-                </a:moveTo>
-                <a:lnTo>
-                  <a:pt x="120000" y="0"/>
-                </a:lnTo>
-                <a:lnTo>
-                  <a:pt x="120000" y="120000"/>
-                </a:lnTo>
-                <a:lnTo>
-                  <a:pt x="0" y="120000"/>
-                </a:lnTo>
-                <a:close/>
-              </a:path>
-            </a:pathLst>
-          </a:custGeom>
-        </p:spPr>
-      </p:sp>
-      <p:sp>
-        <p:nvSpPr>
-          <p:cNvPr id="154" name="Google Shape;154;g8db37c88b9_0_64:notes"/>
-          <p:cNvSpPr txBox="1">
-            <a:spLocks noGrp="1"/>
-          </p:cNvSpPr>
-          <p:nvPr>
-            <p:ph type="body" idx="1"/>
-          </p:nvPr>
-        </p:nvSpPr>
-        <p:spPr>
-          <a:xfrm>
-            <a:off x="685800" y="4343400"/>
-            <a:ext cx="5486400" cy="4114800"/>
-          </a:xfrm>
-          <a:prstGeom prst="rect">
-            <a:avLst/>
-          </a:prstGeom>
-        </p:spPr>
-        <p:txBody>
-          <a:bodyPr spcFirstLastPara="1" wrap="square" lIns="91425" tIns="91425" rIns="91425" bIns="91425" anchor="t" anchorCtr="0">
-            <a:noAutofit/>
-          </a:bodyPr>
-          <a:lstStyle/>
-          <a:p>
-            <a:pPr marL="0" lvl="0" indent="0" algn="l" rtl="0">
-              <a:spcBef>
-                <a:spcPts val="0"/>
-              </a:spcBef>
-              <a:spcAft>
-                <a:spcPts val="0"/>
-              </a:spcAft>
-              <a:buNone/>
-            </a:pPr>
-            <a:endParaRPr/>
-          </a:p>
-        </p:txBody>
-      </p:sp>
-    </p:spTree>
-  </p:cSld>
-  <p:clrMapOvr>
-    <a:masterClrMapping/>
-  </p:clrMapOvr>
-</p:notes>
-</file>
-
-<file path=ppt/notesSlides/notesSlide16.xml><?xml version="1.0" encoding="utf-8"?>
 <p:notes xmlns:a="http://schemas.openxmlformats.org/drawingml/2006/main" xmlns:r="http://schemas.openxmlformats.org/officeDocument/2006/relationships" xmlns:p="http://schemas.openxmlformats.org/presentationml/2006/main" showMasterSp="0" showMasterPhAnim="0">
   <p:cSld>
     <p:spTree>
@@ -1593,6 +1570,110 @@
       <p:sp>
         <p:nvSpPr>
           <p:cNvPr id="160" name="Google Shape;160;g8db37c88b9_0_74:notes"/>
+          <p:cNvSpPr txBox="1">
+            <a:spLocks noGrp="1"/>
+          </p:cNvSpPr>
+          <p:nvPr>
+            <p:ph type="body" idx="1"/>
+          </p:nvPr>
+        </p:nvSpPr>
+        <p:spPr>
+          <a:xfrm>
+            <a:off x="685800" y="4343400"/>
+            <a:ext cx="5486400" cy="4114800"/>
+          </a:xfrm>
+          <a:prstGeom prst="rect">
+            <a:avLst/>
+          </a:prstGeom>
+        </p:spPr>
+        <p:txBody>
+          <a:bodyPr spcFirstLastPara="1" wrap="square" lIns="91425" tIns="91425" rIns="91425" bIns="91425" anchor="t" anchorCtr="0">
+            <a:noAutofit/>
+          </a:bodyPr>
+          <a:lstStyle/>
+          <a:p>
+            <a:pPr marL="0" lvl="0" indent="0" algn="l" rtl="0">
+              <a:spcBef>
+                <a:spcPts val="0"/>
+              </a:spcBef>
+              <a:spcAft>
+                <a:spcPts val="0"/>
+              </a:spcAft>
+              <a:buNone/>
+            </a:pPr>
+            <a:endParaRPr/>
+          </a:p>
+        </p:txBody>
+      </p:sp>
+    </p:spTree>
+  </p:cSld>
+  <p:clrMapOvr>
+    <a:masterClrMapping/>
+  </p:clrMapOvr>
+</p:notes>
+</file>
+
+<file path=ppt/notesSlides/notesSlide16.xml><?xml version="1.0" encoding="utf-8"?>
+<p:notes xmlns:a="http://schemas.openxmlformats.org/drawingml/2006/main" xmlns:r="http://schemas.openxmlformats.org/officeDocument/2006/relationships" xmlns:p="http://schemas.openxmlformats.org/presentationml/2006/main" showMasterSp="0" showMasterPhAnim="0">
+  <p:cSld>
+    <p:spTree>
+      <p:nvGrpSpPr>
+        <p:cNvPr id="1" name="Shape 164"/>
+        <p:cNvGrpSpPr/>
+        <p:nvPr/>
+      </p:nvGrpSpPr>
+      <p:grpSpPr>
+        <a:xfrm>
+          <a:off x="0" y="0"/>
+          <a:ext cx="0" cy="0"/>
+          <a:chOff x="0" y="0"/>
+          <a:chExt cx="0" cy="0"/>
+        </a:xfrm>
+      </p:grpSpPr>
+      <p:sp>
+        <p:nvSpPr>
+          <p:cNvPr id="165" name="Google Shape;165;g8db37c88b9_0_69:notes"/>
+          <p:cNvSpPr>
+            <a:spLocks noGrp="1" noRot="1" noChangeAspect="1"/>
+          </p:cNvSpPr>
+          <p:nvPr>
+            <p:ph type="sldImg" idx="2"/>
+          </p:nvPr>
+        </p:nvSpPr>
+        <p:spPr>
+          <a:xfrm>
+            <a:off x="381000" y="685800"/>
+            <a:ext cx="6096000" cy="3429000"/>
+          </a:xfrm>
+          <a:custGeom>
+            <a:avLst/>
+            <a:gdLst/>
+            <a:ahLst/>
+            <a:cxnLst/>
+            <a:rect l="l" t="t" r="r" b="b"/>
+            <a:pathLst>
+              <a:path w="120000" h="120000" extrusionOk="0">
+                <a:moveTo>
+                  <a:pt x="0" y="0"/>
+                </a:moveTo>
+                <a:lnTo>
+                  <a:pt x="120000" y="0"/>
+                </a:lnTo>
+                <a:lnTo>
+                  <a:pt x="120000" y="120000"/>
+                </a:lnTo>
+                <a:lnTo>
+                  <a:pt x="0" y="120000"/>
+                </a:lnTo>
+                <a:close/>
+              </a:path>
+            </a:pathLst>
+          </a:custGeom>
+        </p:spPr>
+      </p:sp>
+      <p:sp>
+        <p:nvSpPr>
+          <p:cNvPr id="166" name="Google Shape;166;g8db37c88b9_0_69:notes"/>
           <p:cNvSpPr txBox="1">
             <a:spLocks noGrp="1"/>
           </p:cNvSpPr>
@@ -1733,110 +1814,6 @@
         </p:txBody>
       </p:sp>
     </p:spTree>
-  </p:cSld>
-  <p:clrMapOvr>
-    <a:masterClrMapping/>
-  </p:clrMapOvr>
-</p:notes>
-</file>
-
-<file path=ppt/notesSlides/notesSlide18.xml><?xml version="1.0" encoding="utf-8"?>
-<p:notes xmlns:a="http://schemas.openxmlformats.org/drawingml/2006/main" xmlns:r="http://schemas.openxmlformats.org/officeDocument/2006/relationships" xmlns:p="http://schemas.openxmlformats.org/presentationml/2006/main" showMasterSp="0" showMasterPhAnim="0">
-  <p:cSld>
-    <p:spTree>
-      <p:nvGrpSpPr>
-        <p:cNvPr id="1" name="Shape 164"/>
-        <p:cNvGrpSpPr/>
-        <p:nvPr/>
-      </p:nvGrpSpPr>
-      <p:grpSpPr>
-        <a:xfrm>
-          <a:off x="0" y="0"/>
-          <a:ext cx="0" cy="0"/>
-          <a:chOff x="0" y="0"/>
-          <a:chExt cx="0" cy="0"/>
-        </a:xfrm>
-      </p:grpSpPr>
-      <p:sp>
-        <p:nvSpPr>
-          <p:cNvPr id="165" name="Google Shape;165;g8db37c88b9_0_69:notes"/>
-          <p:cNvSpPr>
-            <a:spLocks noGrp="1" noRot="1" noChangeAspect="1"/>
-          </p:cNvSpPr>
-          <p:nvPr>
-            <p:ph type="sldImg" idx="2"/>
-          </p:nvPr>
-        </p:nvSpPr>
-        <p:spPr>
-          <a:xfrm>
-            <a:off x="381000" y="685800"/>
-            <a:ext cx="6096000" cy="3429000"/>
-          </a:xfrm>
-          <a:custGeom>
-            <a:avLst/>
-            <a:gdLst/>
-            <a:ahLst/>
-            <a:cxnLst/>
-            <a:rect l="l" t="t" r="r" b="b"/>
-            <a:pathLst>
-              <a:path w="120000" h="120000" extrusionOk="0">
-                <a:moveTo>
-                  <a:pt x="0" y="0"/>
-                </a:moveTo>
-                <a:lnTo>
-                  <a:pt x="120000" y="0"/>
-                </a:lnTo>
-                <a:lnTo>
-                  <a:pt x="120000" y="120000"/>
-                </a:lnTo>
-                <a:lnTo>
-                  <a:pt x="0" y="120000"/>
-                </a:lnTo>
-                <a:close/>
-              </a:path>
-            </a:pathLst>
-          </a:custGeom>
-        </p:spPr>
-      </p:sp>
-      <p:sp>
-        <p:nvSpPr>
-          <p:cNvPr id="166" name="Google Shape;166;g8db37c88b9_0_69:notes"/>
-          <p:cNvSpPr txBox="1">
-            <a:spLocks noGrp="1"/>
-          </p:cNvSpPr>
-          <p:nvPr>
-            <p:ph type="body" idx="1"/>
-          </p:nvPr>
-        </p:nvSpPr>
-        <p:spPr>
-          <a:xfrm>
-            <a:off x="685800" y="4343400"/>
-            <a:ext cx="5486400" cy="4114800"/>
-          </a:xfrm>
-          <a:prstGeom prst="rect">
-            <a:avLst/>
-          </a:prstGeom>
-        </p:spPr>
-        <p:txBody>
-          <a:bodyPr spcFirstLastPara="1" wrap="square" lIns="91425" tIns="91425" rIns="91425" bIns="91425" anchor="t" anchorCtr="0">
-            <a:noAutofit/>
-          </a:bodyPr>
-          <a:lstStyle/>
-          <a:p>
-            <a:pPr marL="0" lvl="0" indent="0" algn="l" rtl="0">
-              <a:spcBef>
-                <a:spcPts val="0"/>
-              </a:spcBef>
-              <a:spcAft>
-                <a:spcPts val="0"/>
-              </a:spcAft>
-              <a:buNone/>
-            </a:pPr>
-            <a:endParaRPr/>
-          </a:p>
-        </p:txBody>
-      </p:sp>
-    </p:spTree>
     <p:extLst>
       <p:ext uri="{BB962C8B-B14F-4D97-AF65-F5344CB8AC3E}">
         <p14:creationId xmlns:p14="http://schemas.microsoft.com/office/powerpoint/2010/main" val="2055091841"/>
@@ -1849,7 +1826,7 @@
 </p:notes>
 </file>
 
-<file path=ppt/notesSlides/notesSlide19.xml><?xml version="1.0" encoding="utf-8"?>
+<file path=ppt/notesSlides/notesSlide18.xml><?xml version="1.0" encoding="utf-8"?>
 <p:notes xmlns:a="http://schemas.openxmlformats.org/drawingml/2006/main" xmlns:r="http://schemas.openxmlformats.org/officeDocument/2006/relationships" xmlns:p="http://schemas.openxmlformats.org/presentationml/2006/main" showMasterSp="0" showMasterPhAnim="0">
   <p:cSld>
     <p:spTree>
@@ -1910,6 +1887,110 @@
       <p:sp>
         <p:nvSpPr>
           <p:cNvPr id="172" name="Google Shape;172;g8db37c88b9_0_79:notes"/>
+          <p:cNvSpPr txBox="1">
+            <a:spLocks noGrp="1"/>
+          </p:cNvSpPr>
+          <p:nvPr>
+            <p:ph type="body" idx="1"/>
+          </p:nvPr>
+        </p:nvSpPr>
+        <p:spPr>
+          <a:xfrm>
+            <a:off x="685800" y="4343400"/>
+            <a:ext cx="5486400" cy="4114800"/>
+          </a:xfrm>
+          <a:prstGeom prst="rect">
+            <a:avLst/>
+          </a:prstGeom>
+        </p:spPr>
+        <p:txBody>
+          <a:bodyPr spcFirstLastPara="1" wrap="square" lIns="91425" tIns="91425" rIns="91425" bIns="91425" anchor="t" anchorCtr="0">
+            <a:noAutofit/>
+          </a:bodyPr>
+          <a:lstStyle/>
+          <a:p>
+            <a:pPr marL="0" lvl="0" indent="0" algn="l" rtl="0">
+              <a:spcBef>
+                <a:spcPts val="0"/>
+              </a:spcBef>
+              <a:spcAft>
+                <a:spcPts val="0"/>
+              </a:spcAft>
+              <a:buNone/>
+            </a:pPr>
+            <a:endParaRPr/>
+          </a:p>
+        </p:txBody>
+      </p:sp>
+    </p:spTree>
+  </p:cSld>
+  <p:clrMapOvr>
+    <a:masterClrMapping/>
+  </p:clrMapOvr>
+</p:notes>
+</file>
+
+<file path=ppt/notesSlides/notesSlide19.xml><?xml version="1.0" encoding="utf-8"?>
+<p:notes xmlns:a="http://schemas.openxmlformats.org/drawingml/2006/main" xmlns:r="http://schemas.openxmlformats.org/officeDocument/2006/relationships" xmlns:p="http://schemas.openxmlformats.org/presentationml/2006/main" showMasterSp="0" showMasterPhAnim="0">
+  <p:cSld>
+    <p:spTree>
+      <p:nvGrpSpPr>
+        <p:cNvPr id="1" name="Shape 176"/>
+        <p:cNvGrpSpPr/>
+        <p:nvPr/>
+      </p:nvGrpSpPr>
+      <p:grpSpPr>
+        <a:xfrm>
+          <a:off x="0" y="0"/>
+          <a:ext cx="0" cy="0"/>
+          <a:chOff x="0" y="0"/>
+          <a:chExt cx="0" cy="0"/>
+        </a:xfrm>
+      </p:grpSpPr>
+      <p:sp>
+        <p:nvSpPr>
+          <p:cNvPr id="177" name="Google Shape;177;g8db37c88b9_0_84:notes"/>
+          <p:cNvSpPr>
+            <a:spLocks noGrp="1" noRot="1" noChangeAspect="1"/>
+          </p:cNvSpPr>
+          <p:nvPr>
+            <p:ph type="sldImg" idx="2"/>
+          </p:nvPr>
+        </p:nvSpPr>
+        <p:spPr>
+          <a:xfrm>
+            <a:off x="381300" y="685800"/>
+            <a:ext cx="6096000" cy="3429000"/>
+          </a:xfrm>
+          <a:custGeom>
+            <a:avLst/>
+            <a:gdLst/>
+            <a:ahLst/>
+            <a:cxnLst/>
+            <a:rect l="l" t="t" r="r" b="b"/>
+            <a:pathLst>
+              <a:path w="120000" h="120000" extrusionOk="0">
+                <a:moveTo>
+                  <a:pt x="0" y="0"/>
+                </a:moveTo>
+                <a:lnTo>
+                  <a:pt x="120000" y="0"/>
+                </a:lnTo>
+                <a:lnTo>
+                  <a:pt x="120000" y="120000"/>
+                </a:lnTo>
+                <a:lnTo>
+                  <a:pt x="0" y="120000"/>
+                </a:lnTo>
+                <a:close/>
+              </a:path>
+            </a:pathLst>
+          </a:custGeom>
+        </p:spPr>
+      </p:sp>
+      <p:sp>
+        <p:nvSpPr>
+          <p:cNvPr id="178" name="Google Shape;178;g8db37c88b9_0_84:notes"/>
           <p:cNvSpPr txBox="1">
             <a:spLocks noGrp="1"/>
           </p:cNvSpPr>
@@ -2057,110 +2138,6 @@
 </p:notes>
 </file>
 
-<file path=ppt/notesSlides/notesSlide20.xml><?xml version="1.0" encoding="utf-8"?>
-<p:notes xmlns:a="http://schemas.openxmlformats.org/drawingml/2006/main" xmlns:r="http://schemas.openxmlformats.org/officeDocument/2006/relationships" xmlns:p="http://schemas.openxmlformats.org/presentationml/2006/main" showMasterSp="0" showMasterPhAnim="0">
-  <p:cSld>
-    <p:spTree>
-      <p:nvGrpSpPr>
-        <p:cNvPr id="1" name="Shape 176"/>
-        <p:cNvGrpSpPr/>
-        <p:nvPr/>
-      </p:nvGrpSpPr>
-      <p:grpSpPr>
-        <a:xfrm>
-          <a:off x="0" y="0"/>
-          <a:ext cx="0" cy="0"/>
-          <a:chOff x="0" y="0"/>
-          <a:chExt cx="0" cy="0"/>
-        </a:xfrm>
-      </p:grpSpPr>
-      <p:sp>
-        <p:nvSpPr>
-          <p:cNvPr id="177" name="Google Shape;177;g8db37c88b9_0_84:notes"/>
-          <p:cNvSpPr>
-            <a:spLocks noGrp="1" noRot="1" noChangeAspect="1"/>
-          </p:cNvSpPr>
-          <p:nvPr>
-            <p:ph type="sldImg" idx="2"/>
-          </p:nvPr>
-        </p:nvSpPr>
-        <p:spPr>
-          <a:xfrm>
-            <a:off x="381300" y="685800"/>
-            <a:ext cx="6096000" cy="3429000"/>
-          </a:xfrm>
-          <a:custGeom>
-            <a:avLst/>
-            <a:gdLst/>
-            <a:ahLst/>
-            <a:cxnLst/>
-            <a:rect l="l" t="t" r="r" b="b"/>
-            <a:pathLst>
-              <a:path w="120000" h="120000" extrusionOk="0">
-                <a:moveTo>
-                  <a:pt x="0" y="0"/>
-                </a:moveTo>
-                <a:lnTo>
-                  <a:pt x="120000" y="0"/>
-                </a:lnTo>
-                <a:lnTo>
-                  <a:pt x="120000" y="120000"/>
-                </a:lnTo>
-                <a:lnTo>
-                  <a:pt x="0" y="120000"/>
-                </a:lnTo>
-                <a:close/>
-              </a:path>
-            </a:pathLst>
-          </a:custGeom>
-        </p:spPr>
-      </p:sp>
-      <p:sp>
-        <p:nvSpPr>
-          <p:cNvPr id="178" name="Google Shape;178;g8db37c88b9_0_84:notes"/>
-          <p:cNvSpPr txBox="1">
-            <a:spLocks noGrp="1"/>
-          </p:cNvSpPr>
-          <p:nvPr>
-            <p:ph type="body" idx="1"/>
-          </p:nvPr>
-        </p:nvSpPr>
-        <p:spPr>
-          <a:xfrm>
-            <a:off x="685800" y="4343400"/>
-            <a:ext cx="5486400" cy="4114800"/>
-          </a:xfrm>
-          <a:prstGeom prst="rect">
-            <a:avLst/>
-          </a:prstGeom>
-        </p:spPr>
-        <p:txBody>
-          <a:bodyPr spcFirstLastPara="1" wrap="square" lIns="91425" tIns="91425" rIns="91425" bIns="91425" anchor="t" anchorCtr="0">
-            <a:noAutofit/>
-          </a:bodyPr>
-          <a:lstStyle/>
-          <a:p>
-            <a:pPr marL="0" lvl="0" indent="0" algn="l" rtl="0">
-              <a:spcBef>
-                <a:spcPts val="0"/>
-              </a:spcBef>
-              <a:spcAft>
-                <a:spcPts val="0"/>
-              </a:spcAft>
-              <a:buNone/>
-            </a:pPr>
-            <a:endParaRPr/>
-          </a:p>
-        </p:txBody>
-      </p:sp>
-    </p:spTree>
-  </p:cSld>
-  <p:clrMapOvr>
-    <a:masterClrMapping/>
-  </p:clrMapOvr>
-</p:notes>
-</file>
-
 <file path=ppt/notesSlides/notesSlide3.xml><?xml version="1.0" encoding="utf-8"?>
 <p:notes xmlns:a="http://schemas.openxmlformats.org/drawingml/2006/main" xmlns:r="http://schemas.openxmlformats.org/officeDocument/2006/relationships" xmlns:p="http://schemas.openxmlformats.org/presentationml/2006/main" showMasterSp="0" showMasterPhAnim="0">
   <p:cSld>
@@ -2606,7 +2583,7 @@
         </p:nvSpPr>
         <p:spPr>
           <a:xfrm>
-            <a:off x="381300" y="685800"/>
+            <a:off x="381000" y="685800"/>
             <a:ext cx="6096000" cy="3429000"/>
           </a:xfrm>
           <a:custGeom>
@@ -2710,7 +2687,7 @@
         </p:nvSpPr>
         <p:spPr>
           <a:xfrm>
-            <a:off x="381300" y="685800"/>
+            <a:off x="381000" y="685800"/>
             <a:ext cx="6096000" cy="3429000"/>
           </a:xfrm>
           <a:custGeom>
@@ -9270,7 +9247,7 @@
               <a:buNone/>
             </a:pPr>
             <a:br>
-              <a:rPr lang="en" sz="1700">
+              <a:rPr lang="en" sz="1700" dirty="0">
                 <a:solidFill>
                   <a:srgbClr val="FFFFFF"/>
                 </a:solidFill>
@@ -9281,7 +9258,7 @@
               </a:rPr>
             </a:br>
             <a:r>
-              <a:rPr lang="en" sz="1700">
+              <a:rPr lang="en" sz="1700" dirty="0">
                 <a:solidFill>
                   <a:srgbClr val="FFFFFF"/>
                 </a:solidFill>
@@ -9292,7 +9269,7 @@
               </a:rPr>
               <a:t>Blah blah</a:t>
             </a:r>
-            <a:endParaRPr sz="1700">
+            <a:endParaRPr sz="1700" dirty="0">
               <a:solidFill>
                 <a:srgbClr val="FFFFFF"/>
               </a:solidFill>
@@ -9387,7 +9364,7 @@
         </p:nvSpPr>
         <p:spPr>
           <a:xfrm>
-            <a:off x="303300" y="1819625"/>
+            <a:off x="303300" y="1783906"/>
             <a:ext cx="8520600" cy="2899200"/>
           </a:xfrm>
           <a:prstGeom prst="rect">
@@ -9414,7 +9391,7 @@
               <a:buNone/>
             </a:pPr>
             <a:br>
-              <a:rPr lang="en" sz="1700">
+              <a:rPr lang="en" sz="1700" dirty="0">
                 <a:solidFill>
                   <a:srgbClr val="FFFFFF"/>
                 </a:solidFill>
@@ -9425,7 +9402,7 @@
               </a:rPr>
             </a:br>
             <a:r>
-              <a:rPr lang="en" sz="1700">
+              <a:rPr lang="en" sz="1700" dirty="0">
                 <a:solidFill>
                   <a:srgbClr val="FFFFFF"/>
                 </a:solidFill>
@@ -9434,9 +9411,9 @@
                 <a:cs typeface="Lato"/>
                 <a:sym typeface="Lato"/>
               </a:rPr>
-              <a:t>Blah blah</a:t>
+              <a:t>To gather the temperature information from the OpenWeatherAPI we used a library called Axios. Axios is a promise based HTTP client for the browser and node.js.  The process is triggered by an individual changing what city they have selected.</a:t>
             </a:r>
-            <a:endParaRPr sz="1700">
+            <a:endParaRPr sz="1700" dirty="0">
               <a:solidFill>
                 <a:srgbClr val="FFFFFF"/>
               </a:solidFill>
@@ -9508,14 +9485,14 @@
               <a:buNone/>
             </a:pPr>
             <a:r>
-              <a:rPr lang="en" sz="3600">
+              <a:rPr lang="en" sz="3600" dirty="0">
                 <a:solidFill>
                   <a:srgbClr val="FFFFFF"/>
                 </a:solidFill>
               </a:rPr>
               <a:t>Javascript 3</a:t>
             </a:r>
-            <a:endParaRPr sz="3600">
+            <a:endParaRPr sz="3600" dirty="0">
               <a:solidFill>
                 <a:srgbClr val="FFFFFF"/>
               </a:solidFill>
@@ -9652,14 +9629,14 @@
               <a:buNone/>
             </a:pPr>
             <a:r>
-              <a:rPr lang="en" sz="3600">
+              <a:rPr lang="en" sz="3600" dirty="0">
                 <a:solidFill>
                   <a:srgbClr val="FFFFFF"/>
                 </a:solidFill>
               </a:rPr>
-              <a:t>JSON, SQL Lite</a:t>
+              <a:t>JSON, SQL Lite, &amp; Python App</a:t>
             </a:r>
-            <a:endParaRPr sz="3600">
+            <a:endParaRPr sz="3600" dirty="0">
               <a:solidFill>
                 <a:srgbClr val="FFFFFF"/>
               </a:solidFill>
@@ -9745,150 +9722,6 @@
 </file>
 
 <file path=ppt/slides/slide15.xml><?xml version="1.0" encoding="utf-8"?>
-<p:sld xmlns:a="http://schemas.openxmlformats.org/drawingml/2006/main" xmlns:r="http://schemas.openxmlformats.org/officeDocument/2006/relationships" xmlns:p="http://schemas.openxmlformats.org/presentationml/2006/main">
-  <p:cSld>
-    <p:spTree>
-      <p:nvGrpSpPr>
-        <p:cNvPr id="1" name="Shape 155"/>
-        <p:cNvGrpSpPr/>
-        <p:nvPr/>
-      </p:nvGrpSpPr>
-      <p:grpSpPr>
-        <a:xfrm>
-          <a:off x="0" y="0"/>
-          <a:ext cx="0" cy="0"/>
-          <a:chOff x="0" y="0"/>
-          <a:chExt cx="0" cy="0"/>
-        </a:xfrm>
-      </p:grpSpPr>
-      <p:sp>
-        <p:nvSpPr>
-          <p:cNvPr id="156" name="Google Shape;156;p27"/>
-          <p:cNvSpPr txBox="1">
-            <a:spLocks noGrp="1"/>
-          </p:cNvSpPr>
-          <p:nvPr>
-            <p:ph type="title"/>
-          </p:nvPr>
-        </p:nvSpPr>
-        <p:spPr>
-          <a:xfrm>
-            <a:off x="303300" y="193225"/>
-            <a:ext cx="8520600" cy="639600"/>
-          </a:xfrm>
-          <a:prstGeom prst="rect">
-            <a:avLst/>
-          </a:prstGeom>
-        </p:spPr>
-        <p:txBody>
-          <a:bodyPr spcFirstLastPara="1" wrap="square" lIns="91425" tIns="91425" rIns="91425" bIns="91425" anchor="t" anchorCtr="0">
-            <a:noAutofit/>
-          </a:bodyPr>
-          <a:lstStyle/>
-          <a:p>
-            <a:pPr marL="0" lvl="0" indent="0" algn="l" rtl="0">
-              <a:spcBef>
-                <a:spcPts val="0"/>
-              </a:spcBef>
-              <a:spcAft>
-                <a:spcPts val="0"/>
-              </a:spcAft>
-              <a:buNone/>
-            </a:pPr>
-            <a:r>
-              <a:rPr lang="en" sz="3600">
-                <a:solidFill>
-                  <a:srgbClr val="FFFFFF"/>
-                </a:solidFill>
-              </a:rPr>
-              <a:t>Python App</a:t>
-            </a:r>
-            <a:endParaRPr sz="3600">
-              <a:solidFill>
-                <a:srgbClr val="FFFFFF"/>
-              </a:solidFill>
-            </a:endParaRPr>
-          </a:p>
-        </p:txBody>
-      </p:sp>
-      <p:sp>
-        <p:nvSpPr>
-          <p:cNvPr id="157" name="Google Shape;157;p27"/>
-          <p:cNvSpPr txBox="1"/>
-          <p:nvPr/>
-        </p:nvSpPr>
-        <p:spPr>
-          <a:xfrm>
-            <a:off x="303300" y="1819625"/>
-            <a:ext cx="8520600" cy="2899200"/>
-          </a:xfrm>
-          <a:prstGeom prst="rect">
-            <a:avLst/>
-          </a:prstGeom>
-          <a:noFill/>
-          <a:ln>
-            <a:noFill/>
-          </a:ln>
-        </p:spPr>
-        <p:txBody>
-          <a:bodyPr spcFirstLastPara="1" wrap="square" lIns="91425" tIns="91425" rIns="91425" bIns="91425" anchor="t" anchorCtr="0">
-            <a:noAutofit/>
-          </a:bodyPr>
-          <a:lstStyle/>
-          <a:p>
-            <a:pPr marL="0" lvl="0" indent="0" algn="l" rtl="0">
-              <a:spcBef>
-                <a:spcPts val="0"/>
-              </a:spcBef>
-              <a:spcAft>
-                <a:spcPts val="0"/>
-              </a:spcAft>
-              <a:buNone/>
-            </a:pPr>
-            <a:br>
-              <a:rPr lang="en" sz="1700">
-                <a:solidFill>
-                  <a:srgbClr val="FFFFFF"/>
-                </a:solidFill>
-                <a:latin typeface="Lato"/>
-                <a:ea typeface="Lato"/>
-                <a:cs typeface="Lato"/>
-                <a:sym typeface="Lato"/>
-              </a:rPr>
-            </a:br>
-            <a:r>
-              <a:rPr lang="en" sz="1700">
-                <a:solidFill>
-                  <a:srgbClr val="FFFFFF"/>
-                </a:solidFill>
-                <a:latin typeface="Lato"/>
-                <a:ea typeface="Lato"/>
-                <a:cs typeface="Lato"/>
-                <a:sym typeface="Lato"/>
-              </a:rPr>
-              <a:t>Blah blah</a:t>
-            </a:r>
-            <a:endParaRPr sz="1700">
-              <a:solidFill>
-                <a:srgbClr val="FFFFFF"/>
-              </a:solidFill>
-              <a:latin typeface="Lato"/>
-              <a:ea typeface="Lato"/>
-              <a:cs typeface="Lato"/>
-              <a:sym typeface="Lato"/>
-            </a:endParaRPr>
-          </a:p>
-        </p:txBody>
-      </p:sp>
-    </p:spTree>
-  </p:cSld>
-  <p:clrMapOvr>
-    <a:masterClrMapping/>
-  </p:clrMapOvr>
-</p:sld>
-</file>
-
-<file path=ppt/slides/slide16.xml><?xml version="1.0" encoding="utf-8"?>
 <p:sld xmlns:a="http://schemas.openxmlformats.org/drawingml/2006/main" xmlns:r="http://schemas.openxmlformats.org/officeDocument/2006/relationships" xmlns:p="http://schemas.openxmlformats.org/presentationml/2006/main">
   <p:cSld>
     <p:spTree>
@@ -10032,7 +9865,7 @@
 </p:sld>
 </file>
 
-<file path=ppt/slides/slide17.xml><?xml version="1.0" encoding="utf-8"?>
+<file path=ppt/slides/slide16.xml><?xml version="1.0" encoding="utf-8"?>
 <p:sld xmlns:a="http://schemas.openxmlformats.org/drawingml/2006/main" xmlns:r="http://schemas.openxmlformats.org/officeDocument/2006/relationships" xmlns:p="http://schemas.openxmlformats.org/presentationml/2006/main">
   <p:cSld>
     <p:spTree>
@@ -10135,7 +9968,7 @@
 </p:sld>
 </file>
 
-<file path=ppt/slides/slide18.xml><?xml version="1.0" encoding="utf-8"?>
+<file path=ppt/slides/slide17.xml><?xml version="1.0" encoding="utf-8"?>
 <p:sld xmlns:a="http://schemas.openxmlformats.org/drawingml/2006/main" xmlns:r="http://schemas.openxmlformats.org/officeDocument/2006/relationships" xmlns:p="http://schemas.openxmlformats.org/presentationml/2006/main">
   <p:cSld>
     <p:spTree>
@@ -10245,7 +10078,7 @@
 </p:sld>
 </file>
 
-<file path=ppt/slides/slide19.xml><?xml version="1.0" encoding="utf-8"?>
+<file path=ppt/slides/slide18.xml><?xml version="1.0" encoding="utf-8"?>
 <p:sld xmlns:a="http://schemas.openxmlformats.org/drawingml/2006/main" xmlns:r="http://schemas.openxmlformats.org/officeDocument/2006/relationships" xmlns:p="http://schemas.openxmlformats.org/presentationml/2006/main">
   <p:cSld>
     <p:spTree>
@@ -10297,12 +10130,156 @@
               <a:buNone/>
             </a:pPr>
             <a:r>
-              <a:rPr lang="en" sz="3600">
+              <a:rPr lang="en" sz="3600" dirty="0">
                 <a:solidFill>
                   <a:srgbClr val="FFFFFF"/>
                 </a:solidFill>
               </a:rPr>
               <a:t>Summary of Work</a:t>
+            </a:r>
+            <a:endParaRPr sz="3600" dirty="0">
+              <a:solidFill>
+                <a:srgbClr val="FFFFFF"/>
+              </a:solidFill>
+            </a:endParaRPr>
+          </a:p>
+        </p:txBody>
+      </p:sp>
+      <p:sp>
+        <p:nvSpPr>
+          <p:cNvPr id="175" name="Google Shape;175;p30"/>
+          <p:cNvSpPr txBox="1"/>
+          <p:nvPr/>
+        </p:nvSpPr>
+        <p:spPr>
+          <a:xfrm>
+            <a:off x="303300" y="1819625"/>
+            <a:ext cx="8520600" cy="2899200"/>
+          </a:xfrm>
+          <a:prstGeom prst="rect">
+            <a:avLst/>
+          </a:prstGeom>
+          <a:noFill/>
+          <a:ln>
+            <a:noFill/>
+          </a:ln>
+        </p:spPr>
+        <p:txBody>
+          <a:bodyPr spcFirstLastPara="1" wrap="square" lIns="91425" tIns="91425" rIns="91425" bIns="91425" anchor="t" anchorCtr="0">
+            <a:noAutofit/>
+          </a:bodyPr>
+          <a:lstStyle/>
+          <a:p>
+            <a:pPr marL="0" lvl="0" indent="0" algn="l" rtl="0">
+              <a:spcBef>
+                <a:spcPts val="0"/>
+              </a:spcBef>
+              <a:spcAft>
+                <a:spcPts val="0"/>
+              </a:spcAft>
+              <a:buNone/>
+            </a:pPr>
+            <a:br>
+              <a:rPr lang="en" sz="1700">
+                <a:solidFill>
+                  <a:srgbClr val="FFFFFF"/>
+                </a:solidFill>
+                <a:latin typeface="Lato"/>
+                <a:ea typeface="Lato"/>
+                <a:cs typeface="Lato"/>
+                <a:sym typeface="Lato"/>
+              </a:rPr>
+            </a:br>
+            <a:r>
+              <a:rPr lang="en" sz="1700">
+                <a:solidFill>
+                  <a:srgbClr val="FFFFFF"/>
+                </a:solidFill>
+                <a:latin typeface="Lato"/>
+                <a:ea typeface="Lato"/>
+                <a:cs typeface="Lato"/>
+                <a:sym typeface="Lato"/>
+              </a:rPr>
+              <a:t>Blah blah</a:t>
+            </a:r>
+            <a:endParaRPr sz="1700">
+              <a:solidFill>
+                <a:srgbClr val="FFFFFF"/>
+              </a:solidFill>
+              <a:latin typeface="Lato"/>
+              <a:ea typeface="Lato"/>
+              <a:cs typeface="Lato"/>
+              <a:sym typeface="Lato"/>
+            </a:endParaRPr>
+          </a:p>
+        </p:txBody>
+      </p:sp>
+    </p:spTree>
+  </p:cSld>
+  <p:clrMapOvr>
+    <a:masterClrMapping/>
+  </p:clrMapOvr>
+</p:sld>
+</file>
+
+<file path=ppt/slides/slide19.xml><?xml version="1.0" encoding="utf-8"?>
+<p:sld xmlns:a="http://schemas.openxmlformats.org/drawingml/2006/main" xmlns:r="http://schemas.openxmlformats.org/officeDocument/2006/relationships" xmlns:p="http://schemas.openxmlformats.org/presentationml/2006/main">
+  <p:cSld>
+    <p:spTree>
+      <p:nvGrpSpPr>
+        <p:cNvPr id="1" name="Shape 179"/>
+        <p:cNvGrpSpPr/>
+        <p:nvPr/>
+      </p:nvGrpSpPr>
+      <p:grpSpPr>
+        <a:xfrm>
+          <a:off x="0" y="0"/>
+          <a:ext cx="0" cy="0"/>
+          <a:chOff x="0" y="0"/>
+          <a:chExt cx="0" cy="0"/>
+        </a:xfrm>
+      </p:grpSpPr>
+      <p:sp>
+        <p:nvSpPr>
+          <p:cNvPr id="180" name="Google Shape;180;p31"/>
+          <p:cNvSpPr txBox="1">
+            <a:spLocks noGrp="1"/>
+          </p:cNvSpPr>
+          <p:nvPr>
+            <p:ph type="title"/>
+          </p:nvPr>
+        </p:nvSpPr>
+        <p:spPr>
+          <a:xfrm>
+            <a:off x="303300" y="193225"/>
+            <a:ext cx="8520600" cy="639600"/>
+          </a:xfrm>
+          <a:prstGeom prst="rect">
+            <a:avLst/>
+          </a:prstGeom>
+        </p:spPr>
+        <p:txBody>
+          <a:bodyPr spcFirstLastPara="1" wrap="square" lIns="91425" tIns="91425" rIns="91425" bIns="91425" anchor="t" anchorCtr="0">
+            <a:noAutofit/>
+          </a:bodyPr>
+          <a:lstStyle/>
+          <a:p>
+            <a:pPr marL="0" lvl="0" indent="0" algn="l" rtl="0">
+              <a:spcBef>
+                <a:spcPts val="0"/>
+              </a:spcBef>
+              <a:spcAft>
+                <a:spcPts val="0"/>
+              </a:spcAft>
+              <a:buNone/>
+            </a:pPr>
+            <a:r>
+              <a:rPr lang="en" sz="3600">
+                <a:solidFill>
+                  <a:srgbClr val="FFFFFF"/>
+                </a:solidFill>
+              </a:rPr>
+              <a:t>Post-Mortem</a:t>
             </a:r>
             <a:endParaRPr sz="3600">
               <a:solidFill>
@@ -10314,7 +10291,7 @@
       </p:sp>
       <p:sp>
         <p:nvSpPr>
-          <p:cNvPr id="175" name="Google Shape;175;p30"/>
+          <p:cNvPr id="181" name="Google Shape;181;p31"/>
           <p:cNvSpPr txBox="1"/>
           <p:nvPr/>
         </p:nvSpPr>
@@ -10610,150 +10587,6 @@
 </p:sld>
 </file>
 
-<file path=ppt/slides/slide20.xml><?xml version="1.0" encoding="utf-8"?>
-<p:sld xmlns:a="http://schemas.openxmlformats.org/drawingml/2006/main" xmlns:r="http://schemas.openxmlformats.org/officeDocument/2006/relationships" xmlns:p="http://schemas.openxmlformats.org/presentationml/2006/main">
-  <p:cSld>
-    <p:spTree>
-      <p:nvGrpSpPr>
-        <p:cNvPr id="1" name="Shape 179"/>
-        <p:cNvGrpSpPr/>
-        <p:nvPr/>
-      </p:nvGrpSpPr>
-      <p:grpSpPr>
-        <a:xfrm>
-          <a:off x="0" y="0"/>
-          <a:ext cx="0" cy="0"/>
-          <a:chOff x="0" y="0"/>
-          <a:chExt cx="0" cy="0"/>
-        </a:xfrm>
-      </p:grpSpPr>
-      <p:sp>
-        <p:nvSpPr>
-          <p:cNvPr id="180" name="Google Shape;180;p31"/>
-          <p:cNvSpPr txBox="1">
-            <a:spLocks noGrp="1"/>
-          </p:cNvSpPr>
-          <p:nvPr>
-            <p:ph type="title"/>
-          </p:nvPr>
-        </p:nvSpPr>
-        <p:spPr>
-          <a:xfrm>
-            <a:off x="303300" y="193225"/>
-            <a:ext cx="8520600" cy="639600"/>
-          </a:xfrm>
-          <a:prstGeom prst="rect">
-            <a:avLst/>
-          </a:prstGeom>
-        </p:spPr>
-        <p:txBody>
-          <a:bodyPr spcFirstLastPara="1" wrap="square" lIns="91425" tIns="91425" rIns="91425" bIns="91425" anchor="t" anchorCtr="0">
-            <a:noAutofit/>
-          </a:bodyPr>
-          <a:lstStyle/>
-          <a:p>
-            <a:pPr marL="0" lvl="0" indent="0" algn="l" rtl="0">
-              <a:spcBef>
-                <a:spcPts val="0"/>
-              </a:spcBef>
-              <a:spcAft>
-                <a:spcPts val="0"/>
-              </a:spcAft>
-              <a:buNone/>
-            </a:pPr>
-            <a:r>
-              <a:rPr lang="en" sz="3600">
-                <a:solidFill>
-                  <a:srgbClr val="FFFFFF"/>
-                </a:solidFill>
-              </a:rPr>
-              <a:t>Post-Mortem</a:t>
-            </a:r>
-            <a:endParaRPr sz="3600">
-              <a:solidFill>
-                <a:srgbClr val="FFFFFF"/>
-              </a:solidFill>
-            </a:endParaRPr>
-          </a:p>
-        </p:txBody>
-      </p:sp>
-      <p:sp>
-        <p:nvSpPr>
-          <p:cNvPr id="181" name="Google Shape;181;p31"/>
-          <p:cNvSpPr txBox="1"/>
-          <p:nvPr/>
-        </p:nvSpPr>
-        <p:spPr>
-          <a:xfrm>
-            <a:off x="303300" y="1819625"/>
-            <a:ext cx="8520600" cy="2899200"/>
-          </a:xfrm>
-          <a:prstGeom prst="rect">
-            <a:avLst/>
-          </a:prstGeom>
-          <a:noFill/>
-          <a:ln>
-            <a:noFill/>
-          </a:ln>
-        </p:spPr>
-        <p:txBody>
-          <a:bodyPr spcFirstLastPara="1" wrap="square" lIns="91425" tIns="91425" rIns="91425" bIns="91425" anchor="t" anchorCtr="0">
-            <a:noAutofit/>
-          </a:bodyPr>
-          <a:lstStyle/>
-          <a:p>
-            <a:pPr marL="0" lvl="0" indent="0" algn="l" rtl="0">
-              <a:spcBef>
-                <a:spcPts val="0"/>
-              </a:spcBef>
-              <a:spcAft>
-                <a:spcPts val="0"/>
-              </a:spcAft>
-              <a:buNone/>
-            </a:pPr>
-            <a:br>
-              <a:rPr lang="en" sz="1700">
-                <a:solidFill>
-                  <a:srgbClr val="FFFFFF"/>
-                </a:solidFill>
-                <a:latin typeface="Lato"/>
-                <a:ea typeface="Lato"/>
-                <a:cs typeface="Lato"/>
-                <a:sym typeface="Lato"/>
-              </a:rPr>
-            </a:br>
-            <a:r>
-              <a:rPr lang="en" sz="1700">
-                <a:solidFill>
-                  <a:srgbClr val="FFFFFF"/>
-                </a:solidFill>
-                <a:latin typeface="Lato"/>
-                <a:ea typeface="Lato"/>
-                <a:cs typeface="Lato"/>
-                <a:sym typeface="Lato"/>
-              </a:rPr>
-              <a:t>Blah blah</a:t>
-            </a:r>
-            <a:endParaRPr sz="1700">
-              <a:solidFill>
-                <a:srgbClr val="FFFFFF"/>
-              </a:solidFill>
-              <a:latin typeface="Lato"/>
-              <a:ea typeface="Lato"/>
-              <a:cs typeface="Lato"/>
-              <a:sym typeface="Lato"/>
-            </a:endParaRPr>
-          </a:p>
-        </p:txBody>
-      </p:sp>
-    </p:spTree>
-  </p:cSld>
-  <p:clrMapOvr>
-    <a:masterClrMapping/>
-  </p:clrMapOvr>
-</p:sld>
-</file>
-
 <file path=ppt/slides/slide3.xml><?xml version="1.0" encoding="utf-8"?>
 <p:sld xmlns:a="http://schemas.openxmlformats.org/drawingml/2006/main" xmlns:r="http://schemas.openxmlformats.org/officeDocument/2006/relationships" xmlns:p="http://schemas.openxmlformats.org/presentationml/2006/main">
   <p:cSld>
@@ -11753,7 +11586,7 @@
               <a:buNone/>
             </a:pPr>
             <a:r>
-              <a:rPr lang="en" sz="1700">
+              <a:rPr lang="en" sz="1700" dirty="0">
                 <a:solidFill>
                   <a:srgbClr val="FFFFFF"/>
                 </a:solidFill>
@@ -11765,7 +11598,7 @@
               <a:t>List of Parameters- Short description of parameters</a:t>
             </a:r>
             <a:br>
-              <a:rPr lang="en" sz="1700">
+              <a:rPr lang="en" sz="1700" dirty="0">
                 <a:solidFill>
                   <a:srgbClr val="FFFFFF"/>
                 </a:solidFill>
@@ -11776,7 +11609,7 @@
               </a:rPr>
             </a:br>
             <a:r>
-              <a:rPr lang="en" sz="1700">
+              <a:rPr lang="en" sz="1700" dirty="0">
                 <a:solidFill>
                   <a:srgbClr val="FFFFFF"/>
                 </a:solidFill>
@@ -11788,7 +11621,7 @@
               <a:t>Crime</a:t>
             </a:r>
             <a:br>
-              <a:rPr lang="en" sz="1700">
+              <a:rPr lang="en" sz="1700" dirty="0">
                 <a:solidFill>
                   <a:srgbClr val="FFFFFF"/>
                 </a:solidFill>
@@ -11799,7 +11632,7 @@
               </a:rPr>
             </a:br>
             <a:r>
-              <a:rPr lang="en" sz="1700">
+              <a:rPr lang="en" sz="1700" dirty="0">
                 <a:solidFill>
                   <a:srgbClr val="FFFFFF"/>
                 </a:solidFill>
@@ -11811,7 +11644,7 @@
               <a:t>Safety</a:t>
             </a:r>
             <a:br>
-              <a:rPr lang="en" sz="1700">
+              <a:rPr lang="en" sz="1700" dirty="0">
                 <a:solidFill>
                   <a:srgbClr val="FFFFFF"/>
                 </a:solidFill>
@@ -11822,7 +11655,7 @@
               </a:rPr>
             </a:br>
             <a:r>
-              <a:rPr lang="en" sz="1700">
+              <a:rPr lang="en" sz="1700" dirty="0">
                 <a:solidFill>
                   <a:srgbClr val="FFFFFF"/>
                 </a:solidFill>
@@ -11834,7 +11667,7 @@
               <a:t>Quality of Life</a:t>
             </a:r>
             <a:br>
-              <a:rPr lang="en" sz="1700">
+              <a:rPr lang="en" sz="1700" dirty="0">
                 <a:solidFill>
                   <a:srgbClr val="FFFFFF"/>
                 </a:solidFill>
@@ -11845,7 +11678,7 @@
               </a:rPr>
             </a:br>
             <a:r>
-              <a:rPr lang="en" sz="1700">
+              <a:rPr lang="en" sz="1700" dirty="0">
                 <a:solidFill>
                   <a:srgbClr val="FFFFFF"/>
                 </a:solidFill>
@@ -11857,7 +11690,7 @@
               <a:t>Purchasing Power</a:t>
             </a:r>
             <a:br>
-              <a:rPr lang="en" sz="1700">
+              <a:rPr lang="en" sz="1700" dirty="0">
                 <a:solidFill>
                   <a:srgbClr val="FFFFFF"/>
                 </a:solidFill>
@@ -11868,7 +11701,7 @@
               </a:rPr>
             </a:br>
             <a:r>
-              <a:rPr lang="en" sz="1700">
+              <a:rPr lang="en" sz="1700" dirty="0">
                 <a:solidFill>
                   <a:srgbClr val="FFFFFF"/>
                 </a:solidFill>
@@ -11880,7 +11713,7 @@
               <a:t>Healthcare</a:t>
             </a:r>
             <a:br>
-              <a:rPr lang="en" sz="1700">
+              <a:rPr lang="en" sz="1700" dirty="0">
                 <a:solidFill>
                   <a:srgbClr val="FFFFFF"/>
                 </a:solidFill>
@@ -11891,7 +11724,7 @@
               </a:rPr>
             </a:br>
             <a:r>
-              <a:rPr lang="en" sz="1700">
+              <a:rPr lang="en" sz="1700" dirty="0">
                 <a:solidFill>
                   <a:srgbClr val="FFFFFF"/>
                 </a:solidFill>
@@ -11903,7 +11736,7 @@
               <a:t>Cost of Living</a:t>
             </a:r>
             <a:br>
-              <a:rPr lang="en" sz="1700">
+              <a:rPr lang="en" sz="1700" dirty="0">
                 <a:solidFill>
                   <a:srgbClr val="FFFFFF"/>
                 </a:solidFill>
@@ -11914,7 +11747,7 @@
               </a:rPr>
             </a:br>
             <a:r>
-              <a:rPr lang="en" sz="1700">
+              <a:rPr lang="en" sz="1700" dirty="0">
                 <a:solidFill>
                   <a:srgbClr val="FFFFFF"/>
                 </a:solidFill>
@@ -11926,7 +11759,7 @@
               <a:t>Traffic Commute Time</a:t>
             </a:r>
             <a:br>
-              <a:rPr lang="en" sz="1700">
+              <a:rPr lang="en" sz="1700" dirty="0">
                 <a:solidFill>
                   <a:srgbClr val="FFFFFF"/>
                 </a:solidFill>
@@ -11937,7 +11770,7 @@
               </a:rPr>
             </a:br>
             <a:r>
-              <a:rPr lang="en" sz="1700">
+              <a:rPr lang="en" sz="1700" dirty="0">
                 <a:solidFill>
                   <a:srgbClr val="FFFFFF"/>
                 </a:solidFill>
@@ -11949,7 +11782,7 @@
               <a:t>Pollution</a:t>
             </a:r>
             <a:br>
-              <a:rPr lang="en" sz="1700">
+              <a:rPr lang="en" sz="1700" dirty="0">
                 <a:solidFill>
                   <a:srgbClr val="FFFFFF"/>
                 </a:solidFill>
@@ -11960,7 +11793,7 @@
               </a:rPr>
             </a:br>
             <a:r>
-              <a:rPr lang="en" sz="1700">
+              <a:rPr lang="en" sz="1700" dirty="0">
                 <a:solidFill>
                   <a:srgbClr val="FFFFFF"/>
                 </a:solidFill>
@@ -11972,7 +11805,7 @@
               <a:t>Price to Income Ratio</a:t>
             </a:r>
             <a:br>
-              <a:rPr lang="en" sz="1700">
+              <a:rPr lang="en" sz="1700" dirty="0">
                 <a:solidFill>
                   <a:srgbClr val="FFFFFF"/>
                 </a:solidFill>
@@ -11983,7 +11816,7 @@
               </a:rPr>
             </a:br>
             <a:r>
-              <a:rPr lang="en" sz="1700">
+              <a:rPr lang="en" sz="1700" dirty="0">
                 <a:solidFill>
                   <a:srgbClr val="FFFFFF"/>
                 </a:solidFill>
@@ -11994,7 +11827,30 @@
               </a:rPr>
               <a:t>Affordability</a:t>
             </a:r>
-            <a:endParaRPr sz="1700">
+          </a:p>
+          <a:p>
+            <a:pPr marL="0" lvl="0" indent="0" algn="l" rtl="0">
+              <a:spcBef>
+                <a:spcPts val="0"/>
+              </a:spcBef>
+              <a:spcAft>
+                <a:spcPts val="0"/>
+              </a:spcAft>
+              <a:buNone/>
+            </a:pPr>
+            <a:r>
+              <a:rPr lang="en" sz="1700" dirty="0">
+                <a:solidFill>
+                  <a:srgbClr val="FFFFFF"/>
+                </a:solidFill>
+                <a:latin typeface="Lato"/>
+                <a:ea typeface="Lato"/>
+                <a:cs typeface="Lato"/>
+                <a:sym typeface="Lato"/>
+              </a:rPr>
+              <a:t>Temperature</a:t>
+            </a:r>
+            <a:endParaRPr sz="1700" dirty="0">
               <a:solidFill>
                 <a:srgbClr val="FFFFFF"/>
               </a:solidFill>
@@ -12116,7 +11972,7 @@
               <a:buNone/>
             </a:pPr>
             <a:r>
-              <a:rPr lang="en" sz="1700">
+              <a:rPr lang="en" sz="1700" dirty="0">
                 <a:solidFill>
                   <a:srgbClr val="FFFFFF"/>
                 </a:solidFill>
@@ -12128,7 +11984,7 @@
               <a:t>US Census Bureau</a:t>
             </a:r>
             <a:br>
-              <a:rPr lang="en" sz="1700">
+              <a:rPr lang="en" sz="1700" dirty="0">
                 <a:solidFill>
                   <a:srgbClr val="FFFFFF"/>
                 </a:solidFill>
@@ -12139,7 +11995,7 @@
               </a:rPr>
             </a:br>
             <a:r>
-              <a:rPr lang="en" sz="1700">
+              <a:rPr lang="en" sz="1700" dirty="0">
                 <a:solidFill>
                   <a:srgbClr val="FFFFFF"/>
                 </a:solidFill>
@@ -12151,7 +12007,7 @@
               <a:t>FBI</a:t>
             </a:r>
             <a:br>
-              <a:rPr lang="en" sz="1700">
+              <a:rPr lang="en" sz="1700" dirty="0">
                 <a:solidFill>
                   <a:srgbClr val="FFFFFF"/>
                 </a:solidFill>
@@ -12162,7 +12018,7 @@
               </a:rPr>
             </a:br>
             <a:r>
-              <a:rPr lang="en" sz="1700">
+              <a:rPr lang="en" sz="1700" dirty="0">
                 <a:solidFill>
                   <a:srgbClr val="FFFFFF"/>
                 </a:solidFill>
@@ -12173,7 +12029,30 @@
               </a:rPr>
               <a:t>Numbeo</a:t>
             </a:r>
-            <a:endParaRPr sz="1700">
+          </a:p>
+          <a:p>
+            <a:pPr marL="0" lvl="0" indent="0" algn="l" rtl="0">
+              <a:spcBef>
+                <a:spcPts val="0"/>
+              </a:spcBef>
+              <a:spcAft>
+                <a:spcPts val="0"/>
+              </a:spcAft>
+              <a:buNone/>
+            </a:pPr>
+            <a:r>
+              <a:rPr lang="en" sz="1700" dirty="0">
+                <a:solidFill>
+                  <a:srgbClr val="FFFFFF"/>
+                </a:solidFill>
+                <a:latin typeface="Lato"/>
+                <a:ea typeface="Lato"/>
+                <a:cs typeface="Lato"/>
+                <a:sym typeface="Lato"/>
+              </a:rPr>
+              <a:t>OpenWeatherAPI</a:t>
+            </a:r>
+            <a:endParaRPr sz="1700" dirty="0">
               <a:solidFill>
                 <a:srgbClr val="FFFFFF"/>
               </a:solidFill>

--- a/Homies City Collection.pptx
+++ b/Homies City Collection.pptx
@@ -1,6 +1,6 @@
 
 <file path=ppt/presentation.xml><?xml version="1.0" encoding="utf-8"?>
-<p:presentation xmlns:a="http://schemas.openxmlformats.org/drawingml/2006/main" xmlns:r="http://schemas.openxmlformats.org/officeDocument/2006/relationships" xmlns:p="http://schemas.openxmlformats.org/presentationml/2006/main" strictFirstAndLastChars="0" embedTrueTypeFonts="1" saveSubsetFonts="1" autoCompressPictures="0">
+<p:presentation xmlns:a="http://schemas.openxmlformats.org/drawingml/2006/main" xmlns:r="http://schemas.openxmlformats.org/officeDocument/2006/relationships" xmlns:p="http://schemas.openxmlformats.org/presentationml/2006/main" strictFirstAndLastChars="0" embedTrueTypeFonts="1" autoCompressPictures="0">
   <p:sldMasterIdLst>
     <p:sldMasterId id="2147483659" r:id="rId1"/>
   </p:sldMasterIdLst>
@@ -32,14 +32,14 @@
   <p:notesSz cx="6858000" cy="9144000"/>
   <p:embeddedFontLst>
     <p:embeddedFont>
-      <p:font typeface="Lato" panose="020B0604020202020204" charset="0"/>
+      <p:font typeface="Lato" panose="020F0502020204030203" pitchFamily="34" charset="77"/>
       <p:regular r:id="rId22"/>
       <p:bold r:id="rId23"/>
       <p:italic r:id="rId24"/>
       <p:boldItalic r:id="rId25"/>
     </p:embeddedFont>
     <p:embeddedFont>
-      <p:font typeface="Raleway" panose="020B0604020202020204" charset="0"/>
+      <p:font typeface="Raleway" pitchFamily="2" charset="77"/>
       <p:regular r:id="rId26"/>
       <p:bold r:id="rId27"/>
       <p:italic r:id="rId28"/>
@@ -11576,17 +11576,9 @@
           </a:bodyPr>
           <a:lstStyle/>
           <a:p>
-            <a:pPr marL="0" lvl="0" indent="0" algn="l" rtl="0">
-              <a:spcBef>
-                <a:spcPts val="0"/>
-              </a:spcBef>
-              <a:spcAft>
-                <a:spcPts val="0"/>
-              </a:spcAft>
-              <a:buNone/>
-            </a:pPr>
+            <a:pPr lvl="0"/>
             <a:r>
-              <a:rPr lang="en" sz="1700" dirty="0">
+              <a:rPr lang="en-US" sz="1600" dirty="0">
                 <a:solidFill>
                   <a:srgbClr val="FFFFFF"/>
                 </a:solidFill>
@@ -11595,10 +11587,10 @@
                 <a:cs typeface="Lato"/>
                 <a:sym typeface="Lato"/>
               </a:rPr>
-              <a:t>List of Parameters- Short description of parameters</a:t>
+              <a:t>List of Parameters</a:t>
             </a:r>
             <a:br>
-              <a:rPr lang="en" sz="1700" dirty="0">
+              <a:rPr lang="en-US" sz="1600" dirty="0">
                 <a:solidFill>
                   <a:srgbClr val="FFFFFF"/>
                 </a:solidFill>
@@ -11609,7 +11601,7 @@
               </a:rPr>
             </a:br>
             <a:r>
-              <a:rPr lang="en" sz="1700" dirty="0">
+              <a:rPr lang="en-US" sz="1600" dirty="0" err="1">
                 <a:solidFill>
                   <a:srgbClr val="FFFFFF"/>
                 </a:solidFill>
@@ -11618,10 +11610,36 @@
                 <a:cs typeface="Lato"/>
                 <a:sym typeface="Lato"/>
               </a:rPr>
-              <a:t>Crime</a:t>
+              <a:t>Numbeo</a:t>
+            </a:r>
+            <a:r>
+              <a:rPr lang="en-US" sz="1600" dirty="0">
+                <a:solidFill>
+                  <a:srgbClr val="FFFFFF"/>
+                </a:solidFill>
+                <a:latin typeface="Lato"/>
+                <a:ea typeface="Lato"/>
+                <a:cs typeface="Lato"/>
+                <a:sym typeface="Lato"/>
+              </a:rPr>
+              <a:t> surveys the following list of parameters for the list of cities:</a:t>
+            </a:r>
+          </a:p>
+          <a:p>
+            <a:r>
+              <a:rPr lang="en-US" sz="1600" dirty="0">
+                <a:solidFill>
+                  <a:srgbClr val="FFFFFF"/>
+                </a:solidFill>
+                <a:latin typeface="Lato"/>
+                <a:ea typeface="Lato"/>
+                <a:cs typeface="Lato"/>
+                <a:sym typeface="Lato"/>
+              </a:rPr>
+              <a:t>Crime – worried about having car or items from car stolen</a:t>
             </a:r>
             <a:br>
-              <a:rPr lang="en" sz="1700" dirty="0">
+              <a:rPr lang="en-US" sz="1600" dirty="0">
                 <a:solidFill>
                   <a:srgbClr val="FFFFFF"/>
                 </a:solidFill>
@@ -11632,7 +11650,7 @@
               </a:rPr>
             </a:br>
             <a:r>
-              <a:rPr lang="en" sz="1700" dirty="0">
+              <a:rPr lang="en-US" sz="1600" dirty="0">
                 <a:solidFill>
                   <a:srgbClr val="FFFFFF"/>
                 </a:solidFill>
@@ -11641,10 +11659,10 @@
                 <a:cs typeface="Lato"/>
                 <a:sym typeface="Lato"/>
               </a:rPr>
-              <a:t>Safety</a:t>
+              <a:t>Safety – feel of safety of walking during daylight and night</a:t>
             </a:r>
             <a:br>
-              <a:rPr lang="en" sz="1700" dirty="0">
+              <a:rPr lang="en-US" sz="1600" dirty="0">
                 <a:solidFill>
                   <a:srgbClr val="FFFFFF"/>
                 </a:solidFill>
@@ -11655,7 +11673,7 @@
               </a:rPr>
             </a:br>
             <a:r>
-              <a:rPr lang="en" sz="1700" dirty="0">
+              <a:rPr lang="en-US" sz="1600" dirty="0">
                 <a:solidFill>
                   <a:srgbClr val="FFFFFF"/>
                 </a:solidFill>
@@ -11664,10 +11682,10 @@
                 <a:cs typeface="Lato"/>
                 <a:sym typeface="Lato"/>
               </a:rPr>
-              <a:t>Quality of Life</a:t>
+              <a:t>Quality of Life – quantitative calculation of the following: cost of living, purchasing power, pollution, crime rates, climate, health system quality and traffic commute times</a:t>
             </a:r>
             <a:br>
-              <a:rPr lang="en" sz="1700" dirty="0">
+              <a:rPr lang="en-US" sz="1600" dirty="0">
                 <a:solidFill>
                   <a:srgbClr val="FFFFFF"/>
                 </a:solidFill>
@@ -11678,7 +11696,7 @@
               </a:rPr>
             </a:br>
             <a:r>
-              <a:rPr lang="en" sz="1700" dirty="0">
+              <a:rPr lang="en-US" sz="1600" dirty="0">
                 <a:solidFill>
                   <a:srgbClr val="FFFFFF"/>
                 </a:solidFill>
@@ -11687,10 +11705,10 @@
                 <a:cs typeface="Lato"/>
                 <a:sym typeface="Lato"/>
               </a:rPr>
-              <a:t>Purchasing Power</a:t>
+              <a:t>Purchasing Power – calculates various property values using aggregate data</a:t>
             </a:r>
             <a:br>
-              <a:rPr lang="en" sz="1700" dirty="0">
+              <a:rPr lang="en-US" sz="1600" dirty="0">
                 <a:solidFill>
                   <a:srgbClr val="FFFFFF"/>
                 </a:solidFill>
@@ -11701,7 +11719,7 @@
               </a:rPr>
             </a:br>
             <a:r>
-              <a:rPr lang="en" sz="1700" dirty="0">
+              <a:rPr lang="en-US" sz="1600" dirty="0">
                 <a:solidFill>
                   <a:srgbClr val="FFFFFF"/>
                 </a:solidFill>
@@ -11710,10 +11728,10 @@
                 <a:cs typeface="Lato"/>
                 <a:sym typeface="Lato"/>
               </a:rPr>
-              <a:t>Healthcare</a:t>
+              <a:t>Healthcare – health system quality</a:t>
             </a:r>
             <a:br>
-              <a:rPr lang="en" sz="1700" dirty="0">
+              <a:rPr lang="en-US" sz="1600" dirty="0">
                 <a:solidFill>
                   <a:srgbClr val="FFFFFF"/>
                 </a:solidFill>
@@ -11724,7 +11742,7 @@
               </a:rPr>
             </a:br>
             <a:r>
-              <a:rPr lang="en" sz="1700" dirty="0">
+              <a:rPr lang="en-US" sz="1600" dirty="0">
                 <a:solidFill>
                   <a:srgbClr val="FFFFFF"/>
                 </a:solidFill>
@@ -11733,10 +11751,10 @@
                 <a:cs typeface="Lato"/>
                 <a:sym typeface="Lato"/>
               </a:rPr>
-              <a:t>Cost of Living</a:t>
+              <a:t>Cost of Living – analysis of property values and property investment opportunities per city</a:t>
             </a:r>
             <a:br>
-              <a:rPr lang="en" sz="1700" dirty="0">
+              <a:rPr lang="en-US" sz="1600" dirty="0">
                 <a:solidFill>
                   <a:srgbClr val="FFFFFF"/>
                 </a:solidFill>
@@ -11747,7 +11765,7 @@
               </a:rPr>
             </a:br>
             <a:r>
-              <a:rPr lang="en" sz="1700" dirty="0">
+              <a:rPr lang="en-US" sz="1600" dirty="0">
                 <a:solidFill>
                   <a:srgbClr val="FFFFFF"/>
                 </a:solidFill>
@@ -11756,10 +11774,34 @@
                 <a:cs typeface="Lato"/>
                 <a:sym typeface="Lato"/>
               </a:rPr>
-              <a:t>Traffic Commute Time</a:t>
+              <a:t>Traffic Commute Time - Cities in which people spend much time in traffic </a:t>
+            </a:r>
+            <a:r>
+              <a:rPr lang="en-US" sz="1600" dirty="0" err="1">
+                <a:solidFill>
+                  <a:srgbClr val="FFFFFF"/>
+                </a:solidFill>
+                <a:latin typeface="Lato"/>
+                <a:ea typeface="Lato"/>
+                <a:cs typeface="Lato"/>
+                <a:sym typeface="Lato"/>
+              </a:rPr>
+              <a:t>Numbeo</a:t>
+            </a:r>
+            <a:r>
+              <a:rPr lang="en-US" sz="1600" dirty="0">
+                <a:solidFill>
+                  <a:srgbClr val="FFFFFF"/>
+                </a:solidFill>
+                <a:latin typeface="Lato"/>
+                <a:ea typeface="Lato"/>
+                <a:cs typeface="Lato"/>
+                <a:sym typeface="Lato"/>
+              </a:rPr>
+              <a:t> considers congested and it influences overall quality of life in that city.</a:t>
             </a:r>
             <a:br>
-              <a:rPr lang="en" sz="1700" dirty="0">
+              <a:rPr lang="en-US" sz="1600" dirty="0">
                 <a:solidFill>
                   <a:srgbClr val="FFFFFF"/>
                 </a:solidFill>
@@ -11770,7 +11812,7 @@
               </a:rPr>
             </a:br>
             <a:r>
-              <a:rPr lang="en" sz="1700" dirty="0">
+              <a:rPr lang="en-US" sz="1600" dirty="0">
                 <a:solidFill>
                   <a:srgbClr val="FFFFFF"/>
                 </a:solidFill>
@@ -11779,10 +11821,22 @@
                 <a:cs typeface="Lato"/>
                 <a:sym typeface="Lato"/>
               </a:rPr>
-              <a:t>Pollution</a:t>
+              <a:t>Pollution – including air, water, </a:t>
+            </a:r>
+            <a:r>
+              <a:rPr lang="en-US" sz="1600" dirty="0" err="1">
+                <a:solidFill>
+                  <a:srgbClr val="FFFFFF"/>
+                </a:solidFill>
+                <a:latin typeface="Lato"/>
+                <a:ea typeface="Lato"/>
+                <a:cs typeface="Lato"/>
+                <a:sym typeface="Lato"/>
+              </a:rPr>
+              <a:t>etc</a:t>
             </a:r>
             <a:br>
-              <a:rPr lang="en" sz="1700" dirty="0">
+              <a:rPr lang="en-US" sz="1600" dirty="0">
                 <a:solidFill>
                   <a:srgbClr val="FFFFFF"/>
                 </a:solidFill>
@@ -11793,7 +11847,7 @@
               </a:rPr>
             </a:br>
             <a:r>
-              <a:rPr lang="en" sz="1700" dirty="0">
+              <a:rPr lang="en-US" sz="1600" dirty="0">
                 <a:solidFill>
                   <a:srgbClr val="FFFFFF"/>
                 </a:solidFill>
@@ -11802,10 +11856,10 @@
                 <a:cs typeface="Lato"/>
                 <a:sym typeface="Lato"/>
               </a:rPr>
-              <a:t>Price to Income Ratio</a:t>
+              <a:t>Price to Income Ratio – price of housing to household income ratio</a:t>
             </a:r>
             <a:br>
-              <a:rPr lang="en" sz="1700" dirty="0">
+              <a:rPr lang="en-US" sz="1600" dirty="0">
                 <a:solidFill>
                   <a:srgbClr val="FFFFFF"/>
                 </a:solidFill>
@@ -11816,7 +11870,7 @@
               </a:rPr>
             </a:br>
             <a:r>
-              <a:rPr lang="en" sz="1700" dirty="0">
+              <a:rPr lang="en-US" sz="1600" dirty="0">
                 <a:solidFill>
                   <a:srgbClr val="FFFFFF"/>
                 </a:solidFill>
@@ -11825,21 +11879,12 @@
                 <a:cs typeface="Lato"/>
                 <a:sym typeface="Lato"/>
               </a:rPr>
-              <a:t>Affordability</a:t>
+              <a:t>Affordability – affordability of housing</a:t>
             </a:r>
           </a:p>
           <a:p>
-            <a:pPr marL="0" lvl="0" indent="0" algn="l" rtl="0">
-              <a:spcBef>
-                <a:spcPts val="0"/>
-              </a:spcBef>
-              <a:spcAft>
-                <a:spcPts val="0"/>
-              </a:spcAft>
-              <a:buNone/>
-            </a:pPr>
             <a:r>
-              <a:rPr lang="en" sz="1700" dirty="0">
+              <a:rPr lang="en-US" sz="1600" dirty="0">
                 <a:solidFill>
                   <a:srgbClr val="FFFFFF"/>
                 </a:solidFill>
@@ -11848,17 +11893,8 @@
                 <a:cs typeface="Lato"/>
                 <a:sym typeface="Lato"/>
               </a:rPr>
-              <a:t>Temperature</a:t>
+              <a:t>Temperature – average weather data of the cities</a:t>
             </a:r>
-            <a:endParaRPr sz="1700" dirty="0">
-              <a:solidFill>
-                <a:srgbClr val="FFFFFF"/>
-              </a:solidFill>
-              <a:latin typeface="Lato"/>
-              <a:ea typeface="Lato"/>
-              <a:cs typeface="Lato"/>
-              <a:sym typeface="Lato"/>
-            </a:endParaRPr>
           </a:p>
         </p:txBody>
       </p:sp>
@@ -11962,15 +11998,7 @@
           </a:bodyPr>
           <a:lstStyle/>
           <a:p>
-            <a:pPr marL="0" lvl="0" indent="0" algn="l" rtl="0">
-              <a:spcBef>
-                <a:spcPts val="0"/>
-              </a:spcBef>
-              <a:spcAft>
-                <a:spcPts val="0"/>
-              </a:spcAft>
-              <a:buNone/>
-            </a:pPr>
+            <a:pPr lvl="0"/>
             <a:r>
               <a:rPr lang="en" sz="1700" dirty="0">
                 <a:solidFill>
@@ -12018,7 +12046,7 @@
               </a:rPr>
             </a:br>
             <a:r>
-              <a:rPr lang="en" sz="1700" dirty="0">
+              <a:rPr lang="en" sz="1700" dirty="0" err="1">
                 <a:solidFill>
                   <a:srgbClr val="FFFFFF"/>
                 </a:solidFill>
@@ -12029,6 +12057,63 @@
               </a:rPr>
               <a:t>Numbeo</a:t>
             </a:r>
+            <a:r>
+              <a:rPr lang="en" sz="1700" dirty="0">
+                <a:solidFill>
+                  <a:srgbClr val="FFFFFF"/>
+                </a:solidFill>
+                <a:latin typeface="Lato"/>
+                <a:ea typeface="Lato"/>
+                <a:cs typeface="Lato"/>
+                <a:sym typeface="Lato"/>
+              </a:rPr>
+              <a:t> - </a:t>
+            </a:r>
+            <a:r>
+              <a:rPr lang="en-US" sz="1700" dirty="0">
+                <a:solidFill>
+                  <a:srgbClr val="FFFFFF"/>
+                </a:solidFill>
+                <a:latin typeface="Lato"/>
+                <a:ea typeface="Lato"/>
+                <a:cs typeface="Lato"/>
+                <a:sym typeface="Lato"/>
+              </a:rPr>
+              <a:t>is the world’s largest database about worldwide housing (real estate) prices and its indicators.  </a:t>
+            </a:r>
+            <a:r>
+              <a:rPr lang="en-US" sz="1700" dirty="0" err="1">
+                <a:solidFill>
+                  <a:srgbClr val="FFFFFF"/>
+                </a:solidFill>
+                <a:latin typeface="Lato"/>
+                <a:ea typeface="Lato"/>
+                <a:cs typeface="Lato"/>
+                <a:sym typeface="Lato"/>
+              </a:rPr>
+              <a:t>Numbeo</a:t>
+            </a:r>
+            <a:r>
+              <a:rPr lang="en-US" sz="1700" dirty="0">
+                <a:solidFill>
+                  <a:srgbClr val="FFFFFF"/>
+                </a:solidFill>
+                <a:latin typeface="Lato"/>
+                <a:ea typeface="Lato"/>
+                <a:cs typeface="Lato"/>
+                <a:sym typeface="Lato"/>
+              </a:rPr>
+              <a:t> utilizes surveys to determine the overall ratings per cities.</a:t>
+            </a:r>
+            <a:endParaRPr lang="en" sz="1700" dirty="0">
+              <a:solidFill>
+                <a:srgbClr val="FFFFFF"/>
+              </a:solidFill>
+              <a:latin typeface="Lato"/>
+              <a:ea typeface="Lato"/>
+              <a:cs typeface="Lato"/>
+              <a:sym typeface="Lato"/>
+            </a:endParaRPr>
           </a:p>
           <a:p>
             <a:pPr marL="0" lvl="0" indent="0" algn="l" rtl="0">

--- a/Homies City Collection.pptx
+++ b/Homies City Collection.pptx
@@ -32,14 +32,14 @@
   <p:notesSz cx="6858000" cy="9144000"/>
   <p:embeddedFontLst>
     <p:embeddedFont>
-      <p:font typeface="Lato" panose="020F0502020204030203" pitchFamily="34" charset="77"/>
+      <p:font typeface="Lato" panose="020B0604020202020204" charset="0"/>
       <p:regular r:id="rId22"/>
       <p:bold r:id="rId23"/>
       <p:italic r:id="rId24"/>
       <p:boldItalic r:id="rId25"/>
     </p:embeddedFont>
     <p:embeddedFont>
-      <p:font typeface="Raleway" pitchFamily="2" charset="77"/>
+      <p:font typeface="Raleway" panose="020B0604020202020204" charset="0"/>
       <p:regular r:id="rId26"/>
       <p:bold r:id="rId27"/>
       <p:italic r:id="rId28"/>
@@ -307,18 +307,18 @@
   <pc:docChgLst>
     <pc:chgData name="Colin" userId="c2c872a862d4dd17" providerId="LiveId" clId="{DBF0D679-A1D2-41BA-9DE5-196B1668C167}"/>
     <pc:docChg chg="undo custSel addSld delSld modSld">
-      <pc:chgData name="Colin" userId="c2c872a862d4dd17" providerId="LiveId" clId="{DBF0D679-A1D2-41BA-9DE5-196B1668C167}" dt="2020-07-20T00:53:45.725" v="1003" actId="20577"/>
+      <pc:chgData name="Colin" userId="c2c872a862d4dd17" providerId="LiveId" clId="{DBF0D679-A1D2-41BA-9DE5-196B1668C167}" dt="2020-07-20T01:06:13.847" v="1033" actId="20577"/>
       <pc:docMkLst>
         <pc:docMk/>
       </pc:docMkLst>
       <pc:sldChg chg="modSp mod">
-        <pc:chgData name="Colin" userId="c2c872a862d4dd17" providerId="LiveId" clId="{DBF0D679-A1D2-41BA-9DE5-196B1668C167}" dt="2020-07-20T00:53:45.725" v="1003" actId="20577"/>
+        <pc:chgData name="Colin" userId="c2c872a862d4dd17" providerId="LiveId" clId="{DBF0D679-A1D2-41BA-9DE5-196B1668C167}" dt="2020-07-20T01:06:13.847" v="1033" actId="20577"/>
         <pc:sldMkLst>
           <pc:docMk/>
           <pc:sldMk cId="0" sldId="262"/>
         </pc:sldMkLst>
         <pc:spChg chg="mod">
-          <ac:chgData name="Colin" userId="c2c872a862d4dd17" providerId="LiveId" clId="{DBF0D679-A1D2-41BA-9DE5-196B1668C167}" dt="2020-07-20T00:53:45.725" v="1003" actId="20577"/>
+          <ac:chgData name="Colin" userId="c2c872a862d4dd17" providerId="LiveId" clId="{DBF0D679-A1D2-41BA-9DE5-196B1668C167}" dt="2020-07-20T01:06:13.847" v="1033" actId="20577"/>
           <ac:spMkLst>
             <pc:docMk/>
             <pc:sldMk cId="0" sldId="262"/>
@@ -11576,9 +11576,21 @@
           </a:bodyPr>
           <a:lstStyle/>
           <a:p>
-            <a:pPr lvl="0"/>
+            <a:pPr algn="ctr"/>
+            <a:endParaRPr lang="en-US" sz="2000">
+              <a:solidFill>
+                <a:srgbClr val="FFFFFF"/>
+              </a:solidFill>
+              <a:latin typeface="Lato"/>
+              <a:ea typeface="Lato"/>
+              <a:cs typeface="Lato"/>
+              <a:sym typeface="Lato"/>
+            </a:endParaRPr>
+          </a:p>
+          <a:p>
+            <a:pPr algn="ctr"/>
             <a:r>
-              <a:rPr lang="en-US" sz="1600" dirty="0">
+              <a:rPr lang="en-US" sz="2000">
                 <a:solidFill>
                   <a:srgbClr val="FFFFFF"/>
                 </a:solidFill>
@@ -11587,10 +11599,10 @@
                 <a:cs typeface="Lato"/>
                 <a:sym typeface="Lato"/>
               </a:rPr>
-              <a:t>List of Parameters</a:t>
+              <a:t>Crime</a:t>
             </a:r>
             <a:br>
-              <a:rPr lang="en-US" sz="1600" dirty="0">
+              <a:rPr lang="en-US" sz="2000" dirty="0">
                 <a:solidFill>
                   <a:srgbClr val="FFFFFF"/>
                 </a:solidFill>
@@ -11601,7 +11613,7 @@
               </a:rPr>
             </a:br>
             <a:r>
-              <a:rPr lang="en-US" sz="1600" dirty="0" err="1">
+              <a:rPr lang="en-US" sz="2000" dirty="0">
                 <a:solidFill>
                   <a:srgbClr val="FFFFFF"/>
                 </a:solidFill>
@@ -11610,36 +11622,10 @@
                 <a:cs typeface="Lato"/>
                 <a:sym typeface="Lato"/>
               </a:rPr>
-              <a:t>Numbeo</a:t>
-            </a:r>
-            <a:r>
-              <a:rPr lang="en-US" sz="1600" dirty="0">
-                <a:solidFill>
-                  <a:srgbClr val="FFFFFF"/>
-                </a:solidFill>
-                <a:latin typeface="Lato"/>
-                <a:ea typeface="Lato"/>
-                <a:cs typeface="Lato"/>
-                <a:sym typeface="Lato"/>
-              </a:rPr>
-              <a:t> surveys the following list of parameters for the list of cities:</a:t>
-            </a:r>
-          </a:p>
-          <a:p>
-            <a:r>
-              <a:rPr lang="en-US" sz="1600" dirty="0">
-                <a:solidFill>
-                  <a:srgbClr val="FFFFFF"/>
-                </a:solidFill>
-                <a:latin typeface="Lato"/>
-                <a:ea typeface="Lato"/>
-                <a:cs typeface="Lato"/>
-                <a:sym typeface="Lato"/>
-              </a:rPr>
-              <a:t>Crime – worried about having car or items from car stolen</a:t>
+              <a:t>Safety</a:t>
             </a:r>
             <a:br>
-              <a:rPr lang="en-US" sz="1600" dirty="0">
+              <a:rPr lang="en-US" sz="2000" dirty="0">
                 <a:solidFill>
                   <a:srgbClr val="FFFFFF"/>
                 </a:solidFill>
@@ -11650,7 +11636,7 @@
               </a:rPr>
             </a:br>
             <a:r>
-              <a:rPr lang="en-US" sz="1600" dirty="0">
+              <a:rPr lang="en-US" sz="2000" dirty="0">
                 <a:solidFill>
                   <a:srgbClr val="FFFFFF"/>
                 </a:solidFill>
@@ -11659,10 +11645,10 @@
                 <a:cs typeface="Lato"/>
                 <a:sym typeface="Lato"/>
               </a:rPr>
-              <a:t>Safety – feel of safety of walking during daylight and night</a:t>
+              <a:t>Quality of</a:t>
             </a:r>
             <a:br>
-              <a:rPr lang="en-US" sz="1600" dirty="0">
+              <a:rPr lang="en-US" sz="2000" dirty="0">
                 <a:solidFill>
                   <a:srgbClr val="FFFFFF"/>
                 </a:solidFill>
@@ -11673,7 +11659,7 @@
               </a:rPr>
             </a:br>
             <a:r>
-              <a:rPr lang="en-US" sz="1600" dirty="0">
+              <a:rPr lang="en-US" sz="2000" dirty="0">
                 <a:solidFill>
                   <a:srgbClr val="FFFFFF"/>
                 </a:solidFill>
@@ -11682,10 +11668,10 @@
                 <a:cs typeface="Lato"/>
                 <a:sym typeface="Lato"/>
               </a:rPr>
-              <a:t>Quality of Life – quantitative calculation of the following: cost of living, purchasing power, pollution, crime rates, climate, health system quality and traffic commute times</a:t>
+              <a:t>Purchasing Power</a:t>
             </a:r>
             <a:br>
-              <a:rPr lang="en-US" sz="1600" dirty="0">
+              <a:rPr lang="en-US" sz="2000" dirty="0">
                 <a:solidFill>
                   <a:srgbClr val="FFFFFF"/>
                 </a:solidFill>
@@ -11696,7 +11682,7 @@
               </a:rPr>
             </a:br>
             <a:r>
-              <a:rPr lang="en-US" sz="1600" dirty="0">
+              <a:rPr lang="en-US" sz="2000" dirty="0">
                 <a:solidFill>
                   <a:srgbClr val="FFFFFF"/>
                 </a:solidFill>
@@ -11705,10 +11691,10 @@
                 <a:cs typeface="Lato"/>
                 <a:sym typeface="Lato"/>
               </a:rPr>
-              <a:t>Purchasing Power – calculates various property values using aggregate data</a:t>
+              <a:t>Healthcare</a:t>
             </a:r>
             <a:br>
-              <a:rPr lang="en-US" sz="1600" dirty="0">
+              <a:rPr lang="en-US" sz="2000" dirty="0">
                 <a:solidFill>
                   <a:srgbClr val="FFFFFF"/>
                 </a:solidFill>
@@ -11719,7 +11705,7 @@
               </a:rPr>
             </a:br>
             <a:r>
-              <a:rPr lang="en-US" sz="1600" dirty="0">
+              <a:rPr lang="en-US" sz="2000" dirty="0">
                 <a:solidFill>
                   <a:srgbClr val="FFFFFF"/>
                 </a:solidFill>
@@ -11728,10 +11714,25 @@
                 <a:cs typeface="Lato"/>
                 <a:sym typeface="Lato"/>
               </a:rPr>
-              <a:t>Healthcare – health system quality</a:t>
+              <a:t>Cost of Living </a:t>
+            </a:r>
+          </a:p>
+          <a:p>
+            <a:pPr algn="ctr"/>
+            <a:r>
+              <a:rPr lang="en-US" sz="2000" dirty="0">
+                <a:solidFill>
+                  <a:srgbClr val="FFFFFF"/>
+                </a:solidFill>
+                <a:latin typeface="Lato"/>
+                <a:ea typeface="Lato"/>
+                <a:cs typeface="Lato"/>
+                <a:sym typeface="Lato"/>
+              </a:rPr>
+              <a:t>Pollution –</a:t>
             </a:r>
             <a:br>
-              <a:rPr lang="en-US" sz="1600" dirty="0">
+              <a:rPr lang="en-US" sz="2000" dirty="0">
                 <a:solidFill>
                   <a:srgbClr val="FFFFFF"/>
                 </a:solidFill>
@@ -11742,7 +11743,7 @@
               </a:rPr>
             </a:br>
             <a:r>
-              <a:rPr lang="en-US" sz="1600" dirty="0">
+              <a:rPr lang="en-US" sz="2000" dirty="0">
                 <a:solidFill>
                   <a:srgbClr val="FFFFFF"/>
                 </a:solidFill>
@@ -11751,10 +11752,10 @@
                 <a:cs typeface="Lato"/>
                 <a:sym typeface="Lato"/>
               </a:rPr>
-              <a:t>Cost of Living – analysis of property values and property investment opportunities per city</a:t>
+              <a:t>Price to Income Ratio</a:t>
             </a:r>
             <a:br>
-              <a:rPr lang="en-US" sz="1600" dirty="0">
+              <a:rPr lang="en-US" sz="2000" dirty="0">
                 <a:solidFill>
                   <a:srgbClr val="FFFFFF"/>
                 </a:solidFill>
@@ -11765,7 +11766,7 @@
               </a:rPr>
             </a:br>
             <a:r>
-              <a:rPr lang="en-US" sz="1600" dirty="0">
+              <a:rPr lang="en-US" sz="2000" dirty="0">
                 <a:solidFill>
                   <a:srgbClr val="FFFFFF"/>
                 </a:solidFill>
@@ -11774,10 +11775,13 @@
                 <a:cs typeface="Lato"/>
                 <a:sym typeface="Lato"/>
               </a:rPr>
-              <a:t>Traffic Commute Time - Cities in which people spend much time in traffic </a:t>
+              <a:t>Affordability</a:t>
             </a:r>
+          </a:p>
+          <a:p>
+            <a:pPr algn="ctr"/>
             <a:r>
-              <a:rPr lang="en-US" sz="1600" dirty="0" err="1">
+              <a:rPr lang="en-US" sz="2000" dirty="0">
                 <a:solidFill>
                   <a:srgbClr val="FFFFFF"/>
                 </a:solidFill>
@@ -11786,114 +11790,7 @@
                 <a:cs typeface="Lato"/>
                 <a:sym typeface="Lato"/>
               </a:rPr>
-              <a:t>Numbeo</a:t>
-            </a:r>
-            <a:r>
-              <a:rPr lang="en-US" sz="1600" dirty="0">
-                <a:solidFill>
-                  <a:srgbClr val="FFFFFF"/>
-                </a:solidFill>
-                <a:latin typeface="Lato"/>
-                <a:ea typeface="Lato"/>
-                <a:cs typeface="Lato"/>
-                <a:sym typeface="Lato"/>
-              </a:rPr>
-              <a:t> considers congested and it influences overall quality of life in that city.</a:t>
-            </a:r>
-            <a:br>
-              <a:rPr lang="en-US" sz="1600" dirty="0">
-                <a:solidFill>
-                  <a:srgbClr val="FFFFFF"/>
-                </a:solidFill>
-                <a:latin typeface="Lato"/>
-                <a:ea typeface="Lato"/>
-                <a:cs typeface="Lato"/>
-                <a:sym typeface="Lato"/>
-              </a:rPr>
-            </a:br>
-            <a:r>
-              <a:rPr lang="en-US" sz="1600" dirty="0">
-                <a:solidFill>
-                  <a:srgbClr val="FFFFFF"/>
-                </a:solidFill>
-                <a:latin typeface="Lato"/>
-                <a:ea typeface="Lato"/>
-                <a:cs typeface="Lato"/>
-                <a:sym typeface="Lato"/>
-              </a:rPr>
-              <a:t>Pollution – including air, water, </a:t>
-            </a:r>
-            <a:r>
-              <a:rPr lang="en-US" sz="1600" dirty="0" err="1">
-                <a:solidFill>
-                  <a:srgbClr val="FFFFFF"/>
-                </a:solidFill>
-                <a:latin typeface="Lato"/>
-                <a:ea typeface="Lato"/>
-                <a:cs typeface="Lato"/>
-                <a:sym typeface="Lato"/>
-              </a:rPr>
-              <a:t>etc</a:t>
-            </a:r>
-            <a:br>
-              <a:rPr lang="en-US" sz="1600" dirty="0">
-                <a:solidFill>
-                  <a:srgbClr val="FFFFFF"/>
-                </a:solidFill>
-                <a:latin typeface="Lato"/>
-                <a:ea typeface="Lato"/>
-                <a:cs typeface="Lato"/>
-                <a:sym typeface="Lato"/>
-              </a:rPr>
-            </a:br>
-            <a:r>
-              <a:rPr lang="en-US" sz="1600" dirty="0">
-                <a:solidFill>
-                  <a:srgbClr val="FFFFFF"/>
-                </a:solidFill>
-                <a:latin typeface="Lato"/>
-                <a:ea typeface="Lato"/>
-                <a:cs typeface="Lato"/>
-                <a:sym typeface="Lato"/>
-              </a:rPr>
-              <a:t>Price to Income Ratio – price of housing to household income ratio</a:t>
-            </a:r>
-            <a:br>
-              <a:rPr lang="en-US" sz="1600" dirty="0">
-                <a:solidFill>
-                  <a:srgbClr val="FFFFFF"/>
-                </a:solidFill>
-                <a:latin typeface="Lato"/>
-                <a:ea typeface="Lato"/>
-                <a:cs typeface="Lato"/>
-                <a:sym typeface="Lato"/>
-              </a:rPr>
-            </a:br>
-            <a:r>
-              <a:rPr lang="en-US" sz="1600" dirty="0">
-                <a:solidFill>
-                  <a:srgbClr val="FFFFFF"/>
-                </a:solidFill>
-                <a:latin typeface="Lato"/>
-                <a:ea typeface="Lato"/>
-                <a:cs typeface="Lato"/>
-                <a:sym typeface="Lato"/>
-              </a:rPr>
-              <a:t>Affordability – affordability of housing</a:t>
-            </a:r>
-          </a:p>
-          <a:p>
-            <a:r>
-              <a:rPr lang="en-US" sz="1600" dirty="0">
-                <a:solidFill>
-                  <a:srgbClr val="FFFFFF"/>
-                </a:solidFill>
-                <a:latin typeface="Lato"/>
-                <a:ea typeface="Lato"/>
-                <a:cs typeface="Lato"/>
-                <a:sym typeface="Lato"/>
-              </a:rPr>
-              <a:t>Temperature – average weather data of the cities</a:t>
+              <a:t>Temperature</a:t>
             </a:r>
           </a:p>
         </p:txBody>

--- a/Homies City Collection.pptx
+++ b/Homies City Collection.pptx
@@ -307,18 +307,18 @@
   <pc:docChgLst>
     <pc:chgData name="Colin" userId="c2c872a862d4dd17" providerId="LiveId" clId="{DBF0D679-A1D2-41BA-9DE5-196B1668C167}"/>
     <pc:docChg chg="undo custSel addSld delSld modSld">
-      <pc:chgData name="Colin" userId="c2c872a862d4dd17" providerId="LiveId" clId="{DBF0D679-A1D2-41BA-9DE5-196B1668C167}" dt="2020-07-20T01:06:13.847" v="1033" actId="20577"/>
+      <pc:chgData name="Colin" userId="c2c872a862d4dd17" providerId="LiveId" clId="{DBF0D679-A1D2-41BA-9DE5-196B1668C167}" dt="2020-07-20T01:10:37.143" v="1035" actId="20577"/>
       <pc:docMkLst>
         <pc:docMk/>
       </pc:docMkLst>
       <pc:sldChg chg="modSp mod">
-        <pc:chgData name="Colin" userId="c2c872a862d4dd17" providerId="LiveId" clId="{DBF0D679-A1D2-41BA-9DE5-196B1668C167}" dt="2020-07-20T01:06:13.847" v="1033" actId="20577"/>
+        <pc:chgData name="Colin" userId="c2c872a862d4dd17" providerId="LiveId" clId="{DBF0D679-A1D2-41BA-9DE5-196B1668C167}" dt="2020-07-20T01:10:37.143" v="1035" actId="20577"/>
         <pc:sldMkLst>
           <pc:docMk/>
           <pc:sldMk cId="0" sldId="262"/>
         </pc:sldMkLst>
         <pc:spChg chg="mod">
-          <ac:chgData name="Colin" userId="c2c872a862d4dd17" providerId="LiveId" clId="{DBF0D679-A1D2-41BA-9DE5-196B1668C167}" dt="2020-07-20T01:06:13.847" v="1033" actId="20577"/>
+          <ac:chgData name="Colin" userId="c2c872a862d4dd17" providerId="LiveId" clId="{DBF0D679-A1D2-41BA-9DE5-196B1668C167}" dt="2020-07-20T01:10:37.143" v="1035" actId="20577"/>
           <ac:spMkLst>
             <pc:docMk/>
             <pc:sldMk cId="0" sldId="262"/>
@@ -11577,7 +11577,7 @@
           <a:lstStyle/>
           <a:p>
             <a:pPr algn="ctr"/>
-            <a:endParaRPr lang="en-US" sz="2000">
+            <a:endParaRPr lang="en-US" sz="2000" dirty="0">
               <a:solidFill>
                 <a:srgbClr val="FFFFFF"/>
               </a:solidFill>
@@ -11590,7 +11590,7 @@
           <a:p>
             <a:pPr algn="ctr"/>
             <a:r>
-              <a:rPr lang="en-US" sz="2000">
+              <a:rPr lang="en-US" sz="2000" dirty="0">
                 <a:solidFill>
                   <a:srgbClr val="FFFFFF"/>
                 </a:solidFill>
@@ -11720,7 +11720,7 @@
           <a:p>
             <a:pPr algn="ctr"/>
             <a:r>
-              <a:rPr lang="en-US" sz="2000" dirty="0">
+              <a:rPr lang="en-US" sz="2000">
                 <a:solidFill>
                   <a:srgbClr val="FFFFFF"/>
                 </a:solidFill>
@@ -11729,7 +11729,7 @@
                 <a:cs typeface="Lato"/>
                 <a:sym typeface="Lato"/>
               </a:rPr>
-              <a:t>Pollution –</a:t>
+              <a:t>Pollution</a:t>
             </a:r>
             <a:br>
               <a:rPr lang="en-US" sz="2000" dirty="0">

--- a/Homies City Collection.pptx
+++ b/Homies City Collection.pptx
@@ -32,14 +32,14 @@
   <p:notesSz cx="6858000" cy="9144000"/>
   <p:embeddedFontLst>
     <p:embeddedFont>
-      <p:font typeface="Lato" panose="020B0604020202020204" charset="0"/>
+      <p:font typeface="Lato" panose="020F0502020204030203" pitchFamily="34" charset="77"/>
       <p:regular r:id="rId22"/>
       <p:bold r:id="rId23"/>
       <p:italic r:id="rId24"/>
       <p:boldItalic r:id="rId25"/>
     </p:embeddedFont>
     <p:embeddedFont>
-      <p:font typeface="Raleway" panose="020B0604020202020204" charset="0"/>
+      <p:font typeface="Raleway" pitchFamily="2" charset="77"/>
       <p:regular r:id="rId26"/>
       <p:bold r:id="rId27"/>
       <p:italic r:id="rId28"/>
@@ -2791,7 +2791,7 @@
         </p:nvSpPr>
         <p:spPr>
           <a:xfrm>
-            <a:off x="381300" y="685800"/>
+            <a:off x="381000" y="685800"/>
             <a:ext cx="6096000" cy="3429000"/>
           </a:xfrm>
           <a:custGeom>
@@ -11577,7 +11577,7 @@
           <a:lstStyle/>
           <a:p>
             <a:pPr algn="ctr"/>
-            <a:endParaRPr lang="en-US" sz="2000">
+            <a:endParaRPr lang="en-US" sz="2000" dirty="0">
               <a:solidFill>
                 <a:srgbClr val="FFFFFF"/>
               </a:solidFill>
@@ -11588,9 +11588,9 @@
             </a:endParaRPr>
           </a:p>
           <a:p>
-            <a:pPr algn="ctr"/>
+            <a:pPr lvl="0"/>
             <a:r>
-              <a:rPr lang="en-US" sz="2000">
+              <a:rPr lang="en-US" sz="1600" dirty="0" err="1">
                 <a:solidFill>
                   <a:srgbClr val="FFFFFF"/>
                 </a:solidFill>
@@ -11599,10 +11599,36 @@
                 <a:cs typeface="Lato"/>
                 <a:sym typeface="Lato"/>
               </a:rPr>
-              <a:t>Crime</a:t>
+              <a:t>Numbeo</a:t>
+            </a:r>
+            <a:r>
+              <a:rPr lang="en-US" sz="1600" dirty="0">
+                <a:solidFill>
+                  <a:srgbClr val="FFFFFF"/>
+                </a:solidFill>
+                <a:latin typeface="Lato"/>
+                <a:ea typeface="Lato"/>
+                <a:cs typeface="Lato"/>
+                <a:sym typeface="Lato"/>
+              </a:rPr>
+              <a:t> surveys the following list of parameters for the list of cities:</a:t>
+            </a:r>
+          </a:p>
+          <a:p>
+            <a:r>
+              <a:rPr lang="en-US" sz="1600" dirty="0">
+                <a:solidFill>
+                  <a:srgbClr val="FFFFFF"/>
+                </a:solidFill>
+                <a:latin typeface="Lato"/>
+                <a:ea typeface="Lato"/>
+                <a:cs typeface="Lato"/>
+                <a:sym typeface="Lato"/>
+              </a:rPr>
+              <a:t>Crime – worried about having car or items from car stolen</a:t>
             </a:r>
             <a:br>
-              <a:rPr lang="en-US" sz="2000" dirty="0">
+              <a:rPr lang="en-US" sz="1600" dirty="0">
                 <a:solidFill>
                   <a:srgbClr val="FFFFFF"/>
                 </a:solidFill>
@@ -11613,7 +11639,7 @@
               </a:rPr>
             </a:br>
             <a:r>
-              <a:rPr lang="en-US" sz="2000" dirty="0">
+              <a:rPr lang="en-US" sz="1600" dirty="0">
                 <a:solidFill>
                   <a:srgbClr val="FFFFFF"/>
                 </a:solidFill>
@@ -11622,10 +11648,10 @@
                 <a:cs typeface="Lato"/>
                 <a:sym typeface="Lato"/>
               </a:rPr>
-              <a:t>Safety</a:t>
+              <a:t>Safety – feel of safety of walking during daylight and night</a:t>
             </a:r>
             <a:br>
-              <a:rPr lang="en-US" sz="2000" dirty="0">
+              <a:rPr lang="en-US" sz="1600" dirty="0">
                 <a:solidFill>
                   <a:srgbClr val="FFFFFF"/>
                 </a:solidFill>
@@ -11636,7 +11662,7 @@
               </a:rPr>
             </a:br>
             <a:r>
-              <a:rPr lang="en-US" sz="2000" dirty="0">
+              <a:rPr lang="en-US" sz="1600" dirty="0">
                 <a:solidFill>
                   <a:srgbClr val="FFFFFF"/>
                 </a:solidFill>
@@ -11645,10 +11671,10 @@
                 <a:cs typeface="Lato"/>
                 <a:sym typeface="Lato"/>
               </a:rPr>
-              <a:t>Quality of</a:t>
+              <a:t>Quality of Life – quantitative calculation of the following: cost of living, purchasing power, pollution, crime rates, climate, health system quality and traffic commute times</a:t>
             </a:r>
             <a:br>
-              <a:rPr lang="en-US" sz="2000" dirty="0">
+              <a:rPr lang="en-US" sz="1600" dirty="0">
                 <a:solidFill>
                   <a:srgbClr val="FFFFFF"/>
                 </a:solidFill>
@@ -11659,7 +11685,7 @@
               </a:rPr>
             </a:br>
             <a:r>
-              <a:rPr lang="en-US" sz="2000" dirty="0">
+              <a:rPr lang="en-US" sz="1600" dirty="0">
                 <a:solidFill>
                   <a:srgbClr val="FFFFFF"/>
                 </a:solidFill>
@@ -11668,10 +11694,10 @@
                 <a:cs typeface="Lato"/>
                 <a:sym typeface="Lato"/>
               </a:rPr>
-              <a:t>Purchasing Power</a:t>
+              <a:t>Purchasing Power – calculates various property values using aggregate data</a:t>
             </a:r>
             <a:br>
-              <a:rPr lang="en-US" sz="2000" dirty="0">
+              <a:rPr lang="en-US" sz="1600" dirty="0">
                 <a:solidFill>
                   <a:srgbClr val="FFFFFF"/>
                 </a:solidFill>
@@ -11682,7 +11708,7 @@
               </a:rPr>
             </a:br>
             <a:r>
-              <a:rPr lang="en-US" sz="2000" dirty="0">
+              <a:rPr lang="en-US" sz="1600" dirty="0">
                 <a:solidFill>
                   <a:srgbClr val="FFFFFF"/>
                 </a:solidFill>
@@ -11691,10 +11717,10 @@
                 <a:cs typeface="Lato"/>
                 <a:sym typeface="Lato"/>
               </a:rPr>
-              <a:t>Healthcare</a:t>
+              <a:t>Healthcare – health system quality</a:t>
             </a:r>
             <a:br>
-              <a:rPr lang="en-US" sz="2000" dirty="0">
+              <a:rPr lang="en-US" sz="1600" dirty="0">
                 <a:solidFill>
                   <a:srgbClr val="FFFFFF"/>
                 </a:solidFill>
@@ -11705,7 +11731,7 @@
               </a:rPr>
             </a:br>
             <a:r>
-              <a:rPr lang="en-US" sz="2000" dirty="0">
+              <a:rPr lang="en-US" sz="1600" dirty="0">
                 <a:solidFill>
                   <a:srgbClr val="FFFFFF"/>
                 </a:solidFill>
@@ -11714,25 +11740,10 @@
                 <a:cs typeface="Lato"/>
                 <a:sym typeface="Lato"/>
               </a:rPr>
-              <a:t>Cost of Living </a:t>
-            </a:r>
-          </a:p>
-          <a:p>
-            <a:pPr algn="ctr"/>
-            <a:r>
-              <a:rPr lang="en-US" sz="2000" dirty="0">
-                <a:solidFill>
-                  <a:srgbClr val="FFFFFF"/>
-                </a:solidFill>
-                <a:latin typeface="Lato"/>
-                <a:ea typeface="Lato"/>
-                <a:cs typeface="Lato"/>
-                <a:sym typeface="Lato"/>
-              </a:rPr>
-              <a:t>Pollution –</a:t>
+              <a:t>Cost of Living – analysis of property values and property investment opportunities per city</a:t>
             </a:r>
             <a:br>
-              <a:rPr lang="en-US" sz="2000" dirty="0">
+              <a:rPr lang="en-US" sz="1600" dirty="0">
                 <a:solidFill>
                   <a:srgbClr val="FFFFFF"/>
                 </a:solidFill>
@@ -11743,7 +11754,7 @@
               </a:rPr>
             </a:br>
             <a:r>
-              <a:rPr lang="en-US" sz="2000" dirty="0">
+              <a:rPr lang="en-US" sz="1600" dirty="0">
                 <a:solidFill>
                   <a:srgbClr val="FFFFFF"/>
                 </a:solidFill>
@@ -11752,10 +11763,34 @@
                 <a:cs typeface="Lato"/>
                 <a:sym typeface="Lato"/>
               </a:rPr>
-              <a:t>Price to Income Ratio</a:t>
+              <a:t>Traffic Commute Time - Cities in which people spend much time in traffic </a:t>
+            </a:r>
+            <a:r>
+              <a:rPr lang="en-US" sz="1600" dirty="0" err="1">
+                <a:solidFill>
+                  <a:srgbClr val="FFFFFF"/>
+                </a:solidFill>
+                <a:latin typeface="Lato"/>
+                <a:ea typeface="Lato"/>
+                <a:cs typeface="Lato"/>
+                <a:sym typeface="Lato"/>
+              </a:rPr>
+              <a:t>Numbeo</a:t>
+            </a:r>
+            <a:r>
+              <a:rPr lang="en-US" sz="1600" dirty="0">
+                <a:solidFill>
+                  <a:srgbClr val="FFFFFF"/>
+                </a:solidFill>
+                <a:latin typeface="Lato"/>
+                <a:ea typeface="Lato"/>
+                <a:cs typeface="Lato"/>
+                <a:sym typeface="Lato"/>
+              </a:rPr>
+              <a:t> considers congested and it influences overall quality of life in that city.</a:t>
             </a:r>
             <a:br>
-              <a:rPr lang="en-US" sz="2000" dirty="0">
+              <a:rPr lang="en-US" sz="1600" dirty="0">
                 <a:solidFill>
                   <a:srgbClr val="FFFFFF"/>
                 </a:solidFill>
@@ -11766,7 +11801,7 @@
               </a:rPr>
             </a:br>
             <a:r>
-              <a:rPr lang="en-US" sz="2000" dirty="0">
+              <a:rPr lang="en-US" sz="1600" dirty="0">
                 <a:solidFill>
                   <a:srgbClr val="FFFFFF"/>
                 </a:solidFill>
@@ -11775,13 +11810,10 @@
                 <a:cs typeface="Lato"/>
                 <a:sym typeface="Lato"/>
               </a:rPr>
-              <a:t>Affordability</a:t>
+              <a:t>Pollution – including air, water, </a:t>
             </a:r>
-          </a:p>
-          <a:p>
-            <a:pPr algn="ctr"/>
             <a:r>
-              <a:rPr lang="en-US" sz="2000" dirty="0">
+              <a:rPr lang="en-US" sz="1600" dirty="0" err="1">
                 <a:solidFill>
                   <a:srgbClr val="FFFFFF"/>
                 </a:solidFill>
@@ -11790,7 +11822,67 @@
                 <a:cs typeface="Lato"/>
                 <a:sym typeface="Lato"/>
               </a:rPr>
-              <a:t>Temperature</a:t>
+              <a:t>etc</a:t>
+            </a:r>
+            <a:br>
+              <a:rPr lang="en-US" sz="1600" dirty="0">
+                <a:solidFill>
+                  <a:srgbClr val="FFFFFF"/>
+                </a:solidFill>
+                <a:latin typeface="Lato"/>
+                <a:ea typeface="Lato"/>
+                <a:cs typeface="Lato"/>
+                <a:sym typeface="Lato"/>
+              </a:rPr>
+            </a:br>
+            <a:r>
+              <a:rPr lang="en-US" sz="1600" dirty="0">
+                <a:solidFill>
+                  <a:srgbClr val="FFFFFF"/>
+                </a:solidFill>
+                <a:latin typeface="Lato"/>
+                <a:ea typeface="Lato"/>
+                <a:cs typeface="Lato"/>
+                <a:sym typeface="Lato"/>
+              </a:rPr>
+              <a:t>Price to Income Ratio – price of housing to household income ratio</a:t>
+            </a:r>
+            <a:br>
+              <a:rPr lang="en-US" sz="1600" dirty="0">
+                <a:solidFill>
+                  <a:srgbClr val="FFFFFF"/>
+                </a:solidFill>
+                <a:latin typeface="Lato"/>
+                <a:ea typeface="Lato"/>
+                <a:cs typeface="Lato"/>
+                <a:sym typeface="Lato"/>
+              </a:rPr>
+            </a:br>
+            <a:r>
+              <a:rPr lang="en-US" sz="1600" dirty="0">
+                <a:solidFill>
+                  <a:srgbClr val="FFFFFF"/>
+                </a:solidFill>
+                <a:latin typeface="Lato"/>
+                <a:ea typeface="Lato"/>
+                <a:cs typeface="Lato"/>
+                <a:sym typeface="Lato"/>
+              </a:rPr>
+              <a:t>Affordability – affordability of housing</a:t>
+            </a:r>
+          </a:p>
+          <a:p>
+            <a:r>
+              <a:rPr lang="en-US" sz="1600" dirty="0">
+                <a:solidFill>
+                  <a:srgbClr val="FFFFFF"/>
+                </a:solidFill>
+                <a:latin typeface="Lato"/>
+                <a:ea typeface="Lato"/>
+                <a:cs typeface="Lato"/>
+                <a:sym typeface="Lato"/>
+              </a:rPr>
+              <a:t>Temperature – real time temperature of the cities.</a:t>
             </a:r>
           </a:p>
         </p:txBody>
@@ -12156,7 +12248,7 @@
               <a:buNone/>
             </a:pPr>
             <a:br>
-              <a:rPr lang="en" sz="1700">
+              <a:rPr lang="en" sz="1700" dirty="0">
                 <a:solidFill>
                   <a:srgbClr val="FFFFFF"/>
                 </a:solidFill>
@@ -12167,7 +12259,7 @@
               </a:rPr>
             </a:br>
             <a:r>
-              <a:rPr lang="en" sz="1700">
+              <a:rPr lang="en" sz="1700" dirty="0" err="1">
                 <a:solidFill>
                   <a:srgbClr val="FFFFFF"/>
                 </a:solidFill>
@@ -12176,12 +12268,24 @@
                 <a:cs typeface="Lato"/>
                 <a:sym typeface="Lato"/>
               </a:rPr>
-              <a:t>BootStrap: </a:t>
+              <a:t>BootStrap</a:t>
             </a:r>
             <a:r>
-              <a:rPr lang="en" sz="1700">
+              <a:rPr lang="en" sz="1700" dirty="0">
                 <a:solidFill>
                   <a:srgbClr val="FFFFFF"/>
+                </a:solidFill>
+                <a:latin typeface="Lato"/>
+                <a:ea typeface="Lato"/>
+                <a:cs typeface="Lato"/>
+                <a:sym typeface="Lato"/>
+              </a:rPr>
+              <a:t>: </a:t>
+            </a:r>
+            <a:r>
+              <a:rPr lang="en" sz="1700" dirty="0">
+                <a:solidFill>
+                  <a:schemeClr val="bg1"/>
                 </a:solidFill>
                 <a:uFill>
                   <a:noFill/>
@@ -12190,12 +12294,18 @@
                 <a:ea typeface="Lato"/>
                 <a:cs typeface="Lato"/>
                 <a:sym typeface="Lato"/>
-                <a:hlinkClick r:id="rId3"/>
+                <a:hlinkClick r:id="rId3">
+                  <a:extLst>
+                    <a:ext uri="{A12FA001-AC4F-418D-AE19-62706E023703}">
+                      <ahyp:hlinkClr xmlns:ahyp="http://schemas.microsoft.com/office/drawing/2018/hyperlinkcolor" val="tx"/>
+                    </a:ext>
+                  </a:extLst>
+                </a:hlinkClick>
               </a:rPr>
               <a:t>https://maxcdn.bootstrapcdn.com/bootstrap/3.3.7/css/bootstrap.min.css</a:t>
             </a:r>
             <a:br>
-              <a:rPr lang="en" sz="1700">
+              <a:rPr lang="en" sz="1700" dirty="0">
                 <a:solidFill>
                   <a:srgbClr val="FFFFFF"/>
                 </a:solidFill>
@@ -12206,7 +12316,7 @@
               </a:rPr>
             </a:br>
             <a:r>
-              <a:rPr lang="en" sz="1700">
+              <a:rPr lang="en" sz="1700" dirty="0">
                 <a:solidFill>
                   <a:srgbClr val="FFFFFF"/>
                 </a:solidFill>
@@ -12218,9 +12328,9 @@
               <a:t>D3: </a:t>
             </a:r>
             <a:r>
-              <a:rPr lang="en" sz="1700">
-                <a:solidFill>
-                  <a:srgbClr val="FFFFFF"/>
+              <a:rPr lang="en" sz="1700" dirty="0">
+                <a:solidFill>
+                  <a:schemeClr val="bg1"/>
                 </a:solidFill>
                 <a:uFill>
                   <a:noFill/>
@@ -12229,12 +12339,18 @@
                 <a:ea typeface="Lato"/>
                 <a:cs typeface="Lato"/>
                 <a:sym typeface="Lato"/>
-                <a:hlinkClick r:id="rId4"/>
+                <a:hlinkClick r:id="rId4">
+                  <a:extLst>
+                    <a:ext uri="{A12FA001-AC4F-418D-AE19-62706E023703}">
+                      <ahyp:hlinkClr xmlns:ahyp="http://schemas.microsoft.com/office/drawing/2018/hyperlinkcolor" val="tx"/>
+                    </a:ext>
+                  </a:extLst>
+                </a:hlinkClick>
               </a:rPr>
               <a:t>https://cdnjs.cloudflare.com/ajax/libs/d3/5.5.0/d3.js</a:t>
             </a:r>
             <a:br>
-              <a:rPr lang="en" sz="1700">
+              <a:rPr lang="en" sz="1700" dirty="0">
                 <a:solidFill>
                   <a:srgbClr val="FFFFFF"/>
                 </a:solidFill>
@@ -12245,7 +12361,7 @@
               </a:rPr>
             </a:br>
             <a:r>
-              <a:rPr lang="en" sz="1700">
+              <a:rPr lang="en" sz="1700" dirty="0">
                 <a:solidFill>
                   <a:srgbClr val="FFFFFF"/>
                 </a:solidFill>
@@ -12254,10 +12370,46 @@
                 <a:cs typeface="Lato"/>
                 <a:sym typeface="Lato"/>
               </a:rPr>
-              <a:t>CSS: static/css/style.css</a:t>
+              <a:t>CSS: static/</a:t>
+            </a:r>
+            <a:r>
+              <a:rPr lang="en" sz="1700" dirty="0" err="1">
+                <a:solidFill>
+                  <a:srgbClr val="FFFFFF"/>
+                </a:solidFill>
+                <a:latin typeface="Lato"/>
+                <a:ea typeface="Lato"/>
+                <a:cs typeface="Lato"/>
+                <a:sym typeface="Lato"/>
+              </a:rPr>
+              <a:t>css</a:t>
+            </a:r>
+            <a:r>
+              <a:rPr lang="en" sz="1700" dirty="0">
+                <a:solidFill>
+                  <a:srgbClr val="FFFFFF"/>
+                </a:solidFill>
+                <a:latin typeface="Lato"/>
+                <a:ea typeface="Lato"/>
+                <a:cs typeface="Lato"/>
+                <a:sym typeface="Lato"/>
+              </a:rPr>
+              <a:t>/</a:t>
+            </a:r>
+            <a:r>
+              <a:rPr lang="en" sz="1700" dirty="0" err="1">
+                <a:solidFill>
+                  <a:srgbClr val="FFFFFF"/>
+                </a:solidFill>
+                <a:latin typeface="Lato"/>
+                <a:ea typeface="Lato"/>
+                <a:cs typeface="Lato"/>
+                <a:sym typeface="Lato"/>
+              </a:rPr>
+              <a:t>style.css</a:t>
             </a:r>
             <a:br>
-              <a:rPr lang="en" sz="1700">
+              <a:rPr lang="en" sz="1700" dirty="0">
                 <a:solidFill>
                   <a:srgbClr val="FFFFFF"/>
                 </a:solidFill>
@@ -12268,7 +12420,7 @@
               </a:rPr>
             </a:br>
             <a:r>
-              <a:rPr lang="en" sz="1700">
+              <a:rPr lang="en" sz="1700" dirty="0">
                 <a:solidFill>
                   <a:srgbClr val="FFFFFF"/>
                 </a:solidFill>
@@ -12277,9 +12429,69 @@
                 <a:cs typeface="Lato"/>
                 <a:sym typeface="Lato"/>
               </a:rPr>
-              <a:t>Leaflet CSS: https://unpkg.com/leaflet@1.3.3/dist/leaflet.css</a:t>
+              <a:t>Leaflet CSS: https://</a:t>
             </a:r>
-            <a:endParaRPr sz="1700">
+            <a:r>
+              <a:rPr lang="en" sz="1700" dirty="0" err="1">
+                <a:solidFill>
+                  <a:srgbClr val="FFFFFF"/>
+                </a:solidFill>
+                <a:latin typeface="Lato"/>
+                <a:ea typeface="Lato"/>
+                <a:cs typeface="Lato"/>
+                <a:sym typeface="Lato"/>
+              </a:rPr>
+              <a:t>unpkg.com</a:t>
+            </a:r>
+            <a:r>
+              <a:rPr lang="en" sz="1700" dirty="0">
+                <a:solidFill>
+                  <a:srgbClr val="FFFFFF"/>
+                </a:solidFill>
+                <a:latin typeface="Lato"/>
+                <a:ea typeface="Lato"/>
+                <a:cs typeface="Lato"/>
+                <a:sym typeface="Lato"/>
+              </a:rPr>
+              <a:t>/leaflet@1.3.3/</a:t>
+            </a:r>
+            <a:r>
+              <a:rPr lang="en" sz="1700" dirty="0" err="1">
+                <a:solidFill>
+                  <a:srgbClr val="FFFFFF"/>
+                </a:solidFill>
+                <a:latin typeface="Lato"/>
+                <a:ea typeface="Lato"/>
+                <a:cs typeface="Lato"/>
+                <a:sym typeface="Lato"/>
+              </a:rPr>
+              <a:t>dist</a:t>
+            </a:r>
+            <a:r>
+              <a:rPr lang="en" sz="1700" dirty="0">
+                <a:solidFill>
+                  <a:srgbClr val="FFFFFF"/>
+                </a:solidFill>
+                <a:latin typeface="Lato"/>
+                <a:ea typeface="Lato"/>
+                <a:cs typeface="Lato"/>
+                <a:sym typeface="Lato"/>
+              </a:rPr>
+              <a:t>/</a:t>
+            </a:r>
+            <a:r>
+              <a:rPr lang="en" sz="1700" dirty="0" err="1">
+                <a:solidFill>
+                  <a:srgbClr val="FFFFFF"/>
+                </a:solidFill>
+                <a:latin typeface="Lato"/>
+                <a:ea typeface="Lato"/>
+                <a:cs typeface="Lato"/>
+                <a:sym typeface="Lato"/>
+              </a:rPr>
+              <a:t>leaflet.css</a:t>
+            </a:r>
+            <a:endParaRPr sz="1700" dirty="0">
               <a:solidFill>
                 <a:srgbClr val="FFFFFF"/>
               </a:solidFill>
@@ -12300,7 +12512,7 @@
               <a:buNone/>
             </a:pPr>
             <a:r>
-              <a:rPr lang="en" sz="1700">
+              <a:rPr lang="en" sz="1700" dirty="0">
                 <a:solidFill>
                   <a:srgbClr val="FFFFFF"/>
                 </a:solidFill>
@@ -12309,12 +12521,36 @@
                 <a:cs typeface="Lato"/>
                 <a:sym typeface="Lato"/>
               </a:rPr>
-              <a:t>Leaflet Javascript: </a:t>
+              <a:t>Leaflet </a:t>
             </a:r>
             <a:r>
-              <a:rPr lang="en" sz="1700">
+              <a:rPr lang="en" sz="1700" dirty="0" err="1">
                 <a:solidFill>
                   <a:srgbClr val="FFFFFF"/>
+                </a:solidFill>
+                <a:latin typeface="Lato"/>
+                <a:ea typeface="Lato"/>
+                <a:cs typeface="Lato"/>
+                <a:sym typeface="Lato"/>
+              </a:rPr>
+              <a:t>Javascript</a:t>
+            </a:r>
+            <a:r>
+              <a:rPr lang="en" sz="1700" dirty="0">
+                <a:solidFill>
+                  <a:srgbClr val="FFFFFF"/>
+                </a:solidFill>
+                <a:latin typeface="Lato"/>
+                <a:ea typeface="Lato"/>
+                <a:cs typeface="Lato"/>
+                <a:sym typeface="Lato"/>
+              </a:rPr>
+              <a:t>: </a:t>
+            </a:r>
+            <a:r>
+              <a:rPr lang="en" sz="1700" dirty="0">
+                <a:solidFill>
+                  <a:schemeClr val="bg1"/>
                 </a:solidFill>
                 <a:uFill>
                   <a:noFill/>
@@ -12323,12 +12559,18 @@
                 <a:ea typeface="Lato"/>
                 <a:cs typeface="Lato"/>
                 <a:sym typeface="Lato"/>
-                <a:hlinkClick r:id="rId5"/>
+                <a:hlinkClick r:id="rId5">
+                  <a:extLst>
+                    <a:ext uri="{A12FA001-AC4F-418D-AE19-62706E023703}">
+                      <ahyp:hlinkClr xmlns:ahyp="http://schemas.microsoft.com/office/drawing/2018/hyperlinkcolor" val="tx"/>
+                    </a:ext>
+                  </a:extLst>
+                </a:hlinkClick>
               </a:rPr>
               <a:t>https://unpkg.com/leaflet@1.3.3/dist/leaflet.js</a:t>
             </a:r>
             <a:br>
-              <a:rPr lang="en" sz="1700">
+              <a:rPr lang="en" sz="1700" dirty="0">
                 <a:solidFill>
                   <a:srgbClr val="FFFFFF"/>
                 </a:solidFill>
@@ -12339,7 +12581,7 @@
               </a:rPr>
             </a:br>
             <a:r>
-              <a:rPr lang="en" sz="1700">
+              <a:rPr lang="en" sz="1700" dirty="0">
                 <a:solidFill>
                   <a:srgbClr val="FFFFFF"/>
                 </a:solidFill>
@@ -12348,9 +12590,21 @@
                 <a:cs typeface="Lato"/>
                 <a:sym typeface="Lato"/>
               </a:rPr>
-              <a:t>Placeholder for MapID</a:t>
+              <a:t>Placeholder for </a:t>
             </a:r>
-            <a:endParaRPr sz="1700">
+            <a:r>
+              <a:rPr lang="en" sz="1700" dirty="0" err="1">
+                <a:solidFill>
+                  <a:srgbClr val="FFFFFF"/>
+                </a:solidFill>
+                <a:latin typeface="Lato"/>
+                <a:ea typeface="Lato"/>
+                <a:cs typeface="Lato"/>
+                <a:sym typeface="Lato"/>
+              </a:rPr>
+              <a:t>MapID</a:t>
+            </a:r>
+            <a:endParaRPr sz="1700" dirty="0">
               <a:solidFill>
                 <a:srgbClr val="FFFFFF"/>
               </a:solidFill>

--- a/Homies City Collection.pptx
+++ b/Homies City Collection.pptx
@@ -5,7 +5,7 @@
     <p:sldMasterId id="2147483659" r:id="rId1"/>
   </p:sldMasterIdLst>
   <p:notesMasterIdLst>
-    <p:notesMasterId r:id="rId21"/>
+    <p:notesMasterId r:id="rId22"/>
   </p:notesMasterIdLst>
   <p:sldIdLst>
     <p:sldId id="256" r:id="rId2"/>
@@ -16,34 +16,35 @@
     <p:sldId id="261" r:id="rId7"/>
     <p:sldId id="262" r:id="rId8"/>
     <p:sldId id="263" r:id="rId9"/>
-    <p:sldId id="264" r:id="rId10"/>
-    <p:sldId id="265" r:id="rId11"/>
-    <p:sldId id="266" r:id="rId12"/>
-    <p:sldId id="267" r:id="rId13"/>
-    <p:sldId id="268" r:id="rId14"/>
-    <p:sldId id="269" r:id="rId15"/>
-    <p:sldId id="271" r:id="rId16"/>
-    <p:sldId id="272" r:id="rId17"/>
-    <p:sldId id="275" r:id="rId18"/>
-    <p:sldId id="273" r:id="rId19"/>
-    <p:sldId id="274" r:id="rId20"/>
+    <p:sldId id="276" r:id="rId10"/>
+    <p:sldId id="264" r:id="rId11"/>
+    <p:sldId id="265" r:id="rId12"/>
+    <p:sldId id="266" r:id="rId13"/>
+    <p:sldId id="267" r:id="rId14"/>
+    <p:sldId id="268" r:id="rId15"/>
+    <p:sldId id="269" r:id="rId16"/>
+    <p:sldId id="271" r:id="rId17"/>
+    <p:sldId id="272" r:id="rId18"/>
+    <p:sldId id="275" r:id="rId19"/>
+    <p:sldId id="273" r:id="rId20"/>
+    <p:sldId id="274" r:id="rId21"/>
   </p:sldIdLst>
   <p:sldSz cx="9144000" cy="5143500" type="screen16x9"/>
   <p:notesSz cx="6858000" cy="9144000"/>
   <p:embeddedFontLst>
     <p:embeddedFont>
-      <p:font typeface="Lato" panose="020F0502020204030203" pitchFamily="34" charset="77"/>
-      <p:regular r:id="rId22"/>
-      <p:bold r:id="rId23"/>
-      <p:italic r:id="rId24"/>
-      <p:boldItalic r:id="rId25"/>
+      <p:font typeface="Lato" panose="020B0604020202020204" charset="0"/>
+      <p:regular r:id="rId23"/>
+      <p:bold r:id="rId24"/>
+      <p:italic r:id="rId25"/>
+      <p:boldItalic r:id="rId26"/>
     </p:embeddedFont>
     <p:embeddedFont>
-      <p:font typeface="Raleway" pitchFamily="2" charset="77"/>
-      <p:regular r:id="rId26"/>
-      <p:bold r:id="rId27"/>
-      <p:italic r:id="rId28"/>
-      <p:boldItalic r:id="rId29"/>
+      <p:font typeface="Raleway" panose="020B0604020202020204" charset="0"/>
+      <p:regular r:id="rId27"/>
+      <p:bold r:id="rId28"/>
+      <p:italic r:id="rId29"/>
+      <p:boldItalic r:id="rId30"/>
     </p:embeddedFont>
   </p:embeddedFontLst>
   <p:defaultTextStyle>
@@ -297,7 +298,7 @@
 <file path=ppt/revisionInfo.xml><?xml version="1.0" encoding="utf-8"?>
 <p1510:revInfo xmlns:a="http://schemas.openxmlformats.org/drawingml/2006/main" xmlns:r="http://schemas.openxmlformats.org/officeDocument/2006/relationships" xmlns:p1510="http://schemas.microsoft.com/office/powerpoint/2015/10/main">
   <p1510:revLst>
-    <p1510:client id="{DBF0D679-A1D2-41BA-9DE5-196B1668C167}" v="1" dt="2020-07-20T00:39:20.959"/>
+    <p1510:client id="{DBF0D679-A1D2-41BA-9DE5-196B1668C167}" v="2" dt="2020-07-20T01:25:52.226"/>
   </p1510:revLst>
 </p1510:revInfo>
 </file>
@@ -307,7 +308,7 @@
   <pc:docChgLst>
     <pc:chgData name="Colin" userId="c2c872a862d4dd17" providerId="LiveId" clId="{DBF0D679-A1D2-41BA-9DE5-196B1668C167}"/>
     <pc:docChg chg="undo custSel addSld delSld modSld">
-      <pc:chgData name="Colin" userId="c2c872a862d4dd17" providerId="LiveId" clId="{DBF0D679-A1D2-41BA-9DE5-196B1668C167}" dt="2020-07-20T01:06:13.847" v="1033" actId="20577"/>
+      <pc:chgData name="Colin" userId="c2c872a862d4dd17" providerId="LiveId" clId="{DBF0D679-A1D2-41BA-9DE5-196B1668C167}" dt="2020-07-20T01:29:27.871" v="1659" actId="20577"/>
       <pc:docMkLst>
         <pc:docMk/>
       </pc:docMkLst>
@@ -342,11 +343,19 @@
         </pc:spChg>
       </pc:sldChg>
       <pc:sldChg chg="modSp mod">
-        <pc:chgData name="Colin" userId="c2c872a862d4dd17" providerId="LiveId" clId="{DBF0D679-A1D2-41BA-9DE5-196B1668C167}" dt="2020-07-20T00:48:17.574" v="266" actId="20577"/>
+        <pc:chgData name="Colin" userId="c2c872a862d4dd17" providerId="LiveId" clId="{DBF0D679-A1D2-41BA-9DE5-196B1668C167}" dt="2020-07-20T01:29:13.962" v="1655" actId="20577"/>
         <pc:sldMkLst>
           <pc:docMk/>
           <pc:sldMk cId="0" sldId="266"/>
         </pc:sldMkLst>
+        <pc:spChg chg="mod">
+          <ac:chgData name="Colin" userId="c2c872a862d4dd17" providerId="LiveId" clId="{DBF0D679-A1D2-41BA-9DE5-196B1668C167}" dt="2020-07-20T01:29:13.962" v="1655" actId="20577"/>
+          <ac:spMkLst>
+            <pc:docMk/>
+            <pc:sldMk cId="0" sldId="266"/>
+            <ac:spMk id="132" creationId="{00000000-0000-0000-0000-000000000000}"/>
+          </ac:spMkLst>
+        </pc:spChg>
         <pc:spChg chg="mod">
           <ac:chgData name="Colin" userId="c2c872a862d4dd17" providerId="LiveId" clId="{DBF0D679-A1D2-41BA-9DE5-196B1668C167}" dt="2020-07-20T00:48:17.574" v="266" actId="20577"/>
           <ac:spMkLst>
@@ -357,17 +366,40 @@
         </pc:spChg>
       </pc:sldChg>
       <pc:sldChg chg="addSp delSp modSp mod">
-        <pc:chgData name="Colin" userId="c2c872a862d4dd17" providerId="LiveId" clId="{DBF0D679-A1D2-41BA-9DE5-196B1668C167}" dt="2020-07-20T00:52:25.827" v="970" actId="20577"/>
+        <pc:chgData name="Colin" userId="c2c872a862d4dd17" providerId="LiveId" clId="{DBF0D679-A1D2-41BA-9DE5-196B1668C167}" dt="2020-07-20T01:29:09.303" v="1653" actId="20577"/>
         <pc:sldMkLst>
           <pc:docMk/>
           <pc:sldMk cId="0" sldId="267"/>
         </pc:sldMkLst>
+        <pc:spChg chg="mod">
+          <ac:chgData name="Colin" userId="c2c872a862d4dd17" providerId="LiveId" clId="{DBF0D679-A1D2-41BA-9DE5-196B1668C167}" dt="2020-07-20T01:29:09.303" v="1653" actId="20577"/>
+          <ac:spMkLst>
+            <pc:docMk/>
+            <pc:sldMk cId="0" sldId="267"/>
+            <ac:spMk id="138" creationId="{00000000-0000-0000-0000-000000000000}"/>
+          </ac:spMkLst>
+        </pc:spChg>
         <pc:spChg chg="add del mod">
           <ac:chgData name="Colin" userId="c2c872a862d4dd17" providerId="LiveId" clId="{DBF0D679-A1D2-41BA-9DE5-196B1668C167}" dt="2020-07-20T00:52:25.827" v="970" actId="20577"/>
           <ac:spMkLst>
             <pc:docMk/>
             <pc:sldMk cId="0" sldId="267"/>
             <ac:spMk id="139" creationId="{00000000-0000-0000-0000-000000000000}"/>
+          </ac:spMkLst>
+        </pc:spChg>
+      </pc:sldChg>
+      <pc:sldChg chg="modSp mod">
+        <pc:chgData name="Colin" userId="c2c872a862d4dd17" providerId="LiveId" clId="{DBF0D679-A1D2-41BA-9DE5-196B1668C167}" dt="2020-07-20T01:29:22.173" v="1657" actId="20577"/>
+        <pc:sldMkLst>
+          <pc:docMk/>
+          <pc:sldMk cId="0" sldId="268"/>
+        </pc:sldMkLst>
+        <pc:spChg chg="mod">
+          <ac:chgData name="Colin" userId="c2c872a862d4dd17" providerId="LiveId" clId="{DBF0D679-A1D2-41BA-9DE5-196B1668C167}" dt="2020-07-20T01:29:22.173" v="1657" actId="20577"/>
+          <ac:spMkLst>
+            <pc:docMk/>
+            <pc:sldMk cId="0" sldId="268"/>
+            <ac:spMk id="144" creationId="{00000000-0000-0000-0000-000000000000}"/>
           </ac:spMkLst>
         </pc:spChg>
       </pc:sldChg>
@@ -409,13 +441,13 @@
         </pc:spChg>
       </pc:sldChg>
       <pc:sldChg chg="addSp delSp modSp add mod">
-        <pc:chgData name="Colin" userId="c2c872a862d4dd17" providerId="LiveId" clId="{DBF0D679-A1D2-41BA-9DE5-196B1668C167}" dt="2020-07-20T00:40:55.321" v="30" actId="1076"/>
+        <pc:chgData name="Colin" userId="c2c872a862d4dd17" providerId="LiveId" clId="{DBF0D679-A1D2-41BA-9DE5-196B1668C167}" dt="2020-07-20T01:29:27.871" v="1659" actId="20577"/>
         <pc:sldMkLst>
           <pc:docMk/>
           <pc:sldMk cId="2138216353" sldId="275"/>
         </pc:sldMkLst>
         <pc:spChg chg="mod">
-          <ac:chgData name="Colin" userId="c2c872a862d4dd17" providerId="LiveId" clId="{DBF0D679-A1D2-41BA-9DE5-196B1668C167}" dt="2020-07-20T00:39:35.168" v="24" actId="20577"/>
+          <ac:chgData name="Colin" userId="c2c872a862d4dd17" providerId="LiveId" clId="{DBF0D679-A1D2-41BA-9DE5-196B1668C167}" dt="2020-07-20T01:29:27.871" v="1659" actId="20577"/>
           <ac:spMkLst>
             <pc:docMk/>
             <pc:sldMk cId="2138216353" sldId="275"/>
@@ -438,6 +470,29 @@
             <ac:picMk id="169" creationId="{00000000-0000-0000-0000-000000000000}"/>
           </ac:picMkLst>
         </pc:picChg>
+      </pc:sldChg>
+      <pc:sldChg chg="modSp add mod">
+        <pc:chgData name="Colin" userId="c2c872a862d4dd17" providerId="LiveId" clId="{DBF0D679-A1D2-41BA-9DE5-196B1668C167}" dt="2020-07-20T01:28:59.954" v="1651" actId="20577"/>
+        <pc:sldMkLst>
+          <pc:docMk/>
+          <pc:sldMk cId="1912523930" sldId="276"/>
+        </pc:sldMkLst>
+        <pc:spChg chg="mod">
+          <ac:chgData name="Colin" userId="c2c872a862d4dd17" providerId="LiveId" clId="{DBF0D679-A1D2-41BA-9DE5-196B1668C167}" dt="2020-07-20T01:26:13.491" v="1048" actId="20577"/>
+          <ac:spMkLst>
+            <pc:docMk/>
+            <pc:sldMk cId="1912523930" sldId="276"/>
+            <ac:spMk id="114" creationId="{00000000-0000-0000-0000-000000000000}"/>
+          </ac:spMkLst>
+        </pc:spChg>
+        <pc:spChg chg="mod">
+          <ac:chgData name="Colin" userId="c2c872a862d4dd17" providerId="LiveId" clId="{DBF0D679-A1D2-41BA-9DE5-196B1668C167}" dt="2020-07-20T01:28:59.954" v="1651" actId="20577"/>
+          <ac:spMkLst>
+            <pc:docMk/>
+            <pc:sldMk cId="1912523930" sldId="276"/>
+            <ac:spMk id="115" creationId="{00000000-0000-0000-0000-000000000000}"/>
+          </ac:spMkLst>
+        </pc:spChg>
       </pc:sldChg>
     </pc:docChg>
   </pc:docChgLst>
@@ -994,6 +1049,110 @@
   <p:cSld>
     <p:spTree>
       <p:nvGrpSpPr>
+        <p:cNvPr id="1" name="Shape 116"/>
+        <p:cNvGrpSpPr/>
+        <p:nvPr/>
+      </p:nvGrpSpPr>
+      <p:grpSpPr>
+        <a:xfrm>
+          <a:off x="0" y="0"/>
+          <a:ext cx="0" cy="0"/>
+          <a:chOff x="0" y="0"/>
+          <a:chExt cx="0" cy="0"/>
+        </a:xfrm>
+      </p:grpSpPr>
+      <p:sp>
+        <p:nvSpPr>
+          <p:cNvPr id="117" name="Google Shape;117;g8db37c88b9_0_24:notes"/>
+          <p:cNvSpPr>
+            <a:spLocks noGrp="1" noRot="1" noChangeAspect="1"/>
+          </p:cNvSpPr>
+          <p:nvPr>
+            <p:ph type="sldImg" idx="2"/>
+          </p:nvPr>
+        </p:nvSpPr>
+        <p:spPr>
+          <a:xfrm>
+            <a:off x="381000" y="685800"/>
+            <a:ext cx="6096000" cy="3429000"/>
+          </a:xfrm>
+          <a:custGeom>
+            <a:avLst/>
+            <a:gdLst/>
+            <a:ahLst/>
+            <a:cxnLst/>
+            <a:rect l="l" t="t" r="r" b="b"/>
+            <a:pathLst>
+              <a:path w="120000" h="120000" extrusionOk="0">
+                <a:moveTo>
+                  <a:pt x="0" y="0"/>
+                </a:moveTo>
+                <a:lnTo>
+                  <a:pt x="120000" y="0"/>
+                </a:lnTo>
+                <a:lnTo>
+                  <a:pt x="120000" y="120000"/>
+                </a:lnTo>
+                <a:lnTo>
+                  <a:pt x="0" y="120000"/>
+                </a:lnTo>
+                <a:close/>
+              </a:path>
+            </a:pathLst>
+          </a:custGeom>
+        </p:spPr>
+      </p:sp>
+      <p:sp>
+        <p:nvSpPr>
+          <p:cNvPr id="118" name="Google Shape;118;g8db37c88b9_0_24:notes"/>
+          <p:cNvSpPr txBox="1">
+            <a:spLocks noGrp="1"/>
+          </p:cNvSpPr>
+          <p:nvPr>
+            <p:ph type="body" idx="1"/>
+          </p:nvPr>
+        </p:nvSpPr>
+        <p:spPr>
+          <a:xfrm>
+            <a:off x="685800" y="4343400"/>
+            <a:ext cx="5486400" cy="4114800"/>
+          </a:xfrm>
+          <a:prstGeom prst="rect">
+            <a:avLst/>
+          </a:prstGeom>
+        </p:spPr>
+        <p:txBody>
+          <a:bodyPr spcFirstLastPara="1" wrap="square" lIns="91425" tIns="91425" rIns="91425" bIns="91425" anchor="t" anchorCtr="0">
+            <a:noAutofit/>
+          </a:bodyPr>
+          <a:lstStyle/>
+          <a:p>
+            <a:pPr marL="0" lvl="0" indent="0" algn="l" rtl="0">
+              <a:spcBef>
+                <a:spcPts val="0"/>
+              </a:spcBef>
+              <a:spcAft>
+                <a:spcPts val="0"/>
+              </a:spcAft>
+              <a:buNone/>
+            </a:pPr>
+            <a:endParaRPr/>
+          </a:p>
+        </p:txBody>
+      </p:sp>
+    </p:spTree>
+  </p:cSld>
+  <p:clrMapOvr>
+    <a:masterClrMapping/>
+  </p:clrMapOvr>
+</p:notes>
+</file>
+
+<file path=ppt/notesSlides/notesSlide11.xml><?xml version="1.0" encoding="utf-8"?>
+<p:notes xmlns:a="http://schemas.openxmlformats.org/drawingml/2006/main" xmlns:r="http://schemas.openxmlformats.org/officeDocument/2006/relationships" xmlns:p="http://schemas.openxmlformats.org/presentationml/2006/main" showMasterSp="0" showMasterPhAnim="0">
+  <p:cSld>
+    <p:spTree>
+      <p:nvGrpSpPr>
         <p:cNvPr id="1" name="Shape 122"/>
         <p:cNvGrpSpPr/>
         <p:nvPr/>
@@ -1093,7 +1252,7 @@
 </p:notes>
 </file>
 
-<file path=ppt/notesSlides/notesSlide11.xml><?xml version="1.0" encoding="utf-8"?>
+<file path=ppt/notesSlides/notesSlide12.xml><?xml version="1.0" encoding="utf-8"?>
 <p:notes xmlns:a="http://schemas.openxmlformats.org/drawingml/2006/main" xmlns:r="http://schemas.openxmlformats.org/officeDocument/2006/relationships" xmlns:p="http://schemas.openxmlformats.org/presentationml/2006/main" showMasterSp="0" showMasterPhAnim="0">
   <p:cSld>
     <p:spTree>
@@ -1197,7 +1356,7 @@
 </p:notes>
 </file>
 
-<file path=ppt/notesSlides/notesSlide12.xml><?xml version="1.0" encoding="utf-8"?>
+<file path=ppt/notesSlides/notesSlide13.xml><?xml version="1.0" encoding="utf-8"?>
 <p:notes xmlns:a="http://schemas.openxmlformats.org/drawingml/2006/main" xmlns:r="http://schemas.openxmlformats.org/officeDocument/2006/relationships" xmlns:p="http://schemas.openxmlformats.org/presentationml/2006/main" showMasterSp="0" showMasterPhAnim="0">
   <p:cSld>
     <p:spTree>
@@ -1301,7 +1460,7 @@
 </p:notes>
 </file>
 
-<file path=ppt/notesSlides/notesSlide13.xml><?xml version="1.0" encoding="utf-8"?>
+<file path=ppt/notesSlides/notesSlide14.xml><?xml version="1.0" encoding="utf-8"?>
 <p:notes xmlns:a="http://schemas.openxmlformats.org/drawingml/2006/main" xmlns:r="http://schemas.openxmlformats.org/officeDocument/2006/relationships" xmlns:p="http://schemas.openxmlformats.org/presentationml/2006/main" showMasterSp="0" showMasterPhAnim="0">
   <p:cSld>
     <p:spTree>
@@ -1330,7 +1489,7 @@
         </p:nvSpPr>
         <p:spPr>
           <a:xfrm>
-            <a:off x="381300" y="685800"/>
+            <a:off x="381000" y="685800"/>
             <a:ext cx="6096000" cy="3429000"/>
           </a:xfrm>
           <a:custGeom>
@@ -1405,7 +1564,7 @@
 </p:notes>
 </file>
 
-<file path=ppt/notesSlides/notesSlide14.xml><?xml version="1.0" encoding="utf-8"?>
+<file path=ppt/notesSlides/notesSlide15.xml><?xml version="1.0" encoding="utf-8"?>
 <p:notes xmlns:a="http://schemas.openxmlformats.org/drawingml/2006/main" xmlns:r="http://schemas.openxmlformats.org/officeDocument/2006/relationships" xmlns:p="http://schemas.openxmlformats.org/presentationml/2006/main" showMasterSp="0" showMasterPhAnim="0">
   <p:cSld>
     <p:spTree>
@@ -1509,7 +1668,7 @@
 </p:notes>
 </file>
 
-<file path=ppt/notesSlides/notesSlide15.xml><?xml version="1.0" encoding="utf-8"?>
+<file path=ppt/notesSlides/notesSlide16.xml><?xml version="1.0" encoding="utf-8"?>
 <p:notes xmlns:a="http://schemas.openxmlformats.org/drawingml/2006/main" xmlns:r="http://schemas.openxmlformats.org/officeDocument/2006/relationships" xmlns:p="http://schemas.openxmlformats.org/presentationml/2006/main" showMasterSp="0" showMasterPhAnim="0">
   <p:cSld>
     <p:spTree>
@@ -1570,110 +1729,6 @@
       <p:sp>
         <p:nvSpPr>
           <p:cNvPr id="160" name="Google Shape;160;g8db37c88b9_0_74:notes"/>
-          <p:cNvSpPr txBox="1">
-            <a:spLocks noGrp="1"/>
-          </p:cNvSpPr>
-          <p:nvPr>
-            <p:ph type="body" idx="1"/>
-          </p:nvPr>
-        </p:nvSpPr>
-        <p:spPr>
-          <a:xfrm>
-            <a:off x="685800" y="4343400"/>
-            <a:ext cx="5486400" cy="4114800"/>
-          </a:xfrm>
-          <a:prstGeom prst="rect">
-            <a:avLst/>
-          </a:prstGeom>
-        </p:spPr>
-        <p:txBody>
-          <a:bodyPr spcFirstLastPara="1" wrap="square" lIns="91425" tIns="91425" rIns="91425" bIns="91425" anchor="t" anchorCtr="0">
-            <a:noAutofit/>
-          </a:bodyPr>
-          <a:lstStyle/>
-          <a:p>
-            <a:pPr marL="0" lvl="0" indent="0" algn="l" rtl="0">
-              <a:spcBef>
-                <a:spcPts val="0"/>
-              </a:spcBef>
-              <a:spcAft>
-                <a:spcPts val="0"/>
-              </a:spcAft>
-              <a:buNone/>
-            </a:pPr>
-            <a:endParaRPr/>
-          </a:p>
-        </p:txBody>
-      </p:sp>
-    </p:spTree>
-  </p:cSld>
-  <p:clrMapOvr>
-    <a:masterClrMapping/>
-  </p:clrMapOvr>
-</p:notes>
-</file>
-
-<file path=ppt/notesSlides/notesSlide16.xml><?xml version="1.0" encoding="utf-8"?>
-<p:notes xmlns:a="http://schemas.openxmlformats.org/drawingml/2006/main" xmlns:r="http://schemas.openxmlformats.org/officeDocument/2006/relationships" xmlns:p="http://schemas.openxmlformats.org/presentationml/2006/main" showMasterSp="0" showMasterPhAnim="0">
-  <p:cSld>
-    <p:spTree>
-      <p:nvGrpSpPr>
-        <p:cNvPr id="1" name="Shape 164"/>
-        <p:cNvGrpSpPr/>
-        <p:nvPr/>
-      </p:nvGrpSpPr>
-      <p:grpSpPr>
-        <a:xfrm>
-          <a:off x="0" y="0"/>
-          <a:ext cx="0" cy="0"/>
-          <a:chOff x="0" y="0"/>
-          <a:chExt cx="0" cy="0"/>
-        </a:xfrm>
-      </p:grpSpPr>
-      <p:sp>
-        <p:nvSpPr>
-          <p:cNvPr id="165" name="Google Shape;165;g8db37c88b9_0_69:notes"/>
-          <p:cNvSpPr>
-            <a:spLocks noGrp="1" noRot="1" noChangeAspect="1"/>
-          </p:cNvSpPr>
-          <p:nvPr>
-            <p:ph type="sldImg" idx="2"/>
-          </p:nvPr>
-        </p:nvSpPr>
-        <p:spPr>
-          <a:xfrm>
-            <a:off x="381000" y="685800"/>
-            <a:ext cx="6096000" cy="3429000"/>
-          </a:xfrm>
-          <a:custGeom>
-            <a:avLst/>
-            <a:gdLst/>
-            <a:ahLst/>
-            <a:cxnLst/>
-            <a:rect l="l" t="t" r="r" b="b"/>
-            <a:pathLst>
-              <a:path w="120000" h="120000" extrusionOk="0">
-                <a:moveTo>
-                  <a:pt x="0" y="0"/>
-                </a:moveTo>
-                <a:lnTo>
-                  <a:pt x="120000" y="0"/>
-                </a:lnTo>
-                <a:lnTo>
-                  <a:pt x="120000" y="120000"/>
-                </a:lnTo>
-                <a:lnTo>
-                  <a:pt x="0" y="120000"/>
-                </a:lnTo>
-                <a:close/>
-              </a:path>
-            </a:pathLst>
-          </a:custGeom>
-        </p:spPr>
-      </p:sp>
-      <p:sp>
-        <p:nvSpPr>
-          <p:cNvPr id="166" name="Google Shape;166;g8db37c88b9_0_69:notes"/>
           <p:cNvSpPr txBox="1">
             <a:spLocks noGrp="1"/>
           </p:cNvSpPr>
@@ -1814,6 +1869,110 @@
         </p:txBody>
       </p:sp>
     </p:spTree>
+  </p:cSld>
+  <p:clrMapOvr>
+    <a:masterClrMapping/>
+  </p:clrMapOvr>
+</p:notes>
+</file>
+
+<file path=ppt/notesSlides/notesSlide18.xml><?xml version="1.0" encoding="utf-8"?>
+<p:notes xmlns:a="http://schemas.openxmlformats.org/drawingml/2006/main" xmlns:r="http://schemas.openxmlformats.org/officeDocument/2006/relationships" xmlns:p="http://schemas.openxmlformats.org/presentationml/2006/main" showMasterSp="0" showMasterPhAnim="0">
+  <p:cSld>
+    <p:spTree>
+      <p:nvGrpSpPr>
+        <p:cNvPr id="1" name="Shape 164"/>
+        <p:cNvGrpSpPr/>
+        <p:nvPr/>
+      </p:nvGrpSpPr>
+      <p:grpSpPr>
+        <a:xfrm>
+          <a:off x="0" y="0"/>
+          <a:ext cx="0" cy="0"/>
+          <a:chOff x="0" y="0"/>
+          <a:chExt cx="0" cy="0"/>
+        </a:xfrm>
+      </p:grpSpPr>
+      <p:sp>
+        <p:nvSpPr>
+          <p:cNvPr id="165" name="Google Shape;165;g8db37c88b9_0_69:notes"/>
+          <p:cNvSpPr>
+            <a:spLocks noGrp="1" noRot="1" noChangeAspect="1"/>
+          </p:cNvSpPr>
+          <p:nvPr>
+            <p:ph type="sldImg" idx="2"/>
+          </p:nvPr>
+        </p:nvSpPr>
+        <p:spPr>
+          <a:xfrm>
+            <a:off x="381000" y="685800"/>
+            <a:ext cx="6096000" cy="3429000"/>
+          </a:xfrm>
+          <a:custGeom>
+            <a:avLst/>
+            <a:gdLst/>
+            <a:ahLst/>
+            <a:cxnLst/>
+            <a:rect l="l" t="t" r="r" b="b"/>
+            <a:pathLst>
+              <a:path w="120000" h="120000" extrusionOk="0">
+                <a:moveTo>
+                  <a:pt x="0" y="0"/>
+                </a:moveTo>
+                <a:lnTo>
+                  <a:pt x="120000" y="0"/>
+                </a:lnTo>
+                <a:lnTo>
+                  <a:pt x="120000" y="120000"/>
+                </a:lnTo>
+                <a:lnTo>
+                  <a:pt x="0" y="120000"/>
+                </a:lnTo>
+                <a:close/>
+              </a:path>
+            </a:pathLst>
+          </a:custGeom>
+        </p:spPr>
+      </p:sp>
+      <p:sp>
+        <p:nvSpPr>
+          <p:cNvPr id="166" name="Google Shape;166;g8db37c88b9_0_69:notes"/>
+          <p:cNvSpPr txBox="1">
+            <a:spLocks noGrp="1"/>
+          </p:cNvSpPr>
+          <p:nvPr>
+            <p:ph type="body" idx="1"/>
+          </p:nvPr>
+        </p:nvSpPr>
+        <p:spPr>
+          <a:xfrm>
+            <a:off x="685800" y="4343400"/>
+            <a:ext cx="5486400" cy="4114800"/>
+          </a:xfrm>
+          <a:prstGeom prst="rect">
+            <a:avLst/>
+          </a:prstGeom>
+        </p:spPr>
+        <p:txBody>
+          <a:bodyPr spcFirstLastPara="1" wrap="square" lIns="91425" tIns="91425" rIns="91425" bIns="91425" anchor="t" anchorCtr="0">
+            <a:noAutofit/>
+          </a:bodyPr>
+          <a:lstStyle/>
+          <a:p>
+            <a:pPr marL="0" lvl="0" indent="0" algn="l" rtl="0">
+              <a:spcBef>
+                <a:spcPts val="0"/>
+              </a:spcBef>
+              <a:spcAft>
+                <a:spcPts val="0"/>
+              </a:spcAft>
+              <a:buNone/>
+            </a:pPr>
+            <a:endParaRPr/>
+          </a:p>
+        </p:txBody>
+      </p:sp>
+    </p:spTree>
     <p:extLst>
       <p:ext uri="{BB962C8B-B14F-4D97-AF65-F5344CB8AC3E}">
         <p14:creationId xmlns:p14="http://schemas.microsoft.com/office/powerpoint/2010/main" val="2055091841"/>
@@ -1826,7 +1985,7 @@
 </p:notes>
 </file>
 
-<file path=ppt/notesSlides/notesSlide18.xml><?xml version="1.0" encoding="utf-8"?>
+<file path=ppt/notesSlides/notesSlide19.xml><?xml version="1.0" encoding="utf-8"?>
 <p:notes xmlns:a="http://schemas.openxmlformats.org/drawingml/2006/main" xmlns:r="http://schemas.openxmlformats.org/officeDocument/2006/relationships" xmlns:p="http://schemas.openxmlformats.org/presentationml/2006/main" showMasterSp="0" showMasterPhAnim="0">
   <p:cSld>
     <p:spTree>
@@ -1887,110 +2046,6 @@
       <p:sp>
         <p:nvSpPr>
           <p:cNvPr id="172" name="Google Shape;172;g8db37c88b9_0_79:notes"/>
-          <p:cNvSpPr txBox="1">
-            <a:spLocks noGrp="1"/>
-          </p:cNvSpPr>
-          <p:nvPr>
-            <p:ph type="body" idx="1"/>
-          </p:nvPr>
-        </p:nvSpPr>
-        <p:spPr>
-          <a:xfrm>
-            <a:off x="685800" y="4343400"/>
-            <a:ext cx="5486400" cy="4114800"/>
-          </a:xfrm>
-          <a:prstGeom prst="rect">
-            <a:avLst/>
-          </a:prstGeom>
-        </p:spPr>
-        <p:txBody>
-          <a:bodyPr spcFirstLastPara="1" wrap="square" lIns="91425" tIns="91425" rIns="91425" bIns="91425" anchor="t" anchorCtr="0">
-            <a:noAutofit/>
-          </a:bodyPr>
-          <a:lstStyle/>
-          <a:p>
-            <a:pPr marL="0" lvl="0" indent="0" algn="l" rtl="0">
-              <a:spcBef>
-                <a:spcPts val="0"/>
-              </a:spcBef>
-              <a:spcAft>
-                <a:spcPts val="0"/>
-              </a:spcAft>
-              <a:buNone/>
-            </a:pPr>
-            <a:endParaRPr/>
-          </a:p>
-        </p:txBody>
-      </p:sp>
-    </p:spTree>
-  </p:cSld>
-  <p:clrMapOvr>
-    <a:masterClrMapping/>
-  </p:clrMapOvr>
-</p:notes>
-</file>
-
-<file path=ppt/notesSlides/notesSlide19.xml><?xml version="1.0" encoding="utf-8"?>
-<p:notes xmlns:a="http://schemas.openxmlformats.org/drawingml/2006/main" xmlns:r="http://schemas.openxmlformats.org/officeDocument/2006/relationships" xmlns:p="http://schemas.openxmlformats.org/presentationml/2006/main" showMasterSp="0" showMasterPhAnim="0">
-  <p:cSld>
-    <p:spTree>
-      <p:nvGrpSpPr>
-        <p:cNvPr id="1" name="Shape 176"/>
-        <p:cNvGrpSpPr/>
-        <p:nvPr/>
-      </p:nvGrpSpPr>
-      <p:grpSpPr>
-        <a:xfrm>
-          <a:off x="0" y="0"/>
-          <a:ext cx="0" cy="0"/>
-          <a:chOff x="0" y="0"/>
-          <a:chExt cx="0" cy="0"/>
-        </a:xfrm>
-      </p:grpSpPr>
-      <p:sp>
-        <p:nvSpPr>
-          <p:cNvPr id="177" name="Google Shape;177;g8db37c88b9_0_84:notes"/>
-          <p:cNvSpPr>
-            <a:spLocks noGrp="1" noRot="1" noChangeAspect="1"/>
-          </p:cNvSpPr>
-          <p:nvPr>
-            <p:ph type="sldImg" idx="2"/>
-          </p:nvPr>
-        </p:nvSpPr>
-        <p:spPr>
-          <a:xfrm>
-            <a:off x="381300" y="685800"/>
-            <a:ext cx="6096000" cy="3429000"/>
-          </a:xfrm>
-          <a:custGeom>
-            <a:avLst/>
-            <a:gdLst/>
-            <a:ahLst/>
-            <a:cxnLst/>
-            <a:rect l="l" t="t" r="r" b="b"/>
-            <a:pathLst>
-              <a:path w="120000" h="120000" extrusionOk="0">
-                <a:moveTo>
-                  <a:pt x="0" y="0"/>
-                </a:moveTo>
-                <a:lnTo>
-                  <a:pt x="120000" y="0"/>
-                </a:lnTo>
-                <a:lnTo>
-                  <a:pt x="120000" y="120000"/>
-                </a:lnTo>
-                <a:lnTo>
-                  <a:pt x="0" y="120000"/>
-                </a:lnTo>
-                <a:close/>
-              </a:path>
-            </a:pathLst>
-          </a:custGeom>
-        </p:spPr>
-      </p:sp>
-      <p:sp>
-        <p:nvSpPr>
-          <p:cNvPr id="178" name="Google Shape;178;g8db37c88b9_0_84:notes"/>
           <p:cNvSpPr txBox="1">
             <a:spLocks noGrp="1"/>
           </p:cNvSpPr>
@@ -2138,6 +2193,110 @@
 </p:notes>
 </file>
 
+<file path=ppt/notesSlides/notesSlide20.xml><?xml version="1.0" encoding="utf-8"?>
+<p:notes xmlns:a="http://schemas.openxmlformats.org/drawingml/2006/main" xmlns:r="http://schemas.openxmlformats.org/officeDocument/2006/relationships" xmlns:p="http://schemas.openxmlformats.org/presentationml/2006/main" showMasterSp="0" showMasterPhAnim="0">
+  <p:cSld>
+    <p:spTree>
+      <p:nvGrpSpPr>
+        <p:cNvPr id="1" name="Shape 176"/>
+        <p:cNvGrpSpPr/>
+        <p:nvPr/>
+      </p:nvGrpSpPr>
+      <p:grpSpPr>
+        <a:xfrm>
+          <a:off x="0" y="0"/>
+          <a:ext cx="0" cy="0"/>
+          <a:chOff x="0" y="0"/>
+          <a:chExt cx="0" cy="0"/>
+        </a:xfrm>
+      </p:grpSpPr>
+      <p:sp>
+        <p:nvSpPr>
+          <p:cNvPr id="177" name="Google Shape;177;g8db37c88b9_0_84:notes"/>
+          <p:cNvSpPr>
+            <a:spLocks noGrp="1" noRot="1" noChangeAspect="1"/>
+          </p:cNvSpPr>
+          <p:nvPr>
+            <p:ph type="sldImg" idx="2"/>
+          </p:nvPr>
+        </p:nvSpPr>
+        <p:spPr>
+          <a:xfrm>
+            <a:off x="381300" y="685800"/>
+            <a:ext cx="6096000" cy="3429000"/>
+          </a:xfrm>
+          <a:custGeom>
+            <a:avLst/>
+            <a:gdLst/>
+            <a:ahLst/>
+            <a:cxnLst/>
+            <a:rect l="l" t="t" r="r" b="b"/>
+            <a:pathLst>
+              <a:path w="120000" h="120000" extrusionOk="0">
+                <a:moveTo>
+                  <a:pt x="0" y="0"/>
+                </a:moveTo>
+                <a:lnTo>
+                  <a:pt x="120000" y="0"/>
+                </a:lnTo>
+                <a:lnTo>
+                  <a:pt x="120000" y="120000"/>
+                </a:lnTo>
+                <a:lnTo>
+                  <a:pt x="0" y="120000"/>
+                </a:lnTo>
+                <a:close/>
+              </a:path>
+            </a:pathLst>
+          </a:custGeom>
+        </p:spPr>
+      </p:sp>
+      <p:sp>
+        <p:nvSpPr>
+          <p:cNvPr id="178" name="Google Shape;178;g8db37c88b9_0_84:notes"/>
+          <p:cNvSpPr txBox="1">
+            <a:spLocks noGrp="1"/>
+          </p:cNvSpPr>
+          <p:nvPr>
+            <p:ph type="body" idx="1"/>
+          </p:nvPr>
+        </p:nvSpPr>
+        <p:spPr>
+          <a:xfrm>
+            <a:off x="685800" y="4343400"/>
+            <a:ext cx="5486400" cy="4114800"/>
+          </a:xfrm>
+          <a:prstGeom prst="rect">
+            <a:avLst/>
+          </a:prstGeom>
+        </p:spPr>
+        <p:txBody>
+          <a:bodyPr spcFirstLastPara="1" wrap="square" lIns="91425" tIns="91425" rIns="91425" bIns="91425" anchor="t" anchorCtr="0">
+            <a:noAutofit/>
+          </a:bodyPr>
+          <a:lstStyle/>
+          <a:p>
+            <a:pPr marL="0" lvl="0" indent="0" algn="l" rtl="0">
+              <a:spcBef>
+                <a:spcPts val="0"/>
+              </a:spcBef>
+              <a:spcAft>
+                <a:spcPts val="0"/>
+              </a:spcAft>
+              <a:buNone/>
+            </a:pPr>
+            <a:endParaRPr/>
+          </a:p>
+        </p:txBody>
+      </p:sp>
+    </p:spTree>
+  </p:cSld>
+  <p:clrMapOvr>
+    <a:masterClrMapping/>
+  </p:clrMapOvr>
+</p:notes>
+</file>
+
 <file path=ppt/notesSlides/notesSlide3.xml><?xml version="1.0" encoding="utf-8"?>
 <p:notes xmlns:a="http://schemas.openxmlformats.org/drawingml/2006/main" xmlns:r="http://schemas.openxmlformats.org/officeDocument/2006/relationships" xmlns:p="http://schemas.openxmlformats.org/presentationml/2006/main" showMasterSp="0" showMasterPhAnim="0">
   <p:cSld>
@@ -2767,7 +2926,7 @@
   <p:cSld>
     <p:spTree>
       <p:nvGrpSpPr>
-        <p:cNvPr id="1" name="Shape 116"/>
+        <p:cNvPr id="1" name="Shape 110"/>
         <p:cNvGrpSpPr/>
         <p:nvPr/>
       </p:nvGrpSpPr>
@@ -2781,7 +2940,7 @@
       </p:grpSpPr>
       <p:sp>
         <p:nvSpPr>
-          <p:cNvPr id="117" name="Google Shape;117;g8db37c88b9_0_24:notes"/>
+          <p:cNvPr id="111" name="Google Shape;111;g8db37c88b9_0_39:notes"/>
           <p:cNvSpPr>
             <a:spLocks noGrp="1" noRot="1" noChangeAspect="1"/>
           </p:cNvSpPr>
@@ -2822,7 +2981,7 @@
       </p:sp>
       <p:sp>
         <p:nvSpPr>
-          <p:cNvPr id="118" name="Google Shape;118;g8db37c88b9_0_24:notes"/>
+          <p:cNvPr id="112" name="Google Shape;112;g8db37c88b9_0_39:notes"/>
           <p:cNvSpPr txBox="1">
             <a:spLocks noGrp="1"/>
           </p:cNvSpPr>
@@ -2859,6 +3018,11 @@
         </p:txBody>
       </p:sp>
     </p:spTree>
+    <p:extLst>
+      <p:ext uri="{BB962C8B-B14F-4D97-AF65-F5344CB8AC3E}">
+        <p14:creationId xmlns:p14="http://schemas.microsoft.com/office/powerpoint/2010/main" val="3899986916"/>
+      </p:ext>
+    </p:extLst>
   </p:cSld>
   <p:clrMapOvr>
     <a:masterClrMapping/>
@@ -8960,6 +9124,484 @@
   <p:cSld>
     <p:spTree>
       <p:nvGrpSpPr>
+        <p:cNvPr id="1" name="Shape 119"/>
+        <p:cNvGrpSpPr/>
+        <p:nvPr/>
+      </p:nvGrpSpPr>
+      <p:grpSpPr>
+        <a:xfrm>
+          <a:off x="0" y="0"/>
+          <a:ext cx="0" cy="0"/>
+          <a:chOff x="0" y="0"/>
+          <a:chExt cx="0" cy="0"/>
+        </a:xfrm>
+      </p:grpSpPr>
+      <p:sp>
+        <p:nvSpPr>
+          <p:cNvPr id="120" name="Google Shape;120;p21"/>
+          <p:cNvSpPr txBox="1">
+            <a:spLocks noGrp="1"/>
+          </p:cNvSpPr>
+          <p:nvPr>
+            <p:ph type="title"/>
+          </p:nvPr>
+        </p:nvSpPr>
+        <p:spPr>
+          <a:xfrm>
+            <a:off x="303300" y="193225"/>
+            <a:ext cx="8520600" cy="639600"/>
+          </a:xfrm>
+          <a:prstGeom prst="rect">
+            <a:avLst/>
+          </a:prstGeom>
+        </p:spPr>
+        <p:txBody>
+          <a:bodyPr spcFirstLastPara="1" wrap="square" lIns="91425" tIns="91425" rIns="91425" bIns="91425" anchor="t" anchorCtr="0">
+            <a:noAutofit/>
+          </a:bodyPr>
+          <a:lstStyle/>
+          <a:p>
+            <a:pPr marL="0" lvl="0" indent="0" algn="l" rtl="0">
+              <a:spcBef>
+                <a:spcPts val="0"/>
+              </a:spcBef>
+              <a:spcAft>
+                <a:spcPts val="0"/>
+              </a:spcAft>
+              <a:buNone/>
+            </a:pPr>
+            <a:r>
+              <a:rPr lang="en" sz="3600">
+                <a:solidFill>
+                  <a:srgbClr val="FFFFFF"/>
+                </a:solidFill>
+              </a:rPr>
+              <a:t>What is in the HTML?</a:t>
+            </a:r>
+            <a:endParaRPr sz="3600">
+              <a:solidFill>
+                <a:srgbClr val="FFFFFF"/>
+              </a:solidFill>
+            </a:endParaRPr>
+          </a:p>
+        </p:txBody>
+      </p:sp>
+      <p:sp>
+        <p:nvSpPr>
+          <p:cNvPr id="121" name="Google Shape;121;p21"/>
+          <p:cNvSpPr txBox="1"/>
+          <p:nvPr/>
+        </p:nvSpPr>
+        <p:spPr>
+          <a:xfrm>
+            <a:off x="303300" y="1819625"/>
+            <a:ext cx="8520600" cy="2899200"/>
+          </a:xfrm>
+          <a:prstGeom prst="rect">
+            <a:avLst/>
+          </a:prstGeom>
+          <a:noFill/>
+          <a:ln>
+            <a:noFill/>
+          </a:ln>
+        </p:spPr>
+        <p:txBody>
+          <a:bodyPr spcFirstLastPara="1" wrap="square" lIns="91425" tIns="91425" rIns="91425" bIns="91425" anchor="t" anchorCtr="0">
+            <a:noAutofit/>
+          </a:bodyPr>
+          <a:lstStyle/>
+          <a:p>
+            <a:pPr marL="0" lvl="0" indent="0" algn="l" rtl="0">
+              <a:spcBef>
+                <a:spcPts val="0"/>
+              </a:spcBef>
+              <a:spcAft>
+                <a:spcPts val="0"/>
+              </a:spcAft>
+              <a:buNone/>
+            </a:pPr>
+            <a:br>
+              <a:rPr lang="en" sz="1700" dirty="0">
+                <a:solidFill>
+                  <a:srgbClr val="FFFFFF"/>
+                </a:solidFill>
+                <a:latin typeface="Lato"/>
+                <a:ea typeface="Lato"/>
+                <a:cs typeface="Lato"/>
+                <a:sym typeface="Lato"/>
+              </a:rPr>
+            </a:br>
+            <a:r>
+              <a:rPr lang="en" sz="1700" dirty="0" err="1">
+                <a:solidFill>
+                  <a:srgbClr val="FFFFFF"/>
+                </a:solidFill>
+                <a:latin typeface="Lato"/>
+                <a:ea typeface="Lato"/>
+                <a:cs typeface="Lato"/>
+                <a:sym typeface="Lato"/>
+              </a:rPr>
+              <a:t>BootStrap</a:t>
+            </a:r>
+            <a:r>
+              <a:rPr lang="en" sz="1700" dirty="0">
+                <a:solidFill>
+                  <a:srgbClr val="FFFFFF"/>
+                </a:solidFill>
+                <a:latin typeface="Lato"/>
+                <a:ea typeface="Lato"/>
+                <a:cs typeface="Lato"/>
+                <a:sym typeface="Lato"/>
+              </a:rPr>
+              <a:t>: </a:t>
+            </a:r>
+            <a:r>
+              <a:rPr lang="en" sz="1700" dirty="0">
+                <a:solidFill>
+                  <a:schemeClr val="bg1"/>
+                </a:solidFill>
+                <a:uFill>
+                  <a:noFill/>
+                </a:uFill>
+                <a:latin typeface="Lato"/>
+                <a:ea typeface="Lato"/>
+                <a:cs typeface="Lato"/>
+                <a:sym typeface="Lato"/>
+                <a:hlinkClick r:id="rId3">
+                  <a:extLst>
+                    <a:ext uri="{A12FA001-AC4F-418D-AE19-62706E023703}">
+                      <ahyp:hlinkClr xmlns:ahyp="http://schemas.microsoft.com/office/drawing/2018/hyperlinkcolor" val="tx"/>
+                    </a:ext>
+                  </a:extLst>
+                </a:hlinkClick>
+              </a:rPr>
+              <a:t>https://maxcdn.bootstrapcdn.com/bootstrap/3.3.7/css/bootstrap.min.css</a:t>
+            </a:r>
+            <a:br>
+              <a:rPr lang="en" sz="1700" dirty="0">
+                <a:solidFill>
+                  <a:srgbClr val="FFFFFF"/>
+                </a:solidFill>
+                <a:latin typeface="Lato"/>
+                <a:ea typeface="Lato"/>
+                <a:cs typeface="Lato"/>
+                <a:sym typeface="Lato"/>
+              </a:rPr>
+            </a:br>
+            <a:r>
+              <a:rPr lang="en" sz="1700" dirty="0">
+                <a:solidFill>
+                  <a:srgbClr val="FFFFFF"/>
+                </a:solidFill>
+                <a:latin typeface="Lato"/>
+                <a:ea typeface="Lato"/>
+                <a:cs typeface="Lato"/>
+                <a:sym typeface="Lato"/>
+              </a:rPr>
+              <a:t>D3: </a:t>
+            </a:r>
+            <a:r>
+              <a:rPr lang="en" sz="1700" dirty="0">
+                <a:solidFill>
+                  <a:schemeClr val="bg1"/>
+                </a:solidFill>
+                <a:uFill>
+                  <a:noFill/>
+                </a:uFill>
+                <a:latin typeface="Lato"/>
+                <a:ea typeface="Lato"/>
+                <a:cs typeface="Lato"/>
+                <a:sym typeface="Lato"/>
+                <a:hlinkClick r:id="rId4">
+                  <a:extLst>
+                    <a:ext uri="{A12FA001-AC4F-418D-AE19-62706E023703}">
+                      <ahyp:hlinkClr xmlns:ahyp="http://schemas.microsoft.com/office/drawing/2018/hyperlinkcolor" val="tx"/>
+                    </a:ext>
+                  </a:extLst>
+                </a:hlinkClick>
+              </a:rPr>
+              <a:t>https://cdnjs.cloudflare.com/ajax/libs/d3/5.5.0/d3.js</a:t>
+            </a:r>
+            <a:br>
+              <a:rPr lang="en" sz="1700" dirty="0">
+                <a:solidFill>
+                  <a:srgbClr val="FFFFFF"/>
+                </a:solidFill>
+                <a:latin typeface="Lato"/>
+                <a:ea typeface="Lato"/>
+                <a:cs typeface="Lato"/>
+                <a:sym typeface="Lato"/>
+              </a:rPr>
+            </a:br>
+            <a:r>
+              <a:rPr lang="en" sz="1700" dirty="0">
+                <a:solidFill>
+                  <a:srgbClr val="FFFFFF"/>
+                </a:solidFill>
+                <a:latin typeface="Lato"/>
+                <a:ea typeface="Lato"/>
+                <a:cs typeface="Lato"/>
+                <a:sym typeface="Lato"/>
+              </a:rPr>
+              <a:t>CSS: static/</a:t>
+            </a:r>
+            <a:r>
+              <a:rPr lang="en" sz="1700" dirty="0" err="1">
+                <a:solidFill>
+                  <a:srgbClr val="FFFFFF"/>
+                </a:solidFill>
+                <a:latin typeface="Lato"/>
+                <a:ea typeface="Lato"/>
+                <a:cs typeface="Lato"/>
+                <a:sym typeface="Lato"/>
+              </a:rPr>
+              <a:t>css</a:t>
+            </a:r>
+            <a:r>
+              <a:rPr lang="en" sz="1700" dirty="0">
+                <a:solidFill>
+                  <a:srgbClr val="FFFFFF"/>
+                </a:solidFill>
+                <a:latin typeface="Lato"/>
+                <a:ea typeface="Lato"/>
+                <a:cs typeface="Lato"/>
+                <a:sym typeface="Lato"/>
+              </a:rPr>
+              <a:t>/</a:t>
+            </a:r>
+            <a:r>
+              <a:rPr lang="en" sz="1700" dirty="0" err="1">
+                <a:solidFill>
+                  <a:srgbClr val="FFFFFF"/>
+                </a:solidFill>
+                <a:latin typeface="Lato"/>
+                <a:ea typeface="Lato"/>
+                <a:cs typeface="Lato"/>
+                <a:sym typeface="Lato"/>
+              </a:rPr>
+              <a:t>style.css</a:t>
+            </a:r>
+            <a:br>
+              <a:rPr lang="en" sz="1700" dirty="0">
+                <a:solidFill>
+                  <a:srgbClr val="FFFFFF"/>
+                </a:solidFill>
+                <a:latin typeface="Lato"/>
+                <a:ea typeface="Lato"/>
+                <a:cs typeface="Lato"/>
+                <a:sym typeface="Lato"/>
+              </a:rPr>
+            </a:br>
+            <a:r>
+              <a:rPr lang="en" sz="1700" dirty="0">
+                <a:solidFill>
+                  <a:srgbClr val="FFFFFF"/>
+                </a:solidFill>
+                <a:latin typeface="Lato"/>
+                <a:ea typeface="Lato"/>
+                <a:cs typeface="Lato"/>
+                <a:sym typeface="Lato"/>
+              </a:rPr>
+              <a:t>Leaflet CSS: https://</a:t>
+            </a:r>
+            <a:r>
+              <a:rPr lang="en" sz="1700" dirty="0" err="1">
+                <a:solidFill>
+                  <a:srgbClr val="FFFFFF"/>
+                </a:solidFill>
+                <a:latin typeface="Lato"/>
+                <a:ea typeface="Lato"/>
+                <a:cs typeface="Lato"/>
+                <a:sym typeface="Lato"/>
+              </a:rPr>
+              <a:t>unpkg.com</a:t>
+            </a:r>
+            <a:r>
+              <a:rPr lang="en" sz="1700" dirty="0">
+                <a:solidFill>
+                  <a:srgbClr val="FFFFFF"/>
+                </a:solidFill>
+                <a:latin typeface="Lato"/>
+                <a:ea typeface="Lato"/>
+                <a:cs typeface="Lato"/>
+                <a:sym typeface="Lato"/>
+              </a:rPr>
+              <a:t>/leaflet@1.3.3/</a:t>
+            </a:r>
+            <a:r>
+              <a:rPr lang="en" sz="1700" dirty="0" err="1">
+                <a:solidFill>
+                  <a:srgbClr val="FFFFFF"/>
+                </a:solidFill>
+                <a:latin typeface="Lato"/>
+                <a:ea typeface="Lato"/>
+                <a:cs typeface="Lato"/>
+                <a:sym typeface="Lato"/>
+              </a:rPr>
+              <a:t>dist</a:t>
+            </a:r>
+            <a:r>
+              <a:rPr lang="en" sz="1700" dirty="0">
+                <a:solidFill>
+                  <a:srgbClr val="FFFFFF"/>
+                </a:solidFill>
+                <a:latin typeface="Lato"/>
+                <a:ea typeface="Lato"/>
+                <a:cs typeface="Lato"/>
+                <a:sym typeface="Lato"/>
+              </a:rPr>
+              <a:t>/</a:t>
+            </a:r>
+            <a:r>
+              <a:rPr lang="en" sz="1700" dirty="0" err="1">
+                <a:solidFill>
+                  <a:srgbClr val="FFFFFF"/>
+                </a:solidFill>
+                <a:latin typeface="Lato"/>
+                <a:ea typeface="Lato"/>
+                <a:cs typeface="Lato"/>
+                <a:sym typeface="Lato"/>
+              </a:rPr>
+              <a:t>leaflet.css</a:t>
+            </a:r>
+            <a:endParaRPr sz="1700" dirty="0">
+              <a:solidFill>
+                <a:srgbClr val="FFFFFF"/>
+              </a:solidFill>
+              <a:latin typeface="Lato"/>
+              <a:ea typeface="Lato"/>
+              <a:cs typeface="Lato"/>
+              <a:sym typeface="Lato"/>
+            </a:endParaRPr>
+          </a:p>
+          <a:p>
+            <a:pPr marL="0" lvl="0" indent="0" algn="l" rtl="0">
+              <a:spcBef>
+                <a:spcPts val="0"/>
+              </a:spcBef>
+              <a:spcAft>
+                <a:spcPts val="0"/>
+              </a:spcAft>
+              <a:buNone/>
+            </a:pPr>
+            <a:r>
+              <a:rPr lang="en" sz="1700" dirty="0">
+                <a:solidFill>
+                  <a:srgbClr val="FFFFFF"/>
+                </a:solidFill>
+                <a:latin typeface="Lato"/>
+                <a:ea typeface="Lato"/>
+                <a:cs typeface="Lato"/>
+                <a:sym typeface="Lato"/>
+              </a:rPr>
+              <a:t>Leaflet </a:t>
+            </a:r>
+            <a:r>
+              <a:rPr lang="en" sz="1700" dirty="0" err="1">
+                <a:solidFill>
+                  <a:srgbClr val="FFFFFF"/>
+                </a:solidFill>
+                <a:latin typeface="Lato"/>
+                <a:ea typeface="Lato"/>
+                <a:cs typeface="Lato"/>
+                <a:sym typeface="Lato"/>
+              </a:rPr>
+              <a:t>Javascript</a:t>
+            </a:r>
+            <a:r>
+              <a:rPr lang="en" sz="1700" dirty="0">
+                <a:solidFill>
+                  <a:srgbClr val="FFFFFF"/>
+                </a:solidFill>
+                <a:latin typeface="Lato"/>
+                <a:ea typeface="Lato"/>
+                <a:cs typeface="Lato"/>
+                <a:sym typeface="Lato"/>
+              </a:rPr>
+              <a:t>: </a:t>
+            </a:r>
+            <a:r>
+              <a:rPr lang="en" sz="1700" dirty="0">
+                <a:solidFill>
+                  <a:schemeClr val="bg1"/>
+                </a:solidFill>
+                <a:uFill>
+                  <a:noFill/>
+                </a:uFill>
+                <a:latin typeface="Lato"/>
+                <a:ea typeface="Lato"/>
+                <a:cs typeface="Lato"/>
+                <a:sym typeface="Lato"/>
+                <a:hlinkClick r:id="rId5">
+                  <a:extLst>
+                    <a:ext uri="{A12FA001-AC4F-418D-AE19-62706E023703}">
+                      <ahyp:hlinkClr xmlns:ahyp="http://schemas.microsoft.com/office/drawing/2018/hyperlinkcolor" val="tx"/>
+                    </a:ext>
+                  </a:extLst>
+                </a:hlinkClick>
+              </a:rPr>
+              <a:t>https://unpkg.com/leaflet@1.3.3/dist/leaflet.js</a:t>
+            </a:r>
+            <a:br>
+              <a:rPr lang="en" sz="1700" dirty="0">
+                <a:solidFill>
+                  <a:srgbClr val="FFFFFF"/>
+                </a:solidFill>
+                <a:latin typeface="Lato"/>
+                <a:ea typeface="Lato"/>
+                <a:cs typeface="Lato"/>
+                <a:sym typeface="Lato"/>
+              </a:rPr>
+            </a:br>
+            <a:r>
+              <a:rPr lang="en" sz="1700" dirty="0">
+                <a:solidFill>
+                  <a:srgbClr val="FFFFFF"/>
+                </a:solidFill>
+                <a:latin typeface="Lato"/>
+                <a:ea typeface="Lato"/>
+                <a:cs typeface="Lato"/>
+                <a:sym typeface="Lato"/>
+              </a:rPr>
+              <a:t>Placeholder for </a:t>
+            </a:r>
+            <a:r>
+              <a:rPr lang="en" sz="1700" dirty="0" err="1">
+                <a:solidFill>
+                  <a:srgbClr val="FFFFFF"/>
+                </a:solidFill>
+                <a:latin typeface="Lato"/>
+                <a:ea typeface="Lato"/>
+                <a:cs typeface="Lato"/>
+                <a:sym typeface="Lato"/>
+              </a:rPr>
+              <a:t>MapID</a:t>
+            </a:r>
+            <a:endParaRPr sz="1700" dirty="0">
+              <a:solidFill>
+                <a:srgbClr val="FFFFFF"/>
+              </a:solidFill>
+              <a:latin typeface="Lato"/>
+              <a:ea typeface="Lato"/>
+              <a:cs typeface="Lato"/>
+              <a:sym typeface="Lato"/>
+            </a:endParaRPr>
+          </a:p>
+        </p:txBody>
+      </p:sp>
+    </p:spTree>
+  </p:cSld>
+  <p:clrMapOvr>
+    <a:masterClrMapping/>
+  </p:clrMapOvr>
+</p:sld>
+</file>
+
+<file path=ppt/slides/slide11.xml><?xml version="1.0" encoding="utf-8"?>
+<p:sld xmlns:a="http://schemas.openxmlformats.org/drawingml/2006/main" xmlns:r="http://schemas.openxmlformats.org/officeDocument/2006/relationships" xmlns:p="http://schemas.openxmlformats.org/presentationml/2006/main">
+  <p:cSld>
+    <p:spTree>
+      <p:nvGrpSpPr>
         <p:cNvPr id="1" name="Shape 125"/>
         <p:cNvGrpSpPr/>
         <p:nvPr/>
@@ -9145,7 +9787,7 @@
 </p:sld>
 </file>
 
-<file path=ppt/slides/slide11.xml><?xml version="1.0" encoding="utf-8"?>
+<file path=ppt/slides/slide12.xml><?xml version="1.0" encoding="utf-8"?>
 <p:sld xmlns:a="http://schemas.openxmlformats.org/drawingml/2006/main" xmlns:r="http://schemas.openxmlformats.org/officeDocument/2006/relationships" xmlns:p="http://schemas.openxmlformats.org/presentationml/2006/main">
   <p:cSld>
     <p:spTree>
@@ -9197,14 +9839,14 @@
               <a:buNone/>
             </a:pPr>
             <a:r>
-              <a:rPr lang="en" sz="3600">
+              <a:rPr lang="en" sz="3600" dirty="0">
                 <a:solidFill>
                   <a:srgbClr val="FFFFFF"/>
                 </a:solidFill>
               </a:rPr>
-              <a:t>Javascript</a:t>
+              <a:t>JavaScript</a:t>
             </a:r>
-            <a:endParaRPr sz="3600">
+            <a:endParaRPr sz="3600" dirty="0">
               <a:solidFill>
                 <a:srgbClr val="FFFFFF"/>
               </a:solidFill>
@@ -9289,7 +9931,7 @@
 </p:sld>
 </file>
 
-<file path=ppt/slides/slide12.xml><?xml version="1.0" encoding="utf-8"?>
+<file path=ppt/slides/slide13.xml><?xml version="1.0" encoding="utf-8"?>
 <p:sld xmlns:a="http://schemas.openxmlformats.org/drawingml/2006/main" xmlns:r="http://schemas.openxmlformats.org/officeDocument/2006/relationships" xmlns:p="http://schemas.openxmlformats.org/presentationml/2006/main">
   <p:cSld>
     <p:spTree>
@@ -9341,14 +9983,14 @@
               <a:buNone/>
             </a:pPr>
             <a:r>
-              <a:rPr lang="en" sz="3600">
+              <a:rPr lang="en" sz="3600" dirty="0">
                 <a:solidFill>
                   <a:srgbClr val="FFFFFF"/>
                 </a:solidFill>
               </a:rPr>
-              <a:t>Javascript 2</a:t>
+              <a:t>JavaScript 2</a:t>
             </a:r>
-            <a:endParaRPr sz="3600">
+            <a:endParaRPr sz="3600" dirty="0">
               <a:solidFill>
                 <a:srgbClr val="FFFFFF"/>
               </a:solidFill>
@@ -9433,7 +10075,7 @@
 </p:sld>
 </file>
 
-<file path=ppt/slides/slide13.xml><?xml version="1.0" encoding="utf-8"?>
+<file path=ppt/slides/slide14.xml><?xml version="1.0" encoding="utf-8"?>
 <p:sld xmlns:a="http://schemas.openxmlformats.org/drawingml/2006/main" xmlns:r="http://schemas.openxmlformats.org/officeDocument/2006/relationships" xmlns:p="http://schemas.openxmlformats.org/presentationml/2006/main">
   <p:cSld>
     <p:spTree>
@@ -9490,7 +10132,7 @@
                   <a:srgbClr val="FFFFFF"/>
                 </a:solidFill>
               </a:rPr>
-              <a:t>Javascript 3</a:t>
+              <a:t>JavaScript 3</a:t>
             </a:r>
             <a:endParaRPr sz="3600" dirty="0">
               <a:solidFill>
@@ -9577,7 +10219,7 @@
 </p:sld>
 </file>
 
-<file path=ppt/slides/slide14.xml><?xml version="1.0" encoding="utf-8"?>
+<file path=ppt/slides/slide15.xml><?xml version="1.0" encoding="utf-8"?>
 <p:sld xmlns:a="http://schemas.openxmlformats.org/drawingml/2006/main" xmlns:r="http://schemas.openxmlformats.org/officeDocument/2006/relationships" xmlns:p="http://schemas.openxmlformats.org/presentationml/2006/main">
   <p:cSld>
     <p:spTree>
@@ -9721,7 +10363,7 @@
 </p:sld>
 </file>
 
-<file path=ppt/slides/slide15.xml><?xml version="1.0" encoding="utf-8"?>
+<file path=ppt/slides/slide16.xml><?xml version="1.0" encoding="utf-8"?>
 <p:sld xmlns:a="http://schemas.openxmlformats.org/drawingml/2006/main" xmlns:r="http://schemas.openxmlformats.org/officeDocument/2006/relationships" xmlns:p="http://schemas.openxmlformats.org/presentationml/2006/main">
   <p:cSld>
     <p:spTree>
@@ -9857,109 +10499,6 @@
           </a:p>
         </p:txBody>
       </p:sp>
-    </p:spTree>
-  </p:cSld>
-  <p:clrMapOvr>
-    <a:masterClrMapping/>
-  </p:clrMapOvr>
-</p:sld>
-</file>
-
-<file path=ppt/slides/slide16.xml><?xml version="1.0" encoding="utf-8"?>
-<p:sld xmlns:a="http://schemas.openxmlformats.org/drawingml/2006/main" xmlns:r="http://schemas.openxmlformats.org/officeDocument/2006/relationships" xmlns:p="http://schemas.openxmlformats.org/presentationml/2006/main">
-  <p:cSld>
-    <p:spTree>
-      <p:nvGrpSpPr>
-        <p:cNvPr id="1" name="Shape 167"/>
-        <p:cNvGrpSpPr/>
-        <p:nvPr/>
-      </p:nvGrpSpPr>
-      <p:grpSpPr>
-        <a:xfrm>
-          <a:off x="0" y="0"/>
-          <a:ext cx="0" cy="0"/>
-          <a:chOff x="0" y="0"/>
-          <a:chExt cx="0" cy="0"/>
-        </a:xfrm>
-      </p:grpSpPr>
-      <p:sp>
-        <p:nvSpPr>
-          <p:cNvPr id="168" name="Google Shape;168;p29"/>
-          <p:cNvSpPr txBox="1">
-            <a:spLocks noGrp="1"/>
-          </p:cNvSpPr>
-          <p:nvPr>
-            <p:ph type="title"/>
-          </p:nvPr>
-        </p:nvSpPr>
-        <p:spPr>
-          <a:xfrm>
-            <a:off x="303300" y="193225"/>
-            <a:ext cx="8520600" cy="639600"/>
-          </a:xfrm>
-          <a:prstGeom prst="rect">
-            <a:avLst/>
-          </a:prstGeom>
-        </p:spPr>
-        <p:txBody>
-          <a:bodyPr spcFirstLastPara="1" wrap="square" lIns="91425" tIns="91425" rIns="91425" bIns="91425" anchor="t" anchorCtr="0">
-            <a:noAutofit/>
-          </a:bodyPr>
-          <a:lstStyle/>
-          <a:p>
-            <a:pPr marL="0" lvl="0" indent="0" algn="l" rtl="0">
-              <a:spcBef>
-                <a:spcPts val="0"/>
-              </a:spcBef>
-              <a:spcAft>
-                <a:spcPts val="0"/>
-              </a:spcAft>
-              <a:buNone/>
-            </a:pPr>
-            <a:r>
-              <a:rPr lang="en" sz="3600" dirty="0">
-                <a:solidFill>
-                  <a:srgbClr val="FFFFFF"/>
-                </a:solidFill>
-              </a:rPr>
-              <a:t>Libraries (Python)</a:t>
-            </a:r>
-            <a:endParaRPr sz="3600" dirty="0">
-              <a:solidFill>
-                <a:srgbClr val="FFFFFF"/>
-              </a:solidFill>
-            </a:endParaRPr>
-          </a:p>
-        </p:txBody>
-      </p:sp>
-      <p:pic>
-        <p:nvPicPr>
-          <p:cNvPr id="169" name="Google Shape;169;p29"/>
-          <p:cNvPicPr preferRelativeResize="0"/>
-          <p:nvPr/>
-        </p:nvPicPr>
-        <p:blipFill>
-          <a:blip r:embed="rId3">
-            <a:alphaModFix/>
-          </a:blip>
-          <a:stretch>
-            <a:fillRect/>
-          </a:stretch>
-        </p:blipFill>
-        <p:spPr>
-          <a:xfrm>
-            <a:off x="2125588" y="917750"/>
-            <a:ext cx="4892826" cy="4128700"/>
-          </a:xfrm>
-          <a:prstGeom prst="rect">
-            <a:avLst/>
-          </a:prstGeom>
-          <a:noFill/>
-          <a:ln>
-            <a:noFill/>
-          </a:ln>
-        </p:spPr>
-      </p:pic>
     </p:spTree>
   </p:cSld>
   <p:clrMapOvr>
@@ -10025,7 +10564,110 @@
                   <a:srgbClr val="FFFFFF"/>
                 </a:solidFill>
               </a:rPr>
-              <a:t>Libraries (Javascript)</a:t>
+              <a:t>Libraries (Python)</a:t>
+            </a:r>
+            <a:endParaRPr sz="3600" dirty="0">
+              <a:solidFill>
+                <a:srgbClr val="FFFFFF"/>
+              </a:solidFill>
+            </a:endParaRPr>
+          </a:p>
+        </p:txBody>
+      </p:sp>
+      <p:pic>
+        <p:nvPicPr>
+          <p:cNvPr id="169" name="Google Shape;169;p29"/>
+          <p:cNvPicPr preferRelativeResize="0"/>
+          <p:nvPr/>
+        </p:nvPicPr>
+        <p:blipFill>
+          <a:blip r:embed="rId3">
+            <a:alphaModFix/>
+          </a:blip>
+          <a:stretch>
+            <a:fillRect/>
+          </a:stretch>
+        </p:blipFill>
+        <p:spPr>
+          <a:xfrm>
+            <a:off x="2125588" y="917750"/>
+            <a:ext cx="4892826" cy="4128700"/>
+          </a:xfrm>
+          <a:prstGeom prst="rect">
+            <a:avLst/>
+          </a:prstGeom>
+          <a:noFill/>
+          <a:ln>
+            <a:noFill/>
+          </a:ln>
+        </p:spPr>
+      </p:pic>
+    </p:spTree>
+  </p:cSld>
+  <p:clrMapOvr>
+    <a:masterClrMapping/>
+  </p:clrMapOvr>
+</p:sld>
+</file>
+
+<file path=ppt/slides/slide18.xml><?xml version="1.0" encoding="utf-8"?>
+<p:sld xmlns:a="http://schemas.openxmlformats.org/drawingml/2006/main" xmlns:r="http://schemas.openxmlformats.org/officeDocument/2006/relationships" xmlns:p="http://schemas.openxmlformats.org/presentationml/2006/main">
+  <p:cSld>
+    <p:spTree>
+      <p:nvGrpSpPr>
+        <p:cNvPr id="1" name="Shape 167"/>
+        <p:cNvGrpSpPr/>
+        <p:nvPr/>
+      </p:nvGrpSpPr>
+      <p:grpSpPr>
+        <a:xfrm>
+          <a:off x="0" y="0"/>
+          <a:ext cx="0" cy="0"/>
+          <a:chOff x="0" y="0"/>
+          <a:chExt cx="0" cy="0"/>
+        </a:xfrm>
+      </p:grpSpPr>
+      <p:sp>
+        <p:nvSpPr>
+          <p:cNvPr id="168" name="Google Shape;168;p29"/>
+          <p:cNvSpPr txBox="1">
+            <a:spLocks noGrp="1"/>
+          </p:cNvSpPr>
+          <p:nvPr>
+            <p:ph type="title"/>
+          </p:nvPr>
+        </p:nvSpPr>
+        <p:spPr>
+          <a:xfrm>
+            <a:off x="303300" y="193225"/>
+            <a:ext cx="8520600" cy="639600"/>
+          </a:xfrm>
+          <a:prstGeom prst="rect">
+            <a:avLst/>
+          </a:prstGeom>
+        </p:spPr>
+        <p:txBody>
+          <a:bodyPr spcFirstLastPara="1" wrap="square" lIns="91425" tIns="91425" rIns="91425" bIns="91425" anchor="t" anchorCtr="0">
+            <a:noAutofit/>
+          </a:bodyPr>
+          <a:lstStyle/>
+          <a:p>
+            <a:pPr marL="0" lvl="0" indent="0" algn="l" rtl="0">
+              <a:spcBef>
+                <a:spcPts val="0"/>
+              </a:spcBef>
+              <a:spcAft>
+                <a:spcPts val="0"/>
+              </a:spcAft>
+              <a:buNone/>
+            </a:pPr>
+            <a:r>
+              <a:rPr lang="en" sz="3600" dirty="0">
+                <a:solidFill>
+                  <a:srgbClr val="FFFFFF"/>
+                </a:solidFill>
+              </a:rPr>
+              <a:t>Libraries (JavaScript)</a:t>
             </a:r>
             <a:endParaRPr sz="3600" dirty="0">
               <a:solidFill>
@@ -10078,7 +10720,7 @@
 </p:sld>
 </file>
 
-<file path=ppt/slides/slide18.xml><?xml version="1.0" encoding="utf-8"?>
+<file path=ppt/slides/slide19.xml><?xml version="1.0" encoding="utf-8"?>
 <p:sld xmlns:a="http://schemas.openxmlformats.org/drawingml/2006/main" xmlns:r="http://schemas.openxmlformats.org/officeDocument/2006/relationships" xmlns:p="http://schemas.openxmlformats.org/presentationml/2006/main">
   <p:cSld>
     <p:spTree>
@@ -10148,150 +10790,6 @@
       <p:sp>
         <p:nvSpPr>
           <p:cNvPr id="175" name="Google Shape;175;p30"/>
-          <p:cNvSpPr txBox="1"/>
-          <p:nvPr/>
-        </p:nvSpPr>
-        <p:spPr>
-          <a:xfrm>
-            <a:off x="303300" y="1819625"/>
-            <a:ext cx="8520600" cy="2899200"/>
-          </a:xfrm>
-          <a:prstGeom prst="rect">
-            <a:avLst/>
-          </a:prstGeom>
-          <a:noFill/>
-          <a:ln>
-            <a:noFill/>
-          </a:ln>
-        </p:spPr>
-        <p:txBody>
-          <a:bodyPr spcFirstLastPara="1" wrap="square" lIns="91425" tIns="91425" rIns="91425" bIns="91425" anchor="t" anchorCtr="0">
-            <a:noAutofit/>
-          </a:bodyPr>
-          <a:lstStyle/>
-          <a:p>
-            <a:pPr marL="0" lvl="0" indent="0" algn="l" rtl="0">
-              <a:spcBef>
-                <a:spcPts val="0"/>
-              </a:spcBef>
-              <a:spcAft>
-                <a:spcPts val="0"/>
-              </a:spcAft>
-              <a:buNone/>
-            </a:pPr>
-            <a:br>
-              <a:rPr lang="en" sz="1700">
-                <a:solidFill>
-                  <a:srgbClr val="FFFFFF"/>
-                </a:solidFill>
-                <a:latin typeface="Lato"/>
-                <a:ea typeface="Lato"/>
-                <a:cs typeface="Lato"/>
-                <a:sym typeface="Lato"/>
-              </a:rPr>
-            </a:br>
-            <a:r>
-              <a:rPr lang="en" sz="1700">
-                <a:solidFill>
-                  <a:srgbClr val="FFFFFF"/>
-                </a:solidFill>
-                <a:latin typeface="Lato"/>
-                <a:ea typeface="Lato"/>
-                <a:cs typeface="Lato"/>
-                <a:sym typeface="Lato"/>
-              </a:rPr>
-              <a:t>Blah blah</a:t>
-            </a:r>
-            <a:endParaRPr sz="1700">
-              <a:solidFill>
-                <a:srgbClr val="FFFFFF"/>
-              </a:solidFill>
-              <a:latin typeface="Lato"/>
-              <a:ea typeface="Lato"/>
-              <a:cs typeface="Lato"/>
-              <a:sym typeface="Lato"/>
-            </a:endParaRPr>
-          </a:p>
-        </p:txBody>
-      </p:sp>
-    </p:spTree>
-  </p:cSld>
-  <p:clrMapOvr>
-    <a:masterClrMapping/>
-  </p:clrMapOvr>
-</p:sld>
-</file>
-
-<file path=ppt/slides/slide19.xml><?xml version="1.0" encoding="utf-8"?>
-<p:sld xmlns:a="http://schemas.openxmlformats.org/drawingml/2006/main" xmlns:r="http://schemas.openxmlformats.org/officeDocument/2006/relationships" xmlns:p="http://schemas.openxmlformats.org/presentationml/2006/main">
-  <p:cSld>
-    <p:spTree>
-      <p:nvGrpSpPr>
-        <p:cNvPr id="1" name="Shape 179"/>
-        <p:cNvGrpSpPr/>
-        <p:nvPr/>
-      </p:nvGrpSpPr>
-      <p:grpSpPr>
-        <a:xfrm>
-          <a:off x="0" y="0"/>
-          <a:ext cx="0" cy="0"/>
-          <a:chOff x="0" y="0"/>
-          <a:chExt cx="0" cy="0"/>
-        </a:xfrm>
-      </p:grpSpPr>
-      <p:sp>
-        <p:nvSpPr>
-          <p:cNvPr id="180" name="Google Shape;180;p31"/>
-          <p:cNvSpPr txBox="1">
-            <a:spLocks noGrp="1"/>
-          </p:cNvSpPr>
-          <p:nvPr>
-            <p:ph type="title"/>
-          </p:nvPr>
-        </p:nvSpPr>
-        <p:spPr>
-          <a:xfrm>
-            <a:off x="303300" y="193225"/>
-            <a:ext cx="8520600" cy="639600"/>
-          </a:xfrm>
-          <a:prstGeom prst="rect">
-            <a:avLst/>
-          </a:prstGeom>
-        </p:spPr>
-        <p:txBody>
-          <a:bodyPr spcFirstLastPara="1" wrap="square" lIns="91425" tIns="91425" rIns="91425" bIns="91425" anchor="t" anchorCtr="0">
-            <a:noAutofit/>
-          </a:bodyPr>
-          <a:lstStyle/>
-          <a:p>
-            <a:pPr marL="0" lvl="0" indent="0" algn="l" rtl="0">
-              <a:spcBef>
-                <a:spcPts val="0"/>
-              </a:spcBef>
-              <a:spcAft>
-                <a:spcPts val="0"/>
-              </a:spcAft>
-              <a:buNone/>
-            </a:pPr>
-            <a:r>
-              <a:rPr lang="en" sz="3600">
-                <a:solidFill>
-                  <a:srgbClr val="FFFFFF"/>
-                </a:solidFill>
-              </a:rPr>
-              <a:t>Post-Mortem</a:t>
-            </a:r>
-            <a:endParaRPr sz="3600">
-              <a:solidFill>
-                <a:srgbClr val="FFFFFF"/>
-              </a:solidFill>
-            </a:endParaRPr>
-          </a:p>
-        </p:txBody>
-      </p:sp>
-      <p:sp>
-        <p:nvSpPr>
-          <p:cNvPr id="181" name="Google Shape;181;p31"/>
           <p:cNvSpPr txBox="1"/>
           <p:nvPr/>
         </p:nvSpPr>
@@ -10587,6 +11085,150 @@
 </p:sld>
 </file>
 
+<file path=ppt/slides/slide20.xml><?xml version="1.0" encoding="utf-8"?>
+<p:sld xmlns:a="http://schemas.openxmlformats.org/drawingml/2006/main" xmlns:r="http://schemas.openxmlformats.org/officeDocument/2006/relationships" xmlns:p="http://schemas.openxmlformats.org/presentationml/2006/main">
+  <p:cSld>
+    <p:spTree>
+      <p:nvGrpSpPr>
+        <p:cNvPr id="1" name="Shape 179"/>
+        <p:cNvGrpSpPr/>
+        <p:nvPr/>
+      </p:nvGrpSpPr>
+      <p:grpSpPr>
+        <a:xfrm>
+          <a:off x="0" y="0"/>
+          <a:ext cx="0" cy="0"/>
+          <a:chOff x="0" y="0"/>
+          <a:chExt cx="0" cy="0"/>
+        </a:xfrm>
+      </p:grpSpPr>
+      <p:sp>
+        <p:nvSpPr>
+          <p:cNvPr id="180" name="Google Shape;180;p31"/>
+          <p:cNvSpPr txBox="1">
+            <a:spLocks noGrp="1"/>
+          </p:cNvSpPr>
+          <p:nvPr>
+            <p:ph type="title"/>
+          </p:nvPr>
+        </p:nvSpPr>
+        <p:spPr>
+          <a:xfrm>
+            <a:off x="303300" y="193225"/>
+            <a:ext cx="8520600" cy="639600"/>
+          </a:xfrm>
+          <a:prstGeom prst="rect">
+            <a:avLst/>
+          </a:prstGeom>
+        </p:spPr>
+        <p:txBody>
+          <a:bodyPr spcFirstLastPara="1" wrap="square" lIns="91425" tIns="91425" rIns="91425" bIns="91425" anchor="t" anchorCtr="0">
+            <a:noAutofit/>
+          </a:bodyPr>
+          <a:lstStyle/>
+          <a:p>
+            <a:pPr marL="0" lvl="0" indent="0" algn="l" rtl="0">
+              <a:spcBef>
+                <a:spcPts val="0"/>
+              </a:spcBef>
+              <a:spcAft>
+                <a:spcPts val="0"/>
+              </a:spcAft>
+              <a:buNone/>
+            </a:pPr>
+            <a:r>
+              <a:rPr lang="en" sz="3600">
+                <a:solidFill>
+                  <a:srgbClr val="FFFFFF"/>
+                </a:solidFill>
+              </a:rPr>
+              <a:t>Post-Mortem</a:t>
+            </a:r>
+            <a:endParaRPr sz="3600">
+              <a:solidFill>
+                <a:srgbClr val="FFFFFF"/>
+              </a:solidFill>
+            </a:endParaRPr>
+          </a:p>
+        </p:txBody>
+      </p:sp>
+      <p:sp>
+        <p:nvSpPr>
+          <p:cNvPr id="181" name="Google Shape;181;p31"/>
+          <p:cNvSpPr txBox="1"/>
+          <p:nvPr/>
+        </p:nvSpPr>
+        <p:spPr>
+          <a:xfrm>
+            <a:off x="303300" y="1819625"/>
+            <a:ext cx="8520600" cy="2899200"/>
+          </a:xfrm>
+          <a:prstGeom prst="rect">
+            <a:avLst/>
+          </a:prstGeom>
+          <a:noFill/>
+          <a:ln>
+            <a:noFill/>
+          </a:ln>
+        </p:spPr>
+        <p:txBody>
+          <a:bodyPr spcFirstLastPara="1" wrap="square" lIns="91425" tIns="91425" rIns="91425" bIns="91425" anchor="t" anchorCtr="0">
+            <a:noAutofit/>
+          </a:bodyPr>
+          <a:lstStyle/>
+          <a:p>
+            <a:pPr marL="0" lvl="0" indent="0" algn="l" rtl="0">
+              <a:spcBef>
+                <a:spcPts val="0"/>
+              </a:spcBef>
+              <a:spcAft>
+                <a:spcPts val="0"/>
+              </a:spcAft>
+              <a:buNone/>
+            </a:pPr>
+            <a:br>
+              <a:rPr lang="en" sz="1700">
+                <a:solidFill>
+                  <a:srgbClr val="FFFFFF"/>
+                </a:solidFill>
+                <a:latin typeface="Lato"/>
+                <a:ea typeface="Lato"/>
+                <a:cs typeface="Lato"/>
+                <a:sym typeface="Lato"/>
+              </a:rPr>
+            </a:br>
+            <a:r>
+              <a:rPr lang="en" sz="1700">
+                <a:solidFill>
+                  <a:srgbClr val="FFFFFF"/>
+                </a:solidFill>
+                <a:latin typeface="Lato"/>
+                <a:ea typeface="Lato"/>
+                <a:cs typeface="Lato"/>
+                <a:sym typeface="Lato"/>
+              </a:rPr>
+              <a:t>Blah blah</a:t>
+            </a:r>
+            <a:endParaRPr sz="1700">
+              <a:solidFill>
+                <a:srgbClr val="FFFFFF"/>
+              </a:solidFill>
+              <a:latin typeface="Lato"/>
+              <a:ea typeface="Lato"/>
+              <a:cs typeface="Lato"/>
+              <a:sym typeface="Lato"/>
+            </a:endParaRPr>
+          </a:p>
+        </p:txBody>
+      </p:sp>
+    </p:spTree>
+  </p:cSld>
+  <p:clrMapOvr>
+    <a:masterClrMapping/>
+  </p:clrMapOvr>
+</p:sld>
+</file>
+
 <file path=ppt/slides/slide3.xml><?xml version="1.0" encoding="utf-8"?>
 <p:sld xmlns:a="http://schemas.openxmlformats.org/drawingml/2006/main" xmlns:r="http://schemas.openxmlformats.org/officeDocument/2006/relationships" xmlns:p="http://schemas.openxmlformats.org/presentationml/2006/main">
   <p:cSld>
@@ -12151,7 +12793,7 @@
   <p:cSld>
     <p:spTree>
       <p:nvGrpSpPr>
-        <p:cNvPr id="1" name="Shape 119"/>
+        <p:cNvPr id="1" name="Shape 113"/>
         <p:cNvGrpSpPr/>
         <p:nvPr/>
       </p:nvGrpSpPr>
@@ -12165,7 +12807,7 @@
       </p:grpSpPr>
       <p:sp>
         <p:nvSpPr>
-          <p:cNvPr id="120" name="Google Shape;120;p21"/>
+          <p:cNvPr id="114" name="Google Shape;114;p20"/>
           <p:cNvSpPr txBox="1">
             <a:spLocks noGrp="1"/>
           </p:cNvSpPr>
@@ -12198,14 +12840,14 @@
               <a:buNone/>
             </a:pPr>
             <a:r>
-              <a:rPr lang="en" sz="3600">
+              <a:rPr lang="en" sz="3600" dirty="0">
                 <a:solidFill>
                   <a:srgbClr val="FFFFFF"/>
                 </a:solidFill>
               </a:rPr>
-              <a:t>What is in the HTML?</a:t>
+              <a:t>Data Munging</a:t>
             </a:r>
-            <a:endParaRPr sz="3600">
+            <a:endParaRPr sz="3600" dirty="0">
               <a:solidFill>
                 <a:srgbClr val="FFFFFF"/>
               </a:solidFill>
@@ -12215,7 +12857,7 @@
       </p:sp>
       <p:sp>
         <p:nvSpPr>
-          <p:cNvPr id="121" name="Google Shape;121;p21"/>
+          <p:cNvPr id="115" name="Google Shape;115;p20"/>
           <p:cNvSpPr txBox="1"/>
           <p:nvPr/>
         </p:nvSpPr>
@@ -12238,17 +12880,9 @@
           </a:bodyPr>
           <a:lstStyle/>
           <a:p>
-            <a:pPr marL="0" lvl="0" indent="0" algn="l" rtl="0">
-              <a:spcBef>
-                <a:spcPts val="0"/>
-              </a:spcBef>
-              <a:spcAft>
-                <a:spcPts val="0"/>
-              </a:spcAft>
-              <a:buNone/>
-            </a:pPr>
-            <a:br>
-              <a:rPr lang="en" sz="1700" dirty="0">
+            <a:pPr lvl="0"/>
+            <a:r>
+              <a:rPr lang="en-US" sz="1700" dirty="0">
                 <a:solidFill>
                   <a:srgbClr val="FFFFFF"/>
                 </a:solidFill>
@@ -12257,9 +12891,10 @@
                 <a:cs typeface="Lato"/>
                 <a:sym typeface="Lato"/>
               </a:rPr>
-            </a:br>
+              <a:t>Once we had the data from </a:t>
+            </a:r>
             <a:r>
-              <a:rPr lang="en" sz="1700" dirty="0" err="1">
+              <a:rPr lang="en-US" sz="1700" dirty="0" err="1">
                 <a:solidFill>
                   <a:srgbClr val="FFFFFF"/>
                 </a:solidFill>
@@ -12268,10 +12903,10 @@
                 <a:cs typeface="Lato"/>
                 <a:sym typeface="Lato"/>
               </a:rPr>
-              <a:t>BootStrap</a:t>
+              <a:t>Numbeo</a:t>
             </a:r>
             <a:r>
-              <a:rPr lang="en" sz="1700" dirty="0">
+              <a:rPr lang="en-US" sz="1700" dirty="0">
                 <a:solidFill>
                   <a:srgbClr val="FFFFFF"/>
                 </a:solidFill>
@@ -12280,331 +12915,9 @@
                 <a:cs typeface="Lato"/>
                 <a:sym typeface="Lato"/>
               </a:rPr>
-              <a:t>: </a:t>
+              <a:t> we had to insert it into an SQL Database. We removed the data that we didn’t need and merged it into one table. From there we transformed it into SQLite so that it could be more easily read by JavaScript.</a:t>
             </a:r>
-            <a:r>
-              <a:rPr lang="en" sz="1700" dirty="0">
-                <a:solidFill>
-                  <a:schemeClr val="bg1"/>
-                </a:solidFill>
-                <a:uFill>
-                  <a:noFill/>
-                </a:uFill>
-                <a:latin typeface="Lato"/>
-                <a:ea typeface="Lato"/>
-                <a:cs typeface="Lato"/>
-                <a:sym typeface="Lato"/>
-                <a:hlinkClick r:id="rId3">
-                  <a:extLst>
-                    <a:ext uri="{A12FA001-AC4F-418D-AE19-62706E023703}">
-                      <ahyp:hlinkClr xmlns:ahyp="http://schemas.microsoft.com/office/drawing/2018/hyperlinkcolor" val="tx"/>
-                    </a:ext>
-                  </a:extLst>
-                </a:hlinkClick>
-              </a:rPr>
-              <a:t>https://maxcdn.bootstrapcdn.com/bootstrap/3.3.7/css/bootstrap.min.css</a:t>
-            </a:r>
-            <a:br>
-              <a:rPr lang="en" sz="1700" dirty="0">
-                <a:solidFill>
-                  <a:srgbClr val="FFFFFF"/>
-                </a:solidFill>
-                <a:latin typeface="Lato"/>
-                <a:ea typeface="Lato"/>
-                <a:cs typeface="Lato"/>
-                <a:sym typeface="Lato"/>
-              </a:rPr>
-            </a:br>
-            <a:r>
-              <a:rPr lang="en" sz="1700" dirty="0">
-                <a:solidFill>
-                  <a:srgbClr val="FFFFFF"/>
-                </a:solidFill>
-                <a:latin typeface="Lato"/>
-                <a:ea typeface="Lato"/>
-                <a:cs typeface="Lato"/>
-                <a:sym typeface="Lato"/>
-              </a:rPr>
-              <a:t>D3: </a:t>
-            </a:r>
-            <a:r>
-              <a:rPr lang="en" sz="1700" dirty="0">
-                <a:solidFill>
-                  <a:schemeClr val="bg1"/>
-                </a:solidFill>
-                <a:uFill>
-                  <a:noFill/>
-                </a:uFill>
-                <a:latin typeface="Lato"/>
-                <a:ea typeface="Lato"/>
-                <a:cs typeface="Lato"/>
-                <a:sym typeface="Lato"/>
-                <a:hlinkClick r:id="rId4">
-                  <a:extLst>
-                    <a:ext uri="{A12FA001-AC4F-418D-AE19-62706E023703}">
-                      <ahyp:hlinkClr xmlns:ahyp="http://schemas.microsoft.com/office/drawing/2018/hyperlinkcolor" val="tx"/>
-                    </a:ext>
-                  </a:extLst>
-                </a:hlinkClick>
-              </a:rPr>
-              <a:t>https://cdnjs.cloudflare.com/ajax/libs/d3/5.5.0/d3.js</a:t>
-            </a:r>
-            <a:br>
-              <a:rPr lang="en" sz="1700" dirty="0">
-                <a:solidFill>
-                  <a:srgbClr val="FFFFFF"/>
-                </a:solidFill>
-                <a:latin typeface="Lato"/>
-                <a:ea typeface="Lato"/>
-                <a:cs typeface="Lato"/>
-                <a:sym typeface="Lato"/>
-              </a:rPr>
-            </a:br>
-            <a:r>
-              <a:rPr lang="en" sz="1700" dirty="0">
-                <a:solidFill>
-                  <a:srgbClr val="FFFFFF"/>
-                </a:solidFill>
-                <a:latin typeface="Lato"/>
-                <a:ea typeface="Lato"/>
-                <a:cs typeface="Lato"/>
-                <a:sym typeface="Lato"/>
-              </a:rPr>
-              <a:t>CSS: static/</a:t>
-            </a:r>
-            <a:r>
-              <a:rPr lang="en" sz="1700" dirty="0" err="1">
-                <a:solidFill>
-                  <a:srgbClr val="FFFFFF"/>
-                </a:solidFill>
-                <a:latin typeface="Lato"/>
-                <a:ea typeface="Lato"/>
-                <a:cs typeface="Lato"/>
-                <a:sym typeface="Lato"/>
-              </a:rPr>
-              <a:t>css</a:t>
-            </a:r>
-            <a:r>
-              <a:rPr lang="en" sz="1700" dirty="0">
-                <a:solidFill>
-                  <a:srgbClr val="FFFFFF"/>
-                </a:solidFill>
-                <a:latin typeface="Lato"/>
-                <a:ea typeface="Lato"/>
-                <a:cs typeface="Lato"/>
-                <a:sym typeface="Lato"/>
-              </a:rPr>
-              <a:t>/</a:t>
-            </a:r>
-            <a:r>
-              <a:rPr lang="en" sz="1700" dirty="0" err="1">
-                <a:solidFill>
-                  <a:srgbClr val="FFFFFF"/>
-                </a:solidFill>
-                <a:latin typeface="Lato"/>
-                <a:ea typeface="Lato"/>
-                <a:cs typeface="Lato"/>
-                <a:sym typeface="Lato"/>
-              </a:rPr>
-              <a:t>style.css</a:t>
-            </a:r>
-            <a:br>
-              <a:rPr lang="en" sz="1700" dirty="0">
-                <a:solidFill>
-                  <a:srgbClr val="FFFFFF"/>
-                </a:solidFill>
-                <a:latin typeface="Lato"/>
-                <a:ea typeface="Lato"/>
-                <a:cs typeface="Lato"/>
-                <a:sym typeface="Lato"/>
-              </a:rPr>
-            </a:br>
-            <a:r>
-              <a:rPr lang="en" sz="1700" dirty="0">
-                <a:solidFill>
-                  <a:srgbClr val="FFFFFF"/>
-                </a:solidFill>
-                <a:latin typeface="Lato"/>
-                <a:ea typeface="Lato"/>
-                <a:cs typeface="Lato"/>
-                <a:sym typeface="Lato"/>
-              </a:rPr>
-              <a:t>Leaflet CSS: https://</a:t>
-            </a:r>
-            <a:r>
-              <a:rPr lang="en" sz="1700" dirty="0" err="1">
-                <a:solidFill>
-                  <a:srgbClr val="FFFFFF"/>
-                </a:solidFill>
-                <a:latin typeface="Lato"/>
-                <a:ea typeface="Lato"/>
-                <a:cs typeface="Lato"/>
-                <a:sym typeface="Lato"/>
-              </a:rPr>
-              <a:t>unpkg.com</a:t>
-            </a:r>
-            <a:r>
-              <a:rPr lang="en" sz="1700" dirty="0">
-                <a:solidFill>
-                  <a:srgbClr val="FFFFFF"/>
-                </a:solidFill>
-                <a:latin typeface="Lato"/>
-                <a:ea typeface="Lato"/>
-                <a:cs typeface="Lato"/>
-                <a:sym typeface="Lato"/>
-              </a:rPr>
-              <a:t>/leaflet@1.3.3/</a:t>
-            </a:r>
-            <a:r>
-              <a:rPr lang="en" sz="1700" dirty="0" err="1">
-                <a:solidFill>
-                  <a:srgbClr val="FFFFFF"/>
-                </a:solidFill>
-                <a:latin typeface="Lato"/>
-                <a:ea typeface="Lato"/>
-                <a:cs typeface="Lato"/>
-                <a:sym typeface="Lato"/>
-              </a:rPr>
-              <a:t>dist</a:t>
-            </a:r>
-            <a:r>
-              <a:rPr lang="en" sz="1700" dirty="0">
-                <a:solidFill>
-                  <a:srgbClr val="FFFFFF"/>
-                </a:solidFill>
-                <a:latin typeface="Lato"/>
-                <a:ea typeface="Lato"/>
-                <a:cs typeface="Lato"/>
-                <a:sym typeface="Lato"/>
-              </a:rPr>
-              <a:t>/</a:t>
-            </a:r>
-            <a:r>
-              <a:rPr lang="en" sz="1700" dirty="0" err="1">
-                <a:solidFill>
-                  <a:srgbClr val="FFFFFF"/>
-                </a:solidFill>
-                <a:latin typeface="Lato"/>
-                <a:ea typeface="Lato"/>
-                <a:cs typeface="Lato"/>
-                <a:sym typeface="Lato"/>
-              </a:rPr>
-              <a:t>leaflet.css</a:t>
-            </a:r>
-            <a:endParaRPr sz="1700" dirty="0">
-              <a:solidFill>
-                <a:srgbClr val="FFFFFF"/>
-              </a:solidFill>
-              <a:latin typeface="Lato"/>
-              <a:ea typeface="Lato"/>
-              <a:cs typeface="Lato"/>
-              <a:sym typeface="Lato"/>
-            </a:endParaRPr>
-          </a:p>
-          <a:p>
-            <a:pPr marL="0" lvl="0" indent="0" algn="l" rtl="0">
-              <a:spcBef>
-                <a:spcPts val="0"/>
-              </a:spcBef>
-              <a:spcAft>
-                <a:spcPts val="0"/>
-              </a:spcAft>
-              <a:buNone/>
-            </a:pPr>
-            <a:r>
-              <a:rPr lang="en" sz="1700" dirty="0">
-                <a:solidFill>
-                  <a:srgbClr val="FFFFFF"/>
-                </a:solidFill>
-                <a:latin typeface="Lato"/>
-                <a:ea typeface="Lato"/>
-                <a:cs typeface="Lato"/>
-                <a:sym typeface="Lato"/>
-              </a:rPr>
-              <a:t>Leaflet </a:t>
-            </a:r>
-            <a:r>
-              <a:rPr lang="en" sz="1700" dirty="0" err="1">
-                <a:solidFill>
-                  <a:srgbClr val="FFFFFF"/>
-                </a:solidFill>
-                <a:latin typeface="Lato"/>
-                <a:ea typeface="Lato"/>
-                <a:cs typeface="Lato"/>
-                <a:sym typeface="Lato"/>
-              </a:rPr>
-              <a:t>Javascript</a:t>
-            </a:r>
-            <a:r>
-              <a:rPr lang="en" sz="1700" dirty="0">
-                <a:solidFill>
-                  <a:srgbClr val="FFFFFF"/>
-                </a:solidFill>
-                <a:latin typeface="Lato"/>
-                <a:ea typeface="Lato"/>
-                <a:cs typeface="Lato"/>
-                <a:sym typeface="Lato"/>
-              </a:rPr>
-              <a:t>: </a:t>
-            </a:r>
-            <a:r>
-              <a:rPr lang="en" sz="1700" dirty="0">
-                <a:solidFill>
-                  <a:schemeClr val="bg1"/>
-                </a:solidFill>
-                <a:uFill>
-                  <a:noFill/>
-                </a:uFill>
-                <a:latin typeface="Lato"/>
-                <a:ea typeface="Lato"/>
-                <a:cs typeface="Lato"/>
-                <a:sym typeface="Lato"/>
-                <a:hlinkClick r:id="rId5">
-                  <a:extLst>
-                    <a:ext uri="{A12FA001-AC4F-418D-AE19-62706E023703}">
-                      <ahyp:hlinkClr xmlns:ahyp="http://schemas.microsoft.com/office/drawing/2018/hyperlinkcolor" val="tx"/>
-                    </a:ext>
-                  </a:extLst>
-                </a:hlinkClick>
-              </a:rPr>
-              <a:t>https://unpkg.com/leaflet@1.3.3/dist/leaflet.js</a:t>
-            </a:r>
-            <a:br>
-              <a:rPr lang="en" sz="1700" dirty="0">
-                <a:solidFill>
-                  <a:srgbClr val="FFFFFF"/>
-                </a:solidFill>
-                <a:latin typeface="Lato"/>
-                <a:ea typeface="Lato"/>
-                <a:cs typeface="Lato"/>
-                <a:sym typeface="Lato"/>
-              </a:rPr>
-            </a:br>
-            <a:r>
-              <a:rPr lang="en" sz="1700" dirty="0">
-                <a:solidFill>
-                  <a:srgbClr val="FFFFFF"/>
-                </a:solidFill>
-                <a:latin typeface="Lato"/>
-                <a:ea typeface="Lato"/>
-                <a:cs typeface="Lato"/>
-                <a:sym typeface="Lato"/>
-              </a:rPr>
-              <a:t>Placeholder for </a:t>
-            </a:r>
-            <a:r>
-              <a:rPr lang="en" sz="1700" dirty="0" err="1">
-                <a:solidFill>
-                  <a:srgbClr val="FFFFFF"/>
-                </a:solidFill>
-                <a:latin typeface="Lato"/>
-                <a:ea typeface="Lato"/>
-                <a:cs typeface="Lato"/>
-                <a:sym typeface="Lato"/>
-              </a:rPr>
-              <a:t>MapID</a:t>
-            </a:r>
-            <a:endParaRPr sz="1700" dirty="0">
+            <a:endParaRPr lang="en" sz="1700" dirty="0">
               <a:solidFill>
                 <a:srgbClr val="FFFFFF"/>
               </a:solidFill>
@@ -12617,6 +12930,11 @@
         </p:txBody>
       </p:sp>
     </p:spTree>
+    <p:extLst>
+      <p:ext uri="{BB962C8B-B14F-4D97-AF65-F5344CB8AC3E}">
+        <p14:creationId xmlns:p14="http://schemas.microsoft.com/office/powerpoint/2010/main" val="1912523930"/>
+      </p:ext>
+    </p:extLst>
   </p:cSld>
   <p:clrMapOvr>
     <a:masterClrMapping/>

--- a/Homies City Collection.pptx
+++ b/Homies City Collection.pptx
@@ -33,14 +33,14 @@
   <p:notesSz cx="6858000" cy="9144000"/>
   <p:embeddedFontLst>
     <p:embeddedFont>
-      <p:font typeface="Lato" panose="020B0604020202020204" charset="0"/>
+      <p:font typeface="Lato" panose="020F0502020204030203" pitchFamily="34" charset="77"/>
       <p:regular r:id="rId23"/>
       <p:bold r:id="rId24"/>
       <p:italic r:id="rId25"/>
       <p:boldItalic r:id="rId26"/>
     </p:embeddedFont>
     <p:embeddedFont>
-      <p:font typeface="Raleway" panose="020B0604020202020204" charset="0"/>
+      <p:font typeface="Raleway" pitchFamily="2" charset="77"/>
       <p:regular r:id="rId27"/>
       <p:bold r:id="rId28"/>
       <p:italic r:id="rId29"/>
@@ -969,7 +969,7 @@
         </p:nvSpPr>
         <p:spPr>
           <a:xfrm>
-            <a:off x="381300" y="685800"/>
+            <a:off x="381000" y="685800"/>
             <a:ext cx="6096000" cy="3429000"/>
           </a:xfrm>
           <a:custGeom>
@@ -1032,6 +1032,10 @@
               </a:spcAft>
               <a:buNone/>
             </a:pPr>
+            <a:r>
+              <a:rPr lang="en-US"/>
+              <a:t>Karen</a:t>
+            </a:r>
             <a:endParaRPr/>
           </a:p>
         </p:txBody>
@@ -1136,7 +1140,11 @@
               </a:spcAft>
               <a:buNone/>
             </a:pPr>
-            <a:endParaRPr/>
+            <a:r>
+              <a:rPr lang="en-US" dirty="0"/>
+              <a:t>Adil</a:t>
+            </a:r>
+            <a:endParaRPr dirty="0"/>
           </a:p>
         </p:txBody>
       </p:sp>
@@ -1177,7 +1185,7 @@
         </p:nvSpPr>
         <p:spPr>
           <a:xfrm>
-            <a:off x="381300" y="685800"/>
+            <a:off x="381000" y="685800"/>
             <a:ext cx="6096000" cy="3429000"/>
           </a:xfrm>
           <a:custGeom>
@@ -1240,7 +1248,11 @@
               </a:spcAft>
               <a:buNone/>
             </a:pPr>
-            <a:endParaRPr/>
+            <a:r>
+              <a:rPr lang="en-US" dirty="0"/>
+              <a:t>Adil</a:t>
+            </a:r>
+            <a:endParaRPr dirty="0"/>
           </a:p>
         </p:txBody>
       </p:sp>
@@ -1344,7 +1356,11 @@
               </a:spcAft>
               <a:buNone/>
             </a:pPr>
-            <a:endParaRPr/>
+            <a:r>
+              <a:rPr lang="en-US" dirty="0"/>
+              <a:t>Duong</a:t>
+            </a:r>
+            <a:endParaRPr dirty="0"/>
           </a:p>
         </p:txBody>
       </p:sp>
@@ -1448,7 +1464,11 @@
               </a:spcAft>
               <a:buNone/>
             </a:pPr>
-            <a:endParaRPr/>
+            <a:r>
+              <a:rPr lang="en-US" dirty="0"/>
+              <a:t>Duong</a:t>
+            </a:r>
+            <a:endParaRPr dirty="0"/>
           </a:p>
         </p:txBody>
       </p:sp>
@@ -1552,7 +1572,11 @@
               </a:spcAft>
               <a:buNone/>
             </a:pPr>
-            <a:endParaRPr/>
+            <a:r>
+              <a:rPr lang="en-US" dirty="0"/>
+              <a:t>Duong</a:t>
+            </a:r>
+            <a:endParaRPr dirty="0"/>
           </a:p>
         </p:txBody>
       </p:sp>
@@ -1656,7 +1680,11 @@
               </a:spcAft>
               <a:buNone/>
             </a:pPr>
-            <a:endParaRPr/>
+            <a:r>
+              <a:rPr lang="en-US" dirty="0"/>
+              <a:t>Duong</a:t>
+            </a:r>
+            <a:endParaRPr dirty="0"/>
           </a:p>
         </p:txBody>
       </p:sp>
@@ -1697,7 +1725,7 @@
         </p:nvSpPr>
         <p:spPr>
           <a:xfrm>
-            <a:off x="381300" y="685800"/>
+            <a:off x="381000" y="685800"/>
             <a:ext cx="6096000" cy="3429000"/>
           </a:xfrm>
           <a:custGeom>
@@ -1760,7 +1788,11 @@
               </a:spcAft>
               <a:buNone/>
             </a:pPr>
-            <a:endParaRPr/>
+            <a:r>
+              <a:rPr lang="en-US" dirty="0"/>
+              <a:t>Duong</a:t>
+            </a:r>
+            <a:endParaRPr dirty="0"/>
           </a:p>
         </p:txBody>
       </p:sp>
@@ -1968,7 +2000,11 @@
               </a:spcAft>
               <a:buNone/>
             </a:pPr>
-            <a:endParaRPr/>
+            <a:r>
+              <a:rPr lang="en-US" dirty="0"/>
+              <a:t>Colin</a:t>
+            </a:r>
+            <a:endParaRPr dirty="0"/>
           </a:p>
         </p:txBody>
       </p:sp>
@@ -2014,7 +2050,7 @@
         </p:nvSpPr>
         <p:spPr>
           <a:xfrm>
-            <a:off x="381300" y="685800"/>
+            <a:off x="381000" y="685800"/>
             <a:ext cx="6096000" cy="3429000"/>
           </a:xfrm>
           <a:custGeom>
@@ -2077,7 +2113,11 @@
               </a:spcAft>
               <a:buNone/>
             </a:pPr>
-            <a:endParaRPr/>
+            <a:r>
+              <a:rPr lang="en-US" dirty="0"/>
+              <a:t>Colin</a:t>
+            </a:r>
+            <a:endParaRPr dirty="0"/>
           </a:p>
         </p:txBody>
       </p:sp>
@@ -2118,7 +2158,7 @@
         </p:nvSpPr>
         <p:spPr>
           <a:xfrm>
-            <a:off x="381300" y="685800"/>
+            <a:off x="381000" y="685800"/>
             <a:ext cx="6096000" cy="3429000"/>
           </a:xfrm>
           <a:custGeom>
@@ -2181,7 +2221,11 @@
               </a:spcAft>
               <a:buNone/>
             </a:pPr>
-            <a:endParaRPr/>
+            <a:r>
+              <a:rPr lang="en-US" dirty="0"/>
+              <a:t>Karen</a:t>
+            </a:r>
+            <a:endParaRPr dirty="0"/>
           </a:p>
         </p:txBody>
       </p:sp>
@@ -2222,7 +2266,7 @@
         </p:nvSpPr>
         <p:spPr>
           <a:xfrm>
-            <a:off x="381300" y="685800"/>
+            <a:off x="381000" y="685800"/>
             <a:ext cx="6096000" cy="3429000"/>
           </a:xfrm>
           <a:custGeom>
@@ -2285,7 +2329,11 @@
               </a:spcAft>
               <a:buNone/>
             </a:pPr>
-            <a:endParaRPr/>
+            <a:r>
+              <a:rPr lang="en-US" dirty="0"/>
+              <a:t>Colin</a:t>
+            </a:r>
+            <a:endParaRPr dirty="0"/>
           </a:p>
         </p:txBody>
       </p:sp>
@@ -2326,7 +2374,7 @@
         </p:nvSpPr>
         <p:spPr>
           <a:xfrm>
-            <a:off x="381300" y="685800"/>
+            <a:off x="381000" y="685800"/>
             <a:ext cx="6096000" cy="3429000"/>
           </a:xfrm>
           <a:custGeom>
@@ -2389,7 +2437,11 @@
               </a:spcAft>
               <a:buNone/>
             </a:pPr>
-            <a:endParaRPr/>
+            <a:r>
+              <a:rPr lang="en-US" dirty="0"/>
+              <a:t>Karen</a:t>
+            </a:r>
+            <a:endParaRPr dirty="0"/>
           </a:p>
         </p:txBody>
       </p:sp>
@@ -2430,7 +2482,7 @@
         </p:nvSpPr>
         <p:spPr>
           <a:xfrm>
-            <a:off x="381300" y="685800"/>
+            <a:off x="381000" y="685800"/>
             <a:ext cx="6096000" cy="3429000"/>
           </a:xfrm>
           <a:custGeom>
@@ -2493,7 +2545,11 @@
               </a:spcAft>
               <a:buNone/>
             </a:pPr>
-            <a:endParaRPr/>
+            <a:r>
+              <a:rPr lang="en-US" dirty="0"/>
+              <a:t>Karen</a:t>
+            </a:r>
+            <a:endParaRPr dirty="0"/>
           </a:p>
         </p:txBody>
       </p:sp>
@@ -2534,7 +2590,7 @@
         </p:nvSpPr>
         <p:spPr>
           <a:xfrm>
-            <a:off x="381300" y="685800"/>
+            <a:off x="381000" y="685800"/>
             <a:ext cx="6096000" cy="3429000"/>
           </a:xfrm>
           <a:custGeom>
@@ -2597,7 +2653,11 @@
               </a:spcAft>
               <a:buNone/>
             </a:pPr>
-            <a:endParaRPr/>
+            <a:r>
+              <a:rPr lang="en-US" dirty="0"/>
+              <a:t>Karen</a:t>
+            </a:r>
+            <a:endParaRPr dirty="0"/>
           </a:p>
         </p:txBody>
       </p:sp>
@@ -2638,7 +2698,7 @@
         </p:nvSpPr>
         <p:spPr>
           <a:xfrm>
-            <a:off x="381300" y="685800"/>
+            <a:off x="381000" y="685800"/>
             <a:ext cx="6096000" cy="3429000"/>
           </a:xfrm>
           <a:custGeom>
@@ -2701,7 +2761,11 @@
               </a:spcAft>
               <a:buNone/>
             </a:pPr>
-            <a:endParaRPr/>
+            <a:r>
+              <a:rPr lang="en-US" dirty="0"/>
+              <a:t>Karen</a:t>
+            </a:r>
+            <a:endParaRPr dirty="0"/>
           </a:p>
         </p:txBody>
       </p:sp>
@@ -2805,7 +2869,11 @@
               </a:spcAft>
               <a:buNone/>
             </a:pPr>
-            <a:endParaRPr/>
+            <a:r>
+              <a:rPr lang="en-US" dirty="0"/>
+              <a:t>Adil</a:t>
+            </a:r>
+            <a:endParaRPr dirty="0"/>
           </a:p>
         </p:txBody>
       </p:sp>
@@ -2909,7 +2977,11 @@
               </a:spcAft>
               <a:buNone/>
             </a:pPr>
-            <a:endParaRPr/>
+            <a:r>
+              <a:rPr lang="en-US" dirty="0"/>
+              <a:t>Adil</a:t>
+            </a:r>
+            <a:endParaRPr dirty="0"/>
           </a:p>
         </p:txBody>
       </p:sp>
@@ -3013,7 +3085,11 @@
               </a:spcAft>
               <a:buNone/>
             </a:pPr>
-            <a:endParaRPr/>
+            <a:r>
+              <a:rPr lang="en-US" dirty="0"/>
+              <a:t>Adil</a:t>
+            </a:r>
+            <a:endParaRPr dirty="0"/>
           </a:p>
         </p:txBody>
       </p:sp>

--- a/Homies City Collection.pptx
+++ b/Homies City Collection.pptx
@@ -33,14 +33,14 @@
   <p:notesSz cx="6858000" cy="9144000"/>
   <p:embeddedFontLst>
     <p:embeddedFont>
-      <p:font typeface="Lato" panose="020F0502020204030203" pitchFamily="34" charset="77"/>
+      <p:font typeface="Lato" panose="020B0604020202020204" charset="0"/>
       <p:regular r:id="rId23"/>
       <p:bold r:id="rId24"/>
       <p:italic r:id="rId25"/>
       <p:boldItalic r:id="rId26"/>
     </p:embeddedFont>
     <p:embeddedFont>
-      <p:font typeface="Raleway" pitchFamily="2" charset="77"/>
+      <p:font typeface="Raleway" panose="020B0604020202020204" charset="0"/>
       <p:regular r:id="rId27"/>
       <p:bold r:id="rId28"/>
       <p:italic r:id="rId29"/>
@@ -307,8 +307,8 @@
 <pc:chgInfo xmlns:a="http://schemas.openxmlformats.org/drawingml/2006/main" xmlns:r="http://schemas.openxmlformats.org/officeDocument/2006/relationships" xmlns:ac="http://schemas.microsoft.com/office/drawing/2013/main/command" xmlns:pc="http://schemas.microsoft.com/office/powerpoint/2013/main/command">
   <pc:docChgLst>
     <pc:chgData name="Colin" userId="c2c872a862d4dd17" providerId="LiveId" clId="{DBF0D679-A1D2-41BA-9DE5-196B1668C167}"/>
-    <pc:docChg chg="undo custSel addSld delSld modSld">
-      <pc:chgData name="Colin" userId="c2c872a862d4dd17" providerId="LiveId" clId="{DBF0D679-A1D2-41BA-9DE5-196B1668C167}" dt="2020-07-20T01:29:27.871" v="1659" actId="20577"/>
+    <pc:docChg chg="undo custSel addSld delSld modSld sldOrd">
+      <pc:chgData name="Colin" userId="c2c872a862d4dd17" providerId="LiveId" clId="{DBF0D679-A1D2-41BA-9DE5-196B1668C167}" dt="2020-07-21T00:03:47.210" v="2929" actId="20577"/>
       <pc:docMkLst>
         <pc:docMk/>
       </pc:docMkLst>
@@ -388,8 +388,8 @@
           </ac:spMkLst>
         </pc:spChg>
       </pc:sldChg>
-      <pc:sldChg chg="modSp mod">
-        <pc:chgData name="Colin" userId="c2c872a862d4dd17" providerId="LiveId" clId="{DBF0D679-A1D2-41BA-9DE5-196B1668C167}" dt="2020-07-20T01:29:22.173" v="1657" actId="20577"/>
+      <pc:sldChg chg="modSp mod ord">
+        <pc:chgData name="Colin" userId="c2c872a862d4dd17" providerId="LiveId" clId="{DBF0D679-A1D2-41BA-9DE5-196B1668C167}" dt="2020-07-20T03:13:43.384" v="2788"/>
         <pc:sldMkLst>
           <pc:docMk/>
           <pc:sldMk cId="0" sldId="268"/>
@@ -437,6 +437,36 @@
             <pc:docMk/>
             <pc:sldMk cId="0" sldId="272"/>
             <ac:spMk id="168" creationId="{00000000-0000-0000-0000-000000000000}"/>
+          </ac:spMkLst>
+        </pc:spChg>
+      </pc:sldChg>
+      <pc:sldChg chg="modSp mod">
+        <pc:chgData name="Colin" userId="c2c872a862d4dd17" providerId="LiveId" clId="{DBF0D679-A1D2-41BA-9DE5-196B1668C167}" dt="2020-07-21T00:03:47.210" v="2929" actId="20577"/>
+        <pc:sldMkLst>
+          <pc:docMk/>
+          <pc:sldMk cId="0" sldId="273"/>
+        </pc:sldMkLst>
+        <pc:spChg chg="mod">
+          <ac:chgData name="Colin" userId="c2c872a862d4dd17" providerId="LiveId" clId="{DBF0D679-A1D2-41BA-9DE5-196B1668C167}" dt="2020-07-21T00:03:47.210" v="2929" actId="20577"/>
+          <ac:spMkLst>
+            <pc:docMk/>
+            <pc:sldMk cId="0" sldId="273"/>
+            <ac:spMk id="175" creationId="{00000000-0000-0000-0000-000000000000}"/>
+          </ac:spMkLst>
+        </pc:spChg>
+      </pc:sldChg>
+      <pc:sldChg chg="modSp mod">
+        <pc:chgData name="Colin" userId="c2c872a862d4dd17" providerId="LiveId" clId="{DBF0D679-A1D2-41BA-9DE5-196B1668C167}" dt="2020-07-20T02:05:04.484" v="2784" actId="20577"/>
+        <pc:sldMkLst>
+          <pc:docMk/>
+          <pc:sldMk cId="0" sldId="274"/>
+        </pc:sldMkLst>
+        <pc:spChg chg="mod">
+          <ac:chgData name="Colin" userId="c2c872a862d4dd17" providerId="LiveId" clId="{DBF0D679-A1D2-41BA-9DE5-196B1668C167}" dt="2020-07-20T02:05:04.484" v="2784" actId="20577"/>
+          <ac:spMkLst>
+            <pc:docMk/>
+            <pc:sldMk cId="0" sldId="274"/>
+            <ac:spMk id="181" creationId="{00000000-0000-0000-0000-000000000000}"/>
           </ac:spMkLst>
         </pc:spChg>
       </pc:sldChg>
@@ -10897,8 +10927,8 @@
               </a:spcAft>
               <a:buNone/>
             </a:pPr>
-            <a:br>
-              <a:rPr lang="en" sz="1700">
+            <a:r>
+              <a:rPr lang="en-US" sz="1700" dirty="0">
                 <a:solidFill>
                   <a:srgbClr val="FFFFFF"/>
                 </a:solidFill>
@@ -10907,9 +10937,41 @@
                 <a:cs typeface="Lato"/>
                 <a:sym typeface="Lato"/>
               </a:rPr>
-            </a:br>
+              <a:t>The creation of our webapp can be summarized into four parts:</a:t>
+            </a:r>
+          </a:p>
+          <a:p>
+            <a:pPr marL="0" lvl="0" indent="0" algn="l" rtl="0">
+              <a:spcBef>
+                <a:spcPts val="0"/>
+              </a:spcBef>
+              <a:spcAft>
+                <a:spcPts val="0"/>
+              </a:spcAft>
+              <a:buNone/>
+            </a:pPr>
+            <a:endParaRPr lang="en-US" sz="1700" dirty="0">
+              <a:solidFill>
+                <a:srgbClr val="FFFFFF"/>
+              </a:solidFill>
+              <a:latin typeface="Lato"/>
+              <a:ea typeface="Lato"/>
+              <a:cs typeface="Lato"/>
+              <a:sym typeface="Lato"/>
+            </a:endParaRPr>
+          </a:p>
+          <a:p>
+            <a:pPr marL="0" lvl="0" indent="0" algn="l" rtl="0">
+              <a:spcBef>
+                <a:spcPts val="0"/>
+              </a:spcBef>
+              <a:spcAft>
+                <a:spcPts val="0"/>
+              </a:spcAft>
+              <a:buNone/>
+            </a:pPr>
             <a:r>
-              <a:rPr lang="en" sz="1700">
+              <a:rPr lang="en-US" sz="1700" dirty="0">
                 <a:solidFill>
                   <a:srgbClr val="FFFFFF"/>
                 </a:solidFill>
@@ -10918,9 +10980,149 @@
                 <a:cs typeface="Lato"/>
                 <a:sym typeface="Lato"/>
               </a:rPr>
-              <a:t>Blah blah</a:t>
+              <a:t>We acquired the data and stored it in SQL.</a:t>
             </a:r>
-            <a:endParaRPr sz="1700">
+          </a:p>
+          <a:p>
+            <a:pPr marL="0" lvl="0" indent="0" algn="l" rtl="0">
+              <a:spcBef>
+                <a:spcPts val="0"/>
+              </a:spcBef>
+              <a:spcAft>
+                <a:spcPts val="0"/>
+              </a:spcAft>
+              <a:buNone/>
+            </a:pPr>
+            <a:endParaRPr lang="en-US" sz="1700" dirty="0">
+              <a:solidFill>
+                <a:srgbClr val="FFFFFF"/>
+              </a:solidFill>
+              <a:latin typeface="Lato"/>
+              <a:ea typeface="Lato"/>
+              <a:cs typeface="Lato"/>
+              <a:sym typeface="Lato"/>
+            </a:endParaRPr>
+          </a:p>
+          <a:p>
+            <a:pPr marL="0" lvl="0" indent="0" algn="l" rtl="0">
+              <a:spcBef>
+                <a:spcPts val="0"/>
+              </a:spcBef>
+              <a:spcAft>
+                <a:spcPts val="0"/>
+              </a:spcAft>
+              <a:buNone/>
+            </a:pPr>
+            <a:r>
+              <a:rPr lang="en-US" sz="1700" dirty="0">
+                <a:solidFill>
+                  <a:srgbClr val="FFFFFF"/>
+                </a:solidFill>
+                <a:latin typeface="Lato"/>
+                <a:ea typeface="Lato"/>
+                <a:cs typeface="Lato"/>
+                <a:sym typeface="Lato"/>
+              </a:rPr>
+              <a:t>We scripted functionality &amp; design for the site in HTML and CSS.</a:t>
+            </a:r>
+          </a:p>
+          <a:p>
+            <a:pPr marL="0" lvl="0" indent="0" algn="l" rtl="0">
+              <a:spcBef>
+                <a:spcPts val="0"/>
+              </a:spcBef>
+              <a:spcAft>
+                <a:spcPts val="0"/>
+              </a:spcAft>
+              <a:buNone/>
+            </a:pPr>
+            <a:endParaRPr lang="en-US" sz="1700" dirty="0">
+              <a:solidFill>
+                <a:srgbClr val="FFFFFF"/>
+              </a:solidFill>
+              <a:latin typeface="Lato"/>
+              <a:ea typeface="Lato"/>
+              <a:cs typeface="Lato"/>
+              <a:sym typeface="Lato"/>
+            </a:endParaRPr>
+          </a:p>
+          <a:p>
+            <a:pPr marL="0" lvl="0" indent="0" algn="l" rtl="0">
+              <a:spcBef>
+                <a:spcPts val="0"/>
+              </a:spcBef>
+              <a:spcAft>
+                <a:spcPts val="0"/>
+              </a:spcAft>
+              <a:buNone/>
+            </a:pPr>
+            <a:r>
+              <a:rPr lang="en-US" sz="1700" dirty="0">
+                <a:solidFill>
+                  <a:srgbClr val="FFFFFF"/>
+                </a:solidFill>
+                <a:latin typeface="Lato"/>
+                <a:ea typeface="Lato"/>
+                <a:cs typeface="Lato"/>
+                <a:sym typeface="Lato"/>
+              </a:rPr>
+              <a:t>We enabled the site to pull from the APIs and our database using JavaScript.</a:t>
+            </a:r>
+          </a:p>
+          <a:p>
+            <a:pPr marL="0" lvl="0" indent="0" algn="l" rtl="0">
+              <a:spcBef>
+                <a:spcPts val="0"/>
+              </a:spcBef>
+              <a:spcAft>
+                <a:spcPts val="0"/>
+              </a:spcAft>
+              <a:buNone/>
+            </a:pPr>
+            <a:endParaRPr lang="en-US" sz="1700" dirty="0">
+              <a:solidFill>
+                <a:srgbClr val="FFFFFF"/>
+              </a:solidFill>
+              <a:latin typeface="Lato"/>
+              <a:ea typeface="Lato"/>
+              <a:cs typeface="Lato"/>
+              <a:sym typeface="Lato"/>
+            </a:endParaRPr>
+          </a:p>
+          <a:p>
+            <a:pPr marL="0" lvl="0" indent="0" algn="l" rtl="0">
+              <a:spcBef>
+                <a:spcPts val="0"/>
+              </a:spcBef>
+              <a:spcAft>
+                <a:spcPts val="0"/>
+              </a:spcAft>
+              <a:buNone/>
+            </a:pPr>
+            <a:r>
+              <a:rPr lang="en-US" sz="1700" dirty="0">
+                <a:solidFill>
+                  <a:srgbClr val="FFFFFF"/>
+                </a:solidFill>
+                <a:latin typeface="Lato"/>
+                <a:ea typeface="Lato"/>
+                <a:cs typeface="Lato"/>
+                <a:sym typeface="Lato"/>
+              </a:rPr>
+              <a:t>Finally, we mapped the locations &amp; created the summary statistics in JavaScript.</a:t>
+            </a:r>
+          </a:p>
+          <a:p>
+            <a:pPr marL="0" lvl="0" indent="0" algn="l" rtl="0">
+              <a:spcBef>
+                <a:spcPts val="0"/>
+              </a:spcBef>
+              <a:spcAft>
+                <a:spcPts val="0"/>
+              </a:spcAft>
+              <a:buNone/>
+            </a:pPr>
+            <a:endParaRPr sz="1700" dirty="0">
               <a:solidFill>
                 <a:srgbClr val="FFFFFF"/>
               </a:solidFill>

--- a/Homies City Collection.pptx
+++ b/Homies City Collection.pptx
@@ -308,7 +308,7 @@
   <pc:docChgLst>
     <pc:chgData name="Colin" userId="c2c872a862d4dd17" providerId="LiveId" clId="{DBF0D679-A1D2-41BA-9DE5-196B1668C167}"/>
     <pc:docChg chg="undo custSel addSld delSld modSld sldOrd">
-      <pc:chgData name="Colin" userId="c2c872a862d4dd17" providerId="LiveId" clId="{DBF0D679-A1D2-41BA-9DE5-196B1668C167}" dt="2020-07-21T00:03:47.210" v="2929" actId="20577"/>
+      <pc:chgData name="Colin" userId="c2c872a862d4dd17" providerId="LiveId" clId="{DBF0D679-A1D2-41BA-9DE5-196B1668C167}" dt="2020-07-21T00:26:23.412" v="4822" actId="20577"/>
       <pc:docMkLst>
         <pc:docMk/>
       </pc:docMkLst>
@@ -456,13 +456,13 @@
         </pc:spChg>
       </pc:sldChg>
       <pc:sldChg chg="modSp mod">
-        <pc:chgData name="Colin" userId="c2c872a862d4dd17" providerId="LiveId" clId="{DBF0D679-A1D2-41BA-9DE5-196B1668C167}" dt="2020-07-20T02:05:04.484" v="2784" actId="20577"/>
+        <pc:chgData name="Colin" userId="c2c872a862d4dd17" providerId="LiveId" clId="{DBF0D679-A1D2-41BA-9DE5-196B1668C167}" dt="2020-07-21T00:26:23.412" v="4822" actId="20577"/>
         <pc:sldMkLst>
           <pc:docMk/>
           <pc:sldMk cId="0" sldId="274"/>
         </pc:sldMkLst>
         <pc:spChg chg="mod">
-          <ac:chgData name="Colin" userId="c2c872a862d4dd17" providerId="LiveId" clId="{DBF0D679-A1D2-41BA-9DE5-196B1668C167}" dt="2020-07-20T02:05:04.484" v="2784" actId="20577"/>
+          <ac:chgData name="Colin" userId="c2c872a862d4dd17" providerId="LiveId" clId="{DBF0D679-A1D2-41BA-9DE5-196B1668C167}" dt="2020-07-21T00:26:23.412" v="4822" actId="20577"/>
           <ac:spMkLst>
             <pc:docMk/>
             <pc:sldMk cId="0" sldId="274"/>
@@ -11438,8 +11438,8 @@
         </p:nvSpPr>
         <p:spPr>
           <a:xfrm>
-            <a:off x="303300" y="1819625"/>
-            <a:ext cx="8520600" cy="2899200"/>
+            <a:off x="311700" y="1122150"/>
+            <a:ext cx="8520600" cy="2999794"/>
           </a:xfrm>
           <a:prstGeom prst="rect">
             <a:avLst/>
@@ -11464,8 +11464,8 @@
               </a:spcAft>
               <a:buNone/>
             </a:pPr>
-            <a:br>
-              <a:rPr lang="en" sz="1700">
+            <a:r>
+              <a:rPr lang="en-US" sz="1700" dirty="0">
                 <a:solidFill>
                   <a:srgbClr val="FFFFFF"/>
                 </a:solidFill>
@@ -11474,9 +11474,32 @@
                 <a:cs typeface="Lato"/>
                 <a:sym typeface="Lato"/>
               </a:rPr>
-            </a:br>
+              <a:t>While we were successful in the JavaScript portion of the project, it took longer than anticipated.</a:t>
+            </a:r>
+          </a:p>
+          <a:p>
+            <a:pPr marL="0" lvl="0" indent="0" algn="l" rtl="0">
+              <a:spcBef>
+                <a:spcPts val="0"/>
+              </a:spcBef>
+              <a:spcAft>
+                <a:spcPts val="0"/>
+              </a:spcAft>
+              <a:buNone/>
+            </a:pPr>
+            <a:endParaRPr lang="en-US" sz="1700" dirty="0">
+              <a:solidFill>
+                <a:srgbClr val="FFFFFF"/>
+              </a:solidFill>
+              <a:latin typeface="Lato"/>
+              <a:ea typeface="Lato"/>
+              <a:cs typeface="Lato"/>
+              <a:sym typeface="Lato"/>
+            </a:endParaRPr>
+          </a:p>
+          <a:p>
             <a:r>
-              <a:rPr lang="en" sz="1700">
+              <a:rPr lang="en-US" sz="1700" dirty="0">
                 <a:solidFill>
                   <a:srgbClr val="FFFFFF"/>
                 </a:solidFill>
@@ -11485,9 +11508,274 @@
                 <a:cs typeface="Lato"/>
                 <a:sym typeface="Lato"/>
               </a:rPr>
-              <a:t>Blah blah</a:t>
+              <a:t>We learned how to implement the library </a:t>
             </a:r>
-            <a:endParaRPr sz="1700">
+            <a:r>
+              <a:rPr lang="en-US" sz="1700" dirty="0" err="1">
+                <a:solidFill>
+                  <a:srgbClr val="FFFFFF"/>
+                </a:solidFill>
+                <a:latin typeface="Lato"/>
+                <a:ea typeface="Lato"/>
+                <a:cs typeface="Lato"/>
+                <a:sym typeface="Lato"/>
+              </a:rPr>
+              <a:t>Axios</a:t>
+            </a:r>
+            <a:r>
+              <a:rPr lang="en-US" sz="1700" dirty="0">
+                <a:solidFill>
+                  <a:srgbClr val="FFFFFF"/>
+                </a:solidFill>
+                <a:latin typeface="Lato"/>
+                <a:ea typeface="Lato"/>
+                <a:cs typeface="Lato"/>
+                <a:sym typeface="Lato"/>
+              </a:rPr>
+              <a:t>, which is an incredibly powerful and useful asset to have when working with APIs.</a:t>
+            </a:r>
+          </a:p>
+          <a:p>
+            <a:pPr marL="0" lvl="0" indent="0" algn="l" rtl="0">
+              <a:spcBef>
+                <a:spcPts val="0"/>
+              </a:spcBef>
+              <a:spcAft>
+                <a:spcPts val="0"/>
+              </a:spcAft>
+              <a:buNone/>
+            </a:pPr>
+            <a:endParaRPr lang="en-US" sz="1700" dirty="0">
+              <a:solidFill>
+                <a:srgbClr val="FFFFFF"/>
+              </a:solidFill>
+              <a:latin typeface="Lato"/>
+              <a:ea typeface="Lato"/>
+              <a:cs typeface="Lato"/>
+              <a:sym typeface="Lato"/>
+            </a:endParaRPr>
+          </a:p>
+          <a:p>
+            <a:pPr marL="0" lvl="0" indent="0" algn="l" rtl="0">
+              <a:spcBef>
+                <a:spcPts val="0"/>
+              </a:spcBef>
+              <a:spcAft>
+                <a:spcPts val="0"/>
+              </a:spcAft>
+              <a:buNone/>
+            </a:pPr>
+            <a:r>
+              <a:rPr lang="en-US" sz="1700" dirty="0">
+                <a:solidFill>
+                  <a:srgbClr val="FFFFFF"/>
+                </a:solidFill>
+                <a:latin typeface="Lato"/>
+                <a:ea typeface="Lato"/>
+                <a:cs typeface="Lato"/>
+                <a:sym typeface="Lato"/>
+              </a:rPr>
+              <a:t>There are additional things we would have included, such as more measurements for the cities, better map integration, and overall improved usability. Due to time constraints, </a:t>
+            </a:r>
+            <a:r>
+              <a:rPr lang="en-US" sz="1700">
+                <a:solidFill>
+                  <a:srgbClr val="FFFFFF"/>
+                </a:solidFill>
+                <a:latin typeface="Lato"/>
+                <a:ea typeface="Lato"/>
+                <a:cs typeface="Lato"/>
+                <a:sym typeface="Lato"/>
+              </a:rPr>
+              <a:t>we did what </a:t>
+            </a:r>
+            <a:r>
+              <a:rPr lang="en-US" sz="1700" dirty="0">
+                <a:solidFill>
+                  <a:srgbClr val="FFFFFF"/>
+                </a:solidFill>
+                <a:latin typeface="Lato"/>
+                <a:ea typeface="Lato"/>
+                <a:cs typeface="Lato"/>
+                <a:sym typeface="Lato"/>
+              </a:rPr>
+              <a:t>was most important.</a:t>
+            </a:r>
+          </a:p>
+          <a:p>
+            <a:pPr marL="0" lvl="0" indent="0" algn="l" rtl="0">
+              <a:spcBef>
+                <a:spcPts val="0"/>
+              </a:spcBef>
+              <a:spcAft>
+                <a:spcPts val="0"/>
+              </a:spcAft>
+              <a:buNone/>
+            </a:pPr>
+            <a:endParaRPr lang="en-US" sz="1700" dirty="0">
+              <a:solidFill>
+                <a:srgbClr val="FFFFFF"/>
+              </a:solidFill>
+              <a:latin typeface="Lato"/>
+              <a:ea typeface="Lato"/>
+              <a:cs typeface="Lato"/>
+              <a:sym typeface="Lato"/>
+            </a:endParaRPr>
+          </a:p>
+          <a:p>
+            <a:pPr marL="0" lvl="0" indent="0" algn="ctr" rtl="0">
+              <a:spcBef>
+                <a:spcPts val="0"/>
+              </a:spcBef>
+              <a:spcAft>
+                <a:spcPts val="0"/>
+              </a:spcAft>
+              <a:buNone/>
+            </a:pPr>
+            <a:r>
+              <a:rPr lang="en-US" sz="1700" dirty="0">
+                <a:solidFill>
+                  <a:srgbClr val="FFFFFF"/>
+                </a:solidFill>
+                <a:latin typeface="Lato"/>
+                <a:ea typeface="Lato"/>
+                <a:cs typeface="Lato"/>
+                <a:sym typeface="Lato"/>
+              </a:rPr>
+              <a:t>Thank you!</a:t>
+            </a:r>
+          </a:p>
+          <a:p>
+            <a:pPr marL="0" lvl="0" indent="0" algn="l" rtl="0">
+              <a:spcBef>
+                <a:spcPts val="0"/>
+              </a:spcBef>
+              <a:spcAft>
+                <a:spcPts val="0"/>
+              </a:spcAft>
+              <a:buNone/>
+            </a:pPr>
+            <a:endParaRPr lang="en-US" sz="1700" dirty="0">
+              <a:solidFill>
+                <a:srgbClr val="FFFFFF"/>
+              </a:solidFill>
+              <a:latin typeface="Lato"/>
+              <a:ea typeface="Lato"/>
+              <a:cs typeface="Lato"/>
+              <a:sym typeface="Lato"/>
+            </a:endParaRPr>
+          </a:p>
+          <a:p>
+            <a:pPr marL="0" lvl="0" indent="0" algn="l" rtl="0">
+              <a:spcBef>
+                <a:spcPts val="0"/>
+              </a:spcBef>
+              <a:spcAft>
+                <a:spcPts val="0"/>
+              </a:spcAft>
+              <a:buNone/>
+            </a:pPr>
+            <a:endParaRPr lang="en-US" sz="1700" dirty="0">
+              <a:solidFill>
+                <a:srgbClr val="FFFFFF"/>
+              </a:solidFill>
+              <a:latin typeface="Lato"/>
+              <a:ea typeface="Lato"/>
+              <a:cs typeface="Lato"/>
+              <a:sym typeface="Lato"/>
+            </a:endParaRPr>
+          </a:p>
+          <a:p>
+            <a:pPr marL="0" lvl="0" indent="0" algn="l" rtl="0">
+              <a:spcBef>
+                <a:spcPts val="0"/>
+              </a:spcBef>
+              <a:spcAft>
+                <a:spcPts val="0"/>
+              </a:spcAft>
+              <a:buNone/>
+            </a:pPr>
+            <a:endParaRPr lang="en-US" sz="1700" dirty="0">
+              <a:solidFill>
+                <a:srgbClr val="FFFFFF"/>
+              </a:solidFill>
+              <a:latin typeface="Lato"/>
+              <a:ea typeface="Lato"/>
+              <a:cs typeface="Lato"/>
+              <a:sym typeface="Lato"/>
+            </a:endParaRPr>
+          </a:p>
+          <a:p>
+            <a:pPr marL="0" lvl="0" indent="0" algn="l" rtl="0">
+              <a:spcBef>
+                <a:spcPts val="0"/>
+              </a:spcBef>
+              <a:spcAft>
+                <a:spcPts val="0"/>
+              </a:spcAft>
+              <a:buNone/>
+            </a:pPr>
+            <a:endParaRPr lang="en-US" sz="1700" dirty="0">
+              <a:solidFill>
+                <a:srgbClr val="FFFFFF"/>
+              </a:solidFill>
+              <a:latin typeface="Lato"/>
+              <a:ea typeface="Lato"/>
+              <a:cs typeface="Lato"/>
+              <a:sym typeface="Lato"/>
+            </a:endParaRPr>
+          </a:p>
+          <a:p>
+            <a:pPr marL="0" lvl="0" indent="0" algn="l" rtl="0">
+              <a:spcBef>
+                <a:spcPts val="0"/>
+              </a:spcBef>
+              <a:spcAft>
+                <a:spcPts val="0"/>
+              </a:spcAft>
+              <a:buNone/>
+            </a:pPr>
+            <a:endParaRPr lang="en-US" sz="1700" dirty="0">
+              <a:solidFill>
+                <a:srgbClr val="FFFFFF"/>
+              </a:solidFill>
+              <a:latin typeface="Lato"/>
+              <a:ea typeface="Lato"/>
+              <a:cs typeface="Lato"/>
+              <a:sym typeface="Lato"/>
+            </a:endParaRPr>
+          </a:p>
+          <a:p>
+            <a:pPr marL="0" lvl="0" indent="0" algn="l" rtl="0">
+              <a:spcBef>
+                <a:spcPts val="0"/>
+              </a:spcBef>
+              <a:spcAft>
+                <a:spcPts val="0"/>
+              </a:spcAft>
+              <a:buNone/>
+            </a:pPr>
+            <a:endParaRPr lang="en-US" sz="1700" dirty="0">
+              <a:solidFill>
+                <a:srgbClr val="FFFFFF"/>
+              </a:solidFill>
+              <a:latin typeface="Lato"/>
+              <a:ea typeface="Lato"/>
+              <a:cs typeface="Lato"/>
+              <a:sym typeface="Lato"/>
+            </a:endParaRPr>
+          </a:p>
+          <a:p>
+            <a:pPr marL="0" lvl="0" indent="0" algn="l" rtl="0">
+              <a:spcBef>
+                <a:spcPts val="0"/>
+              </a:spcBef>
+              <a:spcAft>
+                <a:spcPts val="0"/>
+              </a:spcAft>
+              <a:buNone/>
+            </a:pPr>
+            <a:endParaRPr lang="en-US" sz="1700" dirty="0">
               <a:solidFill>
                 <a:srgbClr val="FFFFFF"/>
               </a:solidFill>

--- a/Homies City Collection.pptx
+++ b/Homies City Collection.pptx
@@ -308,7 +308,7 @@
   <pc:docChgLst>
     <pc:chgData name="Colin" userId="c2c872a862d4dd17" providerId="LiveId" clId="{DBF0D679-A1D2-41BA-9DE5-196B1668C167}"/>
     <pc:docChg chg="undo custSel addSld delSld modSld sldOrd">
-      <pc:chgData name="Colin" userId="c2c872a862d4dd17" providerId="LiveId" clId="{DBF0D679-A1D2-41BA-9DE5-196B1668C167}" dt="2020-07-21T00:26:23.412" v="4822" actId="20577"/>
+      <pc:chgData name="Colin" userId="c2c872a862d4dd17" providerId="LiveId" clId="{DBF0D679-A1D2-41BA-9DE5-196B1668C167}" dt="2020-07-21T00:38:58.126" v="4837" actId="20577"/>
       <pc:docMkLst>
         <pc:docMk/>
       </pc:docMkLst>
@@ -441,13 +441,13 @@
         </pc:spChg>
       </pc:sldChg>
       <pc:sldChg chg="modSp mod">
-        <pc:chgData name="Colin" userId="c2c872a862d4dd17" providerId="LiveId" clId="{DBF0D679-A1D2-41BA-9DE5-196B1668C167}" dt="2020-07-21T00:03:47.210" v="2929" actId="20577"/>
+        <pc:chgData name="Colin" userId="c2c872a862d4dd17" providerId="LiveId" clId="{DBF0D679-A1D2-41BA-9DE5-196B1668C167}" dt="2020-07-21T00:36:45.896" v="4834" actId="20577"/>
         <pc:sldMkLst>
           <pc:docMk/>
           <pc:sldMk cId="0" sldId="273"/>
         </pc:sldMkLst>
         <pc:spChg chg="mod">
-          <ac:chgData name="Colin" userId="c2c872a862d4dd17" providerId="LiveId" clId="{DBF0D679-A1D2-41BA-9DE5-196B1668C167}" dt="2020-07-21T00:03:47.210" v="2929" actId="20577"/>
+          <ac:chgData name="Colin" userId="c2c872a862d4dd17" providerId="LiveId" clId="{DBF0D679-A1D2-41BA-9DE5-196B1668C167}" dt="2020-07-21T00:36:45.896" v="4834" actId="20577"/>
           <ac:spMkLst>
             <pc:docMk/>
             <pc:sldMk cId="0" sldId="273"/>
@@ -456,13 +456,13 @@
         </pc:spChg>
       </pc:sldChg>
       <pc:sldChg chg="modSp mod">
-        <pc:chgData name="Colin" userId="c2c872a862d4dd17" providerId="LiveId" clId="{DBF0D679-A1D2-41BA-9DE5-196B1668C167}" dt="2020-07-21T00:26:23.412" v="4822" actId="20577"/>
+        <pc:chgData name="Colin" userId="c2c872a862d4dd17" providerId="LiveId" clId="{DBF0D679-A1D2-41BA-9DE5-196B1668C167}" dt="2020-07-21T00:38:58.126" v="4837" actId="20577"/>
         <pc:sldMkLst>
           <pc:docMk/>
           <pc:sldMk cId="0" sldId="274"/>
         </pc:sldMkLst>
         <pc:spChg chg="mod">
-          <ac:chgData name="Colin" userId="c2c872a862d4dd17" providerId="LiveId" clId="{DBF0D679-A1D2-41BA-9DE5-196B1668C167}" dt="2020-07-21T00:26:23.412" v="4822" actId="20577"/>
+          <ac:chgData name="Colin" userId="c2c872a862d4dd17" providerId="LiveId" clId="{DBF0D679-A1D2-41BA-9DE5-196B1668C167}" dt="2020-07-21T00:38:58.126" v="4837" actId="20577"/>
           <ac:spMkLst>
             <pc:docMk/>
             <pc:sldMk cId="0" sldId="274"/>
@@ -10901,7 +10901,7 @@
         </p:nvSpPr>
         <p:spPr>
           <a:xfrm>
-            <a:off x="303300" y="1819625"/>
+            <a:off x="303300" y="1655318"/>
             <a:ext cx="8520600" cy="2899200"/>
           </a:xfrm>
           <a:prstGeom prst="rect">
@@ -11066,7 +11066,7 @@
                 <a:cs typeface="Lato"/>
                 <a:sym typeface="Lato"/>
               </a:rPr>
-              <a:t>We enabled the site to pull from the APIs and our database using JavaScript.</a:t>
+              <a:t>We enabled the site to pull from the APIs and our database using JavaScript &amp; Python.</a:t>
             </a:r>
           </a:p>
           <a:p>
@@ -11508,7 +11508,31 @@
                 <a:cs typeface="Lato"/>
                 <a:sym typeface="Lato"/>
               </a:rPr>
-              <a:t>We learned how to implement the library </a:t>
+              <a:t>We learned how </a:t>
+            </a:r>
+            <a:r>
+              <a:rPr lang="en-US" sz="1700">
+                <a:solidFill>
+                  <a:srgbClr val="FFFFFF"/>
+                </a:solidFill>
+                <a:latin typeface="Lato"/>
+                <a:ea typeface="Lato"/>
+                <a:cs typeface="Lato"/>
+                <a:sym typeface="Lato"/>
+              </a:rPr>
+              <a:t>to use </a:t>
+            </a:r>
+            <a:r>
+              <a:rPr lang="en-US" sz="1700" dirty="0">
+                <a:solidFill>
+                  <a:srgbClr val="FFFFFF"/>
+                </a:solidFill>
+                <a:latin typeface="Lato"/>
+                <a:ea typeface="Lato"/>
+                <a:cs typeface="Lato"/>
+                <a:sym typeface="Lato"/>
+              </a:rPr>
+              <a:t>the library </a:t>
             </a:r>
             <a:r>
               <a:rPr lang="en-US" sz="1700" dirty="0" err="1">
@@ -11575,31 +11599,7 @@
                 <a:cs typeface="Lato"/>
                 <a:sym typeface="Lato"/>
               </a:rPr>
-              <a:t>There are additional things we would have included, such as more measurements for the cities, better map integration, and overall improved usability. Due to time constraints, </a:t>
-            </a:r>
-            <a:r>
-              <a:rPr lang="en-US" sz="1700">
-                <a:solidFill>
-                  <a:srgbClr val="FFFFFF"/>
-                </a:solidFill>
-                <a:latin typeface="Lato"/>
-                <a:ea typeface="Lato"/>
-                <a:cs typeface="Lato"/>
-                <a:sym typeface="Lato"/>
-              </a:rPr>
-              <a:t>we did what </a:t>
-            </a:r>
-            <a:r>
-              <a:rPr lang="en-US" sz="1700" dirty="0">
-                <a:solidFill>
-                  <a:srgbClr val="FFFFFF"/>
-                </a:solidFill>
-                <a:latin typeface="Lato"/>
-                <a:ea typeface="Lato"/>
-                <a:cs typeface="Lato"/>
-                <a:sym typeface="Lato"/>
-              </a:rPr>
-              <a:t>was most important.</a:t>
+              <a:t>There are additional things we would have included, such as more measurements for the cities, better map integration, and overall improved usability. Due to time constraints, we did what was most important.</a:t>
             </a:r>
           </a:p>
           <a:p>

--- a/Homies City Collection.pptx
+++ b/Homies City Collection.pptx
@@ -33,14 +33,14 @@
   <p:notesSz cx="6858000" cy="9144000"/>
   <p:embeddedFontLst>
     <p:embeddedFont>
-      <p:font typeface="Lato" panose="020B0604020202020204" charset="0"/>
+      <p:font typeface="Lato" panose="020F0502020204030203" pitchFamily="34" charset="77"/>
       <p:regular r:id="rId23"/>
       <p:bold r:id="rId24"/>
       <p:italic r:id="rId25"/>
       <p:boldItalic r:id="rId26"/>
     </p:embeddedFont>
     <p:embeddedFont>
-      <p:font typeface="Raleway" panose="020B0604020202020204" charset="0"/>
+      <p:font typeface="Raleway" pitchFamily="2" charset="77"/>
       <p:regular r:id="rId27"/>
       <p:bold r:id="rId28"/>
       <p:italic r:id="rId29"/>
@@ -9805,7 +9805,7 @@
               <a:buNone/>
             </a:pPr>
             <a:br>
-              <a:rPr lang="en" sz="1700">
+              <a:rPr lang="en" sz="1700" dirty="0">
                 <a:solidFill>
                   <a:srgbClr val="FFFFFF"/>
                 </a:solidFill>
@@ -9816,7 +9816,7 @@
               </a:rPr>
             </a:br>
             <a:r>
-              <a:rPr lang="en" sz="1700">
+              <a:rPr lang="en" sz="1700" dirty="0">
                 <a:solidFill>
                   <a:srgbClr val="FFFFFF"/>
                 </a:solidFill>
@@ -9828,7 +9828,7 @@
               <a:t>Drop down menu showing all the U.S. Cities</a:t>
             </a:r>
             <a:br>
-              <a:rPr lang="en" sz="1700">
+              <a:rPr lang="en" sz="1700" dirty="0">
                 <a:solidFill>
                   <a:srgbClr val="FFFFFF"/>
                 </a:solidFill>
@@ -9839,7 +9839,7 @@
               </a:rPr>
             </a:br>
             <a:r>
-              <a:rPr lang="en" sz="1700">
+              <a:rPr lang="en" sz="1700" dirty="0">
                 <a:solidFill>
                   <a:srgbClr val="FFFFFF"/>
                 </a:solidFill>
@@ -9851,7 +9851,7 @@
               <a:t>Paragraph explaining the function of the tool</a:t>
             </a:r>
             <a:br>
-              <a:rPr lang="en" sz="1700">
+              <a:rPr lang="en" sz="1700" dirty="0">
                 <a:solidFill>
                   <a:srgbClr val="FFFFFF"/>
                 </a:solidFill>
@@ -9862,7 +9862,7 @@
               </a:rPr>
             </a:br>
             <a:r>
-              <a:rPr lang="en" sz="1700">
+              <a:rPr lang="en" sz="1700" dirty="0">
                 <a:solidFill>
                   <a:srgbClr val="FFFFFF"/>
                 </a:solidFill>
@@ -9873,7 +9873,7 @@
               </a:rPr>
               <a:t>Map</a:t>
             </a:r>
-            <a:endParaRPr sz="1700">
+            <a:endParaRPr sz="1700" dirty="0">
               <a:solidFill>
                 <a:srgbClr val="FFFFFF"/>
               </a:solidFill>
@@ -13411,7 +13411,15 @@
                   <a:srgbClr val="FFFFFF"/>
                 </a:solidFill>
               </a:rPr>
-              <a:t>Data Munging</a:t>
+              <a:t>How Was the </a:t>
+            </a:r>
+            <a:r>
+              <a:rPr lang="en" sz="3600">
+                <a:solidFill>
+                  <a:srgbClr val="FFFFFF"/>
+                </a:solidFill>
+              </a:rPr>
+              <a:t>Data Manipulated?</a:t>
             </a:r>
             <a:endParaRPr sz="3600" dirty="0">
               <a:solidFill>

--- a/Homies City Collection.pptx
+++ b/Homies City Collection.pptx
@@ -11,9 +11,9 @@
     <p:sldId id="256" r:id="rId2"/>
     <p:sldId id="257" r:id="rId3"/>
     <p:sldId id="258" r:id="rId4"/>
-    <p:sldId id="259" r:id="rId5"/>
+    <p:sldId id="261" r:id="rId5"/>
     <p:sldId id="260" r:id="rId6"/>
-    <p:sldId id="261" r:id="rId7"/>
+    <p:sldId id="277" r:id="rId7"/>
     <p:sldId id="262" r:id="rId8"/>
     <p:sldId id="263" r:id="rId9"/>
     <p:sldId id="276" r:id="rId10"/>
@@ -293,240 +293,6 @@
     </p:ext>
   </p:extLst>
 </p:presentation>
-</file>
-
-<file path=ppt/revisionInfo.xml><?xml version="1.0" encoding="utf-8"?>
-<p1510:revInfo xmlns:a="http://schemas.openxmlformats.org/drawingml/2006/main" xmlns:r="http://schemas.openxmlformats.org/officeDocument/2006/relationships" xmlns:p1510="http://schemas.microsoft.com/office/powerpoint/2015/10/main">
-  <p1510:revLst>
-    <p1510:client id="{DBF0D679-A1D2-41BA-9DE5-196B1668C167}" v="2" dt="2020-07-20T01:25:52.226"/>
-  </p1510:revLst>
-</p1510:revInfo>
-</file>
-
-<file path=ppt/changesInfos/changesInfo1.xml><?xml version="1.0" encoding="utf-8"?>
-<pc:chgInfo xmlns:a="http://schemas.openxmlformats.org/drawingml/2006/main" xmlns:r="http://schemas.openxmlformats.org/officeDocument/2006/relationships" xmlns:ac="http://schemas.microsoft.com/office/drawing/2013/main/command" xmlns:pc="http://schemas.microsoft.com/office/powerpoint/2013/main/command">
-  <pc:docChgLst>
-    <pc:chgData name="Colin" userId="c2c872a862d4dd17" providerId="LiveId" clId="{DBF0D679-A1D2-41BA-9DE5-196B1668C167}"/>
-    <pc:docChg chg="undo custSel addSld delSld modSld sldOrd">
-      <pc:chgData name="Colin" userId="c2c872a862d4dd17" providerId="LiveId" clId="{DBF0D679-A1D2-41BA-9DE5-196B1668C167}" dt="2020-07-21T00:26:23.412" v="4822" actId="20577"/>
-      <pc:docMkLst>
-        <pc:docMk/>
-      </pc:docMkLst>
-      <pc:sldChg chg="modSp mod">
-        <pc:chgData name="Colin" userId="c2c872a862d4dd17" providerId="LiveId" clId="{DBF0D679-A1D2-41BA-9DE5-196B1668C167}" dt="2020-07-20T01:06:13.847" v="1033" actId="20577"/>
-        <pc:sldMkLst>
-          <pc:docMk/>
-          <pc:sldMk cId="0" sldId="262"/>
-        </pc:sldMkLst>
-        <pc:spChg chg="mod">
-          <ac:chgData name="Colin" userId="c2c872a862d4dd17" providerId="LiveId" clId="{DBF0D679-A1D2-41BA-9DE5-196B1668C167}" dt="2020-07-20T01:06:13.847" v="1033" actId="20577"/>
-          <ac:spMkLst>
-            <pc:docMk/>
-            <pc:sldMk cId="0" sldId="262"/>
-            <ac:spMk id="109" creationId="{00000000-0000-0000-0000-000000000000}"/>
-          </ac:spMkLst>
-        </pc:spChg>
-      </pc:sldChg>
-      <pc:sldChg chg="modSp mod">
-        <pc:chgData name="Colin" userId="c2c872a862d4dd17" providerId="LiveId" clId="{DBF0D679-A1D2-41BA-9DE5-196B1668C167}" dt="2020-07-20T00:49:24.234" v="400" actId="20577"/>
-        <pc:sldMkLst>
-          <pc:docMk/>
-          <pc:sldMk cId="0" sldId="263"/>
-        </pc:sldMkLst>
-        <pc:spChg chg="mod">
-          <ac:chgData name="Colin" userId="c2c872a862d4dd17" providerId="LiveId" clId="{DBF0D679-A1D2-41BA-9DE5-196B1668C167}" dt="2020-07-20T00:49:24.234" v="400" actId="20577"/>
-          <ac:spMkLst>
-            <pc:docMk/>
-            <pc:sldMk cId="0" sldId="263"/>
-            <ac:spMk id="115" creationId="{00000000-0000-0000-0000-000000000000}"/>
-          </ac:spMkLst>
-        </pc:spChg>
-      </pc:sldChg>
-      <pc:sldChg chg="modSp mod">
-        <pc:chgData name="Colin" userId="c2c872a862d4dd17" providerId="LiveId" clId="{DBF0D679-A1D2-41BA-9DE5-196B1668C167}" dt="2020-07-20T01:29:13.962" v="1655" actId="20577"/>
-        <pc:sldMkLst>
-          <pc:docMk/>
-          <pc:sldMk cId="0" sldId="266"/>
-        </pc:sldMkLst>
-        <pc:spChg chg="mod">
-          <ac:chgData name="Colin" userId="c2c872a862d4dd17" providerId="LiveId" clId="{DBF0D679-A1D2-41BA-9DE5-196B1668C167}" dt="2020-07-20T01:29:13.962" v="1655" actId="20577"/>
-          <ac:spMkLst>
-            <pc:docMk/>
-            <pc:sldMk cId="0" sldId="266"/>
-            <ac:spMk id="132" creationId="{00000000-0000-0000-0000-000000000000}"/>
-          </ac:spMkLst>
-        </pc:spChg>
-        <pc:spChg chg="mod">
-          <ac:chgData name="Colin" userId="c2c872a862d4dd17" providerId="LiveId" clId="{DBF0D679-A1D2-41BA-9DE5-196B1668C167}" dt="2020-07-20T00:48:17.574" v="266" actId="20577"/>
-          <ac:spMkLst>
-            <pc:docMk/>
-            <pc:sldMk cId="0" sldId="266"/>
-            <ac:spMk id="133" creationId="{00000000-0000-0000-0000-000000000000}"/>
-          </ac:spMkLst>
-        </pc:spChg>
-      </pc:sldChg>
-      <pc:sldChg chg="addSp delSp modSp mod">
-        <pc:chgData name="Colin" userId="c2c872a862d4dd17" providerId="LiveId" clId="{DBF0D679-A1D2-41BA-9DE5-196B1668C167}" dt="2020-07-20T01:29:09.303" v="1653" actId="20577"/>
-        <pc:sldMkLst>
-          <pc:docMk/>
-          <pc:sldMk cId="0" sldId="267"/>
-        </pc:sldMkLst>
-        <pc:spChg chg="mod">
-          <ac:chgData name="Colin" userId="c2c872a862d4dd17" providerId="LiveId" clId="{DBF0D679-A1D2-41BA-9DE5-196B1668C167}" dt="2020-07-20T01:29:09.303" v="1653" actId="20577"/>
-          <ac:spMkLst>
-            <pc:docMk/>
-            <pc:sldMk cId="0" sldId="267"/>
-            <ac:spMk id="138" creationId="{00000000-0000-0000-0000-000000000000}"/>
-          </ac:spMkLst>
-        </pc:spChg>
-        <pc:spChg chg="add del mod">
-          <ac:chgData name="Colin" userId="c2c872a862d4dd17" providerId="LiveId" clId="{DBF0D679-A1D2-41BA-9DE5-196B1668C167}" dt="2020-07-20T00:52:25.827" v="970" actId="20577"/>
-          <ac:spMkLst>
-            <pc:docMk/>
-            <pc:sldMk cId="0" sldId="267"/>
-            <ac:spMk id="139" creationId="{00000000-0000-0000-0000-000000000000}"/>
-          </ac:spMkLst>
-        </pc:spChg>
-      </pc:sldChg>
-      <pc:sldChg chg="modSp mod ord">
-        <pc:chgData name="Colin" userId="c2c872a862d4dd17" providerId="LiveId" clId="{DBF0D679-A1D2-41BA-9DE5-196B1668C167}" dt="2020-07-20T03:13:43.384" v="2788"/>
-        <pc:sldMkLst>
-          <pc:docMk/>
-          <pc:sldMk cId="0" sldId="268"/>
-        </pc:sldMkLst>
-        <pc:spChg chg="mod">
-          <ac:chgData name="Colin" userId="c2c872a862d4dd17" providerId="LiveId" clId="{DBF0D679-A1D2-41BA-9DE5-196B1668C167}" dt="2020-07-20T01:29:22.173" v="1657" actId="20577"/>
-          <ac:spMkLst>
-            <pc:docMk/>
-            <pc:sldMk cId="0" sldId="268"/>
-            <ac:spMk id="144" creationId="{00000000-0000-0000-0000-000000000000}"/>
-          </ac:spMkLst>
-        </pc:spChg>
-      </pc:sldChg>
-      <pc:sldChg chg="modSp mod">
-        <pc:chgData name="Colin" userId="c2c872a862d4dd17" providerId="LiveId" clId="{DBF0D679-A1D2-41BA-9DE5-196B1668C167}" dt="2020-07-20T00:44:33.604" v="48" actId="20577"/>
-        <pc:sldMkLst>
-          <pc:docMk/>
-          <pc:sldMk cId="0" sldId="269"/>
-        </pc:sldMkLst>
-        <pc:spChg chg="mod">
-          <ac:chgData name="Colin" userId="c2c872a862d4dd17" providerId="LiveId" clId="{DBF0D679-A1D2-41BA-9DE5-196B1668C167}" dt="2020-07-20T00:44:33.604" v="48" actId="20577"/>
-          <ac:spMkLst>
-            <pc:docMk/>
-            <pc:sldMk cId="0" sldId="269"/>
-            <ac:spMk id="150" creationId="{00000000-0000-0000-0000-000000000000}"/>
-          </ac:spMkLst>
-        </pc:spChg>
-      </pc:sldChg>
-      <pc:sldChg chg="del">
-        <pc:chgData name="Colin" userId="c2c872a862d4dd17" providerId="LiveId" clId="{DBF0D679-A1D2-41BA-9DE5-196B1668C167}" dt="2020-07-20T00:44:37.870" v="49" actId="2696"/>
-        <pc:sldMkLst>
-          <pc:docMk/>
-          <pc:sldMk cId="0" sldId="270"/>
-        </pc:sldMkLst>
-      </pc:sldChg>
-      <pc:sldChg chg="modSp mod">
-        <pc:chgData name="Colin" userId="c2c872a862d4dd17" providerId="LiveId" clId="{DBF0D679-A1D2-41BA-9DE5-196B1668C167}" dt="2020-07-20T00:39:28.565" v="9" actId="20577"/>
-        <pc:sldMkLst>
-          <pc:docMk/>
-          <pc:sldMk cId="0" sldId="272"/>
-        </pc:sldMkLst>
-        <pc:spChg chg="mod">
-          <ac:chgData name="Colin" userId="c2c872a862d4dd17" providerId="LiveId" clId="{DBF0D679-A1D2-41BA-9DE5-196B1668C167}" dt="2020-07-20T00:39:28.565" v="9" actId="20577"/>
-          <ac:spMkLst>
-            <pc:docMk/>
-            <pc:sldMk cId="0" sldId="272"/>
-            <ac:spMk id="168" creationId="{00000000-0000-0000-0000-000000000000}"/>
-          </ac:spMkLst>
-        </pc:spChg>
-      </pc:sldChg>
-      <pc:sldChg chg="modSp mod">
-        <pc:chgData name="Colin" userId="c2c872a862d4dd17" providerId="LiveId" clId="{DBF0D679-A1D2-41BA-9DE5-196B1668C167}" dt="2020-07-21T00:03:47.210" v="2929" actId="20577"/>
-        <pc:sldMkLst>
-          <pc:docMk/>
-          <pc:sldMk cId="0" sldId="273"/>
-        </pc:sldMkLst>
-        <pc:spChg chg="mod">
-          <ac:chgData name="Colin" userId="c2c872a862d4dd17" providerId="LiveId" clId="{DBF0D679-A1D2-41BA-9DE5-196B1668C167}" dt="2020-07-21T00:03:47.210" v="2929" actId="20577"/>
-          <ac:spMkLst>
-            <pc:docMk/>
-            <pc:sldMk cId="0" sldId="273"/>
-            <ac:spMk id="175" creationId="{00000000-0000-0000-0000-000000000000}"/>
-          </ac:spMkLst>
-        </pc:spChg>
-      </pc:sldChg>
-      <pc:sldChg chg="modSp mod">
-        <pc:chgData name="Colin" userId="c2c872a862d4dd17" providerId="LiveId" clId="{DBF0D679-A1D2-41BA-9DE5-196B1668C167}" dt="2020-07-21T00:26:23.412" v="4822" actId="20577"/>
-        <pc:sldMkLst>
-          <pc:docMk/>
-          <pc:sldMk cId="0" sldId="274"/>
-        </pc:sldMkLst>
-        <pc:spChg chg="mod">
-          <ac:chgData name="Colin" userId="c2c872a862d4dd17" providerId="LiveId" clId="{DBF0D679-A1D2-41BA-9DE5-196B1668C167}" dt="2020-07-21T00:26:23.412" v="4822" actId="20577"/>
-          <ac:spMkLst>
-            <pc:docMk/>
-            <pc:sldMk cId="0" sldId="274"/>
-            <ac:spMk id="181" creationId="{00000000-0000-0000-0000-000000000000}"/>
-          </ac:spMkLst>
-        </pc:spChg>
-      </pc:sldChg>
-      <pc:sldChg chg="addSp delSp modSp add mod">
-        <pc:chgData name="Colin" userId="c2c872a862d4dd17" providerId="LiveId" clId="{DBF0D679-A1D2-41BA-9DE5-196B1668C167}" dt="2020-07-20T01:29:27.871" v="1659" actId="20577"/>
-        <pc:sldMkLst>
-          <pc:docMk/>
-          <pc:sldMk cId="2138216353" sldId="275"/>
-        </pc:sldMkLst>
-        <pc:spChg chg="mod">
-          <ac:chgData name="Colin" userId="c2c872a862d4dd17" providerId="LiveId" clId="{DBF0D679-A1D2-41BA-9DE5-196B1668C167}" dt="2020-07-20T01:29:27.871" v="1659" actId="20577"/>
-          <ac:spMkLst>
-            <pc:docMk/>
-            <pc:sldMk cId="2138216353" sldId="275"/>
-            <ac:spMk id="168" creationId="{00000000-0000-0000-0000-000000000000}"/>
-          </ac:spMkLst>
-        </pc:spChg>
-        <pc:picChg chg="add mod">
-          <ac:chgData name="Colin" userId="c2c872a862d4dd17" providerId="LiveId" clId="{DBF0D679-A1D2-41BA-9DE5-196B1668C167}" dt="2020-07-20T00:40:55.321" v="30" actId="1076"/>
-          <ac:picMkLst>
-            <pc:docMk/>
-            <pc:sldMk cId="2138216353" sldId="275"/>
-            <ac:picMk id="3" creationId="{21A25E7E-1151-4361-BB9C-623C03CF0634}"/>
-          </ac:picMkLst>
-        </pc:picChg>
-        <pc:picChg chg="del">
-          <ac:chgData name="Colin" userId="c2c872a862d4dd17" providerId="LiveId" clId="{DBF0D679-A1D2-41BA-9DE5-196B1668C167}" dt="2020-07-20T00:39:39.229" v="25" actId="478"/>
-          <ac:picMkLst>
-            <pc:docMk/>
-            <pc:sldMk cId="2138216353" sldId="275"/>
-            <ac:picMk id="169" creationId="{00000000-0000-0000-0000-000000000000}"/>
-          </ac:picMkLst>
-        </pc:picChg>
-      </pc:sldChg>
-      <pc:sldChg chg="modSp add mod">
-        <pc:chgData name="Colin" userId="c2c872a862d4dd17" providerId="LiveId" clId="{DBF0D679-A1D2-41BA-9DE5-196B1668C167}" dt="2020-07-20T01:28:59.954" v="1651" actId="20577"/>
-        <pc:sldMkLst>
-          <pc:docMk/>
-          <pc:sldMk cId="1912523930" sldId="276"/>
-        </pc:sldMkLst>
-        <pc:spChg chg="mod">
-          <ac:chgData name="Colin" userId="c2c872a862d4dd17" providerId="LiveId" clId="{DBF0D679-A1D2-41BA-9DE5-196B1668C167}" dt="2020-07-20T01:26:13.491" v="1048" actId="20577"/>
-          <ac:spMkLst>
-            <pc:docMk/>
-            <pc:sldMk cId="1912523930" sldId="276"/>
-            <ac:spMk id="114" creationId="{00000000-0000-0000-0000-000000000000}"/>
-          </ac:spMkLst>
-        </pc:spChg>
-        <pc:spChg chg="mod">
-          <ac:chgData name="Colin" userId="c2c872a862d4dd17" providerId="LiveId" clId="{DBF0D679-A1D2-41BA-9DE5-196B1668C167}" dt="2020-07-20T01:28:59.954" v="1651" actId="20577"/>
-          <ac:spMkLst>
-            <pc:docMk/>
-            <pc:sldMk cId="1912523930" sldId="276"/>
-            <ac:spMk id="115" creationId="{00000000-0000-0000-0000-000000000000}"/>
-          </ac:spMkLst>
-        </pc:spChg>
-      </pc:sldChg>
-    </pc:docChg>
-  </pc:docChgLst>
-</pc:chgInfo>
 </file>
 
 <file path=ppt/notesMasters/notesMaster1.xml><?xml version="1.0" encoding="utf-8"?>
@@ -2488,7 +2254,7 @@
   <p:cSld>
     <p:spTree>
       <p:nvGrpSpPr>
-        <p:cNvPr id="1" name="Shape 86"/>
+        <p:cNvPr id="1" name="Shape 98"/>
         <p:cNvGrpSpPr/>
         <p:nvPr/>
       </p:nvGrpSpPr>
@@ -2502,7 +2268,7 @@
       </p:grpSpPr>
       <p:sp>
         <p:nvSpPr>
-          <p:cNvPr id="87" name="Google Shape;87;g8db37c88b9_0_18:notes"/>
+          <p:cNvPr id="99" name="Google Shape;99;g723630543_3_0:notes"/>
           <p:cNvSpPr>
             <a:spLocks noGrp="1" noRot="1" noChangeAspect="1"/>
           </p:cNvSpPr>
@@ -2543,7 +2309,7 @@
       </p:sp>
       <p:sp>
         <p:nvSpPr>
-          <p:cNvPr id="88" name="Google Shape;88;g8db37c88b9_0_18:notes"/>
+          <p:cNvPr id="100" name="Google Shape;100;g723630543_3_0:notes"/>
           <p:cNvSpPr txBox="1">
             <a:spLocks noGrp="1"/>
           </p:cNvSpPr>
@@ -2800,6 +2566,11 @@
         </p:txBody>
       </p:sp>
     </p:spTree>
+    <p:extLst>
+      <p:ext uri="{BB962C8B-B14F-4D97-AF65-F5344CB8AC3E}">
+        <p14:creationId xmlns:p14="http://schemas.microsoft.com/office/powerpoint/2010/main" val="3216876951"/>
+      </p:ext>
+    </p:extLst>
   </p:cSld>
   <p:clrMapOvr>
     <a:masterClrMapping/>
@@ -9300,7 +9071,7 @@
         </p:nvSpPr>
         <p:spPr>
           <a:xfrm>
-            <a:off x="303300" y="1819625"/>
+            <a:off x="303300" y="1644527"/>
             <a:ext cx="8520600" cy="2899200"/>
           </a:xfrm>
           <a:prstGeom prst="rect">
@@ -9317,28 +9088,21 @@
           </a:bodyPr>
           <a:lstStyle/>
           <a:p>
-            <a:pPr marL="0" lvl="0" indent="0" algn="l" rtl="0">
-              <a:spcBef>
-                <a:spcPts val="0"/>
-              </a:spcBef>
-              <a:spcAft>
-                <a:spcPts val="0"/>
-              </a:spcAft>
-              <a:buNone/>
+            <a:pPr marL="285750" lvl="0" indent="-285750" algn="l" rtl="0">
+              <a:spcBef>
+                <a:spcPts val="0"/>
+              </a:spcBef>
+              <a:spcAft>
+                <a:spcPts val="0"/>
+              </a:spcAft>
+              <a:buClr>
+                <a:schemeClr val="bg1"/>
+              </a:buClr>
+              <a:buFont typeface="Courier New" panose="02070309020205020404" pitchFamily="49" charset="0"/>
+              <a:buChar char="o"/>
             </a:pPr>
-            <a:br>
-              <a:rPr lang="en" sz="1700" dirty="0">
-                <a:solidFill>
-                  <a:srgbClr val="FFFFFF"/>
-                </a:solidFill>
-                <a:latin typeface="Lato"/>
-                <a:ea typeface="Lato"/>
-                <a:cs typeface="Lato"/>
-                <a:sym typeface="Lato"/>
-              </a:rPr>
-            </a:br>
             <a:r>
-              <a:rPr lang="en" sz="1700" dirty="0" err="1">
+              <a:rPr lang="en" sz="1700" b="1" dirty="0" err="1">
                 <a:solidFill>
                   <a:srgbClr val="FFFFFF"/>
                 </a:solidFill>
@@ -9350,7 +9114,7 @@
               <a:t>BootStrap</a:t>
             </a:r>
             <a:r>
-              <a:rPr lang="en" sz="1700" dirty="0">
+              <a:rPr lang="en" sz="1700" b="1" dirty="0">
                 <a:solidFill>
                   <a:srgbClr val="FFFFFF"/>
                 </a:solidFill>
@@ -9362,7 +9126,7 @@
               <a:t>: </a:t>
             </a:r>
             <a:r>
-              <a:rPr lang="en" sz="1700" dirty="0">
+              <a:rPr lang="en" dirty="0">
                 <a:solidFill>
                   <a:schemeClr val="bg1"/>
                 </a:solidFill>
@@ -9394,8 +9158,32 @@
                 <a:sym typeface="Lato"/>
               </a:rPr>
             </a:br>
+            <a:endParaRPr lang="en" sz="1700" dirty="0">
+              <a:solidFill>
+                <a:srgbClr val="FFFFFF"/>
+              </a:solidFill>
+              <a:latin typeface="Lato"/>
+              <a:ea typeface="Lato"/>
+              <a:cs typeface="Lato"/>
+              <a:sym typeface="Lato"/>
+            </a:endParaRPr>
+          </a:p>
+          <a:p>
+            <a:pPr marL="285750" lvl="0" indent="-285750" algn="l" rtl="0">
+              <a:spcBef>
+                <a:spcPts val="0"/>
+              </a:spcBef>
+              <a:spcAft>
+                <a:spcPts val="0"/>
+              </a:spcAft>
+              <a:buClr>
+                <a:schemeClr val="bg1"/>
+              </a:buClr>
+              <a:buFont typeface="Courier New" panose="02070309020205020404" pitchFamily="49" charset="0"/>
+              <a:buChar char="o"/>
+            </a:pPr>
             <a:r>
-              <a:rPr lang="en" sz="1700" dirty="0">
+              <a:rPr lang="en" sz="1700" b="1" dirty="0">
                 <a:solidFill>
                   <a:srgbClr val="FFFFFF"/>
                 </a:solidFill>
@@ -9407,7 +9195,7 @@
               <a:t>D3: </a:t>
             </a:r>
             <a:r>
-              <a:rPr lang="en" sz="1700" dirty="0">
+              <a:rPr lang="en" dirty="0">
                 <a:solidFill>
                   <a:schemeClr val="bg1"/>
                 </a:solidFill>
@@ -9439,138 +9227,7 @@
                 <a:sym typeface="Lato"/>
               </a:rPr>
             </a:br>
-            <a:r>
-              <a:rPr lang="en" sz="1700" dirty="0">
-                <a:solidFill>
-                  <a:srgbClr val="FFFFFF"/>
-                </a:solidFill>
-                <a:latin typeface="Lato"/>
-                <a:ea typeface="Lato"/>
-                <a:cs typeface="Lato"/>
-                <a:sym typeface="Lato"/>
-              </a:rPr>
-              <a:t>CSS: static/</a:t>
-            </a:r>
-            <a:r>
-              <a:rPr lang="en" sz="1700" dirty="0" err="1">
-                <a:solidFill>
-                  <a:srgbClr val="FFFFFF"/>
-                </a:solidFill>
-                <a:latin typeface="Lato"/>
-                <a:ea typeface="Lato"/>
-                <a:cs typeface="Lato"/>
-                <a:sym typeface="Lato"/>
-              </a:rPr>
-              <a:t>css</a:t>
-            </a:r>
-            <a:r>
-              <a:rPr lang="en" sz="1700" dirty="0">
-                <a:solidFill>
-                  <a:srgbClr val="FFFFFF"/>
-                </a:solidFill>
-                <a:latin typeface="Lato"/>
-                <a:ea typeface="Lato"/>
-                <a:cs typeface="Lato"/>
-                <a:sym typeface="Lato"/>
-              </a:rPr>
-              <a:t>/</a:t>
-            </a:r>
-            <a:r>
-              <a:rPr lang="en" sz="1700" dirty="0" err="1">
-                <a:solidFill>
-                  <a:srgbClr val="FFFFFF"/>
-                </a:solidFill>
-                <a:latin typeface="Lato"/>
-                <a:ea typeface="Lato"/>
-                <a:cs typeface="Lato"/>
-                <a:sym typeface="Lato"/>
-              </a:rPr>
-              <a:t>style.css</a:t>
-            </a:r>
-            <a:br>
-              <a:rPr lang="en" sz="1700" dirty="0">
-                <a:solidFill>
-                  <a:srgbClr val="FFFFFF"/>
-                </a:solidFill>
-                <a:latin typeface="Lato"/>
-                <a:ea typeface="Lato"/>
-                <a:cs typeface="Lato"/>
-                <a:sym typeface="Lato"/>
-              </a:rPr>
-            </a:br>
-            <a:r>
-              <a:rPr lang="en" sz="1700" dirty="0">
-                <a:solidFill>
-                  <a:srgbClr val="FFFFFF"/>
-                </a:solidFill>
-                <a:latin typeface="Lato"/>
-                <a:ea typeface="Lato"/>
-                <a:cs typeface="Lato"/>
-                <a:sym typeface="Lato"/>
-              </a:rPr>
-              <a:t>Leaflet CSS: https://</a:t>
-            </a:r>
-            <a:r>
-              <a:rPr lang="en" sz="1700" dirty="0" err="1">
-                <a:solidFill>
-                  <a:srgbClr val="FFFFFF"/>
-                </a:solidFill>
-                <a:latin typeface="Lato"/>
-                <a:ea typeface="Lato"/>
-                <a:cs typeface="Lato"/>
-                <a:sym typeface="Lato"/>
-              </a:rPr>
-              <a:t>unpkg.com</a:t>
-            </a:r>
-            <a:r>
-              <a:rPr lang="en" sz="1700" dirty="0">
-                <a:solidFill>
-                  <a:srgbClr val="FFFFFF"/>
-                </a:solidFill>
-                <a:latin typeface="Lato"/>
-                <a:ea typeface="Lato"/>
-                <a:cs typeface="Lato"/>
-                <a:sym typeface="Lato"/>
-              </a:rPr>
-              <a:t>/leaflet@1.3.3/</a:t>
-            </a:r>
-            <a:r>
-              <a:rPr lang="en" sz="1700" dirty="0" err="1">
-                <a:solidFill>
-                  <a:srgbClr val="FFFFFF"/>
-                </a:solidFill>
-                <a:latin typeface="Lato"/>
-                <a:ea typeface="Lato"/>
-                <a:cs typeface="Lato"/>
-                <a:sym typeface="Lato"/>
-              </a:rPr>
-              <a:t>dist</a:t>
-            </a:r>
-            <a:r>
-              <a:rPr lang="en" sz="1700" dirty="0">
-                <a:solidFill>
-                  <a:srgbClr val="FFFFFF"/>
-                </a:solidFill>
-                <a:latin typeface="Lato"/>
-                <a:ea typeface="Lato"/>
-                <a:cs typeface="Lato"/>
-                <a:sym typeface="Lato"/>
-              </a:rPr>
-              <a:t>/</a:t>
-            </a:r>
-            <a:r>
-              <a:rPr lang="en" sz="1700" dirty="0" err="1">
-                <a:solidFill>
-                  <a:srgbClr val="FFFFFF"/>
-                </a:solidFill>
-                <a:latin typeface="Lato"/>
-                <a:ea typeface="Lato"/>
-                <a:cs typeface="Lato"/>
-                <a:sym typeface="Lato"/>
-              </a:rPr>
-              <a:t>leaflet.css</a:t>
-            </a:r>
-            <a:endParaRPr sz="1700" dirty="0">
+            <a:endParaRPr lang="en" sz="1700" dirty="0">
               <a:solidFill>
                 <a:srgbClr val="FFFFFF"/>
               </a:solidFill>
@@ -9581,17 +9238,248 @@
             </a:endParaRPr>
           </a:p>
           <a:p>
-            <a:pPr marL="0" lvl="0" indent="0" algn="l" rtl="0">
-              <a:spcBef>
-                <a:spcPts val="0"/>
-              </a:spcBef>
-              <a:spcAft>
-                <a:spcPts val="0"/>
-              </a:spcAft>
-              <a:buNone/>
+            <a:pPr marL="285750" lvl="0" indent="-285750" algn="l" rtl="0">
+              <a:spcBef>
+                <a:spcPts val="0"/>
+              </a:spcBef>
+              <a:spcAft>
+                <a:spcPts val="0"/>
+              </a:spcAft>
+              <a:buClr>
+                <a:schemeClr val="bg1"/>
+              </a:buClr>
+              <a:buFont typeface="Courier New" panose="02070309020205020404" pitchFamily="49" charset="0"/>
+              <a:buChar char="o"/>
             </a:pPr>
             <a:r>
+              <a:rPr lang="en" sz="1700" b="1" dirty="0">
+                <a:solidFill>
+                  <a:srgbClr val="FFFFFF"/>
+                </a:solidFill>
+                <a:latin typeface="Lato"/>
+                <a:ea typeface="Lato"/>
+                <a:cs typeface="Lato"/>
+                <a:sym typeface="Lato"/>
+              </a:rPr>
+              <a:t>CSS: </a:t>
+            </a:r>
+            <a:r>
+              <a:rPr lang="en" dirty="0">
+                <a:solidFill>
+                  <a:srgbClr val="FFFFFF"/>
+                </a:solidFill>
+                <a:latin typeface="Lato"/>
+                <a:ea typeface="Lato"/>
+                <a:cs typeface="Lato"/>
+                <a:sym typeface="Lato"/>
+              </a:rPr>
+              <a:t>static/</a:t>
+            </a:r>
+            <a:r>
+              <a:rPr lang="en" dirty="0" err="1">
+                <a:solidFill>
+                  <a:srgbClr val="FFFFFF"/>
+                </a:solidFill>
+                <a:latin typeface="Lato"/>
+                <a:ea typeface="Lato"/>
+                <a:cs typeface="Lato"/>
+                <a:sym typeface="Lato"/>
+              </a:rPr>
+              <a:t>css</a:t>
+            </a:r>
+            <a:r>
+              <a:rPr lang="en" dirty="0">
+                <a:solidFill>
+                  <a:srgbClr val="FFFFFF"/>
+                </a:solidFill>
+                <a:latin typeface="Lato"/>
+                <a:ea typeface="Lato"/>
+                <a:cs typeface="Lato"/>
+                <a:sym typeface="Lato"/>
+              </a:rPr>
+              <a:t>/</a:t>
+            </a:r>
+            <a:r>
+              <a:rPr lang="en" dirty="0" err="1">
+                <a:solidFill>
+                  <a:srgbClr val="FFFFFF"/>
+                </a:solidFill>
+                <a:latin typeface="Lato"/>
+                <a:ea typeface="Lato"/>
+                <a:cs typeface="Lato"/>
+                <a:sym typeface="Lato"/>
+              </a:rPr>
+              <a:t>style.css</a:t>
+            </a:r>
+            <a:br>
               <a:rPr lang="en" sz="1700" dirty="0">
+                <a:solidFill>
+                  <a:srgbClr val="FFFFFF"/>
+                </a:solidFill>
+                <a:latin typeface="Lato"/>
+                <a:ea typeface="Lato"/>
+                <a:cs typeface="Lato"/>
+                <a:sym typeface="Lato"/>
+              </a:rPr>
+            </a:br>
+            <a:endParaRPr lang="en" sz="1700" dirty="0">
+              <a:solidFill>
+                <a:srgbClr val="FFFFFF"/>
+              </a:solidFill>
+              <a:latin typeface="Lato"/>
+              <a:ea typeface="Lato"/>
+              <a:cs typeface="Lato"/>
+              <a:sym typeface="Lato"/>
+            </a:endParaRPr>
+          </a:p>
+          <a:p>
+            <a:pPr marL="285750" lvl="0" indent="-285750" algn="l" rtl="0">
+              <a:spcBef>
+                <a:spcPts val="0"/>
+              </a:spcBef>
+              <a:spcAft>
+                <a:spcPts val="0"/>
+              </a:spcAft>
+              <a:buClr>
+                <a:schemeClr val="bg1"/>
+              </a:buClr>
+              <a:buFont typeface="Courier New" panose="02070309020205020404" pitchFamily="49" charset="0"/>
+              <a:buChar char="o"/>
+            </a:pPr>
+            <a:r>
+              <a:rPr lang="en" sz="1700" b="1" dirty="0">
+                <a:solidFill>
+                  <a:srgbClr val="FFFFFF"/>
+                </a:solidFill>
+                <a:latin typeface="Lato"/>
+                <a:ea typeface="Lato"/>
+                <a:cs typeface="Lato"/>
+                <a:sym typeface="Lato"/>
+              </a:rPr>
+              <a:t>Leaflet CSS: </a:t>
+            </a:r>
+            <a:r>
+              <a:rPr lang="en" dirty="0">
+                <a:solidFill>
+                  <a:srgbClr val="FFFFFF"/>
+                </a:solidFill>
+                <a:latin typeface="Lato"/>
+                <a:ea typeface="Lato"/>
+                <a:cs typeface="Lato"/>
+                <a:sym typeface="Lato"/>
+              </a:rPr>
+              <a:t>https://</a:t>
+            </a:r>
+            <a:r>
+              <a:rPr lang="en" dirty="0" err="1">
+                <a:solidFill>
+                  <a:srgbClr val="FFFFFF"/>
+                </a:solidFill>
+                <a:latin typeface="Lato"/>
+                <a:ea typeface="Lato"/>
+                <a:cs typeface="Lato"/>
+                <a:sym typeface="Lato"/>
+              </a:rPr>
+              <a:t>unpkg.com</a:t>
+            </a:r>
+            <a:r>
+              <a:rPr lang="en" dirty="0">
+                <a:solidFill>
+                  <a:srgbClr val="FFFFFF"/>
+                </a:solidFill>
+                <a:latin typeface="Lato"/>
+                <a:ea typeface="Lato"/>
+                <a:cs typeface="Lato"/>
+                <a:sym typeface="Lato"/>
+              </a:rPr>
+              <a:t>/leaflet@1.3.3/</a:t>
+            </a:r>
+            <a:r>
+              <a:rPr lang="en" dirty="0" err="1">
+                <a:solidFill>
+                  <a:srgbClr val="FFFFFF"/>
+                </a:solidFill>
+                <a:latin typeface="Lato"/>
+                <a:ea typeface="Lato"/>
+                <a:cs typeface="Lato"/>
+                <a:sym typeface="Lato"/>
+              </a:rPr>
+              <a:t>dist</a:t>
+            </a:r>
+            <a:r>
+              <a:rPr lang="en" dirty="0">
+                <a:solidFill>
+                  <a:srgbClr val="FFFFFF"/>
+                </a:solidFill>
+                <a:latin typeface="Lato"/>
+                <a:ea typeface="Lato"/>
+                <a:cs typeface="Lato"/>
+                <a:sym typeface="Lato"/>
+              </a:rPr>
+              <a:t>/</a:t>
+            </a:r>
+            <a:r>
+              <a:rPr lang="en" dirty="0" err="1">
+                <a:solidFill>
+                  <a:srgbClr val="FFFFFF"/>
+                </a:solidFill>
+                <a:latin typeface="Lato"/>
+                <a:ea typeface="Lato"/>
+                <a:cs typeface="Lato"/>
+                <a:sym typeface="Lato"/>
+              </a:rPr>
+              <a:t>leaflet.css</a:t>
+            </a:r>
+            <a:endParaRPr dirty="0">
+              <a:solidFill>
+                <a:srgbClr val="FFFFFF"/>
+              </a:solidFill>
+              <a:latin typeface="Lato"/>
+              <a:ea typeface="Lato"/>
+              <a:cs typeface="Lato"/>
+              <a:sym typeface="Lato"/>
+            </a:endParaRPr>
+          </a:p>
+          <a:p>
+            <a:pPr marL="285750" lvl="0" indent="-285750" algn="l" rtl="0">
+              <a:spcBef>
+                <a:spcPts val="0"/>
+              </a:spcBef>
+              <a:spcAft>
+                <a:spcPts val="0"/>
+              </a:spcAft>
+              <a:buClr>
+                <a:schemeClr val="bg1"/>
+              </a:buClr>
+              <a:buFont typeface="Courier New" panose="02070309020205020404" pitchFamily="49" charset="0"/>
+              <a:buChar char="o"/>
+            </a:pPr>
+            <a:endParaRPr lang="en" sz="1700" dirty="0">
+              <a:solidFill>
+                <a:srgbClr val="FFFFFF"/>
+              </a:solidFill>
+              <a:latin typeface="Lato"/>
+              <a:ea typeface="Lato"/>
+              <a:cs typeface="Lato"/>
+              <a:sym typeface="Lato"/>
+            </a:endParaRPr>
+          </a:p>
+          <a:p>
+            <a:pPr marL="285750" lvl="0" indent="-285750" algn="l" rtl="0">
+              <a:spcBef>
+                <a:spcPts val="0"/>
+              </a:spcBef>
+              <a:spcAft>
+                <a:spcPts val="0"/>
+              </a:spcAft>
+              <a:buClr>
+                <a:schemeClr val="bg1"/>
+              </a:buClr>
+              <a:buFont typeface="Courier New" panose="02070309020205020404" pitchFamily="49" charset="0"/>
+              <a:buChar char="o"/>
+            </a:pPr>
+            <a:r>
+              <a:rPr lang="en" sz="1700" b="1" dirty="0">
                 <a:solidFill>
                   <a:srgbClr val="FFFFFF"/>
                 </a:solidFill>
@@ -9603,7 +9491,7 @@
               <a:t>Leaflet </a:t>
             </a:r>
             <a:r>
-              <a:rPr lang="en" sz="1700" dirty="0" err="1">
+              <a:rPr lang="en" sz="1700" b="1" dirty="0" err="1">
                 <a:solidFill>
                   <a:srgbClr val="FFFFFF"/>
                 </a:solidFill>
@@ -9615,7 +9503,7 @@
               <a:t>Javascript</a:t>
             </a:r>
             <a:r>
-              <a:rPr lang="en" sz="1700" dirty="0">
+              <a:rPr lang="en" sz="1700" b="1" dirty="0">
                 <a:solidFill>
                   <a:srgbClr val="FFFFFF"/>
                 </a:solidFill>
@@ -9627,7 +9515,7 @@
               <a:t>: </a:t>
             </a:r>
             <a:r>
-              <a:rPr lang="en" sz="1700" dirty="0">
+              <a:rPr lang="en" dirty="0">
                 <a:solidFill>
                   <a:schemeClr val="bg1"/>
                 </a:solidFill>
@@ -9659,8 +9547,32 @@
                 <a:sym typeface="Lato"/>
               </a:rPr>
             </a:br>
+            <a:endParaRPr lang="en" sz="1700" dirty="0">
+              <a:solidFill>
+                <a:srgbClr val="FFFFFF"/>
+              </a:solidFill>
+              <a:latin typeface="Lato"/>
+              <a:ea typeface="Lato"/>
+              <a:cs typeface="Lato"/>
+              <a:sym typeface="Lato"/>
+            </a:endParaRPr>
+          </a:p>
+          <a:p>
+            <a:pPr marL="285750" lvl="0" indent="-285750" algn="l" rtl="0">
+              <a:spcBef>
+                <a:spcPts val="0"/>
+              </a:spcBef>
+              <a:spcAft>
+                <a:spcPts val="0"/>
+              </a:spcAft>
+              <a:buClr>
+                <a:schemeClr val="bg1"/>
+              </a:buClr>
+              <a:buFont typeface="Courier New" panose="02070309020205020404" pitchFamily="49" charset="0"/>
+              <a:buChar char="o"/>
+            </a:pPr>
             <a:r>
-              <a:rPr lang="en" sz="1700" dirty="0">
+              <a:rPr lang="en" sz="1700" b="1" dirty="0">
                 <a:solidFill>
                   <a:srgbClr val="FFFFFF"/>
                 </a:solidFill>
@@ -9672,7 +9584,7 @@
               <a:t>Placeholder for </a:t>
             </a:r>
             <a:r>
-              <a:rPr lang="en" sz="1700" dirty="0" err="1">
+              <a:rPr lang="en" sz="1700" b="1" dirty="0" err="1">
                 <a:solidFill>
                   <a:srgbClr val="FFFFFF"/>
                 </a:solidFill>
@@ -9683,7 +9595,7 @@
               </a:rPr>
               <a:t>MapID</a:t>
             </a:r>
-            <a:endParaRPr sz="1700" dirty="0">
+            <a:endParaRPr sz="1700" b="1" dirty="0">
               <a:solidFill>
                 <a:srgbClr val="FFFFFF"/>
               </a:solidFill>
@@ -9795,28 +9707,21 @@
           </a:bodyPr>
           <a:lstStyle/>
           <a:p>
-            <a:pPr marL="0" lvl="0" indent="0" algn="l" rtl="0">
-              <a:spcBef>
-                <a:spcPts val="0"/>
-              </a:spcBef>
-              <a:spcAft>
-                <a:spcPts val="0"/>
-              </a:spcAft>
-              <a:buNone/>
+            <a:pPr marL="285750" lvl="0" indent="-285750" algn="l" rtl="0">
+              <a:spcBef>
+                <a:spcPts val="0"/>
+              </a:spcBef>
+              <a:spcAft>
+                <a:spcPts val="0"/>
+              </a:spcAft>
+              <a:buClr>
+                <a:schemeClr val="bg1"/>
+              </a:buClr>
+              <a:buFont typeface="Courier New" panose="02070309020205020404" pitchFamily="49" charset="0"/>
+              <a:buChar char="o"/>
             </a:pPr>
-            <a:br>
-              <a:rPr lang="en" sz="1700" dirty="0">
-                <a:solidFill>
-                  <a:srgbClr val="FFFFFF"/>
-                </a:solidFill>
-                <a:latin typeface="Lato"/>
-                <a:ea typeface="Lato"/>
-                <a:cs typeface="Lato"/>
-                <a:sym typeface="Lato"/>
-              </a:rPr>
-            </a:br>
             <a:r>
-              <a:rPr lang="en" sz="1700" dirty="0">
+              <a:rPr lang="en" sz="1700" b="1" dirty="0">
                 <a:solidFill>
                   <a:srgbClr val="FFFFFF"/>
                 </a:solidFill>
@@ -9828,7 +9733,7 @@
               <a:t>Drop down menu showing all the U.S. Cities</a:t>
             </a:r>
             <a:br>
-              <a:rPr lang="en" sz="1700" dirty="0">
+              <a:rPr lang="en" sz="1700" b="1" dirty="0">
                 <a:solidFill>
                   <a:srgbClr val="FFFFFF"/>
                 </a:solidFill>
@@ -9838,8 +9743,32 @@
                 <a:sym typeface="Lato"/>
               </a:rPr>
             </a:br>
+            <a:endParaRPr lang="en" sz="1700" b="1" dirty="0">
+              <a:solidFill>
+                <a:srgbClr val="FFFFFF"/>
+              </a:solidFill>
+              <a:latin typeface="Lato"/>
+              <a:ea typeface="Lato"/>
+              <a:cs typeface="Lato"/>
+              <a:sym typeface="Lato"/>
+            </a:endParaRPr>
+          </a:p>
+          <a:p>
+            <a:pPr marL="285750" lvl="0" indent="-285750" algn="l" rtl="0">
+              <a:spcBef>
+                <a:spcPts val="0"/>
+              </a:spcBef>
+              <a:spcAft>
+                <a:spcPts val="0"/>
+              </a:spcAft>
+              <a:buClr>
+                <a:schemeClr val="bg1"/>
+              </a:buClr>
+              <a:buFont typeface="Courier New" panose="02070309020205020404" pitchFamily="49" charset="0"/>
+              <a:buChar char="o"/>
+            </a:pPr>
             <a:r>
-              <a:rPr lang="en" sz="1700" dirty="0">
+              <a:rPr lang="en" sz="1700" b="1" dirty="0">
                 <a:solidFill>
                   <a:srgbClr val="FFFFFF"/>
                 </a:solidFill>
@@ -9851,7 +9780,7 @@
               <a:t>Paragraph explaining the function of the tool</a:t>
             </a:r>
             <a:br>
-              <a:rPr lang="en" sz="1700" dirty="0">
+              <a:rPr lang="en" sz="1700" b="1" dirty="0">
                 <a:solidFill>
                   <a:srgbClr val="FFFFFF"/>
                 </a:solidFill>
@@ -9861,8 +9790,32 @@
                 <a:sym typeface="Lato"/>
               </a:rPr>
             </a:br>
+            <a:endParaRPr lang="en" sz="1700" b="1" dirty="0">
+              <a:solidFill>
+                <a:srgbClr val="FFFFFF"/>
+              </a:solidFill>
+              <a:latin typeface="Lato"/>
+              <a:ea typeface="Lato"/>
+              <a:cs typeface="Lato"/>
+              <a:sym typeface="Lato"/>
+            </a:endParaRPr>
+          </a:p>
+          <a:p>
+            <a:pPr marL="285750" lvl="0" indent="-285750" algn="l" rtl="0">
+              <a:spcBef>
+                <a:spcPts val="0"/>
+              </a:spcBef>
+              <a:spcAft>
+                <a:spcPts val="0"/>
+              </a:spcAft>
+              <a:buClr>
+                <a:schemeClr val="bg1"/>
+              </a:buClr>
+              <a:buFont typeface="Courier New" panose="02070309020205020404" pitchFamily="49" charset="0"/>
+              <a:buChar char="o"/>
+            </a:pPr>
             <a:r>
-              <a:rPr lang="en" sz="1700" dirty="0">
+              <a:rPr lang="en" sz="1700" b="1" dirty="0">
                 <a:solidFill>
                   <a:srgbClr val="FFFFFF"/>
                 </a:solidFill>
@@ -9873,7 +9826,7 @@
               </a:rPr>
               <a:t>Map</a:t>
             </a:r>
-            <a:endParaRPr sz="1700" dirty="0">
+            <a:endParaRPr sz="1700" b="1" dirty="0">
               <a:solidFill>
                 <a:srgbClr val="FFFFFF"/>
               </a:solidFill>
@@ -11167,8 +11120,8 @@
         </p:nvSpPr>
         <p:spPr>
           <a:xfrm>
-            <a:off x="1601300" y="388200"/>
-            <a:ext cx="5483100" cy="727800"/>
+            <a:off x="460975" y="388200"/>
+            <a:ext cx="8070182" cy="727800"/>
           </a:xfrm>
           <a:prstGeom prst="rect">
             <a:avLst/>
@@ -11194,7 +11147,7 @@
               <a:buNone/>
             </a:pPr>
             <a:r>
-              <a:rPr lang="en" sz="3600" b="1">
+              <a:rPr lang="en" sz="3600" b="1" dirty="0">
                 <a:solidFill>
                   <a:srgbClr val="FFFFFF"/>
                 </a:solidFill>
@@ -11205,7 +11158,7 @@
               </a:rPr>
               <a:t>What Question Are We Answering?</a:t>
             </a:r>
-            <a:endParaRPr sz="3600" b="1">
+            <a:endParaRPr sz="3600" b="1" dirty="0">
               <a:solidFill>
                 <a:srgbClr val="FFFFFF"/>
               </a:solidFill>
@@ -11251,7 +11204,7 @@
               </a:spcAft>
               <a:buNone/>
             </a:pPr>
-            <a:endParaRPr sz="1700" b="1">
+            <a:endParaRPr sz="1700" b="1" dirty="0">
               <a:solidFill>
                 <a:srgbClr val="FFFFFF"/>
               </a:solidFill>
@@ -11271,7 +11224,7 @@
               </a:spcAft>
               <a:buNone/>
             </a:pPr>
-            <a:endParaRPr sz="1700" b="1">
+            <a:endParaRPr sz="1700" b="1" dirty="0">
               <a:solidFill>
                 <a:srgbClr val="FFFFFF"/>
               </a:solidFill>
@@ -11291,7 +11244,7 @@
               </a:spcAft>
               <a:buNone/>
             </a:pPr>
-            <a:endParaRPr sz="1700" b="1">
+            <a:endParaRPr sz="1700" b="1" dirty="0">
               <a:solidFill>
                 <a:srgbClr val="FFFFFF"/>
               </a:solidFill>
@@ -11311,7 +11264,7 @@
               </a:spcAft>
               <a:buNone/>
             </a:pPr>
-            <a:endParaRPr sz="2400" b="1">
+            <a:endParaRPr sz="2400" b="1" dirty="0">
               <a:solidFill>
                 <a:srgbClr val="FFFFFF"/>
               </a:solidFill>
@@ -11332,7 +11285,7 @@
               <a:buNone/>
             </a:pPr>
             <a:r>
-              <a:rPr lang="en" sz="2400" b="1">
+              <a:rPr lang="en" sz="2400" b="1" dirty="0">
                 <a:solidFill>
                   <a:srgbClr val="FFFFFF"/>
                 </a:solidFill>
@@ -11343,7 +11296,7 @@
               </a:rPr>
               <a:t>Which U.S. City is the Best to Live In?</a:t>
             </a:r>
-            <a:endParaRPr sz="2400" b="1">
+            <a:endParaRPr sz="2400" b="1" dirty="0">
               <a:solidFill>
                 <a:srgbClr val="FFFFFF"/>
               </a:solidFill>
@@ -11847,14 +11800,14 @@
               <a:buNone/>
             </a:pPr>
             <a:r>
-              <a:rPr lang="en" sz="3600">
+              <a:rPr lang="en" sz="3600" dirty="0">
                 <a:solidFill>
                   <a:srgbClr val="FFFFFF"/>
                 </a:solidFill>
               </a:rPr>
               <a:t>Why Are We Looking At “Which U.S. City is the Best to Live in”?</a:t>
             </a:r>
-            <a:endParaRPr sz="2400">
+            <a:endParaRPr sz="2400" dirty="0">
               <a:solidFill>
                 <a:srgbClr val="FFFFFF"/>
               </a:solidFill>
@@ -11874,7 +11827,7 @@
         </p:nvSpPr>
         <p:spPr>
           <a:xfrm>
-            <a:off x="535775" y="1480150"/>
+            <a:off x="535775" y="1664975"/>
             <a:ext cx="8198400" cy="3067500"/>
           </a:xfrm>
           <a:prstGeom prst="rect">
@@ -11887,7 +11840,7 @@
           </a:bodyPr>
           <a:lstStyle/>
           <a:p>
-            <a:pPr marL="0" lvl="0" indent="0" algn="l" rtl="0">
+            <a:pPr marL="285750" lvl="0" indent="-285750" algn="l" rtl="0">
               <a:lnSpc>
                 <a:spcPct val="115000"/>
               </a:lnSpc>
@@ -11897,21 +11850,15 @@
               <a:spcAft>
                 <a:spcPts val="0"/>
               </a:spcAft>
-              <a:buNone/>
+              <a:buClr>
+                <a:schemeClr val="bg1"/>
+              </a:buClr>
+              <a:buSzPct val="100000"/>
+              <a:buFont typeface="Courier New" panose="02070309020205020404" pitchFamily="49" charset="0"/>
+              <a:buChar char="o"/>
             </a:pPr>
-            <a:br>
-              <a:rPr lang="en" sz="1700">
-                <a:solidFill>
-                  <a:srgbClr val="FFFFFF"/>
-                </a:solidFill>
-                <a:latin typeface="Lato"/>
-                <a:ea typeface="Lato"/>
-                <a:cs typeface="Lato"/>
-                <a:sym typeface="Lato"/>
-              </a:rPr>
-            </a:br>
             <a:r>
-              <a:rPr lang="en" sz="1700">
+              <a:rPr lang="en" sz="1700" dirty="0">
                 <a:solidFill>
                   <a:srgbClr val="FFFFFF"/>
                 </a:solidFill>
@@ -11922,7 +11869,7 @@
               </a:rPr>
               <a:t>People have different motivations for needing or wanting to move and they need an overall picture of the U.S.</a:t>
             </a:r>
-            <a:endParaRPr sz="1700">
+            <a:endParaRPr sz="1700" dirty="0">
               <a:solidFill>
                 <a:srgbClr val="FFFFFF"/>
               </a:solidFill>
@@ -11933,7 +11880,7 @@
             </a:endParaRPr>
           </a:p>
           <a:p>
-            <a:pPr marL="0" lvl="0" indent="0" algn="l" rtl="0">
+            <a:pPr marL="285750" lvl="0" indent="-285750" algn="l" rtl="0">
               <a:lnSpc>
                 <a:spcPct val="115000"/>
               </a:lnSpc>
@@ -11943,9 +11890,14 @@
               <a:spcAft>
                 <a:spcPts val="0"/>
               </a:spcAft>
-              <a:buNone/>
+              <a:buClr>
+                <a:schemeClr val="bg1"/>
+              </a:buClr>
+              <a:buSzPct val="100000"/>
+              <a:buFont typeface="Courier New" panose="02070309020205020404" pitchFamily="49" charset="0"/>
+              <a:buChar char="o"/>
             </a:pPr>
-            <a:endParaRPr sz="1700">
+            <a:endParaRPr sz="1700" dirty="0">
               <a:solidFill>
                 <a:srgbClr val="FFFFFF"/>
               </a:solidFill>
@@ -11956,7 +11908,7 @@
             </a:endParaRPr>
           </a:p>
           <a:p>
-            <a:pPr marL="0" lvl="0" indent="0" algn="l" rtl="0">
+            <a:pPr marL="285750" lvl="0" indent="-285750" algn="l" rtl="0">
               <a:lnSpc>
                 <a:spcPct val="115000"/>
               </a:lnSpc>
@@ -11966,10 +11918,15 @@
               <a:spcAft>
                 <a:spcPts val="1600"/>
               </a:spcAft>
-              <a:buNone/>
+              <a:buClr>
+                <a:schemeClr val="bg1"/>
+              </a:buClr>
+              <a:buSzPct val="100000"/>
+              <a:buFont typeface="Courier New" panose="02070309020205020404" pitchFamily="49" charset="0"/>
+              <a:buChar char="o"/>
             </a:pPr>
             <a:r>
-              <a:rPr lang="en" sz="1700">
+              <a:rPr lang="en" sz="1700" dirty="0">
                 <a:solidFill>
                   <a:srgbClr val="FFFFFF"/>
                 </a:solidFill>
@@ -11980,7 +11937,7 @@
               </a:rPr>
               <a:t>To get all the information they need, they will have to look at many resources and documents. They need a one-stop tool and see all the information at a glance.</a:t>
             </a:r>
-            <a:endParaRPr sz="1700">
+            <a:endParaRPr sz="1700" dirty="0">
               <a:solidFill>
                 <a:srgbClr val="FFFFFF"/>
               </a:solidFill>
@@ -12005,7 +11962,7 @@
   <p:cSld>
     <p:spTree>
       <p:nvGrpSpPr>
-        <p:cNvPr id="1" name="Shape 89"/>
+        <p:cNvPr id="1" name="Shape 101"/>
         <p:cNvGrpSpPr/>
         <p:nvPr/>
       </p:nvGrpSpPr>
@@ -12019,22 +11976,22 @@
       </p:grpSpPr>
       <p:sp>
         <p:nvSpPr>
-          <p:cNvPr id="90" name="Google Shape;90;p16"/>
-          <p:cNvSpPr txBox="1">
-            <a:spLocks noGrp="1"/>
-          </p:cNvSpPr>
-          <p:nvPr>
-            <p:ph type="title" idx="4294967295"/>
-          </p:nvPr>
+          <p:cNvPr id="102" name="Google Shape;102;p18"/>
+          <p:cNvSpPr txBox="1"/>
+          <p:nvPr/>
         </p:nvSpPr>
         <p:spPr>
           <a:xfrm>
-            <a:off x="535775" y="287575"/>
-            <a:ext cx="8283300" cy="768000"/>
+            <a:off x="412449" y="388200"/>
+            <a:ext cx="8138163" cy="727800"/>
           </a:xfrm>
           <a:prstGeom prst="rect">
             <a:avLst/>
           </a:prstGeom>
+          <a:noFill/>
+          <a:ln>
+            <a:noFill/>
+          </a:ln>
         </p:spPr>
         <p:txBody>
           <a:bodyPr spcFirstLastPara="1" wrap="square" lIns="91425" tIns="91425" rIns="91425" bIns="91425" anchor="t" anchorCtr="0">
@@ -12047,44 +12004,52 @@
                 <a:spcPts val="0"/>
               </a:spcBef>
               <a:spcAft>
-                <a:spcPts val="1600"/>
+                <a:spcPts val="0"/>
               </a:spcAft>
               <a:buNone/>
             </a:pPr>
             <a:r>
-              <a:rPr lang="en" sz="3600">
+              <a:rPr lang="en" sz="3600" b="1" dirty="0">
                 <a:solidFill>
                   <a:srgbClr val="FFFFFF"/>
                 </a:solidFill>
+                <a:latin typeface="Raleway"/>
+                <a:ea typeface="Raleway"/>
+                <a:cs typeface="Raleway"/>
+                <a:sym typeface="Raleway"/>
               </a:rPr>
               <a:t>Who Would Need This Information?</a:t>
             </a:r>
-            <a:endParaRPr sz="2400">
+            <a:endParaRPr sz="3600" b="1" dirty="0">
               <a:solidFill>
                 <a:srgbClr val="FFFFFF"/>
               </a:solidFill>
+              <a:latin typeface="Raleway"/>
+              <a:ea typeface="Raleway"/>
+              <a:cs typeface="Raleway"/>
+              <a:sym typeface="Raleway"/>
             </a:endParaRPr>
           </a:p>
         </p:txBody>
       </p:sp>
       <p:sp>
         <p:nvSpPr>
-          <p:cNvPr id="91" name="Google Shape;91;p16"/>
-          <p:cNvSpPr txBox="1">
-            <a:spLocks noGrp="1"/>
-          </p:cNvSpPr>
-          <p:nvPr>
-            <p:ph type="title" idx="4294967295"/>
-          </p:nvPr>
+          <p:cNvPr id="103" name="Google Shape;103;p18"/>
+          <p:cNvSpPr txBox="1"/>
+          <p:nvPr/>
         </p:nvSpPr>
         <p:spPr>
           <a:xfrm>
-            <a:off x="535775" y="1480150"/>
-            <a:ext cx="8198400" cy="3067500"/>
+            <a:off x="412450" y="1713099"/>
+            <a:ext cx="8285400" cy="3275400"/>
           </a:xfrm>
           <a:prstGeom prst="rect">
             <a:avLst/>
           </a:prstGeom>
+          <a:noFill/>
+          <a:ln>
+            <a:noFill/>
+          </a:ln>
         </p:spPr>
         <p:txBody>
           <a:bodyPr spcFirstLastPara="1" wrap="square" lIns="91425" tIns="91425" rIns="91425" bIns="91425" anchor="t" anchorCtr="0">
@@ -12092,42 +12057,20 @@
           </a:bodyPr>
           <a:lstStyle/>
           <a:p>
-            <a:pPr marL="0" lvl="0" indent="0" algn="l" rtl="0">
-              <a:lnSpc>
-                <a:spcPct val="115000"/>
-              </a:lnSpc>
-              <a:spcBef>
-                <a:spcPts val="0"/>
-              </a:spcBef>
-              <a:spcAft>
-                <a:spcPts val="0"/>
-              </a:spcAft>
-              <a:buNone/>
+            <a:pPr marL="285750" lvl="0" indent="-285750" algn="l" rtl="0">
+              <a:spcBef>
+                <a:spcPts val="0"/>
+              </a:spcBef>
+              <a:spcAft>
+                <a:spcPts val="0"/>
+              </a:spcAft>
+              <a:buClr>
+                <a:schemeClr val="bg1"/>
+              </a:buClr>
+              <a:buFont typeface="Courier New" panose="02070309020205020404" pitchFamily="49" charset="0"/>
+              <a:buChar char="o"/>
             </a:pPr>
-            <a:br>
-              <a:rPr lang="en" sz="1700">
-                <a:solidFill>
-                  <a:srgbClr val="FFFFFF"/>
-                </a:solidFill>
-                <a:latin typeface="Lato"/>
-                <a:ea typeface="Lato"/>
-                <a:cs typeface="Lato"/>
-                <a:sym typeface="Lato"/>
-              </a:rPr>
-            </a:br>
-            <a:r>
-              <a:rPr lang="en" sz="1700">
-                <a:solidFill>
-                  <a:srgbClr val="FFFFFF"/>
-                </a:solidFill>
-                <a:latin typeface="Lato"/>
-                <a:ea typeface="Lato"/>
-                <a:cs typeface="Lato"/>
-                <a:sym typeface="Lato"/>
-              </a:rPr>
-              <a:t>Married, No Kids</a:t>
-            </a:r>
-            <a:endParaRPr sz="1700">
+            <a:endParaRPr lang="en" sz="1700" b="1" dirty="0">
               <a:solidFill>
                 <a:srgbClr val="FFFFFF"/>
               </a:solidFill>
@@ -12138,25 +12081,15 @@
             </a:endParaRPr>
           </a:p>
           <a:p>
-            <a:pPr marL="0" lvl="0" indent="0" algn="l" rtl="0">
-              <a:lnSpc>
-                <a:spcPct val="115000"/>
-              </a:lnSpc>
-              <a:spcBef>
-                <a:spcPts val="1600"/>
-              </a:spcBef>
-              <a:spcAft>
-                <a:spcPts val="0"/>
-              </a:spcAft>
+            <a:pPr marL="285750" lvl="0" indent="-285750">
               <a:buClr>
-                <a:schemeClr val="dk2"/>
+                <a:schemeClr val="bg1"/>
               </a:buClr>
-              <a:buSzPts val="1100"/>
-              <a:buFont typeface="Arial"/>
-              <a:buNone/>
+              <a:buFont typeface="Courier New" panose="02070309020205020404" pitchFamily="49" charset="0"/>
+              <a:buChar char="o"/>
             </a:pPr>
             <a:r>
-              <a:rPr lang="en" sz="1700">
+              <a:rPr lang="en-US" sz="1700" b="1" dirty="0">
                 <a:solidFill>
                   <a:srgbClr val="FFFFFF"/>
                 </a:solidFill>
@@ -12165,9 +12098,20 @@
                 <a:cs typeface="Lato"/>
                 <a:sym typeface="Lato"/>
               </a:rPr>
-              <a:t>International Students Who Just Graduated With Multiple Job Offers</a:t>
+              <a:t>Married, No Kids</a:t>
             </a:r>
-            <a:endParaRPr sz="1700">
+            <a:br>
+              <a:rPr lang="en" sz="1700" b="1" dirty="0">
+                <a:solidFill>
+                  <a:srgbClr val="FFFFFF"/>
+                </a:solidFill>
+                <a:latin typeface="Lato"/>
+                <a:ea typeface="Lato"/>
+                <a:cs typeface="Lato"/>
+                <a:sym typeface="Lato"/>
+              </a:rPr>
+            </a:br>
+            <a:endParaRPr lang="en" sz="1700" b="1" dirty="0">
               <a:solidFill>
                 <a:srgbClr val="FFFFFF"/>
               </a:solidFill>
@@ -12178,25 +12122,15 @@
             </a:endParaRPr>
           </a:p>
           <a:p>
-            <a:pPr marL="0" lvl="0" indent="0" algn="l" rtl="0">
-              <a:lnSpc>
-                <a:spcPct val="115000"/>
-              </a:lnSpc>
-              <a:spcBef>
-                <a:spcPts val="1600"/>
-              </a:spcBef>
-              <a:spcAft>
-                <a:spcPts val="0"/>
-              </a:spcAft>
+            <a:pPr marL="285750" lvl="0" indent="-285750">
               <a:buClr>
-                <a:schemeClr val="dk2"/>
+                <a:schemeClr val="bg1"/>
               </a:buClr>
-              <a:buSzPts val="1100"/>
-              <a:buFont typeface="Arial"/>
-              <a:buNone/>
+              <a:buFont typeface="Courier New" panose="02070309020205020404" pitchFamily="49" charset="0"/>
+              <a:buChar char="o"/>
             </a:pPr>
             <a:r>
-              <a:rPr lang="en" sz="1700">
+              <a:rPr lang="en-US" sz="1700" b="1" dirty="0">
                 <a:solidFill>
                   <a:srgbClr val="FFFFFF"/>
                 </a:solidFill>
@@ -12205,9 +12139,20 @@
                 <a:cs typeface="Lato"/>
                 <a:sym typeface="Lato"/>
               </a:rPr>
-              <a:t>People with Fixed Incomes</a:t>
+              <a:t>Recently graduated international students with multiple job offers</a:t>
             </a:r>
-            <a:endParaRPr sz="1700">
+            <a:br>
+              <a:rPr lang="en-US" sz="1700" b="1" dirty="0">
+                <a:solidFill>
+                  <a:srgbClr val="FFFFFF"/>
+                </a:solidFill>
+                <a:latin typeface="Lato"/>
+                <a:ea typeface="Lato"/>
+                <a:cs typeface="Lato"/>
+                <a:sym typeface="Lato"/>
+              </a:rPr>
+            </a:br>
+            <a:endParaRPr lang="en" sz="1700" b="1" dirty="0">
               <a:solidFill>
                 <a:srgbClr val="FFFFFF"/>
               </a:solidFill>
@@ -12218,20 +12163,15 @@
             </a:endParaRPr>
           </a:p>
           <a:p>
-            <a:pPr marL="0" lvl="0" indent="0" algn="l" rtl="0">
-              <a:lnSpc>
-                <a:spcPct val="115000"/>
-              </a:lnSpc>
-              <a:spcBef>
-                <a:spcPts val="1600"/>
-              </a:spcBef>
-              <a:spcAft>
-                <a:spcPts val="1600"/>
-              </a:spcAft>
-              <a:buNone/>
+            <a:pPr marL="285750" lvl="0" indent="-285750">
+              <a:buClr>
+                <a:schemeClr val="bg1"/>
+              </a:buClr>
+              <a:buFont typeface="Courier New" panose="02070309020205020404" pitchFamily="49" charset="0"/>
+              <a:buChar char="o"/>
             </a:pPr>
             <a:r>
-              <a:rPr lang="en" sz="1700">
+              <a:rPr lang="en-US" sz="1700" b="1" dirty="0">
                 <a:solidFill>
                   <a:srgbClr val="FFFFFF"/>
                 </a:solidFill>
@@ -12240,9 +12180,48 @@
                 <a:cs typeface="Lato"/>
                 <a:sym typeface="Lato"/>
               </a:rPr>
-              <a:t>Single person - someone who is always on the move</a:t>
+              <a:t>People with fixed incomes</a:t>
             </a:r>
-            <a:endParaRPr sz="1700">
+          </a:p>
+          <a:p>
+            <a:pPr marL="285750" lvl="0" indent="-285750">
+              <a:buClr>
+                <a:schemeClr val="bg1"/>
+              </a:buClr>
+              <a:buFont typeface="Courier New" panose="02070309020205020404" pitchFamily="49" charset="0"/>
+              <a:buChar char="o"/>
+            </a:pPr>
+            <a:endParaRPr lang="en-US" sz="1700" b="1" dirty="0">
+              <a:solidFill>
+                <a:srgbClr val="FFFFFF"/>
+              </a:solidFill>
+              <a:latin typeface="Lato"/>
+              <a:ea typeface="Lato"/>
+              <a:cs typeface="Lato"/>
+              <a:sym typeface="Lato"/>
+            </a:endParaRPr>
+          </a:p>
+          <a:p>
+            <a:pPr marL="285750" lvl="0" indent="-285750">
+              <a:buClr>
+                <a:schemeClr val="bg1"/>
+              </a:buClr>
+              <a:buFont typeface="Courier New" panose="02070309020205020404" pitchFamily="49" charset="0"/>
+              <a:buChar char="o"/>
+            </a:pPr>
+            <a:r>
+              <a:rPr lang="en-US" sz="1700" b="1" dirty="0">
+                <a:solidFill>
+                  <a:srgbClr val="FFFFFF"/>
+                </a:solidFill>
+                <a:latin typeface="Lato"/>
+                <a:ea typeface="Lato"/>
+                <a:cs typeface="Lato"/>
+                <a:sym typeface="Lato"/>
+              </a:rPr>
+              <a:t>A single person who is always on the move</a:t>
+            </a:r>
+            <a:endParaRPr lang="en" sz="1700" b="1" dirty="0">
               <a:solidFill>
                 <a:srgbClr val="FFFFFF"/>
               </a:solidFill>
@@ -12362,17 +12341,21 @@
           </a:bodyPr>
           <a:lstStyle/>
           <a:p>
-            <a:pPr marL="0" lvl="0" indent="0" algn="l" rtl="0">
-              <a:spcBef>
-                <a:spcPts val="0"/>
-              </a:spcBef>
-              <a:spcAft>
-                <a:spcPts val="0"/>
-              </a:spcAft>
-              <a:buNone/>
+            <a:pPr marL="285750" lvl="0" indent="-285750" algn="l" rtl="0">
+              <a:spcBef>
+                <a:spcPts val="0"/>
+              </a:spcBef>
+              <a:spcAft>
+                <a:spcPts val="0"/>
+              </a:spcAft>
+              <a:buClr>
+                <a:schemeClr val="bg1"/>
+              </a:buClr>
+              <a:buFont typeface="Courier New" panose="02070309020205020404" pitchFamily="49" charset="0"/>
+              <a:buChar char="o"/>
             </a:pPr>
             <a:r>
-              <a:rPr lang="en" sz="1700" b="1">
+              <a:rPr lang="en" sz="1700" b="1" dirty="0">
                 <a:solidFill>
                   <a:srgbClr val="FFFFFF"/>
                 </a:solidFill>
@@ -12384,7 +12367,7 @@
               <a:t>"Best" is a subjective term as well as a subjective measurement. </a:t>
             </a:r>
             <a:br>
-              <a:rPr lang="en" sz="1700" b="1">
+              <a:rPr lang="en" sz="1700" b="1" dirty="0">
                 <a:solidFill>
                   <a:srgbClr val="FFFFFF"/>
                 </a:solidFill>
@@ -12394,8 +12377,44 @@
                 <a:sym typeface="Lato"/>
               </a:rPr>
             </a:br>
+            <a:endParaRPr lang="en" sz="1700" b="1" dirty="0">
+              <a:solidFill>
+                <a:srgbClr val="FFFFFF"/>
+              </a:solidFill>
+              <a:latin typeface="Lato"/>
+              <a:ea typeface="Lato"/>
+              <a:cs typeface="Lato"/>
+              <a:sym typeface="Lato"/>
+            </a:endParaRPr>
+          </a:p>
+          <a:p>
+            <a:pPr marL="285750" lvl="0" indent="-285750" algn="l" rtl="0">
+              <a:spcBef>
+                <a:spcPts val="0"/>
+              </a:spcBef>
+              <a:spcAft>
+                <a:spcPts val="0"/>
+              </a:spcAft>
+              <a:buClr>
+                <a:schemeClr val="bg1"/>
+              </a:buClr>
+              <a:buFont typeface="Courier New" panose="02070309020205020404" pitchFamily="49" charset="0"/>
+              <a:buChar char="o"/>
+            </a:pPr>
+            <a:r>
+              <a:rPr lang="en" sz="1700" b="1" dirty="0">
+                <a:solidFill>
+                  <a:srgbClr val="FFFFFF"/>
+                </a:solidFill>
+                <a:latin typeface="Lato"/>
+                <a:ea typeface="Lato"/>
+                <a:cs typeface="Lato"/>
+                <a:sym typeface="Lato"/>
+              </a:rPr>
+              <a:t>Each individual has a unique set of standards of what makes anything the best.</a:t>
+            </a:r>
             <a:br>
-              <a:rPr lang="en" sz="1700" b="1">
+              <a:rPr lang="en" sz="1700" b="1" dirty="0">
                 <a:solidFill>
                   <a:srgbClr val="FFFFFF"/>
                 </a:solidFill>
@@ -12405,42 +12424,32 @@
                 <a:sym typeface="Lato"/>
               </a:rPr>
             </a:br>
+            <a:endParaRPr lang="en" sz="1700" b="1" dirty="0">
+              <a:solidFill>
+                <a:srgbClr val="FFFFFF"/>
+              </a:solidFill>
+              <a:latin typeface="Lato"/>
+              <a:ea typeface="Lato"/>
+              <a:cs typeface="Lato"/>
+              <a:sym typeface="Lato"/>
+            </a:endParaRPr>
+          </a:p>
+          <a:p>
+            <a:pPr marL="285750" lvl="0" indent="-285750" algn="l" rtl="0">
+              <a:spcBef>
+                <a:spcPts val="0"/>
+              </a:spcBef>
+              <a:spcAft>
+                <a:spcPts val="0"/>
+              </a:spcAft>
+              <a:buClr>
+                <a:schemeClr val="bg1"/>
+              </a:buClr>
+              <a:buFont typeface="Courier New" panose="02070309020205020404" pitchFamily="49" charset="0"/>
+              <a:buChar char="o"/>
+            </a:pPr>
             <a:r>
-              <a:rPr lang="en" sz="1700" b="1">
-                <a:solidFill>
-                  <a:srgbClr val="FFFFFF"/>
-                </a:solidFill>
-                <a:latin typeface="Lato"/>
-                <a:ea typeface="Lato"/>
-                <a:cs typeface="Lato"/>
-                <a:sym typeface="Lato"/>
-              </a:rPr>
-              <a:t>Each individual has a unique set of standards of what makes anything the best. </a:t>
-            </a:r>
-            <a:br>
-              <a:rPr lang="en" sz="1700" b="1">
-                <a:solidFill>
-                  <a:srgbClr val="FFFFFF"/>
-                </a:solidFill>
-                <a:latin typeface="Lato"/>
-                <a:ea typeface="Lato"/>
-                <a:cs typeface="Lato"/>
-                <a:sym typeface="Lato"/>
-              </a:rPr>
-            </a:br>
-            <a:br>
-              <a:rPr lang="en" sz="1700" b="1">
-                <a:solidFill>
-                  <a:srgbClr val="FFFFFF"/>
-                </a:solidFill>
-                <a:latin typeface="Lato"/>
-                <a:ea typeface="Lato"/>
-                <a:cs typeface="Lato"/>
-                <a:sym typeface="Lato"/>
-              </a:rPr>
-            </a:br>
-            <a:r>
-              <a:rPr lang="en" sz="1700" b="1">
+              <a:rPr lang="en" sz="1700" b="1" dirty="0">
                 <a:solidFill>
                   <a:srgbClr val="FFFFFF"/>
                 </a:solidFill>
@@ -12452,7 +12461,7 @@
               <a:t>Searching for the "best city to live in" is no exception. </a:t>
             </a:r>
             <a:br>
-              <a:rPr lang="en" sz="1700" b="1">
+              <a:rPr lang="en" sz="1700" b="1" dirty="0">
                 <a:solidFill>
                   <a:srgbClr val="FFFFFF"/>
                 </a:solidFill>
@@ -12462,19 +12471,32 @@
                 <a:sym typeface="Lato"/>
               </a:rPr>
             </a:br>
-            <a:br>
-              <a:rPr lang="en" sz="1700" b="1">
-                <a:solidFill>
-                  <a:srgbClr val="FFFFFF"/>
-                </a:solidFill>
-                <a:latin typeface="Lato"/>
-                <a:ea typeface="Lato"/>
-                <a:cs typeface="Lato"/>
-                <a:sym typeface="Lato"/>
-              </a:rPr>
-            </a:br>
+            <a:endParaRPr lang="en" sz="1700" b="1" dirty="0">
+              <a:solidFill>
+                <a:srgbClr val="FFFFFF"/>
+              </a:solidFill>
+              <a:latin typeface="Lato"/>
+              <a:ea typeface="Lato"/>
+              <a:cs typeface="Lato"/>
+              <a:sym typeface="Lato"/>
+            </a:endParaRPr>
+          </a:p>
+          <a:p>
+            <a:pPr marL="285750" lvl="0" indent="-285750" algn="l" rtl="0">
+              <a:spcBef>
+                <a:spcPts val="0"/>
+              </a:spcBef>
+              <a:spcAft>
+                <a:spcPts val="0"/>
+              </a:spcAft>
+              <a:buClr>
+                <a:schemeClr val="bg1"/>
+              </a:buClr>
+              <a:buFont typeface="Courier New" panose="02070309020205020404" pitchFamily="49" charset="0"/>
+              <a:buChar char="o"/>
+            </a:pPr>
             <a:r>
-              <a:rPr lang="en" sz="1700" b="1">
+              <a:rPr lang="en" sz="1700" b="1" dirty="0">
                 <a:solidFill>
                   <a:srgbClr val="FFFFFF"/>
                 </a:solidFill>
@@ -12485,7 +12507,7 @@
               </a:rPr>
               <a:t>An individual's paradigm of what makes a city "the best to live in" can include everything from crime to pollution to cost-of-living.</a:t>
             </a:r>
-            <a:endParaRPr sz="1700" b="1">
+            <a:endParaRPr sz="1700" b="1" dirty="0">
               <a:solidFill>
                 <a:srgbClr val="FFFFFF"/>
               </a:solidFill>
@@ -12531,7 +12553,7 @@
         <p:spPr>
           <a:xfrm>
             <a:off x="412450" y="388200"/>
-            <a:ext cx="7666800" cy="727800"/>
+            <a:ext cx="8285400" cy="727800"/>
           </a:xfrm>
           <a:prstGeom prst="rect">
             <a:avLst/>
@@ -12557,7 +12579,7 @@
               <a:buNone/>
             </a:pPr>
             <a:r>
-              <a:rPr lang="en" sz="3600" b="1">
+              <a:rPr lang="en" sz="3600" b="1" dirty="0">
                 <a:solidFill>
                   <a:srgbClr val="FFFFFF"/>
                 </a:solidFill>
@@ -12566,9 +12588,9 @@
                 <a:cs typeface="Raleway"/>
                 <a:sym typeface="Raleway"/>
               </a:rPr>
-              <a:t>How Did Homies Choose Which Cities to Include?</a:t>
+              <a:t>What Are the Characteristics Of The Cities?</a:t>
             </a:r>
-            <a:endParaRPr sz="3600" b="1">
+            <a:endParaRPr sz="3600" b="1" dirty="0">
               <a:solidFill>
                 <a:srgbClr val="FFFFFF"/>
               </a:solidFill>
@@ -12605,74 +12627,20 @@
           </a:bodyPr>
           <a:lstStyle/>
           <a:p>
-            <a:pPr marL="0" lvl="0" indent="0" algn="l" rtl="0">
-              <a:spcBef>
-                <a:spcPts val="0"/>
-              </a:spcBef>
-              <a:spcAft>
-                <a:spcPts val="0"/>
-              </a:spcAft>
-              <a:buNone/>
+            <a:pPr marL="285750" lvl="0" indent="-285750" algn="l" rtl="0">
+              <a:spcBef>
+                <a:spcPts val="0"/>
+              </a:spcBef>
+              <a:spcAft>
+                <a:spcPts val="0"/>
+              </a:spcAft>
+              <a:buClr>
+                <a:schemeClr val="bg1"/>
+              </a:buClr>
+              <a:buFont typeface="Courier New" panose="02070309020205020404" pitchFamily="49" charset="0"/>
+              <a:buChar char="o"/>
             </a:pPr>
-            <a:r>
-              <a:rPr lang="en" sz="1700" b="1">
-                <a:solidFill>
-                  <a:srgbClr val="FFFFFF"/>
-                </a:solidFill>
-                <a:latin typeface="Lato"/>
-                <a:ea typeface="Lato"/>
-                <a:cs typeface="Lato"/>
-                <a:sym typeface="Lato"/>
-              </a:rPr>
-              <a:t>Common Cities in U.S.</a:t>
-            </a:r>
-            <a:br>
-              <a:rPr lang="en" sz="1700" b="1">
-                <a:solidFill>
-                  <a:srgbClr val="FFFFFF"/>
-                </a:solidFill>
-                <a:latin typeface="Lato"/>
-                <a:ea typeface="Lato"/>
-                <a:cs typeface="Lato"/>
-                <a:sym typeface="Lato"/>
-              </a:rPr>
-            </a:br>
-            <a:r>
-              <a:rPr lang="en" sz="1700" b="1">
-                <a:solidFill>
-                  <a:srgbClr val="FFFFFF"/>
-                </a:solidFill>
-                <a:latin typeface="Lato"/>
-                <a:ea typeface="Lato"/>
-                <a:cs typeface="Lato"/>
-                <a:sym typeface="Lato"/>
-              </a:rPr>
-              <a:t>Across different states/regions</a:t>
-            </a:r>
-            <a:br>
-              <a:rPr lang="en" sz="1700" b="1">
-                <a:solidFill>
-                  <a:srgbClr val="FFFFFF"/>
-                </a:solidFill>
-                <a:latin typeface="Lato"/>
-                <a:ea typeface="Lato"/>
-                <a:cs typeface="Lato"/>
-                <a:sym typeface="Lato"/>
-              </a:rPr>
-            </a:br>
-            <a:r>
-              <a:rPr lang="en" sz="1700" b="1">
-                <a:solidFill>
-                  <a:srgbClr val="FFFFFF"/>
-                </a:solidFill>
-                <a:latin typeface="Lato"/>
-                <a:ea typeface="Lato"/>
-                <a:cs typeface="Lato"/>
-                <a:sym typeface="Lato"/>
-              </a:rPr>
-              <a:t>Represents different quality of life</a:t>
-            </a:r>
-            <a:endParaRPr sz="1700" b="1">
+            <a:endParaRPr lang="en" sz="1700" b="1" dirty="0">
               <a:solidFill>
                 <a:srgbClr val="FFFFFF"/>
               </a:solidFill>
@@ -12682,9 +12650,166 @@
               <a:sym typeface="Lato"/>
             </a:endParaRPr>
           </a:p>
+          <a:p>
+            <a:pPr marL="285750" lvl="0" indent="-285750" algn="l" rtl="0">
+              <a:spcBef>
+                <a:spcPts val="0"/>
+              </a:spcBef>
+              <a:spcAft>
+                <a:spcPts val="0"/>
+              </a:spcAft>
+              <a:buClr>
+                <a:schemeClr val="bg1"/>
+              </a:buClr>
+              <a:buFont typeface="Courier New" panose="02070309020205020404" pitchFamily="49" charset="0"/>
+              <a:buChar char="o"/>
+            </a:pPr>
+            <a:r>
+              <a:rPr lang="en" sz="1700" b="1" dirty="0">
+                <a:solidFill>
+                  <a:srgbClr val="FFFFFF"/>
+                </a:solidFill>
+                <a:latin typeface="Lato"/>
+                <a:ea typeface="Lato"/>
+                <a:cs typeface="Lato"/>
+                <a:sym typeface="Lato"/>
+              </a:rPr>
+              <a:t>Common Cities in U.S.</a:t>
+            </a:r>
+            <a:br>
+              <a:rPr lang="en" sz="1700" b="1" dirty="0">
+                <a:solidFill>
+                  <a:srgbClr val="FFFFFF"/>
+                </a:solidFill>
+                <a:latin typeface="Lato"/>
+                <a:ea typeface="Lato"/>
+                <a:cs typeface="Lato"/>
+                <a:sym typeface="Lato"/>
+              </a:rPr>
+            </a:br>
+            <a:br>
+              <a:rPr lang="en" sz="1700" b="1" dirty="0">
+                <a:solidFill>
+                  <a:srgbClr val="FFFFFF"/>
+                </a:solidFill>
+                <a:latin typeface="Lato"/>
+                <a:ea typeface="Lato"/>
+                <a:cs typeface="Lato"/>
+                <a:sym typeface="Lato"/>
+              </a:rPr>
+            </a:br>
+            <a:endParaRPr lang="en" sz="1700" b="1" dirty="0">
+              <a:solidFill>
+                <a:srgbClr val="FFFFFF"/>
+              </a:solidFill>
+              <a:latin typeface="Lato"/>
+              <a:ea typeface="Lato"/>
+              <a:cs typeface="Lato"/>
+              <a:sym typeface="Lato"/>
+            </a:endParaRPr>
+          </a:p>
+          <a:p>
+            <a:pPr marL="285750" lvl="0" indent="-285750" algn="l" rtl="0">
+              <a:spcBef>
+                <a:spcPts val="0"/>
+              </a:spcBef>
+              <a:spcAft>
+                <a:spcPts val="0"/>
+              </a:spcAft>
+              <a:buClr>
+                <a:schemeClr val="bg1"/>
+              </a:buClr>
+              <a:buFont typeface="Courier New" panose="02070309020205020404" pitchFamily="49" charset="0"/>
+              <a:buChar char="o"/>
+            </a:pPr>
+            <a:r>
+              <a:rPr lang="en" sz="1700" b="1" dirty="0">
+                <a:solidFill>
+                  <a:srgbClr val="FFFFFF"/>
+                </a:solidFill>
+                <a:latin typeface="Lato"/>
+                <a:ea typeface="Lato"/>
+                <a:cs typeface="Lato"/>
+                <a:sym typeface="Lato"/>
+              </a:rPr>
+              <a:t>Across different states and regions</a:t>
+            </a:r>
+            <a:br>
+              <a:rPr lang="en" sz="1700" b="1" dirty="0">
+                <a:solidFill>
+                  <a:srgbClr val="FFFFFF"/>
+                </a:solidFill>
+                <a:latin typeface="Lato"/>
+                <a:ea typeface="Lato"/>
+                <a:cs typeface="Lato"/>
+                <a:sym typeface="Lato"/>
+              </a:rPr>
+            </a:br>
+            <a:br>
+              <a:rPr lang="en" sz="1700" b="1" dirty="0">
+                <a:solidFill>
+                  <a:srgbClr val="FFFFFF"/>
+                </a:solidFill>
+                <a:latin typeface="Lato"/>
+                <a:ea typeface="Lato"/>
+                <a:cs typeface="Lato"/>
+                <a:sym typeface="Lato"/>
+              </a:rPr>
+            </a:br>
+            <a:endParaRPr lang="en" sz="1700" b="1" dirty="0">
+              <a:solidFill>
+                <a:srgbClr val="FFFFFF"/>
+              </a:solidFill>
+              <a:latin typeface="Lato"/>
+              <a:ea typeface="Lato"/>
+              <a:cs typeface="Lato"/>
+              <a:sym typeface="Lato"/>
+            </a:endParaRPr>
+          </a:p>
+          <a:p>
+            <a:pPr marL="285750" lvl="0" indent="-285750" algn="l" rtl="0">
+              <a:spcBef>
+                <a:spcPts val="0"/>
+              </a:spcBef>
+              <a:spcAft>
+                <a:spcPts val="0"/>
+              </a:spcAft>
+              <a:buClr>
+                <a:schemeClr val="bg1"/>
+              </a:buClr>
+              <a:buFont typeface="Courier New" panose="02070309020205020404" pitchFamily="49" charset="0"/>
+              <a:buChar char="o"/>
+            </a:pPr>
+            <a:r>
+              <a:rPr lang="en" sz="1700" b="1" dirty="0">
+                <a:solidFill>
+                  <a:srgbClr val="FFFFFF"/>
+                </a:solidFill>
+                <a:latin typeface="Lato"/>
+                <a:ea typeface="Lato"/>
+                <a:cs typeface="Lato"/>
+                <a:sym typeface="Lato"/>
+              </a:rPr>
+              <a:t>Represents varying qualities of life</a:t>
+            </a:r>
+            <a:endParaRPr sz="1700" b="1" dirty="0">
+              <a:solidFill>
+                <a:srgbClr val="FFFFFF"/>
+              </a:solidFill>
+              <a:latin typeface="Lato"/>
+              <a:ea typeface="Lato"/>
+              <a:cs typeface="Lato"/>
+              <a:sym typeface="Lato"/>
+            </a:endParaRPr>
+          </a:p>
         </p:txBody>
       </p:sp>
     </p:spTree>
+    <p:extLst>
+      <p:ext uri="{BB962C8B-B14F-4D97-AF65-F5344CB8AC3E}">
+        <p14:creationId xmlns:p14="http://schemas.microsoft.com/office/powerpoint/2010/main" val="380140774"/>
+      </p:ext>
+    </p:extLst>
   </p:cSld>
   <p:clrMapOvr>
     <a:masterClrMapping/>
@@ -12767,7 +12892,7 @@
         </p:nvSpPr>
         <p:spPr>
           <a:xfrm>
-            <a:off x="303300" y="800650"/>
+            <a:off x="303300" y="956293"/>
             <a:ext cx="8520600" cy="3918300"/>
           </a:xfrm>
           <a:prstGeom prst="rect">
@@ -12784,8 +12909,328 @@
           </a:bodyPr>
           <a:lstStyle/>
           <a:p>
-            <a:pPr algn="ctr"/>
-            <a:endParaRPr lang="en-US" sz="2000" dirty="0">
+            <a:pPr lvl="0"/>
+            <a:r>
+              <a:rPr lang="en-US" b="1" dirty="0" err="1">
+                <a:solidFill>
+                  <a:schemeClr val="bg1"/>
+                </a:solidFill>
+                <a:latin typeface="Lato"/>
+                <a:ea typeface="Lato"/>
+                <a:cs typeface="Lato"/>
+                <a:sym typeface="Lato"/>
+              </a:rPr>
+              <a:t>Numbeo</a:t>
+            </a:r>
+            <a:r>
+              <a:rPr lang="en-US" b="1" dirty="0">
+                <a:solidFill>
+                  <a:schemeClr val="bg1"/>
+                </a:solidFill>
+                <a:latin typeface="Lato"/>
+                <a:ea typeface="Lato"/>
+                <a:cs typeface="Lato"/>
+                <a:sym typeface="Lato"/>
+              </a:rPr>
+              <a:t> surveys the following list of parameters for the list of cities:</a:t>
+            </a:r>
+            <a:br>
+              <a:rPr lang="en-US" sz="1600" dirty="0">
+                <a:solidFill>
+                  <a:schemeClr val="bg1"/>
+                </a:solidFill>
+                <a:latin typeface="Lato"/>
+                <a:ea typeface="Lato"/>
+                <a:cs typeface="Lato"/>
+                <a:sym typeface="Lato"/>
+              </a:rPr>
+            </a:br>
+            <a:endParaRPr lang="en-US" sz="1600" dirty="0">
+              <a:solidFill>
+                <a:schemeClr val="bg1"/>
+              </a:solidFill>
+              <a:latin typeface="Lato"/>
+              <a:ea typeface="Lato"/>
+              <a:cs typeface="Lato"/>
+              <a:sym typeface="Lato"/>
+            </a:endParaRPr>
+          </a:p>
+          <a:p>
+            <a:pPr marL="285750" lvl="0" indent="-285750">
+              <a:buClr>
+                <a:schemeClr val="bg1"/>
+              </a:buClr>
+              <a:buFont typeface="Courier New" panose="02070309020205020404" pitchFamily="49" charset="0"/>
+              <a:buChar char="o"/>
+            </a:pPr>
+            <a:r>
+              <a:rPr lang="en-US" sz="1700" b="1" dirty="0">
+                <a:solidFill>
+                  <a:srgbClr val="FFFFFF"/>
+                </a:solidFill>
+                <a:latin typeface="Lato"/>
+                <a:ea typeface="Lato"/>
+                <a:cs typeface="Lato"/>
+                <a:sym typeface="Lato"/>
+              </a:rPr>
+              <a:t>Crime: </a:t>
+            </a:r>
+            <a:r>
+              <a:rPr lang="en-US" sz="1200" dirty="0">
+                <a:solidFill>
+                  <a:srgbClr val="FFFFFF"/>
+                </a:solidFill>
+                <a:latin typeface="Lato"/>
+                <a:ea typeface="Lato"/>
+                <a:cs typeface="Lato"/>
+                <a:sym typeface="Lato"/>
+              </a:rPr>
+              <a:t>the concern of car theft or items from car stolen</a:t>
+            </a:r>
+          </a:p>
+          <a:p>
+            <a:pPr marL="285750" lvl="0" indent="-285750">
+              <a:buClr>
+                <a:schemeClr val="bg1"/>
+              </a:buClr>
+              <a:buFont typeface="Courier New" panose="02070309020205020404" pitchFamily="49" charset="0"/>
+              <a:buChar char="o"/>
+            </a:pPr>
+            <a:r>
+              <a:rPr lang="en-US" sz="1700" b="1" dirty="0">
+                <a:solidFill>
+                  <a:srgbClr val="FFFFFF"/>
+                </a:solidFill>
+                <a:latin typeface="Lato"/>
+                <a:ea typeface="Lato"/>
+                <a:cs typeface="Lato"/>
+                <a:sym typeface="Lato"/>
+              </a:rPr>
+              <a:t>Safety: </a:t>
+            </a:r>
+            <a:r>
+              <a:rPr lang="en-US" sz="1200" dirty="0">
+                <a:solidFill>
+                  <a:srgbClr val="FFFFFF"/>
+                </a:solidFill>
+                <a:latin typeface="Lato"/>
+                <a:ea typeface="Lato"/>
+                <a:cs typeface="Lato"/>
+                <a:sym typeface="Lato"/>
+              </a:rPr>
+              <a:t>the level of the feeling of safety when walking during the day and night</a:t>
+            </a:r>
+          </a:p>
+          <a:p>
+            <a:pPr marL="285750" lvl="0" indent="-285750">
+              <a:buClr>
+                <a:schemeClr val="bg1"/>
+              </a:buClr>
+              <a:buFont typeface="Courier New" panose="02070309020205020404" pitchFamily="49" charset="0"/>
+              <a:buChar char="o"/>
+            </a:pPr>
+            <a:r>
+              <a:rPr lang="en-US" sz="1600" b="1" dirty="0">
+                <a:solidFill>
+                  <a:srgbClr val="FFFFFF"/>
+                </a:solidFill>
+                <a:latin typeface="Lato"/>
+                <a:ea typeface="Lato"/>
+                <a:cs typeface="Lato"/>
+                <a:sym typeface="Lato"/>
+              </a:rPr>
+              <a:t>Quality of Life: </a:t>
+            </a:r>
+            <a:r>
+              <a:rPr lang="en-US" sz="1200" dirty="0">
+                <a:solidFill>
+                  <a:srgbClr val="FFFFFF"/>
+                </a:solidFill>
+                <a:latin typeface="Lato"/>
+                <a:ea typeface="Lato"/>
+                <a:cs typeface="Lato"/>
+                <a:sym typeface="Lato"/>
+              </a:rPr>
+              <a:t>a quantitative calculation of cost of living, purchasing power, pollution, crime rates, climate, health system quality and traffic commute times</a:t>
+            </a:r>
+          </a:p>
+          <a:p>
+            <a:pPr marL="285750" lvl="0" indent="-285750">
+              <a:buClr>
+                <a:schemeClr val="bg1"/>
+              </a:buClr>
+              <a:buFont typeface="Courier New" panose="02070309020205020404" pitchFamily="49" charset="0"/>
+              <a:buChar char="o"/>
+            </a:pPr>
+            <a:r>
+              <a:rPr lang="en-US" sz="1700" b="1" dirty="0">
+                <a:solidFill>
+                  <a:srgbClr val="FFFFFF"/>
+                </a:solidFill>
+                <a:latin typeface="Lato"/>
+                <a:ea typeface="Lato"/>
+                <a:cs typeface="Lato"/>
+                <a:sym typeface="Lato"/>
+              </a:rPr>
+              <a:t>Purchasing Power: </a:t>
+            </a:r>
+            <a:r>
+              <a:rPr lang="en-US" sz="1200" dirty="0">
+                <a:solidFill>
+                  <a:srgbClr val="FFFFFF"/>
+                </a:solidFill>
+                <a:latin typeface="Lato"/>
+                <a:ea typeface="Lato"/>
+                <a:cs typeface="Lato"/>
+                <a:sym typeface="Lato"/>
+              </a:rPr>
+              <a:t>a calculation of the various property values using aggregate data</a:t>
+            </a:r>
+          </a:p>
+          <a:p>
+            <a:pPr marL="285750" lvl="0" indent="-285750">
+              <a:buClr>
+                <a:schemeClr val="bg1"/>
+              </a:buClr>
+              <a:buFont typeface="Courier New" panose="02070309020205020404" pitchFamily="49" charset="0"/>
+              <a:buChar char="o"/>
+            </a:pPr>
+            <a:r>
+              <a:rPr lang="en-US" sz="1700" b="1" dirty="0">
+                <a:solidFill>
+                  <a:srgbClr val="FFFFFF"/>
+                </a:solidFill>
+                <a:latin typeface="Lato"/>
+                <a:ea typeface="Lato"/>
+                <a:cs typeface="Lato"/>
+                <a:sym typeface="Lato"/>
+              </a:rPr>
+              <a:t>Healthcare: </a:t>
+            </a:r>
+            <a:r>
+              <a:rPr lang="en-US" sz="1200" dirty="0">
+                <a:solidFill>
+                  <a:srgbClr val="FFFFFF"/>
+                </a:solidFill>
+                <a:latin typeface="Lato"/>
+                <a:ea typeface="Lato"/>
+                <a:cs typeface="Lato"/>
+                <a:sym typeface="Lato"/>
+              </a:rPr>
+              <a:t>the quality of the healthcare system</a:t>
+            </a:r>
+          </a:p>
+          <a:p>
+            <a:pPr marL="285750" lvl="0" indent="-285750">
+              <a:buClr>
+                <a:schemeClr val="bg1"/>
+              </a:buClr>
+              <a:buFont typeface="Courier New" panose="02070309020205020404" pitchFamily="49" charset="0"/>
+              <a:buChar char="o"/>
+            </a:pPr>
+            <a:r>
+              <a:rPr lang="en-US" sz="1700" b="1" dirty="0">
+                <a:solidFill>
+                  <a:srgbClr val="FFFFFF"/>
+                </a:solidFill>
+                <a:latin typeface="Lato"/>
+                <a:ea typeface="Lato"/>
+                <a:cs typeface="Lato"/>
+                <a:sym typeface="Lato"/>
+              </a:rPr>
+              <a:t>Cost of Living: </a:t>
+            </a:r>
+            <a:r>
+              <a:rPr lang="en-US" sz="1200" dirty="0">
+                <a:solidFill>
+                  <a:srgbClr val="FFFFFF"/>
+                </a:solidFill>
+                <a:latin typeface="Lato"/>
+                <a:ea typeface="Lato"/>
+                <a:cs typeface="Lato"/>
+                <a:sym typeface="Lato"/>
+              </a:rPr>
+              <a:t>an analysis of property values and property investment opportunities per city</a:t>
+            </a:r>
+          </a:p>
+          <a:p>
+            <a:pPr marL="285750" lvl="0" indent="-285750">
+              <a:buClr>
+                <a:schemeClr val="bg1"/>
+              </a:buClr>
+              <a:buFont typeface="Courier New" panose="02070309020205020404" pitchFamily="49" charset="0"/>
+              <a:buChar char="o"/>
+            </a:pPr>
+            <a:r>
+              <a:rPr lang="en-US" sz="1700" b="1" dirty="0">
+                <a:solidFill>
+                  <a:srgbClr val="FFFFFF"/>
+                </a:solidFill>
+                <a:latin typeface="Lato"/>
+                <a:ea typeface="Lato"/>
+                <a:cs typeface="Lato"/>
+                <a:sym typeface="Lato"/>
+              </a:rPr>
+              <a:t>Traffic Commute Time: </a:t>
+            </a:r>
+            <a:r>
+              <a:rPr lang="en-US" sz="1200" dirty="0">
+                <a:solidFill>
+                  <a:srgbClr val="FFFFFF"/>
+                </a:solidFill>
+                <a:latin typeface="Lato"/>
+                <a:ea typeface="Lato"/>
+                <a:cs typeface="Lato"/>
+                <a:sym typeface="Lato"/>
+              </a:rPr>
+              <a:t>the impact of time spent in traffic affects the quality of life in a city	</a:t>
+            </a:r>
+          </a:p>
+          <a:p>
+            <a:pPr marL="285750" lvl="0" indent="-285750">
+              <a:buClr>
+                <a:schemeClr val="bg1"/>
+              </a:buClr>
+              <a:buFont typeface="Courier New" panose="02070309020205020404" pitchFamily="49" charset="0"/>
+              <a:buChar char="o"/>
+            </a:pPr>
+            <a:r>
+              <a:rPr lang="en-US" sz="1700" b="1" dirty="0">
+                <a:solidFill>
+                  <a:srgbClr val="FFFFFF"/>
+                </a:solidFill>
+                <a:latin typeface="Lato"/>
+                <a:ea typeface="Lato"/>
+                <a:cs typeface="Lato"/>
+                <a:sym typeface="Lato"/>
+              </a:rPr>
+              <a:t>Pollution: </a:t>
+            </a:r>
+            <a:r>
+              <a:rPr lang="en-US" sz="1200" dirty="0">
+                <a:solidFill>
+                  <a:srgbClr val="FFFFFF"/>
+                </a:solidFill>
+                <a:latin typeface="Lato"/>
+                <a:ea typeface="Lato"/>
+                <a:cs typeface="Lato"/>
+                <a:sym typeface="Lato"/>
+              </a:rPr>
+              <a:t>includes air, water, </a:t>
+            </a:r>
+            <a:r>
+              <a:rPr lang="en-US" sz="1200" dirty="0" err="1">
+                <a:solidFill>
+                  <a:srgbClr val="FFFFFF"/>
+                </a:solidFill>
+                <a:latin typeface="Lato"/>
+                <a:ea typeface="Lato"/>
+                <a:cs typeface="Lato"/>
+                <a:sym typeface="Lato"/>
+              </a:rPr>
+              <a:t>etc</a:t>
+            </a:r>
+            <a:endParaRPr lang="en-US" sz="1200" dirty="0">
               <a:solidFill>
                 <a:srgbClr val="FFFFFF"/>
               </a:solidFill>
@@ -12796,9 +13241,15 @@
             </a:endParaRPr>
           </a:p>
           <a:p>
-            <a:pPr lvl="0"/>
+            <a:pPr marL="285750" lvl="0" indent="-285750">
+              <a:buClr>
+                <a:schemeClr val="bg1"/>
+              </a:buClr>
+              <a:buFont typeface="Courier New" panose="02070309020205020404" pitchFamily="49" charset="0"/>
+              <a:buChar char="o"/>
+            </a:pPr>
             <a:r>
-              <a:rPr lang="en-US" sz="1600" dirty="0" err="1">
+              <a:rPr lang="en-US" sz="1700" b="1" dirty="0">
                 <a:solidFill>
                   <a:srgbClr val="FFFFFF"/>
                 </a:solidFill>
@@ -12807,10 +13258,10 @@
                 <a:cs typeface="Lato"/>
                 <a:sym typeface="Lato"/>
               </a:rPr>
-              <a:t>Numbeo</a:t>
+              <a:t>Price to Income Ratio: </a:t>
             </a:r>
             <a:r>
-              <a:rPr lang="en-US" sz="1600" dirty="0">
+              <a:rPr lang="en-US" sz="1200" dirty="0">
                 <a:solidFill>
                   <a:srgbClr val="FFFFFF"/>
                 </a:solidFill>
@@ -12819,12 +13270,19 @@
                 <a:cs typeface="Lato"/>
                 <a:sym typeface="Lato"/>
               </a:rPr>
-              <a:t> surveys the following list of parameters for the list of cities:</a:t>
+              <a:t>the price of housing to household income ratio</a:t>
             </a:r>
           </a:p>
           <a:p>
+            <a:pPr marL="285750" lvl="0" indent="-285750">
+              <a:buClr>
+                <a:schemeClr val="bg1"/>
+              </a:buClr>
+              <a:buFont typeface="Courier New" panose="02070309020205020404" pitchFamily="49" charset="0"/>
+              <a:buChar char="o"/>
+            </a:pPr>
             <a:r>
-              <a:rPr lang="en-US" sz="1600" dirty="0">
+              <a:rPr lang="en-US" sz="1700" b="1" dirty="0">
                 <a:solidFill>
                   <a:srgbClr val="FFFFFF"/>
                 </a:solidFill>
@@ -12833,148 +13291,10 @@
                 <a:cs typeface="Lato"/>
                 <a:sym typeface="Lato"/>
               </a:rPr>
-              <a:t>Crime – worried about having car or items from car stolen</a:t>
-            </a:r>
-            <a:br>
-              <a:rPr lang="en-US" sz="1600" dirty="0">
-                <a:solidFill>
-                  <a:srgbClr val="FFFFFF"/>
-                </a:solidFill>
-                <a:latin typeface="Lato"/>
-                <a:ea typeface="Lato"/>
-                <a:cs typeface="Lato"/>
-                <a:sym typeface="Lato"/>
-              </a:rPr>
-            </a:br>
-            <a:r>
-              <a:rPr lang="en-US" sz="1600" dirty="0">
-                <a:solidFill>
-                  <a:srgbClr val="FFFFFF"/>
-                </a:solidFill>
-                <a:latin typeface="Lato"/>
-                <a:ea typeface="Lato"/>
-                <a:cs typeface="Lato"/>
-                <a:sym typeface="Lato"/>
-              </a:rPr>
-              <a:t>Safety – feel of safety of walking during daylight and night</a:t>
-            </a:r>
-            <a:br>
-              <a:rPr lang="en-US" sz="1600" dirty="0">
-                <a:solidFill>
-                  <a:srgbClr val="FFFFFF"/>
-                </a:solidFill>
-                <a:latin typeface="Lato"/>
-                <a:ea typeface="Lato"/>
-                <a:cs typeface="Lato"/>
-                <a:sym typeface="Lato"/>
-              </a:rPr>
-            </a:br>
-            <a:r>
-              <a:rPr lang="en-US" sz="1600" dirty="0">
-                <a:solidFill>
-                  <a:srgbClr val="FFFFFF"/>
-                </a:solidFill>
-                <a:latin typeface="Lato"/>
-                <a:ea typeface="Lato"/>
-                <a:cs typeface="Lato"/>
-                <a:sym typeface="Lato"/>
-              </a:rPr>
-              <a:t>Quality of Life – quantitative calculation of the following: cost of living, purchasing power, pollution, crime rates, climate, health system quality and traffic commute times</a:t>
-            </a:r>
-            <a:br>
-              <a:rPr lang="en-US" sz="1600" dirty="0">
-                <a:solidFill>
-                  <a:srgbClr val="FFFFFF"/>
-                </a:solidFill>
-                <a:latin typeface="Lato"/>
-                <a:ea typeface="Lato"/>
-                <a:cs typeface="Lato"/>
-                <a:sym typeface="Lato"/>
-              </a:rPr>
-            </a:br>
-            <a:r>
-              <a:rPr lang="en-US" sz="1600" dirty="0">
-                <a:solidFill>
-                  <a:srgbClr val="FFFFFF"/>
-                </a:solidFill>
-                <a:latin typeface="Lato"/>
-                <a:ea typeface="Lato"/>
-                <a:cs typeface="Lato"/>
-                <a:sym typeface="Lato"/>
-              </a:rPr>
-              <a:t>Purchasing Power – calculates various property values using aggregate data</a:t>
-            </a:r>
-            <a:br>
-              <a:rPr lang="en-US" sz="1600" dirty="0">
-                <a:solidFill>
-                  <a:srgbClr val="FFFFFF"/>
-                </a:solidFill>
-                <a:latin typeface="Lato"/>
-                <a:ea typeface="Lato"/>
-                <a:cs typeface="Lato"/>
-                <a:sym typeface="Lato"/>
-              </a:rPr>
-            </a:br>
-            <a:r>
-              <a:rPr lang="en-US" sz="1600" dirty="0">
-                <a:solidFill>
-                  <a:srgbClr val="FFFFFF"/>
-                </a:solidFill>
-                <a:latin typeface="Lato"/>
-                <a:ea typeface="Lato"/>
-                <a:cs typeface="Lato"/>
-                <a:sym typeface="Lato"/>
-              </a:rPr>
-              <a:t>Healthcare – health system quality</a:t>
-            </a:r>
-            <a:br>
-              <a:rPr lang="en-US" sz="1600" dirty="0">
-                <a:solidFill>
-                  <a:srgbClr val="FFFFFF"/>
-                </a:solidFill>
-                <a:latin typeface="Lato"/>
-                <a:ea typeface="Lato"/>
-                <a:cs typeface="Lato"/>
-                <a:sym typeface="Lato"/>
-              </a:rPr>
-            </a:br>
-            <a:r>
-              <a:rPr lang="en-US" sz="1600" dirty="0">
-                <a:solidFill>
-                  <a:srgbClr val="FFFFFF"/>
-                </a:solidFill>
-                <a:latin typeface="Lato"/>
-                <a:ea typeface="Lato"/>
-                <a:cs typeface="Lato"/>
-                <a:sym typeface="Lato"/>
-              </a:rPr>
-              <a:t>Cost of Living – analysis of property values and property investment opportunities per city</a:t>
-            </a:r>
-            <a:br>
-              <a:rPr lang="en-US" sz="1600" dirty="0">
-                <a:solidFill>
-                  <a:srgbClr val="FFFFFF"/>
-                </a:solidFill>
-                <a:latin typeface="Lato"/>
-                <a:ea typeface="Lato"/>
-                <a:cs typeface="Lato"/>
-                <a:sym typeface="Lato"/>
-              </a:rPr>
-            </a:br>
-            <a:r>
-              <a:rPr lang="en-US" sz="1600" dirty="0">
-                <a:solidFill>
-                  <a:srgbClr val="FFFFFF"/>
-                </a:solidFill>
-                <a:latin typeface="Lato"/>
-                <a:ea typeface="Lato"/>
-                <a:cs typeface="Lato"/>
-                <a:sym typeface="Lato"/>
-              </a:rPr>
-              <a:t>Traffic Commute Time - Cities in which people spend much time in traffic </a:t>
+              <a:t>Affordability: </a:t>
             </a:r>
             <a:r>
-              <a:rPr lang="en-US" sz="1600" dirty="0" err="1">
+              <a:rPr lang="en-US" sz="1200" dirty="0">
                 <a:solidFill>
                   <a:srgbClr val="FFFFFF"/>
                 </a:solidFill>
@@ -12983,10 +13303,31 @@
                 <a:cs typeface="Lato"/>
                 <a:sym typeface="Lato"/>
               </a:rPr>
-              <a:t>Numbeo</a:t>
+              <a:t>affordability of housing</a:t>
+            </a:r>
+          </a:p>
+          <a:p>
+            <a:pPr marL="285750" lvl="0" indent="-285750">
+              <a:buClr>
+                <a:schemeClr val="bg1"/>
+              </a:buClr>
+              <a:buFont typeface="Courier New" panose="02070309020205020404" pitchFamily="49" charset="0"/>
+              <a:buChar char="o"/>
+            </a:pPr>
+            <a:r>
+              <a:rPr lang="en-US" sz="1700" b="1" dirty="0">
+                <a:solidFill>
+                  <a:srgbClr val="FFFFFF"/>
+                </a:solidFill>
+                <a:latin typeface="Lato"/>
+                <a:ea typeface="Lato"/>
+                <a:cs typeface="Lato"/>
+                <a:sym typeface="Lato"/>
+              </a:rPr>
+              <a:t>Temperature: </a:t>
             </a:r>
             <a:r>
-              <a:rPr lang="en-US" sz="1600" dirty="0">
+              <a:rPr lang="en-US" sz="1200" dirty="0">
                 <a:solidFill>
                   <a:srgbClr val="FFFFFF"/>
                 </a:solidFill>
@@ -12995,102 +13336,7 @@
                 <a:cs typeface="Lato"/>
                 <a:sym typeface="Lato"/>
               </a:rPr>
-              <a:t> considers congested and it influences overall quality of life in that city.</a:t>
-            </a:r>
-            <a:br>
-              <a:rPr lang="en-US" sz="1600" dirty="0">
-                <a:solidFill>
-                  <a:srgbClr val="FFFFFF"/>
-                </a:solidFill>
-                <a:latin typeface="Lato"/>
-                <a:ea typeface="Lato"/>
-                <a:cs typeface="Lato"/>
-                <a:sym typeface="Lato"/>
-              </a:rPr>
-            </a:br>
-            <a:r>
-              <a:rPr lang="en-US" sz="1600" dirty="0">
-                <a:solidFill>
-                  <a:srgbClr val="FFFFFF"/>
-                </a:solidFill>
-                <a:latin typeface="Lato"/>
-                <a:ea typeface="Lato"/>
-                <a:cs typeface="Lato"/>
-                <a:sym typeface="Lato"/>
-              </a:rPr>
-              <a:t>Pollution – including air, water, </a:t>
-            </a:r>
-            <a:r>
-              <a:rPr lang="en-US" sz="1600" dirty="0" err="1">
-                <a:solidFill>
-                  <a:srgbClr val="FFFFFF"/>
-                </a:solidFill>
-                <a:latin typeface="Lato"/>
-                <a:ea typeface="Lato"/>
-                <a:cs typeface="Lato"/>
-                <a:sym typeface="Lato"/>
-              </a:rPr>
-              <a:t>etc</a:t>
-            </a:r>
-            <a:br>
-              <a:rPr lang="en-US" sz="1600" dirty="0">
-                <a:solidFill>
-                  <a:srgbClr val="FFFFFF"/>
-                </a:solidFill>
-                <a:latin typeface="Lato"/>
-                <a:ea typeface="Lato"/>
-                <a:cs typeface="Lato"/>
-                <a:sym typeface="Lato"/>
-              </a:rPr>
-            </a:br>
-            <a:r>
-              <a:rPr lang="en-US" sz="1600" dirty="0">
-                <a:solidFill>
-                  <a:srgbClr val="FFFFFF"/>
-                </a:solidFill>
-                <a:latin typeface="Lato"/>
-                <a:ea typeface="Lato"/>
-                <a:cs typeface="Lato"/>
-                <a:sym typeface="Lato"/>
-              </a:rPr>
-              <a:t>Price to Income Ratio – price of housing to household income ratio</a:t>
-            </a:r>
-            <a:br>
-              <a:rPr lang="en-US" sz="1600" dirty="0">
-                <a:solidFill>
-                  <a:srgbClr val="FFFFFF"/>
-                </a:solidFill>
-                <a:latin typeface="Lato"/>
-                <a:ea typeface="Lato"/>
-                <a:cs typeface="Lato"/>
-                <a:sym typeface="Lato"/>
-              </a:rPr>
-            </a:br>
-            <a:r>
-              <a:rPr lang="en-US" sz="1600" dirty="0">
-                <a:solidFill>
-                  <a:srgbClr val="FFFFFF"/>
-                </a:solidFill>
-                <a:latin typeface="Lato"/>
-                <a:ea typeface="Lato"/>
-                <a:cs typeface="Lato"/>
-                <a:sym typeface="Lato"/>
-              </a:rPr>
-              <a:t>Affordability – affordability of housing</a:t>
-            </a:r>
-          </a:p>
-          <a:p>
-            <a:r>
-              <a:rPr lang="en-US" sz="1600" dirty="0">
-                <a:solidFill>
-                  <a:srgbClr val="FFFFFF"/>
-                </a:solidFill>
-                <a:latin typeface="Lato"/>
-                <a:ea typeface="Lato"/>
-                <a:cs typeface="Lato"/>
-                <a:sym typeface="Lato"/>
-              </a:rPr>
-              <a:t>Temperature – real time temperature of the cities.</a:t>
+              <a:t>real-time temperature of the cities</a:t>
             </a:r>
           </a:p>
         </p:txBody>
@@ -13178,7 +13424,7 @@
         </p:nvSpPr>
         <p:spPr>
           <a:xfrm>
-            <a:off x="303300" y="1819625"/>
+            <a:off x="303300" y="1732076"/>
             <a:ext cx="8520600" cy="2899200"/>
           </a:xfrm>
           <a:prstGeom prst="rect">
@@ -13195,113 +13441,13 @@
           </a:bodyPr>
           <a:lstStyle/>
           <a:p>
-            <a:pPr lvl="0"/>
-            <a:r>
-              <a:rPr lang="en" sz="1700" dirty="0">
-                <a:solidFill>
-                  <a:srgbClr val="FFFFFF"/>
-                </a:solidFill>
-                <a:latin typeface="Lato"/>
-                <a:ea typeface="Lato"/>
-                <a:cs typeface="Lato"/>
-                <a:sym typeface="Lato"/>
-              </a:rPr>
-              <a:t>US Census Bureau</a:t>
-            </a:r>
-            <a:br>
-              <a:rPr lang="en" sz="1700" dirty="0">
-                <a:solidFill>
-                  <a:srgbClr val="FFFFFF"/>
-                </a:solidFill>
-                <a:latin typeface="Lato"/>
-                <a:ea typeface="Lato"/>
-                <a:cs typeface="Lato"/>
-                <a:sym typeface="Lato"/>
-              </a:rPr>
-            </a:br>
-            <a:r>
-              <a:rPr lang="en" sz="1700" dirty="0">
-                <a:solidFill>
-                  <a:srgbClr val="FFFFFF"/>
-                </a:solidFill>
-                <a:latin typeface="Lato"/>
-                <a:ea typeface="Lato"/>
-                <a:cs typeface="Lato"/>
-                <a:sym typeface="Lato"/>
-              </a:rPr>
-              <a:t>FBI</a:t>
-            </a:r>
-            <a:br>
-              <a:rPr lang="en" sz="1700" dirty="0">
-                <a:solidFill>
-                  <a:srgbClr val="FFFFFF"/>
-                </a:solidFill>
-                <a:latin typeface="Lato"/>
-                <a:ea typeface="Lato"/>
-                <a:cs typeface="Lato"/>
-                <a:sym typeface="Lato"/>
-              </a:rPr>
-            </a:br>
-            <a:r>
-              <a:rPr lang="en" sz="1700" dirty="0" err="1">
-                <a:solidFill>
-                  <a:srgbClr val="FFFFFF"/>
-                </a:solidFill>
-                <a:latin typeface="Lato"/>
-                <a:ea typeface="Lato"/>
-                <a:cs typeface="Lato"/>
-                <a:sym typeface="Lato"/>
-              </a:rPr>
-              <a:t>Numbeo</a:t>
-            </a:r>
-            <a:r>
-              <a:rPr lang="en" sz="1700" dirty="0">
-                <a:solidFill>
-                  <a:srgbClr val="FFFFFF"/>
-                </a:solidFill>
-                <a:latin typeface="Lato"/>
-                <a:ea typeface="Lato"/>
-                <a:cs typeface="Lato"/>
-                <a:sym typeface="Lato"/>
-              </a:rPr>
-              <a:t> - </a:t>
-            </a:r>
-            <a:r>
-              <a:rPr lang="en-US" sz="1700" dirty="0">
-                <a:solidFill>
-                  <a:srgbClr val="FFFFFF"/>
-                </a:solidFill>
-                <a:latin typeface="Lato"/>
-                <a:ea typeface="Lato"/>
-                <a:cs typeface="Lato"/>
-                <a:sym typeface="Lato"/>
-              </a:rPr>
-              <a:t>is the world’s largest database about worldwide housing (real estate) prices and its indicators.  </a:t>
-            </a:r>
-            <a:r>
-              <a:rPr lang="en-US" sz="1700" dirty="0" err="1">
-                <a:solidFill>
-                  <a:srgbClr val="FFFFFF"/>
-                </a:solidFill>
-                <a:latin typeface="Lato"/>
-                <a:ea typeface="Lato"/>
-                <a:cs typeface="Lato"/>
-                <a:sym typeface="Lato"/>
-              </a:rPr>
-              <a:t>Numbeo</a:t>
-            </a:r>
-            <a:r>
-              <a:rPr lang="en-US" sz="1700" dirty="0">
-                <a:solidFill>
-                  <a:srgbClr val="FFFFFF"/>
-                </a:solidFill>
-                <a:latin typeface="Lato"/>
-                <a:ea typeface="Lato"/>
-                <a:cs typeface="Lato"/>
-                <a:sym typeface="Lato"/>
-              </a:rPr>
-              <a:t> utilizes surveys to determine the overall ratings per cities.</a:t>
-            </a:r>
+            <a:pPr marL="285750" lvl="0" indent="-285750">
+              <a:buClr>
+                <a:schemeClr val="bg1"/>
+              </a:buClr>
+              <a:buFont typeface="Courier New" panose="02070309020205020404" pitchFamily="49" charset="0"/>
+              <a:buChar char="o"/>
+            </a:pPr>
             <a:endParaRPr lang="en" sz="1700" dirty="0">
               <a:solidFill>
                 <a:srgbClr val="FFFFFF"/>
@@ -13313,17 +13459,167 @@
             </a:endParaRPr>
           </a:p>
           <a:p>
-            <a:pPr marL="0" lvl="0" indent="0" algn="l" rtl="0">
-              <a:spcBef>
-                <a:spcPts val="0"/>
-              </a:spcBef>
-              <a:spcAft>
-                <a:spcPts val="0"/>
-              </a:spcAft>
-              <a:buNone/>
+            <a:pPr marL="285750" lvl="0" indent="-285750">
+              <a:buClr>
+                <a:schemeClr val="bg1"/>
+              </a:buClr>
+              <a:buFont typeface="Courier New" panose="02070309020205020404" pitchFamily="49" charset="0"/>
+              <a:buChar char="o"/>
             </a:pPr>
             <a:r>
+              <a:rPr lang="en" sz="1700" b="1" dirty="0" err="1">
+                <a:solidFill>
+                  <a:srgbClr val="FFFFFF"/>
+                </a:solidFill>
+                <a:latin typeface="Lato"/>
+                <a:ea typeface="Lato"/>
+                <a:cs typeface="Lato"/>
+                <a:sym typeface="Lato"/>
+              </a:rPr>
+              <a:t>Numbeo</a:t>
+            </a:r>
+            <a:r>
+              <a:rPr lang="en" sz="1700" b="1" dirty="0">
+                <a:solidFill>
+                  <a:srgbClr val="FFFFFF"/>
+                </a:solidFill>
+                <a:latin typeface="Lato"/>
+                <a:ea typeface="Lato"/>
+                <a:cs typeface="Lato"/>
+                <a:sym typeface="Lato"/>
+              </a:rPr>
+              <a:t>:</a:t>
+            </a:r>
+            <a:r>
               <a:rPr lang="en" sz="1700" dirty="0">
+                <a:solidFill>
+                  <a:srgbClr val="FFFFFF"/>
+                </a:solidFill>
+                <a:latin typeface="Lato"/>
+                <a:ea typeface="Lato"/>
+                <a:cs typeface="Lato"/>
+                <a:sym typeface="Lato"/>
+              </a:rPr>
+              <a:t> </a:t>
+            </a:r>
+            <a:r>
+              <a:rPr lang="en-US" sz="1700" dirty="0">
+                <a:solidFill>
+                  <a:srgbClr val="FFFFFF"/>
+                </a:solidFill>
+                <a:latin typeface="Lato"/>
+                <a:ea typeface="Lato"/>
+                <a:cs typeface="Lato"/>
+                <a:sym typeface="Lato"/>
+              </a:rPr>
+              <a:t>the world’s largest database about worldwide housing (real estate) prices and its indicators based on surveys which determines the overall ratings per cities</a:t>
+            </a:r>
+            <a:br>
+              <a:rPr lang="en-US" sz="1700" dirty="0">
+                <a:solidFill>
+                  <a:srgbClr val="FFFFFF"/>
+                </a:solidFill>
+                <a:latin typeface="Lato"/>
+                <a:ea typeface="Lato"/>
+                <a:cs typeface="Lato"/>
+                <a:sym typeface="Lato"/>
+              </a:rPr>
+            </a:br>
+            <a:r>
+              <a:rPr lang="en-US" sz="1700" dirty="0">
+                <a:solidFill>
+                  <a:srgbClr val="FFFFFF"/>
+                </a:solidFill>
+                <a:latin typeface="Lato"/>
+                <a:ea typeface="Lato"/>
+                <a:cs typeface="Lato"/>
+                <a:sym typeface="Lato"/>
+              </a:rPr>
+              <a:t>	-</a:t>
+            </a:r>
+            <a:r>
+              <a:rPr lang="en" sz="1700" dirty="0">
+                <a:solidFill>
+                  <a:srgbClr val="FFFFFF"/>
+                </a:solidFill>
+                <a:latin typeface="Lato"/>
+                <a:ea typeface="Lato"/>
+                <a:cs typeface="Lato"/>
+                <a:sym typeface="Lato"/>
+              </a:rPr>
+              <a:t>FBI</a:t>
+            </a:r>
+            <a:br>
+              <a:rPr lang="en" sz="1700" dirty="0">
+                <a:solidFill>
+                  <a:srgbClr val="FFFFFF"/>
+                </a:solidFill>
+                <a:latin typeface="Lato"/>
+                <a:ea typeface="Lato"/>
+                <a:cs typeface="Lato"/>
+                <a:sym typeface="Lato"/>
+              </a:rPr>
+            </a:br>
+            <a:r>
+              <a:rPr lang="en" sz="1700" dirty="0">
+                <a:solidFill>
+                  <a:srgbClr val="FFFFFF"/>
+                </a:solidFill>
+                <a:latin typeface="Lato"/>
+                <a:ea typeface="Lato"/>
+                <a:cs typeface="Lato"/>
+                <a:sym typeface="Lato"/>
+              </a:rPr>
+              <a:t>	-U.S. Census Bureau</a:t>
+            </a:r>
+            <a:br>
+              <a:rPr lang="en" sz="1700" dirty="0">
+                <a:solidFill>
+                  <a:srgbClr val="FFFFFF"/>
+                </a:solidFill>
+                <a:latin typeface="Lato"/>
+                <a:ea typeface="Lato"/>
+                <a:cs typeface="Lato"/>
+                <a:sym typeface="Lato"/>
+              </a:rPr>
+            </a:br>
+            <a:br>
+              <a:rPr lang="en" sz="1700" dirty="0">
+                <a:solidFill>
+                  <a:srgbClr val="FFFFFF"/>
+                </a:solidFill>
+                <a:latin typeface="Lato"/>
+                <a:ea typeface="Lato"/>
+                <a:cs typeface="Lato"/>
+                <a:sym typeface="Lato"/>
+              </a:rPr>
+            </a:br>
+            <a:endParaRPr lang="en" sz="1700" dirty="0">
+              <a:solidFill>
+                <a:srgbClr val="FFFFFF"/>
+              </a:solidFill>
+              <a:latin typeface="Lato"/>
+              <a:ea typeface="Lato"/>
+              <a:cs typeface="Lato"/>
+              <a:sym typeface="Lato"/>
+            </a:endParaRPr>
+          </a:p>
+          <a:p>
+            <a:pPr marL="285750" lvl="0" indent="-285750" algn="l" rtl="0">
+              <a:spcBef>
+                <a:spcPts val="0"/>
+              </a:spcBef>
+              <a:spcAft>
+                <a:spcPts val="0"/>
+              </a:spcAft>
+              <a:buClr>
+                <a:schemeClr val="bg1"/>
+              </a:buClr>
+              <a:buFont typeface="Courier New" panose="02070309020205020404" pitchFamily="49" charset="0"/>
+              <a:buChar char="o"/>
+            </a:pPr>
+            <a:r>
+              <a:rPr lang="en" sz="1700" b="1" dirty="0" err="1">
                 <a:solidFill>
                   <a:srgbClr val="FFFFFF"/>
                 </a:solidFill>
@@ -13334,7 +13630,7 @@
               </a:rPr>
               <a:t>OpenWeatherAPI</a:t>
             </a:r>
-            <a:endParaRPr sz="1700" dirty="0">
+            <a:endParaRPr sz="1700" b="1" dirty="0">
               <a:solidFill>
                 <a:srgbClr val="FFFFFF"/>
               </a:solidFill>
@@ -13411,15 +13707,7 @@
                   <a:srgbClr val="FFFFFF"/>
                 </a:solidFill>
               </a:rPr>
-              <a:t>How Was the </a:t>
-            </a:r>
-            <a:r>
-              <a:rPr lang="en" sz="3600">
-                <a:solidFill>
-                  <a:srgbClr val="FFFFFF"/>
-                </a:solidFill>
-              </a:rPr>
-              <a:t>Data Manipulated?</a:t>
+              <a:t>How Did We Work the Data?</a:t>
             </a:r>
             <a:endParaRPr sz="3600" dirty="0">
               <a:solidFill>
@@ -13454,9 +13742,15 @@
           </a:bodyPr>
           <a:lstStyle/>
           <a:p>
-            <a:pPr lvl="0"/>
+            <a:pPr marL="285750" lvl="0" indent="-285750">
+              <a:buClr>
+                <a:schemeClr val="bg1"/>
+              </a:buClr>
+              <a:buFont typeface="Courier New" panose="02070309020205020404" pitchFamily="49" charset="0"/>
+              <a:buChar char="o"/>
+            </a:pPr>
             <a:r>
-              <a:rPr lang="en-US" sz="1700" dirty="0">
+              <a:rPr lang="en-US" sz="1700" b="1" dirty="0">
                 <a:solidFill>
                   <a:srgbClr val="FFFFFF"/>
                 </a:solidFill>
@@ -13468,7 +13762,7 @@
               <a:t>Once we had the data from </a:t>
             </a:r>
             <a:r>
-              <a:rPr lang="en-US" sz="1700" dirty="0" err="1">
+              <a:rPr lang="en-US" sz="1700" b="1" dirty="0" err="1">
                 <a:solidFill>
                   <a:srgbClr val="FFFFFF"/>
                 </a:solidFill>
@@ -13480,7 +13774,7 @@
               <a:t>Numbeo</a:t>
             </a:r>
             <a:r>
-              <a:rPr lang="en-US" sz="1700" dirty="0">
+              <a:rPr lang="en-US" sz="1700" b="1" dirty="0">
                 <a:solidFill>
                   <a:srgbClr val="FFFFFF"/>
                 </a:solidFill>
@@ -13489,9 +13783,127 @@
                 <a:cs typeface="Lato"/>
                 <a:sym typeface="Lato"/>
               </a:rPr>
-              <a:t> we had to insert it into an SQL Database. We removed the data that we didn’t need and merged it into one table. From there we transformed it into SQLite so that it could be more easily read by JavaScript.</a:t>
+              <a:t> we inserted it into an SQL Database</a:t>
             </a:r>
-            <a:endParaRPr lang="en" sz="1700" dirty="0">
+            <a:br>
+              <a:rPr lang="en-US" sz="1700" b="1" dirty="0">
+                <a:solidFill>
+                  <a:srgbClr val="FFFFFF"/>
+                </a:solidFill>
+                <a:latin typeface="Lato"/>
+                <a:ea typeface="Lato"/>
+                <a:cs typeface="Lato"/>
+                <a:sym typeface="Lato"/>
+              </a:rPr>
+            </a:br>
+            <a:endParaRPr lang="en-US" sz="1700" b="1" dirty="0">
+              <a:solidFill>
+                <a:srgbClr val="FFFFFF"/>
+              </a:solidFill>
+              <a:latin typeface="Lato"/>
+              <a:ea typeface="Lato"/>
+              <a:cs typeface="Lato"/>
+              <a:sym typeface="Lato"/>
+            </a:endParaRPr>
+          </a:p>
+          <a:p>
+            <a:pPr marL="285750" lvl="0" indent="-285750">
+              <a:buClr>
+                <a:schemeClr val="bg1"/>
+              </a:buClr>
+              <a:buFont typeface="Courier New" panose="02070309020205020404" pitchFamily="49" charset="0"/>
+              <a:buChar char="o"/>
+            </a:pPr>
+            <a:endParaRPr lang="en-US" sz="1700" b="1" dirty="0">
+              <a:solidFill>
+                <a:srgbClr val="FFFFFF"/>
+              </a:solidFill>
+              <a:latin typeface="Lato"/>
+              <a:ea typeface="Lato"/>
+              <a:cs typeface="Lato"/>
+              <a:sym typeface="Lato"/>
+            </a:endParaRPr>
+          </a:p>
+          <a:p>
+            <a:pPr marL="285750" lvl="0" indent="-285750">
+              <a:buClr>
+                <a:schemeClr val="bg1"/>
+              </a:buClr>
+              <a:buFont typeface="Courier New" panose="02070309020205020404" pitchFamily="49" charset="0"/>
+              <a:buChar char="o"/>
+            </a:pPr>
+            <a:r>
+              <a:rPr lang="en-US" sz="1700" b="1" dirty="0">
+                <a:solidFill>
+                  <a:srgbClr val="FFFFFF"/>
+                </a:solidFill>
+                <a:latin typeface="Lato"/>
+                <a:ea typeface="Lato"/>
+                <a:cs typeface="Lato"/>
+                <a:sym typeface="Lato"/>
+              </a:rPr>
+              <a:t>We removed the data that we did not need and merged it into one table</a:t>
+            </a:r>
+            <a:br>
+              <a:rPr lang="en-US" sz="1700" b="1" dirty="0">
+                <a:solidFill>
+                  <a:srgbClr val="FFFFFF"/>
+                </a:solidFill>
+                <a:latin typeface="Lato"/>
+                <a:ea typeface="Lato"/>
+                <a:cs typeface="Lato"/>
+                <a:sym typeface="Lato"/>
+              </a:rPr>
+            </a:br>
+            <a:endParaRPr lang="en-US" sz="1700" b="1" dirty="0">
+              <a:solidFill>
+                <a:srgbClr val="FFFFFF"/>
+              </a:solidFill>
+              <a:latin typeface="Lato"/>
+              <a:ea typeface="Lato"/>
+              <a:cs typeface="Lato"/>
+              <a:sym typeface="Lato"/>
+            </a:endParaRPr>
+          </a:p>
+          <a:p>
+            <a:pPr marL="285750" lvl="0" indent="-285750">
+              <a:buClr>
+                <a:schemeClr val="bg1"/>
+              </a:buClr>
+              <a:buFont typeface="Courier New" panose="02070309020205020404" pitchFamily="49" charset="0"/>
+              <a:buChar char="o"/>
+            </a:pPr>
+            <a:endParaRPr lang="en-US" sz="1700" b="1" dirty="0">
+              <a:solidFill>
+                <a:srgbClr val="FFFFFF"/>
+              </a:solidFill>
+              <a:latin typeface="Lato"/>
+              <a:ea typeface="Lato"/>
+              <a:cs typeface="Lato"/>
+              <a:sym typeface="Lato"/>
+            </a:endParaRPr>
+          </a:p>
+          <a:p>
+            <a:pPr marL="285750" lvl="0" indent="-285750">
+              <a:buClr>
+                <a:schemeClr val="bg1"/>
+              </a:buClr>
+              <a:buFont typeface="Courier New" panose="02070309020205020404" pitchFamily="49" charset="0"/>
+              <a:buChar char="o"/>
+            </a:pPr>
+            <a:r>
+              <a:rPr lang="en-US" sz="1700" b="1" dirty="0">
+                <a:solidFill>
+                  <a:srgbClr val="FFFFFF"/>
+                </a:solidFill>
+                <a:latin typeface="Lato"/>
+                <a:ea typeface="Lato"/>
+                <a:cs typeface="Lato"/>
+                <a:sym typeface="Lato"/>
+              </a:rPr>
+              <a:t>From there we transformed it into SQLite so that it could be more easily read by JavaScript</a:t>
+            </a:r>
+            <a:endParaRPr lang="en" sz="1700" b="1" dirty="0">
               <a:solidFill>
                 <a:srgbClr val="FFFFFF"/>
               </a:solidFill>

--- a/Homies City Collection.pptx
+++ b/Homies City Collection.pptx
@@ -9071,8 +9071,8 @@
         </p:nvSpPr>
         <p:spPr>
           <a:xfrm>
-            <a:off x="303300" y="1644527"/>
-            <a:ext cx="8520600" cy="2899200"/>
+            <a:off x="303300" y="999641"/>
+            <a:ext cx="8520600" cy="3544086"/>
           </a:xfrm>
           <a:prstGeom prst="rect">
             <a:avLst/>
@@ -9595,7 +9595,79 @@
               </a:rPr>
               <a:t>MapID</a:t>
             </a:r>
-            <a:endParaRPr sz="1700" b="1" dirty="0">
+            <a:endParaRPr lang="en" sz="1700" b="1" dirty="0">
+              <a:solidFill>
+                <a:srgbClr val="FFFFFF"/>
+              </a:solidFill>
+              <a:latin typeface="Lato"/>
+              <a:ea typeface="Lato"/>
+              <a:cs typeface="Lato"/>
+              <a:sym typeface="Lato"/>
+            </a:endParaRPr>
+          </a:p>
+          <a:p>
+            <a:pPr marL="285750" lvl="0" indent="-285750" algn="l" rtl="0">
+              <a:spcBef>
+                <a:spcPts val="0"/>
+              </a:spcBef>
+              <a:spcAft>
+                <a:spcPts val="0"/>
+              </a:spcAft>
+              <a:buClr>
+                <a:schemeClr val="bg1"/>
+              </a:buClr>
+              <a:buFont typeface="Courier New" panose="02070309020205020404" pitchFamily="49" charset="0"/>
+              <a:buChar char="o"/>
+            </a:pPr>
+            <a:endParaRPr lang="en" sz="1700" b="1" dirty="0">
+              <a:solidFill>
+                <a:srgbClr val="FFFFFF"/>
+              </a:solidFill>
+              <a:latin typeface="Lato"/>
+              <a:ea typeface="Lato"/>
+              <a:cs typeface="Lato"/>
+              <a:sym typeface="Lato"/>
+            </a:endParaRPr>
+          </a:p>
+          <a:p>
+            <a:pPr marL="285750" lvl="0" indent="-285750" algn="l" rtl="0">
+              <a:spcBef>
+                <a:spcPts val="0"/>
+              </a:spcBef>
+              <a:spcAft>
+                <a:spcPts val="0"/>
+              </a:spcAft>
+              <a:buClr>
+                <a:schemeClr val="bg1"/>
+              </a:buClr>
+              <a:buFont typeface="Courier New" panose="02070309020205020404" pitchFamily="49" charset="0"/>
+              <a:buChar char="o"/>
+            </a:pPr>
+            <a:r>
+              <a:rPr lang="en" sz="1700" b="1" dirty="0">
+                <a:solidFill>
+                  <a:srgbClr val="FFFFFF"/>
+                </a:solidFill>
+                <a:latin typeface="Lato"/>
+                <a:ea typeface="Lato"/>
+                <a:cs typeface="Lato"/>
+                <a:sym typeface="Lato"/>
+              </a:rPr>
+              <a:t>City </a:t>
+            </a:r>
+            <a:r>
+              <a:rPr lang="en" sz="1700" b="1">
+                <a:solidFill>
+                  <a:srgbClr val="FFFFFF"/>
+                </a:solidFill>
+                <a:latin typeface="Lato"/>
+                <a:ea typeface="Lato"/>
+                <a:cs typeface="Lato"/>
+                <a:sym typeface="Lato"/>
+              </a:rPr>
+              <a:t>Summary Statistics</a:t>
+            </a:r>
+            <a:endParaRPr lang="en" sz="1700" b="1" dirty="0">
               <a:solidFill>
                 <a:srgbClr val="FFFFFF"/>
               </a:solidFill>
@@ -9826,7 +9898,20 @@
               </a:rPr>
               <a:t>Map</a:t>
             </a:r>
-            <a:endParaRPr sz="1700" b="1" dirty="0">
+          </a:p>
+          <a:p>
+            <a:pPr lvl="0" algn="l" rtl="0">
+              <a:spcBef>
+                <a:spcPts val="0"/>
+              </a:spcBef>
+              <a:spcAft>
+                <a:spcPts val="0"/>
+              </a:spcAft>
+              <a:buClr>
+                <a:schemeClr val="bg1"/>
+              </a:buClr>
+            </a:pPr>
+            <a:endParaRPr lang="en" sz="1700" b="1" dirty="0">
               <a:solidFill>
                 <a:srgbClr val="FFFFFF"/>
               </a:solidFill>
@@ -9835,6 +9920,81 @@
               <a:cs typeface="Lato"/>
               <a:sym typeface="Lato"/>
             </a:endParaRPr>
+          </a:p>
+          <a:p>
+            <a:pPr marL="285750" lvl="0" indent="-285750" algn="l" rtl="0">
+              <a:spcBef>
+                <a:spcPts val="0"/>
+              </a:spcBef>
+              <a:spcAft>
+                <a:spcPts val="0"/>
+              </a:spcAft>
+              <a:buClr>
+                <a:schemeClr val="bg1"/>
+              </a:buClr>
+              <a:buFont typeface="Courier New" panose="02070309020205020404" pitchFamily="49" charset="0"/>
+              <a:buChar char="o"/>
+            </a:pPr>
+            <a:r>
+              <a:rPr lang="en" sz="1700" b="1" dirty="0">
+                <a:solidFill>
+                  <a:srgbClr val="FFFFFF"/>
+                </a:solidFill>
+                <a:latin typeface="Lato"/>
+                <a:ea typeface="Lato"/>
+                <a:cs typeface="Lato"/>
+                <a:sym typeface="Lato"/>
+              </a:rPr>
+              <a:t>City Summary Statistics: - City, affordability, cost of living, crime, health care, pollution, price to income ratio, purchasing power, </a:t>
+            </a:r>
+            <a:r>
+              <a:rPr lang="en" sz="1700" b="1" dirty="0" err="1">
+                <a:solidFill>
+                  <a:srgbClr val="FFFFFF"/>
+                </a:solidFill>
+                <a:latin typeface="Lato"/>
+                <a:ea typeface="Lato"/>
+                <a:cs typeface="Lato"/>
+                <a:sym typeface="Lato"/>
+              </a:rPr>
+              <a:t>qu</a:t>
+            </a:r>
+            <a:r>
+              <a:rPr lang="en-US" sz="1700" b="1" dirty="0">
+                <a:solidFill>
+                  <a:srgbClr val="FFFFFF"/>
+                </a:solidFill>
+                <a:latin typeface="Lato"/>
+                <a:ea typeface="Lato"/>
+                <a:cs typeface="Lato"/>
+                <a:sym typeface="Lato"/>
+              </a:rPr>
+              <a:t>al</a:t>
+            </a:r>
+            <a:r>
+              <a:rPr lang="en" sz="1700" b="1" dirty="0" err="1">
+                <a:solidFill>
+                  <a:srgbClr val="FFFFFF"/>
+                </a:solidFill>
+                <a:latin typeface="Lato"/>
+                <a:ea typeface="Lato"/>
+                <a:cs typeface="Lato"/>
+                <a:sym typeface="Lato"/>
+              </a:rPr>
+              <a:t>ity</a:t>
+            </a:r>
+            <a:r>
+              <a:rPr lang="en" sz="1700" b="1" dirty="0">
+                <a:solidFill>
+                  <a:srgbClr val="FFFFFF"/>
+                </a:solidFill>
+                <a:latin typeface="Lato"/>
+                <a:ea typeface="Lato"/>
+                <a:cs typeface="Lato"/>
+                <a:sym typeface="Lato"/>
+              </a:rPr>
+              <a:t> of life, safety, traffic commute time, current temperature.</a:t>
+            </a:r>
           </a:p>
         </p:txBody>
       </p:sp>

--- a/Homies City Collection.pptx
+++ b/Homies City Collection.pptx
@@ -19,11 +19,11 @@
     <p:sldId id="276" r:id="rId10"/>
     <p:sldId id="264" r:id="rId11"/>
     <p:sldId id="265" r:id="rId12"/>
-    <p:sldId id="266" r:id="rId13"/>
-    <p:sldId id="267" r:id="rId14"/>
-    <p:sldId id="268" r:id="rId15"/>
-    <p:sldId id="269" r:id="rId16"/>
-    <p:sldId id="271" r:id="rId17"/>
+    <p:sldId id="278" r:id="rId13"/>
+    <p:sldId id="279" r:id="rId14"/>
+    <p:sldId id="280" r:id="rId15"/>
+    <p:sldId id="271" r:id="rId16"/>
+    <p:sldId id="267" r:id="rId17"/>
     <p:sldId id="272" r:id="rId18"/>
     <p:sldId id="275" r:id="rId19"/>
     <p:sldId id="273" r:id="rId20"/>
@@ -33,14 +33,14 @@
   <p:notesSz cx="6858000" cy="9144000"/>
   <p:embeddedFontLst>
     <p:embeddedFont>
-      <p:font typeface="Lato" panose="020F0502020204030203" pitchFamily="34" charset="77"/>
+      <p:font typeface="Raleway" panose="020B0604020202020204" charset="0"/>
       <p:regular r:id="rId23"/>
       <p:bold r:id="rId24"/>
       <p:italic r:id="rId25"/>
       <p:boldItalic r:id="rId26"/>
     </p:embeddedFont>
     <p:embeddedFont>
-      <p:font typeface="Raleway" pitchFamily="2" charset="77"/>
+      <p:font typeface="Lato" panose="020B0604020202020204" charset="0"/>
       <p:regular r:id="rId27"/>
       <p:bold r:id="rId28"/>
       <p:italic r:id="rId29"/>
@@ -1161,6 +1161,11 @@
         </p:txBody>
       </p:sp>
     </p:spTree>
+    <p:extLst>
+      <p:ext uri="{BB962C8B-B14F-4D97-AF65-F5344CB8AC3E}">
+        <p14:creationId xmlns:p14="http://schemas.microsoft.com/office/powerpoint/2010/main" val="1350074104"/>
+      </p:ext>
+    </p:extLst>
   </p:cSld>
   <p:clrMapOvr>
     <a:masterClrMapping/>
@@ -1173,7 +1178,7 @@
   <p:cSld>
     <p:spTree>
       <p:nvGrpSpPr>
-        <p:cNvPr id="1" name="Shape 134"/>
+        <p:cNvPr id="1" name="Shape 146"/>
         <p:cNvGrpSpPr/>
         <p:nvPr/>
       </p:nvGrpSpPr>
@@ -1187,7 +1192,7 @@
       </p:grpSpPr>
       <p:sp>
         <p:nvSpPr>
-          <p:cNvPr id="135" name="Google Shape;135;g8db37c88b9_0_49:notes"/>
+          <p:cNvPr id="147" name="Google Shape;147;g8db37c88b9_0_59:notes"/>
           <p:cNvSpPr>
             <a:spLocks noGrp="1" noRot="1" noChangeAspect="1"/>
           </p:cNvSpPr>
@@ -1228,7 +1233,7 @@
       </p:sp>
       <p:sp>
         <p:nvSpPr>
-          <p:cNvPr id="136" name="Google Shape;136;g8db37c88b9_0_49:notes"/>
+          <p:cNvPr id="148" name="Google Shape;148;g8db37c88b9_0_59:notes"/>
           <p:cNvSpPr txBox="1">
             <a:spLocks noGrp="1"/>
           </p:cNvSpPr>
@@ -1269,6 +1274,11 @@
         </p:txBody>
       </p:sp>
     </p:spTree>
+    <p:extLst>
+      <p:ext uri="{BB962C8B-B14F-4D97-AF65-F5344CB8AC3E}">
+        <p14:creationId xmlns:p14="http://schemas.microsoft.com/office/powerpoint/2010/main" val="3133626786"/>
+      </p:ext>
+    </p:extLst>
   </p:cSld>
   <p:clrMapOvr>
     <a:masterClrMapping/>
@@ -1377,6 +1387,11 @@
         </p:txBody>
       </p:sp>
     </p:spTree>
+    <p:extLst>
+      <p:ext uri="{BB962C8B-B14F-4D97-AF65-F5344CB8AC3E}">
+        <p14:creationId xmlns:p14="http://schemas.microsoft.com/office/powerpoint/2010/main" val="924720734"/>
+      </p:ext>
+    </p:extLst>
   </p:cSld>
   <p:clrMapOvr>
     <a:masterClrMapping/>
@@ -1385,114 +1400,6 @@
 </file>
 
 <file path=ppt/notesSlides/notesSlide15.xml><?xml version="1.0" encoding="utf-8"?>
-<p:notes xmlns:a="http://schemas.openxmlformats.org/drawingml/2006/main" xmlns:r="http://schemas.openxmlformats.org/officeDocument/2006/relationships" xmlns:p="http://schemas.openxmlformats.org/presentationml/2006/main" showMasterSp="0" showMasterPhAnim="0">
-  <p:cSld>
-    <p:spTree>
-      <p:nvGrpSpPr>
-        <p:cNvPr id="1" name="Shape 146"/>
-        <p:cNvGrpSpPr/>
-        <p:nvPr/>
-      </p:nvGrpSpPr>
-      <p:grpSpPr>
-        <a:xfrm>
-          <a:off x="0" y="0"/>
-          <a:ext cx="0" cy="0"/>
-          <a:chOff x="0" y="0"/>
-          <a:chExt cx="0" cy="0"/>
-        </a:xfrm>
-      </p:grpSpPr>
-      <p:sp>
-        <p:nvSpPr>
-          <p:cNvPr id="147" name="Google Shape;147;g8db37c88b9_0_59:notes"/>
-          <p:cNvSpPr>
-            <a:spLocks noGrp="1" noRot="1" noChangeAspect="1"/>
-          </p:cNvSpPr>
-          <p:nvPr>
-            <p:ph type="sldImg" idx="2"/>
-          </p:nvPr>
-        </p:nvSpPr>
-        <p:spPr>
-          <a:xfrm>
-            <a:off x="381000" y="685800"/>
-            <a:ext cx="6096000" cy="3429000"/>
-          </a:xfrm>
-          <a:custGeom>
-            <a:avLst/>
-            <a:gdLst/>
-            <a:ahLst/>
-            <a:cxnLst/>
-            <a:rect l="l" t="t" r="r" b="b"/>
-            <a:pathLst>
-              <a:path w="120000" h="120000" extrusionOk="0">
-                <a:moveTo>
-                  <a:pt x="0" y="0"/>
-                </a:moveTo>
-                <a:lnTo>
-                  <a:pt x="120000" y="0"/>
-                </a:lnTo>
-                <a:lnTo>
-                  <a:pt x="120000" y="120000"/>
-                </a:lnTo>
-                <a:lnTo>
-                  <a:pt x="0" y="120000"/>
-                </a:lnTo>
-                <a:close/>
-              </a:path>
-            </a:pathLst>
-          </a:custGeom>
-        </p:spPr>
-      </p:sp>
-      <p:sp>
-        <p:nvSpPr>
-          <p:cNvPr id="148" name="Google Shape;148;g8db37c88b9_0_59:notes"/>
-          <p:cNvSpPr txBox="1">
-            <a:spLocks noGrp="1"/>
-          </p:cNvSpPr>
-          <p:nvPr>
-            <p:ph type="body" idx="1"/>
-          </p:nvPr>
-        </p:nvSpPr>
-        <p:spPr>
-          <a:xfrm>
-            <a:off x="685800" y="4343400"/>
-            <a:ext cx="5486400" cy="4114800"/>
-          </a:xfrm>
-          <a:prstGeom prst="rect">
-            <a:avLst/>
-          </a:prstGeom>
-        </p:spPr>
-        <p:txBody>
-          <a:bodyPr spcFirstLastPara="1" wrap="square" lIns="91425" tIns="91425" rIns="91425" bIns="91425" anchor="t" anchorCtr="0">
-            <a:noAutofit/>
-          </a:bodyPr>
-          <a:lstStyle/>
-          <a:p>
-            <a:pPr marL="0" lvl="0" indent="0" algn="l" rtl="0">
-              <a:spcBef>
-                <a:spcPts val="0"/>
-              </a:spcBef>
-              <a:spcAft>
-                <a:spcPts val="0"/>
-              </a:spcAft>
-              <a:buNone/>
-            </a:pPr>
-            <a:r>
-              <a:rPr lang="en-US" dirty="0"/>
-              <a:t>Duong</a:t>
-            </a:r>
-            <a:endParaRPr dirty="0"/>
-          </a:p>
-        </p:txBody>
-      </p:sp>
-    </p:spTree>
-  </p:cSld>
-  <p:clrMapOvr>
-    <a:masterClrMapping/>
-  </p:clrMapOvr>
-</p:notes>
-</file>
-
-<file path=ppt/notesSlides/notesSlide16.xml><?xml version="1.0" encoding="utf-8"?>
 <p:notes xmlns:a="http://schemas.openxmlformats.org/drawingml/2006/main" xmlns:r="http://schemas.openxmlformats.org/officeDocument/2006/relationships" xmlns:p="http://schemas.openxmlformats.org/presentationml/2006/main" showMasterSp="0" showMasterPhAnim="0">
   <p:cSld>
     <p:spTree>
@@ -1553,6 +1460,114 @@
       <p:sp>
         <p:nvSpPr>
           <p:cNvPr id="160" name="Google Shape;160;g8db37c88b9_0_74:notes"/>
+          <p:cNvSpPr txBox="1">
+            <a:spLocks noGrp="1"/>
+          </p:cNvSpPr>
+          <p:nvPr>
+            <p:ph type="body" idx="1"/>
+          </p:nvPr>
+        </p:nvSpPr>
+        <p:spPr>
+          <a:xfrm>
+            <a:off x="685800" y="4343400"/>
+            <a:ext cx="5486400" cy="4114800"/>
+          </a:xfrm>
+          <a:prstGeom prst="rect">
+            <a:avLst/>
+          </a:prstGeom>
+        </p:spPr>
+        <p:txBody>
+          <a:bodyPr spcFirstLastPara="1" wrap="square" lIns="91425" tIns="91425" rIns="91425" bIns="91425" anchor="t" anchorCtr="0">
+            <a:noAutofit/>
+          </a:bodyPr>
+          <a:lstStyle/>
+          <a:p>
+            <a:pPr marL="0" lvl="0" indent="0" algn="l" rtl="0">
+              <a:spcBef>
+                <a:spcPts val="0"/>
+              </a:spcBef>
+              <a:spcAft>
+                <a:spcPts val="0"/>
+              </a:spcAft>
+              <a:buNone/>
+            </a:pPr>
+            <a:r>
+              <a:rPr lang="en-US" dirty="0"/>
+              <a:t>Duong</a:t>
+            </a:r>
+            <a:endParaRPr dirty="0"/>
+          </a:p>
+        </p:txBody>
+      </p:sp>
+    </p:spTree>
+  </p:cSld>
+  <p:clrMapOvr>
+    <a:masterClrMapping/>
+  </p:clrMapOvr>
+</p:notes>
+</file>
+
+<file path=ppt/notesSlides/notesSlide16.xml><?xml version="1.0" encoding="utf-8"?>
+<p:notes xmlns:a="http://schemas.openxmlformats.org/drawingml/2006/main" xmlns:r="http://schemas.openxmlformats.org/officeDocument/2006/relationships" xmlns:p="http://schemas.openxmlformats.org/presentationml/2006/main" showMasterSp="0" showMasterPhAnim="0">
+  <p:cSld>
+    <p:spTree>
+      <p:nvGrpSpPr>
+        <p:cNvPr id="1" name="Shape 134"/>
+        <p:cNvGrpSpPr/>
+        <p:nvPr/>
+      </p:nvGrpSpPr>
+      <p:grpSpPr>
+        <a:xfrm>
+          <a:off x="0" y="0"/>
+          <a:ext cx="0" cy="0"/>
+          <a:chOff x="0" y="0"/>
+          <a:chExt cx="0" cy="0"/>
+        </a:xfrm>
+      </p:grpSpPr>
+      <p:sp>
+        <p:nvSpPr>
+          <p:cNvPr id="135" name="Google Shape;135;g8db37c88b9_0_49:notes"/>
+          <p:cNvSpPr>
+            <a:spLocks noGrp="1" noRot="1" noChangeAspect="1"/>
+          </p:cNvSpPr>
+          <p:nvPr>
+            <p:ph type="sldImg" idx="2"/>
+          </p:nvPr>
+        </p:nvSpPr>
+        <p:spPr>
+          <a:xfrm>
+            <a:off x="381000" y="685800"/>
+            <a:ext cx="6096000" cy="3429000"/>
+          </a:xfrm>
+          <a:custGeom>
+            <a:avLst/>
+            <a:gdLst/>
+            <a:ahLst/>
+            <a:cxnLst/>
+            <a:rect l="l" t="t" r="r" b="b"/>
+            <a:pathLst>
+              <a:path w="120000" h="120000" extrusionOk="0">
+                <a:moveTo>
+                  <a:pt x="0" y="0"/>
+                </a:moveTo>
+                <a:lnTo>
+                  <a:pt x="120000" y="0"/>
+                </a:lnTo>
+                <a:lnTo>
+                  <a:pt x="120000" y="120000"/>
+                </a:lnTo>
+                <a:lnTo>
+                  <a:pt x="0" y="120000"/>
+                </a:lnTo>
+                <a:close/>
+              </a:path>
+            </a:pathLst>
+          </a:custGeom>
+        </p:spPr>
+      </p:sp>
+      <p:sp>
+        <p:nvSpPr>
+          <p:cNvPr id="136" name="Google Shape;136;g8db37c88b9_0_49:notes"/>
           <p:cNvSpPr txBox="1">
             <a:spLocks noGrp="1"/>
           </p:cNvSpPr>
@@ -9140,12 +9155,24 @@
                 <a:hlinkClick r:id="rId3">
                   <a:extLst>
                     <a:ext uri="{A12FA001-AC4F-418D-AE19-62706E023703}">
-                      <ahyp:hlinkClr xmlns:ahyp="http://schemas.microsoft.com/office/drawing/2018/hyperlinkcolor" val="tx"/>
+                      <ahyp:hlinkClr xmlns:ahyp="http://schemas.microsoft.com/office/drawing/2018/hyperlinkcolor" xmlns="" val="tx"/>
                     </a:ext>
                   </a:extLst>
                 </a:hlinkClick>
               </a:rPr>
               <a:t>https://maxcdn.bootstrapcdn.com/bootstrap/3.3.7/css/bootstrap.min.css</a:t>
+            </a:r>
+            <a:r>
+              <a:rPr lang="en" sz="1700" dirty="0">
+                <a:solidFill>
+                  <a:srgbClr val="FFFFFF"/>
+                </a:solidFill>
+                <a:latin typeface="Lato"/>
+                <a:ea typeface="Lato"/>
+                <a:cs typeface="Lato"/>
+                <a:sym typeface="Lato"/>
+              </a:rPr>
+              <a:t/>
             </a:r>
             <a:br>
               <a:rPr lang="en" sz="1700" dirty="0">
@@ -9209,12 +9236,24 @@
                 <a:hlinkClick r:id="rId4">
                   <a:extLst>
                     <a:ext uri="{A12FA001-AC4F-418D-AE19-62706E023703}">
-                      <ahyp:hlinkClr xmlns:ahyp="http://schemas.microsoft.com/office/drawing/2018/hyperlinkcolor" val="tx"/>
+                      <ahyp:hlinkClr xmlns:ahyp="http://schemas.microsoft.com/office/drawing/2018/hyperlinkcolor" xmlns="" val="tx"/>
                     </a:ext>
                   </a:extLst>
                 </a:hlinkClick>
               </a:rPr>
               <a:t>https://cdnjs.cloudflare.com/ajax/libs/d3/5.5.0/d3.js</a:t>
+            </a:r>
+            <a:r>
+              <a:rPr lang="en" sz="1700" dirty="0">
+                <a:solidFill>
+                  <a:srgbClr val="FFFFFF"/>
+                </a:solidFill>
+                <a:latin typeface="Lato"/>
+                <a:ea typeface="Lato"/>
+                <a:cs typeface="Lato"/>
+                <a:sym typeface="Lato"/>
+              </a:rPr>
+              <a:t/>
             </a:r>
             <a:br>
               <a:rPr lang="en" sz="1700" dirty="0">
@@ -9311,6 +9350,18 @@
               </a:rPr>
               <a:t>style.css</a:t>
             </a:r>
+            <a:r>
+              <a:rPr lang="en" sz="1700" dirty="0">
+                <a:solidFill>
+                  <a:srgbClr val="FFFFFF"/>
+                </a:solidFill>
+                <a:latin typeface="Lato"/>
+                <a:ea typeface="Lato"/>
+                <a:cs typeface="Lato"/>
+                <a:sym typeface="Lato"/>
+              </a:rPr>
+              <a:t/>
+            </a:r>
             <a:br>
               <a:rPr lang="en" sz="1700" dirty="0">
                 <a:solidFill>
@@ -9529,12 +9580,24 @@
                 <a:hlinkClick r:id="rId5">
                   <a:extLst>
                     <a:ext uri="{A12FA001-AC4F-418D-AE19-62706E023703}">
-                      <ahyp:hlinkClr xmlns:ahyp="http://schemas.microsoft.com/office/drawing/2018/hyperlinkcolor" val="tx"/>
+                      <ahyp:hlinkClr xmlns:ahyp="http://schemas.microsoft.com/office/drawing/2018/hyperlinkcolor" xmlns="" val="tx"/>
                     </a:ext>
                   </a:extLst>
                 </a:hlinkClick>
               </a:rPr>
               <a:t>https://unpkg.com/leaflet@1.3.3/dist/leaflet.js</a:t>
+            </a:r>
+            <a:r>
+              <a:rPr lang="en" sz="1700" dirty="0">
+                <a:solidFill>
+                  <a:srgbClr val="FFFFFF"/>
+                </a:solidFill>
+                <a:latin typeface="Lato"/>
+                <a:ea typeface="Lato"/>
+                <a:cs typeface="Lato"/>
+                <a:sym typeface="Lato"/>
+              </a:rPr>
+              <a:t/>
             </a:r>
             <a:br>
               <a:rPr lang="en" sz="1700" dirty="0">
@@ -10058,12 +10121,12 @@
               <a:buNone/>
             </a:pPr>
             <a:r>
-              <a:rPr lang="en" sz="3600" dirty="0">
-                <a:solidFill>
-                  <a:srgbClr val="FFFFFF"/>
-                </a:solidFill>
-              </a:rPr>
-              <a:t>JavaScript</a:t>
+              <a:rPr lang="en" sz="3600" dirty="0" smtClean="0">
+                <a:solidFill>
+                  <a:srgbClr val="FFFFFF"/>
+                </a:solidFill>
+              </a:rPr>
+              <a:t>Prepping the Data</a:t>
             </a:r>
             <a:endParaRPr sz="3600" dirty="0">
               <a:solidFill>
@@ -10098,15 +10161,154 @@
           </a:bodyPr>
           <a:lstStyle/>
           <a:p>
-            <a:pPr marL="0" lvl="0" indent="0" algn="l" rtl="0">
-              <a:spcBef>
-                <a:spcPts val="0"/>
-              </a:spcBef>
-              <a:spcAft>
-                <a:spcPts val="0"/>
-              </a:spcAft>
-              <a:buNone/>
-            </a:pPr>
+            <a:pPr marL="285750" lvl="0" indent="-285750">
+              <a:buClr>
+                <a:schemeClr val="bg1"/>
+              </a:buClr>
+              <a:buFont typeface="Courier New" panose="02070309020205020404" pitchFamily="49" charset="0"/>
+              <a:buChar char="o"/>
+            </a:pPr>
+            <a:r>
+              <a:rPr lang="en" sz="1700" b="1" dirty="0" smtClean="0">
+                <a:solidFill>
+                  <a:srgbClr val="FFFFFF"/>
+                </a:solidFill>
+                <a:latin typeface="Lato"/>
+                <a:ea typeface="Lato"/>
+                <a:cs typeface="Lato"/>
+                <a:sym typeface="Lato"/>
+              </a:rPr>
+              <a:t>From PostgreSQL to DB Browser for SQLite</a:t>
+            </a:r>
+          </a:p>
+          <a:p>
+            <a:pPr marL="285750" lvl="0" indent="-285750">
+              <a:buClr>
+                <a:schemeClr val="bg1"/>
+              </a:buClr>
+              <a:buFont typeface="Courier New" panose="02070309020205020404" pitchFamily="49" charset="0"/>
+              <a:buChar char="o"/>
+            </a:pPr>
+            <a:endParaRPr lang="en" sz="1700" b="1" dirty="0" smtClean="0">
+              <a:solidFill>
+                <a:srgbClr val="FFFFFF"/>
+              </a:solidFill>
+              <a:latin typeface="Lato"/>
+              <a:ea typeface="Lato"/>
+              <a:cs typeface="Lato"/>
+              <a:sym typeface="Lato"/>
+            </a:endParaRPr>
+          </a:p>
+          <a:p>
+            <a:pPr marL="285750" lvl="4" indent="-285750">
+              <a:buClr>
+                <a:schemeClr val="bg1"/>
+              </a:buClr>
+              <a:buFont typeface="Courier New" panose="02070309020205020404" pitchFamily="49" charset="0"/>
+              <a:buChar char="o"/>
+            </a:pPr>
+            <a:r>
+              <a:rPr lang="en" sz="1700" dirty="0" smtClean="0">
+                <a:solidFill>
+                  <a:srgbClr val="FFFFFF"/>
+                </a:solidFill>
+                <a:latin typeface="Lato"/>
+                <a:ea typeface="Lato"/>
+                <a:cs typeface="Lato"/>
+                <a:sym typeface="Lato"/>
+              </a:rPr>
+              <a:t>Import and Export CSV</a:t>
+            </a:r>
+          </a:p>
+          <a:p>
+            <a:pPr marL="285750" lvl="4" indent="-285750">
+              <a:buClr>
+                <a:schemeClr val="bg1"/>
+              </a:buClr>
+              <a:buFont typeface="Courier New" panose="02070309020205020404" pitchFamily="49" charset="0"/>
+              <a:buChar char="o"/>
+            </a:pPr>
+            <a:endParaRPr lang="en" sz="1700" dirty="0">
+              <a:solidFill>
+                <a:srgbClr val="FFFFFF"/>
+              </a:solidFill>
+              <a:latin typeface="Lato"/>
+              <a:ea typeface="Lato"/>
+              <a:cs typeface="Lato"/>
+              <a:sym typeface="Lato"/>
+            </a:endParaRPr>
+          </a:p>
+          <a:p>
+            <a:pPr marL="285750" lvl="4" indent="-285750">
+              <a:buClr>
+                <a:schemeClr val="bg1"/>
+              </a:buClr>
+              <a:buFont typeface="Courier New" panose="02070309020205020404" pitchFamily="49" charset="0"/>
+              <a:buChar char="o"/>
+            </a:pPr>
+            <a:r>
+              <a:rPr lang="en" sz="1700" dirty="0" smtClean="0">
+                <a:solidFill>
+                  <a:srgbClr val="FFFFFF"/>
+                </a:solidFill>
+                <a:latin typeface="Lato"/>
+                <a:ea typeface="Lato"/>
+                <a:cs typeface="Lato"/>
+                <a:sym typeface="Lato"/>
+              </a:rPr>
+              <a:t>Updating the variables</a:t>
+            </a:r>
+          </a:p>
+          <a:p>
+            <a:pPr marL="285750" lvl="4" indent="-285750">
+              <a:buClr>
+                <a:schemeClr val="bg1"/>
+              </a:buClr>
+              <a:buFont typeface="Courier New" panose="02070309020205020404" pitchFamily="49" charset="0"/>
+              <a:buChar char="o"/>
+            </a:pPr>
+            <a:endParaRPr lang="en" sz="1700" dirty="0">
+              <a:solidFill>
+                <a:srgbClr val="FFFFFF"/>
+              </a:solidFill>
+              <a:latin typeface="Lato"/>
+              <a:ea typeface="Lato"/>
+              <a:cs typeface="Lato"/>
+              <a:sym typeface="Lato"/>
+            </a:endParaRPr>
+          </a:p>
+          <a:p>
+            <a:pPr marL="285750" lvl="4" indent="-285750">
+              <a:buClr>
+                <a:schemeClr val="bg1"/>
+              </a:buClr>
+              <a:buFont typeface="Courier New" panose="02070309020205020404" pitchFamily="49" charset="0"/>
+              <a:buChar char="o"/>
+            </a:pPr>
+            <a:r>
+              <a:rPr lang="en" sz="1700" dirty="0" smtClean="0">
+                <a:solidFill>
+                  <a:srgbClr val="FFFFFF"/>
+                </a:solidFill>
+                <a:latin typeface="Lato"/>
+                <a:ea typeface="Lato"/>
+                <a:cs typeface="Lato"/>
+                <a:sym typeface="Lato"/>
+              </a:rPr>
+              <a:t>Export Table to JSON as a back-up</a:t>
+            </a:r>
+            <a:r>
+              <a:rPr lang="en" sz="1700" dirty="0">
+                <a:solidFill>
+                  <a:srgbClr val="FFFFFF"/>
+                </a:solidFill>
+                <a:latin typeface="Lato"/>
+                <a:ea typeface="Lato"/>
+                <a:cs typeface="Lato"/>
+                <a:sym typeface="Lato"/>
+              </a:rPr>
+              <a:t/>
+            </a:r>
             <a:br>
               <a:rPr lang="en" sz="1700" dirty="0">
                 <a:solidFill>
@@ -10118,18 +10320,6 @@
                 <a:sym typeface="Lato"/>
               </a:rPr>
             </a:br>
-            <a:r>
-              <a:rPr lang="en" sz="1700" dirty="0">
-                <a:solidFill>
-                  <a:srgbClr val="FFFFFF"/>
-                </a:solidFill>
-                <a:latin typeface="Lato"/>
-                <a:ea typeface="Lato"/>
-                <a:cs typeface="Lato"/>
-                <a:sym typeface="Lato"/>
-              </a:rPr>
-              <a:t>Blah blah</a:t>
-            </a:r>
             <a:endParaRPr sz="1700" dirty="0">
               <a:solidFill>
                 <a:srgbClr val="FFFFFF"/>
@@ -10143,10 +10333,22 @@
         </p:txBody>
       </p:sp>
     </p:spTree>
+    <p:extLst>
+      <p:ext uri="{BB962C8B-B14F-4D97-AF65-F5344CB8AC3E}">
+        <p14:creationId xmlns:p14="http://schemas.microsoft.com/office/powerpoint/2010/main" val="3569336466"/>
+      </p:ext>
+    </p:extLst>
   </p:cSld>
   <p:clrMapOvr>
     <a:masterClrMapping/>
   </p:clrMapOvr>
+  <p:timing>
+    <p:tnLst>
+      <p:par>
+        <p:cTn id="1" dur="indefinite" restart="never" nodeType="tmRoot"/>
+      </p:par>
+    </p:tnLst>
+  </p:timing>
 </p:sld>
 </file>
 
@@ -10155,7 +10357,7 @@
   <p:cSld>
     <p:spTree>
       <p:nvGrpSpPr>
-        <p:cNvPr id="1" name="Shape 137"/>
+        <p:cNvPr id="1" name="Shape 149"/>
         <p:cNvGrpSpPr/>
         <p:nvPr/>
       </p:nvGrpSpPr>
@@ -10169,7 +10371,7 @@
       </p:grpSpPr>
       <p:sp>
         <p:nvSpPr>
-          <p:cNvPr id="138" name="Google Shape;138;p24"/>
+          <p:cNvPr id="150" name="Google Shape;150;p26"/>
           <p:cNvSpPr txBox="1">
             <a:spLocks noGrp="1"/>
           </p:cNvSpPr>
@@ -10207,7 +10409,31 @@
                   <a:srgbClr val="FFFFFF"/>
                 </a:solidFill>
               </a:rPr>
-              <a:t>JavaScript 2</a:t>
+              <a:t>JSON, </a:t>
+            </a:r>
+            <a:r>
+              <a:rPr lang="en" sz="3600" dirty="0" smtClean="0">
+                <a:solidFill>
+                  <a:srgbClr val="FFFFFF"/>
+                </a:solidFill>
+              </a:rPr>
+              <a:t>SQLite</a:t>
+            </a:r>
+            <a:r>
+              <a:rPr lang="en" sz="3600" dirty="0">
+                <a:solidFill>
+                  <a:srgbClr val="FFFFFF"/>
+                </a:solidFill>
+              </a:rPr>
+              <a:t>, </a:t>
+            </a:r>
+            <a:r>
+              <a:rPr lang="en" sz="3600" dirty="0" smtClean="0">
+                <a:solidFill>
+                  <a:srgbClr val="FFFFFF"/>
+                </a:solidFill>
+              </a:rPr>
+              <a:t>Flask App, and Heroku</a:t>
             </a:r>
             <a:endParaRPr sz="3600" dirty="0">
               <a:solidFill>
@@ -10219,13 +10445,13 @@
       </p:sp>
       <p:sp>
         <p:nvSpPr>
-          <p:cNvPr id="139" name="Google Shape;139;p24"/>
+          <p:cNvPr id="151" name="Google Shape;151;p26"/>
           <p:cNvSpPr txBox="1"/>
           <p:nvPr/>
         </p:nvSpPr>
         <p:spPr>
           <a:xfrm>
-            <a:off x="303300" y="1783906"/>
+            <a:off x="303300" y="1819625"/>
             <a:ext cx="8520600" cy="2899200"/>
           </a:xfrm>
           <a:prstGeom prst="rect">
@@ -10242,39 +10468,35 @@
           </a:bodyPr>
           <a:lstStyle/>
           <a:p>
-            <a:pPr marL="0" lvl="0" indent="0" algn="l" rtl="0">
-              <a:spcBef>
-                <a:spcPts val="0"/>
-              </a:spcBef>
-              <a:spcAft>
-                <a:spcPts val="0"/>
-              </a:spcAft>
-              <a:buNone/>
-            </a:pPr>
-            <a:br>
-              <a:rPr lang="en" sz="1700" dirty="0">
-                <a:solidFill>
-                  <a:srgbClr val="FFFFFF"/>
-                </a:solidFill>
-                <a:latin typeface="Lato"/>
-                <a:ea typeface="Lato"/>
-                <a:cs typeface="Lato"/>
-                <a:sym typeface="Lato"/>
-              </a:rPr>
-            </a:br>
-            <a:r>
-              <a:rPr lang="en" sz="1700" dirty="0">
-                <a:solidFill>
-                  <a:srgbClr val="FFFFFF"/>
-                </a:solidFill>
-                <a:latin typeface="Lato"/>
-                <a:ea typeface="Lato"/>
-                <a:cs typeface="Lato"/>
-                <a:sym typeface="Lato"/>
-              </a:rPr>
-              <a:t>To gather the temperature information from the OpenWeatherAPI we used a library called Axios. Axios is a promise based HTTP client for the browser and node.js.  The process is triggered by an individual changing what city they have selected.</a:t>
-            </a:r>
-            <a:endParaRPr sz="1700" dirty="0">
+            <a:pPr marL="285750" lvl="0" indent="-285750">
+              <a:buClr>
+                <a:schemeClr val="bg1"/>
+              </a:buClr>
+              <a:buFont typeface="Courier New" panose="02070309020205020404" pitchFamily="49" charset="0"/>
+              <a:buChar char="o"/>
+            </a:pPr>
+            <a:r>
+              <a:rPr lang="en" sz="1700" b="1" dirty="0">
+                <a:solidFill>
+                  <a:srgbClr val="FFFFFF"/>
+                </a:solidFill>
+                <a:latin typeface="Lato"/>
+                <a:ea typeface="Lato"/>
+                <a:cs typeface="Lato"/>
+                <a:sym typeface="Lato"/>
+              </a:rPr>
+              <a:t>Using Pandas in Jupyter Notebook to prep the Flask App</a:t>
+            </a:r>
+          </a:p>
+          <a:p>
+            <a:pPr marL="285750" lvl="0" indent="-285750">
+              <a:buClr>
+                <a:schemeClr val="bg1"/>
+              </a:buClr>
+              <a:buFont typeface="Courier New" panose="02070309020205020404" pitchFamily="49" charset="0"/>
+              <a:buChar char="o"/>
+            </a:pPr>
+            <a:endParaRPr lang="en" sz="1700" b="1" dirty="0">
               <a:solidFill>
                 <a:srgbClr val="FFFFFF"/>
               </a:solidFill>
@@ -10284,13 +10506,223 @@
               <a:sym typeface="Lato"/>
             </a:endParaRPr>
           </a:p>
+          <a:p>
+            <a:pPr marL="285750" lvl="0" indent="-285750">
+              <a:buClr>
+                <a:schemeClr val="bg1"/>
+              </a:buClr>
+              <a:buFont typeface="Courier New" panose="02070309020205020404" pitchFamily="49" charset="0"/>
+              <a:buChar char="o"/>
+            </a:pPr>
+            <a:r>
+              <a:rPr lang="en" sz="1700" b="1" dirty="0" smtClean="0">
+                <a:solidFill>
+                  <a:srgbClr val="FFFFFF"/>
+                </a:solidFill>
+                <a:latin typeface="Lato"/>
+                <a:ea typeface="Lato"/>
+                <a:cs typeface="Lato"/>
+                <a:sym typeface="Lato"/>
+              </a:rPr>
+              <a:t>Flask App allows a web app to be locally hosted in JSON format</a:t>
+            </a:r>
+          </a:p>
+          <a:p>
+            <a:pPr marL="285750" lvl="0" indent="-285750">
+              <a:buClr>
+                <a:schemeClr val="bg1"/>
+              </a:buClr>
+              <a:buFont typeface="Courier New" panose="02070309020205020404" pitchFamily="49" charset="0"/>
+              <a:buChar char="o"/>
+            </a:pPr>
+            <a:endParaRPr lang="en" sz="1700" b="1" dirty="0">
+              <a:solidFill>
+                <a:srgbClr val="FFFFFF"/>
+              </a:solidFill>
+              <a:latin typeface="Lato"/>
+              <a:ea typeface="Lato"/>
+              <a:cs typeface="Lato"/>
+              <a:sym typeface="Lato"/>
+            </a:endParaRPr>
+          </a:p>
+          <a:p>
+            <a:pPr marL="285750" lvl="0" indent="-285750">
+              <a:buClr>
+                <a:schemeClr val="bg1"/>
+              </a:buClr>
+              <a:buFont typeface="Courier New" panose="02070309020205020404" pitchFamily="49" charset="0"/>
+              <a:buChar char="o"/>
+            </a:pPr>
+            <a:r>
+              <a:rPr lang="en" sz="1700" b="1" dirty="0" smtClean="0">
+                <a:solidFill>
+                  <a:srgbClr val="FFFFFF"/>
+                </a:solidFill>
+                <a:latin typeface="Lato"/>
+                <a:ea typeface="Lato"/>
+                <a:cs typeface="Lato"/>
+                <a:sym typeface="Lato"/>
+              </a:rPr>
+              <a:t>JavaScript can now directly access the local host</a:t>
+            </a:r>
+          </a:p>
+          <a:p>
+            <a:pPr marL="285750" lvl="1" indent="-285750">
+              <a:buClr>
+                <a:schemeClr val="bg1"/>
+              </a:buClr>
+              <a:buFont typeface="Courier New" panose="02070309020205020404" pitchFamily="49" charset="0"/>
+              <a:buChar char="o"/>
+            </a:pPr>
+            <a:endParaRPr lang="en" sz="1700" b="1" dirty="0">
+              <a:solidFill>
+                <a:srgbClr val="FFFFFF"/>
+              </a:solidFill>
+              <a:latin typeface="Lato"/>
+              <a:ea typeface="Lato"/>
+              <a:cs typeface="Lato"/>
+              <a:sym typeface="Lato"/>
+            </a:endParaRPr>
+          </a:p>
+          <a:p>
+            <a:pPr marL="285750" lvl="1" indent="-285750">
+              <a:buClr>
+                <a:schemeClr val="bg1"/>
+              </a:buClr>
+              <a:buFont typeface="Courier New" panose="02070309020205020404" pitchFamily="49" charset="0"/>
+              <a:buChar char="o"/>
+            </a:pPr>
+            <a:r>
+              <a:rPr lang="en" sz="1700" b="1" dirty="0" smtClean="0">
+                <a:solidFill>
+                  <a:srgbClr val="FFFFFF"/>
+                </a:solidFill>
+                <a:latin typeface="Lato"/>
+                <a:ea typeface="Lato"/>
+                <a:cs typeface="Lato"/>
+                <a:sym typeface="Lato"/>
+              </a:rPr>
+              <a:t>Heroku allows the data to be hosted on the web</a:t>
+            </a:r>
+          </a:p>
+          <a:p>
+            <a:pPr marL="285750" lvl="1" indent="-285750">
+              <a:buClr>
+                <a:schemeClr val="bg1"/>
+              </a:buClr>
+              <a:buFont typeface="Courier New" panose="02070309020205020404" pitchFamily="49" charset="0"/>
+              <a:buChar char="o"/>
+            </a:pPr>
+            <a:endParaRPr lang="en" sz="1700" b="1" dirty="0">
+              <a:solidFill>
+                <a:srgbClr val="FFFFFF"/>
+              </a:solidFill>
+              <a:latin typeface="Lato"/>
+              <a:ea typeface="Lato"/>
+              <a:cs typeface="Lato"/>
+              <a:sym typeface="Lato"/>
+            </a:endParaRPr>
+          </a:p>
+          <a:p>
+            <a:pPr marL="285750" lvl="1" indent="-285750">
+              <a:buClr>
+                <a:schemeClr val="bg1"/>
+              </a:buClr>
+              <a:buFont typeface="Courier New" panose="02070309020205020404" pitchFamily="49" charset="0"/>
+              <a:buChar char="o"/>
+            </a:pPr>
+            <a:r>
+              <a:rPr lang="en" sz="1700" b="1" dirty="0" smtClean="0">
+                <a:solidFill>
+                  <a:srgbClr val="FFFFFF"/>
+                </a:solidFill>
+                <a:latin typeface="Lato"/>
+                <a:ea typeface="Lato"/>
+                <a:cs typeface="Lato"/>
+                <a:sym typeface="Lato"/>
+              </a:rPr>
+              <a:t>A proxy is used to overcome the CORS error</a:t>
+            </a:r>
+          </a:p>
+          <a:p>
+            <a:pPr marL="285750" lvl="1" indent="-285750">
+              <a:buClr>
+                <a:schemeClr val="bg1"/>
+              </a:buClr>
+              <a:buFont typeface="Courier New" panose="02070309020205020404" pitchFamily="49" charset="0"/>
+              <a:buChar char="o"/>
+            </a:pPr>
+            <a:endParaRPr lang="en" sz="1700" b="1" dirty="0">
+              <a:solidFill>
+                <a:srgbClr val="FFFFFF"/>
+              </a:solidFill>
+              <a:latin typeface="Lato"/>
+              <a:ea typeface="Lato"/>
+              <a:cs typeface="Lato"/>
+              <a:sym typeface="Lato"/>
+            </a:endParaRPr>
+          </a:p>
+          <a:p>
+            <a:pPr marL="285750" lvl="1" indent="-285750">
+              <a:buClr>
+                <a:schemeClr val="bg1"/>
+              </a:buClr>
+              <a:buFont typeface="Courier New" panose="02070309020205020404" pitchFamily="49" charset="0"/>
+              <a:buChar char="o"/>
+            </a:pPr>
+            <a:r>
+              <a:rPr lang="en" sz="1700" b="1" dirty="0" smtClean="0">
+                <a:solidFill>
+                  <a:srgbClr val="FFFFFF"/>
+                </a:solidFill>
+                <a:latin typeface="Lato"/>
+                <a:ea typeface="Lato"/>
+                <a:cs typeface="Lato"/>
+                <a:sym typeface="Lato"/>
+              </a:rPr>
+              <a:t>Alternatively, </a:t>
+            </a:r>
+            <a:r>
+              <a:rPr lang="en-US" sz="1700" b="1" dirty="0" smtClean="0">
+                <a:solidFill>
+                  <a:srgbClr val="FFFFFF"/>
+                </a:solidFill>
+                <a:latin typeface="Lato"/>
+                <a:ea typeface="Lato"/>
+                <a:cs typeface="Lato"/>
+                <a:sym typeface="Lato"/>
+              </a:rPr>
+              <a:t>use a the JSON file</a:t>
+            </a:r>
+            <a:endParaRPr lang="en" sz="1700" b="1" dirty="0">
+              <a:solidFill>
+                <a:srgbClr val="FFFFFF"/>
+              </a:solidFill>
+              <a:latin typeface="Lato"/>
+              <a:ea typeface="Lato"/>
+              <a:cs typeface="Lato"/>
+              <a:sym typeface="Lato"/>
+            </a:endParaRPr>
+          </a:p>
         </p:txBody>
       </p:sp>
     </p:spTree>
+    <p:extLst>
+      <p:ext uri="{BB962C8B-B14F-4D97-AF65-F5344CB8AC3E}">
+        <p14:creationId xmlns:p14="http://schemas.microsoft.com/office/powerpoint/2010/main" val="3460068409"/>
+      </p:ext>
+    </p:extLst>
   </p:cSld>
   <p:clrMapOvr>
     <a:masterClrMapping/>
   </p:clrMapOvr>
+  <p:timing>
+    <p:tnLst>
+      <p:par>
+        <p:cTn id="1" dur="indefinite" restart="never" nodeType="tmRoot"/>
+      </p:par>
+    </p:tnLst>
+  </p:timing>
 </p:sld>
 </file>
 
@@ -10346,12 +10778,12 @@
               <a:buNone/>
             </a:pPr>
             <a:r>
-              <a:rPr lang="en" sz="3600" dirty="0">
-                <a:solidFill>
-                  <a:srgbClr val="FFFFFF"/>
-                </a:solidFill>
-              </a:rPr>
-              <a:t>JavaScript 3</a:t>
+              <a:rPr lang="en" sz="3600" dirty="0" smtClean="0">
+                <a:solidFill>
+                  <a:srgbClr val="FFFFFF"/>
+                </a:solidFill>
+              </a:rPr>
+              <a:t>Fun with JavaScript</a:t>
             </a:r>
             <a:endParaRPr sz="3600" dirty="0">
               <a:solidFill>
@@ -10386,39 +10818,35 @@
           </a:bodyPr>
           <a:lstStyle/>
           <a:p>
-            <a:pPr marL="0" lvl="0" indent="0" algn="l" rtl="0">
-              <a:spcBef>
-                <a:spcPts val="0"/>
-              </a:spcBef>
-              <a:spcAft>
-                <a:spcPts val="0"/>
-              </a:spcAft>
-              <a:buNone/>
-            </a:pPr>
-            <a:br>
-              <a:rPr lang="en" sz="1700">
-                <a:solidFill>
-                  <a:srgbClr val="FFFFFF"/>
-                </a:solidFill>
-                <a:latin typeface="Lato"/>
-                <a:ea typeface="Lato"/>
-                <a:cs typeface="Lato"/>
-                <a:sym typeface="Lato"/>
-              </a:rPr>
-            </a:br>
-            <a:r>
-              <a:rPr lang="en" sz="1700">
-                <a:solidFill>
-                  <a:srgbClr val="FFFFFF"/>
-                </a:solidFill>
-                <a:latin typeface="Lato"/>
-                <a:ea typeface="Lato"/>
-                <a:cs typeface="Lato"/>
-                <a:sym typeface="Lato"/>
-              </a:rPr>
-              <a:t>Blah blah</a:t>
-            </a:r>
-            <a:endParaRPr sz="1700">
+            <a:pPr marL="285750" lvl="1" indent="-285750">
+              <a:buClr>
+                <a:schemeClr val="bg1"/>
+              </a:buClr>
+              <a:buFont typeface="Courier New" panose="02070309020205020404" pitchFamily="49" charset="0"/>
+              <a:buChar char="o"/>
+            </a:pPr>
+            <a:r>
+              <a:rPr lang="en-US" sz="1700" b="1" dirty="0" smtClean="0">
+                <a:solidFill>
+                  <a:srgbClr val="FFFFFF"/>
+                </a:solidFill>
+                <a:latin typeface="Lato"/>
+                <a:ea typeface="Lato"/>
+                <a:cs typeface="Lato"/>
+                <a:sym typeface="Lato"/>
+              </a:rPr>
+              <a:t>Use D3 to pull up JSON data</a:t>
+            </a:r>
+          </a:p>
+          <a:p>
+            <a:pPr marL="285750" lvl="1" indent="-285750">
+              <a:buClr>
+                <a:schemeClr val="bg1"/>
+              </a:buClr>
+              <a:buFont typeface="Courier New" panose="02070309020205020404" pitchFamily="49" charset="0"/>
+              <a:buChar char="o"/>
+            </a:pPr>
+            <a:endParaRPr lang="en-US" sz="1700" b="1" dirty="0">
               <a:solidFill>
                 <a:srgbClr val="FFFFFF"/>
               </a:solidFill>
@@ -10428,141 +10856,36 @@
               <a:sym typeface="Lato"/>
             </a:endParaRPr>
           </a:p>
-        </p:txBody>
-      </p:sp>
-    </p:spTree>
-  </p:cSld>
-  <p:clrMapOvr>
-    <a:masterClrMapping/>
-  </p:clrMapOvr>
-</p:sld>
-</file>
-
-<file path=ppt/slides/slide15.xml><?xml version="1.0" encoding="utf-8"?>
-<p:sld xmlns:a="http://schemas.openxmlformats.org/drawingml/2006/main" xmlns:r="http://schemas.openxmlformats.org/officeDocument/2006/relationships" xmlns:p="http://schemas.openxmlformats.org/presentationml/2006/main">
-  <p:cSld>
-    <p:spTree>
-      <p:nvGrpSpPr>
-        <p:cNvPr id="1" name="Shape 149"/>
-        <p:cNvGrpSpPr/>
-        <p:nvPr/>
-      </p:nvGrpSpPr>
-      <p:grpSpPr>
-        <a:xfrm>
-          <a:off x="0" y="0"/>
-          <a:ext cx="0" cy="0"/>
-          <a:chOff x="0" y="0"/>
-          <a:chExt cx="0" cy="0"/>
-        </a:xfrm>
-      </p:grpSpPr>
-      <p:sp>
-        <p:nvSpPr>
-          <p:cNvPr id="150" name="Google Shape;150;p26"/>
-          <p:cNvSpPr txBox="1">
-            <a:spLocks noGrp="1"/>
-          </p:cNvSpPr>
-          <p:nvPr>
-            <p:ph type="title"/>
-          </p:nvPr>
-        </p:nvSpPr>
-        <p:spPr>
-          <a:xfrm>
-            <a:off x="303300" y="193225"/>
-            <a:ext cx="8520600" cy="639600"/>
-          </a:xfrm>
-          <a:prstGeom prst="rect">
-            <a:avLst/>
-          </a:prstGeom>
-        </p:spPr>
-        <p:txBody>
-          <a:bodyPr spcFirstLastPara="1" wrap="square" lIns="91425" tIns="91425" rIns="91425" bIns="91425" anchor="t" anchorCtr="0">
-            <a:noAutofit/>
-          </a:bodyPr>
-          <a:lstStyle/>
-          <a:p>
-            <a:pPr marL="0" lvl="0" indent="0" algn="l" rtl="0">
-              <a:spcBef>
-                <a:spcPts val="0"/>
-              </a:spcBef>
-              <a:spcAft>
-                <a:spcPts val="0"/>
-              </a:spcAft>
-              <a:buNone/>
-            </a:pPr>
-            <a:r>
-              <a:rPr lang="en" sz="3600" dirty="0">
-                <a:solidFill>
-                  <a:srgbClr val="FFFFFF"/>
-                </a:solidFill>
-              </a:rPr>
-              <a:t>JSON, SQL Lite, &amp; Python App</a:t>
-            </a:r>
-            <a:endParaRPr sz="3600" dirty="0">
-              <a:solidFill>
-                <a:srgbClr val="FFFFFF"/>
-              </a:solidFill>
-            </a:endParaRPr>
-          </a:p>
-        </p:txBody>
-      </p:sp>
-      <p:sp>
-        <p:nvSpPr>
-          <p:cNvPr id="151" name="Google Shape;151;p26"/>
-          <p:cNvSpPr txBox="1"/>
-          <p:nvPr/>
-        </p:nvSpPr>
-        <p:spPr>
-          <a:xfrm>
-            <a:off x="303300" y="1819625"/>
-            <a:ext cx="8520600" cy="2899200"/>
-          </a:xfrm>
-          <a:prstGeom prst="rect">
-            <a:avLst/>
-          </a:prstGeom>
-          <a:noFill/>
-          <a:ln>
-            <a:noFill/>
-          </a:ln>
-        </p:spPr>
-        <p:txBody>
-          <a:bodyPr spcFirstLastPara="1" wrap="square" lIns="91425" tIns="91425" rIns="91425" bIns="91425" anchor="t" anchorCtr="0">
-            <a:noAutofit/>
-          </a:bodyPr>
-          <a:lstStyle/>
-          <a:p>
-            <a:pPr marL="0" lvl="0" indent="0" algn="l" rtl="0">
-              <a:spcBef>
-                <a:spcPts val="0"/>
-              </a:spcBef>
-              <a:spcAft>
-                <a:spcPts val="0"/>
-              </a:spcAft>
-              <a:buNone/>
-            </a:pPr>
-            <a:br>
-              <a:rPr lang="en" sz="1700">
-                <a:solidFill>
-                  <a:srgbClr val="FFFFFF"/>
-                </a:solidFill>
-                <a:latin typeface="Lato"/>
-                <a:ea typeface="Lato"/>
-                <a:cs typeface="Lato"/>
-                <a:sym typeface="Lato"/>
-              </a:rPr>
-            </a:br>
-            <a:r>
-              <a:rPr lang="en" sz="1700">
-                <a:solidFill>
-                  <a:srgbClr val="FFFFFF"/>
-                </a:solidFill>
-                <a:latin typeface="Lato"/>
-                <a:ea typeface="Lato"/>
-                <a:cs typeface="Lato"/>
-                <a:sym typeface="Lato"/>
-              </a:rPr>
-              <a:t>Blah blah</a:t>
-            </a:r>
-            <a:endParaRPr sz="1700">
+          <a:p>
+            <a:pPr marL="285750" lvl="1" indent="-285750">
+              <a:buClr>
+                <a:schemeClr val="bg1"/>
+              </a:buClr>
+              <a:buFont typeface="Courier New" panose="02070309020205020404" pitchFamily="49" charset="0"/>
+              <a:buChar char="o"/>
+            </a:pPr>
+            <a:r>
+              <a:rPr lang="en-US" sz="1700" b="1" dirty="0" smtClean="0">
+                <a:solidFill>
+                  <a:srgbClr val="FFFFFF"/>
+                </a:solidFill>
+                <a:latin typeface="Lato"/>
+                <a:ea typeface="Lato"/>
+                <a:cs typeface="Lato"/>
+                <a:sym typeface="Lato"/>
+              </a:rPr>
+              <a:t>Querying JSON data using mapping</a:t>
+            </a:r>
+          </a:p>
+          <a:p>
+            <a:pPr marL="285750" lvl="1" indent="-285750">
+              <a:buClr>
+                <a:schemeClr val="bg1"/>
+              </a:buClr>
+              <a:buFont typeface="Courier New" panose="02070309020205020404" pitchFamily="49" charset="0"/>
+              <a:buChar char="o"/>
+            </a:pPr>
+            <a:endParaRPr lang="en-US" sz="1700" b="1" dirty="0">
               <a:solidFill>
                 <a:srgbClr val="FFFFFF"/>
               </a:solidFill>
@@ -10572,17 +10895,176 @@
               <a:sym typeface="Lato"/>
             </a:endParaRPr>
           </a:p>
+          <a:p>
+            <a:pPr marL="285750" lvl="1" indent="-285750">
+              <a:buClr>
+                <a:schemeClr val="bg1"/>
+              </a:buClr>
+              <a:buFont typeface="Courier New" panose="02070309020205020404" pitchFamily="49" charset="0"/>
+              <a:buChar char="o"/>
+            </a:pPr>
+            <a:r>
+              <a:rPr lang="en-US" sz="1700" b="1" dirty="0">
+                <a:solidFill>
+                  <a:srgbClr val="FFFFFF"/>
+                </a:solidFill>
+                <a:latin typeface="Lato"/>
+                <a:ea typeface="Lato"/>
+                <a:cs typeface="Lato"/>
+                <a:sym typeface="Lato"/>
+              </a:rPr>
+              <a:t>Populate the drop down menu with the city names</a:t>
+            </a:r>
+          </a:p>
+          <a:p>
+            <a:pPr marL="285750" lvl="1" indent="-285750">
+              <a:buClr>
+                <a:schemeClr val="bg1"/>
+              </a:buClr>
+              <a:buFont typeface="Courier New" panose="02070309020205020404" pitchFamily="49" charset="0"/>
+              <a:buChar char="o"/>
+            </a:pPr>
+            <a:endParaRPr lang="en" sz="1700" b="1" dirty="0" smtClean="0">
+              <a:solidFill>
+                <a:srgbClr val="FFFFFF"/>
+              </a:solidFill>
+              <a:latin typeface="Lato"/>
+              <a:ea typeface="Lato"/>
+              <a:cs typeface="Lato"/>
+              <a:sym typeface="Lato"/>
+            </a:endParaRPr>
+          </a:p>
+          <a:p>
+            <a:pPr marL="285750" lvl="1" indent="-285750">
+              <a:buClr>
+                <a:schemeClr val="bg1"/>
+              </a:buClr>
+              <a:buFont typeface="Courier New" panose="02070309020205020404" pitchFamily="49" charset="0"/>
+              <a:buChar char="o"/>
+            </a:pPr>
+            <a:r>
+              <a:rPr lang="en" sz="1700" b="1" dirty="0" smtClean="0">
+                <a:solidFill>
+                  <a:srgbClr val="FFFFFF"/>
+                </a:solidFill>
+                <a:latin typeface="Lato"/>
+                <a:ea typeface="Lato"/>
+                <a:cs typeface="Lato"/>
+                <a:sym typeface="Lato"/>
+              </a:rPr>
+              <a:t>Drop down menu select event on change</a:t>
+            </a:r>
+          </a:p>
+          <a:p>
+            <a:pPr marL="285750" lvl="1" indent="-285750">
+              <a:buClr>
+                <a:schemeClr val="bg1"/>
+              </a:buClr>
+              <a:buFont typeface="Courier New" panose="02070309020205020404" pitchFamily="49" charset="0"/>
+              <a:buChar char="o"/>
+            </a:pPr>
+            <a:endParaRPr lang="en" sz="1700" b="1" dirty="0">
+              <a:solidFill>
+                <a:srgbClr val="FFFFFF"/>
+              </a:solidFill>
+              <a:latin typeface="Lato"/>
+              <a:ea typeface="Lato"/>
+              <a:cs typeface="Lato"/>
+              <a:sym typeface="Lato"/>
+            </a:endParaRPr>
+          </a:p>
+          <a:p>
+            <a:pPr marL="285750" lvl="1" indent="-285750">
+              <a:buClr>
+                <a:schemeClr val="bg1"/>
+              </a:buClr>
+              <a:buFont typeface="Courier New" panose="02070309020205020404" pitchFamily="49" charset="0"/>
+              <a:buChar char="o"/>
+            </a:pPr>
+            <a:r>
+              <a:rPr lang="en" sz="1700" b="1" dirty="0" smtClean="0">
+                <a:solidFill>
+                  <a:srgbClr val="FFFFFF"/>
+                </a:solidFill>
+                <a:latin typeface="Lato"/>
+                <a:ea typeface="Lato"/>
+                <a:cs typeface="Lato"/>
+                <a:sym typeface="Lato"/>
+              </a:rPr>
+              <a:t>Summary statistics pop up when city selected</a:t>
+            </a:r>
+          </a:p>
+          <a:p>
+            <a:pPr marL="285750" lvl="1" indent="-285750">
+              <a:buClr>
+                <a:schemeClr val="bg1"/>
+              </a:buClr>
+              <a:buFont typeface="Courier New" panose="02070309020205020404" pitchFamily="49" charset="0"/>
+              <a:buChar char="o"/>
+            </a:pPr>
+            <a:endParaRPr lang="en" sz="1700" b="1" dirty="0">
+              <a:solidFill>
+                <a:srgbClr val="FFFFFF"/>
+              </a:solidFill>
+              <a:latin typeface="Lato"/>
+              <a:ea typeface="Lato"/>
+              <a:cs typeface="Lato"/>
+              <a:sym typeface="Lato"/>
+            </a:endParaRPr>
+          </a:p>
+          <a:p>
+            <a:pPr marL="285750" lvl="1" indent="-285750">
+              <a:buClr>
+                <a:schemeClr val="bg1"/>
+              </a:buClr>
+              <a:buFont typeface="Courier New" panose="02070309020205020404" pitchFamily="49" charset="0"/>
+              <a:buChar char="o"/>
+            </a:pPr>
+            <a:r>
+              <a:rPr lang="en" sz="1700" b="1" dirty="0" smtClean="0">
+                <a:solidFill>
+                  <a:srgbClr val="FFFFFF"/>
+                </a:solidFill>
+                <a:latin typeface="Lato"/>
+                <a:ea typeface="Lato"/>
+                <a:cs typeface="Lato"/>
+                <a:sym typeface="Lato"/>
+              </a:rPr>
+              <a:t>Weather API</a:t>
+            </a:r>
+            <a:endParaRPr lang="en" sz="1700" b="1" dirty="0">
+              <a:solidFill>
+                <a:srgbClr val="FFFFFF"/>
+              </a:solidFill>
+              <a:latin typeface="Lato"/>
+              <a:ea typeface="Lato"/>
+              <a:cs typeface="Lato"/>
+              <a:sym typeface="Lato"/>
+            </a:endParaRPr>
+          </a:p>
         </p:txBody>
       </p:sp>
     </p:spTree>
+    <p:extLst>
+      <p:ext uri="{BB962C8B-B14F-4D97-AF65-F5344CB8AC3E}">
+        <p14:creationId xmlns:p14="http://schemas.microsoft.com/office/powerpoint/2010/main" val="3418894277"/>
+      </p:ext>
+    </p:extLst>
   </p:cSld>
   <p:clrMapOvr>
     <a:masterClrMapping/>
   </p:clrMapOvr>
+  <p:timing>
+    <p:tnLst>
+      <p:par>
+        <p:cTn id="1" dur="indefinite" restart="never" nodeType="tmRoot"/>
+      </p:par>
+    </p:tnLst>
+  </p:timing>
 </p:sld>
 </file>
 
-<file path=ppt/slides/slide16.xml><?xml version="1.0" encoding="utf-8"?>
+<file path=ppt/slides/slide15.xml><?xml version="1.0" encoding="utf-8"?>
 <p:sld xmlns:a="http://schemas.openxmlformats.org/drawingml/2006/main" xmlns:r="http://schemas.openxmlformats.org/officeDocument/2006/relationships" xmlns:p="http://schemas.openxmlformats.org/presentationml/2006/main">
   <p:cSld>
     <p:spTree>
@@ -10634,14 +11116,14 @@
               <a:buNone/>
             </a:pPr>
             <a:r>
-              <a:rPr lang="en" sz="3600">
-                <a:solidFill>
-                  <a:srgbClr val="FFFFFF"/>
-                </a:solidFill>
-              </a:rPr>
-              <a:t>Heroku</a:t>
-            </a:r>
-            <a:endParaRPr sz="3600">
+              <a:rPr lang="en" sz="3600" dirty="0" smtClean="0">
+                <a:solidFill>
+                  <a:srgbClr val="FFFFFF"/>
+                </a:solidFill>
+              </a:rPr>
+              <a:t>Leaflet Map Fun</a:t>
+            </a:r>
+            <a:endParaRPr sz="3600" dirty="0">
               <a:solidFill>
                 <a:srgbClr val="FFFFFF"/>
               </a:solidFill>
@@ -10674,39 +11156,485 @@
           </a:bodyPr>
           <a:lstStyle/>
           <a:p>
-            <a:pPr marL="0" lvl="0" indent="0" algn="l" rtl="0">
-              <a:spcBef>
-                <a:spcPts val="0"/>
-              </a:spcBef>
-              <a:spcAft>
-                <a:spcPts val="0"/>
-              </a:spcAft>
-              <a:buNone/>
-            </a:pPr>
-            <a:br>
-              <a:rPr lang="en" sz="1700">
-                <a:solidFill>
-                  <a:srgbClr val="FFFFFF"/>
-                </a:solidFill>
-                <a:latin typeface="Lato"/>
-                <a:ea typeface="Lato"/>
-                <a:cs typeface="Lato"/>
-                <a:sym typeface="Lato"/>
-              </a:rPr>
-            </a:br>
-            <a:r>
-              <a:rPr lang="en" sz="1700">
-                <a:solidFill>
-                  <a:srgbClr val="FFFFFF"/>
-                </a:solidFill>
-                <a:latin typeface="Lato"/>
-                <a:ea typeface="Lato"/>
-                <a:cs typeface="Lato"/>
-                <a:sym typeface="Lato"/>
-              </a:rPr>
-              <a:t>Blah blah</a:t>
-            </a:r>
-            <a:endParaRPr sz="1700">
+            <a:pPr marL="285750" lvl="1" indent="-285750">
+              <a:buClr>
+                <a:schemeClr val="bg1"/>
+              </a:buClr>
+              <a:buFont typeface="Courier New" panose="02070309020205020404" pitchFamily="49" charset="0"/>
+              <a:buChar char="o"/>
+            </a:pPr>
+            <a:r>
+              <a:rPr lang="en-US" sz="1700" b="1" dirty="0" smtClean="0">
+                <a:solidFill>
+                  <a:srgbClr val="FFFFFF"/>
+                </a:solidFill>
+                <a:latin typeface="Lato"/>
+                <a:ea typeface="Lato"/>
+                <a:cs typeface="Lato"/>
+                <a:sym typeface="Lato"/>
+              </a:rPr>
+              <a:t>Populating the map with city</a:t>
+            </a:r>
+          </a:p>
+          <a:p>
+            <a:pPr marL="285750" lvl="1" indent="-285750">
+              <a:buClr>
+                <a:schemeClr val="bg1"/>
+              </a:buClr>
+              <a:buFont typeface="Courier New" panose="02070309020205020404" pitchFamily="49" charset="0"/>
+              <a:buChar char="o"/>
+            </a:pPr>
+            <a:endParaRPr lang="en-US" sz="1700" b="1" dirty="0">
+              <a:solidFill>
+                <a:srgbClr val="FFFFFF"/>
+              </a:solidFill>
+              <a:latin typeface="Lato"/>
+              <a:ea typeface="Lato"/>
+              <a:cs typeface="Lato"/>
+              <a:sym typeface="Lato"/>
+            </a:endParaRPr>
+          </a:p>
+          <a:p>
+            <a:pPr marL="285750" lvl="1" indent="-285750">
+              <a:buClr>
+                <a:schemeClr val="bg1"/>
+              </a:buClr>
+              <a:buFont typeface="Courier New" panose="02070309020205020404" pitchFamily="49" charset="0"/>
+              <a:buChar char="o"/>
+            </a:pPr>
+            <a:r>
+              <a:rPr lang="en-US" sz="1700" b="1" dirty="0" smtClean="0">
+                <a:solidFill>
+                  <a:srgbClr val="FFFFFF"/>
+                </a:solidFill>
+                <a:latin typeface="Lato"/>
+                <a:ea typeface="Lato"/>
+                <a:cs typeface="Lato"/>
+                <a:sym typeface="Lato"/>
+              </a:rPr>
+              <a:t>Adding markers</a:t>
+            </a:r>
+          </a:p>
+          <a:p>
+            <a:pPr marL="285750" lvl="1" indent="-285750">
+              <a:buClr>
+                <a:schemeClr val="bg1"/>
+              </a:buClr>
+              <a:buFont typeface="Courier New" panose="02070309020205020404" pitchFamily="49" charset="0"/>
+              <a:buChar char="o"/>
+            </a:pPr>
+            <a:endParaRPr lang="en-US" sz="1700" b="1" dirty="0">
+              <a:solidFill>
+                <a:srgbClr val="FFFFFF"/>
+              </a:solidFill>
+              <a:latin typeface="Lato"/>
+              <a:ea typeface="Lato"/>
+              <a:cs typeface="Lato"/>
+              <a:sym typeface="Lato"/>
+            </a:endParaRPr>
+          </a:p>
+          <a:p>
+            <a:pPr marL="285750" lvl="1" indent="-285750">
+              <a:buClr>
+                <a:schemeClr val="bg1"/>
+              </a:buClr>
+              <a:buFont typeface="Courier New" panose="02070309020205020404" pitchFamily="49" charset="0"/>
+              <a:buChar char="o"/>
+            </a:pPr>
+            <a:r>
+              <a:rPr lang="en-US" sz="1700" b="1" dirty="0" smtClean="0">
+                <a:solidFill>
+                  <a:srgbClr val="FFFFFF"/>
+                </a:solidFill>
+                <a:latin typeface="Lato"/>
+                <a:ea typeface="Lato"/>
+                <a:cs typeface="Lato"/>
+                <a:sym typeface="Lato"/>
+              </a:rPr>
+              <a:t>Bind pop-up to display data </a:t>
+            </a:r>
+          </a:p>
+          <a:p>
+            <a:pPr marL="285750" lvl="1" indent="-285750">
+              <a:buClr>
+                <a:schemeClr val="bg1"/>
+              </a:buClr>
+              <a:buFont typeface="Courier New" panose="02070309020205020404" pitchFamily="49" charset="0"/>
+              <a:buChar char="o"/>
+            </a:pPr>
+            <a:endParaRPr lang="en-US" sz="1700" b="1" dirty="0">
+              <a:solidFill>
+                <a:srgbClr val="FFFFFF"/>
+              </a:solidFill>
+              <a:latin typeface="Lato"/>
+              <a:ea typeface="Lato"/>
+              <a:cs typeface="Lato"/>
+              <a:sym typeface="Lato"/>
+            </a:endParaRPr>
+          </a:p>
+          <a:p>
+            <a:pPr marL="285750" lvl="1" indent="-285750">
+              <a:buClr>
+                <a:schemeClr val="bg1"/>
+              </a:buClr>
+              <a:buFont typeface="Courier New" panose="02070309020205020404" pitchFamily="49" charset="0"/>
+              <a:buChar char="o"/>
+            </a:pPr>
+            <a:r>
+              <a:rPr lang="en-US" sz="1700" b="1" dirty="0" smtClean="0">
+                <a:solidFill>
+                  <a:srgbClr val="FFFFFF"/>
+                </a:solidFill>
+                <a:latin typeface="Lato"/>
+                <a:ea typeface="Lato"/>
+                <a:cs typeface="Lato"/>
+                <a:sym typeface="Lato"/>
+              </a:rPr>
+              <a:t>Mouse over</a:t>
+            </a:r>
+          </a:p>
+          <a:p>
+            <a:pPr marL="285750" lvl="1" indent="-285750">
+              <a:buClr>
+                <a:schemeClr val="bg1"/>
+              </a:buClr>
+              <a:buFont typeface="Courier New" panose="02070309020205020404" pitchFamily="49" charset="0"/>
+              <a:buChar char="o"/>
+            </a:pPr>
+            <a:endParaRPr lang="en-US" sz="1700" b="1" dirty="0">
+              <a:solidFill>
+                <a:srgbClr val="FFFFFF"/>
+              </a:solidFill>
+              <a:latin typeface="Lato"/>
+              <a:ea typeface="Lato"/>
+              <a:cs typeface="Lato"/>
+              <a:sym typeface="Lato"/>
+            </a:endParaRPr>
+          </a:p>
+          <a:p>
+            <a:pPr marL="285750" lvl="1" indent="-285750">
+              <a:buClr>
+                <a:schemeClr val="bg1"/>
+              </a:buClr>
+              <a:buFont typeface="Courier New" panose="02070309020205020404" pitchFamily="49" charset="0"/>
+              <a:buChar char="o"/>
+            </a:pPr>
+            <a:r>
+              <a:rPr lang="en-US" sz="1700" b="1" dirty="0" smtClean="0">
+                <a:solidFill>
+                  <a:srgbClr val="FFFFFF"/>
+                </a:solidFill>
+                <a:latin typeface="Lato"/>
+                <a:ea typeface="Lato"/>
+                <a:cs typeface="Lato"/>
+                <a:sym typeface="Lato"/>
+              </a:rPr>
+              <a:t>Click on markers</a:t>
+            </a:r>
+            <a:endParaRPr lang="en-US" sz="1700" b="1" dirty="0">
+              <a:solidFill>
+                <a:srgbClr val="FFFFFF"/>
+              </a:solidFill>
+              <a:latin typeface="Lato"/>
+              <a:ea typeface="Lato"/>
+              <a:cs typeface="Lato"/>
+              <a:sym typeface="Lato"/>
+            </a:endParaRPr>
+          </a:p>
+        </p:txBody>
+      </p:sp>
+    </p:spTree>
+  </p:cSld>
+  <p:clrMapOvr>
+    <a:masterClrMapping/>
+  </p:clrMapOvr>
+</p:sld>
+</file>
+
+<file path=ppt/slides/slide16.xml><?xml version="1.0" encoding="utf-8"?>
+<p:sld xmlns:a="http://schemas.openxmlformats.org/drawingml/2006/main" xmlns:r="http://schemas.openxmlformats.org/officeDocument/2006/relationships" xmlns:p="http://schemas.openxmlformats.org/presentationml/2006/main">
+  <p:cSld>
+    <p:spTree>
+      <p:nvGrpSpPr>
+        <p:cNvPr id="1" name="Shape 137"/>
+        <p:cNvGrpSpPr/>
+        <p:nvPr/>
+      </p:nvGrpSpPr>
+      <p:grpSpPr>
+        <a:xfrm>
+          <a:off x="0" y="0"/>
+          <a:ext cx="0" cy="0"/>
+          <a:chOff x="0" y="0"/>
+          <a:chExt cx="0" cy="0"/>
+        </a:xfrm>
+      </p:grpSpPr>
+      <p:sp>
+        <p:nvSpPr>
+          <p:cNvPr id="138" name="Google Shape;138;p24"/>
+          <p:cNvSpPr txBox="1">
+            <a:spLocks noGrp="1"/>
+          </p:cNvSpPr>
+          <p:nvPr>
+            <p:ph type="title"/>
+          </p:nvPr>
+        </p:nvSpPr>
+        <p:spPr>
+          <a:xfrm>
+            <a:off x="303300" y="193225"/>
+            <a:ext cx="8520600" cy="639600"/>
+          </a:xfrm>
+          <a:prstGeom prst="rect">
+            <a:avLst/>
+          </a:prstGeom>
+        </p:spPr>
+        <p:txBody>
+          <a:bodyPr spcFirstLastPara="1" wrap="square" lIns="91425" tIns="91425" rIns="91425" bIns="91425" anchor="t" anchorCtr="0">
+            <a:noAutofit/>
+          </a:bodyPr>
+          <a:lstStyle/>
+          <a:p>
+            <a:pPr lvl="0"/>
+            <a:r>
+              <a:rPr lang="en" sz="3600" dirty="0">
+                <a:solidFill>
+                  <a:srgbClr val="FFFFFF"/>
+                </a:solidFill>
+              </a:rPr>
+              <a:t>The Weather API via JavaScript</a:t>
+            </a:r>
+            <a:endParaRPr sz="3600" dirty="0">
+              <a:solidFill>
+                <a:srgbClr val="FFFFFF"/>
+              </a:solidFill>
+            </a:endParaRPr>
+          </a:p>
+        </p:txBody>
+      </p:sp>
+      <p:sp>
+        <p:nvSpPr>
+          <p:cNvPr id="139" name="Google Shape;139;p24"/>
+          <p:cNvSpPr txBox="1"/>
+          <p:nvPr/>
+        </p:nvSpPr>
+        <p:spPr>
+          <a:xfrm>
+            <a:off x="303300" y="1783906"/>
+            <a:ext cx="8520600" cy="2899200"/>
+          </a:xfrm>
+          <a:prstGeom prst="rect">
+            <a:avLst/>
+          </a:prstGeom>
+          <a:noFill/>
+          <a:ln>
+            <a:noFill/>
+          </a:ln>
+        </p:spPr>
+        <p:txBody>
+          <a:bodyPr spcFirstLastPara="1" wrap="square" lIns="91425" tIns="91425" rIns="91425" bIns="91425" anchor="t" anchorCtr="0">
+            <a:noAutofit/>
+          </a:bodyPr>
+          <a:lstStyle/>
+          <a:p>
+            <a:pPr marL="285750" lvl="0" indent="-285750" algn="l" rtl="0">
+              <a:spcBef>
+                <a:spcPts val="0"/>
+              </a:spcBef>
+              <a:spcAft>
+                <a:spcPts val="0"/>
+              </a:spcAft>
+              <a:buClr>
+                <a:schemeClr val="bg1"/>
+              </a:buClr>
+              <a:buFont typeface="Courier New" panose="02070309020205020404" pitchFamily="49" charset="0"/>
+              <a:buChar char="o"/>
+            </a:pPr>
+            <a:r>
+              <a:rPr lang="en" sz="1700" dirty="0" smtClean="0">
+                <a:solidFill>
+                  <a:srgbClr val="FFFFFF"/>
+                </a:solidFill>
+                <a:latin typeface="Lato"/>
+                <a:ea typeface="Lato"/>
+                <a:cs typeface="Lato"/>
+                <a:sym typeface="Lato"/>
+              </a:rPr>
+              <a:t>To </a:t>
+            </a:r>
+            <a:r>
+              <a:rPr lang="en" sz="1700" dirty="0">
+                <a:solidFill>
+                  <a:srgbClr val="FFFFFF"/>
+                </a:solidFill>
+                <a:latin typeface="Lato"/>
+                <a:ea typeface="Lato"/>
+                <a:cs typeface="Lato"/>
+                <a:sym typeface="Lato"/>
+              </a:rPr>
+              <a:t>gather the temperature information from the OpenWeatherAPI we used a library called </a:t>
+            </a:r>
+            <a:r>
+              <a:rPr lang="en" sz="1700" dirty="0" smtClean="0">
+                <a:solidFill>
+                  <a:srgbClr val="FFFFFF"/>
+                </a:solidFill>
+                <a:latin typeface="Lato"/>
+                <a:ea typeface="Lato"/>
+                <a:cs typeface="Lato"/>
+                <a:sym typeface="Lato"/>
+              </a:rPr>
+              <a:t>Axios</a:t>
+            </a:r>
+          </a:p>
+          <a:p>
+            <a:pPr marL="285750" lvl="0" indent="-285750" algn="l" rtl="0">
+              <a:spcBef>
+                <a:spcPts val="0"/>
+              </a:spcBef>
+              <a:spcAft>
+                <a:spcPts val="0"/>
+              </a:spcAft>
+              <a:buClr>
+                <a:schemeClr val="bg1"/>
+              </a:buClr>
+              <a:buFont typeface="Courier New" panose="02070309020205020404" pitchFamily="49" charset="0"/>
+              <a:buChar char="o"/>
+            </a:pPr>
+            <a:endParaRPr lang="en" sz="1700" dirty="0">
+              <a:solidFill>
+                <a:srgbClr val="FFFFFF"/>
+              </a:solidFill>
+              <a:latin typeface="Lato"/>
+              <a:ea typeface="Lato"/>
+              <a:cs typeface="Lato"/>
+              <a:sym typeface="Lato"/>
+            </a:endParaRPr>
+          </a:p>
+          <a:p>
+            <a:pPr marL="285750" lvl="0" indent="-285750" algn="l" rtl="0">
+              <a:spcBef>
+                <a:spcPts val="0"/>
+              </a:spcBef>
+              <a:spcAft>
+                <a:spcPts val="0"/>
+              </a:spcAft>
+              <a:buClr>
+                <a:schemeClr val="bg1"/>
+              </a:buClr>
+              <a:buFont typeface="Courier New" panose="02070309020205020404" pitchFamily="49" charset="0"/>
+              <a:buChar char="o"/>
+            </a:pPr>
+            <a:r>
+              <a:rPr lang="en" sz="1700" dirty="0" smtClean="0">
+                <a:solidFill>
+                  <a:srgbClr val="FFFFFF"/>
+                </a:solidFill>
+                <a:latin typeface="Lato"/>
+                <a:ea typeface="Lato"/>
+                <a:cs typeface="Lato"/>
+                <a:sym typeface="Lato"/>
+              </a:rPr>
+              <a:t>Axios </a:t>
+            </a:r>
+            <a:r>
+              <a:rPr lang="en" sz="1700" dirty="0">
+                <a:solidFill>
+                  <a:srgbClr val="FFFFFF"/>
+                </a:solidFill>
+                <a:latin typeface="Lato"/>
+                <a:ea typeface="Lato"/>
+                <a:cs typeface="Lato"/>
+                <a:sym typeface="Lato"/>
+              </a:rPr>
+              <a:t>is a promise based HTTP client for the browser and </a:t>
+            </a:r>
+            <a:r>
+              <a:rPr lang="en" sz="1700" dirty="0" smtClean="0">
+                <a:solidFill>
+                  <a:srgbClr val="FFFFFF"/>
+                </a:solidFill>
+                <a:latin typeface="Lato"/>
+                <a:ea typeface="Lato"/>
+                <a:cs typeface="Lato"/>
+                <a:sym typeface="Lato"/>
+              </a:rPr>
+              <a:t>node.js</a:t>
+            </a:r>
+          </a:p>
+          <a:p>
+            <a:pPr marL="285750" lvl="0" indent="-285750" algn="l" rtl="0">
+              <a:spcBef>
+                <a:spcPts val="0"/>
+              </a:spcBef>
+              <a:spcAft>
+                <a:spcPts val="0"/>
+              </a:spcAft>
+              <a:buClr>
+                <a:schemeClr val="bg1"/>
+              </a:buClr>
+              <a:buFont typeface="Courier New" panose="02070309020205020404" pitchFamily="49" charset="0"/>
+              <a:buChar char="o"/>
+            </a:pPr>
+            <a:endParaRPr lang="en" sz="1700" dirty="0">
+              <a:solidFill>
+                <a:srgbClr val="FFFFFF"/>
+              </a:solidFill>
+              <a:latin typeface="Lato"/>
+              <a:ea typeface="Lato"/>
+              <a:cs typeface="Lato"/>
+              <a:sym typeface="Lato"/>
+            </a:endParaRPr>
+          </a:p>
+          <a:p>
+            <a:pPr marL="285750" lvl="0" indent="-285750" algn="l" rtl="0">
+              <a:spcBef>
+                <a:spcPts val="0"/>
+              </a:spcBef>
+              <a:spcAft>
+                <a:spcPts val="0"/>
+              </a:spcAft>
+              <a:buClr>
+                <a:schemeClr val="bg1"/>
+              </a:buClr>
+              <a:buFont typeface="Courier New" panose="02070309020205020404" pitchFamily="49" charset="0"/>
+              <a:buChar char="o"/>
+            </a:pPr>
+            <a:r>
+              <a:rPr lang="en" sz="1700" dirty="0" smtClean="0">
+                <a:solidFill>
+                  <a:srgbClr val="FFFFFF"/>
+                </a:solidFill>
+                <a:latin typeface="Lato"/>
+                <a:ea typeface="Lato"/>
+                <a:cs typeface="Lato"/>
+                <a:sym typeface="Lato"/>
+              </a:rPr>
+              <a:t>The </a:t>
+            </a:r>
+            <a:r>
+              <a:rPr lang="en" sz="1700" dirty="0">
+                <a:solidFill>
+                  <a:srgbClr val="FFFFFF"/>
+                </a:solidFill>
+                <a:latin typeface="Lato"/>
+                <a:ea typeface="Lato"/>
+                <a:cs typeface="Lato"/>
+                <a:sym typeface="Lato"/>
+              </a:rPr>
+              <a:t>process is triggered by an individual changing what city they have </a:t>
+            </a:r>
+            <a:r>
+              <a:rPr lang="en" sz="1700" dirty="0" smtClean="0">
+                <a:solidFill>
+                  <a:srgbClr val="FFFFFF"/>
+                </a:solidFill>
+                <a:latin typeface="Lato"/>
+                <a:ea typeface="Lato"/>
+                <a:cs typeface="Lato"/>
+                <a:sym typeface="Lato"/>
+              </a:rPr>
+              <a:t>selected</a:t>
+            </a:r>
+            <a:endParaRPr sz="1700" dirty="0">
               <a:solidFill>
                 <a:srgbClr val="FFFFFF"/>
               </a:solidFill>
@@ -12260,6 +13188,18 @@
               </a:rPr>
               <a:t>Married, No Kids</a:t>
             </a:r>
+            <a:r>
+              <a:rPr lang="en" sz="1700" b="1" dirty="0">
+                <a:solidFill>
+                  <a:srgbClr val="FFFFFF"/>
+                </a:solidFill>
+                <a:latin typeface="Lato"/>
+                <a:ea typeface="Lato"/>
+                <a:cs typeface="Lato"/>
+                <a:sym typeface="Lato"/>
+              </a:rPr>
+              <a:t/>
+            </a:r>
             <a:br>
               <a:rPr lang="en" sz="1700" b="1" dirty="0">
                 <a:solidFill>
@@ -12847,6 +13787,18 @@
                 <a:sym typeface="Lato"/>
               </a:rPr>
             </a:br>
+            <a:r>
+              <a:rPr lang="en" sz="1700" b="1" dirty="0">
+                <a:solidFill>
+                  <a:srgbClr val="FFFFFF"/>
+                </a:solidFill>
+                <a:latin typeface="Lato"/>
+                <a:ea typeface="Lato"/>
+                <a:cs typeface="Lato"/>
+                <a:sym typeface="Lato"/>
+              </a:rPr>
+              <a:t/>
+            </a:r>
             <a:br>
               <a:rPr lang="en" sz="1700" b="1" dirty="0">
                 <a:solidFill>
@@ -12905,6 +13857,18 @@
                 <a:sym typeface="Lato"/>
               </a:rPr>
             </a:br>
+            <a:r>
+              <a:rPr lang="en" sz="1700" b="1" dirty="0">
+                <a:solidFill>
+                  <a:srgbClr val="FFFFFF"/>
+                </a:solidFill>
+                <a:latin typeface="Lato"/>
+                <a:ea typeface="Lato"/>
+                <a:cs typeface="Lato"/>
+                <a:sym typeface="Lato"/>
+              </a:rPr>
+              <a:t/>
+            </a:r>
             <a:br>
               <a:rPr lang="en" sz="1700" b="1" dirty="0">
                 <a:solidFill>
@@ -13094,6 +14058,18 @@
               </a:rPr>
               <a:t> surveys the following list of parameters for the list of cities:</a:t>
             </a:r>
+            <a:r>
+              <a:rPr lang="en-US" sz="1600" dirty="0">
+                <a:solidFill>
+                  <a:schemeClr val="bg1"/>
+                </a:solidFill>
+                <a:latin typeface="Lato"/>
+                <a:ea typeface="Lato"/>
+                <a:cs typeface="Lato"/>
+                <a:sym typeface="Lato"/>
+              </a:rPr>
+              <a:t/>
+            </a:r>
             <a:br>
               <a:rPr lang="en-US" sz="1600" dirty="0">
                 <a:solidFill>
@@ -13743,6 +14719,18 @@
                 <a:sym typeface="Lato"/>
               </a:rPr>
             </a:br>
+            <a:r>
+              <a:rPr lang="en" sz="1700" dirty="0">
+                <a:solidFill>
+                  <a:srgbClr val="FFFFFF"/>
+                </a:solidFill>
+                <a:latin typeface="Lato"/>
+                <a:ea typeface="Lato"/>
+                <a:cs typeface="Lato"/>
+                <a:sym typeface="Lato"/>
+              </a:rPr>
+              <a:t/>
+            </a:r>
             <a:br>
               <a:rPr lang="en" sz="1700" dirty="0">
                 <a:solidFill>

--- a/Homies City Collection.pptx
+++ b/Homies City Collection.pptx
@@ -26,21 +26,21 @@
     <p:sldId id="267" r:id="rId17"/>
     <p:sldId id="272" r:id="rId18"/>
     <p:sldId id="275" r:id="rId19"/>
-    <p:sldId id="273" r:id="rId20"/>
+    <p:sldId id="281" r:id="rId20"/>
     <p:sldId id="274" r:id="rId21"/>
   </p:sldIdLst>
   <p:sldSz cx="9144000" cy="5143500" type="screen16x9"/>
   <p:notesSz cx="6858000" cy="9144000"/>
   <p:embeddedFontLst>
     <p:embeddedFont>
-      <p:font typeface="Raleway" panose="020B0604020202020204" charset="0"/>
+      <p:font typeface="Lato" panose="020B0604020202020204" charset="0"/>
       <p:regular r:id="rId23"/>
       <p:bold r:id="rId24"/>
       <p:italic r:id="rId25"/>
       <p:boldItalic r:id="rId26"/>
     </p:embeddedFont>
     <p:embeddedFont>
-      <p:font typeface="Lato" panose="020B0604020202020204" charset="0"/>
+      <p:font typeface="Raleway" panose="020B0604020202020204" charset="0"/>
       <p:regular r:id="rId27"/>
       <p:bold r:id="rId28"/>
       <p:italic r:id="rId29"/>
@@ -293,6 +293,42 @@
     </p:ext>
   </p:extLst>
 </p:presentation>
+</file>
+
+<file path=ppt/revisionInfo.xml><?xml version="1.0" encoding="utf-8"?>
+<p1510:revInfo xmlns:a="http://schemas.openxmlformats.org/drawingml/2006/main" xmlns:r="http://schemas.openxmlformats.org/officeDocument/2006/relationships" xmlns:p1510="http://schemas.microsoft.com/office/powerpoint/2015/10/main">
+  <p1510:revLst>
+    <p1510:client id="{DBF0D679-A1D2-41BA-9DE5-196B1668C167}" v="1" dt="2020-07-22T00:03:20.871"/>
+  </p1510:revLst>
+</p1510:revInfo>
+</file>
+
+<file path=ppt/changesInfos/changesInfo1.xml><?xml version="1.0" encoding="utf-8"?>
+<pc:chgInfo xmlns:a="http://schemas.openxmlformats.org/drawingml/2006/main" xmlns:r="http://schemas.openxmlformats.org/officeDocument/2006/relationships" xmlns:ac="http://schemas.microsoft.com/office/drawing/2013/main/command" xmlns:pc="http://schemas.microsoft.com/office/powerpoint/2013/main/command">
+  <pc:docChgLst>
+    <pc:chgData name="Colin" userId="c2c872a862d4dd17" providerId="LiveId" clId="{DBF0D679-A1D2-41BA-9DE5-196B1668C167}"/>
+    <pc:docChg chg="addSld delSld modSld">
+      <pc:chgData name="Colin" userId="c2c872a862d4dd17" providerId="LiveId" clId="{DBF0D679-A1D2-41BA-9DE5-196B1668C167}" dt="2020-07-22T00:03:23.934" v="1" actId="47"/>
+      <pc:docMkLst>
+        <pc:docMk/>
+      </pc:docMkLst>
+      <pc:sldChg chg="del">
+        <pc:chgData name="Colin" userId="c2c872a862d4dd17" providerId="LiveId" clId="{DBF0D679-A1D2-41BA-9DE5-196B1668C167}" dt="2020-07-22T00:03:23.934" v="1" actId="47"/>
+        <pc:sldMkLst>
+          <pc:docMk/>
+          <pc:sldMk cId="0" sldId="273"/>
+        </pc:sldMkLst>
+      </pc:sldChg>
+      <pc:sldChg chg="add">
+        <pc:chgData name="Colin" userId="c2c872a862d4dd17" providerId="LiveId" clId="{DBF0D679-A1D2-41BA-9DE5-196B1668C167}" dt="2020-07-22T00:03:20.870" v="0"/>
+        <pc:sldMkLst>
+          <pc:docMk/>
+          <pc:sldMk cId="0" sldId="281"/>
+        </pc:sldMkLst>
+      </pc:sldChg>
+    </pc:docChg>
+  </pc:docChgLst>
+</pc:chgInfo>
 </file>
 
 <file path=ppt/notesMasters/notesMaster1.xml><?xml version="1.0" encoding="utf-8"?>
@@ -9155,24 +9191,12 @@
                 <a:hlinkClick r:id="rId3">
                   <a:extLst>
                     <a:ext uri="{A12FA001-AC4F-418D-AE19-62706E023703}">
-                      <ahyp:hlinkClr xmlns:ahyp="http://schemas.microsoft.com/office/drawing/2018/hyperlinkcolor" xmlns="" val="tx"/>
+                      <ahyp:hlinkClr xmlns:ahyp="http://schemas.microsoft.com/office/drawing/2018/hyperlinkcolor" val="tx"/>
                     </a:ext>
                   </a:extLst>
                 </a:hlinkClick>
               </a:rPr>
               <a:t>https://maxcdn.bootstrapcdn.com/bootstrap/3.3.7/css/bootstrap.min.css</a:t>
-            </a:r>
-            <a:r>
-              <a:rPr lang="en" sz="1700" dirty="0">
-                <a:solidFill>
-                  <a:srgbClr val="FFFFFF"/>
-                </a:solidFill>
-                <a:latin typeface="Lato"/>
-                <a:ea typeface="Lato"/>
-                <a:cs typeface="Lato"/>
-                <a:sym typeface="Lato"/>
-              </a:rPr>
-              <a:t/>
             </a:r>
             <a:br>
               <a:rPr lang="en" sz="1700" dirty="0">
@@ -9236,24 +9260,12 @@
                 <a:hlinkClick r:id="rId4">
                   <a:extLst>
                     <a:ext uri="{A12FA001-AC4F-418D-AE19-62706E023703}">
-                      <ahyp:hlinkClr xmlns:ahyp="http://schemas.microsoft.com/office/drawing/2018/hyperlinkcolor" xmlns="" val="tx"/>
+                      <ahyp:hlinkClr xmlns:ahyp="http://schemas.microsoft.com/office/drawing/2018/hyperlinkcolor" val="tx"/>
                     </a:ext>
                   </a:extLst>
                 </a:hlinkClick>
               </a:rPr>
               <a:t>https://cdnjs.cloudflare.com/ajax/libs/d3/5.5.0/d3.js</a:t>
-            </a:r>
-            <a:r>
-              <a:rPr lang="en" sz="1700" dirty="0">
-                <a:solidFill>
-                  <a:srgbClr val="FFFFFF"/>
-                </a:solidFill>
-                <a:latin typeface="Lato"/>
-                <a:ea typeface="Lato"/>
-                <a:cs typeface="Lato"/>
-                <a:sym typeface="Lato"/>
-              </a:rPr>
-              <a:t/>
             </a:r>
             <a:br>
               <a:rPr lang="en" sz="1700" dirty="0">
@@ -9350,18 +9362,6 @@
               </a:rPr>
               <a:t>style.css</a:t>
             </a:r>
-            <a:r>
-              <a:rPr lang="en" sz="1700" dirty="0">
-                <a:solidFill>
-                  <a:srgbClr val="FFFFFF"/>
-                </a:solidFill>
-                <a:latin typeface="Lato"/>
-                <a:ea typeface="Lato"/>
-                <a:cs typeface="Lato"/>
-                <a:sym typeface="Lato"/>
-              </a:rPr>
-              <a:t/>
-            </a:r>
             <a:br>
               <a:rPr lang="en" sz="1700" dirty="0">
                 <a:solidFill>
@@ -9580,24 +9580,12 @@
                 <a:hlinkClick r:id="rId5">
                   <a:extLst>
                     <a:ext uri="{A12FA001-AC4F-418D-AE19-62706E023703}">
-                      <ahyp:hlinkClr xmlns:ahyp="http://schemas.microsoft.com/office/drawing/2018/hyperlinkcolor" xmlns="" val="tx"/>
+                      <ahyp:hlinkClr xmlns:ahyp="http://schemas.microsoft.com/office/drawing/2018/hyperlinkcolor" val="tx"/>
                     </a:ext>
                   </a:extLst>
                 </a:hlinkClick>
               </a:rPr>
               <a:t>https://unpkg.com/leaflet@1.3.3/dist/leaflet.js</a:t>
-            </a:r>
-            <a:r>
-              <a:rPr lang="en" sz="1700" dirty="0">
-                <a:solidFill>
-                  <a:srgbClr val="FFFFFF"/>
-                </a:solidFill>
-                <a:latin typeface="Lato"/>
-                <a:ea typeface="Lato"/>
-                <a:cs typeface="Lato"/>
-                <a:sym typeface="Lato"/>
-              </a:rPr>
-              <a:t/>
             </a:r>
             <a:br>
               <a:rPr lang="en" sz="1700" dirty="0">
@@ -10121,7 +10109,7 @@
               <a:buNone/>
             </a:pPr>
             <a:r>
-              <a:rPr lang="en" sz="3600" dirty="0" smtClean="0">
+              <a:rPr lang="en" sz="3600" dirty="0">
                 <a:solidFill>
                   <a:srgbClr val="FFFFFF"/>
                 </a:solidFill>
@@ -10169,7 +10157,7 @@
               <a:buChar char="o"/>
             </a:pPr>
             <a:r>
-              <a:rPr lang="en" sz="1700" b="1" dirty="0" smtClean="0">
+              <a:rPr lang="en" sz="1700" b="1" dirty="0">
                 <a:solidFill>
                   <a:srgbClr val="FFFFFF"/>
                 </a:solidFill>
@@ -10189,7 +10177,7 @@
               <a:buFont typeface="Courier New" panose="02070309020205020404" pitchFamily="49" charset="0"/>
               <a:buChar char="o"/>
             </a:pPr>
-            <a:endParaRPr lang="en" sz="1700" b="1" dirty="0" smtClean="0">
+            <a:endParaRPr lang="en" sz="1700" b="1" dirty="0">
               <a:solidFill>
                 <a:srgbClr val="FFFFFF"/>
               </a:solidFill>
@@ -10208,7 +10196,7 @@
               <a:buChar char="o"/>
             </a:pPr>
             <a:r>
-              <a:rPr lang="en" sz="1700" dirty="0" smtClean="0">
+              <a:rPr lang="en" sz="1700" dirty="0">
                 <a:solidFill>
                   <a:srgbClr val="FFFFFF"/>
                 </a:solidFill>
@@ -10247,7 +10235,7 @@
               <a:buChar char="o"/>
             </a:pPr>
             <a:r>
-              <a:rPr lang="en" sz="1700" dirty="0" smtClean="0">
+              <a:rPr lang="en" sz="1700" dirty="0">
                 <a:solidFill>
                   <a:srgbClr val="FFFFFF"/>
                 </a:solidFill>
@@ -10286,7 +10274,7 @@
               <a:buChar char="o"/>
             </a:pPr>
             <a:r>
-              <a:rPr lang="en" sz="1700" dirty="0" smtClean="0">
+              <a:rPr lang="en" sz="1700" dirty="0">
                 <a:solidFill>
                   <a:srgbClr val="FFFFFF"/>
                 </a:solidFill>
@@ -10296,18 +10284,6 @@
                 <a:sym typeface="Lato"/>
               </a:rPr>
               <a:t>Export Table to JSON as a back-up</a:t>
-            </a:r>
-            <a:r>
-              <a:rPr lang="en" sz="1700" dirty="0">
-                <a:solidFill>
-                  <a:srgbClr val="FFFFFF"/>
-                </a:solidFill>
-                <a:latin typeface="Lato"/>
-                <a:ea typeface="Lato"/>
-                <a:cs typeface="Lato"/>
-                <a:sym typeface="Lato"/>
-              </a:rPr>
-              <a:t/>
             </a:r>
             <a:br>
               <a:rPr lang="en" sz="1700" dirty="0">
@@ -10342,13 +10318,6 @@
   <p:clrMapOvr>
     <a:masterClrMapping/>
   </p:clrMapOvr>
-  <p:timing>
-    <p:tnLst>
-      <p:par>
-        <p:cTn id="1" dur="indefinite" restart="never" nodeType="tmRoot"/>
-      </p:par>
-    </p:tnLst>
-  </p:timing>
 </p:sld>
 </file>
 
@@ -10409,31 +10378,7 @@
                   <a:srgbClr val="FFFFFF"/>
                 </a:solidFill>
               </a:rPr>
-              <a:t>JSON, </a:t>
-            </a:r>
-            <a:r>
-              <a:rPr lang="en" sz="3600" dirty="0" smtClean="0">
-                <a:solidFill>
-                  <a:srgbClr val="FFFFFF"/>
-                </a:solidFill>
-              </a:rPr>
-              <a:t>SQLite</a:t>
-            </a:r>
-            <a:r>
-              <a:rPr lang="en" sz="3600" dirty="0">
-                <a:solidFill>
-                  <a:srgbClr val="FFFFFF"/>
-                </a:solidFill>
-              </a:rPr>
-              <a:t>, </a:t>
-            </a:r>
-            <a:r>
-              <a:rPr lang="en" sz="3600" dirty="0" smtClean="0">
-                <a:solidFill>
-                  <a:srgbClr val="FFFFFF"/>
-                </a:solidFill>
-              </a:rPr>
-              <a:t>Flask App, and Heroku</a:t>
+              <a:t>JSON, SQLite, Flask App, and Heroku</a:t>
             </a:r>
             <a:endParaRPr sz="3600" dirty="0">
               <a:solidFill>
@@ -10515,7 +10460,7 @@
               <a:buChar char="o"/>
             </a:pPr>
             <a:r>
-              <a:rPr lang="en" sz="1700" b="1" dirty="0" smtClean="0">
+              <a:rPr lang="en" sz="1700" b="1" dirty="0">
                 <a:solidFill>
                   <a:srgbClr val="FFFFFF"/>
                 </a:solidFill>
@@ -10554,7 +10499,7 @@
               <a:buChar char="o"/>
             </a:pPr>
             <a:r>
-              <a:rPr lang="en" sz="1700" b="1" dirty="0" smtClean="0">
+              <a:rPr lang="en" sz="1700" b="1" dirty="0">
                 <a:solidFill>
                   <a:srgbClr val="FFFFFF"/>
                 </a:solidFill>
@@ -10593,7 +10538,7 @@
               <a:buChar char="o"/>
             </a:pPr>
             <a:r>
-              <a:rPr lang="en" sz="1700" b="1" dirty="0" smtClean="0">
+              <a:rPr lang="en" sz="1700" b="1" dirty="0">
                 <a:solidFill>
                   <a:srgbClr val="FFFFFF"/>
                 </a:solidFill>
@@ -10632,7 +10577,7 @@
               <a:buChar char="o"/>
             </a:pPr>
             <a:r>
-              <a:rPr lang="en" sz="1700" b="1" dirty="0" smtClean="0">
+              <a:rPr lang="en" sz="1700" b="1" dirty="0">
                 <a:solidFill>
                   <a:srgbClr val="FFFFFF"/>
                 </a:solidFill>
@@ -10671,7 +10616,7 @@
               <a:buChar char="o"/>
             </a:pPr>
             <a:r>
-              <a:rPr lang="en" sz="1700" b="1" dirty="0" smtClean="0">
+              <a:rPr lang="en" sz="1700" b="1" dirty="0">
                 <a:solidFill>
                   <a:srgbClr val="FFFFFF"/>
                 </a:solidFill>
@@ -10683,7 +10628,7 @@
               <a:t>Alternatively, </a:t>
             </a:r>
             <a:r>
-              <a:rPr lang="en-US" sz="1700" b="1" dirty="0" smtClean="0">
+              <a:rPr lang="en-US" sz="1700" b="1" dirty="0">
                 <a:solidFill>
                   <a:srgbClr val="FFFFFF"/>
                 </a:solidFill>
@@ -10716,13 +10661,6 @@
   <p:clrMapOvr>
     <a:masterClrMapping/>
   </p:clrMapOvr>
-  <p:timing>
-    <p:tnLst>
-      <p:par>
-        <p:cTn id="1" dur="indefinite" restart="never" nodeType="tmRoot"/>
-      </p:par>
-    </p:tnLst>
-  </p:timing>
 </p:sld>
 </file>
 
@@ -10778,7 +10716,7 @@
               <a:buNone/>
             </a:pPr>
             <a:r>
-              <a:rPr lang="en" sz="3600" dirty="0" smtClean="0">
+              <a:rPr lang="en" sz="3600" dirty="0">
                 <a:solidFill>
                   <a:srgbClr val="FFFFFF"/>
                 </a:solidFill>
@@ -10826,7 +10764,7 @@
               <a:buChar char="o"/>
             </a:pPr>
             <a:r>
-              <a:rPr lang="en-US" sz="1700" b="1" dirty="0" smtClean="0">
+              <a:rPr lang="en-US" sz="1700" b="1" dirty="0">
                 <a:solidFill>
                   <a:srgbClr val="FFFFFF"/>
                 </a:solidFill>
@@ -10865,7 +10803,7 @@
               <a:buChar char="o"/>
             </a:pPr>
             <a:r>
-              <a:rPr lang="en-US" sz="1700" b="1" dirty="0" smtClean="0">
+              <a:rPr lang="en-US" sz="1700" b="1" dirty="0">
                 <a:solidFill>
                   <a:srgbClr val="FFFFFF"/>
                 </a:solidFill>
@@ -10924,45 +10862,6 @@
               <a:buFont typeface="Courier New" panose="02070309020205020404" pitchFamily="49" charset="0"/>
               <a:buChar char="o"/>
             </a:pPr>
-            <a:endParaRPr lang="en" sz="1700" b="1" dirty="0" smtClean="0">
-              <a:solidFill>
-                <a:srgbClr val="FFFFFF"/>
-              </a:solidFill>
-              <a:latin typeface="Lato"/>
-              <a:ea typeface="Lato"/>
-              <a:cs typeface="Lato"/>
-              <a:sym typeface="Lato"/>
-            </a:endParaRPr>
-          </a:p>
-          <a:p>
-            <a:pPr marL="285750" lvl="1" indent="-285750">
-              <a:buClr>
-                <a:schemeClr val="bg1"/>
-              </a:buClr>
-              <a:buFont typeface="Courier New" panose="02070309020205020404" pitchFamily="49" charset="0"/>
-              <a:buChar char="o"/>
-            </a:pPr>
-            <a:r>
-              <a:rPr lang="en" sz="1700" b="1" dirty="0" smtClean="0">
-                <a:solidFill>
-                  <a:srgbClr val="FFFFFF"/>
-                </a:solidFill>
-                <a:latin typeface="Lato"/>
-                <a:ea typeface="Lato"/>
-                <a:cs typeface="Lato"/>
-                <a:sym typeface="Lato"/>
-              </a:rPr>
-              <a:t>Drop down menu select event on change</a:t>
-            </a:r>
-          </a:p>
-          <a:p>
-            <a:pPr marL="285750" lvl="1" indent="-285750">
-              <a:buClr>
-                <a:schemeClr val="bg1"/>
-              </a:buClr>
-              <a:buFont typeface="Courier New" panose="02070309020205020404" pitchFamily="49" charset="0"/>
-              <a:buChar char="o"/>
-            </a:pPr>
             <a:endParaRPr lang="en" sz="1700" b="1" dirty="0">
               <a:solidFill>
                 <a:srgbClr val="FFFFFF"/>
@@ -10982,16 +10881,16 @@
               <a:buChar char="o"/>
             </a:pPr>
             <a:r>
-              <a:rPr lang="en" sz="1700" b="1" dirty="0" smtClean="0">
-                <a:solidFill>
-                  <a:srgbClr val="FFFFFF"/>
-                </a:solidFill>
-                <a:latin typeface="Lato"/>
-                <a:ea typeface="Lato"/>
-                <a:cs typeface="Lato"/>
-                <a:sym typeface="Lato"/>
-              </a:rPr>
-              <a:t>Summary statistics pop up when city selected</a:t>
+              <a:rPr lang="en" sz="1700" b="1" dirty="0">
+                <a:solidFill>
+                  <a:srgbClr val="FFFFFF"/>
+                </a:solidFill>
+                <a:latin typeface="Lato"/>
+                <a:ea typeface="Lato"/>
+                <a:cs typeface="Lato"/>
+                <a:sym typeface="Lato"/>
+              </a:rPr>
+              <a:t>Drop down menu select event on change</a:t>
             </a:r>
           </a:p>
           <a:p>
@@ -11021,17 +10920,26 @@
               <a:buChar char="o"/>
             </a:pPr>
             <a:r>
-              <a:rPr lang="en" sz="1700" b="1" dirty="0" smtClean="0">
-                <a:solidFill>
-                  <a:srgbClr val="FFFFFF"/>
-                </a:solidFill>
-                <a:latin typeface="Lato"/>
-                <a:ea typeface="Lato"/>
-                <a:cs typeface="Lato"/>
-                <a:sym typeface="Lato"/>
-              </a:rPr>
-              <a:t>Weather API</a:t>
-            </a:r>
+              <a:rPr lang="en" sz="1700" b="1" dirty="0">
+                <a:solidFill>
+                  <a:srgbClr val="FFFFFF"/>
+                </a:solidFill>
+                <a:latin typeface="Lato"/>
+                <a:ea typeface="Lato"/>
+                <a:cs typeface="Lato"/>
+                <a:sym typeface="Lato"/>
+              </a:rPr>
+              <a:t>Summary statistics pop up when city selected</a:t>
+            </a:r>
+          </a:p>
+          <a:p>
+            <a:pPr marL="285750" lvl="1" indent="-285750">
+              <a:buClr>
+                <a:schemeClr val="bg1"/>
+              </a:buClr>
+              <a:buFont typeface="Courier New" panose="02070309020205020404" pitchFamily="49" charset="0"/>
+              <a:buChar char="o"/>
+            </a:pPr>
             <a:endParaRPr lang="en" sz="1700" b="1" dirty="0">
               <a:solidFill>
                 <a:srgbClr val="FFFFFF"/>
@@ -11041,6 +10949,27 @@
               <a:cs typeface="Lato"/>
               <a:sym typeface="Lato"/>
             </a:endParaRPr>
+          </a:p>
+          <a:p>
+            <a:pPr marL="285750" lvl="1" indent="-285750">
+              <a:buClr>
+                <a:schemeClr val="bg1"/>
+              </a:buClr>
+              <a:buFont typeface="Courier New" panose="02070309020205020404" pitchFamily="49" charset="0"/>
+              <a:buChar char="o"/>
+            </a:pPr>
+            <a:r>
+              <a:rPr lang="en" sz="1700" b="1" dirty="0">
+                <a:solidFill>
+                  <a:srgbClr val="FFFFFF"/>
+                </a:solidFill>
+                <a:latin typeface="Lato"/>
+                <a:ea typeface="Lato"/>
+                <a:cs typeface="Lato"/>
+                <a:sym typeface="Lato"/>
+              </a:rPr>
+              <a:t>Weather API</a:t>
+            </a:r>
           </a:p>
         </p:txBody>
       </p:sp>
@@ -11054,13 +10983,6 @@
   <p:clrMapOvr>
     <a:masterClrMapping/>
   </p:clrMapOvr>
-  <p:timing>
-    <p:tnLst>
-      <p:par>
-        <p:cTn id="1" dur="indefinite" restart="never" nodeType="tmRoot"/>
-      </p:par>
-    </p:tnLst>
-  </p:timing>
 </p:sld>
 </file>
 
@@ -11116,7 +11038,7 @@
               <a:buNone/>
             </a:pPr>
             <a:r>
-              <a:rPr lang="en" sz="3600" dirty="0" smtClean="0">
+              <a:rPr lang="en" sz="3600" dirty="0">
                 <a:solidFill>
                   <a:srgbClr val="FFFFFF"/>
                 </a:solidFill>
@@ -11164,7 +11086,7 @@
               <a:buChar char="o"/>
             </a:pPr>
             <a:r>
-              <a:rPr lang="en-US" sz="1700" b="1" dirty="0" smtClean="0">
+              <a:rPr lang="en-US" sz="1700" b="1" dirty="0">
                 <a:solidFill>
                   <a:srgbClr val="FFFFFF"/>
                 </a:solidFill>
@@ -11203,7 +11125,7 @@
               <a:buChar char="o"/>
             </a:pPr>
             <a:r>
-              <a:rPr lang="en-US" sz="1700" b="1" dirty="0" smtClean="0">
+              <a:rPr lang="en-US" sz="1700" b="1" dirty="0">
                 <a:solidFill>
                   <a:srgbClr val="FFFFFF"/>
                 </a:solidFill>
@@ -11242,7 +11164,7 @@
               <a:buChar char="o"/>
             </a:pPr>
             <a:r>
-              <a:rPr lang="en-US" sz="1700" b="1" dirty="0" smtClean="0">
+              <a:rPr lang="en-US" sz="1700" b="1" dirty="0">
                 <a:solidFill>
                   <a:srgbClr val="FFFFFF"/>
                 </a:solidFill>
@@ -11281,7 +11203,7 @@
               <a:buChar char="o"/>
             </a:pPr>
             <a:r>
-              <a:rPr lang="en-US" sz="1700" b="1" dirty="0" smtClean="0">
+              <a:rPr lang="en-US" sz="1700" b="1" dirty="0">
                 <a:solidFill>
                   <a:srgbClr val="FFFFFF"/>
                 </a:solidFill>
@@ -11320,7 +11242,7 @@
               <a:buChar char="o"/>
             </a:pPr>
             <a:r>
-              <a:rPr lang="en-US" sz="1700" b="1" dirty="0" smtClean="0">
+              <a:rPr lang="en-US" sz="1700" b="1" dirty="0">
                 <a:solidFill>
                   <a:srgbClr val="FFFFFF"/>
                 </a:solidFill>
@@ -11331,15 +11253,6 @@
               </a:rPr>
               <a:t>Click on markers</a:t>
             </a:r>
-            <a:endParaRPr lang="en-US" sz="1700" b="1" dirty="0">
-              <a:solidFill>
-                <a:srgbClr val="FFFFFF"/>
-              </a:solidFill>
-              <a:latin typeface="Lato"/>
-              <a:ea typeface="Lato"/>
-              <a:cs typeface="Lato"/>
-              <a:sym typeface="Lato"/>
-            </a:endParaRPr>
           </a:p>
         </p:txBody>
       </p:sp>
@@ -11449,18 +11362,6 @@
               <a:buChar char="o"/>
             </a:pPr>
             <a:r>
-              <a:rPr lang="en" sz="1700" dirty="0" smtClean="0">
-                <a:solidFill>
-                  <a:srgbClr val="FFFFFF"/>
-                </a:solidFill>
-                <a:latin typeface="Lato"/>
-                <a:ea typeface="Lato"/>
-                <a:cs typeface="Lato"/>
-                <a:sym typeface="Lato"/>
-              </a:rPr>
-              <a:t>To </a:t>
-            </a:r>
-            <a:r>
               <a:rPr lang="en" sz="1700" dirty="0">
                 <a:solidFill>
                   <a:srgbClr val="FFFFFF"/>
@@ -11470,19 +11371,7 @@
                 <a:cs typeface="Lato"/>
                 <a:sym typeface="Lato"/>
               </a:rPr>
-              <a:t>gather the temperature information from the OpenWeatherAPI we used a library called </a:t>
-            </a:r>
-            <a:r>
-              <a:rPr lang="en" sz="1700" dirty="0" smtClean="0">
-                <a:solidFill>
-                  <a:srgbClr val="FFFFFF"/>
-                </a:solidFill>
-                <a:latin typeface="Lato"/>
-                <a:ea typeface="Lato"/>
-                <a:cs typeface="Lato"/>
-                <a:sym typeface="Lato"/>
-              </a:rPr>
-              <a:t>Axios</a:t>
+              <a:t>To gather the temperature information from the OpenWeatherAPI we used a library called Axios</a:t>
             </a:r>
           </a:p>
           <a:p>
@@ -11524,18 +11413,6 @@
               <a:buChar char="o"/>
             </a:pPr>
             <a:r>
-              <a:rPr lang="en" sz="1700" dirty="0" smtClean="0">
-                <a:solidFill>
-                  <a:srgbClr val="FFFFFF"/>
-                </a:solidFill>
-                <a:latin typeface="Lato"/>
-                <a:ea typeface="Lato"/>
-                <a:cs typeface="Lato"/>
-                <a:sym typeface="Lato"/>
-              </a:rPr>
-              <a:t>Axios </a:t>
-            </a:r>
-            <a:r>
               <a:rPr lang="en" sz="1700" dirty="0">
                 <a:solidFill>
                   <a:srgbClr val="FFFFFF"/>
@@ -11545,19 +11422,7 @@
                 <a:cs typeface="Lato"/>
                 <a:sym typeface="Lato"/>
               </a:rPr>
-              <a:t>is a promise based HTTP client for the browser and </a:t>
-            </a:r>
-            <a:r>
-              <a:rPr lang="en" sz="1700" dirty="0" smtClean="0">
-                <a:solidFill>
-                  <a:srgbClr val="FFFFFF"/>
-                </a:solidFill>
-                <a:latin typeface="Lato"/>
-                <a:ea typeface="Lato"/>
-                <a:cs typeface="Lato"/>
-                <a:sym typeface="Lato"/>
-              </a:rPr>
-              <a:t>node.js</a:t>
+              <a:t>Axios is a promise based HTTP client for the browser and node.js</a:t>
             </a:r>
           </a:p>
           <a:p>
@@ -11599,18 +11464,6 @@
               <a:buChar char="o"/>
             </a:pPr>
             <a:r>
-              <a:rPr lang="en" sz="1700" dirty="0" smtClean="0">
-                <a:solidFill>
-                  <a:srgbClr val="FFFFFF"/>
-                </a:solidFill>
-                <a:latin typeface="Lato"/>
-                <a:ea typeface="Lato"/>
-                <a:cs typeface="Lato"/>
-                <a:sym typeface="Lato"/>
-              </a:rPr>
-              <a:t>The </a:t>
-            </a:r>
-            <a:r>
               <a:rPr lang="en" sz="1700" dirty="0">
                 <a:solidFill>
                   <a:srgbClr val="FFFFFF"/>
@@ -11620,19 +11473,7 @@
                 <a:cs typeface="Lato"/>
                 <a:sym typeface="Lato"/>
               </a:rPr>
-              <a:t>process is triggered by an individual changing what city they have </a:t>
-            </a:r>
-            <a:r>
-              <a:rPr lang="en" sz="1700" dirty="0" smtClean="0">
-                <a:solidFill>
-                  <a:srgbClr val="FFFFFF"/>
-                </a:solidFill>
-                <a:latin typeface="Lato"/>
-                <a:ea typeface="Lato"/>
-                <a:cs typeface="Lato"/>
-                <a:sym typeface="Lato"/>
-              </a:rPr>
-              <a:t>selected</a:t>
+              <a:t>The process is triggered by an individual changing what city they have selected</a:t>
             </a:r>
             <a:endParaRPr sz="1700" dirty="0">
               <a:solidFill>
@@ -12002,14 +11843,18 @@
             </a:endParaRPr>
           </a:p>
           <a:p>
-            <a:pPr marL="0" lvl="0" indent="0" algn="l" rtl="0">
-              <a:spcBef>
-                <a:spcPts val="0"/>
-              </a:spcBef>
-              <a:spcAft>
-                <a:spcPts val="0"/>
-              </a:spcAft>
-              <a:buNone/>
+            <a:pPr marL="285750" lvl="0" indent="-285750" algn="l" rtl="0">
+              <a:spcBef>
+                <a:spcPts val="0"/>
+              </a:spcBef>
+              <a:spcAft>
+                <a:spcPts val="0"/>
+              </a:spcAft>
+              <a:buClr>
+                <a:schemeClr val="bg1"/>
+              </a:buClr>
+              <a:buFont typeface="Courier New" panose="02070309020205020404" pitchFamily="49" charset="0"/>
+              <a:buChar char="o"/>
             </a:pPr>
             <a:r>
               <a:rPr lang="en-US" sz="1700" dirty="0">
@@ -12025,14 +11870,18 @@
             </a:r>
           </a:p>
           <a:p>
-            <a:pPr marL="0" lvl="0" indent="0" algn="l" rtl="0">
-              <a:spcBef>
-                <a:spcPts val="0"/>
-              </a:spcBef>
-              <a:spcAft>
-                <a:spcPts val="0"/>
-              </a:spcAft>
-              <a:buNone/>
+            <a:pPr marL="285750" lvl="0" indent="-285750" algn="l" rtl="0">
+              <a:spcBef>
+                <a:spcPts val="0"/>
+              </a:spcBef>
+              <a:spcAft>
+                <a:spcPts val="0"/>
+              </a:spcAft>
+              <a:buClr>
+                <a:schemeClr val="bg1"/>
+              </a:buClr>
+              <a:buFont typeface="Courier New" panose="02070309020205020404" pitchFamily="49" charset="0"/>
+              <a:buChar char="o"/>
             </a:pPr>
             <a:endParaRPr lang="en-US" sz="1700" dirty="0">
               <a:solidFill>
@@ -12045,14 +11894,12 @@
             </a:endParaRPr>
           </a:p>
           <a:p>
-            <a:pPr marL="0" lvl="0" indent="0" algn="l" rtl="0">
-              <a:spcBef>
-                <a:spcPts val="0"/>
-              </a:spcBef>
-              <a:spcAft>
-                <a:spcPts val="0"/>
-              </a:spcAft>
-              <a:buNone/>
+            <a:pPr marL="285750" indent="-285750">
+              <a:buClr>
+                <a:schemeClr val="bg1"/>
+              </a:buClr>
+              <a:buFont typeface="Courier New" panose="02070309020205020404" pitchFamily="49" charset="0"/>
+              <a:buChar char="o"/>
             </a:pPr>
             <a:r>
               <a:rPr lang="en-US" sz="1700" dirty="0">
@@ -12068,14 +11915,12 @@
             </a:r>
           </a:p>
           <a:p>
-            <a:pPr marL="0" lvl="0" indent="0" algn="l" rtl="0">
-              <a:spcBef>
-                <a:spcPts val="0"/>
-              </a:spcBef>
-              <a:spcAft>
-                <a:spcPts val="0"/>
-              </a:spcAft>
-              <a:buNone/>
+            <a:pPr marL="285750" indent="-285750">
+              <a:buClr>
+                <a:schemeClr val="bg1"/>
+              </a:buClr>
+              <a:buFont typeface="Courier New" panose="02070309020205020404" pitchFamily="49" charset="0"/>
+              <a:buChar char="o"/>
             </a:pPr>
             <a:endParaRPr lang="en-US" sz="1700" dirty="0">
               <a:solidFill>
@@ -12088,14 +11933,12 @@
             </a:endParaRPr>
           </a:p>
           <a:p>
-            <a:pPr marL="0" lvl="0" indent="0" algn="l" rtl="0">
-              <a:spcBef>
-                <a:spcPts val="0"/>
-              </a:spcBef>
-              <a:spcAft>
-                <a:spcPts val="0"/>
-              </a:spcAft>
-              <a:buNone/>
+            <a:pPr marL="285750" indent="-285750">
+              <a:buClr>
+                <a:schemeClr val="bg1"/>
+              </a:buClr>
+              <a:buFont typeface="Courier New" panose="02070309020205020404" pitchFamily="49" charset="0"/>
+              <a:buChar char="o"/>
             </a:pPr>
             <a:r>
               <a:rPr lang="en-US" sz="1700" dirty="0">
@@ -12111,14 +11954,12 @@
             </a:r>
           </a:p>
           <a:p>
-            <a:pPr marL="0" lvl="0" indent="0" algn="l" rtl="0">
-              <a:spcBef>
-                <a:spcPts val="0"/>
-              </a:spcBef>
-              <a:spcAft>
-                <a:spcPts val="0"/>
-              </a:spcAft>
-              <a:buNone/>
+            <a:pPr marL="285750" indent="-285750">
+              <a:buClr>
+                <a:schemeClr val="bg1"/>
+              </a:buClr>
+              <a:buFont typeface="Courier New" panose="02070309020205020404" pitchFamily="49" charset="0"/>
+              <a:buChar char="o"/>
             </a:pPr>
             <a:endParaRPr lang="en-US" sz="1700" dirty="0">
               <a:solidFill>
@@ -12131,17 +11972,15 @@
             </a:endParaRPr>
           </a:p>
           <a:p>
-            <a:pPr marL="0" lvl="0" indent="0" algn="l" rtl="0">
-              <a:spcBef>
-                <a:spcPts val="0"/>
-              </a:spcBef>
-              <a:spcAft>
-                <a:spcPts val="0"/>
-              </a:spcAft>
-              <a:buNone/>
-            </a:pPr>
-            <a:r>
-              <a:rPr lang="en-US" sz="1700" dirty="0">
+            <a:pPr marL="285750" indent="-285750">
+              <a:buClr>
+                <a:schemeClr val="bg1"/>
+              </a:buClr>
+              <a:buFont typeface="Courier New" panose="02070309020205020404" pitchFamily="49" charset="0"/>
+              <a:buChar char="o"/>
+            </a:pPr>
+            <a:r>
+              <a:rPr lang="en-US" sz="1700">
                 <a:solidFill>
                   <a:srgbClr val="FFFFFF"/>
                 </a:solidFill>
@@ -12152,6 +11991,64 @@
               </a:rPr>
               <a:t>Finally, we mapped the locations &amp; created the summary statistics in JavaScript.</a:t>
             </a:r>
+          </a:p>
+          <a:p>
+            <a:pPr marL="285750" indent="-285750">
+              <a:buClr>
+                <a:schemeClr val="bg1"/>
+              </a:buClr>
+              <a:buFont typeface="Courier New" panose="02070309020205020404" pitchFamily="49" charset="0"/>
+              <a:buChar char="o"/>
+            </a:pPr>
+            <a:endParaRPr lang="en-US" sz="1700" dirty="0">
+              <a:solidFill>
+                <a:srgbClr val="FFFFFF"/>
+              </a:solidFill>
+              <a:latin typeface="Lato"/>
+              <a:ea typeface="Lato"/>
+              <a:cs typeface="Lato"/>
+              <a:sym typeface="Lato"/>
+            </a:endParaRPr>
+          </a:p>
+          <a:p>
+            <a:pPr lvl="0" algn="l" rtl="0">
+              <a:spcBef>
+                <a:spcPts val="0"/>
+              </a:spcBef>
+              <a:spcAft>
+                <a:spcPts val="0"/>
+              </a:spcAft>
+            </a:pPr>
+            <a:endParaRPr lang="en-US" sz="1700" dirty="0">
+              <a:solidFill>
+                <a:srgbClr val="FFFFFF"/>
+              </a:solidFill>
+              <a:latin typeface="Lato"/>
+              <a:ea typeface="Lato"/>
+              <a:cs typeface="Lato"/>
+              <a:sym typeface="Lato"/>
+            </a:endParaRPr>
+          </a:p>
+          <a:p>
+            <a:pPr marL="285750" lvl="0" indent="-285750" algn="l" rtl="0">
+              <a:spcBef>
+                <a:spcPts val="0"/>
+              </a:spcBef>
+              <a:spcAft>
+                <a:spcPts val="0"/>
+              </a:spcAft>
+              <a:buFont typeface="Arial" panose="020B0604020202020204" pitchFamily="34" charset="0"/>
+              <a:buChar char="•"/>
+            </a:pPr>
+            <a:endParaRPr lang="en-US" sz="1700" dirty="0">
+              <a:solidFill>
+                <a:srgbClr val="FFFFFF"/>
+              </a:solidFill>
+              <a:latin typeface="Lato"/>
+              <a:ea typeface="Lato"/>
+              <a:cs typeface="Lato"/>
+              <a:sym typeface="Lato"/>
+            </a:endParaRPr>
           </a:p>
           <a:p>
             <a:pPr marL="0" lvl="0" indent="0" algn="l" rtl="0">
@@ -13188,18 +13085,6 @@
               </a:rPr>
               <a:t>Married, No Kids</a:t>
             </a:r>
-            <a:r>
-              <a:rPr lang="en" sz="1700" b="1" dirty="0">
-                <a:solidFill>
-                  <a:srgbClr val="FFFFFF"/>
-                </a:solidFill>
-                <a:latin typeface="Lato"/>
-                <a:ea typeface="Lato"/>
-                <a:cs typeface="Lato"/>
-                <a:sym typeface="Lato"/>
-              </a:rPr>
-              <a:t/>
-            </a:r>
             <a:br>
               <a:rPr lang="en" sz="1700" b="1" dirty="0">
                 <a:solidFill>
@@ -13787,18 +13672,6 @@
                 <a:sym typeface="Lato"/>
               </a:rPr>
             </a:br>
-            <a:r>
-              <a:rPr lang="en" sz="1700" b="1" dirty="0">
-                <a:solidFill>
-                  <a:srgbClr val="FFFFFF"/>
-                </a:solidFill>
-                <a:latin typeface="Lato"/>
-                <a:ea typeface="Lato"/>
-                <a:cs typeface="Lato"/>
-                <a:sym typeface="Lato"/>
-              </a:rPr>
-              <a:t/>
-            </a:r>
             <a:br>
               <a:rPr lang="en" sz="1700" b="1" dirty="0">
                 <a:solidFill>
@@ -13857,18 +13730,6 @@
                 <a:sym typeface="Lato"/>
               </a:rPr>
             </a:br>
-            <a:r>
-              <a:rPr lang="en" sz="1700" b="1" dirty="0">
-                <a:solidFill>
-                  <a:srgbClr val="FFFFFF"/>
-                </a:solidFill>
-                <a:latin typeface="Lato"/>
-                <a:ea typeface="Lato"/>
-                <a:cs typeface="Lato"/>
-                <a:sym typeface="Lato"/>
-              </a:rPr>
-              <a:t/>
-            </a:r>
             <a:br>
               <a:rPr lang="en" sz="1700" b="1" dirty="0">
                 <a:solidFill>
@@ -14058,18 +13919,6 @@
               </a:rPr>
               <a:t> surveys the following list of parameters for the list of cities:</a:t>
             </a:r>
-            <a:r>
-              <a:rPr lang="en-US" sz="1600" dirty="0">
-                <a:solidFill>
-                  <a:schemeClr val="bg1"/>
-                </a:solidFill>
-                <a:latin typeface="Lato"/>
-                <a:ea typeface="Lato"/>
-                <a:cs typeface="Lato"/>
-                <a:sym typeface="Lato"/>
-              </a:rPr>
-              <a:t/>
-            </a:r>
             <a:br>
               <a:rPr lang="en-US" sz="1600" dirty="0">
                 <a:solidFill>
@@ -14719,18 +14568,6 @@
                 <a:sym typeface="Lato"/>
               </a:rPr>
             </a:br>
-            <a:r>
-              <a:rPr lang="en" sz="1700" dirty="0">
-                <a:solidFill>
-                  <a:srgbClr val="FFFFFF"/>
-                </a:solidFill>
-                <a:latin typeface="Lato"/>
-                <a:ea typeface="Lato"/>
-                <a:cs typeface="Lato"/>
-                <a:sym typeface="Lato"/>
-              </a:rPr>
-              <a:t/>
-            </a:r>
             <a:br>
               <a:rPr lang="en" sz="1700" dirty="0">
                 <a:solidFill>

--- a/Homies City Collection.pptx
+++ b/Homies City Collection.pptx
@@ -33,14 +33,14 @@
   <p:notesSz cx="6858000" cy="9144000"/>
   <p:embeddedFontLst>
     <p:embeddedFont>
-      <p:font typeface="Lato" panose="020B0604020202020204" charset="0"/>
+      <p:font typeface="Raleway" panose="020B0604020202020204" charset="0"/>
       <p:regular r:id="rId23"/>
       <p:bold r:id="rId24"/>
       <p:italic r:id="rId25"/>
       <p:boldItalic r:id="rId26"/>
     </p:embeddedFont>
     <p:embeddedFont>
-      <p:font typeface="Raleway" panose="020B0604020202020204" charset="0"/>
+      <p:font typeface="Lato" panose="020B0604020202020204" charset="0"/>
       <p:regular r:id="rId27"/>
       <p:bold r:id="rId28"/>
       <p:italic r:id="rId29"/>
@@ -9191,12 +9191,24 @@
                 <a:hlinkClick r:id="rId3">
                   <a:extLst>
                     <a:ext uri="{A12FA001-AC4F-418D-AE19-62706E023703}">
-                      <ahyp:hlinkClr xmlns:ahyp="http://schemas.microsoft.com/office/drawing/2018/hyperlinkcolor" val="tx"/>
+                      <ahyp:hlinkClr xmlns:ahyp="http://schemas.microsoft.com/office/drawing/2018/hyperlinkcolor" xmlns="" val="tx"/>
                     </a:ext>
                   </a:extLst>
                 </a:hlinkClick>
               </a:rPr>
               <a:t>https://maxcdn.bootstrapcdn.com/bootstrap/3.3.7/css/bootstrap.min.css</a:t>
+            </a:r>
+            <a:r>
+              <a:rPr lang="en" sz="1700" dirty="0">
+                <a:solidFill>
+                  <a:srgbClr val="FFFFFF"/>
+                </a:solidFill>
+                <a:latin typeface="Lato"/>
+                <a:ea typeface="Lato"/>
+                <a:cs typeface="Lato"/>
+                <a:sym typeface="Lato"/>
+              </a:rPr>
+              <a:t/>
             </a:r>
             <a:br>
               <a:rPr lang="en" sz="1700" dirty="0">
@@ -9260,12 +9272,24 @@
                 <a:hlinkClick r:id="rId4">
                   <a:extLst>
                     <a:ext uri="{A12FA001-AC4F-418D-AE19-62706E023703}">
-                      <ahyp:hlinkClr xmlns:ahyp="http://schemas.microsoft.com/office/drawing/2018/hyperlinkcolor" val="tx"/>
+                      <ahyp:hlinkClr xmlns:ahyp="http://schemas.microsoft.com/office/drawing/2018/hyperlinkcolor" xmlns="" val="tx"/>
                     </a:ext>
                   </a:extLst>
                 </a:hlinkClick>
               </a:rPr>
               <a:t>https://cdnjs.cloudflare.com/ajax/libs/d3/5.5.0/d3.js</a:t>
+            </a:r>
+            <a:r>
+              <a:rPr lang="en" sz="1700" dirty="0">
+                <a:solidFill>
+                  <a:srgbClr val="FFFFFF"/>
+                </a:solidFill>
+                <a:latin typeface="Lato"/>
+                <a:ea typeface="Lato"/>
+                <a:cs typeface="Lato"/>
+                <a:sym typeface="Lato"/>
+              </a:rPr>
+              <a:t/>
             </a:r>
             <a:br>
               <a:rPr lang="en" sz="1700" dirty="0">
@@ -9362,6 +9386,18 @@
               </a:rPr>
               <a:t>style.css</a:t>
             </a:r>
+            <a:r>
+              <a:rPr lang="en" sz="1700" dirty="0">
+                <a:solidFill>
+                  <a:srgbClr val="FFFFFF"/>
+                </a:solidFill>
+                <a:latin typeface="Lato"/>
+                <a:ea typeface="Lato"/>
+                <a:cs typeface="Lato"/>
+                <a:sym typeface="Lato"/>
+              </a:rPr>
+              <a:t/>
+            </a:r>
             <a:br>
               <a:rPr lang="en" sz="1700" dirty="0">
                 <a:solidFill>
@@ -9580,12 +9616,24 @@
                 <a:hlinkClick r:id="rId5">
                   <a:extLst>
                     <a:ext uri="{A12FA001-AC4F-418D-AE19-62706E023703}">
-                      <ahyp:hlinkClr xmlns:ahyp="http://schemas.microsoft.com/office/drawing/2018/hyperlinkcolor" val="tx"/>
+                      <ahyp:hlinkClr xmlns:ahyp="http://schemas.microsoft.com/office/drawing/2018/hyperlinkcolor" xmlns="" val="tx"/>
                     </a:ext>
                   </a:extLst>
                 </a:hlinkClick>
               </a:rPr>
               <a:t>https://unpkg.com/leaflet@1.3.3/dist/leaflet.js</a:t>
+            </a:r>
+            <a:r>
+              <a:rPr lang="en" sz="1700" dirty="0">
+                <a:solidFill>
+                  <a:srgbClr val="FFFFFF"/>
+                </a:solidFill>
+                <a:latin typeface="Lato"/>
+                <a:ea typeface="Lato"/>
+                <a:cs typeface="Lato"/>
+                <a:sym typeface="Lato"/>
+              </a:rPr>
+              <a:t/>
             </a:r>
             <a:br>
               <a:rPr lang="en" sz="1700" dirty="0">
@@ -11095,8 +11143,80 @@
                 <a:cs typeface="Lato"/>
                 <a:sym typeface="Lato"/>
               </a:rPr>
-              <a:t>Populating the map with city</a:t>
-            </a:r>
+              <a:t>Populating the map with </a:t>
+            </a:r>
+            <a:r>
+              <a:rPr lang="en-US" sz="1700" b="1" dirty="0" smtClean="0">
+                <a:solidFill>
+                  <a:srgbClr val="FFFFFF"/>
+                </a:solidFill>
+                <a:latin typeface="Lato"/>
+                <a:ea typeface="Lato"/>
+                <a:cs typeface="Lato"/>
+                <a:sym typeface="Lato"/>
+              </a:rPr>
+              <a:t>city</a:t>
+            </a:r>
+          </a:p>
+          <a:p>
+            <a:pPr marL="285750" lvl="1" indent="-285750">
+              <a:buClr>
+                <a:schemeClr val="bg1"/>
+              </a:buClr>
+              <a:buFont typeface="Courier New" panose="02070309020205020404" pitchFamily="49" charset="0"/>
+              <a:buChar char="o"/>
+            </a:pPr>
+            <a:endParaRPr lang="en-US" sz="1700" b="1" dirty="0">
+              <a:solidFill>
+                <a:srgbClr val="FFFFFF"/>
+              </a:solidFill>
+              <a:latin typeface="Lato"/>
+              <a:ea typeface="Lato"/>
+              <a:cs typeface="Lato"/>
+              <a:sym typeface="Lato"/>
+            </a:endParaRPr>
+          </a:p>
+          <a:p>
+            <a:pPr marL="285750" lvl="1" indent="-285750">
+              <a:buClr>
+                <a:schemeClr val="bg1"/>
+              </a:buClr>
+              <a:buFont typeface="Courier New" panose="02070309020205020404" pitchFamily="49" charset="0"/>
+              <a:buChar char="o"/>
+            </a:pPr>
+            <a:r>
+              <a:rPr lang="en-US" sz="1700" b="1" dirty="0" smtClean="0">
+                <a:solidFill>
+                  <a:srgbClr val="FFFFFF"/>
+                </a:solidFill>
+                <a:latin typeface="Lato"/>
+                <a:ea typeface="Lato"/>
+                <a:cs typeface="Lato"/>
+                <a:sym typeface="Lato"/>
+              </a:rPr>
+              <a:t>Coordinates were pulled </a:t>
+            </a:r>
+            <a:r>
+              <a:rPr lang="en-US" sz="1700" b="1" smtClean="0">
+                <a:solidFill>
+                  <a:srgbClr val="FFFFFF"/>
+                </a:solidFill>
+                <a:latin typeface="Lato"/>
+                <a:ea typeface="Lato"/>
+                <a:cs typeface="Lato"/>
+                <a:sym typeface="Lato"/>
+              </a:rPr>
+              <a:t>from Google API data</a:t>
+            </a:r>
+            <a:endParaRPr lang="en-US" sz="1700" b="1" dirty="0">
+              <a:solidFill>
+                <a:srgbClr val="FFFFFF"/>
+              </a:solidFill>
+              <a:latin typeface="Lato"/>
+              <a:ea typeface="Lato"/>
+              <a:cs typeface="Lato"/>
+              <a:sym typeface="Lato"/>
+            </a:endParaRPr>
           </a:p>
           <a:p>
             <a:pPr marL="285750" lvl="1" indent="-285750">
@@ -13085,6 +13205,18 @@
               </a:rPr>
               <a:t>Married, No Kids</a:t>
             </a:r>
+            <a:r>
+              <a:rPr lang="en" sz="1700" b="1" dirty="0">
+                <a:solidFill>
+                  <a:srgbClr val="FFFFFF"/>
+                </a:solidFill>
+                <a:latin typeface="Lato"/>
+                <a:ea typeface="Lato"/>
+                <a:cs typeface="Lato"/>
+                <a:sym typeface="Lato"/>
+              </a:rPr>
+              <a:t/>
+            </a:r>
             <a:br>
               <a:rPr lang="en" sz="1700" b="1" dirty="0">
                 <a:solidFill>
@@ -13672,6 +13804,18 @@
                 <a:sym typeface="Lato"/>
               </a:rPr>
             </a:br>
+            <a:r>
+              <a:rPr lang="en" sz="1700" b="1" dirty="0">
+                <a:solidFill>
+                  <a:srgbClr val="FFFFFF"/>
+                </a:solidFill>
+                <a:latin typeface="Lato"/>
+                <a:ea typeface="Lato"/>
+                <a:cs typeface="Lato"/>
+                <a:sym typeface="Lato"/>
+              </a:rPr>
+              <a:t/>
+            </a:r>
             <a:br>
               <a:rPr lang="en" sz="1700" b="1" dirty="0">
                 <a:solidFill>
@@ -13730,6 +13874,18 @@
                 <a:sym typeface="Lato"/>
               </a:rPr>
             </a:br>
+            <a:r>
+              <a:rPr lang="en" sz="1700" b="1" dirty="0">
+                <a:solidFill>
+                  <a:srgbClr val="FFFFFF"/>
+                </a:solidFill>
+                <a:latin typeface="Lato"/>
+                <a:ea typeface="Lato"/>
+                <a:cs typeface="Lato"/>
+                <a:sym typeface="Lato"/>
+              </a:rPr>
+              <a:t/>
+            </a:r>
             <a:br>
               <a:rPr lang="en" sz="1700" b="1" dirty="0">
                 <a:solidFill>
@@ -13919,6 +14075,18 @@
               </a:rPr>
               <a:t> surveys the following list of parameters for the list of cities:</a:t>
             </a:r>
+            <a:r>
+              <a:rPr lang="en-US" sz="1600" dirty="0">
+                <a:solidFill>
+                  <a:schemeClr val="bg1"/>
+                </a:solidFill>
+                <a:latin typeface="Lato"/>
+                <a:ea typeface="Lato"/>
+                <a:cs typeface="Lato"/>
+                <a:sym typeface="Lato"/>
+              </a:rPr>
+              <a:t/>
+            </a:r>
             <a:br>
               <a:rPr lang="en-US" sz="1600" dirty="0">
                 <a:solidFill>
@@ -14568,6 +14736,18 @@
                 <a:sym typeface="Lato"/>
               </a:rPr>
             </a:br>
+            <a:r>
+              <a:rPr lang="en" sz="1700" dirty="0">
+                <a:solidFill>
+                  <a:srgbClr val="FFFFFF"/>
+                </a:solidFill>
+                <a:latin typeface="Lato"/>
+                <a:ea typeface="Lato"/>
+                <a:cs typeface="Lato"/>
+                <a:sym typeface="Lato"/>
+              </a:rPr>
+              <a:t/>
+            </a:r>
             <a:br>
               <a:rPr lang="en" sz="1700" dirty="0">
                 <a:solidFill>

--- a/Homies City Collection.pptx
+++ b/Homies City Collection.pptx
@@ -5,7 +5,7 @@
     <p:sldMasterId id="2147483659" r:id="rId1"/>
   </p:sldMasterIdLst>
   <p:notesMasterIdLst>
-    <p:notesMasterId r:id="rId22"/>
+    <p:notesMasterId r:id="rId21"/>
   </p:notesMasterIdLst>
   <p:sldIdLst>
     <p:sldId id="256" r:id="rId2"/>
@@ -23,28 +23,27 @@
     <p:sldId id="279" r:id="rId14"/>
     <p:sldId id="280" r:id="rId15"/>
     <p:sldId id="271" r:id="rId16"/>
-    <p:sldId id="267" r:id="rId17"/>
-    <p:sldId id="272" r:id="rId18"/>
-    <p:sldId id="275" r:id="rId19"/>
-    <p:sldId id="281" r:id="rId20"/>
-    <p:sldId id="274" r:id="rId21"/>
+    <p:sldId id="272" r:id="rId17"/>
+    <p:sldId id="275" r:id="rId18"/>
+    <p:sldId id="281" r:id="rId19"/>
+    <p:sldId id="274" r:id="rId20"/>
   </p:sldIdLst>
   <p:sldSz cx="9144000" cy="5143500" type="screen16x9"/>
   <p:notesSz cx="6858000" cy="9144000"/>
   <p:embeddedFontLst>
     <p:embeddedFont>
-      <p:font typeface="Raleway" panose="020B0604020202020204" charset="0"/>
-      <p:regular r:id="rId23"/>
-      <p:bold r:id="rId24"/>
-      <p:italic r:id="rId25"/>
-      <p:boldItalic r:id="rId26"/>
+      <p:font typeface="Lato" panose="020B0604020202020204" charset="0"/>
+      <p:regular r:id="rId22"/>
+      <p:bold r:id="rId23"/>
+      <p:italic r:id="rId24"/>
+      <p:boldItalic r:id="rId25"/>
     </p:embeddedFont>
     <p:embeddedFont>
-      <p:font typeface="Lato" panose="020B0604020202020204" charset="0"/>
-      <p:regular r:id="rId27"/>
-      <p:bold r:id="rId28"/>
-      <p:italic r:id="rId29"/>
-      <p:boldItalic r:id="rId30"/>
+      <p:font typeface="Raleway" panose="020B0604020202020204" charset="0"/>
+      <p:regular r:id="rId26"/>
+      <p:bold r:id="rId27"/>
+      <p:italic r:id="rId28"/>
+      <p:boldItalic r:id="rId29"/>
     </p:embeddedFont>
   </p:embeddedFontLst>
   <p:defaultTextStyle>
@@ -308,10 +307,17 @@
   <pc:docChgLst>
     <pc:chgData name="Colin" userId="c2c872a862d4dd17" providerId="LiveId" clId="{DBF0D679-A1D2-41BA-9DE5-196B1668C167}"/>
     <pc:docChg chg="addSld delSld modSld">
-      <pc:chgData name="Colin" userId="c2c872a862d4dd17" providerId="LiveId" clId="{DBF0D679-A1D2-41BA-9DE5-196B1668C167}" dt="2020-07-22T00:03:23.934" v="1" actId="47"/>
+      <pc:chgData name="Colin" userId="c2c872a862d4dd17" providerId="LiveId" clId="{DBF0D679-A1D2-41BA-9DE5-196B1668C167}" dt="2020-07-22T00:16:37.147" v="2" actId="2696"/>
       <pc:docMkLst>
         <pc:docMk/>
       </pc:docMkLst>
+      <pc:sldChg chg="del">
+        <pc:chgData name="Colin" userId="c2c872a862d4dd17" providerId="LiveId" clId="{DBF0D679-A1D2-41BA-9DE5-196B1668C167}" dt="2020-07-22T00:16:37.147" v="2" actId="2696"/>
+        <pc:sldMkLst>
+          <pc:docMk/>
+          <pc:sldMk cId="0" sldId="267"/>
+        </pc:sldMkLst>
+      </pc:sldChg>
       <pc:sldChg chg="del">
         <pc:chgData name="Colin" userId="c2c872a862d4dd17" providerId="LiveId" clId="{DBF0D679-A1D2-41BA-9DE5-196B1668C167}" dt="2020-07-22T00:03:23.934" v="1" actId="47"/>
         <pc:sldMkLst>
@@ -1548,7 +1554,7 @@
   <p:cSld>
     <p:spTree>
       <p:nvGrpSpPr>
-        <p:cNvPr id="1" name="Shape 134"/>
+        <p:cNvPr id="1" name="Shape 164"/>
         <p:cNvGrpSpPr/>
         <p:nvPr/>
       </p:nvGrpSpPr>
@@ -1562,7 +1568,7 @@
       </p:grpSpPr>
       <p:sp>
         <p:nvSpPr>
-          <p:cNvPr id="135" name="Google Shape;135;g8db37c88b9_0_49:notes"/>
+          <p:cNvPr id="165" name="Google Shape;165;g8db37c88b9_0_69:notes"/>
           <p:cNvSpPr>
             <a:spLocks noGrp="1" noRot="1" noChangeAspect="1"/>
           </p:cNvSpPr>
@@ -1603,7 +1609,7 @@
       </p:sp>
       <p:sp>
         <p:nvSpPr>
-          <p:cNvPr id="136" name="Google Shape;136;g8db37c88b9_0_49:notes"/>
+          <p:cNvPr id="166" name="Google Shape;166;g8db37c88b9_0_69:notes"/>
           <p:cNvSpPr txBox="1">
             <a:spLocks noGrp="1"/>
           </p:cNvSpPr>
@@ -1635,11 +1641,7 @@
               </a:spcAft>
               <a:buNone/>
             </a:pPr>
-            <a:r>
-              <a:rPr lang="en-US" dirty="0"/>
-              <a:t>Duong</a:t>
-            </a:r>
-            <a:endParaRPr dirty="0"/>
+            <a:endParaRPr/>
           </a:p>
         </p:txBody>
       </p:sp>
@@ -1743,110 +1745,6 @@
               </a:spcAft>
               <a:buNone/>
             </a:pPr>
-            <a:endParaRPr/>
-          </a:p>
-        </p:txBody>
-      </p:sp>
-    </p:spTree>
-  </p:cSld>
-  <p:clrMapOvr>
-    <a:masterClrMapping/>
-  </p:clrMapOvr>
-</p:notes>
-</file>
-
-<file path=ppt/notesSlides/notesSlide18.xml><?xml version="1.0" encoding="utf-8"?>
-<p:notes xmlns:a="http://schemas.openxmlformats.org/drawingml/2006/main" xmlns:r="http://schemas.openxmlformats.org/officeDocument/2006/relationships" xmlns:p="http://schemas.openxmlformats.org/presentationml/2006/main" showMasterSp="0" showMasterPhAnim="0">
-  <p:cSld>
-    <p:spTree>
-      <p:nvGrpSpPr>
-        <p:cNvPr id="1" name="Shape 164"/>
-        <p:cNvGrpSpPr/>
-        <p:nvPr/>
-      </p:nvGrpSpPr>
-      <p:grpSpPr>
-        <a:xfrm>
-          <a:off x="0" y="0"/>
-          <a:ext cx="0" cy="0"/>
-          <a:chOff x="0" y="0"/>
-          <a:chExt cx="0" cy="0"/>
-        </a:xfrm>
-      </p:grpSpPr>
-      <p:sp>
-        <p:nvSpPr>
-          <p:cNvPr id="165" name="Google Shape;165;g8db37c88b9_0_69:notes"/>
-          <p:cNvSpPr>
-            <a:spLocks noGrp="1" noRot="1" noChangeAspect="1"/>
-          </p:cNvSpPr>
-          <p:nvPr>
-            <p:ph type="sldImg" idx="2"/>
-          </p:nvPr>
-        </p:nvSpPr>
-        <p:spPr>
-          <a:xfrm>
-            <a:off x="381000" y="685800"/>
-            <a:ext cx="6096000" cy="3429000"/>
-          </a:xfrm>
-          <a:custGeom>
-            <a:avLst/>
-            <a:gdLst/>
-            <a:ahLst/>
-            <a:cxnLst/>
-            <a:rect l="l" t="t" r="r" b="b"/>
-            <a:pathLst>
-              <a:path w="120000" h="120000" extrusionOk="0">
-                <a:moveTo>
-                  <a:pt x="0" y="0"/>
-                </a:moveTo>
-                <a:lnTo>
-                  <a:pt x="120000" y="0"/>
-                </a:lnTo>
-                <a:lnTo>
-                  <a:pt x="120000" y="120000"/>
-                </a:lnTo>
-                <a:lnTo>
-                  <a:pt x="0" y="120000"/>
-                </a:lnTo>
-                <a:close/>
-              </a:path>
-            </a:pathLst>
-          </a:custGeom>
-        </p:spPr>
-      </p:sp>
-      <p:sp>
-        <p:nvSpPr>
-          <p:cNvPr id="166" name="Google Shape;166;g8db37c88b9_0_69:notes"/>
-          <p:cNvSpPr txBox="1">
-            <a:spLocks noGrp="1"/>
-          </p:cNvSpPr>
-          <p:nvPr>
-            <p:ph type="body" idx="1"/>
-          </p:nvPr>
-        </p:nvSpPr>
-        <p:spPr>
-          <a:xfrm>
-            <a:off x="685800" y="4343400"/>
-            <a:ext cx="5486400" cy="4114800"/>
-          </a:xfrm>
-          <a:prstGeom prst="rect">
-            <a:avLst/>
-          </a:prstGeom>
-        </p:spPr>
-        <p:txBody>
-          <a:bodyPr spcFirstLastPara="1" wrap="square" lIns="91425" tIns="91425" rIns="91425" bIns="91425" anchor="t" anchorCtr="0">
-            <a:noAutofit/>
-          </a:bodyPr>
-          <a:lstStyle/>
-          <a:p>
-            <a:pPr marL="0" lvl="0" indent="0" algn="l" rtl="0">
-              <a:spcBef>
-                <a:spcPts val="0"/>
-              </a:spcBef>
-              <a:spcAft>
-                <a:spcPts val="0"/>
-              </a:spcAft>
-              <a:buNone/>
-            </a:pPr>
             <a:r>
               <a:rPr lang="en-US" dirty="0"/>
               <a:t>Colin</a:t>
@@ -1868,7 +1766,7 @@
 </p:notes>
 </file>
 
-<file path=ppt/notesSlides/notesSlide19.xml><?xml version="1.0" encoding="utf-8"?>
+<file path=ppt/notesSlides/notesSlide18.xml><?xml version="1.0" encoding="utf-8"?>
 <p:notes xmlns:a="http://schemas.openxmlformats.org/drawingml/2006/main" xmlns:r="http://schemas.openxmlformats.org/officeDocument/2006/relationships" xmlns:p="http://schemas.openxmlformats.org/presentationml/2006/main" showMasterSp="0" showMasterPhAnim="0">
   <p:cSld>
     <p:spTree>
@@ -1929,6 +1827,114 @@
       <p:sp>
         <p:nvSpPr>
           <p:cNvPr id="172" name="Google Shape;172;g8db37c88b9_0_79:notes"/>
+          <p:cNvSpPr txBox="1">
+            <a:spLocks noGrp="1"/>
+          </p:cNvSpPr>
+          <p:nvPr>
+            <p:ph type="body" idx="1"/>
+          </p:nvPr>
+        </p:nvSpPr>
+        <p:spPr>
+          <a:xfrm>
+            <a:off x="685800" y="4343400"/>
+            <a:ext cx="5486400" cy="4114800"/>
+          </a:xfrm>
+          <a:prstGeom prst="rect">
+            <a:avLst/>
+          </a:prstGeom>
+        </p:spPr>
+        <p:txBody>
+          <a:bodyPr spcFirstLastPara="1" wrap="square" lIns="91425" tIns="91425" rIns="91425" bIns="91425" anchor="t" anchorCtr="0">
+            <a:noAutofit/>
+          </a:bodyPr>
+          <a:lstStyle/>
+          <a:p>
+            <a:pPr marL="0" lvl="0" indent="0" algn="l" rtl="0">
+              <a:spcBef>
+                <a:spcPts val="0"/>
+              </a:spcBef>
+              <a:spcAft>
+                <a:spcPts val="0"/>
+              </a:spcAft>
+              <a:buNone/>
+            </a:pPr>
+            <a:r>
+              <a:rPr lang="en-US" dirty="0"/>
+              <a:t>Colin</a:t>
+            </a:r>
+            <a:endParaRPr dirty="0"/>
+          </a:p>
+        </p:txBody>
+      </p:sp>
+    </p:spTree>
+  </p:cSld>
+  <p:clrMapOvr>
+    <a:masterClrMapping/>
+  </p:clrMapOvr>
+</p:notes>
+</file>
+
+<file path=ppt/notesSlides/notesSlide19.xml><?xml version="1.0" encoding="utf-8"?>
+<p:notes xmlns:a="http://schemas.openxmlformats.org/drawingml/2006/main" xmlns:r="http://schemas.openxmlformats.org/officeDocument/2006/relationships" xmlns:p="http://schemas.openxmlformats.org/presentationml/2006/main" showMasterSp="0" showMasterPhAnim="0">
+  <p:cSld>
+    <p:spTree>
+      <p:nvGrpSpPr>
+        <p:cNvPr id="1" name="Shape 176"/>
+        <p:cNvGrpSpPr/>
+        <p:nvPr/>
+      </p:nvGrpSpPr>
+      <p:grpSpPr>
+        <a:xfrm>
+          <a:off x="0" y="0"/>
+          <a:ext cx="0" cy="0"/>
+          <a:chOff x="0" y="0"/>
+          <a:chExt cx="0" cy="0"/>
+        </a:xfrm>
+      </p:grpSpPr>
+      <p:sp>
+        <p:nvSpPr>
+          <p:cNvPr id="177" name="Google Shape;177;g8db37c88b9_0_84:notes"/>
+          <p:cNvSpPr>
+            <a:spLocks noGrp="1" noRot="1" noChangeAspect="1"/>
+          </p:cNvSpPr>
+          <p:nvPr>
+            <p:ph type="sldImg" idx="2"/>
+          </p:nvPr>
+        </p:nvSpPr>
+        <p:spPr>
+          <a:xfrm>
+            <a:off x="381000" y="685800"/>
+            <a:ext cx="6096000" cy="3429000"/>
+          </a:xfrm>
+          <a:custGeom>
+            <a:avLst/>
+            <a:gdLst/>
+            <a:ahLst/>
+            <a:cxnLst/>
+            <a:rect l="l" t="t" r="r" b="b"/>
+            <a:pathLst>
+              <a:path w="120000" h="120000" extrusionOk="0">
+                <a:moveTo>
+                  <a:pt x="0" y="0"/>
+                </a:moveTo>
+                <a:lnTo>
+                  <a:pt x="120000" y="0"/>
+                </a:lnTo>
+                <a:lnTo>
+                  <a:pt x="120000" y="120000"/>
+                </a:lnTo>
+                <a:lnTo>
+                  <a:pt x="0" y="120000"/>
+                </a:lnTo>
+                <a:close/>
+              </a:path>
+            </a:pathLst>
+          </a:custGeom>
+        </p:spPr>
+      </p:sp>
+      <p:sp>
+        <p:nvSpPr>
+          <p:cNvPr id="178" name="Google Shape;178;g8db37c88b9_0_84:notes"/>
           <p:cNvSpPr txBox="1">
             <a:spLocks noGrp="1"/>
           </p:cNvSpPr>
@@ -2071,114 +2077,6 @@
             <a:r>
               <a:rPr lang="en-US" dirty="0"/>
               <a:t>Karen</a:t>
-            </a:r>
-            <a:endParaRPr dirty="0"/>
-          </a:p>
-        </p:txBody>
-      </p:sp>
-    </p:spTree>
-  </p:cSld>
-  <p:clrMapOvr>
-    <a:masterClrMapping/>
-  </p:clrMapOvr>
-</p:notes>
-</file>
-
-<file path=ppt/notesSlides/notesSlide20.xml><?xml version="1.0" encoding="utf-8"?>
-<p:notes xmlns:a="http://schemas.openxmlformats.org/drawingml/2006/main" xmlns:r="http://schemas.openxmlformats.org/officeDocument/2006/relationships" xmlns:p="http://schemas.openxmlformats.org/presentationml/2006/main" showMasterSp="0" showMasterPhAnim="0">
-  <p:cSld>
-    <p:spTree>
-      <p:nvGrpSpPr>
-        <p:cNvPr id="1" name="Shape 176"/>
-        <p:cNvGrpSpPr/>
-        <p:nvPr/>
-      </p:nvGrpSpPr>
-      <p:grpSpPr>
-        <a:xfrm>
-          <a:off x="0" y="0"/>
-          <a:ext cx="0" cy="0"/>
-          <a:chOff x="0" y="0"/>
-          <a:chExt cx="0" cy="0"/>
-        </a:xfrm>
-      </p:grpSpPr>
-      <p:sp>
-        <p:nvSpPr>
-          <p:cNvPr id="177" name="Google Shape;177;g8db37c88b9_0_84:notes"/>
-          <p:cNvSpPr>
-            <a:spLocks noGrp="1" noRot="1" noChangeAspect="1"/>
-          </p:cNvSpPr>
-          <p:nvPr>
-            <p:ph type="sldImg" idx="2"/>
-          </p:nvPr>
-        </p:nvSpPr>
-        <p:spPr>
-          <a:xfrm>
-            <a:off x="381000" y="685800"/>
-            <a:ext cx="6096000" cy="3429000"/>
-          </a:xfrm>
-          <a:custGeom>
-            <a:avLst/>
-            <a:gdLst/>
-            <a:ahLst/>
-            <a:cxnLst/>
-            <a:rect l="l" t="t" r="r" b="b"/>
-            <a:pathLst>
-              <a:path w="120000" h="120000" extrusionOk="0">
-                <a:moveTo>
-                  <a:pt x="0" y="0"/>
-                </a:moveTo>
-                <a:lnTo>
-                  <a:pt x="120000" y="0"/>
-                </a:lnTo>
-                <a:lnTo>
-                  <a:pt x="120000" y="120000"/>
-                </a:lnTo>
-                <a:lnTo>
-                  <a:pt x="0" y="120000"/>
-                </a:lnTo>
-                <a:close/>
-              </a:path>
-            </a:pathLst>
-          </a:custGeom>
-        </p:spPr>
-      </p:sp>
-      <p:sp>
-        <p:nvSpPr>
-          <p:cNvPr id="178" name="Google Shape;178;g8db37c88b9_0_84:notes"/>
-          <p:cNvSpPr txBox="1">
-            <a:spLocks noGrp="1"/>
-          </p:cNvSpPr>
-          <p:nvPr>
-            <p:ph type="body" idx="1"/>
-          </p:nvPr>
-        </p:nvSpPr>
-        <p:spPr>
-          <a:xfrm>
-            <a:off x="685800" y="4343400"/>
-            <a:ext cx="5486400" cy="4114800"/>
-          </a:xfrm>
-          <a:prstGeom prst="rect">
-            <a:avLst/>
-          </a:prstGeom>
-        </p:spPr>
-        <p:txBody>
-          <a:bodyPr spcFirstLastPara="1" wrap="square" lIns="91425" tIns="91425" rIns="91425" bIns="91425" anchor="t" anchorCtr="0">
-            <a:noAutofit/>
-          </a:bodyPr>
-          <a:lstStyle/>
-          <a:p>
-            <a:pPr marL="0" lvl="0" indent="0" algn="l" rtl="0">
-              <a:spcBef>
-                <a:spcPts val="0"/>
-              </a:spcBef>
-              <a:spcAft>
-                <a:spcPts val="0"/>
-              </a:spcAft>
-              <a:buNone/>
-            </a:pPr>
-            <a:r>
-              <a:rPr lang="en-US" dirty="0"/>
-              <a:t>Colin</a:t>
             </a:r>
             <a:endParaRPr dirty="0"/>
           </a:p>
@@ -9191,24 +9089,12 @@
                 <a:hlinkClick r:id="rId3">
                   <a:extLst>
                     <a:ext uri="{A12FA001-AC4F-418D-AE19-62706E023703}">
-                      <ahyp:hlinkClr xmlns:ahyp="http://schemas.microsoft.com/office/drawing/2018/hyperlinkcolor" xmlns="" val="tx"/>
+                      <ahyp:hlinkClr xmlns:ahyp="http://schemas.microsoft.com/office/drawing/2018/hyperlinkcolor" val="tx"/>
                     </a:ext>
                   </a:extLst>
                 </a:hlinkClick>
               </a:rPr>
               <a:t>https://maxcdn.bootstrapcdn.com/bootstrap/3.3.7/css/bootstrap.min.css</a:t>
-            </a:r>
-            <a:r>
-              <a:rPr lang="en" sz="1700" dirty="0">
-                <a:solidFill>
-                  <a:srgbClr val="FFFFFF"/>
-                </a:solidFill>
-                <a:latin typeface="Lato"/>
-                <a:ea typeface="Lato"/>
-                <a:cs typeface="Lato"/>
-                <a:sym typeface="Lato"/>
-              </a:rPr>
-              <a:t/>
             </a:r>
             <a:br>
               <a:rPr lang="en" sz="1700" dirty="0">
@@ -9272,24 +9158,12 @@
                 <a:hlinkClick r:id="rId4">
                   <a:extLst>
                     <a:ext uri="{A12FA001-AC4F-418D-AE19-62706E023703}">
-                      <ahyp:hlinkClr xmlns:ahyp="http://schemas.microsoft.com/office/drawing/2018/hyperlinkcolor" xmlns="" val="tx"/>
+                      <ahyp:hlinkClr xmlns:ahyp="http://schemas.microsoft.com/office/drawing/2018/hyperlinkcolor" val="tx"/>
                     </a:ext>
                   </a:extLst>
                 </a:hlinkClick>
               </a:rPr>
               <a:t>https://cdnjs.cloudflare.com/ajax/libs/d3/5.5.0/d3.js</a:t>
-            </a:r>
-            <a:r>
-              <a:rPr lang="en" sz="1700" dirty="0">
-                <a:solidFill>
-                  <a:srgbClr val="FFFFFF"/>
-                </a:solidFill>
-                <a:latin typeface="Lato"/>
-                <a:ea typeface="Lato"/>
-                <a:cs typeface="Lato"/>
-                <a:sym typeface="Lato"/>
-              </a:rPr>
-              <a:t/>
             </a:r>
             <a:br>
               <a:rPr lang="en" sz="1700" dirty="0">
@@ -9386,18 +9260,6 @@
               </a:rPr>
               <a:t>style.css</a:t>
             </a:r>
-            <a:r>
-              <a:rPr lang="en" sz="1700" dirty="0">
-                <a:solidFill>
-                  <a:srgbClr val="FFFFFF"/>
-                </a:solidFill>
-                <a:latin typeface="Lato"/>
-                <a:ea typeface="Lato"/>
-                <a:cs typeface="Lato"/>
-                <a:sym typeface="Lato"/>
-              </a:rPr>
-              <a:t/>
-            </a:r>
             <a:br>
               <a:rPr lang="en" sz="1700" dirty="0">
                 <a:solidFill>
@@ -9616,24 +9478,12 @@
                 <a:hlinkClick r:id="rId5">
                   <a:extLst>
                     <a:ext uri="{A12FA001-AC4F-418D-AE19-62706E023703}">
-                      <ahyp:hlinkClr xmlns:ahyp="http://schemas.microsoft.com/office/drawing/2018/hyperlinkcolor" xmlns="" val="tx"/>
+                      <ahyp:hlinkClr xmlns:ahyp="http://schemas.microsoft.com/office/drawing/2018/hyperlinkcolor" val="tx"/>
                     </a:ext>
                   </a:extLst>
                 </a:hlinkClick>
               </a:rPr>
               <a:t>https://unpkg.com/leaflet@1.3.3/dist/leaflet.js</a:t>
-            </a:r>
-            <a:r>
-              <a:rPr lang="en" sz="1700" dirty="0">
-                <a:solidFill>
-                  <a:srgbClr val="FFFFFF"/>
-                </a:solidFill>
-                <a:latin typeface="Lato"/>
-                <a:ea typeface="Lato"/>
-                <a:cs typeface="Lato"/>
-                <a:sym typeface="Lato"/>
-              </a:rPr>
-              <a:t/>
             </a:r>
             <a:br>
               <a:rPr lang="en" sz="1700" dirty="0">
@@ -11143,19 +10993,7 @@
                 <a:cs typeface="Lato"/>
                 <a:sym typeface="Lato"/>
               </a:rPr>
-              <a:t>Populating the map with </a:t>
-            </a:r>
-            <a:r>
-              <a:rPr lang="en-US" sz="1700" b="1" dirty="0" smtClean="0">
-                <a:solidFill>
-                  <a:srgbClr val="FFFFFF"/>
-                </a:solidFill>
-                <a:latin typeface="Lato"/>
-                <a:ea typeface="Lato"/>
-                <a:cs typeface="Lato"/>
-                <a:sym typeface="Lato"/>
-              </a:rPr>
-              <a:t>city</a:t>
+              <a:t>Populating the map with city</a:t>
             </a:r>
           </a:p>
           <a:p>
@@ -11185,7 +11023,7 @@
               <a:buChar char="o"/>
             </a:pPr>
             <a:r>
-              <a:rPr lang="en-US" sz="1700" b="1" dirty="0" smtClean="0">
+              <a:rPr lang="en-US" sz="1700" b="1" dirty="0">
                 <a:solidFill>
                   <a:srgbClr val="FFFFFF"/>
                 </a:solidFill>
@@ -11197,7 +11035,7 @@
               <a:t>Coordinates were pulled </a:t>
             </a:r>
             <a:r>
-              <a:rPr lang="en-US" sz="1700" b="1" smtClean="0">
+              <a:rPr lang="en-US" sz="1700" b="1">
                 <a:solidFill>
                   <a:srgbClr val="FFFFFF"/>
                 </a:solidFill>
@@ -11389,7 +11227,7 @@
   <p:cSld>
     <p:spTree>
       <p:nvGrpSpPr>
-        <p:cNvPr id="1" name="Shape 137"/>
+        <p:cNvPr id="1" name="Shape 167"/>
         <p:cNvGrpSpPr/>
         <p:nvPr/>
       </p:nvGrpSpPr>
@@ -11403,7 +11241,7 @@
       </p:grpSpPr>
       <p:sp>
         <p:nvSpPr>
-          <p:cNvPr id="138" name="Google Shape;138;p24"/>
+          <p:cNvPr id="168" name="Google Shape;168;p29"/>
           <p:cNvSpPr txBox="1">
             <a:spLocks noGrp="1"/>
           </p:cNvSpPr>
@@ -11426,14 +11264,22 @@
           </a:bodyPr>
           <a:lstStyle/>
           <a:p>
-            <a:pPr lvl="0"/>
+            <a:pPr marL="0" lvl="0" indent="0" algn="l" rtl="0">
+              <a:spcBef>
+                <a:spcPts val="0"/>
+              </a:spcBef>
+              <a:spcAft>
+                <a:spcPts val="0"/>
+              </a:spcAft>
+              <a:buNone/>
+            </a:pPr>
             <a:r>
               <a:rPr lang="en" sz="3600" dirty="0">
                 <a:solidFill>
                   <a:srgbClr val="FFFFFF"/>
                 </a:solidFill>
               </a:rPr>
-              <a:t>The Weather API via JavaScript</a:t>
+              <a:t>Libraries (Python)</a:t>
             </a:r>
             <a:endParaRPr sz="3600" dirty="0">
               <a:solidFill>
@@ -11443,16 +11289,24 @@
           </a:p>
         </p:txBody>
       </p:sp>
-      <p:sp>
-        <p:nvSpPr>
-          <p:cNvPr id="139" name="Google Shape;139;p24"/>
-          <p:cNvSpPr txBox="1"/>
+      <p:pic>
+        <p:nvPicPr>
+          <p:cNvPr id="169" name="Google Shape;169;p29"/>
+          <p:cNvPicPr preferRelativeResize="0"/>
           <p:nvPr/>
-        </p:nvSpPr>
+        </p:nvPicPr>
+        <p:blipFill>
+          <a:blip r:embed="rId3">
+            <a:alphaModFix/>
+          </a:blip>
+          <a:stretch>
+            <a:fillRect/>
+          </a:stretch>
+        </p:blipFill>
         <p:spPr>
           <a:xfrm>
-            <a:off x="303300" y="1783906"/>
-            <a:ext cx="8520600" cy="2899200"/>
+            <a:off x="2125588" y="917750"/>
+            <a:ext cx="4892826" cy="4128700"/>
           </a:xfrm>
           <a:prstGeom prst="rect">
             <a:avLst/>
@@ -11462,151 +11316,7 @@
             <a:noFill/>
           </a:ln>
         </p:spPr>
-        <p:txBody>
-          <a:bodyPr spcFirstLastPara="1" wrap="square" lIns="91425" tIns="91425" rIns="91425" bIns="91425" anchor="t" anchorCtr="0">
-            <a:noAutofit/>
-          </a:bodyPr>
-          <a:lstStyle/>
-          <a:p>
-            <a:pPr marL="285750" lvl="0" indent="-285750" algn="l" rtl="0">
-              <a:spcBef>
-                <a:spcPts val="0"/>
-              </a:spcBef>
-              <a:spcAft>
-                <a:spcPts val="0"/>
-              </a:spcAft>
-              <a:buClr>
-                <a:schemeClr val="bg1"/>
-              </a:buClr>
-              <a:buFont typeface="Courier New" panose="02070309020205020404" pitchFamily="49" charset="0"/>
-              <a:buChar char="o"/>
-            </a:pPr>
-            <a:r>
-              <a:rPr lang="en" sz="1700" dirty="0">
-                <a:solidFill>
-                  <a:srgbClr val="FFFFFF"/>
-                </a:solidFill>
-                <a:latin typeface="Lato"/>
-                <a:ea typeface="Lato"/>
-                <a:cs typeface="Lato"/>
-                <a:sym typeface="Lato"/>
-              </a:rPr>
-              <a:t>To gather the temperature information from the OpenWeatherAPI we used a library called Axios</a:t>
-            </a:r>
-          </a:p>
-          <a:p>
-            <a:pPr marL="285750" lvl="0" indent="-285750" algn="l" rtl="0">
-              <a:spcBef>
-                <a:spcPts val="0"/>
-              </a:spcBef>
-              <a:spcAft>
-                <a:spcPts val="0"/>
-              </a:spcAft>
-              <a:buClr>
-                <a:schemeClr val="bg1"/>
-              </a:buClr>
-              <a:buFont typeface="Courier New" panose="02070309020205020404" pitchFamily="49" charset="0"/>
-              <a:buChar char="o"/>
-            </a:pPr>
-            <a:endParaRPr lang="en" sz="1700" dirty="0">
-              <a:solidFill>
-                <a:srgbClr val="FFFFFF"/>
-              </a:solidFill>
-              <a:latin typeface="Lato"/>
-              <a:ea typeface="Lato"/>
-              <a:cs typeface="Lato"/>
-              <a:sym typeface="Lato"/>
-            </a:endParaRPr>
-          </a:p>
-          <a:p>
-            <a:pPr marL="285750" lvl="0" indent="-285750" algn="l" rtl="0">
-              <a:spcBef>
-                <a:spcPts val="0"/>
-              </a:spcBef>
-              <a:spcAft>
-                <a:spcPts val="0"/>
-              </a:spcAft>
-              <a:buClr>
-                <a:schemeClr val="bg1"/>
-              </a:buClr>
-              <a:buFont typeface="Courier New" panose="02070309020205020404" pitchFamily="49" charset="0"/>
-              <a:buChar char="o"/>
-            </a:pPr>
-            <a:r>
-              <a:rPr lang="en" sz="1700" dirty="0">
-                <a:solidFill>
-                  <a:srgbClr val="FFFFFF"/>
-                </a:solidFill>
-                <a:latin typeface="Lato"/>
-                <a:ea typeface="Lato"/>
-                <a:cs typeface="Lato"/>
-                <a:sym typeface="Lato"/>
-              </a:rPr>
-              <a:t>Axios is a promise based HTTP client for the browser and node.js</a:t>
-            </a:r>
-          </a:p>
-          <a:p>
-            <a:pPr marL="285750" lvl="0" indent="-285750" algn="l" rtl="0">
-              <a:spcBef>
-                <a:spcPts val="0"/>
-              </a:spcBef>
-              <a:spcAft>
-                <a:spcPts val="0"/>
-              </a:spcAft>
-              <a:buClr>
-                <a:schemeClr val="bg1"/>
-              </a:buClr>
-              <a:buFont typeface="Courier New" panose="02070309020205020404" pitchFamily="49" charset="0"/>
-              <a:buChar char="o"/>
-            </a:pPr>
-            <a:endParaRPr lang="en" sz="1700" dirty="0">
-              <a:solidFill>
-                <a:srgbClr val="FFFFFF"/>
-              </a:solidFill>
-              <a:latin typeface="Lato"/>
-              <a:ea typeface="Lato"/>
-              <a:cs typeface="Lato"/>
-              <a:sym typeface="Lato"/>
-            </a:endParaRPr>
-          </a:p>
-          <a:p>
-            <a:pPr marL="285750" lvl="0" indent="-285750" algn="l" rtl="0">
-              <a:spcBef>
-                <a:spcPts val="0"/>
-              </a:spcBef>
-              <a:spcAft>
-                <a:spcPts val="0"/>
-              </a:spcAft>
-              <a:buClr>
-                <a:schemeClr val="bg1"/>
-              </a:buClr>
-              <a:buFont typeface="Courier New" panose="02070309020205020404" pitchFamily="49" charset="0"/>
-              <a:buChar char="o"/>
-            </a:pPr>
-            <a:r>
-              <a:rPr lang="en" sz="1700" dirty="0">
-                <a:solidFill>
-                  <a:srgbClr val="FFFFFF"/>
-                </a:solidFill>
-                <a:latin typeface="Lato"/>
-                <a:ea typeface="Lato"/>
-                <a:cs typeface="Lato"/>
-                <a:sym typeface="Lato"/>
-              </a:rPr>
-              <a:t>The process is triggered by an individual changing what city they have selected</a:t>
-            </a:r>
-            <a:endParaRPr sz="1700" dirty="0">
-              <a:solidFill>
-                <a:srgbClr val="FFFFFF"/>
-              </a:solidFill>
-              <a:latin typeface="Lato"/>
-              <a:ea typeface="Lato"/>
-              <a:cs typeface="Lato"/>
-              <a:sym typeface="Lato"/>
-            </a:endParaRPr>
-          </a:p>
-        </p:txBody>
-      </p:sp>
+      </p:pic>
     </p:spTree>
   </p:cSld>
   <p:clrMapOvr>
@@ -11672,109 +11382,6 @@
                   <a:srgbClr val="FFFFFF"/>
                 </a:solidFill>
               </a:rPr>
-              <a:t>Libraries (Python)</a:t>
-            </a:r>
-            <a:endParaRPr sz="3600" dirty="0">
-              <a:solidFill>
-                <a:srgbClr val="FFFFFF"/>
-              </a:solidFill>
-            </a:endParaRPr>
-          </a:p>
-        </p:txBody>
-      </p:sp>
-      <p:pic>
-        <p:nvPicPr>
-          <p:cNvPr id="169" name="Google Shape;169;p29"/>
-          <p:cNvPicPr preferRelativeResize="0"/>
-          <p:nvPr/>
-        </p:nvPicPr>
-        <p:blipFill>
-          <a:blip r:embed="rId3">
-            <a:alphaModFix/>
-          </a:blip>
-          <a:stretch>
-            <a:fillRect/>
-          </a:stretch>
-        </p:blipFill>
-        <p:spPr>
-          <a:xfrm>
-            <a:off x="2125588" y="917750"/>
-            <a:ext cx="4892826" cy="4128700"/>
-          </a:xfrm>
-          <a:prstGeom prst="rect">
-            <a:avLst/>
-          </a:prstGeom>
-          <a:noFill/>
-          <a:ln>
-            <a:noFill/>
-          </a:ln>
-        </p:spPr>
-      </p:pic>
-    </p:spTree>
-  </p:cSld>
-  <p:clrMapOvr>
-    <a:masterClrMapping/>
-  </p:clrMapOvr>
-</p:sld>
-</file>
-
-<file path=ppt/slides/slide18.xml><?xml version="1.0" encoding="utf-8"?>
-<p:sld xmlns:a="http://schemas.openxmlformats.org/drawingml/2006/main" xmlns:r="http://schemas.openxmlformats.org/officeDocument/2006/relationships" xmlns:p="http://schemas.openxmlformats.org/presentationml/2006/main">
-  <p:cSld>
-    <p:spTree>
-      <p:nvGrpSpPr>
-        <p:cNvPr id="1" name="Shape 167"/>
-        <p:cNvGrpSpPr/>
-        <p:nvPr/>
-      </p:nvGrpSpPr>
-      <p:grpSpPr>
-        <a:xfrm>
-          <a:off x="0" y="0"/>
-          <a:ext cx="0" cy="0"/>
-          <a:chOff x="0" y="0"/>
-          <a:chExt cx="0" cy="0"/>
-        </a:xfrm>
-      </p:grpSpPr>
-      <p:sp>
-        <p:nvSpPr>
-          <p:cNvPr id="168" name="Google Shape;168;p29"/>
-          <p:cNvSpPr txBox="1">
-            <a:spLocks noGrp="1"/>
-          </p:cNvSpPr>
-          <p:nvPr>
-            <p:ph type="title"/>
-          </p:nvPr>
-        </p:nvSpPr>
-        <p:spPr>
-          <a:xfrm>
-            <a:off x="303300" y="193225"/>
-            <a:ext cx="8520600" cy="639600"/>
-          </a:xfrm>
-          <a:prstGeom prst="rect">
-            <a:avLst/>
-          </a:prstGeom>
-        </p:spPr>
-        <p:txBody>
-          <a:bodyPr spcFirstLastPara="1" wrap="square" lIns="91425" tIns="91425" rIns="91425" bIns="91425" anchor="t" anchorCtr="0">
-            <a:noAutofit/>
-          </a:bodyPr>
-          <a:lstStyle/>
-          <a:p>
-            <a:pPr marL="0" lvl="0" indent="0" algn="l" rtl="0">
-              <a:spcBef>
-                <a:spcPts val="0"/>
-              </a:spcBef>
-              <a:spcAft>
-                <a:spcPts val="0"/>
-              </a:spcAft>
-              <a:buNone/>
-            </a:pPr>
-            <a:r>
-              <a:rPr lang="en" sz="3600" dirty="0">
-                <a:solidFill>
-                  <a:srgbClr val="FFFFFF"/>
-                </a:solidFill>
-              </a:rPr>
               <a:t>Libraries (JavaScript)</a:t>
             </a:r>
             <a:endParaRPr sz="3600" dirty="0">
@@ -11828,7 +11435,7 @@
 </p:sld>
 </file>
 
-<file path=ppt/slides/slide19.xml><?xml version="1.0" encoding="utf-8"?>
+<file path=ppt/slides/slide18.xml><?xml version="1.0" encoding="utf-8"?>
 <p:sld xmlns:a="http://schemas.openxmlformats.org/drawingml/2006/main" xmlns:r="http://schemas.openxmlformats.org/officeDocument/2006/relationships" xmlns:p="http://schemas.openxmlformats.org/presentationml/2006/main">
   <p:cSld>
     <p:spTree>
@@ -12181,6 +11788,438 @@
               <a:buNone/>
             </a:pPr>
             <a:endParaRPr sz="1700" dirty="0">
+              <a:solidFill>
+                <a:srgbClr val="FFFFFF"/>
+              </a:solidFill>
+              <a:latin typeface="Lato"/>
+              <a:ea typeface="Lato"/>
+              <a:cs typeface="Lato"/>
+              <a:sym typeface="Lato"/>
+            </a:endParaRPr>
+          </a:p>
+        </p:txBody>
+      </p:sp>
+    </p:spTree>
+  </p:cSld>
+  <p:clrMapOvr>
+    <a:masterClrMapping/>
+  </p:clrMapOvr>
+</p:sld>
+</file>
+
+<file path=ppt/slides/slide19.xml><?xml version="1.0" encoding="utf-8"?>
+<p:sld xmlns:a="http://schemas.openxmlformats.org/drawingml/2006/main" xmlns:r="http://schemas.openxmlformats.org/officeDocument/2006/relationships" xmlns:p="http://schemas.openxmlformats.org/presentationml/2006/main">
+  <p:cSld>
+    <p:spTree>
+      <p:nvGrpSpPr>
+        <p:cNvPr id="1" name="Shape 179"/>
+        <p:cNvGrpSpPr/>
+        <p:nvPr/>
+      </p:nvGrpSpPr>
+      <p:grpSpPr>
+        <a:xfrm>
+          <a:off x="0" y="0"/>
+          <a:ext cx="0" cy="0"/>
+          <a:chOff x="0" y="0"/>
+          <a:chExt cx="0" cy="0"/>
+        </a:xfrm>
+      </p:grpSpPr>
+      <p:sp>
+        <p:nvSpPr>
+          <p:cNvPr id="180" name="Google Shape;180;p31"/>
+          <p:cNvSpPr txBox="1">
+            <a:spLocks noGrp="1"/>
+          </p:cNvSpPr>
+          <p:nvPr>
+            <p:ph type="title"/>
+          </p:nvPr>
+        </p:nvSpPr>
+        <p:spPr>
+          <a:xfrm>
+            <a:off x="303300" y="193225"/>
+            <a:ext cx="8520600" cy="639600"/>
+          </a:xfrm>
+          <a:prstGeom prst="rect">
+            <a:avLst/>
+          </a:prstGeom>
+        </p:spPr>
+        <p:txBody>
+          <a:bodyPr spcFirstLastPara="1" wrap="square" lIns="91425" tIns="91425" rIns="91425" bIns="91425" anchor="t" anchorCtr="0">
+            <a:noAutofit/>
+          </a:bodyPr>
+          <a:lstStyle/>
+          <a:p>
+            <a:pPr marL="0" lvl="0" indent="0" algn="l" rtl="0">
+              <a:spcBef>
+                <a:spcPts val="0"/>
+              </a:spcBef>
+              <a:spcAft>
+                <a:spcPts val="0"/>
+              </a:spcAft>
+              <a:buNone/>
+            </a:pPr>
+            <a:r>
+              <a:rPr lang="en" sz="3600">
+                <a:solidFill>
+                  <a:srgbClr val="FFFFFF"/>
+                </a:solidFill>
+              </a:rPr>
+              <a:t>Post-Mortem</a:t>
+            </a:r>
+            <a:endParaRPr sz="3600">
+              <a:solidFill>
+                <a:srgbClr val="FFFFFF"/>
+              </a:solidFill>
+            </a:endParaRPr>
+          </a:p>
+        </p:txBody>
+      </p:sp>
+      <p:sp>
+        <p:nvSpPr>
+          <p:cNvPr id="181" name="Google Shape;181;p31"/>
+          <p:cNvSpPr txBox="1"/>
+          <p:nvPr/>
+        </p:nvSpPr>
+        <p:spPr>
+          <a:xfrm>
+            <a:off x="311700" y="1122150"/>
+            <a:ext cx="8520600" cy="2999794"/>
+          </a:xfrm>
+          <a:prstGeom prst="rect">
+            <a:avLst/>
+          </a:prstGeom>
+          <a:noFill/>
+          <a:ln>
+            <a:noFill/>
+          </a:ln>
+        </p:spPr>
+        <p:txBody>
+          <a:bodyPr spcFirstLastPara="1" wrap="square" lIns="91425" tIns="91425" rIns="91425" bIns="91425" anchor="t" anchorCtr="0">
+            <a:noAutofit/>
+          </a:bodyPr>
+          <a:lstStyle/>
+          <a:p>
+            <a:pPr marL="0" lvl="0" indent="0" algn="l" rtl="0">
+              <a:spcBef>
+                <a:spcPts val="0"/>
+              </a:spcBef>
+              <a:spcAft>
+                <a:spcPts val="0"/>
+              </a:spcAft>
+              <a:buNone/>
+            </a:pPr>
+            <a:r>
+              <a:rPr lang="en-US" sz="1700" dirty="0">
+                <a:solidFill>
+                  <a:srgbClr val="FFFFFF"/>
+                </a:solidFill>
+                <a:latin typeface="Lato"/>
+                <a:ea typeface="Lato"/>
+                <a:cs typeface="Lato"/>
+                <a:sym typeface="Lato"/>
+              </a:rPr>
+              <a:t>While we were successful in the JavaScript portion of the project, it took longer than anticipated.</a:t>
+            </a:r>
+          </a:p>
+          <a:p>
+            <a:pPr marL="0" lvl="0" indent="0" algn="l" rtl="0">
+              <a:spcBef>
+                <a:spcPts val="0"/>
+              </a:spcBef>
+              <a:spcAft>
+                <a:spcPts val="0"/>
+              </a:spcAft>
+              <a:buNone/>
+            </a:pPr>
+            <a:endParaRPr lang="en-US" sz="1700" dirty="0">
+              <a:solidFill>
+                <a:srgbClr val="FFFFFF"/>
+              </a:solidFill>
+              <a:latin typeface="Lato"/>
+              <a:ea typeface="Lato"/>
+              <a:cs typeface="Lato"/>
+              <a:sym typeface="Lato"/>
+            </a:endParaRPr>
+          </a:p>
+          <a:p>
+            <a:r>
+              <a:rPr lang="en-US" sz="1700" dirty="0">
+                <a:solidFill>
+                  <a:srgbClr val="FFFFFF"/>
+                </a:solidFill>
+                <a:latin typeface="Lato"/>
+                <a:ea typeface="Lato"/>
+                <a:cs typeface="Lato"/>
+                <a:sym typeface="Lato"/>
+              </a:rPr>
+              <a:t>We learned how to implement the library </a:t>
+            </a:r>
+            <a:r>
+              <a:rPr lang="en-US" sz="1700" dirty="0" err="1">
+                <a:solidFill>
+                  <a:srgbClr val="FFFFFF"/>
+                </a:solidFill>
+                <a:latin typeface="Lato"/>
+                <a:ea typeface="Lato"/>
+                <a:cs typeface="Lato"/>
+                <a:sym typeface="Lato"/>
+              </a:rPr>
+              <a:t>Axios</a:t>
+            </a:r>
+            <a:r>
+              <a:rPr lang="en-US" sz="1700" dirty="0">
+                <a:solidFill>
+                  <a:srgbClr val="FFFFFF"/>
+                </a:solidFill>
+                <a:latin typeface="Lato"/>
+                <a:ea typeface="Lato"/>
+                <a:cs typeface="Lato"/>
+                <a:sym typeface="Lato"/>
+              </a:rPr>
+              <a:t>, which is an incredibly powerful and useful asset to have when working with APIs.</a:t>
+            </a:r>
+          </a:p>
+          <a:p>
+            <a:pPr marL="0" lvl="0" indent="0" algn="l" rtl="0">
+              <a:spcBef>
+                <a:spcPts val="0"/>
+              </a:spcBef>
+              <a:spcAft>
+                <a:spcPts val="0"/>
+              </a:spcAft>
+              <a:buNone/>
+            </a:pPr>
+            <a:endParaRPr lang="en-US" sz="1700" dirty="0">
+              <a:solidFill>
+                <a:srgbClr val="FFFFFF"/>
+              </a:solidFill>
+              <a:latin typeface="Lato"/>
+              <a:ea typeface="Lato"/>
+              <a:cs typeface="Lato"/>
+              <a:sym typeface="Lato"/>
+            </a:endParaRPr>
+          </a:p>
+          <a:p>
+            <a:pPr marL="0" lvl="0" indent="0" algn="l" rtl="0">
+              <a:spcBef>
+                <a:spcPts val="0"/>
+              </a:spcBef>
+              <a:spcAft>
+                <a:spcPts val="0"/>
+              </a:spcAft>
+              <a:buNone/>
+            </a:pPr>
+            <a:r>
+              <a:rPr lang="en-US" sz="1700" dirty="0">
+                <a:solidFill>
+                  <a:srgbClr val="FFFFFF"/>
+                </a:solidFill>
+                <a:latin typeface="Lato"/>
+                <a:ea typeface="Lato"/>
+                <a:cs typeface="Lato"/>
+                <a:sym typeface="Lato"/>
+              </a:rPr>
+              <a:t>There are additional things we would have included, such as more measurements for the cities, better map integration, and overall improved usability. Due to time constraints, </a:t>
+            </a:r>
+            <a:r>
+              <a:rPr lang="en-US" sz="1700">
+                <a:solidFill>
+                  <a:srgbClr val="FFFFFF"/>
+                </a:solidFill>
+                <a:latin typeface="Lato"/>
+                <a:ea typeface="Lato"/>
+                <a:cs typeface="Lato"/>
+                <a:sym typeface="Lato"/>
+              </a:rPr>
+              <a:t>we did what </a:t>
+            </a:r>
+            <a:r>
+              <a:rPr lang="en-US" sz="1700" dirty="0">
+                <a:solidFill>
+                  <a:srgbClr val="FFFFFF"/>
+                </a:solidFill>
+                <a:latin typeface="Lato"/>
+                <a:ea typeface="Lato"/>
+                <a:cs typeface="Lato"/>
+                <a:sym typeface="Lato"/>
+              </a:rPr>
+              <a:t>was most important.</a:t>
+            </a:r>
+          </a:p>
+          <a:p>
+            <a:pPr marL="0" lvl="0" indent="0" algn="l" rtl="0">
+              <a:spcBef>
+                <a:spcPts val="0"/>
+              </a:spcBef>
+              <a:spcAft>
+                <a:spcPts val="0"/>
+              </a:spcAft>
+              <a:buNone/>
+            </a:pPr>
+            <a:endParaRPr lang="en-US" sz="1700" dirty="0">
+              <a:solidFill>
+                <a:srgbClr val="FFFFFF"/>
+              </a:solidFill>
+              <a:latin typeface="Lato"/>
+              <a:ea typeface="Lato"/>
+              <a:cs typeface="Lato"/>
+              <a:sym typeface="Lato"/>
+            </a:endParaRPr>
+          </a:p>
+          <a:p>
+            <a:pPr marL="0" lvl="0" indent="0" algn="ctr" rtl="0">
+              <a:spcBef>
+                <a:spcPts val="0"/>
+              </a:spcBef>
+              <a:spcAft>
+                <a:spcPts val="0"/>
+              </a:spcAft>
+              <a:buNone/>
+            </a:pPr>
+            <a:r>
+              <a:rPr lang="en-US" sz="1700" dirty="0">
+                <a:solidFill>
+                  <a:srgbClr val="FFFFFF"/>
+                </a:solidFill>
+                <a:latin typeface="Lato"/>
+                <a:ea typeface="Lato"/>
+                <a:cs typeface="Lato"/>
+                <a:sym typeface="Lato"/>
+              </a:rPr>
+              <a:t>Thank you!</a:t>
+            </a:r>
+          </a:p>
+          <a:p>
+            <a:pPr marL="0" lvl="0" indent="0" algn="l" rtl="0">
+              <a:spcBef>
+                <a:spcPts val="0"/>
+              </a:spcBef>
+              <a:spcAft>
+                <a:spcPts val="0"/>
+              </a:spcAft>
+              <a:buNone/>
+            </a:pPr>
+            <a:endParaRPr lang="en-US" sz="1700" dirty="0">
+              <a:solidFill>
+                <a:srgbClr val="FFFFFF"/>
+              </a:solidFill>
+              <a:latin typeface="Lato"/>
+              <a:ea typeface="Lato"/>
+              <a:cs typeface="Lato"/>
+              <a:sym typeface="Lato"/>
+            </a:endParaRPr>
+          </a:p>
+          <a:p>
+            <a:pPr marL="0" lvl="0" indent="0" algn="l" rtl="0">
+              <a:spcBef>
+                <a:spcPts val="0"/>
+              </a:spcBef>
+              <a:spcAft>
+                <a:spcPts val="0"/>
+              </a:spcAft>
+              <a:buNone/>
+            </a:pPr>
+            <a:endParaRPr lang="en-US" sz="1700" dirty="0">
+              <a:solidFill>
+                <a:srgbClr val="FFFFFF"/>
+              </a:solidFill>
+              <a:latin typeface="Lato"/>
+              <a:ea typeface="Lato"/>
+              <a:cs typeface="Lato"/>
+              <a:sym typeface="Lato"/>
+            </a:endParaRPr>
+          </a:p>
+          <a:p>
+            <a:pPr marL="0" lvl="0" indent="0" algn="l" rtl="0">
+              <a:spcBef>
+                <a:spcPts val="0"/>
+              </a:spcBef>
+              <a:spcAft>
+                <a:spcPts val="0"/>
+              </a:spcAft>
+              <a:buNone/>
+            </a:pPr>
+            <a:endParaRPr lang="en-US" sz="1700" dirty="0">
+              <a:solidFill>
+                <a:srgbClr val="FFFFFF"/>
+              </a:solidFill>
+              <a:latin typeface="Lato"/>
+              <a:ea typeface="Lato"/>
+              <a:cs typeface="Lato"/>
+              <a:sym typeface="Lato"/>
+            </a:endParaRPr>
+          </a:p>
+          <a:p>
+            <a:pPr marL="0" lvl="0" indent="0" algn="l" rtl="0">
+              <a:spcBef>
+                <a:spcPts val="0"/>
+              </a:spcBef>
+              <a:spcAft>
+                <a:spcPts val="0"/>
+              </a:spcAft>
+              <a:buNone/>
+            </a:pPr>
+            <a:endParaRPr lang="en-US" sz="1700" dirty="0">
+              <a:solidFill>
+                <a:srgbClr val="FFFFFF"/>
+              </a:solidFill>
+              <a:latin typeface="Lato"/>
+              <a:ea typeface="Lato"/>
+              <a:cs typeface="Lato"/>
+              <a:sym typeface="Lato"/>
+            </a:endParaRPr>
+          </a:p>
+          <a:p>
+            <a:pPr marL="0" lvl="0" indent="0" algn="l" rtl="0">
+              <a:spcBef>
+                <a:spcPts val="0"/>
+              </a:spcBef>
+              <a:spcAft>
+                <a:spcPts val="0"/>
+              </a:spcAft>
+              <a:buNone/>
+            </a:pPr>
+            <a:endParaRPr lang="en-US" sz="1700" dirty="0">
+              <a:solidFill>
+                <a:srgbClr val="FFFFFF"/>
+              </a:solidFill>
+              <a:latin typeface="Lato"/>
+              <a:ea typeface="Lato"/>
+              <a:cs typeface="Lato"/>
+              <a:sym typeface="Lato"/>
+            </a:endParaRPr>
+          </a:p>
+          <a:p>
+            <a:pPr marL="0" lvl="0" indent="0" algn="l" rtl="0">
+              <a:spcBef>
+                <a:spcPts val="0"/>
+              </a:spcBef>
+              <a:spcAft>
+                <a:spcPts val="0"/>
+              </a:spcAft>
+              <a:buNone/>
+            </a:pPr>
+            <a:endParaRPr lang="en-US" sz="1700" dirty="0">
+              <a:solidFill>
+                <a:srgbClr val="FFFFFF"/>
+              </a:solidFill>
+              <a:latin typeface="Lato"/>
+              <a:ea typeface="Lato"/>
+              <a:cs typeface="Lato"/>
+              <a:sym typeface="Lato"/>
+            </a:endParaRPr>
+          </a:p>
+          <a:p>
+            <a:pPr marL="0" lvl="0" indent="0" algn="l" rtl="0">
+              <a:spcBef>
+                <a:spcPts val="0"/>
+              </a:spcBef>
+              <a:spcAft>
+                <a:spcPts val="0"/>
+              </a:spcAft>
+              <a:buNone/>
+            </a:pPr>
+            <a:endParaRPr lang="en-US" sz="1700" dirty="0">
               <a:solidFill>
                 <a:srgbClr val="FFFFFF"/>
               </a:solidFill>
@@ -12421,438 +12460,6 @@
 </p:sld>
 </file>
 
-<file path=ppt/slides/slide20.xml><?xml version="1.0" encoding="utf-8"?>
-<p:sld xmlns:a="http://schemas.openxmlformats.org/drawingml/2006/main" xmlns:r="http://schemas.openxmlformats.org/officeDocument/2006/relationships" xmlns:p="http://schemas.openxmlformats.org/presentationml/2006/main">
-  <p:cSld>
-    <p:spTree>
-      <p:nvGrpSpPr>
-        <p:cNvPr id="1" name="Shape 179"/>
-        <p:cNvGrpSpPr/>
-        <p:nvPr/>
-      </p:nvGrpSpPr>
-      <p:grpSpPr>
-        <a:xfrm>
-          <a:off x="0" y="0"/>
-          <a:ext cx="0" cy="0"/>
-          <a:chOff x="0" y="0"/>
-          <a:chExt cx="0" cy="0"/>
-        </a:xfrm>
-      </p:grpSpPr>
-      <p:sp>
-        <p:nvSpPr>
-          <p:cNvPr id="180" name="Google Shape;180;p31"/>
-          <p:cNvSpPr txBox="1">
-            <a:spLocks noGrp="1"/>
-          </p:cNvSpPr>
-          <p:nvPr>
-            <p:ph type="title"/>
-          </p:nvPr>
-        </p:nvSpPr>
-        <p:spPr>
-          <a:xfrm>
-            <a:off x="303300" y="193225"/>
-            <a:ext cx="8520600" cy="639600"/>
-          </a:xfrm>
-          <a:prstGeom prst="rect">
-            <a:avLst/>
-          </a:prstGeom>
-        </p:spPr>
-        <p:txBody>
-          <a:bodyPr spcFirstLastPara="1" wrap="square" lIns="91425" tIns="91425" rIns="91425" bIns="91425" anchor="t" anchorCtr="0">
-            <a:noAutofit/>
-          </a:bodyPr>
-          <a:lstStyle/>
-          <a:p>
-            <a:pPr marL="0" lvl="0" indent="0" algn="l" rtl="0">
-              <a:spcBef>
-                <a:spcPts val="0"/>
-              </a:spcBef>
-              <a:spcAft>
-                <a:spcPts val="0"/>
-              </a:spcAft>
-              <a:buNone/>
-            </a:pPr>
-            <a:r>
-              <a:rPr lang="en" sz="3600">
-                <a:solidFill>
-                  <a:srgbClr val="FFFFFF"/>
-                </a:solidFill>
-              </a:rPr>
-              <a:t>Post-Mortem</a:t>
-            </a:r>
-            <a:endParaRPr sz="3600">
-              <a:solidFill>
-                <a:srgbClr val="FFFFFF"/>
-              </a:solidFill>
-            </a:endParaRPr>
-          </a:p>
-        </p:txBody>
-      </p:sp>
-      <p:sp>
-        <p:nvSpPr>
-          <p:cNvPr id="181" name="Google Shape;181;p31"/>
-          <p:cNvSpPr txBox="1"/>
-          <p:nvPr/>
-        </p:nvSpPr>
-        <p:spPr>
-          <a:xfrm>
-            <a:off x="311700" y="1122150"/>
-            <a:ext cx="8520600" cy="2999794"/>
-          </a:xfrm>
-          <a:prstGeom prst="rect">
-            <a:avLst/>
-          </a:prstGeom>
-          <a:noFill/>
-          <a:ln>
-            <a:noFill/>
-          </a:ln>
-        </p:spPr>
-        <p:txBody>
-          <a:bodyPr spcFirstLastPara="1" wrap="square" lIns="91425" tIns="91425" rIns="91425" bIns="91425" anchor="t" anchorCtr="0">
-            <a:noAutofit/>
-          </a:bodyPr>
-          <a:lstStyle/>
-          <a:p>
-            <a:pPr marL="0" lvl="0" indent="0" algn="l" rtl="0">
-              <a:spcBef>
-                <a:spcPts val="0"/>
-              </a:spcBef>
-              <a:spcAft>
-                <a:spcPts val="0"/>
-              </a:spcAft>
-              <a:buNone/>
-            </a:pPr>
-            <a:r>
-              <a:rPr lang="en-US" sz="1700" dirty="0">
-                <a:solidFill>
-                  <a:srgbClr val="FFFFFF"/>
-                </a:solidFill>
-                <a:latin typeface="Lato"/>
-                <a:ea typeface="Lato"/>
-                <a:cs typeface="Lato"/>
-                <a:sym typeface="Lato"/>
-              </a:rPr>
-              <a:t>While we were successful in the JavaScript portion of the project, it took longer than anticipated.</a:t>
-            </a:r>
-          </a:p>
-          <a:p>
-            <a:pPr marL="0" lvl="0" indent="0" algn="l" rtl="0">
-              <a:spcBef>
-                <a:spcPts val="0"/>
-              </a:spcBef>
-              <a:spcAft>
-                <a:spcPts val="0"/>
-              </a:spcAft>
-              <a:buNone/>
-            </a:pPr>
-            <a:endParaRPr lang="en-US" sz="1700" dirty="0">
-              <a:solidFill>
-                <a:srgbClr val="FFFFFF"/>
-              </a:solidFill>
-              <a:latin typeface="Lato"/>
-              <a:ea typeface="Lato"/>
-              <a:cs typeface="Lato"/>
-              <a:sym typeface="Lato"/>
-            </a:endParaRPr>
-          </a:p>
-          <a:p>
-            <a:r>
-              <a:rPr lang="en-US" sz="1700" dirty="0">
-                <a:solidFill>
-                  <a:srgbClr val="FFFFFF"/>
-                </a:solidFill>
-                <a:latin typeface="Lato"/>
-                <a:ea typeface="Lato"/>
-                <a:cs typeface="Lato"/>
-                <a:sym typeface="Lato"/>
-              </a:rPr>
-              <a:t>We learned how to implement the library </a:t>
-            </a:r>
-            <a:r>
-              <a:rPr lang="en-US" sz="1700" dirty="0" err="1">
-                <a:solidFill>
-                  <a:srgbClr val="FFFFFF"/>
-                </a:solidFill>
-                <a:latin typeface="Lato"/>
-                <a:ea typeface="Lato"/>
-                <a:cs typeface="Lato"/>
-                <a:sym typeface="Lato"/>
-              </a:rPr>
-              <a:t>Axios</a:t>
-            </a:r>
-            <a:r>
-              <a:rPr lang="en-US" sz="1700" dirty="0">
-                <a:solidFill>
-                  <a:srgbClr val="FFFFFF"/>
-                </a:solidFill>
-                <a:latin typeface="Lato"/>
-                <a:ea typeface="Lato"/>
-                <a:cs typeface="Lato"/>
-                <a:sym typeface="Lato"/>
-              </a:rPr>
-              <a:t>, which is an incredibly powerful and useful asset to have when working with APIs.</a:t>
-            </a:r>
-          </a:p>
-          <a:p>
-            <a:pPr marL="0" lvl="0" indent="0" algn="l" rtl="0">
-              <a:spcBef>
-                <a:spcPts val="0"/>
-              </a:spcBef>
-              <a:spcAft>
-                <a:spcPts val="0"/>
-              </a:spcAft>
-              <a:buNone/>
-            </a:pPr>
-            <a:endParaRPr lang="en-US" sz="1700" dirty="0">
-              <a:solidFill>
-                <a:srgbClr val="FFFFFF"/>
-              </a:solidFill>
-              <a:latin typeface="Lato"/>
-              <a:ea typeface="Lato"/>
-              <a:cs typeface="Lato"/>
-              <a:sym typeface="Lato"/>
-            </a:endParaRPr>
-          </a:p>
-          <a:p>
-            <a:pPr marL="0" lvl="0" indent="0" algn="l" rtl="0">
-              <a:spcBef>
-                <a:spcPts val="0"/>
-              </a:spcBef>
-              <a:spcAft>
-                <a:spcPts val="0"/>
-              </a:spcAft>
-              <a:buNone/>
-            </a:pPr>
-            <a:r>
-              <a:rPr lang="en-US" sz="1700" dirty="0">
-                <a:solidFill>
-                  <a:srgbClr val="FFFFFF"/>
-                </a:solidFill>
-                <a:latin typeface="Lato"/>
-                <a:ea typeface="Lato"/>
-                <a:cs typeface="Lato"/>
-                <a:sym typeface="Lato"/>
-              </a:rPr>
-              <a:t>There are additional things we would have included, such as more measurements for the cities, better map integration, and overall improved usability. Due to time constraints, </a:t>
-            </a:r>
-            <a:r>
-              <a:rPr lang="en-US" sz="1700">
-                <a:solidFill>
-                  <a:srgbClr val="FFFFFF"/>
-                </a:solidFill>
-                <a:latin typeface="Lato"/>
-                <a:ea typeface="Lato"/>
-                <a:cs typeface="Lato"/>
-                <a:sym typeface="Lato"/>
-              </a:rPr>
-              <a:t>we did what </a:t>
-            </a:r>
-            <a:r>
-              <a:rPr lang="en-US" sz="1700" dirty="0">
-                <a:solidFill>
-                  <a:srgbClr val="FFFFFF"/>
-                </a:solidFill>
-                <a:latin typeface="Lato"/>
-                <a:ea typeface="Lato"/>
-                <a:cs typeface="Lato"/>
-                <a:sym typeface="Lato"/>
-              </a:rPr>
-              <a:t>was most important.</a:t>
-            </a:r>
-          </a:p>
-          <a:p>
-            <a:pPr marL="0" lvl="0" indent="0" algn="l" rtl="0">
-              <a:spcBef>
-                <a:spcPts val="0"/>
-              </a:spcBef>
-              <a:spcAft>
-                <a:spcPts val="0"/>
-              </a:spcAft>
-              <a:buNone/>
-            </a:pPr>
-            <a:endParaRPr lang="en-US" sz="1700" dirty="0">
-              <a:solidFill>
-                <a:srgbClr val="FFFFFF"/>
-              </a:solidFill>
-              <a:latin typeface="Lato"/>
-              <a:ea typeface="Lato"/>
-              <a:cs typeface="Lato"/>
-              <a:sym typeface="Lato"/>
-            </a:endParaRPr>
-          </a:p>
-          <a:p>
-            <a:pPr marL="0" lvl="0" indent="0" algn="ctr" rtl="0">
-              <a:spcBef>
-                <a:spcPts val="0"/>
-              </a:spcBef>
-              <a:spcAft>
-                <a:spcPts val="0"/>
-              </a:spcAft>
-              <a:buNone/>
-            </a:pPr>
-            <a:r>
-              <a:rPr lang="en-US" sz="1700" dirty="0">
-                <a:solidFill>
-                  <a:srgbClr val="FFFFFF"/>
-                </a:solidFill>
-                <a:latin typeface="Lato"/>
-                <a:ea typeface="Lato"/>
-                <a:cs typeface="Lato"/>
-                <a:sym typeface="Lato"/>
-              </a:rPr>
-              <a:t>Thank you!</a:t>
-            </a:r>
-          </a:p>
-          <a:p>
-            <a:pPr marL="0" lvl="0" indent="0" algn="l" rtl="0">
-              <a:spcBef>
-                <a:spcPts val="0"/>
-              </a:spcBef>
-              <a:spcAft>
-                <a:spcPts val="0"/>
-              </a:spcAft>
-              <a:buNone/>
-            </a:pPr>
-            <a:endParaRPr lang="en-US" sz="1700" dirty="0">
-              <a:solidFill>
-                <a:srgbClr val="FFFFFF"/>
-              </a:solidFill>
-              <a:latin typeface="Lato"/>
-              <a:ea typeface="Lato"/>
-              <a:cs typeface="Lato"/>
-              <a:sym typeface="Lato"/>
-            </a:endParaRPr>
-          </a:p>
-          <a:p>
-            <a:pPr marL="0" lvl="0" indent="0" algn="l" rtl="0">
-              <a:spcBef>
-                <a:spcPts val="0"/>
-              </a:spcBef>
-              <a:spcAft>
-                <a:spcPts val="0"/>
-              </a:spcAft>
-              <a:buNone/>
-            </a:pPr>
-            <a:endParaRPr lang="en-US" sz="1700" dirty="0">
-              <a:solidFill>
-                <a:srgbClr val="FFFFFF"/>
-              </a:solidFill>
-              <a:latin typeface="Lato"/>
-              <a:ea typeface="Lato"/>
-              <a:cs typeface="Lato"/>
-              <a:sym typeface="Lato"/>
-            </a:endParaRPr>
-          </a:p>
-          <a:p>
-            <a:pPr marL="0" lvl="0" indent="0" algn="l" rtl="0">
-              <a:spcBef>
-                <a:spcPts val="0"/>
-              </a:spcBef>
-              <a:spcAft>
-                <a:spcPts val="0"/>
-              </a:spcAft>
-              <a:buNone/>
-            </a:pPr>
-            <a:endParaRPr lang="en-US" sz="1700" dirty="0">
-              <a:solidFill>
-                <a:srgbClr val="FFFFFF"/>
-              </a:solidFill>
-              <a:latin typeface="Lato"/>
-              <a:ea typeface="Lato"/>
-              <a:cs typeface="Lato"/>
-              <a:sym typeface="Lato"/>
-            </a:endParaRPr>
-          </a:p>
-          <a:p>
-            <a:pPr marL="0" lvl="0" indent="0" algn="l" rtl="0">
-              <a:spcBef>
-                <a:spcPts val="0"/>
-              </a:spcBef>
-              <a:spcAft>
-                <a:spcPts val="0"/>
-              </a:spcAft>
-              <a:buNone/>
-            </a:pPr>
-            <a:endParaRPr lang="en-US" sz="1700" dirty="0">
-              <a:solidFill>
-                <a:srgbClr val="FFFFFF"/>
-              </a:solidFill>
-              <a:latin typeface="Lato"/>
-              <a:ea typeface="Lato"/>
-              <a:cs typeface="Lato"/>
-              <a:sym typeface="Lato"/>
-            </a:endParaRPr>
-          </a:p>
-          <a:p>
-            <a:pPr marL="0" lvl="0" indent="0" algn="l" rtl="0">
-              <a:spcBef>
-                <a:spcPts val="0"/>
-              </a:spcBef>
-              <a:spcAft>
-                <a:spcPts val="0"/>
-              </a:spcAft>
-              <a:buNone/>
-            </a:pPr>
-            <a:endParaRPr lang="en-US" sz="1700" dirty="0">
-              <a:solidFill>
-                <a:srgbClr val="FFFFFF"/>
-              </a:solidFill>
-              <a:latin typeface="Lato"/>
-              <a:ea typeface="Lato"/>
-              <a:cs typeface="Lato"/>
-              <a:sym typeface="Lato"/>
-            </a:endParaRPr>
-          </a:p>
-          <a:p>
-            <a:pPr marL="0" lvl="0" indent="0" algn="l" rtl="0">
-              <a:spcBef>
-                <a:spcPts val="0"/>
-              </a:spcBef>
-              <a:spcAft>
-                <a:spcPts val="0"/>
-              </a:spcAft>
-              <a:buNone/>
-            </a:pPr>
-            <a:endParaRPr lang="en-US" sz="1700" dirty="0">
-              <a:solidFill>
-                <a:srgbClr val="FFFFFF"/>
-              </a:solidFill>
-              <a:latin typeface="Lato"/>
-              <a:ea typeface="Lato"/>
-              <a:cs typeface="Lato"/>
-              <a:sym typeface="Lato"/>
-            </a:endParaRPr>
-          </a:p>
-          <a:p>
-            <a:pPr marL="0" lvl="0" indent="0" algn="l" rtl="0">
-              <a:spcBef>
-                <a:spcPts val="0"/>
-              </a:spcBef>
-              <a:spcAft>
-                <a:spcPts val="0"/>
-              </a:spcAft>
-              <a:buNone/>
-            </a:pPr>
-            <a:endParaRPr lang="en-US" sz="1700" dirty="0">
-              <a:solidFill>
-                <a:srgbClr val="FFFFFF"/>
-              </a:solidFill>
-              <a:latin typeface="Lato"/>
-              <a:ea typeface="Lato"/>
-              <a:cs typeface="Lato"/>
-              <a:sym typeface="Lato"/>
-            </a:endParaRPr>
-          </a:p>
-        </p:txBody>
-      </p:sp>
-    </p:spTree>
-  </p:cSld>
-  <p:clrMapOvr>
-    <a:masterClrMapping/>
-  </p:clrMapOvr>
-</p:sld>
-</file>
-
 <file path=ppt/slides/slide3.xml><?xml version="1.0" encoding="utf-8"?>
 <p:sld xmlns:a="http://schemas.openxmlformats.org/drawingml/2006/main" xmlns:r="http://schemas.openxmlformats.org/officeDocument/2006/relationships" xmlns:p="http://schemas.openxmlformats.org/presentationml/2006/main">
   <p:cSld>
@@ -13205,18 +12812,6 @@
               </a:rPr>
               <a:t>Married, No Kids</a:t>
             </a:r>
-            <a:r>
-              <a:rPr lang="en" sz="1700" b="1" dirty="0">
-                <a:solidFill>
-                  <a:srgbClr val="FFFFFF"/>
-                </a:solidFill>
-                <a:latin typeface="Lato"/>
-                <a:ea typeface="Lato"/>
-                <a:cs typeface="Lato"/>
-                <a:sym typeface="Lato"/>
-              </a:rPr>
-              <a:t/>
-            </a:r>
             <a:br>
               <a:rPr lang="en" sz="1700" b="1" dirty="0">
                 <a:solidFill>
@@ -13804,18 +13399,6 @@
                 <a:sym typeface="Lato"/>
               </a:rPr>
             </a:br>
-            <a:r>
-              <a:rPr lang="en" sz="1700" b="1" dirty="0">
-                <a:solidFill>
-                  <a:srgbClr val="FFFFFF"/>
-                </a:solidFill>
-                <a:latin typeface="Lato"/>
-                <a:ea typeface="Lato"/>
-                <a:cs typeface="Lato"/>
-                <a:sym typeface="Lato"/>
-              </a:rPr>
-              <a:t/>
-            </a:r>
             <a:br>
               <a:rPr lang="en" sz="1700" b="1" dirty="0">
                 <a:solidFill>
@@ -13874,18 +13457,6 @@
                 <a:sym typeface="Lato"/>
               </a:rPr>
             </a:br>
-            <a:r>
-              <a:rPr lang="en" sz="1700" b="1" dirty="0">
-                <a:solidFill>
-                  <a:srgbClr val="FFFFFF"/>
-                </a:solidFill>
-                <a:latin typeface="Lato"/>
-                <a:ea typeface="Lato"/>
-                <a:cs typeface="Lato"/>
-                <a:sym typeface="Lato"/>
-              </a:rPr>
-              <a:t/>
-            </a:r>
             <a:br>
               <a:rPr lang="en" sz="1700" b="1" dirty="0">
                 <a:solidFill>
@@ -14075,18 +13646,6 @@
               </a:rPr>
               <a:t> surveys the following list of parameters for the list of cities:</a:t>
             </a:r>
-            <a:r>
-              <a:rPr lang="en-US" sz="1600" dirty="0">
-                <a:solidFill>
-                  <a:schemeClr val="bg1"/>
-                </a:solidFill>
-                <a:latin typeface="Lato"/>
-                <a:ea typeface="Lato"/>
-                <a:cs typeface="Lato"/>
-                <a:sym typeface="Lato"/>
-              </a:rPr>
-              <a:t/>
-            </a:r>
             <a:br>
               <a:rPr lang="en-US" sz="1600" dirty="0">
                 <a:solidFill>
@@ -14736,18 +14295,6 @@
                 <a:sym typeface="Lato"/>
               </a:rPr>
             </a:br>
-            <a:r>
-              <a:rPr lang="en" sz="1700" dirty="0">
-                <a:solidFill>
-                  <a:srgbClr val="FFFFFF"/>
-                </a:solidFill>
-                <a:latin typeface="Lato"/>
-                <a:ea typeface="Lato"/>
-                <a:cs typeface="Lato"/>
-                <a:sym typeface="Lato"/>
-              </a:rPr>
-              <a:t/>
-            </a:r>
             <a:br>
               <a:rPr lang="en" sz="1700" dirty="0">
                 <a:solidFill>

--- a/Homies City Collection.pptx
+++ b/Homies City Collection.pptx
@@ -32,14 +32,14 @@
   <p:notesSz cx="6858000" cy="9144000"/>
   <p:embeddedFontLst>
     <p:embeddedFont>
-      <p:font typeface="Lato" panose="020B0604020202020204" charset="0"/>
+      <p:font typeface="Raleway" panose="020B0604020202020204" charset="0"/>
       <p:regular r:id="rId22"/>
       <p:bold r:id="rId23"/>
       <p:italic r:id="rId24"/>
       <p:boldItalic r:id="rId25"/>
     </p:embeddedFont>
     <p:embeddedFont>
-      <p:font typeface="Raleway" panose="020B0604020202020204" charset="0"/>
+      <p:font typeface="Lato" panose="020B0604020202020204" charset="0"/>
       <p:regular r:id="rId26"/>
       <p:bold r:id="rId27"/>
       <p:italic r:id="rId28"/>
@@ -9089,12 +9089,24 @@
                 <a:hlinkClick r:id="rId3">
                   <a:extLst>
                     <a:ext uri="{A12FA001-AC4F-418D-AE19-62706E023703}">
-                      <ahyp:hlinkClr xmlns:ahyp="http://schemas.microsoft.com/office/drawing/2018/hyperlinkcolor" val="tx"/>
+                      <ahyp:hlinkClr xmlns:ahyp="http://schemas.microsoft.com/office/drawing/2018/hyperlinkcolor" xmlns="" val="tx"/>
                     </a:ext>
                   </a:extLst>
                 </a:hlinkClick>
               </a:rPr>
               <a:t>https://maxcdn.bootstrapcdn.com/bootstrap/3.3.7/css/bootstrap.min.css</a:t>
+            </a:r>
+            <a:r>
+              <a:rPr lang="en" sz="1700" dirty="0">
+                <a:solidFill>
+                  <a:srgbClr val="FFFFFF"/>
+                </a:solidFill>
+                <a:latin typeface="Lato"/>
+                <a:ea typeface="Lato"/>
+                <a:cs typeface="Lato"/>
+                <a:sym typeface="Lato"/>
+              </a:rPr>
+              <a:t/>
             </a:r>
             <a:br>
               <a:rPr lang="en" sz="1700" dirty="0">
@@ -9158,12 +9170,24 @@
                 <a:hlinkClick r:id="rId4">
                   <a:extLst>
                     <a:ext uri="{A12FA001-AC4F-418D-AE19-62706E023703}">
-                      <ahyp:hlinkClr xmlns:ahyp="http://schemas.microsoft.com/office/drawing/2018/hyperlinkcolor" val="tx"/>
+                      <ahyp:hlinkClr xmlns:ahyp="http://schemas.microsoft.com/office/drawing/2018/hyperlinkcolor" xmlns="" val="tx"/>
                     </a:ext>
                   </a:extLst>
                 </a:hlinkClick>
               </a:rPr>
               <a:t>https://cdnjs.cloudflare.com/ajax/libs/d3/5.5.0/d3.js</a:t>
+            </a:r>
+            <a:r>
+              <a:rPr lang="en" sz="1700" dirty="0">
+                <a:solidFill>
+                  <a:srgbClr val="FFFFFF"/>
+                </a:solidFill>
+                <a:latin typeface="Lato"/>
+                <a:ea typeface="Lato"/>
+                <a:cs typeface="Lato"/>
+                <a:sym typeface="Lato"/>
+              </a:rPr>
+              <a:t/>
             </a:r>
             <a:br>
               <a:rPr lang="en" sz="1700" dirty="0">
@@ -9260,6 +9284,18 @@
               </a:rPr>
               <a:t>style.css</a:t>
             </a:r>
+            <a:r>
+              <a:rPr lang="en" sz="1700" dirty="0">
+                <a:solidFill>
+                  <a:srgbClr val="FFFFFF"/>
+                </a:solidFill>
+                <a:latin typeface="Lato"/>
+                <a:ea typeface="Lato"/>
+                <a:cs typeface="Lato"/>
+                <a:sym typeface="Lato"/>
+              </a:rPr>
+              <a:t/>
+            </a:r>
             <a:br>
               <a:rPr lang="en" sz="1700" dirty="0">
                 <a:solidFill>
@@ -9478,12 +9514,24 @@
                 <a:hlinkClick r:id="rId5">
                   <a:extLst>
                     <a:ext uri="{A12FA001-AC4F-418D-AE19-62706E023703}">
-                      <ahyp:hlinkClr xmlns:ahyp="http://schemas.microsoft.com/office/drawing/2018/hyperlinkcolor" val="tx"/>
+                      <ahyp:hlinkClr xmlns:ahyp="http://schemas.microsoft.com/office/drawing/2018/hyperlinkcolor" xmlns="" val="tx"/>
                     </a:ext>
                   </a:extLst>
                 </a:hlinkClick>
               </a:rPr>
               <a:t>https://unpkg.com/leaflet@1.3.3/dist/leaflet.js</a:t>
+            </a:r>
+            <a:r>
+              <a:rPr lang="en" sz="1700" dirty="0">
+                <a:solidFill>
+                  <a:srgbClr val="FFFFFF"/>
+                </a:solidFill>
+                <a:latin typeface="Lato"/>
+                <a:ea typeface="Lato"/>
+                <a:cs typeface="Lato"/>
+                <a:sym typeface="Lato"/>
+              </a:rPr>
+              <a:t/>
             </a:r>
             <a:br>
               <a:rPr lang="en" sz="1700" dirty="0">
@@ -10206,6 +10254,71 @@
           </a:p>
         </p:txBody>
       </p:sp>
+      <p:graphicFrame>
+        <p:nvGraphicFramePr>
+          <p:cNvPr id="2" name="Object 1"/>
+          <p:cNvGraphicFramePr>
+            <a:graphicFrameLocks noChangeAspect="1"/>
+          </p:cNvGraphicFramePr>
+          <p:nvPr>
+            <p:extLst>
+              <p:ext uri="{D42A27DB-BD31-4B8C-83A1-F6EECF244321}">
+                <p14:modId xmlns:p14="http://schemas.microsoft.com/office/powerpoint/2010/main" val="1618335906"/>
+              </p:ext>
+            </p:extLst>
+          </p:nvPr>
+        </p:nvGraphicFramePr>
+        <p:xfrm>
+          <a:off x="4406252" y="2378382"/>
+          <a:ext cx="4417648" cy="2503334"/>
+        </p:xfrm>
+        <a:graphic>
+          <a:graphicData uri="http://schemas.openxmlformats.org/presentationml/2006/ole">
+            <mc:AlternateContent xmlns:mc="http://schemas.openxmlformats.org/markup-compatibility/2006">
+              <mc:Choice xmlns:v="urn:schemas-microsoft-com:vml" Requires="v">
+                <p:oleObj spid="_x0000_s1027" name="Image" r:id="rId4" imgW="20444400" imgH="11504520" progId="Photoshop.Image.16">
+                  <p:embed/>
+                </p:oleObj>
+              </mc:Choice>
+              <mc:Fallback>
+                <p:oleObj name="Image" r:id="rId4" imgW="20444400" imgH="11504520" progId="Photoshop.Image.16">
+                  <p:embed/>
+                  <p:pic>
+                    <p:nvPicPr>
+                      <p:cNvPr id="0" name=""/>
+                      <p:cNvPicPr/>
+                      <p:nvPr/>
+                    </p:nvPicPr>
+                    <p:blipFill>
+                      <a:blip r:embed="rId5"/>
+                      <a:stretch>
+                        <a:fillRect/>
+                      </a:stretch>
+                    </p:blipFill>
+                    <p:spPr>
+                      <a:xfrm>
+                        <a:off x="4406252" y="2378382"/>
+                        <a:ext cx="4417648" cy="2503334"/>
+                      </a:xfrm>
+                      <a:prstGeom prst="rect">
+                        <a:avLst/>
+                      </a:prstGeom>
+                      <a:ln w="19050">
+                        <a:solidFill>
+                          <a:schemeClr val="bg2">
+                            <a:lumMod val="50000"/>
+                            <a:lumOff val="50000"/>
+                          </a:schemeClr>
+                        </a:solidFill>
+                      </a:ln>
+                    </p:spPr>
+                  </p:pic>
+                </p:oleObj>
+              </mc:Fallback>
+            </mc:AlternateContent>
+          </a:graphicData>
+        </a:graphic>
+      </p:graphicFrame>
     </p:spTree>
     <p:extLst>
       <p:ext uri="{BB962C8B-B14F-4D97-AF65-F5344CB8AC3E}">
@@ -10549,6 +10662,130 @@
           </a:p>
         </p:txBody>
       </p:sp>
+      <p:graphicFrame>
+        <p:nvGraphicFramePr>
+          <p:cNvPr id="2" name="Object 1"/>
+          <p:cNvGraphicFramePr>
+            <a:graphicFrameLocks noChangeAspect="1"/>
+          </p:cNvGraphicFramePr>
+          <p:nvPr>
+            <p:extLst>
+              <p:ext uri="{D42A27DB-BD31-4B8C-83A1-F6EECF244321}">
+                <p14:modId xmlns:p14="http://schemas.microsoft.com/office/powerpoint/2010/main" val="3579073676"/>
+              </p:ext>
+            </p:extLst>
+          </p:nvPr>
+        </p:nvGraphicFramePr>
+        <p:xfrm>
+          <a:off x="6184849" y="2765322"/>
+          <a:ext cx="2364163" cy="2214511"/>
+        </p:xfrm>
+        <a:graphic>
+          <a:graphicData uri="http://schemas.openxmlformats.org/presentationml/2006/ole">
+            <mc:AlternateContent xmlns:mc="http://schemas.openxmlformats.org/markup-compatibility/2006">
+              <mc:Choice xmlns:v="urn:schemas-microsoft-com:vml" Requires="v">
+                <p:oleObj spid="_x0000_s2051" name="Image" r:id="rId4" imgW="12215520" imgH="11377440" progId="Photoshop.Image.16">
+                  <p:embed/>
+                </p:oleObj>
+              </mc:Choice>
+              <mc:Fallback>
+                <p:oleObj name="Image" r:id="rId4" imgW="12215520" imgH="11377440" progId="Photoshop.Image.16">
+                  <p:embed/>
+                  <p:pic>
+                    <p:nvPicPr>
+                      <p:cNvPr id="0" name=""/>
+                      <p:cNvPicPr/>
+                      <p:nvPr/>
+                    </p:nvPicPr>
+                    <p:blipFill>
+                      <a:blip r:embed="rId5"/>
+                      <a:stretch>
+                        <a:fillRect/>
+                      </a:stretch>
+                    </p:blipFill>
+                    <p:spPr>
+                      <a:xfrm>
+                        <a:off x="6184849" y="2765322"/>
+                        <a:ext cx="2364163" cy="2214511"/>
+                      </a:xfrm>
+                      <a:prstGeom prst="rect">
+                        <a:avLst/>
+                      </a:prstGeom>
+                      <a:ln w="19050">
+                        <a:solidFill>
+                          <a:schemeClr val="bg1"/>
+                        </a:solidFill>
+                      </a:ln>
+                    </p:spPr>
+                  </p:pic>
+                </p:oleObj>
+              </mc:Fallback>
+            </mc:AlternateContent>
+          </a:graphicData>
+        </a:graphic>
+      </p:graphicFrame>
+      <p:graphicFrame>
+        <p:nvGraphicFramePr>
+          <p:cNvPr id="3" name="Object 2"/>
+          <p:cNvGraphicFramePr>
+            <a:graphicFrameLocks noChangeAspect="1"/>
+          </p:cNvGraphicFramePr>
+          <p:nvPr>
+            <p:extLst>
+              <p:ext uri="{D42A27DB-BD31-4B8C-83A1-F6EECF244321}">
+                <p14:modId xmlns:p14="http://schemas.microsoft.com/office/powerpoint/2010/main" val="3041195286"/>
+              </p:ext>
+            </p:extLst>
+          </p:nvPr>
+        </p:nvGraphicFramePr>
+        <p:xfrm>
+          <a:off x="7260676" y="859308"/>
+          <a:ext cx="1288336" cy="1838428"/>
+        </p:xfrm>
+        <a:graphic>
+          <a:graphicData uri="http://schemas.openxmlformats.org/presentationml/2006/ole">
+            <mc:AlternateContent xmlns:mc="http://schemas.openxmlformats.org/markup-compatibility/2006">
+              <mc:Choice xmlns:v="urn:schemas-microsoft-com:vml" Requires="v">
+                <p:oleObj spid="_x0000_s2052" name="Image" r:id="rId6" imgW="8101440" imgH="11479320" progId="Photoshop.Image.16">
+                  <p:embed/>
+                </p:oleObj>
+              </mc:Choice>
+              <mc:Fallback>
+                <p:oleObj name="Image" r:id="rId6" imgW="8101440" imgH="11479320" progId="Photoshop.Image.16">
+                  <p:embed/>
+                  <p:pic>
+                    <p:nvPicPr>
+                      <p:cNvPr id="0" name=""/>
+                      <p:cNvPicPr/>
+                      <p:nvPr/>
+                    </p:nvPicPr>
+                    <p:blipFill>
+                      <a:blip r:embed="rId7"/>
+                      <a:stretch>
+                        <a:fillRect/>
+                      </a:stretch>
+                    </p:blipFill>
+                    <p:spPr>
+                      <a:xfrm>
+                        <a:off x="7260676" y="859308"/>
+                        <a:ext cx="1288336" cy="1838428"/>
+                      </a:xfrm>
+                      <a:prstGeom prst="rect">
+                        <a:avLst/>
+                      </a:prstGeom>
+                      <a:ln w="19050">
+                        <a:solidFill>
+                          <a:schemeClr val="bg1"/>
+                        </a:solidFill>
+                      </a:ln>
+                    </p:spPr>
+                  </p:pic>
+                </p:oleObj>
+              </mc:Fallback>
+            </mc:AlternateContent>
+          </a:graphicData>
+        </a:graphic>
+      </p:graphicFrame>
     </p:spTree>
     <p:extLst>
       <p:ext uri="{BB962C8B-B14F-4D97-AF65-F5344CB8AC3E}">
@@ -10871,6 +11108,68 @@
           </a:p>
         </p:txBody>
       </p:sp>
+      <p:graphicFrame>
+        <p:nvGraphicFramePr>
+          <p:cNvPr id="2" name="Object 1"/>
+          <p:cNvGraphicFramePr>
+            <a:graphicFrameLocks noChangeAspect="1"/>
+          </p:cNvGraphicFramePr>
+          <p:nvPr>
+            <p:extLst>
+              <p:ext uri="{D42A27DB-BD31-4B8C-83A1-F6EECF244321}">
+                <p14:modId xmlns:p14="http://schemas.microsoft.com/office/powerpoint/2010/main" val="3262134420"/>
+              </p:ext>
+            </p:extLst>
+          </p:nvPr>
+        </p:nvGraphicFramePr>
+        <p:xfrm>
+          <a:off x="5583986" y="1400861"/>
+          <a:ext cx="3440229" cy="3178065"/>
+        </p:xfrm>
+        <a:graphic>
+          <a:graphicData uri="http://schemas.openxmlformats.org/presentationml/2006/ole">
+            <mc:AlternateContent xmlns:mc="http://schemas.openxmlformats.org/markup-compatibility/2006">
+              <mc:Choice xmlns:v="urn:schemas-microsoft-com:vml" Requires="v">
+                <p:oleObj spid="_x0000_s3075" name="Image" r:id="rId4" imgW="8025120" imgH="7364880" progId="Photoshop.Image.16">
+                  <p:embed/>
+                </p:oleObj>
+              </mc:Choice>
+              <mc:Fallback>
+                <p:oleObj name="Image" r:id="rId4" imgW="8025120" imgH="7364880" progId="Photoshop.Image.16">
+                  <p:embed/>
+                  <p:pic>
+                    <p:nvPicPr>
+                      <p:cNvPr id="0" name=""/>
+                      <p:cNvPicPr/>
+                      <p:nvPr/>
+                    </p:nvPicPr>
+                    <p:blipFill>
+                      <a:blip r:embed="rId5"/>
+                      <a:stretch>
+                        <a:fillRect/>
+                      </a:stretch>
+                    </p:blipFill>
+                    <p:spPr>
+                      <a:xfrm>
+                        <a:off x="5583986" y="1400861"/>
+                        <a:ext cx="3440229" cy="3178065"/>
+                      </a:xfrm>
+                      <a:prstGeom prst="rect">
+                        <a:avLst/>
+                      </a:prstGeom>
+                      <a:ln w="19050">
+                        <a:solidFill>
+                          <a:schemeClr val="bg1"/>
+                        </a:solidFill>
+                      </a:ln>
+                    </p:spPr>
+                  </p:pic>
+                </p:oleObj>
+              </mc:Fallback>
+            </mc:AlternateContent>
+          </a:graphicData>
+        </a:graphic>
+      </p:graphicFrame>
     </p:spTree>
     <p:extLst>
       <p:ext uri="{BB962C8B-B14F-4D97-AF65-F5344CB8AC3E}">
@@ -11214,6 +11513,68 @@
           </a:p>
         </p:txBody>
       </p:sp>
+      <p:graphicFrame>
+        <p:nvGraphicFramePr>
+          <p:cNvPr id="2" name="Object 1"/>
+          <p:cNvGraphicFramePr>
+            <a:graphicFrameLocks noChangeAspect="1"/>
+          </p:cNvGraphicFramePr>
+          <p:nvPr>
+            <p:extLst>
+              <p:ext uri="{D42A27DB-BD31-4B8C-83A1-F6EECF244321}">
+                <p14:modId xmlns:p14="http://schemas.microsoft.com/office/powerpoint/2010/main" val="2230148725"/>
+              </p:ext>
+            </p:extLst>
+          </p:nvPr>
+        </p:nvGraphicFramePr>
+        <p:xfrm>
+          <a:off x="4820840" y="2719973"/>
+          <a:ext cx="4003060" cy="2279072"/>
+        </p:xfrm>
+        <a:graphic>
+          <a:graphicData uri="http://schemas.openxmlformats.org/presentationml/2006/ole">
+            <mc:AlternateContent xmlns:mc="http://schemas.openxmlformats.org/markup-compatibility/2006">
+              <mc:Choice xmlns:v="urn:schemas-microsoft-com:vml" Requires="v">
+                <p:oleObj spid="_x0000_s4098" name="Image" r:id="rId4" imgW="17015760" imgH="9625320" progId="Photoshop.Image.16">
+                  <p:embed/>
+                </p:oleObj>
+              </mc:Choice>
+              <mc:Fallback>
+                <p:oleObj name="Image" r:id="rId4" imgW="17015760" imgH="9625320" progId="Photoshop.Image.16">
+                  <p:embed/>
+                  <p:pic>
+                    <p:nvPicPr>
+                      <p:cNvPr id="0" name=""/>
+                      <p:cNvPicPr/>
+                      <p:nvPr/>
+                    </p:nvPicPr>
+                    <p:blipFill>
+                      <a:blip r:embed="rId5"/>
+                      <a:stretch>
+                        <a:fillRect/>
+                      </a:stretch>
+                    </p:blipFill>
+                    <p:spPr>
+                      <a:xfrm>
+                        <a:off x="4820840" y="2719973"/>
+                        <a:ext cx="4003060" cy="2279072"/>
+                      </a:xfrm>
+                      <a:prstGeom prst="rect">
+                        <a:avLst/>
+                      </a:prstGeom>
+                      <a:ln w="19050">
+                        <a:solidFill>
+                          <a:schemeClr val="bg1"/>
+                        </a:solidFill>
+                      </a:ln>
+                    </p:spPr>
+                  </p:pic>
+                </p:oleObj>
+              </mc:Fallback>
+            </mc:AlternateContent>
+          </a:graphicData>
+        </a:graphic>
+      </p:graphicFrame>
     </p:spTree>
   </p:cSld>
   <p:clrMapOvr>
@@ -12812,6 +13173,18 @@
               </a:rPr>
               <a:t>Married, No Kids</a:t>
             </a:r>
+            <a:r>
+              <a:rPr lang="en" sz="1700" b="1" dirty="0">
+                <a:solidFill>
+                  <a:srgbClr val="FFFFFF"/>
+                </a:solidFill>
+                <a:latin typeface="Lato"/>
+                <a:ea typeface="Lato"/>
+                <a:cs typeface="Lato"/>
+                <a:sym typeface="Lato"/>
+              </a:rPr>
+              <a:t/>
+            </a:r>
             <a:br>
               <a:rPr lang="en" sz="1700" b="1" dirty="0">
                 <a:solidFill>
@@ -13399,6 +13772,18 @@
                 <a:sym typeface="Lato"/>
               </a:rPr>
             </a:br>
+            <a:r>
+              <a:rPr lang="en" sz="1700" b="1" dirty="0">
+                <a:solidFill>
+                  <a:srgbClr val="FFFFFF"/>
+                </a:solidFill>
+                <a:latin typeface="Lato"/>
+                <a:ea typeface="Lato"/>
+                <a:cs typeface="Lato"/>
+                <a:sym typeface="Lato"/>
+              </a:rPr>
+              <a:t/>
+            </a:r>
             <a:br>
               <a:rPr lang="en" sz="1700" b="1" dirty="0">
                 <a:solidFill>
@@ -13457,6 +13842,18 @@
                 <a:sym typeface="Lato"/>
               </a:rPr>
             </a:br>
+            <a:r>
+              <a:rPr lang="en" sz="1700" b="1" dirty="0">
+                <a:solidFill>
+                  <a:srgbClr val="FFFFFF"/>
+                </a:solidFill>
+                <a:latin typeface="Lato"/>
+                <a:ea typeface="Lato"/>
+                <a:cs typeface="Lato"/>
+                <a:sym typeface="Lato"/>
+              </a:rPr>
+              <a:t/>
+            </a:r>
             <a:br>
               <a:rPr lang="en" sz="1700" b="1" dirty="0">
                 <a:solidFill>
@@ -13646,6 +14043,18 @@
               </a:rPr>
               <a:t> surveys the following list of parameters for the list of cities:</a:t>
             </a:r>
+            <a:r>
+              <a:rPr lang="en-US" sz="1600" dirty="0">
+                <a:solidFill>
+                  <a:schemeClr val="bg1"/>
+                </a:solidFill>
+                <a:latin typeface="Lato"/>
+                <a:ea typeface="Lato"/>
+                <a:cs typeface="Lato"/>
+                <a:sym typeface="Lato"/>
+              </a:rPr>
+              <a:t/>
+            </a:r>
             <a:br>
               <a:rPr lang="en-US" sz="1600" dirty="0">
                 <a:solidFill>
@@ -14295,6 +14704,18 @@
                 <a:sym typeface="Lato"/>
               </a:rPr>
             </a:br>
+            <a:r>
+              <a:rPr lang="en" sz="1700" dirty="0">
+                <a:solidFill>
+                  <a:srgbClr val="FFFFFF"/>
+                </a:solidFill>
+                <a:latin typeface="Lato"/>
+                <a:ea typeface="Lato"/>
+                <a:cs typeface="Lato"/>
+                <a:sym typeface="Lato"/>
+              </a:rPr>
+              <a:t/>
+            </a:r>
             <a:br>
               <a:rPr lang="en" sz="1700" dirty="0">
                 <a:solidFill>

--- a/Homies City Collection.pptx
+++ b/Homies City Collection.pptx
@@ -5,7 +5,7 @@
     <p:sldMasterId id="2147483659" r:id="rId1"/>
   </p:sldMasterIdLst>
   <p:notesMasterIdLst>
-    <p:notesMasterId r:id="rId21"/>
+    <p:notesMasterId r:id="rId22"/>
   </p:notesMasterIdLst>
   <p:sldIdLst>
     <p:sldId id="256" r:id="rId2"/>
@@ -14,36 +14,37 @@
     <p:sldId id="261" r:id="rId5"/>
     <p:sldId id="260" r:id="rId6"/>
     <p:sldId id="277" r:id="rId7"/>
-    <p:sldId id="262" r:id="rId8"/>
-    <p:sldId id="263" r:id="rId9"/>
-    <p:sldId id="276" r:id="rId10"/>
-    <p:sldId id="264" r:id="rId11"/>
-    <p:sldId id="265" r:id="rId12"/>
-    <p:sldId id="278" r:id="rId13"/>
-    <p:sldId id="279" r:id="rId14"/>
-    <p:sldId id="280" r:id="rId15"/>
-    <p:sldId id="271" r:id="rId16"/>
-    <p:sldId id="272" r:id="rId17"/>
-    <p:sldId id="275" r:id="rId18"/>
-    <p:sldId id="281" r:id="rId19"/>
-    <p:sldId id="274" r:id="rId20"/>
+    <p:sldId id="282" r:id="rId8"/>
+    <p:sldId id="262" r:id="rId9"/>
+    <p:sldId id="263" r:id="rId10"/>
+    <p:sldId id="276" r:id="rId11"/>
+    <p:sldId id="264" r:id="rId12"/>
+    <p:sldId id="265" r:id="rId13"/>
+    <p:sldId id="278" r:id="rId14"/>
+    <p:sldId id="279" r:id="rId15"/>
+    <p:sldId id="280" r:id="rId16"/>
+    <p:sldId id="271" r:id="rId17"/>
+    <p:sldId id="272" r:id="rId18"/>
+    <p:sldId id="275" r:id="rId19"/>
+    <p:sldId id="281" r:id="rId20"/>
+    <p:sldId id="274" r:id="rId21"/>
   </p:sldIdLst>
   <p:sldSz cx="9144000" cy="5143500" type="screen16x9"/>
   <p:notesSz cx="6858000" cy="9144000"/>
   <p:embeddedFontLst>
     <p:embeddedFont>
-      <p:font typeface="Raleway" panose="020B0604020202020204" charset="0"/>
-      <p:regular r:id="rId22"/>
-      <p:bold r:id="rId23"/>
-      <p:italic r:id="rId24"/>
-      <p:boldItalic r:id="rId25"/>
+      <p:font typeface="Lato" panose="020B0604020202020204" charset="0"/>
+      <p:regular r:id="rId23"/>
+      <p:bold r:id="rId24"/>
+      <p:italic r:id="rId25"/>
+      <p:boldItalic r:id="rId26"/>
     </p:embeddedFont>
     <p:embeddedFont>
-      <p:font typeface="Lato" panose="020B0604020202020204" charset="0"/>
-      <p:regular r:id="rId26"/>
-      <p:bold r:id="rId27"/>
-      <p:italic r:id="rId28"/>
-      <p:boldItalic r:id="rId29"/>
+      <p:font typeface="Raleway" panose="020B0604020202020204" charset="0"/>
+      <p:regular r:id="rId27"/>
+      <p:bold r:id="rId28"/>
+      <p:italic r:id="rId29"/>
+      <p:boldItalic r:id="rId30"/>
     </p:embeddedFont>
   </p:embeddedFontLst>
   <p:defaultTextStyle>
@@ -297,7 +298,7 @@
 <file path=ppt/revisionInfo.xml><?xml version="1.0" encoding="utf-8"?>
 <p1510:revInfo xmlns:a="http://schemas.openxmlformats.org/drawingml/2006/main" xmlns:r="http://schemas.openxmlformats.org/officeDocument/2006/relationships" xmlns:p1510="http://schemas.microsoft.com/office/powerpoint/2015/10/main">
   <p1510:revLst>
-    <p1510:client id="{DBF0D679-A1D2-41BA-9DE5-196B1668C167}" v="1" dt="2020-07-22T00:03:20.871"/>
+    <p1510:client id="{DBF0D679-A1D2-41BA-9DE5-196B1668C167}" v="2" dt="2020-07-22T01:11:09.964"/>
   </p1510:revLst>
 </p1510:revInfo>
 </file>
@@ -306,8 +307,8 @@
 <pc:chgInfo xmlns:a="http://schemas.openxmlformats.org/drawingml/2006/main" xmlns:r="http://schemas.openxmlformats.org/officeDocument/2006/relationships" xmlns:ac="http://schemas.microsoft.com/office/drawing/2013/main/command" xmlns:pc="http://schemas.microsoft.com/office/powerpoint/2013/main/command">
   <pc:docChgLst>
     <pc:chgData name="Colin" userId="c2c872a862d4dd17" providerId="LiveId" clId="{DBF0D679-A1D2-41BA-9DE5-196B1668C167}"/>
-    <pc:docChg chg="addSld delSld modSld">
-      <pc:chgData name="Colin" userId="c2c872a862d4dd17" providerId="LiveId" clId="{DBF0D679-A1D2-41BA-9DE5-196B1668C167}" dt="2020-07-22T00:16:37.147" v="2" actId="2696"/>
+    <pc:docChg chg="custSel addSld delSld modSld">
+      <pc:chgData name="Colin" userId="c2c872a862d4dd17" providerId="LiveId" clId="{DBF0D679-A1D2-41BA-9DE5-196B1668C167}" dt="2020-07-22T01:15:12.152" v="388" actId="20577"/>
       <pc:docMkLst>
         <pc:docMk/>
       </pc:docMkLst>
@@ -325,12 +326,72 @@
           <pc:sldMk cId="0" sldId="273"/>
         </pc:sldMkLst>
       </pc:sldChg>
+      <pc:sldChg chg="modSp mod">
+        <pc:chgData name="Colin" userId="c2c872a862d4dd17" providerId="LiveId" clId="{DBF0D679-A1D2-41BA-9DE5-196B1668C167}" dt="2020-07-22T01:08:46.589" v="15" actId="20577"/>
+        <pc:sldMkLst>
+          <pc:docMk/>
+          <pc:sldMk cId="3569336466" sldId="278"/>
+        </pc:sldMkLst>
+        <pc:spChg chg="mod">
+          <ac:chgData name="Colin" userId="c2c872a862d4dd17" providerId="LiveId" clId="{DBF0D679-A1D2-41BA-9DE5-196B1668C167}" dt="2020-07-22T01:08:46.589" v="15" actId="20577"/>
+          <ac:spMkLst>
+            <pc:docMk/>
+            <pc:sldMk cId="3569336466" sldId="278"/>
+            <ac:spMk id="132" creationId="{00000000-0000-0000-0000-000000000000}"/>
+          </ac:spMkLst>
+        </pc:spChg>
+      </pc:sldChg>
+      <pc:sldChg chg="modSp mod">
+        <pc:chgData name="Colin" userId="c2c872a862d4dd17" providerId="LiveId" clId="{DBF0D679-A1D2-41BA-9DE5-196B1668C167}" dt="2020-07-22T00:52:08.173" v="4" actId="20577"/>
+        <pc:sldMkLst>
+          <pc:docMk/>
+          <pc:sldMk cId="3460068409" sldId="279"/>
+        </pc:sldMkLst>
+        <pc:spChg chg="mod">
+          <ac:chgData name="Colin" userId="c2c872a862d4dd17" providerId="LiveId" clId="{DBF0D679-A1D2-41BA-9DE5-196B1668C167}" dt="2020-07-22T00:52:08.173" v="4" actId="20577"/>
+          <ac:spMkLst>
+            <pc:docMk/>
+            <pc:sldMk cId="3460068409" sldId="279"/>
+            <ac:spMk id="151" creationId="{00000000-0000-0000-0000-000000000000}"/>
+          </ac:spMkLst>
+        </pc:spChg>
+      </pc:sldChg>
       <pc:sldChg chg="add">
         <pc:chgData name="Colin" userId="c2c872a862d4dd17" providerId="LiveId" clId="{DBF0D679-A1D2-41BA-9DE5-196B1668C167}" dt="2020-07-22T00:03:20.870" v="0"/>
         <pc:sldMkLst>
           <pc:docMk/>
           <pc:sldMk cId="0" sldId="281"/>
         </pc:sldMkLst>
+      </pc:sldChg>
+      <pc:sldChg chg="new del">
+        <pc:chgData name="Colin" userId="c2c872a862d4dd17" providerId="LiveId" clId="{DBF0D679-A1D2-41BA-9DE5-196B1668C167}" dt="2020-07-22T01:11:07.918" v="17" actId="47"/>
+        <pc:sldMkLst>
+          <pc:docMk/>
+          <pc:sldMk cId="1956262564" sldId="282"/>
+        </pc:sldMkLst>
+      </pc:sldChg>
+      <pc:sldChg chg="modSp add mod">
+        <pc:chgData name="Colin" userId="c2c872a862d4dd17" providerId="LiveId" clId="{DBF0D679-A1D2-41BA-9DE5-196B1668C167}" dt="2020-07-22T01:15:12.152" v="388" actId="20577"/>
+        <pc:sldMkLst>
+          <pc:docMk/>
+          <pc:sldMk cId="2491919780" sldId="282"/>
+        </pc:sldMkLst>
+        <pc:spChg chg="mod">
+          <ac:chgData name="Colin" userId="c2c872a862d4dd17" providerId="LiveId" clId="{DBF0D679-A1D2-41BA-9DE5-196B1668C167}" dt="2020-07-22T01:15:12.152" v="388" actId="20577"/>
+          <ac:spMkLst>
+            <pc:docMk/>
+            <pc:sldMk cId="2491919780" sldId="282"/>
+            <ac:spMk id="102" creationId="{00000000-0000-0000-0000-000000000000}"/>
+          </ac:spMkLst>
+        </pc:spChg>
+        <pc:spChg chg="mod">
+          <ac:chgData name="Colin" userId="c2c872a862d4dd17" providerId="LiveId" clId="{DBF0D679-A1D2-41BA-9DE5-196B1668C167}" dt="2020-07-22T01:14:01.902" v="322" actId="20577"/>
+          <ac:spMkLst>
+            <pc:docMk/>
+            <pc:sldMk cId="2491919780" sldId="282"/>
+            <ac:spMk id="103" creationId="{00000000-0000-0000-0000-000000000000}"/>
+          </ac:spMkLst>
+        </pc:spChg>
       </pc:sldChg>
     </pc:docChg>
   </pc:docChgLst>
@@ -891,6 +952,119 @@
   <p:cSld>
     <p:spTree>
       <p:nvGrpSpPr>
+        <p:cNvPr id="1" name="Shape 110"/>
+        <p:cNvGrpSpPr/>
+        <p:nvPr/>
+      </p:nvGrpSpPr>
+      <p:grpSpPr>
+        <a:xfrm>
+          <a:off x="0" y="0"/>
+          <a:ext cx="0" cy="0"/>
+          <a:chOff x="0" y="0"/>
+          <a:chExt cx="0" cy="0"/>
+        </a:xfrm>
+      </p:grpSpPr>
+      <p:sp>
+        <p:nvSpPr>
+          <p:cNvPr id="111" name="Google Shape;111;g8db37c88b9_0_39:notes"/>
+          <p:cNvSpPr>
+            <a:spLocks noGrp="1" noRot="1" noChangeAspect="1"/>
+          </p:cNvSpPr>
+          <p:nvPr>
+            <p:ph type="sldImg" idx="2"/>
+          </p:nvPr>
+        </p:nvSpPr>
+        <p:spPr>
+          <a:xfrm>
+            <a:off x="381000" y="685800"/>
+            <a:ext cx="6096000" cy="3429000"/>
+          </a:xfrm>
+          <a:custGeom>
+            <a:avLst/>
+            <a:gdLst/>
+            <a:ahLst/>
+            <a:cxnLst/>
+            <a:rect l="l" t="t" r="r" b="b"/>
+            <a:pathLst>
+              <a:path w="120000" h="120000" extrusionOk="0">
+                <a:moveTo>
+                  <a:pt x="0" y="0"/>
+                </a:moveTo>
+                <a:lnTo>
+                  <a:pt x="120000" y="0"/>
+                </a:lnTo>
+                <a:lnTo>
+                  <a:pt x="120000" y="120000"/>
+                </a:lnTo>
+                <a:lnTo>
+                  <a:pt x="0" y="120000"/>
+                </a:lnTo>
+                <a:close/>
+              </a:path>
+            </a:pathLst>
+          </a:custGeom>
+        </p:spPr>
+      </p:sp>
+      <p:sp>
+        <p:nvSpPr>
+          <p:cNvPr id="112" name="Google Shape;112;g8db37c88b9_0_39:notes"/>
+          <p:cNvSpPr txBox="1">
+            <a:spLocks noGrp="1"/>
+          </p:cNvSpPr>
+          <p:nvPr>
+            <p:ph type="body" idx="1"/>
+          </p:nvPr>
+        </p:nvSpPr>
+        <p:spPr>
+          <a:xfrm>
+            <a:off x="685800" y="4343400"/>
+            <a:ext cx="5486400" cy="4114800"/>
+          </a:xfrm>
+          <a:prstGeom prst="rect">
+            <a:avLst/>
+          </a:prstGeom>
+        </p:spPr>
+        <p:txBody>
+          <a:bodyPr spcFirstLastPara="1" wrap="square" lIns="91425" tIns="91425" rIns="91425" bIns="91425" anchor="t" anchorCtr="0">
+            <a:noAutofit/>
+          </a:bodyPr>
+          <a:lstStyle/>
+          <a:p>
+            <a:pPr marL="0" lvl="0" indent="0" algn="l" rtl="0">
+              <a:spcBef>
+                <a:spcPts val="0"/>
+              </a:spcBef>
+              <a:spcAft>
+                <a:spcPts val="0"/>
+              </a:spcAft>
+              <a:buNone/>
+            </a:pPr>
+            <a:r>
+              <a:rPr lang="en-US" dirty="0"/>
+              <a:t>Adil</a:t>
+            </a:r>
+            <a:endParaRPr dirty="0"/>
+          </a:p>
+        </p:txBody>
+      </p:sp>
+    </p:spTree>
+    <p:extLst>
+      <p:ext uri="{BB962C8B-B14F-4D97-AF65-F5344CB8AC3E}">
+        <p14:creationId xmlns:p14="http://schemas.microsoft.com/office/powerpoint/2010/main" val="3899986916"/>
+      </p:ext>
+    </p:extLst>
+  </p:cSld>
+  <p:clrMapOvr>
+    <a:masterClrMapping/>
+  </p:clrMapOvr>
+</p:notes>
+</file>
+
+<file path=ppt/notesSlides/notesSlide11.xml><?xml version="1.0" encoding="utf-8"?>
+<p:notes xmlns:a="http://schemas.openxmlformats.org/drawingml/2006/main" xmlns:r="http://schemas.openxmlformats.org/officeDocument/2006/relationships" xmlns:p="http://schemas.openxmlformats.org/presentationml/2006/main" showMasterSp="0" showMasterPhAnim="0">
+  <p:cSld>
+    <p:spTree>
+      <p:nvGrpSpPr>
         <p:cNvPr id="1" name="Shape 116"/>
         <p:cNvGrpSpPr/>
         <p:nvPr/>
@@ -994,7 +1168,7 @@
 </p:notes>
 </file>
 
-<file path=ppt/notesSlides/notesSlide11.xml><?xml version="1.0" encoding="utf-8"?>
+<file path=ppt/notesSlides/notesSlide12.xml><?xml version="1.0" encoding="utf-8"?>
 <p:notes xmlns:a="http://schemas.openxmlformats.org/drawingml/2006/main" xmlns:r="http://schemas.openxmlformats.org/officeDocument/2006/relationships" xmlns:p="http://schemas.openxmlformats.org/presentationml/2006/main" showMasterSp="0" showMasterPhAnim="0">
   <p:cSld>
     <p:spTree>
@@ -1102,7 +1276,7 @@
 </p:notes>
 </file>
 
-<file path=ppt/notesSlides/notesSlide12.xml><?xml version="1.0" encoding="utf-8"?>
+<file path=ppt/notesSlides/notesSlide13.xml><?xml version="1.0" encoding="utf-8"?>
 <p:notes xmlns:a="http://schemas.openxmlformats.org/drawingml/2006/main" xmlns:r="http://schemas.openxmlformats.org/officeDocument/2006/relationships" xmlns:p="http://schemas.openxmlformats.org/presentationml/2006/main" showMasterSp="0" showMasterPhAnim="0">
   <p:cSld>
     <p:spTree>
@@ -1215,7 +1389,7 @@
 </p:notes>
 </file>
 
-<file path=ppt/notesSlides/notesSlide13.xml><?xml version="1.0" encoding="utf-8"?>
+<file path=ppt/notesSlides/notesSlide14.xml><?xml version="1.0" encoding="utf-8"?>
 <p:notes xmlns:a="http://schemas.openxmlformats.org/drawingml/2006/main" xmlns:r="http://schemas.openxmlformats.org/officeDocument/2006/relationships" xmlns:p="http://schemas.openxmlformats.org/presentationml/2006/main" showMasterSp="0" showMasterPhAnim="0">
   <p:cSld>
     <p:spTree>
@@ -1328,7 +1502,7 @@
 </p:notes>
 </file>
 
-<file path=ppt/notesSlides/notesSlide14.xml><?xml version="1.0" encoding="utf-8"?>
+<file path=ppt/notesSlides/notesSlide15.xml><?xml version="1.0" encoding="utf-8"?>
 <p:notes xmlns:a="http://schemas.openxmlformats.org/drawingml/2006/main" xmlns:r="http://schemas.openxmlformats.org/officeDocument/2006/relationships" xmlns:p="http://schemas.openxmlformats.org/presentationml/2006/main" showMasterSp="0" showMasterPhAnim="0">
   <p:cSld>
     <p:spTree>
@@ -1441,7 +1615,7 @@
 </p:notes>
 </file>
 
-<file path=ppt/notesSlides/notesSlide15.xml><?xml version="1.0" encoding="utf-8"?>
+<file path=ppt/notesSlides/notesSlide16.xml><?xml version="1.0" encoding="utf-8"?>
 <p:notes xmlns:a="http://schemas.openxmlformats.org/drawingml/2006/main" xmlns:r="http://schemas.openxmlformats.org/officeDocument/2006/relationships" xmlns:p="http://schemas.openxmlformats.org/presentationml/2006/main" showMasterSp="0" showMasterPhAnim="0">
   <p:cSld>
     <p:spTree>
@@ -1538,110 +1712,6 @@
               <a:t>Duong</a:t>
             </a:r>
             <a:endParaRPr dirty="0"/>
-          </a:p>
-        </p:txBody>
-      </p:sp>
-    </p:spTree>
-  </p:cSld>
-  <p:clrMapOvr>
-    <a:masterClrMapping/>
-  </p:clrMapOvr>
-</p:notes>
-</file>
-
-<file path=ppt/notesSlides/notesSlide16.xml><?xml version="1.0" encoding="utf-8"?>
-<p:notes xmlns:a="http://schemas.openxmlformats.org/drawingml/2006/main" xmlns:r="http://schemas.openxmlformats.org/officeDocument/2006/relationships" xmlns:p="http://schemas.openxmlformats.org/presentationml/2006/main" showMasterSp="0" showMasterPhAnim="0">
-  <p:cSld>
-    <p:spTree>
-      <p:nvGrpSpPr>
-        <p:cNvPr id="1" name="Shape 164"/>
-        <p:cNvGrpSpPr/>
-        <p:nvPr/>
-      </p:nvGrpSpPr>
-      <p:grpSpPr>
-        <a:xfrm>
-          <a:off x="0" y="0"/>
-          <a:ext cx="0" cy="0"/>
-          <a:chOff x="0" y="0"/>
-          <a:chExt cx="0" cy="0"/>
-        </a:xfrm>
-      </p:grpSpPr>
-      <p:sp>
-        <p:nvSpPr>
-          <p:cNvPr id="165" name="Google Shape;165;g8db37c88b9_0_69:notes"/>
-          <p:cNvSpPr>
-            <a:spLocks noGrp="1" noRot="1" noChangeAspect="1"/>
-          </p:cNvSpPr>
-          <p:nvPr>
-            <p:ph type="sldImg" idx="2"/>
-          </p:nvPr>
-        </p:nvSpPr>
-        <p:spPr>
-          <a:xfrm>
-            <a:off x="381000" y="685800"/>
-            <a:ext cx="6096000" cy="3429000"/>
-          </a:xfrm>
-          <a:custGeom>
-            <a:avLst/>
-            <a:gdLst/>
-            <a:ahLst/>
-            <a:cxnLst/>
-            <a:rect l="l" t="t" r="r" b="b"/>
-            <a:pathLst>
-              <a:path w="120000" h="120000" extrusionOk="0">
-                <a:moveTo>
-                  <a:pt x="0" y="0"/>
-                </a:moveTo>
-                <a:lnTo>
-                  <a:pt x="120000" y="0"/>
-                </a:lnTo>
-                <a:lnTo>
-                  <a:pt x="120000" y="120000"/>
-                </a:lnTo>
-                <a:lnTo>
-                  <a:pt x="0" y="120000"/>
-                </a:lnTo>
-                <a:close/>
-              </a:path>
-            </a:pathLst>
-          </a:custGeom>
-        </p:spPr>
-      </p:sp>
-      <p:sp>
-        <p:nvSpPr>
-          <p:cNvPr id="166" name="Google Shape;166;g8db37c88b9_0_69:notes"/>
-          <p:cNvSpPr txBox="1">
-            <a:spLocks noGrp="1"/>
-          </p:cNvSpPr>
-          <p:nvPr>
-            <p:ph type="body" idx="1"/>
-          </p:nvPr>
-        </p:nvSpPr>
-        <p:spPr>
-          <a:xfrm>
-            <a:off x="685800" y="4343400"/>
-            <a:ext cx="5486400" cy="4114800"/>
-          </a:xfrm>
-          <a:prstGeom prst="rect">
-            <a:avLst/>
-          </a:prstGeom>
-        </p:spPr>
-        <p:txBody>
-          <a:bodyPr spcFirstLastPara="1" wrap="square" lIns="91425" tIns="91425" rIns="91425" bIns="91425" anchor="t" anchorCtr="0">
-            <a:noAutofit/>
-          </a:bodyPr>
-          <a:lstStyle/>
-          <a:p>
-            <a:pPr marL="0" lvl="0" indent="0" algn="l" rtl="0">
-              <a:spcBef>
-                <a:spcPts val="0"/>
-              </a:spcBef>
-              <a:spcAft>
-                <a:spcPts val="0"/>
-              </a:spcAft>
-              <a:buNone/>
-            </a:pPr>
-            <a:endParaRPr/>
           </a:p>
         </p:txBody>
       </p:sp>
@@ -1745,6 +1815,110 @@
               </a:spcAft>
               <a:buNone/>
             </a:pPr>
+            <a:endParaRPr/>
+          </a:p>
+        </p:txBody>
+      </p:sp>
+    </p:spTree>
+  </p:cSld>
+  <p:clrMapOvr>
+    <a:masterClrMapping/>
+  </p:clrMapOvr>
+</p:notes>
+</file>
+
+<file path=ppt/notesSlides/notesSlide18.xml><?xml version="1.0" encoding="utf-8"?>
+<p:notes xmlns:a="http://schemas.openxmlformats.org/drawingml/2006/main" xmlns:r="http://schemas.openxmlformats.org/officeDocument/2006/relationships" xmlns:p="http://schemas.openxmlformats.org/presentationml/2006/main" showMasterSp="0" showMasterPhAnim="0">
+  <p:cSld>
+    <p:spTree>
+      <p:nvGrpSpPr>
+        <p:cNvPr id="1" name="Shape 164"/>
+        <p:cNvGrpSpPr/>
+        <p:nvPr/>
+      </p:nvGrpSpPr>
+      <p:grpSpPr>
+        <a:xfrm>
+          <a:off x="0" y="0"/>
+          <a:ext cx="0" cy="0"/>
+          <a:chOff x="0" y="0"/>
+          <a:chExt cx="0" cy="0"/>
+        </a:xfrm>
+      </p:grpSpPr>
+      <p:sp>
+        <p:nvSpPr>
+          <p:cNvPr id="165" name="Google Shape;165;g8db37c88b9_0_69:notes"/>
+          <p:cNvSpPr>
+            <a:spLocks noGrp="1" noRot="1" noChangeAspect="1"/>
+          </p:cNvSpPr>
+          <p:nvPr>
+            <p:ph type="sldImg" idx="2"/>
+          </p:nvPr>
+        </p:nvSpPr>
+        <p:spPr>
+          <a:xfrm>
+            <a:off x="381000" y="685800"/>
+            <a:ext cx="6096000" cy="3429000"/>
+          </a:xfrm>
+          <a:custGeom>
+            <a:avLst/>
+            <a:gdLst/>
+            <a:ahLst/>
+            <a:cxnLst/>
+            <a:rect l="l" t="t" r="r" b="b"/>
+            <a:pathLst>
+              <a:path w="120000" h="120000" extrusionOk="0">
+                <a:moveTo>
+                  <a:pt x="0" y="0"/>
+                </a:moveTo>
+                <a:lnTo>
+                  <a:pt x="120000" y="0"/>
+                </a:lnTo>
+                <a:lnTo>
+                  <a:pt x="120000" y="120000"/>
+                </a:lnTo>
+                <a:lnTo>
+                  <a:pt x="0" y="120000"/>
+                </a:lnTo>
+                <a:close/>
+              </a:path>
+            </a:pathLst>
+          </a:custGeom>
+        </p:spPr>
+      </p:sp>
+      <p:sp>
+        <p:nvSpPr>
+          <p:cNvPr id="166" name="Google Shape;166;g8db37c88b9_0_69:notes"/>
+          <p:cNvSpPr txBox="1">
+            <a:spLocks noGrp="1"/>
+          </p:cNvSpPr>
+          <p:nvPr>
+            <p:ph type="body" idx="1"/>
+          </p:nvPr>
+        </p:nvSpPr>
+        <p:spPr>
+          <a:xfrm>
+            <a:off x="685800" y="4343400"/>
+            <a:ext cx="5486400" cy="4114800"/>
+          </a:xfrm>
+          <a:prstGeom prst="rect">
+            <a:avLst/>
+          </a:prstGeom>
+        </p:spPr>
+        <p:txBody>
+          <a:bodyPr spcFirstLastPara="1" wrap="square" lIns="91425" tIns="91425" rIns="91425" bIns="91425" anchor="t" anchorCtr="0">
+            <a:noAutofit/>
+          </a:bodyPr>
+          <a:lstStyle/>
+          <a:p>
+            <a:pPr marL="0" lvl="0" indent="0" algn="l" rtl="0">
+              <a:spcBef>
+                <a:spcPts val="0"/>
+              </a:spcBef>
+              <a:spcAft>
+                <a:spcPts val="0"/>
+              </a:spcAft>
+              <a:buNone/>
+            </a:pPr>
             <a:r>
               <a:rPr lang="en-US" dirty="0"/>
               <a:t>Colin</a:t>
@@ -1766,7 +1940,7 @@
 </p:notes>
 </file>
 
-<file path=ppt/notesSlides/notesSlide18.xml><?xml version="1.0" encoding="utf-8"?>
+<file path=ppt/notesSlides/notesSlide19.xml><?xml version="1.0" encoding="utf-8"?>
 <p:notes xmlns:a="http://schemas.openxmlformats.org/drawingml/2006/main" xmlns:r="http://schemas.openxmlformats.org/officeDocument/2006/relationships" xmlns:p="http://schemas.openxmlformats.org/presentationml/2006/main" showMasterSp="0" showMasterPhAnim="0">
   <p:cSld>
     <p:spTree>
@@ -1827,114 +2001,6 @@
       <p:sp>
         <p:nvSpPr>
           <p:cNvPr id="172" name="Google Shape;172;g8db37c88b9_0_79:notes"/>
-          <p:cNvSpPr txBox="1">
-            <a:spLocks noGrp="1"/>
-          </p:cNvSpPr>
-          <p:nvPr>
-            <p:ph type="body" idx="1"/>
-          </p:nvPr>
-        </p:nvSpPr>
-        <p:spPr>
-          <a:xfrm>
-            <a:off x="685800" y="4343400"/>
-            <a:ext cx="5486400" cy="4114800"/>
-          </a:xfrm>
-          <a:prstGeom prst="rect">
-            <a:avLst/>
-          </a:prstGeom>
-        </p:spPr>
-        <p:txBody>
-          <a:bodyPr spcFirstLastPara="1" wrap="square" lIns="91425" tIns="91425" rIns="91425" bIns="91425" anchor="t" anchorCtr="0">
-            <a:noAutofit/>
-          </a:bodyPr>
-          <a:lstStyle/>
-          <a:p>
-            <a:pPr marL="0" lvl="0" indent="0" algn="l" rtl="0">
-              <a:spcBef>
-                <a:spcPts val="0"/>
-              </a:spcBef>
-              <a:spcAft>
-                <a:spcPts val="0"/>
-              </a:spcAft>
-              <a:buNone/>
-            </a:pPr>
-            <a:r>
-              <a:rPr lang="en-US" dirty="0"/>
-              <a:t>Colin</a:t>
-            </a:r>
-            <a:endParaRPr dirty="0"/>
-          </a:p>
-        </p:txBody>
-      </p:sp>
-    </p:spTree>
-  </p:cSld>
-  <p:clrMapOvr>
-    <a:masterClrMapping/>
-  </p:clrMapOvr>
-</p:notes>
-</file>
-
-<file path=ppt/notesSlides/notesSlide19.xml><?xml version="1.0" encoding="utf-8"?>
-<p:notes xmlns:a="http://schemas.openxmlformats.org/drawingml/2006/main" xmlns:r="http://schemas.openxmlformats.org/officeDocument/2006/relationships" xmlns:p="http://schemas.openxmlformats.org/presentationml/2006/main" showMasterSp="0" showMasterPhAnim="0">
-  <p:cSld>
-    <p:spTree>
-      <p:nvGrpSpPr>
-        <p:cNvPr id="1" name="Shape 176"/>
-        <p:cNvGrpSpPr/>
-        <p:nvPr/>
-      </p:nvGrpSpPr>
-      <p:grpSpPr>
-        <a:xfrm>
-          <a:off x="0" y="0"/>
-          <a:ext cx="0" cy="0"/>
-          <a:chOff x="0" y="0"/>
-          <a:chExt cx="0" cy="0"/>
-        </a:xfrm>
-      </p:grpSpPr>
-      <p:sp>
-        <p:nvSpPr>
-          <p:cNvPr id="177" name="Google Shape;177;g8db37c88b9_0_84:notes"/>
-          <p:cNvSpPr>
-            <a:spLocks noGrp="1" noRot="1" noChangeAspect="1"/>
-          </p:cNvSpPr>
-          <p:nvPr>
-            <p:ph type="sldImg" idx="2"/>
-          </p:nvPr>
-        </p:nvSpPr>
-        <p:spPr>
-          <a:xfrm>
-            <a:off x="381000" y="685800"/>
-            <a:ext cx="6096000" cy="3429000"/>
-          </a:xfrm>
-          <a:custGeom>
-            <a:avLst/>
-            <a:gdLst/>
-            <a:ahLst/>
-            <a:cxnLst/>
-            <a:rect l="l" t="t" r="r" b="b"/>
-            <a:pathLst>
-              <a:path w="120000" h="120000" extrusionOk="0">
-                <a:moveTo>
-                  <a:pt x="0" y="0"/>
-                </a:moveTo>
-                <a:lnTo>
-                  <a:pt x="120000" y="0"/>
-                </a:lnTo>
-                <a:lnTo>
-                  <a:pt x="120000" y="120000"/>
-                </a:lnTo>
-                <a:lnTo>
-                  <a:pt x="0" y="120000"/>
-                </a:lnTo>
-                <a:close/>
-              </a:path>
-            </a:pathLst>
-          </a:custGeom>
-        </p:spPr>
-      </p:sp>
-      <p:sp>
-        <p:nvSpPr>
-          <p:cNvPr id="178" name="Google Shape;178;g8db37c88b9_0_84:notes"/>
           <p:cNvSpPr txBox="1">
             <a:spLocks noGrp="1"/>
           </p:cNvSpPr>
@@ -2090,6 +2156,114 @@
 </p:notes>
 </file>
 
+<file path=ppt/notesSlides/notesSlide20.xml><?xml version="1.0" encoding="utf-8"?>
+<p:notes xmlns:a="http://schemas.openxmlformats.org/drawingml/2006/main" xmlns:r="http://schemas.openxmlformats.org/officeDocument/2006/relationships" xmlns:p="http://schemas.openxmlformats.org/presentationml/2006/main" showMasterSp="0" showMasterPhAnim="0">
+  <p:cSld>
+    <p:spTree>
+      <p:nvGrpSpPr>
+        <p:cNvPr id="1" name="Shape 176"/>
+        <p:cNvGrpSpPr/>
+        <p:nvPr/>
+      </p:nvGrpSpPr>
+      <p:grpSpPr>
+        <a:xfrm>
+          <a:off x="0" y="0"/>
+          <a:ext cx="0" cy="0"/>
+          <a:chOff x="0" y="0"/>
+          <a:chExt cx="0" cy="0"/>
+        </a:xfrm>
+      </p:grpSpPr>
+      <p:sp>
+        <p:nvSpPr>
+          <p:cNvPr id="177" name="Google Shape;177;g8db37c88b9_0_84:notes"/>
+          <p:cNvSpPr>
+            <a:spLocks noGrp="1" noRot="1" noChangeAspect="1"/>
+          </p:cNvSpPr>
+          <p:nvPr>
+            <p:ph type="sldImg" idx="2"/>
+          </p:nvPr>
+        </p:nvSpPr>
+        <p:spPr>
+          <a:xfrm>
+            <a:off x="381000" y="685800"/>
+            <a:ext cx="6096000" cy="3429000"/>
+          </a:xfrm>
+          <a:custGeom>
+            <a:avLst/>
+            <a:gdLst/>
+            <a:ahLst/>
+            <a:cxnLst/>
+            <a:rect l="l" t="t" r="r" b="b"/>
+            <a:pathLst>
+              <a:path w="120000" h="120000" extrusionOk="0">
+                <a:moveTo>
+                  <a:pt x="0" y="0"/>
+                </a:moveTo>
+                <a:lnTo>
+                  <a:pt x="120000" y="0"/>
+                </a:lnTo>
+                <a:lnTo>
+                  <a:pt x="120000" y="120000"/>
+                </a:lnTo>
+                <a:lnTo>
+                  <a:pt x="0" y="120000"/>
+                </a:lnTo>
+                <a:close/>
+              </a:path>
+            </a:pathLst>
+          </a:custGeom>
+        </p:spPr>
+      </p:sp>
+      <p:sp>
+        <p:nvSpPr>
+          <p:cNvPr id="178" name="Google Shape;178;g8db37c88b9_0_84:notes"/>
+          <p:cNvSpPr txBox="1">
+            <a:spLocks noGrp="1"/>
+          </p:cNvSpPr>
+          <p:nvPr>
+            <p:ph type="body" idx="1"/>
+          </p:nvPr>
+        </p:nvSpPr>
+        <p:spPr>
+          <a:xfrm>
+            <a:off x="685800" y="4343400"/>
+            <a:ext cx="5486400" cy="4114800"/>
+          </a:xfrm>
+          <a:prstGeom prst="rect">
+            <a:avLst/>
+          </a:prstGeom>
+        </p:spPr>
+        <p:txBody>
+          <a:bodyPr spcFirstLastPara="1" wrap="square" lIns="91425" tIns="91425" rIns="91425" bIns="91425" anchor="t" anchorCtr="0">
+            <a:noAutofit/>
+          </a:bodyPr>
+          <a:lstStyle/>
+          <a:p>
+            <a:pPr marL="0" lvl="0" indent="0" algn="l" rtl="0">
+              <a:spcBef>
+                <a:spcPts val="0"/>
+              </a:spcBef>
+              <a:spcAft>
+                <a:spcPts val="0"/>
+              </a:spcAft>
+              <a:buNone/>
+            </a:pPr>
+            <a:r>
+              <a:rPr lang="en-US" dirty="0"/>
+              <a:t>Colin</a:t>
+            </a:r>
+            <a:endParaRPr dirty="0"/>
+          </a:p>
+        </p:txBody>
+      </p:sp>
+    </p:spTree>
+  </p:cSld>
+  <p:clrMapOvr>
+    <a:masterClrMapping/>
+  </p:clrMapOvr>
+</p:notes>
+</file>
+
 <file path=ppt/notesSlides/notesSlide3.xml><?xml version="1.0" encoding="utf-8"?>
 <p:notes xmlns:a="http://schemas.openxmlformats.org/drawingml/2006/main" xmlns:r="http://schemas.openxmlformats.org/officeDocument/2006/relationships" xmlns:p="http://schemas.openxmlformats.org/presentationml/2006/main" showMasterSp="0" showMasterPhAnim="0">
   <p:cSld>
@@ -2532,6 +2706,119 @@
   <p:cSld>
     <p:spTree>
       <p:nvGrpSpPr>
+        <p:cNvPr id="1" name="Shape 98"/>
+        <p:cNvGrpSpPr/>
+        <p:nvPr/>
+      </p:nvGrpSpPr>
+      <p:grpSpPr>
+        <a:xfrm>
+          <a:off x="0" y="0"/>
+          <a:ext cx="0" cy="0"/>
+          <a:chOff x="0" y="0"/>
+          <a:chExt cx="0" cy="0"/>
+        </a:xfrm>
+      </p:grpSpPr>
+      <p:sp>
+        <p:nvSpPr>
+          <p:cNvPr id="99" name="Google Shape;99;g723630543_3_0:notes"/>
+          <p:cNvSpPr>
+            <a:spLocks noGrp="1" noRot="1" noChangeAspect="1"/>
+          </p:cNvSpPr>
+          <p:nvPr>
+            <p:ph type="sldImg" idx="2"/>
+          </p:nvPr>
+        </p:nvSpPr>
+        <p:spPr>
+          <a:xfrm>
+            <a:off x="381000" y="685800"/>
+            <a:ext cx="6096000" cy="3429000"/>
+          </a:xfrm>
+          <a:custGeom>
+            <a:avLst/>
+            <a:gdLst/>
+            <a:ahLst/>
+            <a:cxnLst/>
+            <a:rect l="l" t="t" r="r" b="b"/>
+            <a:pathLst>
+              <a:path w="120000" h="120000" extrusionOk="0">
+                <a:moveTo>
+                  <a:pt x="0" y="0"/>
+                </a:moveTo>
+                <a:lnTo>
+                  <a:pt x="120000" y="0"/>
+                </a:lnTo>
+                <a:lnTo>
+                  <a:pt x="120000" y="120000"/>
+                </a:lnTo>
+                <a:lnTo>
+                  <a:pt x="0" y="120000"/>
+                </a:lnTo>
+                <a:close/>
+              </a:path>
+            </a:pathLst>
+          </a:custGeom>
+        </p:spPr>
+      </p:sp>
+      <p:sp>
+        <p:nvSpPr>
+          <p:cNvPr id="100" name="Google Shape;100;g723630543_3_0:notes"/>
+          <p:cNvSpPr txBox="1">
+            <a:spLocks noGrp="1"/>
+          </p:cNvSpPr>
+          <p:nvPr>
+            <p:ph type="body" idx="1"/>
+          </p:nvPr>
+        </p:nvSpPr>
+        <p:spPr>
+          <a:xfrm>
+            <a:off x="685800" y="4343400"/>
+            <a:ext cx="5486400" cy="4114800"/>
+          </a:xfrm>
+          <a:prstGeom prst="rect">
+            <a:avLst/>
+          </a:prstGeom>
+        </p:spPr>
+        <p:txBody>
+          <a:bodyPr spcFirstLastPara="1" wrap="square" lIns="91425" tIns="91425" rIns="91425" bIns="91425" anchor="t" anchorCtr="0">
+            <a:noAutofit/>
+          </a:bodyPr>
+          <a:lstStyle/>
+          <a:p>
+            <a:pPr marL="0" lvl="0" indent="0" algn="l" rtl="0">
+              <a:spcBef>
+                <a:spcPts val="0"/>
+              </a:spcBef>
+              <a:spcAft>
+                <a:spcPts val="0"/>
+              </a:spcAft>
+              <a:buNone/>
+            </a:pPr>
+            <a:r>
+              <a:rPr lang="en-US" dirty="0"/>
+              <a:t>Karen</a:t>
+            </a:r>
+            <a:endParaRPr dirty="0"/>
+          </a:p>
+        </p:txBody>
+      </p:sp>
+    </p:spTree>
+    <p:extLst>
+      <p:ext uri="{BB962C8B-B14F-4D97-AF65-F5344CB8AC3E}">
+        <p14:creationId xmlns:p14="http://schemas.microsoft.com/office/powerpoint/2010/main" val="1975580639"/>
+      </p:ext>
+    </p:extLst>
+  </p:cSld>
+  <p:clrMapOvr>
+    <a:masterClrMapping/>
+  </p:clrMapOvr>
+</p:notes>
+</file>
+
+<file path=ppt/notesSlides/notesSlide8.xml><?xml version="1.0" encoding="utf-8"?>
+<p:notes xmlns:a="http://schemas.openxmlformats.org/drawingml/2006/main" xmlns:r="http://schemas.openxmlformats.org/officeDocument/2006/relationships" xmlns:p="http://schemas.openxmlformats.org/presentationml/2006/main" showMasterSp="0" showMasterPhAnim="0">
+  <p:cSld>
+    <p:spTree>
+      <p:nvGrpSpPr>
         <p:cNvPr id="1" name="Shape 104"/>
         <p:cNvGrpSpPr/>
         <p:nvPr/>
@@ -2588,114 +2875,6 @@
       <p:sp>
         <p:nvSpPr>
           <p:cNvPr id="106" name="Google Shape;106;g8db37c88b9_0_5:notes"/>
-          <p:cNvSpPr txBox="1">
-            <a:spLocks noGrp="1"/>
-          </p:cNvSpPr>
-          <p:nvPr>
-            <p:ph type="body" idx="1"/>
-          </p:nvPr>
-        </p:nvSpPr>
-        <p:spPr>
-          <a:xfrm>
-            <a:off x="685800" y="4343400"/>
-            <a:ext cx="5486400" cy="4114800"/>
-          </a:xfrm>
-          <a:prstGeom prst="rect">
-            <a:avLst/>
-          </a:prstGeom>
-        </p:spPr>
-        <p:txBody>
-          <a:bodyPr spcFirstLastPara="1" wrap="square" lIns="91425" tIns="91425" rIns="91425" bIns="91425" anchor="t" anchorCtr="0">
-            <a:noAutofit/>
-          </a:bodyPr>
-          <a:lstStyle/>
-          <a:p>
-            <a:pPr marL="0" lvl="0" indent="0" algn="l" rtl="0">
-              <a:spcBef>
-                <a:spcPts val="0"/>
-              </a:spcBef>
-              <a:spcAft>
-                <a:spcPts val="0"/>
-              </a:spcAft>
-              <a:buNone/>
-            </a:pPr>
-            <a:r>
-              <a:rPr lang="en-US" dirty="0"/>
-              <a:t>Adil</a:t>
-            </a:r>
-            <a:endParaRPr dirty="0"/>
-          </a:p>
-        </p:txBody>
-      </p:sp>
-    </p:spTree>
-  </p:cSld>
-  <p:clrMapOvr>
-    <a:masterClrMapping/>
-  </p:clrMapOvr>
-</p:notes>
-</file>
-
-<file path=ppt/notesSlides/notesSlide8.xml><?xml version="1.0" encoding="utf-8"?>
-<p:notes xmlns:a="http://schemas.openxmlformats.org/drawingml/2006/main" xmlns:r="http://schemas.openxmlformats.org/officeDocument/2006/relationships" xmlns:p="http://schemas.openxmlformats.org/presentationml/2006/main" showMasterSp="0" showMasterPhAnim="0">
-  <p:cSld>
-    <p:spTree>
-      <p:nvGrpSpPr>
-        <p:cNvPr id="1" name="Shape 110"/>
-        <p:cNvGrpSpPr/>
-        <p:nvPr/>
-      </p:nvGrpSpPr>
-      <p:grpSpPr>
-        <a:xfrm>
-          <a:off x="0" y="0"/>
-          <a:ext cx="0" cy="0"/>
-          <a:chOff x="0" y="0"/>
-          <a:chExt cx="0" cy="0"/>
-        </a:xfrm>
-      </p:grpSpPr>
-      <p:sp>
-        <p:nvSpPr>
-          <p:cNvPr id="111" name="Google Shape;111;g8db37c88b9_0_39:notes"/>
-          <p:cNvSpPr>
-            <a:spLocks noGrp="1" noRot="1" noChangeAspect="1"/>
-          </p:cNvSpPr>
-          <p:nvPr>
-            <p:ph type="sldImg" idx="2"/>
-          </p:nvPr>
-        </p:nvSpPr>
-        <p:spPr>
-          <a:xfrm>
-            <a:off x="381000" y="685800"/>
-            <a:ext cx="6096000" cy="3429000"/>
-          </a:xfrm>
-          <a:custGeom>
-            <a:avLst/>
-            <a:gdLst/>
-            <a:ahLst/>
-            <a:cxnLst/>
-            <a:rect l="l" t="t" r="r" b="b"/>
-            <a:pathLst>
-              <a:path w="120000" h="120000" extrusionOk="0">
-                <a:moveTo>
-                  <a:pt x="0" y="0"/>
-                </a:moveTo>
-                <a:lnTo>
-                  <a:pt x="120000" y="0"/>
-                </a:lnTo>
-                <a:lnTo>
-                  <a:pt x="120000" y="120000"/>
-                </a:lnTo>
-                <a:lnTo>
-                  <a:pt x="0" y="120000"/>
-                </a:lnTo>
-                <a:close/>
-              </a:path>
-            </a:pathLst>
-          </a:custGeom>
-        </p:spPr>
-      </p:sp>
-      <p:sp>
-        <p:nvSpPr>
-          <p:cNvPr id="112" name="Google Shape;112;g8db37c88b9_0_39:notes"/>
           <p:cNvSpPr txBox="1">
             <a:spLocks noGrp="1"/>
           </p:cNvSpPr>
@@ -2844,11 +3023,6 @@
         </p:txBody>
       </p:sp>
     </p:spTree>
-    <p:extLst>
-      <p:ext uri="{BB962C8B-B14F-4D97-AF65-F5344CB8AC3E}">
-        <p14:creationId xmlns:p14="http://schemas.microsoft.com/office/powerpoint/2010/main" val="3899986916"/>
-      </p:ext>
-    </p:extLst>
   </p:cSld>
   <p:clrMapOvr>
     <a:masterClrMapping/>
@@ -8950,6 +9124,284 @@
   <p:cSld>
     <p:spTree>
       <p:nvGrpSpPr>
+        <p:cNvPr id="1" name="Shape 113"/>
+        <p:cNvGrpSpPr/>
+        <p:nvPr/>
+      </p:nvGrpSpPr>
+      <p:grpSpPr>
+        <a:xfrm>
+          <a:off x="0" y="0"/>
+          <a:ext cx="0" cy="0"/>
+          <a:chOff x="0" y="0"/>
+          <a:chExt cx="0" cy="0"/>
+        </a:xfrm>
+      </p:grpSpPr>
+      <p:sp>
+        <p:nvSpPr>
+          <p:cNvPr id="114" name="Google Shape;114;p20"/>
+          <p:cNvSpPr txBox="1">
+            <a:spLocks noGrp="1"/>
+          </p:cNvSpPr>
+          <p:nvPr>
+            <p:ph type="title"/>
+          </p:nvPr>
+        </p:nvSpPr>
+        <p:spPr>
+          <a:xfrm>
+            <a:off x="303300" y="193225"/>
+            <a:ext cx="8520600" cy="639600"/>
+          </a:xfrm>
+          <a:prstGeom prst="rect">
+            <a:avLst/>
+          </a:prstGeom>
+        </p:spPr>
+        <p:txBody>
+          <a:bodyPr spcFirstLastPara="1" wrap="square" lIns="91425" tIns="91425" rIns="91425" bIns="91425" anchor="t" anchorCtr="0">
+            <a:noAutofit/>
+          </a:bodyPr>
+          <a:lstStyle/>
+          <a:p>
+            <a:pPr marL="0" lvl="0" indent="0" algn="l" rtl="0">
+              <a:spcBef>
+                <a:spcPts val="0"/>
+              </a:spcBef>
+              <a:spcAft>
+                <a:spcPts val="0"/>
+              </a:spcAft>
+              <a:buNone/>
+            </a:pPr>
+            <a:r>
+              <a:rPr lang="en" sz="3600" dirty="0">
+                <a:solidFill>
+                  <a:srgbClr val="FFFFFF"/>
+                </a:solidFill>
+              </a:rPr>
+              <a:t>How Did We Work the Data?</a:t>
+            </a:r>
+            <a:endParaRPr sz="3600" dirty="0">
+              <a:solidFill>
+                <a:srgbClr val="FFFFFF"/>
+              </a:solidFill>
+            </a:endParaRPr>
+          </a:p>
+        </p:txBody>
+      </p:sp>
+      <p:sp>
+        <p:nvSpPr>
+          <p:cNvPr id="115" name="Google Shape;115;p20"/>
+          <p:cNvSpPr txBox="1"/>
+          <p:nvPr/>
+        </p:nvSpPr>
+        <p:spPr>
+          <a:xfrm>
+            <a:off x="303300" y="1819625"/>
+            <a:ext cx="8520600" cy="2899200"/>
+          </a:xfrm>
+          <a:prstGeom prst="rect">
+            <a:avLst/>
+          </a:prstGeom>
+          <a:noFill/>
+          <a:ln>
+            <a:noFill/>
+          </a:ln>
+        </p:spPr>
+        <p:txBody>
+          <a:bodyPr spcFirstLastPara="1" wrap="square" lIns="91425" tIns="91425" rIns="91425" bIns="91425" anchor="t" anchorCtr="0">
+            <a:noAutofit/>
+          </a:bodyPr>
+          <a:lstStyle/>
+          <a:p>
+            <a:pPr marL="285750" lvl="0" indent="-285750">
+              <a:buClr>
+                <a:schemeClr val="bg1"/>
+              </a:buClr>
+              <a:buFont typeface="Courier New" panose="02070309020205020404" pitchFamily="49" charset="0"/>
+              <a:buChar char="o"/>
+            </a:pPr>
+            <a:r>
+              <a:rPr lang="en-US" sz="1700" b="1" dirty="0">
+                <a:solidFill>
+                  <a:srgbClr val="FFFFFF"/>
+                </a:solidFill>
+                <a:latin typeface="Lato"/>
+                <a:ea typeface="Lato"/>
+                <a:cs typeface="Lato"/>
+                <a:sym typeface="Lato"/>
+              </a:rPr>
+              <a:t>Once we had the data from </a:t>
+            </a:r>
+            <a:r>
+              <a:rPr lang="en-US" sz="1700" b="1" dirty="0" err="1">
+                <a:solidFill>
+                  <a:srgbClr val="FFFFFF"/>
+                </a:solidFill>
+                <a:latin typeface="Lato"/>
+                <a:ea typeface="Lato"/>
+                <a:cs typeface="Lato"/>
+                <a:sym typeface="Lato"/>
+              </a:rPr>
+              <a:t>Numbeo</a:t>
+            </a:r>
+            <a:r>
+              <a:rPr lang="en-US" sz="1700" b="1" dirty="0">
+                <a:solidFill>
+                  <a:srgbClr val="FFFFFF"/>
+                </a:solidFill>
+                <a:latin typeface="Lato"/>
+                <a:ea typeface="Lato"/>
+                <a:cs typeface="Lato"/>
+                <a:sym typeface="Lato"/>
+              </a:rPr>
+              <a:t> we inserted it into an SQL Database</a:t>
+            </a:r>
+            <a:br>
+              <a:rPr lang="en-US" sz="1700" b="1" dirty="0">
+                <a:solidFill>
+                  <a:srgbClr val="FFFFFF"/>
+                </a:solidFill>
+                <a:latin typeface="Lato"/>
+                <a:ea typeface="Lato"/>
+                <a:cs typeface="Lato"/>
+                <a:sym typeface="Lato"/>
+              </a:rPr>
+            </a:br>
+            <a:endParaRPr lang="en-US" sz="1700" b="1" dirty="0">
+              <a:solidFill>
+                <a:srgbClr val="FFFFFF"/>
+              </a:solidFill>
+              <a:latin typeface="Lato"/>
+              <a:ea typeface="Lato"/>
+              <a:cs typeface="Lato"/>
+              <a:sym typeface="Lato"/>
+            </a:endParaRPr>
+          </a:p>
+          <a:p>
+            <a:pPr marL="285750" lvl="0" indent="-285750">
+              <a:buClr>
+                <a:schemeClr val="bg1"/>
+              </a:buClr>
+              <a:buFont typeface="Courier New" panose="02070309020205020404" pitchFamily="49" charset="0"/>
+              <a:buChar char="o"/>
+            </a:pPr>
+            <a:endParaRPr lang="en-US" sz="1700" b="1" dirty="0">
+              <a:solidFill>
+                <a:srgbClr val="FFFFFF"/>
+              </a:solidFill>
+              <a:latin typeface="Lato"/>
+              <a:ea typeface="Lato"/>
+              <a:cs typeface="Lato"/>
+              <a:sym typeface="Lato"/>
+            </a:endParaRPr>
+          </a:p>
+          <a:p>
+            <a:pPr marL="285750" lvl="0" indent="-285750">
+              <a:buClr>
+                <a:schemeClr val="bg1"/>
+              </a:buClr>
+              <a:buFont typeface="Courier New" panose="02070309020205020404" pitchFamily="49" charset="0"/>
+              <a:buChar char="o"/>
+            </a:pPr>
+            <a:r>
+              <a:rPr lang="en-US" sz="1700" b="1" dirty="0">
+                <a:solidFill>
+                  <a:srgbClr val="FFFFFF"/>
+                </a:solidFill>
+                <a:latin typeface="Lato"/>
+                <a:ea typeface="Lato"/>
+                <a:cs typeface="Lato"/>
+                <a:sym typeface="Lato"/>
+              </a:rPr>
+              <a:t>We removed the data that we did not need and merged it into one table</a:t>
+            </a:r>
+            <a:br>
+              <a:rPr lang="en-US" sz="1700" b="1" dirty="0">
+                <a:solidFill>
+                  <a:srgbClr val="FFFFFF"/>
+                </a:solidFill>
+                <a:latin typeface="Lato"/>
+                <a:ea typeface="Lato"/>
+                <a:cs typeface="Lato"/>
+                <a:sym typeface="Lato"/>
+              </a:rPr>
+            </a:br>
+            <a:endParaRPr lang="en-US" sz="1700" b="1" dirty="0">
+              <a:solidFill>
+                <a:srgbClr val="FFFFFF"/>
+              </a:solidFill>
+              <a:latin typeface="Lato"/>
+              <a:ea typeface="Lato"/>
+              <a:cs typeface="Lato"/>
+              <a:sym typeface="Lato"/>
+            </a:endParaRPr>
+          </a:p>
+          <a:p>
+            <a:pPr marL="285750" lvl="0" indent="-285750">
+              <a:buClr>
+                <a:schemeClr val="bg1"/>
+              </a:buClr>
+              <a:buFont typeface="Courier New" panose="02070309020205020404" pitchFamily="49" charset="0"/>
+              <a:buChar char="o"/>
+            </a:pPr>
+            <a:endParaRPr lang="en-US" sz="1700" b="1" dirty="0">
+              <a:solidFill>
+                <a:srgbClr val="FFFFFF"/>
+              </a:solidFill>
+              <a:latin typeface="Lato"/>
+              <a:ea typeface="Lato"/>
+              <a:cs typeface="Lato"/>
+              <a:sym typeface="Lato"/>
+            </a:endParaRPr>
+          </a:p>
+          <a:p>
+            <a:pPr marL="285750" lvl="0" indent="-285750">
+              <a:buClr>
+                <a:schemeClr val="bg1"/>
+              </a:buClr>
+              <a:buFont typeface="Courier New" panose="02070309020205020404" pitchFamily="49" charset="0"/>
+              <a:buChar char="o"/>
+            </a:pPr>
+            <a:r>
+              <a:rPr lang="en-US" sz="1700" b="1" dirty="0">
+                <a:solidFill>
+                  <a:srgbClr val="FFFFFF"/>
+                </a:solidFill>
+                <a:latin typeface="Lato"/>
+                <a:ea typeface="Lato"/>
+                <a:cs typeface="Lato"/>
+                <a:sym typeface="Lato"/>
+              </a:rPr>
+              <a:t>From there we transformed it into SQLite so that it could be more easily read by JavaScript</a:t>
+            </a:r>
+            <a:endParaRPr lang="en" sz="1700" b="1" dirty="0">
+              <a:solidFill>
+                <a:srgbClr val="FFFFFF"/>
+              </a:solidFill>
+              <a:latin typeface="Lato"/>
+              <a:ea typeface="Lato"/>
+              <a:cs typeface="Lato"/>
+              <a:sym typeface="Lato"/>
+            </a:endParaRPr>
+          </a:p>
+        </p:txBody>
+      </p:sp>
+    </p:spTree>
+    <p:extLst>
+      <p:ext uri="{BB962C8B-B14F-4D97-AF65-F5344CB8AC3E}">
+        <p14:creationId xmlns:p14="http://schemas.microsoft.com/office/powerpoint/2010/main" val="1912523930"/>
+      </p:ext>
+    </p:extLst>
+  </p:cSld>
+  <p:clrMapOvr>
+    <a:masterClrMapping/>
+  </p:clrMapOvr>
+</p:sld>
+</file>
+
+<file path=ppt/slides/slide11.xml><?xml version="1.0" encoding="utf-8"?>
+<p:sld xmlns:a="http://schemas.openxmlformats.org/drawingml/2006/main" xmlns:r="http://schemas.openxmlformats.org/officeDocument/2006/relationships" xmlns:p="http://schemas.openxmlformats.org/presentationml/2006/main">
+  <p:cSld>
+    <p:spTree>
+      <p:nvGrpSpPr>
         <p:cNvPr id="1" name="Shape 119"/>
         <p:cNvGrpSpPr/>
         <p:nvPr/>
@@ -9089,24 +9541,12 @@
                 <a:hlinkClick r:id="rId3">
                   <a:extLst>
                     <a:ext uri="{A12FA001-AC4F-418D-AE19-62706E023703}">
-                      <ahyp:hlinkClr xmlns:ahyp="http://schemas.microsoft.com/office/drawing/2018/hyperlinkcolor" xmlns="" val="tx"/>
+                      <ahyp:hlinkClr xmlns:ahyp="http://schemas.microsoft.com/office/drawing/2018/hyperlinkcolor" val="tx"/>
                     </a:ext>
                   </a:extLst>
                 </a:hlinkClick>
               </a:rPr>
               <a:t>https://maxcdn.bootstrapcdn.com/bootstrap/3.3.7/css/bootstrap.min.css</a:t>
-            </a:r>
-            <a:r>
-              <a:rPr lang="en" sz="1700" dirty="0">
-                <a:solidFill>
-                  <a:srgbClr val="FFFFFF"/>
-                </a:solidFill>
-                <a:latin typeface="Lato"/>
-                <a:ea typeface="Lato"/>
-                <a:cs typeface="Lato"/>
-                <a:sym typeface="Lato"/>
-              </a:rPr>
-              <a:t/>
             </a:r>
             <a:br>
               <a:rPr lang="en" sz="1700" dirty="0">
@@ -9170,24 +9610,12 @@
                 <a:hlinkClick r:id="rId4">
                   <a:extLst>
                     <a:ext uri="{A12FA001-AC4F-418D-AE19-62706E023703}">
-                      <ahyp:hlinkClr xmlns:ahyp="http://schemas.microsoft.com/office/drawing/2018/hyperlinkcolor" xmlns="" val="tx"/>
+                      <ahyp:hlinkClr xmlns:ahyp="http://schemas.microsoft.com/office/drawing/2018/hyperlinkcolor" val="tx"/>
                     </a:ext>
                   </a:extLst>
                 </a:hlinkClick>
               </a:rPr>
               <a:t>https://cdnjs.cloudflare.com/ajax/libs/d3/5.5.0/d3.js</a:t>
-            </a:r>
-            <a:r>
-              <a:rPr lang="en" sz="1700" dirty="0">
-                <a:solidFill>
-                  <a:srgbClr val="FFFFFF"/>
-                </a:solidFill>
-                <a:latin typeface="Lato"/>
-                <a:ea typeface="Lato"/>
-                <a:cs typeface="Lato"/>
-                <a:sym typeface="Lato"/>
-              </a:rPr>
-              <a:t/>
             </a:r>
             <a:br>
               <a:rPr lang="en" sz="1700" dirty="0">
@@ -9284,18 +9712,6 @@
               </a:rPr>
               <a:t>style.css</a:t>
             </a:r>
-            <a:r>
-              <a:rPr lang="en" sz="1700" dirty="0">
-                <a:solidFill>
-                  <a:srgbClr val="FFFFFF"/>
-                </a:solidFill>
-                <a:latin typeface="Lato"/>
-                <a:ea typeface="Lato"/>
-                <a:cs typeface="Lato"/>
-                <a:sym typeface="Lato"/>
-              </a:rPr>
-              <a:t/>
-            </a:r>
             <a:br>
               <a:rPr lang="en" sz="1700" dirty="0">
                 <a:solidFill>
@@ -9514,24 +9930,12 @@
                 <a:hlinkClick r:id="rId5">
                   <a:extLst>
                     <a:ext uri="{A12FA001-AC4F-418D-AE19-62706E023703}">
-                      <ahyp:hlinkClr xmlns:ahyp="http://schemas.microsoft.com/office/drawing/2018/hyperlinkcolor" xmlns="" val="tx"/>
+                      <ahyp:hlinkClr xmlns:ahyp="http://schemas.microsoft.com/office/drawing/2018/hyperlinkcolor" val="tx"/>
                     </a:ext>
                   </a:extLst>
                 </a:hlinkClick>
               </a:rPr>
               <a:t>https://unpkg.com/leaflet@1.3.3/dist/leaflet.js</a:t>
-            </a:r>
-            <a:r>
-              <a:rPr lang="en" sz="1700" dirty="0">
-                <a:solidFill>
-                  <a:srgbClr val="FFFFFF"/>
-                </a:solidFill>
-                <a:latin typeface="Lato"/>
-                <a:ea typeface="Lato"/>
-                <a:cs typeface="Lato"/>
-                <a:sym typeface="Lato"/>
-              </a:rPr>
-              <a:t/>
             </a:r>
             <a:br>
               <a:rPr lang="en" sz="1700" dirty="0">
@@ -9684,7 +10088,7 @@
 </p:sld>
 </file>
 
-<file path=ppt/slides/slide11.xml><?xml version="1.0" encoding="utf-8"?>
+<file path=ppt/slides/slide12.xml><?xml version="1.0" encoding="utf-8"?>
 <p:sld xmlns:a="http://schemas.openxmlformats.org/drawingml/2006/main" xmlns:r="http://schemas.openxmlformats.org/officeDocument/2006/relationships" xmlns:p="http://schemas.openxmlformats.org/presentationml/2006/main">
   <p:cSld>
     <p:spTree>
@@ -10003,7 +10407,7 @@
 </p:sld>
 </file>
 
-<file path=ppt/slides/slide12.xml><?xml version="1.0" encoding="utf-8"?>
+<file path=ppt/slides/slide13.xml><?xml version="1.0" encoding="utf-8"?>
 <p:sld xmlns:a="http://schemas.openxmlformats.org/drawingml/2006/main" xmlns:r="http://schemas.openxmlformats.org/officeDocument/2006/relationships" xmlns:p="http://schemas.openxmlformats.org/presentationml/2006/main">
   <p:cSld>
     <p:spTree>
@@ -10060,7 +10464,7 @@
                   <a:srgbClr val="FFFFFF"/>
                 </a:solidFill>
               </a:rPr>
-              <a:t>Prepping the Data</a:t>
+              <a:t>Diving into the Data</a:t>
             </a:r>
             <a:endParaRPr sz="3600" dirty="0">
               <a:solidFill>
@@ -10276,7 +10680,7 @@
           <a:graphicData uri="http://schemas.openxmlformats.org/presentationml/2006/ole">
             <mc:AlternateContent xmlns:mc="http://schemas.openxmlformats.org/markup-compatibility/2006">
               <mc:Choice xmlns:v="urn:schemas-microsoft-com:vml" Requires="v">
-                <p:oleObj spid="_x0000_s1027" name="Image" r:id="rId4" imgW="20444400" imgH="11504520" progId="Photoshop.Image.16">
+                <p:oleObj spid="_x0000_s1026" name="Image" r:id="rId4" imgW="20444400" imgH="11504520" progId="Photoshop.Image.16">
                   <p:embed/>
                 </p:oleObj>
               </mc:Choice>
@@ -10285,7 +10689,7 @@
                   <p:embed/>
                   <p:pic>
                     <p:nvPicPr>
-                      <p:cNvPr id="0" name=""/>
+                      <p:cNvPr id="2" name="Object 1"/>
                       <p:cNvPicPr/>
                       <p:nvPr/>
                     </p:nvPicPr>
@@ -10332,7 +10736,7 @@
 </p:sld>
 </file>
 
-<file path=ppt/slides/slide13.xml><?xml version="1.0" encoding="utf-8"?>
+<file path=ppt/slides/slide14.xml><?xml version="1.0" encoding="utf-8"?>
 <p:sld xmlns:a="http://schemas.openxmlformats.org/drawingml/2006/main" xmlns:r="http://schemas.openxmlformats.org/officeDocument/2006/relationships" xmlns:p="http://schemas.openxmlformats.org/presentationml/2006/main">
   <p:cSld>
     <p:spTree>
@@ -10648,7 +11052,7 @@
                 <a:cs typeface="Lato"/>
                 <a:sym typeface="Lato"/>
               </a:rPr>
-              <a:t>use a the JSON file</a:t>
+              <a:t>use the JSON file</a:t>
             </a:r>
             <a:endParaRPr lang="en" sz="1700" b="1" dirty="0">
               <a:solidFill>
@@ -10684,7 +11088,7 @@
           <a:graphicData uri="http://schemas.openxmlformats.org/presentationml/2006/ole">
             <mc:AlternateContent xmlns:mc="http://schemas.openxmlformats.org/markup-compatibility/2006">
               <mc:Choice xmlns:v="urn:schemas-microsoft-com:vml" Requires="v">
-                <p:oleObj spid="_x0000_s2051" name="Image" r:id="rId4" imgW="12215520" imgH="11377440" progId="Photoshop.Image.16">
+                <p:oleObj spid="_x0000_s2050" name="Image" r:id="rId4" imgW="12215520" imgH="11377440" progId="Photoshop.Image.16">
                   <p:embed/>
                 </p:oleObj>
               </mc:Choice>
@@ -10693,7 +11097,7 @@
                   <p:embed/>
                   <p:pic>
                     <p:nvPicPr>
-                      <p:cNvPr id="0" name=""/>
+                      <p:cNvPr id="2" name="Object 1"/>
                       <p:cNvPicPr/>
                       <p:nvPr/>
                     </p:nvPicPr>
@@ -10746,7 +11150,7 @@
           <a:graphicData uri="http://schemas.openxmlformats.org/presentationml/2006/ole">
             <mc:AlternateContent xmlns:mc="http://schemas.openxmlformats.org/markup-compatibility/2006">
               <mc:Choice xmlns:v="urn:schemas-microsoft-com:vml" Requires="v">
-                <p:oleObj spid="_x0000_s2052" name="Image" r:id="rId6" imgW="8101440" imgH="11479320" progId="Photoshop.Image.16">
+                <p:oleObj spid="_x0000_s2051" name="Image" r:id="rId6" imgW="8101440" imgH="11479320" progId="Photoshop.Image.16">
                   <p:embed/>
                 </p:oleObj>
               </mc:Choice>
@@ -10755,7 +11159,7 @@
                   <p:embed/>
                   <p:pic>
                     <p:nvPicPr>
-                      <p:cNvPr id="0" name=""/>
+                      <p:cNvPr id="3" name="Object 2"/>
                       <p:cNvPicPr/>
                       <p:nvPr/>
                     </p:nvPicPr>
@@ -10799,7 +11203,7 @@
 </p:sld>
 </file>
 
-<file path=ppt/slides/slide14.xml><?xml version="1.0" encoding="utf-8"?>
+<file path=ppt/slides/slide15.xml><?xml version="1.0" encoding="utf-8"?>
 <p:sld xmlns:a="http://schemas.openxmlformats.org/drawingml/2006/main" xmlns:r="http://schemas.openxmlformats.org/officeDocument/2006/relationships" xmlns:p="http://schemas.openxmlformats.org/presentationml/2006/main">
   <p:cSld>
     <p:spTree>
@@ -11130,7 +11534,7 @@
           <a:graphicData uri="http://schemas.openxmlformats.org/presentationml/2006/ole">
             <mc:AlternateContent xmlns:mc="http://schemas.openxmlformats.org/markup-compatibility/2006">
               <mc:Choice xmlns:v="urn:schemas-microsoft-com:vml" Requires="v">
-                <p:oleObj spid="_x0000_s3075" name="Image" r:id="rId4" imgW="8025120" imgH="7364880" progId="Photoshop.Image.16">
+                <p:oleObj spid="_x0000_s3074" name="Image" r:id="rId4" imgW="8025120" imgH="7364880" progId="Photoshop.Image.16">
                   <p:embed/>
                 </p:oleObj>
               </mc:Choice>
@@ -11139,7 +11543,7 @@
                   <p:embed/>
                   <p:pic>
                     <p:nvPicPr>
-                      <p:cNvPr id="0" name=""/>
+                      <p:cNvPr id="2" name="Object 1"/>
                       <p:cNvPicPr/>
                       <p:nvPr/>
                     </p:nvPicPr>
@@ -11183,7 +11587,7 @@
 </p:sld>
 </file>
 
-<file path=ppt/slides/slide15.xml><?xml version="1.0" encoding="utf-8"?>
+<file path=ppt/slides/slide16.xml><?xml version="1.0" encoding="utf-8"?>
 <p:sld xmlns:a="http://schemas.openxmlformats.org/drawingml/2006/main" xmlns:r="http://schemas.openxmlformats.org/officeDocument/2006/relationships" xmlns:p="http://schemas.openxmlformats.org/presentationml/2006/main">
   <p:cSld>
     <p:spTree>
@@ -11544,7 +11948,7 @@
                   <p:embed/>
                   <p:pic>
                     <p:nvPicPr>
-                      <p:cNvPr id="0" name=""/>
+                      <p:cNvPr id="2" name="Object 1"/>
                       <p:cNvPicPr/>
                       <p:nvPr/>
                     </p:nvPicPr>
@@ -11575,109 +11979,6 @@
           </a:graphicData>
         </a:graphic>
       </p:graphicFrame>
-    </p:spTree>
-  </p:cSld>
-  <p:clrMapOvr>
-    <a:masterClrMapping/>
-  </p:clrMapOvr>
-</p:sld>
-</file>
-
-<file path=ppt/slides/slide16.xml><?xml version="1.0" encoding="utf-8"?>
-<p:sld xmlns:a="http://schemas.openxmlformats.org/drawingml/2006/main" xmlns:r="http://schemas.openxmlformats.org/officeDocument/2006/relationships" xmlns:p="http://schemas.openxmlformats.org/presentationml/2006/main">
-  <p:cSld>
-    <p:spTree>
-      <p:nvGrpSpPr>
-        <p:cNvPr id="1" name="Shape 167"/>
-        <p:cNvGrpSpPr/>
-        <p:nvPr/>
-      </p:nvGrpSpPr>
-      <p:grpSpPr>
-        <a:xfrm>
-          <a:off x="0" y="0"/>
-          <a:ext cx="0" cy="0"/>
-          <a:chOff x="0" y="0"/>
-          <a:chExt cx="0" cy="0"/>
-        </a:xfrm>
-      </p:grpSpPr>
-      <p:sp>
-        <p:nvSpPr>
-          <p:cNvPr id="168" name="Google Shape;168;p29"/>
-          <p:cNvSpPr txBox="1">
-            <a:spLocks noGrp="1"/>
-          </p:cNvSpPr>
-          <p:nvPr>
-            <p:ph type="title"/>
-          </p:nvPr>
-        </p:nvSpPr>
-        <p:spPr>
-          <a:xfrm>
-            <a:off x="303300" y="193225"/>
-            <a:ext cx="8520600" cy="639600"/>
-          </a:xfrm>
-          <a:prstGeom prst="rect">
-            <a:avLst/>
-          </a:prstGeom>
-        </p:spPr>
-        <p:txBody>
-          <a:bodyPr spcFirstLastPara="1" wrap="square" lIns="91425" tIns="91425" rIns="91425" bIns="91425" anchor="t" anchorCtr="0">
-            <a:noAutofit/>
-          </a:bodyPr>
-          <a:lstStyle/>
-          <a:p>
-            <a:pPr marL="0" lvl="0" indent="0" algn="l" rtl="0">
-              <a:spcBef>
-                <a:spcPts val="0"/>
-              </a:spcBef>
-              <a:spcAft>
-                <a:spcPts val="0"/>
-              </a:spcAft>
-              <a:buNone/>
-            </a:pPr>
-            <a:r>
-              <a:rPr lang="en" sz="3600" dirty="0">
-                <a:solidFill>
-                  <a:srgbClr val="FFFFFF"/>
-                </a:solidFill>
-              </a:rPr>
-              <a:t>Libraries (Python)</a:t>
-            </a:r>
-            <a:endParaRPr sz="3600" dirty="0">
-              <a:solidFill>
-                <a:srgbClr val="FFFFFF"/>
-              </a:solidFill>
-            </a:endParaRPr>
-          </a:p>
-        </p:txBody>
-      </p:sp>
-      <p:pic>
-        <p:nvPicPr>
-          <p:cNvPr id="169" name="Google Shape;169;p29"/>
-          <p:cNvPicPr preferRelativeResize="0"/>
-          <p:nvPr/>
-        </p:nvPicPr>
-        <p:blipFill>
-          <a:blip r:embed="rId3">
-            <a:alphaModFix/>
-          </a:blip>
-          <a:stretch>
-            <a:fillRect/>
-          </a:stretch>
-        </p:blipFill>
-        <p:spPr>
-          <a:xfrm>
-            <a:off x="2125588" y="917750"/>
-            <a:ext cx="4892826" cy="4128700"/>
-          </a:xfrm>
-          <a:prstGeom prst="rect">
-            <a:avLst/>
-          </a:prstGeom>
-          <a:noFill/>
-          <a:ln>
-            <a:noFill/>
-          </a:ln>
-        </p:spPr>
-      </p:pic>
     </p:spTree>
   </p:cSld>
   <p:clrMapOvr>
@@ -11743,6 +12044,109 @@
                   <a:srgbClr val="FFFFFF"/>
                 </a:solidFill>
               </a:rPr>
+              <a:t>Libraries (Python)</a:t>
+            </a:r>
+            <a:endParaRPr sz="3600" dirty="0">
+              <a:solidFill>
+                <a:srgbClr val="FFFFFF"/>
+              </a:solidFill>
+            </a:endParaRPr>
+          </a:p>
+        </p:txBody>
+      </p:sp>
+      <p:pic>
+        <p:nvPicPr>
+          <p:cNvPr id="169" name="Google Shape;169;p29"/>
+          <p:cNvPicPr preferRelativeResize="0"/>
+          <p:nvPr/>
+        </p:nvPicPr>
+        <p:blipFill>
+          <a:blip r:embed="rId3">
+            <a:alphaModFix/>
+          </a:blip>
+          <a:stretch>
+            <a:fillRect/>
+          </a:stretch>
+        </p:blipFill>
+        <p:spPr>
+          <a:xfrm>
+            <a:off x="2125588" y="917750"/>
+            <a:ext cx="4892826" cy="4128700"/>
+          </a:xfrm>
+          <a:prstGeom prst="rect">
+            <a:avLst/>
+          </a:prstGeom>
+          <a:noFill/>
+          <a:ln>
+            <a:noFill/>
+          </a:ln>
+        </p:spPr>
+      </p:pic>
+    </p:spTree>
+  </p:cSld>
+  <p:clrMapOvr>
+    <a:masterClrMapping/>
+  </p:clrMapOvr>
+</p:sld>
+</file>
+
+<file path=ppt/slides/slide18.xml><?xml version="1.0" encoding="utf-8"?>
+<p:sld xmlns:a="http://schemas.openxmlformats.org/drawingml/2006/main" xmlns:r="http://schemas.openxmlformats.org/officeDocument/2006/relationships" xmlns:p="http://schemas.openxmlformats.org/presentationml/2006/main">
+  <p:cSld>
+    <p:spTree>
+      <p:nvGrpSpPr>
+        <p:cNvPr id="1" name="Shape 167"/>
+        <p:cNvGrpSpPr/>
+        <p:nvPr/>
+      </p:nvGrpSpPr>
+      <p:grpSpPr>
+        <a:xfrm>
+          <a:off x="0" y="0"/>
+          <a:ext cx="0" cy="0"/>
+          <a:chOff x="0" y="0"/>
+          <a:chExt cx="0" cy="0"/>
+        </a:xfrm>
+      </p:grpSpPr>
+      <p:sp>
+        <p:nvSpPr>
+          <p:cNvPr id="168" name="Google Shape;168;p29"/>
+          <p:cNvSpPr txBox="1">
+            <a:spLocks noGrp="1"/>
+          </p:cNvSpPr>
+          <p:nvPr>
+            <p:ph type="title"/>
+          </p:nvPr>
+        </p:nvSpPr>
+        <p:spPr>
+          <a:xfrm>
+            <a:off x="303300" y="193225"/>
+            <a:ext cx="8520600" cy="639600"/>
+          </a:xfrm>
+          <a:prstGeom prst="rect">
+            <a:avLst/>
+          </a:prstGeom>
+        </p:spPr>
+        <p:txBody>
+          <a:bodyPr spcFirstLastPara="1" wrap="square" lIns="91425" tIns="91425" rIns="91425" bIns="91425" anchor="t" anchorCtr="0">
+            <a:noAutofit/>
+          </a:bodyPr>
+          <a:lstStyle/>
+          <a:p>
+            <a:pPr marL="0" lvl="0" indent="0" algn="l" rtl="0">
+              <a:spcBef>
+                <a:spcPts val="0"/>
+              </a:spcBef>
+              <a:spcAft>
+                <a:spcPts val="0"/>
+              </a:spcAft>
+              <a:buNone/>
+            </a:pPr>
+            <a:r>
+              <a:rPr lang="en" sz="3600" dirty="0">
+                <a:solidFill>
+                  <a:srgbClr val="FFFFFF"/>
+                </a:solidFill>
+              </a:rPr>
               <a:t>Libraries (JavaScript)</a:t>
             </a:r>
             <a:endParaRPr sz="3600" dirty="0">
@@ -11796,7 +12200,7 @@
 </p:sld>
 </file>
 
-<file path=ppt/slides/slide18.xml><?xml version="1.0" encoding="utf-8"?>
+<file path=ppt/slides/slide19.xml><?xml version="1.0" encoding="utf-8"?>
 <p:sld xmlns:a="http://schemas.openxmlformats.org/drawingml/2006/main" xmlns:r="http://schemas.openxmlformats.org/officeDocument/2006/relationships" xmlns:p="http://schemas.openxmlformats.org/presentationml/2006/main">
   <p:cSld>
     <p:spTree>
@@ -12149,438 +12553,6 @@
               <a:buNone/>
             </a:pPr>
             <a:endParaRPr sz="1700" dirty="0">
-              <a:solidFill>
-                <a:srgbClr val="FFFFFF"/>
-              </a:solidFill>
-              <a:latin typeface="Lato"/>
-              <a:ea typeface="Lato"/>
-              <a:cs typeface="Lato"/>
-              <a:sym typeface="Lato"/>
-            </a:endParaRPr>
-          </a:p>
-        </p:txBody>
-      </p:sp>
-    </p:spTree>
-  </p:cSld>
-  <p:clrMapOvr>
-    <a:masterClrMapping/>
-  </p:clrMapOvr>
-</p:sld>
-</file>
-
-<file path=ppt/slides/slide19.xml><?xml version="1.0" encoding="utf-8"?>
-<p:sld xmlns:a="http://schemas.openxmlformats.org/drawingml/2006/main" xmlns:r="http://schemas.openxmlformats.org/officeDocument/2006/relationships" xmlns:p="http://schemas.openxmlformats.org/presentationml/2006/main">
-  <p:cSld>
-    <p:spTree>
-      <p:nvGrpSpPr>
-        <p:cNvPr id="1" name="Shape 179"/>
-        <p:cNvGrpSpPr/>
-        <p:nvPr/>
-      </p:nvGrpSpPr>
-      <p:grpSpPr>
-        <a:xfrm>
-          <a:off x="0" y="0"/>
-          <a:ext cx="0" cy="0"/>
-          <a:chOff x="0" y="0"/>
-          <a:chExt cx="0" cy="0"/>
-        </a:xfrm>
-      </p:grpSpPr>
-      <p:sp>
-        <p:nvSpPr>
-          <p:cNvPr id="180" name="Google Shape;180;p31"/>
-          <p:cNvSpPr txBox="1">
-            <a:spLocks noGrp="1"/>
-          </p:cNvSpPr>
-          <p:nvPr>
-            <p:ph type="title"/>
-          </p:nvPr>
-        </p:nvSpPr>
-        <p:spPr>
-          <a:xfrm>
-            <a:off x="303300" y="193225"/>
-            <a:ext cx="8520600" cy="639600"/>
-          </a:xfrm>
-          <a:prstGeom prst="rect">
-            <a:avLst/>
-          </a:prstGeom>
-        </p:spPr>
-        <p:txBody>
-          <a:bodyPr spcFirstLastPara="1" wrap="square" lIns="91425" tIns="91425" rIns="91425" bIns="91425" anchor="t" anchorCtr="0">
-            <a:noAutofit/>
-          </a:bodyPr>
-          <a:lstStyle/>
-          <a:p>
-            <a:pPr marL="0" lvl="0" indent="0" algn="l" rtl="0">
-              <a:spcBef>
-                <a:spcPts val="0"/>
-              </a:spcBef>
-              <a:spcAft>
-                <a:spcPts val="0"/>
-              </a:spcAft>
-              <a:buNone/>
-            </a:pPr>
-            <a:r>
-              <a:rPr lang="en" sz="3600">
-                <a:solidFill>
-                  <a:srgbClr val="FFFFFF"/>
-                </a:solidFill>
-              </a:rPr>
-              <a:t>Post-Mortem</a:t>
-            </a:r>
-            <a:endParaRPr sz="3600">
-              <a:solidFill>
-                <a:srgbClr val="FFFFFF"/>
-              </a:solidFill>
-            </a:endParaRPr>
-          </a:p>
-        </p:txBody>
-      </p:sp>
-      <p:sp>
-        <p:nvSpPr>
-          <p:cNvPr id="181" name="Google Shape;181;p31"/>
-          <p:cNvSpPr txBox="1"/>
-          <p:nvPr/>
-        </p:nvSpPr>
-        <p:spPr>
-          <a:xfrm>
-            <a:off x="311700" y="1122150"/>
-            <a:ext cx="8520600" cy="2999794"/>
-          </a:xfrm>
-          <a:prstGeom prst="rect">
-            <a:avLst/>
-          </a:prstGeom>
-          <a:noFill/>
-          <a:ln>
-            <a:noFill/>
-          </a:ln>
-        </p:spPr>
-        <p:txBody>
-          <a:bodyPr spcFirstLastPara="1" wrap="square" lIns="91425" tIns="91425" rIns="91425" bIns="91425" anchor="t" anchorCtr="0">
-            <a:noAutofit/>
-          </a:bodyPr>
-          <a:lstStyle/>
-          <a:p>
-            <a:pPr marL="0" lvl="0" indent="0" algn="l" rtl="0">
-              <a:spcBef>
-                <a:spcPts val="0"/>
-              </a:spcBef>
-              <a:spcAft>
-                <a:spcPts val="0"/>
-              </a:spcAft>
-              <a:buNone/>
-            </a:pPr>
-            <a:r>
-              <a:rPr lang="en-US" sz="1700" dirty="0">
-                <a:solidFill>
-                  <a:srgbClr val="FFFFFF"/>
-                </a:solidFill>
-                <a:latin typeface="Lato"/>
-                <a:ea typeface="Lato"/>
-                <a:cs typeface="Lato"/>
-                <a:sym typeface="Lato"/>
-              </a:rPr>
-              <a:t>While we were successful in the JavaScript portion of the project, it took longer than anticipated.</a:t>
-            </a:r>
-          </a:p>
-          <a:p>
-            <a:pPr marL="0" lvl="0" indent="0" algn="l" rtl="0">
-              <a:spcBef>
-                <a:spcPts val="0"/>
-              </a:spcBef>
-              <a:spcAft>
-                <a:spcPts val="0"/>
-              </a:spcAft>
-              <a:buNone/>
-            </a:pPr>
-            <a:endParaRPr lang="en-US" sz="1700" dirty="0">
-              <a:solidFill>
-                <a:srgbClr val="FFFFFF"/>
-              </a:solidFill>
-              <a:latin typeface="Lato"/>
-              <a:ea typeface="Lato"/>
-              <a:cs typeface="Lato"/>
-              <a:sym typeface="Lato"/>
-            </a:endParaRPr>
-          </a:p>
-          <a:p>
-            <a:r>
-              <a:rPr lang="en-US" sz="1700" dirty="0">
-                <a:solidFill>
-                  <a:srgbClr val="FFFFFF"/>
-                </a:solidFill>
-                <a:latin typeface="Lato"/>
-                <a:ea typeface="Lato"/>
-                <a:cs typeface="Lato"/>
-                <a:sym typeface="Lato"/>
-              </a:rPr>
-              <a:t>We learned how to implement the library </a:t>
-            </a:r>
-            <a:r>
-              <a:rPr lang="en-US" sz="1700" dirty="0" err="1">
-                <a:solidFill>
-                  <a:srgbClr val="FFFFFF"/>
-                </a:solidFill>
-                <a:latin typeface="Lato"/>
-                <a:ea typeface="Lato"/>
-                <a:cs typeface="Lato"/>
-                <a:sym typeface="Lato"/>
-              </a:rPr>
-              <a:t>Axios</a:t>
-            </a:r>
-            <a:r>
-              <a:rPr lang="en-US" sz="1700" dirty="0">
-                <a:solidFill>
-                  <a:srgbClr val="FFFFFF"/>
-                </a:solidFill>
-                <a:latin typeface="Lato"/>
-                <a:ea typeface="Lato"/>
-                <a:cs typeface="Lato"/>
-                <a:sym typeface="Lato"/>
-              </a:rPr>
-              <a:t>, which is an incredibly powerful and useful asset to have when working with APIs.</a:t>
-            </a:r>
-          </a:p>
-          <a:p>
-            <a:pPr marL="0" lvl="0" indent="0" algn="l" rtl="0">
-              <a:spcBef>
-                <a:spcPts val="0"/>
-              </a:spcBef>
-              <a:spcAft>
-                <a:spcPts val="0"/>
-              </a:spcAft>
-              <a:buNone/>
-            </a:pPr>
-            <a:endParaRPr lang="en-US" sz="1700" dirty="0">
-              <a:solidFill>
-                <a:srgbClr val="FFFFFF"/>
-              </a:solidFill>
-              <a:latin typeface="Lato"/>
-              <a:ea typeface="Lato"/>
-              <a:cs typeface="Lato"/>
-              <a:sym typeface="Lato"/>
-            </a:endParaRPr>
-          </a:p>
-          <a:p>
-            <a:pPr marL="0" lvl="0" indent="0" algn="l" rtl="0">
-              <a:spcBef>
-                <a:spcPts val="0"/>
-              </a:spcBef>
-              <a:spcAft>
-                <a:spcPts val="0"/>
-              </a:spcAft>
-              <a:buNone/>
-            </a:pPr>
-            <a:r>
-              <a:rPr lang="en-US" sz="1700" dirty="0">
-                <a:solidFill>
-                  <a:srgbClr val="FFFFFF"/>
-                </a:solidFill>
-                <a:latin typeface="Lato"/>
-                <a:ea typeface="Lato"/>
-                <a:cs typeface="Lato"/>
-                <a:sym typeface="Lato"/>
-              </a:rPr>
-              <a:t>There are additional things we would have included, such as more measurements for the cities, better map integration, and overall improved usability. Due to time constraints, </a:t>
-            </a:r>
-            <a:r>
-              <a:rPr lang="en-US" sz="1700">
-                <a:solidFill>
-                  <a:srgbClr val="FFFFFF"/>
-                </a:solidFill>
-                <a:latin typeface="Lato"/>
-                <a:ea typeface="Lato"/>
-                <a:cs typeface="Lato"/>
-                <a:sym typeface="Lato"/>
-              </a:rPr>
-              <a:t>we did what </a:t>
-            </a:r>
-            <a:r>
-              <a:rPr lang="en-US" sz="1700" dirty="0">
-                <a:solidFill>
-                  <a:srgbClr val="FFFFFF"/>
-                </a:solidFill>
-                <a:latin typeface="Lato"/>
-                <a:ea typeface="Lato"/>
-                <a:cs typeface="Lato"/>
-                <a:sym typeface="Lato"/>
-              </a:rPr>
-              <a:t>was most important.</a:t>
-            </a:r>
-          </a:p>
-          <a:p>
-            <a:pPr marL="0" lvl="0" indent="0" algn="l" rtl="0">
-              <a:spcBef>
-                <a:spcPts val="0"/>
-              </a:spcBef>
-              <a:spcAft>
-                <a:spcPts val="0"/>
-              </a:spcAft>
-              <a:buNone/>
-            </a:pPr>
-            <a:endParaRPr lang="en-US" sz="1700" dirty="0">
-              <a:solidFill>
-                <a:srgbClr val="FFFFFF"/>
-              </a:solidFill>
-              <a:latin typeface="Lato"/>
-              <a:ea typeface="Lato"/>
-              <a:cs typeface="Lato"/>
-              <a:sym typeface="Lato"/>
-            </a:endParaRPr>
-          </a:p>
-          <a:p>
-            <a:pPr marL="0" lvl="0" indent="0" algn="ctr" rtl="0">
-              <a:spcBef>
-                <a:spcPts val="0"/>
-              </a:spcBef>
-              <a:spcAft>
-                <a:spcPts val="0"/>
-              </a:spcAft>
-              <a:buNone/>
-            </a:pPr>
-            <a:r>
-              <a:rPr lang="en-US" sz="1700" dirty="0">
-                <a:solidFill>
-                  <a:srgbClr val="FFFFFF"/>
-                </a:solidFill>
-                <a:latin typeface="Lato"/>
-                <a:ea typeface="Lato"/>
-                <a:cs typeface="Lato"/>
-                <a:sym typeface="Lato"/>
-              </a:rPr>
-              <a:t>Thank you!</a:t>
-            </a:r>
-          </a:p>
-          <a:p>
-            <a:pPr marL="0" lvl="0" indent="0" algn="l" rtl="0">
-              <a:spcBef>
-                <a:spcPts val="0"/>
-              </a:spcBef>
-              <a:spcAft>
-                <a:spcPts val="0"/>
-              </a:spcAft>
-              <a:buNone/>
-            </a:pPr>
-            <a:endParaRPr lang="en-US" sz="1700" dirty="0">
-              <a:solidFill>
-                <a:srgbClr val="FFFFFF"/>
-              </a:solidFill>
-              <a:latin typeface="Lato"/>
-              <a:ea typeface="Lato"/>
-              <a:cs typeface="Lato"/>
-              <a:sym typeface="Lato"/>
-            </a:endParaRPr>
-          </a:p>
-          <a:p>
-            <a:pPr marL="0" lvl="0" indent="0" algn="l" rtl="0">
-              <a:spcBef>
-                <a:spcPts val="0"/>
-              </a:spcBef>
-              <a:spcAft>
-                <a:spcPts val="0"/>
-              </a:spcAft>
-              <a:buNone/>
-            </a:pPr>
-            <a:endParaRPr lang="en-US" sz="1700" dirty="0">
-              <a:solidFill>
-                <a:srgbClr val="FFFFFF"/>
-              </a:solidFill>
-              <a:latin typeface="Lato"/>
-              <a:ea typeface="Lato"/>
-              <a:cs typeface="Lato"/>
-              <a:sym typeface="Lato"/>
-            </a:endParaRPr>
-          </a:p>
-          <a:p>
-            <a:pPr marL="0" lvl="0" indent="0" algn="l" rtl="0">
-              <a:spcBef>
-                <a:spcPts val="0"/>
-              </a:spcBef>
-              <a:spcAft>
-                <a:spcPts val="0"/>
-              </a:spcAft>
-              <a:buNone/>
-            </a:pPr>
-            <a:endParaRPr lang="en-US" sz="1700" dirty="0">
-              <a:solidFill>
-                <a:srgbClr val="FFFFFF"/>
-              </a:solidFill>
-              <a:latin typeface="Lato"/>
-              <a:ea typeface="Lato"/>
-              <a:cs typeface="Lato"/>
-              <a:sym typeface="Lato"/>
-            </a:endParaRPr>
-          </a:p>
-          <a:p>
-            <a:pPr marL="0" lvl="0" indent="0" algn="l" rtl="0">
-              <a:spcBef>
-                <a:spcPts val="0"/>
-              </a:spcBef>
-              <a:spcAft>
-                <a:spcPts val="0"/>
-              </a:spcAft>
-              <a:buNone/>
-            </a:pPr>
-            <a:endParaRPr lang="en-US" sz="1700" dirty="0">
-              <a:solidFill>
-                <a:srgbClr val="FFFFFF"/>
-              </a:solidFill>
-              <a:latin typeface="Lato"/>
-              <a:ea typeface="Lato"/>
-              <a:cs typeface="Lato"/>
-              <a:sym typeface="Lato"/>
-            </a:endParaRPr>
-          </a:p>
-          <a:p>
-            <a:pPr marL="0" lvl="0" indent="0" algn="l" rtl="0">
-              <a:spcBef>
-                <a:spcPts val="0"/>
-              </a:spcBef>
-              <a:spcAft>
-                <a:spcPts val="0"/>
-              </a:spcAft>
-              <a:buNone/>
-            </a:pPr>
-            <a:endParaRPr lang="en-US" sz="1700" dirty="0">
-              <a:solidFill>
-                <a:srgbClr val="FFFFFF"/>
-              </a:solidFill>
-              <a:latin typeface="Lato"/>
-              <a:ea typeface="Lato"/>
-              <a:cs typeface="Lato"/>
-              <a:sym typeface="Lato"/>
-            </a:endParaRPr>
-          </a:p>
-          <a:p>
-            <a:pPr marL="0" lvl="0" indent="0" algn="l" rtl="0">
-              <a:spcBef>
-                <a:spcPts val="0"/>
-              </a:spcBef>
-              <a:spcAft>
-                <a:spcPts val="0"/>
-              </a:spcAft>
-              <a:buNone/>
-            </a:pPr>
-            <a:endParaRPr lang="en-US" sz="1700" dirty="0">
-              <a:solidFill>
-                <a:srgbClr val="FFFFFF"/>
-              </a:solidFill>
-              <a:latin typeface="Lato"/>
-              <a:ea typeface="Lato"/>
-              <a:cs typeface="Lato"/>
-              <a:sym typeface="Lato"/>
-            </a:endParaRPr>
-          </a:p>
-          <a:p>
-            <a:pPr marL="0" lvl="0" indent="0" algn="l" rtl="0">
-              <a:spcBef>
-                <a:spcPts val="0"/>
-              </a:spcBef>
-              <a:spcAft>
-                <a:spcPts val="0"/>
-              </a:spcAft>
-              <a:buNone/>
-            </a:pPr>
-            <a:endParaRPr lang="en-US" sz="1700" dirty="0">
               <a:solidFill>
                 <a:srgbClr val="FFFFFF"/>
               </a:solidFill>
@@ -12821,6 +12793,438 @@
 </p:sld>
 </file>
 
+<file path=ppt/slides/slide20.xml><?xml version="1.0" encoding="utf-8"?>
+<p:sld xmlns:a="http://schemas.openxmlformats.org/drawingml/2006/main" xmlns:r="http://schemas.openxmlformats.org/officeDocument/2006/relationships" xmlns:p="http://schemas.openxmlformats.org/presentationml/2006/main">
+  <p:cSld>
+    <p:spTree>
+      <p:nvGrpSpPr>
+        <p:cNvPr id="1" name="Shape 179"/>
+        <p:cNvGrpSpPr/>
+        <p:nvPr/>
+      </p:nvGrpSpPr>
+      <p:grpSpPr>
+        <a:xfrm>
+          <a:off x="0" y="0"/>
+          <a:ext cx="0" cy="0"/>
+          <a:chOff x="0" y="0"/>
+          <a:chExt cx="0" cy="0"/>
+        </a:xfrm>
+      </p:grpSpPr>
+      <p:sp>
+        <p:nvSpPr>
+          <p:cNvPr id="180" name="Google Shape;180;p31"/>
+          <p:cNvSpPr txBox="1">
+            <a:spLocks noGrp="1"/>
+          </p:cNvSpPr>
+          <p:nvPr>
+            <p:ph type="title"/>
+          </p:nvPr>
+        </p:nvSpPr>
+        <p:spPr>
+          <a:xfrm>
+            <a:off x="303300" y="193225"/>
+            <a:ext cx="8520600" cy="639600"/>
+          </a:xfrm>
+          <a:prstGeom prst="rect">
+            <a:avLst/>
+          </a:prstGeom>
+        </p:spPr>
+        <p:txBody>
+          <a:bodyPr spcFirstLastPara="1" wrap="square" lIns="91425" tIns="91425" rIns="91425" bIns="91425" anchor="t" anchorCtr="0">
+            <a:noAutofit/>
+          </a:bodyPr>
+          <a:lstStyle/>
+          <a:p>
+            <a:pPr marL="0" lvl="0" indent="0" algn="l" rtl="0">
+              <a:spcBef>
+                <a:spcPts val="0"/>
+              </a:spcBef>
+              <a:spcAft>
+                <a:spcPts val="0"/>
+              </a:spcAft>
+              <a:buNone/>
+            </a:pPr>
+            <a:r>
+              <a:rPr lang="en" sz="3600">
+                <a:solidFill>
+                  <a:srgbClr val="FFFFFF"/>
+                </a:solidFill>
+              </a:rPr>
+              <a:t>Post-Mortem</a:t>
+            </a:r>
+            <a:endParaRPr sz="3600">
+              <a:solidFill>
+                <a:srgbClr val="FFFFFF"/>
+              </a:solidFill>
+            </a:endParaRPr>
+          </a:p>
+        </p:txBody>
+      </p:sp>
+      <p:sp>
+        <p:nvSpPr>
+          <p:cNvPr id="181" name="Google Shape;181;p31"/>
+          <p:cNvSpPr txBox="1"/>
+          <p:nvPr/>
+        </p:nvSpPr>
+        <p:spPr>
+          <a:xfrm>
+            <a:off x="311700" y="1122150"/>
+            <a:ext cx="8520600" cy="2999794"/>
+          </a:xfrm>
+          <a:prstGeom prst="rect">
+            <a:avLst/>
+          </a:prstGeom>
+          <a:noFill/>
+          <a:ln>
+            <a:noFill/>
+          </a:ln>
+        </p:spPr>
+        <p:txBody>
+          <a:bodyPr spcFirstLastPara="1" wrap="square" lIns="91425" tIns="91425" rIns="91425" bIns="91425" anchor="t" anchorCtr="0">
+            <a:noAutofit/>
+          </a:bodyPr>
+          <a:lstStyle/>
+          <a:p>
+            <a:pPr marL="0" lvl="0" indent="0" algn="l" rtl="0">
+              <a:spcBef>
+                <a:spcPts val="0"/>
+              </a:spcBef>
+              <a:spcAft>
+                <a:spcPts val="0"/>
+              </a:spcAft>
+              <a:buNone/>
+            </a:pPr>
+            <a:r>
+              <a:rPr lang="en-US" sz="1700" dirty="0">
+                <a:solidFill>
+                  <a:srgbClr val="FFFFFF"/>
+                </a:solidFill>
+                <a:latin typeface="Lato"/>
+                <a:ea typeface="Lato"/>
+                <a:cs typeface="Lato"/>
+                <a:sym typeface="Lato"/>
+              </a:rPr>
+              <a:t>While we were successful in the JavaScript portion of the project, it took longer than anticipated.</a:t>
+            </a:r>
+          </a:p>
+          <a:p>
+            <a:pPr marL="0" lvl="0" indent="0" algn="l" rtl="0">
+              <a:spcBef>
+                <a:spcPts val="0"/>
+              </a:spcBef>
+              <a:spcAft>
+                <a:spcPts val="0"/>
+              </a:spcAft>
+              <a:buNone/>
+            </a:pPr>
+            <a:endParaRPr lang="en-US" sz="1700" dirty="0">
+              <a:solidFill>
+                <a:srgbClr val="FFFFFF"/>
+              </a:solidFill>
+              <a:latin typeface="Lato"/>
+              <a:ea typeface="Lato"/>
+              <a:cs typeface="Lato"/>
+              <a:sym typeface="Lato"/>
+            </a:endParaRPr>
+          </a:p>
+          <a:p>
+            <a:r>
+              <a:rPr lang="en-US" sz="1700" dirty="0">
+                <a:solidFill>
+                  <a:srgbClr val="FFFFFF"/>
+                </a:solidFill>
+                <a:latin typeface="Lato"/>
+                <a:ea typeface="Lato"/>
+                <a:cs typeface="Lato"/>
+                <a:sym typeface="Lato"/>
+              </a:rPr>
+              <a:t>We learned how to implement the library </a:t>
+            </a:r>
+            <a:r>
+              <a:rPr lang="en-US" sz="1700" dirty="0" err="1">
+                <a:solidFill>
+                  <a:srgbClr val="FFFFFF"/>
+                </a:solidFill>
+                <a:latin typeface="Lato"/>
+                <a:ea typeface="Lato"/>
+                <a:cs typeface="Lato"/>
+                <a:sym typeface="Lato"/>
+              </a:rPr>
+              <a:t>Axios</a:t>
+            </a:r>
+            <a:r>
+              <a:rPr lang="en-US" sz="1700" dirty="0">
+                <a:solidFill>
+                  <a:srgbClr val="FFFFFF"/>
+                </a:solidFill>
+                <a:latin typeface="Lato"/>
+                <a:ea typeface="Lato"/>
+                <a:cs typeface="Lato"/>
+                <a:sym typeface="Lato"/>
+              </a:rPr>
+              <a:t>, which is an incredibly powerful and useful asset to have when working with APIs.</a:t>
+            </a:r>
+          </a:p>
+          <a:p>
+            <a:pPr marL="0" lvl="0" indent="0" algn="l" rtl="0">
+              <a:spcBef>
+                <a:spcPts val="0"/>
+              </a:spcBef>
+              <a:spcAft>
+                <a:spcPts val="0"/>
+              </a:spcAft>
+              <a:buNone/>
+            </a:pPr>
+            <a:endParaRPr lang="en-US" sz="1700" dirty="0">
+              <a:solidFill>
+                <a:srgbClr val="FFFFFF"/>
+              </a:solidFill>
+              <a:latin typeface="Lato"/>
+              <a:ea typeface="Lato"/>
+              <a:cs typeface="Lato"/>
+              <a:sym typeface="Lato"/>
+            </a:endParaRPr>
+          </a:p>
+          <a:p>
+            <a:pPr marL="0" lvl="0" indent="0" algn="l" rtl="0">
+              <a:spcBef>
+                <a:spcPts val="0"/>
+              </a:spcBef>
+              <a:spcAft>
+                <a:spcPts val="0"/>
+              </a:spcAft>
+              <a:buNone/>
+            </a:pPr>
+            <a:r>
+              <a:rPr lang="en-US" sz="1700" dirty="0">
+                <a:solidFill>
+                  <a:srgbClr val="FFFFFF"/>
+                </a:solidFill>
+                <a:latin typeface="Lato"/>
+                <a:ea typeface="Lato"/>
+                <a:cs typeface="Lato"/>
+                <a:sym typeface="Lato"/>
+              </a:rPr>
+              <a:t>There are additional things we would have included, such as more measurements for the cities, better map integration, and overall improved usability. Due to time constraints, </a:t>
+            </a:r>
+            <a:r>
+              <a:rPr lang="en-US" sz="1700">
+                <a:solidFill>
+                  <a:srgbClr val="FFFFFF"/>
+                </a:solidFill>
+                <a:latin typeface="Lato"/>
+                <a:ea typeface="Lato"/>
+                <a:cs typeface="Lato"/>
+                <a:sym typeface="Lato"/>
+              </a:rPr>
+              <a:t>we did what </a:t>
+            </a:r>
+            <a:r>
+              <a:rPr lang="en-US" sz="1700" dirty="0">
+                <a:solidFill>
+                  <a:srgbClr val="FFFFFF"/>
+                </a:solidFill>
+                <a:latin typeface="Lato"/>
+                <a:ea typeface="Lato"/>
+                <a:cs typeface="Lato"/>
+                <a:sym typeface="Lato"/>
+              </a:rPr>
+              <a:t>was most important.</a:t>
+            </a:r>
+          </a:p>
+          <a:p>
+            <a:pPr marL="0" lvl="0" indent="0" algn="l" rtl="0">
+              <a:spcBef>
+                <a:spcPts val="0"/>
+              </a:spcBef>
+              <a:spcAft>
+                <a:spcPts val="0"/>
+              </a:spcAft>
+              <a:buNone/>
+            </a:pPr>
+            <a:endParaRPr lang="en-US" sz="1700" dirty="0">
+              <a:solidFill>
+                <a:srgbClr val="FFFFFF"/>
+              </a:solidFill>
+              <a:latin typeface="Lato"/>
+              <a:ea typeface="Lato"/>
+              <a:cs typeface="Lato"/>
+              <a:sym typeface="Lato"/>
+            </a:endParaRPr>
+          </a:p>
+          <a:p>
+            <a:pPr marL="0" lvl="0" indent="0" algn="ctr" rtl="0">
+              <a:spcBef>
+                <a:spcPts val="0"/>
+              </a:spcBef>
+              <a:spcAft>
+                <a:spcPts val="0"/>
+              </a:spcAft>
+              <a:buNone/>
+            </a:pPr>
+            <a:r>
+              <a:rPr lang="en-US" sz="1700" dirty="0">
+                <a:solidFill>
+                  <a:srgbClr val="FFFFFF"/>
+                </a:solidFill>
+                <a:latin typeface="Lato"/>
+                <a:ea typeface="Lato"/>
+                <a:cs typeface="Lato"/>
+                <a:sym typeface="Lato"/>
+              </a:rPr>
+              <a:t>Thank you!</a:t>
+            </a:r>
+          </a:p>
+          <a:p>
+            <a:pPr marL="0" lvl="0" indent="0" algn="l" rtl="0">
+              <a:spcBef>
+                <a:spcPts val="0"/>
+              </a:spcBef>
+              <a:spcAft>
+                <a:spcPts val="0"/>
+              </a:spcAft>
+              <a:buNone/>
+            </a:pPr>
+            <a:endParaRPr lang="en-US" sz="1700" dirty="0">
+              <a:solidFill>
+                <a:srgbClr val="FFFFFF"/>
+              </a:solidFill>
+              <a:latin typeface="Lato"/>
+              <a:ea typeface="Lato"/>
+              <a:cs typeface="Lato"/>
+              <a:sym typeface="Lato"/>
+            </a:endParaRPr>
+          </a:p>
+          <a:p>
+            <a:pPr marL="0" lvl="0" indent="0" algn="l" rtl="0">
+              <a:spcBef>
+                <a:spcPts val="0"/>
+              </a:spcBef>
+              <a:spcAft>
+                <a:spcPts val="0"/>
+              </a:spcAft>
+              <a:buNone/>
+            </a:pPr>
+            <a:endParaRPr lang="en-US" sz="1700" dirty="0">
+              <a:solidFill>
+                <a:srgbClr val="FFFFFF"/>
+              </a:solidFill>
+              <a:latin typeface="Lato"/>
+              <a:ea typeface="Lato"/>
+              <a:cs typeface="Lato"/>
+              <a:sym typeface="Lato"/>
+            </a:endParaRPr>
+          </a:p>
+          <a:p>
+            <a:pPr marL="0" lvl="0" indent="0" algn="l" rtl="0">
+              <a:spcBef>
+                <a:spcPts val="0"/>
+              </a:spcBef>
+              <a:spcAft>
+                <a:spcPts val="0"/>
+              </a:spcAft>
+              <a:buNone/>
+            </a:pPr>
+            <a:endParaRPr lang="en-US" sz="1700" dirty="0">
+              <a:solidFill>
+                <a:srgbClr val="FFFFFF"/>
+              </a:solidFill>
+              <a:latin typeface="Lato"/>
+              <a:ea typeface="Lato"/>
+              <a:cs typeface="Lato"/>
+              <a:sym typeface="Lato"/>
+            </a:endParaRPr>
+          </a:p>
+          <a:p>
+            <a:pPr marL="0" lvl="0" indent="0" algn="l" rtl="0">
+              <a:spcBef>
+                <a:spcPts val="0"/>
+              </a:spcBef>
+              <a:spcAft>
+                <a:spcPts val="0"/>
+              </a:spcAft>
+              <a:buNone/>
+            </a:pPr>
+            <a:endParaRPr lang="en-US" sz="1700" dirty="0">
+              <a:solidFill>
+                <a:srgbClr val="FFFFFF"/>
+              </a:solidFill>
+              <a:latin typeface="Lato"/>
+              <a:ea typeface="Lato"/>
+              <a:cs typeface="Lato"/>
+              <a:sym typeface="Lato"/>
+            </a:endParaRPr>
+          </a:p>
+          <a:p>
+            <a:pPr marL="0" lvl="0" indent="0" algn="l" rtl="0">
+              <a:spcBef>
+                <a:spcPts val="0"/>
+              </a:spcBef>
+              <a:spcAft>
+                <a:spcPts val="0"/>
+              </a:spcAft>
+              <a:buNone/>
+            </a:pPr>
+            <a:endParaRPr lang="en-US" sz="1700" dirty="0">
+              <a:solidFill>
+                <a:srgbClr val="FFFFFF"/>
+              </a:solidFill>
+              <a:latin typeface="Lato"/>
+              <a:ea typeface="Lato"/>
+              <a:cs typeface="Lato"/>
+              <a:sym typeface="Lato"/>
+            </a:endParaRPr>
+          </a:p>
+          <a:p>
+            <a:pPr marL="0" lvl="0" indent="0" algn="l" rtl="0">
+              <a:spcBef>
+                <a:spcPts val="0"/>
+              </a:spcBef>
+              <a:spcAft>
+                <a:spcPts val="0"/>
+              </a:spcAft>
+              <a:buNone/>
+            </a:pPr>
+            <a:endParaRPr lang="en-US" sz="1700" dirty="0">
+              <a:solidFill>
+                <a:srgbClr val="FFFFFF"/>
+              </a:solidFill>
+              <a:latin typeface="Lato"/>
+              <a:ea typeface="Lato"/>
+              <a:cs typeface="Lato"/>
+              <a:sym typeface="Lato"/>
+            </a:endParaRPr>
+          </a:p>
+          <a:p>
+            <a:pPr marL="0" lvl="0" indent="0" algn="l" rtl="0">
+              <a:spcBef>
+                <a:spcPts val="0"/>
+              </a:spcBef>
+              <a:spcAft>
+                <a:spcPts val="0"/>
+              </a:spcAft>
+              <a:buNone/>
+            </a:pPr>
+            <a:endParaRPr lang="en-US" sz="1700" dirty="0">
+              <a:solidFill>
+                <a:srgbClr val="FFFFFF"/>
+              </a:solidFill>
+              <a:latin typeface="Lato"/>
+              <a:ea typeface="Lato"/>
+              <a:cs typeface="Lato"/>
+              <a:sym typeface="Lato"/>
+            </a:endParaRPr>
+          </a:p>
+        </p:txBody>
+      </p:sp>
+    </p:spTree>
+  </p:cSld>
+  <p:clrMapOvr>
+    <a:masterClrMapping/>
+  </p:clrMapOvr>
+</p:sld>
+</file>
+
 <file path=ppt/slides/slide3.xml><?xml version="1.0" encoding="utf-8"?>
 <p:sld xmlns:a="http://schemas.openxmlformats.org/drawingml/2006/main" xmlns:r="http://schemas.openxmlformats.org/officeDocument/2006/relationships" xmlns:p="http://schemas.openxmlformats.org/presentationml/2006/main">
   <p:cSld>
@@ -13173,18 +13577,6 @@
               </a:rPr>
               <a:t>Married, No Kids</a:t>
             </a:r>
-            <a:r>
-              <a:rPr lang="en" sz="1700" b="1" dirty="0">
-                <a:solidFill>
-                  <a:srgbClr val="FFFFFF"/>
-                </a:solidFill>
-                <a:latin typeface="Lato"/>
-                <a:ea typeface="Lato"/>
-                <a:cs typeface="Lato"/>
-                <a:sym typeface="Lato"/>
-              </a:rPr>
-              <a:t/>
-            </a:r>
             <a:br>
               <a:rPr lang="en" sz="1700" b="1" dirty="0">
                 <a:solidFill>
@@ -13772,18 +14164,6 @@
                 <a:sym typeface="Lato"/>
               </a:rPr>
             </a:br>
-            <a:r>
-              <a:rPr lang="en" sz="1700" b="1" dirty="0">
-                <a:solidFill>
-                  <a:srgbClr val="FFFFFF"/>
-                </a:solidFill>
-                <a:latin typeface="Lato"/>
-                <a:ea typeface="Lato"/>
-                <a:cs typeface="Lato"/>
-                <a:sym typeface="Lato"/>
-              </a:rPr>
-              <a:t/>
-            </a:r>
             <a:br>
               <a:rPr lang="en" sz="1700" b="1" dirty="0">
                 <a:solidFill>
@@ -13842,18 +14222,6 @@
                 <a:sym typeface="Lato"/>
               </a:rPr>
             </a:br>
-            <a:r>
-              <a:rPr lang="en" sz="1700" b="1" dirty="0">
-                <a:solidFill>
-                  <a:srgbClr val="FFFFFF"/>
-                </a:solidFill>
-                <a:latin typeface="Lato"/>
-                <a:ea typeface="Lato"/>
-                <a:cs typeface="Lato"/>
-                <a:sym typeface="Lato"/>
-              </a:rPr>
-              <a:t/>
-            </a:r>
             <a:br>
               <a:rPr lang="en" sz="1700" b="1" dirty="0">
                 <a:solidFill>
@@ -13927,6 +14295,299 @@
 </file>
 
 <file path=ppt/slides/slide7.xml><?xml version="1.0" encoding="utf-8"?>
+<p:sld xmlns:a="http://schemas.openxmlformats.org/drawingml/2006/main" xmlns:r="http://schemas.openxmlformats.org/officeDocument/2006/relationships" xmlns:p="http://schemas.openxmlformats.org/presentationml/2006/main">
+  <p:cSld>
+    <p:spTree>
+      <p:nvGrpSpPr>
+        <p:cNvPr id="1" name="Shape 101"/>
+        <p:cNvGrpSpPr/>
+        <p:nvPr/>
+      </p:nvGrpSpPr>
+      <p:grpSpPr>
+        <a:xfrm>
+          <a:off x="0" y="0"/>
+          <a:ext cx="0" cy="0"/>
+          <a:chOff x="0" y="0"/>
+          <a:chExt cx="0" cy="0"/>
+        </a:xfrm>
+      </p:grpSpPr>
+      <p:sp>
+        <p:nvSpPr>
+          <p:cNvPr id="102" name="Google Shape;102;p18"/>
+          <p:cNvSpPr txBox="1"/>
+          <p:nvPr/>
+        </p:nvSpPr>
+        <p:spPr>
+          <a:xfrm>
+            <a:off x="412450" y="388200"/>
+            <a:ext cx="8285400" cy="727800"/>
+          </a:xfrm>
+          <a:prstGeom prst="rect">
+            <a:avLst/>
+          </a:prstGeom>
+          <a:noFill/>
+          <a:ln>
+            <a:noFill/>
+          </a:ln>
+        </p:spPr>
+        <p:txBody>
+          <a:bodyPr spcFirstLastPara="1" wrap="square" lIns="91425" tIns="91425" rIns="91425" bIns="91425" anchor="t" anchorCtr="0">
+            <a:noAutofit/>
+          </a:bodyPr>
+          <a:lstStyle/>
+          <a:p>
+            <a:pPr marL="0" lvl="0" indent="0" algn="l" rtl="0">
+              <a:spcBef>
+                <a:spcPts val="0"/>
+              </a:spcBef>
+              <a:spcAft>
+                <a:spcPts val="0"/>
+              </a:spcAft>
+              <a:buNone/>
+            </a:pPr>
+            <a:r>
+              <a:rPr lang="en" sz="3600" b="1" dirty="0">
+                <a:solidFill>
+                  <a:srgbClr val="FFFFFF"/>
+                </a:solidFill>
+                <a:latin typeface="Raleway"/>
+                <a:ea typeface="Raleway"/>
+                <a:cs typeface="Raleway"/>
+                <a:sym typeface="Raleway"/>
+              </a:rPr>
+              <a:t>How Are the Metrics Defined?</a:t>
+            </a:r>
+            <a:endParaRPr sz="3600" b="1" dirty="0">
+              <a:solidFill>
+                <a:srgbClr val="FFFFFF"/>
+              </a:solidFill>
+              <a:latin typeface="Raleway"/>
+              <a:ea typeface="Raleway"/>
+              <a:cs typeface="Raleway"/>
+              <a:sym typeface="Raleway"/>
+            </a:endParaRPr>
+          </a:p>
+        </p:txBody>
+      </p:sp>
+      <p:sp>
+        <p:nvSpPr>
+          <p:cNvPr id="103" name="Google Shape;103;p18"/>
+          <p:cNvSpPr txBox="1"/>
+          <p:nvPr/>
+        </p:nvSpPr>
+        <p:spPr>
+          <a:xfrm>
+            <a:off x="429300" y="1116000"/>
+            <a:ext cx="8285400" cy="3275400"/>
+          </a:xfrm>
+          <a:prstGeom prst="rect">
+            <a:avLst/>
+          </a:prstGeom>
+          <a:noFill/>
+          <a:ln>
+            <a:noFill/>
+          </a:ln>
+        </p:spPr>
+        <p:txBody>
+          <a:bodyPr spcFirstLastPara="1" wrap="square" lIns="91425" tIns="91425" rIns="91425" bIns="91425" anchor="t" anchorCtr="0">
+            <a:noAutofit/>
+          </a:bodyPr>
+          <a:lstStyle/>
+          <a:p>
+            <a:pPr marL="285750" lvl="0" indent="-285750" algn="l" rtl="0">
+              <a:spcBef>
+                <a:spcPts val="0"/>
+              </a:spcBef>
+              <a:spcAft>
+                <a:spcPts val="0"/>
+              </a:spcAft>
+              <a:buClr>
+                <a:schemeClr val="bg1"/>
+              </a:buClr>
+              <a:buFont typeface="Courier New" panose="02070309020205020404" pitchFamily="49" charset="0"/>
+              <a:buChar char="o"/>
+            </a:pPr>
+            <a:endParaRPr lang="en" sz="1700" b="1" dirty="0">
+              <a:solidFill>
+                <a:srgbClr val="FFFFFF"/>
+              </a:solidFill>
+              <a:latin typeface="Lato"/>
+              <a:ea typeface="Lato"/>
+              <a:cs typeface="Lato"/>
+              <a:sym typeface="Lato"/>
+            </a:endParaRPr>
+          </a:p>
+          <a:p>
+            <a:pPr marL="285750" lvl="0" indent="-285750" algn="l" rtl="0">
+              <a:spcBef>
+                <a:spcPts val="0"/>
+              </a:spcBef>
+              <a:spcAft>
+                <a:spcPts val="0"/>
+              </a:spcAft>
+              <a:buClr>
+                <a:schemeClr val="bg1"/>
+              </a:buClr>
+              <a:buFont typeface="Courier New" panose="02070309020205020404" pitchFamily="49" charset="0"/>
+              <a:buChar char="o"/>
+            </a:pPr>
+            <a:endParaRPr lang="en" sz="1700" b="1" dirty="0">
+              <a:solidFill>
+                <a:srgbClr val="FFFFFF"/>
+              </a:solidFill>
+              <a:latin typeface="Lato"/>
+              <a:ea typeface="Lato"/>
+              <a:cs typeface="Lato"/>
+              <a:sym typeface="Lato"/>
+            </a:endParaRPr>
+          </a:p>
+          <a:p>
+            <a:pPr marL="285750" lvl="0" indent="-285750" algn="l" rtl="0">
+              <a:spcBef>
+                <a:spcPts val="0"/>
+              </a:spcBef>
+              <a:spcAft>
+                <a:spcPts val="0"/>
+              </a:spcAft>
+              <a:buClr>
+                <a:schemeClr val="bg1"/>
+              </a:buClr>
+              <a:buFont typeface="Courier New" panose="02070309020205020404" pitchFamily="49" charset="0"/>
+              <a:buChar char="o"/>
+            </a:pPr>
+            <a:r>
+              <a:rPr lang="en" sz="1700" b="1" dirty="0">
+                <a:solidFill>
+                  <a:srgbClr val="FFFFFF"/>
+                </a:solidFill>
+                <a:latin typeface="Lato"/>
+                <a:ea typeface="Lato"/>
+                <a:cs typeface="Lato"/>
+                <a:sym typeface="Lato"/>
+              </a:rPr>
+              <a:t>The term “Index” refers to a standarized measurement of a topic.</a:t>
+            </a:r>
+            <a:br>
+              <a:rPr lang="en" sz="1700" b="1" dirty="0">
+                <a:solidFill>
+                  <a:srgbClr val="FFFFFF"/>
+                </a:solidFill>
+                <a:latin typeface="Lato"/>
+                <a:ea typeface="Lato"/>
+                <a:cs typeface="Lato"/>
+                <a:sym typeface="Lato"/>
+              </a:rPr>
+            </a:br>
+            <a:endParaRPr lang="en" sz="1700" b="1" dirty="0">
+              <a:solidFill>
+                <a:srgbClr val="FFFFFF"/>
+              </a:solidFill>
+              <a:latin typeface="Lato"/>
+              <a:ea typeface="Lato"/>
+              <a:cs typeface="Lato"/>
+              <a:sym typeface="Lato"/>
+            </a:endParaRPr>
+          </a:p>
+          <a:p>
+            <a:pPr marL="285750" lvl="0" indent="-285750" algn="l" rtl="0">
+              <a:spcBef>
+                <a:spcPts val="0"/>
+              </a:spcBef>
+              <a:spcAft>
+                <a:spcPts val="0"/>
+              </a:spcAft>
+              <a:buClr>
+                <a:schemeClr val="bg1"/>
+              </a:buClr>
+              <a:buFont typeface="Courier New" panose="02070309020205020404" pitchFamily="49" charset="0"/>
+              <a:buChar char="o"/>
+            </a:pPr>
+            <a:endParaRPr lang="en" sz="1700" b="1" dirty="0">
+              <a:solidFill>
+                <a:srgbClr val="FFFFFF"/>
+              </a:solidFill>
+              <a:latin typeface="Lato"/>
+              <a:ea typeface="Lato"/>
+              <a:cs typeface="Lato"/>
+              <a:sym typeface="Lato"/>
+            </a:endParaRPr>
+          </a:p>
+          <a:p>
+            <a:pPr marL="285750" lvl="0" indent="-285750" algn="l" rtl="0">
+              <a:spcBef>
+                <a:spcPts val="0"/>
+              </a:spcBef>
+              <a:spcAft>
+                <a:spcPts val="0"/>
+              </a:spcAft>
+              <a:buClr>
+                <a:schemeClr val="bg1"/>
+              </a:buClr>
+              <a:buFont typeface="Courier New" panose="02070309020205020404" pitchFamily="49" charset="0"/>
+              <a:buChar char="o"/>
+            </a:pPr>
+            <a:endParaRPr lang="en" sz="1700" b="1" dirty="0">
+              <a:solidFill>
+                <a:srgbClr val="FFFFFF"/>
+              </a:solidFill>
+              <a:latin typeface="Lato"/>
+              <a:ea typeface="Lato"/>
+              <a:cs typeface="Lato"/>
+              <a:sym typeface="Lato"/>
+            </a:endParaRPr>
+          </a:p>
+          <a:p>
+            <a:pPr marL="285750" lvl="0" indent="-285750" algn="l" rtl="0">
+              <a:spcBef>
+                <a:spcPts val="0"/>
+              </a:spcBef>
+              <a:spcAft>
+                <a:spcPts val="0"/>
+              </a:spcAft>
+              <a:buClr>
+                <a:schemeClr val="bg1"/>
+              </a:buClr>
+              <a:buFont typeface="Courier New" panose="02070309020205020404" pitchFamily="49" charset="0"/>
+              <a:buChar char="o"/>
+            </a:pPr>
+            <a:r>
+              <a:rPr lang="en-US" sz="1700" b="1" dirty="0">
+                <a:solidFill>
+                  <a:srgbClr val="FFFFFF"/>
+                </a:solidFill>
+                <a:latin typeface="Lato"/>
+                <a:ea typeface="Lato"/>
+                <a:cs typeface="Lato"/>
+                <a:sym typeface="Lato"/>
+              </a:rPr>
+              <a:t>“Ratio” refers to the mathematical difference between two data points, I.E. Price to Income Ratio</a:t>
+            </a:r>
+            <a:endParaRPr sz="1700" b="1" dirty="0">
+              <a:solidFill>
+                <a:srgbClr val="FFFFFF"/>
+              </a:solidFill>
+              <a:latin typeface="Lato"/>
+              <a:ea typeface="Lato"/>
+              <a:cs typeface="Lato"/>
+              <a:sym typeface="Lato"/>
+            </a:endParaRPr>
+          </a:p>
+        </p:txBody>
+      </p:sp>
+    </p:spTree>
+    <p:extLst>
+      <p:ext uri="{BB962C8B-B14F-4D97-AF65-F5344CB8AC3E}">
+        <p14:creationId xmlns:p14="http://schemas.microsoft.com/office/powerpoint/2010/main" val="2491919780"/>
+      </p:ext>
+    </p:extLst>
+  </p:cSld>
+  <p:clrMapOvr>
+    <a:masterClrMapping/>
+  </p:clrMapOvr>
+</p:sld>
+</file>
+
+<file path=ppt/slides/slide8.xml><?xml version="1.0" encoding="utf-8"?>
 <p:sld xmlns:a="http://schemas.openxmlformats.org/drawingml/2006/main" xmlns:r="http://schemas.openxmlformats.org/officeDocument/2006/relationships" xmlns:p="http://schemas.openxmlformats.org/presentationml/2006/main">
   <p:cSld>
     <p:spTree>
@@ -14043,18 +14704,6 @@
               </a:rPr>
               <a:t> surveys the following list of parameters for the list of cities:</a:t>
             </a:r>
-            <a:r>
-              <a:rPr lang="en-US" sz="1600" dirty="0">
-                <a:solidFill>
-                  <a:schemeClr val="bg1"/>
-                </a:solidFill>
-                <a:latin typeface="Lato"/>
-                <a:ea typeface="Lato"/>
-                <a:cs typeface="Lato"/>
-                <a:sym typeface="Lato"/>
-              </a:rPr>
-              <a:t/>
-            </a:r>
             <a:br>
               <a:rPr lang="en-US" sz="1600" dirty="0">
                 <a:solidFill>
@@ -14459,319 +15108,6 @@
               </a:rPr>
               <a:t>real-time temperature of the cities</a:t>
             </a:r>
-          </a:p>
-        </p:txBody>
-      </p:sp>
-    </p:spTree>
-  </p:cSld>
-  <p:clrMapOvr>
-    <a:masterClrMapping/>
-  </p:clrMapOvr>
-</p:sld>
-</file>
-
-<file path=ppt/slides/slide8.xml><?xml version="1.0" encoding="utf-8"?>
-<p:sld xmlns:a="http://schemas.openxmlformats.org/drawingml/2006/main" xmlns:r="http://schemas.openxmlformats.org/officeDocument/2006/relationships" xmlns:p="http://schemas.openxmlformats.org/presentationml/2006/main">
-  <p:cSld>
-    <p:spTree>
-      <p:nvGrpSpPr>
-        <p:cNvPr id="1" name="Shape 113"/>
-        <p:cNvGrpSpPr/>
-        <p:nvPr/>
-      </p:nvGrpSpPr>
-      <p:grpSpPr>
-        <a:xfrm>
-          <a:off x="0" y="0"/>
-          <a:ext cx="0" cy="0"/>
-          <a:chOff x="0" y="0"/>
-          <a:chExt cx="0" cy="0"/>
-        </a:xfrm>
-      </p:grpSpPr>
-      <p:sp>
-        <p:nvSpPr>
-          <p:cNvPr id="114" name="Google Shape;114;p20"/>
-          <p:cNvSpPr txBox="1">
-            <a:spLocks noGrp="1"/>
-          </p:cNvSpPr>
-          <p:nvPr>
-            <p:ph type="title"/>
-          </p:nvPr>
-        </p:nvSpPr>
-        <p:spPr>
-          <a:xfrm>
-            <a:off x="303300" y="193225"/>
-            <a:ext cx="8520600" cy="639600"/>
-          </a:xfrm>
-          <a:prstGeom prst="rect">
-            <a:avLst/>
-          </a:prstGeom>
-        </p:spPr>
-        <p:txBody>
-          <a:bodyPr spcFirstLastPara="1" wrap="square" lIns="91425" tIns="91425" rIns="91425" bIns="91425" anchor="t" anchorCtr="0">
-            <a:noAutofit/>
-          </a:bodyPr>
-          <a:lstStyle/>
-          <a:p>
-            <a:pPr marL="0" lvl="0" indent="0" algn="l" rtl="0">
-              <a:spcBef>
-                <a:spcPts val="0"/>
-              </a:spcBef>
-              <a:spcAft>
-                <a:spcPts val="0"/>
-              </a:spcAft>
-              <a:buNone/>
-            </a:pPr>
-            <a:r>
-              <a:rPr lang="en" sz="3600">
-                <a:solidFill>
-                  <a:srgbClr val="FFFFFF"/>
-                </a:solidFill>
-              </a:rPr>
-              <a:t>What Sources Did Homies Use?</a:t>
-            </a:r>
-            <a:endParaRPr sz="3600">
-              <a:solidFill>
-                <a:srgbClr val="FFFFFF"/>
-              </a:solidFill>
-            </a:endParaRPr>
-          </a:p>
-        </p:txBody>
-      </p:sp>
-      <p:sp>
-        <p:nvSpPr>
-          <p:cNvPr id="115" name="Google Shape;115;p20"/>
-          <p:cNvSpPr txBox="1"/>
-          <p:nvPr/>
-        </p:nvSpPr>
-        <p:spPr>
-          <a:xfrm>
-            <a:off x="303300" y="1732076"/>
-            <a:ext cx="8520600" cy="2899200"/>
-          </a:xfrm>
-          <a:prstGeom prst="rect">
-            <a:avLst/>
-          </a:prstGeom>
-          <a:noFill/>
-          <a:ln>
-            <a:noFill/>
-          </a:ln>
-        </p:spPr>
-        <p:txBody>
-          <a:bodyPr spcFirstLastPara="1" wrap="square" lIns="91425" tIns="91425" rIns="91425" bIns="91425" anchor="t" anchorCtr="0">
-            <a:noAutofit/>
-          </a:bodyPr>
-          <a:lstStyle/>
-          <a:p>
-            <a:pPr marL="285750" lvl="0" indent="-285750">
-              <a:buClr>
-                <a:schemeClr val="bg1"/>
-              </a:buClr>
-              <a:buFont typeface="Courier New" panose="02070309020205020404" pitchFamily="49" charset="0"/>
-              <a:buChar char="o"/>
-            </a:pPr>
-            <a:endParaRPr lang="en" sz="1700" dirty="0">
-              <a:solidFill>
-                <a:srgbClr val="FFFFFF"/>
-              </a:solidFill>
-              <a:latin typeface="Lato"/>
-              <a:ea typeface="Lato"/>
-              <a:cs typeface="Lato"/>
-              <a:sym typeface="Lato"/>
-            </a:endParaRPr>
-          </a:p>
-          <a:p>
-            <a:pPr marL="285750" lvl="0" indent="-285750">
-              <a:buClr>
-                <a:schemeClr val="bg1"/>
-              </a:buClr>
-              <a:buFont typeface="Courier New" panose="02070309020205020404" pitchFamily="49" charset="0"/>
-              <a:buChar char="o"/>
-            </a:pPr>
-            <a:r>
-              <a:rPr lang="en" sz="1700" b="1" dirty="0" err="1">
-                <a:solidFill>
-                  <a:srgbClr val="FFFFFF"/>
-                </a:solidFill>
-                <a:latin typeface="Lato"/>
-                <a:ea typeface="Lato"/>
-                <a:cs typeface="Lato"/>
-                <a:sym typeface="Lato"/>
-              </a:rPr>
-              <a:t>Numbeo</a:t>
-            </a:r>
-            <a:r>
-              <a:rPr lang="en" sz="1700" b="1" dirty="0">
-                <a:solidFill>
-                  <a:srgbClr val="FFFFFF"/>
-                </a:solidFill>
-                <a:latin typeface="Lato"/>
-                <a:ea typeface="Lato"/>
-                <a:cs typeface="Lato"/>
-                <a:sym typeface="Lato"/>
-              </a:rPr>
-              <a:t>:</a:t>
-            </a:r>
-            <a:r>
-              <a:rPr lang="en" sz="1700" dirty="0">
-                <a:solidFill>
-                  <a:srgbClr val="FFFFFF"/>
-                </a:solidFill>
-                <a:latin typeface="Lato"/>
-                <a:ea typeface="Lato"/>
-                <a:cs typeface="Lato"/>
-                <a:sym typeface="Lato"/>
-              </a:rPr>
-              <a:t> </a:t>
-            </a:r>
-            <a:r>
-              <a:rPr lang="en-US" sz="1700" dirty="0">
-                <a:solidFill>
-                  <a:srgbClr val="FFFFFF"/>
-                </a:solidFill>
-                <a:latin typeface="Lato"/>
-                <a:ea typeface="Lato"/>
-                <a:cs typeface="Lato"/>
-                <a:sym typeface="Lato"/>
-              </a:rPr>
-              <a:t>the world’s largest database about worldwide housing (real estate) prices and its indicators based on surveys which determines the overall ratings per cities</a:t>
-            </a:r>
-            <a:br>
-              <a:rPr lang="en-US" sz="1700" dirty="0">
-                <a:solidFill>
-                  <a:srgbClr val="FFFFFF"/>
-                </a:solidFill>
-                <a:latin typeface="Lato"/>
-                <a:ea typeface="Lato"/>
-                <a:cs typeface="Lato"/>
-                <a:sym typeface="Lato"/>
-              </a:rPr>
-            </a:br>
-            <a:r>
-              <a:rPr lang="en-US" sz="1700" dirty="0">
-                <a:solidFill>
-                  <a:srgbClr val="FFFFFF"/>
-                </a:solidFill>
-                <a:latin typeface="Lato"/>
-                <a:ea typeface="Lato"/>
-                <a:cs typeface="Lato"/>
-                <a:sym typeface="Lato"/>
-              </a:rPr>
-              <a:t>	-</a:t>
-            </a:r>
-            <a:r>
-              <a:rPr lang="en" sz="1700" dirty="0">
-                <a:solidFill>
-                  <a:srgbClr val="FFFFFF"/>
-                </a:solidFill>
-                <a:latin typeface="Lato"/>
-                <a:ea typeface="Lato"/>
-                <a:cs typeface="Lato"/>
-                <a:sym typeface="Lato"/>
-              </a:rPr>
-              <a:t>FBI</a:t>
-            </a:r>
-            <a:br>
-              <a:rPr lang="en" sz="1700" dirty="0">
-                <a:solidFill>
-                  <a:srgbClr val="FFFFFF"/>
-                </a:solidFill>
-                <a:latin typeface="Lato"/>
-                <a:ea typeface="Lato"/>
-                <a:cs typeface="Lato"/>
-                <a:sym typeface="Lato"/>
-              </a:rPr>
-            </a:br>
-            <a:r>
-              <a:rPr lang="en" sz="1700" dirty="0">
-                <a:solidFill>
-                  <a:srgbClr val="FFFFFF"/>
-                </a:solidFill>
-                <a:latin typeface="Lato"/>
-                <a:ea typeface="Lato"/>
-                <a:cs typeface="Lato"/>
-                <a:sym typeface="Lato"/>
-              </a:rPr>
-              <a:t>	-U.S. Census Bureau</a:t>
-            </a:r>
-            <a:br>
-              <a:rPr lang="en" sz="1700" dirty="0">
-                <a:solidFill>
-                  <a:srgbClr val="FFFFFF"/>
-                </a:solidFill>
-                <a:latin typeface="Lato"/>
-                <a:ea typeface="Lato"/>
-                <a:cs typeface="Lato"/>
-                <a:sym typeface="Lato"/>
-              </a:rPr>
-            </a:br>
-            <a:r>
-              <a:rPr lang="en" sz="1700" dirty="0">
-                <a:solidFill>
-                  <a:srgbClr val="FFFFFF"/>
-                </a:solidFill>
-                <a:latin typeface="Lato"/>
-                <a:ea typeface="Lato"/>
-                <a:cs typeface="Lato"/>
-                <a:sym typeface="Lato"/>
-              </a:rPr>
-              <a:t/>
-            </a:r>
-            <a:br>
-              <a:rPr lang="en" sz="1700" dirty="0">
-                <a:solidFill>
-                  <a:srgbClr val="FFFFFF"/>
-                </a:solidFill>
-                <a:latin typeface="Lato"/>
-                <a:ea typeface="Lato"/>
-                <a:cs typeface="Lato"/>
-                <a:sym typeface="Lato"/>
-              </a:rPr>
-            </a:br>
-            <a:endParaRPr lang="en" sz="1700" dirty="0">
-              <a:solidFill>
-                <a:srgbClr val="FFFFFF"/>
-              </a:solidFill>
-              <a:latin typeface="Lato"/>
-              <a:ea typeface="Lato"/>
-              <a:cs typeface="Lato"/>
-              <a:sym typeface="Lato"/>
-            </a:endParaRPr>
-          </a:p>
-          <a:p>
-            <a:pPr marL="285750" lvl="0" indent="-285750" algn="l" rtl="0">
-              <a:spcBef>
-                <a:spcPts val="0"/>
-              </a:spcBef>
-              <a:spcAft>
-                <a:spcPts val="0"/>
-              </a:spcAft>
-              <a:buClr>
-                <a:schemeClr val="bg1"/>
-              </a:buClr>
-              <a:buFont typeface="Courier New" panose="02070309020205020404" pitchFamily="49" charset="0"/>
-              <a:buChar char="o"/>
-            </a:pPr>
-            <a:r>
-              <a:rPr lang="en" sz="1700" b="1" dirty="0" err="1">
-                <a:solidFill>
-                  <a:srgbClr val="FFFFFF"/>
-                </a:solidFill>
-                <a:latin typeface="Lato"/>
-                <a:ea typeface="Lato"/>
-                <a:cs typeface="Lato"/>
-                <a:sym typeface="Lato"/>
-              </a:rPr>
-              <a:t>OpenWeatherAPI</a:t>
-            </a:r>
-            <a:endParaRPr sz="1700" b="1" dirty="0">
-              <a:solidFill>
-                <a:srgbClr val="FFFFFF"/>
-              </a:solidFill>
-              <a:latin typeface="Lato"/>
-              <a:ea typeface="Lato"/>
-              <a:cs typeface="Lato"/>
-              <a:sym typeface="Lato"/>
-            </a:endParaRPr>
           </a:p>
         </p:txBody>
       </p:sp>
@@ -14835,14 +15171,14 @@
               <a:buNone/>
             </a:pPr>
             <a:r>
-              <a:rPr lang="en" sz="3600" dirty="0">
-                <a:solidFill>
-                  <a:srgbClr val="FFFFFF"/>
-                </a:solidFill>
-              </a:rPr>
-              <a:t>How Did We Work the Data?</a:t>
-            </a:r>
-            <a:endParaRPr sz="3600" dirty="0">
+              <a:rPr lang="en" sz="3600">
+                <a:solidFill>
+                  <a:srgbClr val="FFFFFF"/>
+                </a:solidFill>
+              </a:rPr>
+              <a:t>What Sources Did Homies Use?</a:t>
+            </a:r>
+            <a:endParaRPr sz="3600">
               <a:solidFill>
                 <a:srgbClr val="FFFFFF"/>
               </a:solidFill>
@@ -14858,7 +15194,7 @@
         </p:nvSpPr>
         <p:spPr>
           <a:xfrm>
-            <a:off x="303300" y="1819625"/>
+            <a:off x="303300" y="1732076"/>
             <a:ext cx="8520600" cy="2899200"/>
           </a:xfrm>
           <a:prstGeom prst="rect">
@@ -14882,54 +15218,7 @@
               <a:buFont typeface="Courier New" panose="02070309020205020404" pitchFamily="49" charset="0"/>
               <a:buChar char="o"/>
             </a:pPr>
-            <a:r>
-              <a:rPr lang="en-US" sz="1700" b="1" dirty="0">
-                <a:solidFill>
-                  <a:srgbClr val="FFFFFF"/>
-                </a:solidFill>
-                <a:latin typeface="Lato"/>
-                <a:ea typeface="Lato"/>
-                <a:cs typeface="Lato"/>
-                <a:sym typeface="Lato"/>
-              </a:rPr>
-              <a:t>Once we had the data from </a:t>
-            </a:r>
-            <a:r>
-              <a:rPr lang="en-US" sz="1700" b="1" dirty="0" err="1">
-                <a:solidFill>
-                  <a:srgbClr val="FFFFFF"/>
-                </a:solidFill>
-                <a:latin typeface="Lato"/>
-                <a:ea typeface="Lato"/>
-                <a:cs typeface="Lato"/>
-                <a:sym typeface="Lato"/>
-              </a:rPr>
-              <a:t>Numbeo</a:t>
-            </a:r>
-            <a:r>
-              <a:rPr lang="en-US" sz="1700" b="1" dirty="0">
-                <a:solidFill>
-                  <a:srgbClr val="FFFFFF"/>
-                </a:solidFill>
-                <a:latin typeface="Lato"/>
-                <a:ea typeface="Lato"/>
-                <a:cs typeface="Lato"/>
-                <a:sym typeface="Lato"/>
-              </a:rPr>
-              <a:t> we inserted it into an SQL Database</a:t>
-            </a:r>
-            <a:br>
-              <a:rPr lang="en-US" sz="1700" b="1" dirty="0">
-                <a:solidFill>
-                  <a:srgbClr val="FFFFFF"/>
-                </a:solidFill>
-                <a:latin typeface="Lato"/>
-                <a:ea typeface="Lato"/>
-                <a:cs typeface="Lato"/>
-                <a:sym typeface="Lato"/>
-              </a:rPr>
-            </a:br>
-            <a:endParaRPr lang="en-US" sz="1700" b="1" dirty="0">
+            <a:endParaRPr lang="en" sz="1700" dirty="0">
               <a:solidFill>
                 <a:srgbClr val="FFFFFF"/>
               </a:solidFill>
@@ -14947,7 +15236,135 @@
               <a:buFont typeface="Courier New" panose="02070309020205020404" pitchFamily="49" charset="0"/>
               <a:buChar char="o"/>
             </a:pPr>
-            <a:endParaRPr lang="en-US" sz="1700" b="1" dirty="0">
+            <a:r>
+              <a:rPr lang="en" sz="1700" b="1" dirty="0" err="1">
+                <a:solidFill>
+                  <a:srgbClr val="FFFFFF"/>
+                </a:solidFill>
+                <a:latin typeface="Lato"/>
+                <a:ea typeface="Lato"/>
+                <a:cs typeface="Lato"/>
+                <a:sym typeface="Lato"/>
+              </a:rPr>
+              <a:t>Numbeo</a:t>
+            </a:r>
+            <a:r>
+              <a:rPr lang="en" sz="1700" b="1" dirty="0">
+                <a:solidFill>
+                  <a:srgbClr val="FFFFFF"/>
+                </a:solidFill>
+                <a:latin typeface="Lato"/>
+                <a:ea typeface="Lato"/>
+                <a:cs typeface="Lato"/>
+                <a:sym typeface="Lato"/>
+              </a:rPr>
+              <a:t>:</a:t>
+            </a:r>
+            <a:r>
+              <a:rPr lang="en" sz="1700" dirty="0">
+                <a:solidFill>
+                  <a:srgbClr val="FFFFFF"/>
+                </a:solidFill>
+                <a:latin typeface="Lato"/>
+                <a:ea typeface="Lato"/>
+                <a:cs typeface="Lato"/>
+                <a:sym typeface="Lato"/>
+              </a:rPr>
+              <a:t> </a:t>
+            </a:r>
+            <a:r>
+              <a:rPr lang="en-US" sz="1700" dirty="0">
+                <a:solidFill>
+                  <a:srgbClr val="FFFFFF"/>
+                </a:solidFill>
+                <a:latin typeface="Lato"/>
+                <a:ea typeface="Lato"/>
+                <a:cs typeface="Lato"/>
+                <a:sym typeface="Lato"/>
+              </a:rPr>
+              <a:t>the world’s largest database about worldwide housing (real estate) prices and its indicators based on surveys which determines the overall ratings per cities</a:t>
+            </a:r>
+            <a:br>
+              <a:rPr lang="en-US" sz="1700" dirty="0">
+                <a:solidFill>
+                  <a:srgbClr val="FFFFFF"/>
+                </a:solidFill>
+                <a:latin typeface="Lato"/>
+                <a:ea typeface="Lato"/>
+                <a:cs typeface="Lato"/>
+                <a:sym typeface="Lato"/>
+              </a:rPr>
+            </a:br>
+            <a:r>
+              <a:rPr lang="en-US" sz="1700" dirty="0">
+                <a:solidFill>
+                  <a:srgbClr val="FFFFFF"/>
+                </a:solidFill>
+                <a:latin typeface="Lato"/>
+                <a:ea typeface="Lato"/>
+                <a:cs typeface="Lato"/>
+                <a:sym typeface="Lato"/>
+              </a:rPr>
+              <a:t>	-</a:t>
+            </a:r>
+            <a:r>
+              <a:rPr lang="en" sz="1700" dirty="0">
+                <a:solidFill>
+                  <a:srgbClr val="FFFFFF"/>
+                </a:solidFill>
+                <a:latin typeface="Lato"/>
+                <a:ea typeface="Lato"/>
+                <a:cs typeface="Lato"/>
+                <a:sym typeface="Lato"/>
+              </a:rPr>
+              <a:t>FBI</a:t>
+            </a:r>
+            <a:br>
+              <a:rPr lang="en" sz="1700" dirty="0">
+                <a:solidFill>
+                  <a:srgbClr val="FFFFFF"/>
+                </a:solidFill>
+                <a:latin typeface="Lato"/>
+                <a:ea typeface="Lato"/>
+                <a:cs typeface="Lato"/>
+                <a:sym typeface="Lato"/>
+              </a:rPr>
+            </a:br>
+            <a:r>
+              <a:rPr lang="en" sz="1700" dirty="0">
+                <a:solidFill>
+                  <a:srgbClr val="FFFFFF"/>
+                </a:solidFill>
+                <a:latin typeface="Lato"/>
+                <a:ea typeface="Lato"/>
+                <a:cs typeface="Lato"/>
+                <a:sym typeface="Lato"/>
+              </a:rPr>
+              <a:t>	-U.S. Census Bureau</a:t>
+            </a:r>
+            <a:br>
+              <a:rPr lang="en" sz="1700" dirty="0">
+                <a:solidFill>
+                  <a:srgbClr val="FFFFFF"/>
+                </a:solidFill>
+                <a:latin typeface="Lato"/>
+                <a:ea typeface="Lato"/>
+                <a:cs typeface="Lato"/>
+                <a:sym typeface="Lato"/>
+              </a:rPr>
+            </a:br>
+            <a:br>
+              <a:rPr lang="en" sz="1700" dirty="0">
+                <a:solidFill>
+                  <a:srgbClr val="FFFFFF"/>
+                </a:solidFill>
+                <a:latin typeface="Lato"/>
+                <a:ea typeface="Lato"/>
+                <a:cs typeface="Lato"/>
+                <a:sym typeface="Lato"/>
+              </a:rPr>
+            </a:br>
+            <a:endParaRPr lang="en" sz="1700" dirty="0">
               <a:solidFill>
                 <a:srgbClr val="FFFFFF"/>
               </a:solidFill>
@@ -14958,7 +15375,13 @@
             </a:endParaRPr>
           </a:p>
           <a:p>
-            <a:pPr marL="285750" lvl="0" indent="-285750">
+            <a:pPr marL="285750" lvl="0" indent="-285750" algn="l" rtl="0">
+              <a:spcBef>
+                <a:spcPts val="0"/>
+              </a:spcBef>
+              <a:spcAft>
+                <a:spcPts val="0"/>
+              </a:spcAft>
               <a:buClr>
                 <a:schemeClr val="bg1"/>
               </a:buClr>
@@ -14966,29 +15389,18 @@
               <a:buChar char="o"/>
             </a:pPr>
             <a:r>
-              <a:rPr lang="en-US" sz="1700" b="1" dirty="0">
-                <a:solidFill>
-                  <a:srgbClr val="FFFFFF"/>
-                </a:solidFill>
-                <a:latin typeface="Lato"/>
-                <a:ea typeface="Lato"/>
-                <a:cs typeface="Lato"/>
-                <a:sym typeface="Lato"/>
-              </a:rPr>
-              <a:t>We removed the data that we did not need and merged it into one table</a:t>
-            </a:r>
-            <a:br>
-              <a:rPr lang="en-US" sz="1700" b="1" dirty="0">
-                <a:solidFill>
-                  <a:srgbClr val="FFFFFF"/>
-                </a:solidFill>
-                <a:latin typeface="Lato"/>
-                <a:ea typeface="Lato"/>
-                <a:cs typeface="Lato"/>
-                <a:sym typeface="Lato"/>
-              </a:rPr>
-            </a:br>
-            <a:endParaRPr lang="en-US" sz="1700" b="1" dirty="0">
+              <a:rPr lang="en" sz="1700" b="1" dirty="0" err="1">
+                <a:solidFill>
+                  <a:srgbClr val="FFFFFF"/>
+                </a:solidFill>
+                <a:latin typeface="Lato"/>
+                <a:ea typeface="Lato"/>
+                <a:cs typeface="Lato"/>
+                <a:sym typeface="Lato"/>
+              </a:rPr>
+              <a:t>OpenWeatherAPI</a:t>
+            </a:r>
+            <a:endParaRPr sz="1700" b="1" dirty="0">
               <a:solidFill>
                 <a:srgbClr val="FFFFFF"/>
               </a:solidFill>
@@ -14998,62 +15410,9 @@
               <a:sym typeface="Lato"/>
             </a:endParaRPr>
           </a:p>
-          <a:p>
-            <a:pPr marL="285750" lvl="0" indent="-285750">
-              <a:buClr>
-                <a:schemeClr val="bg1"/>
-              </a:buClr>
-              <a:buFont typeface="Courier New" panose="02070309020205020404" pitchFamily="49" charset="0"/>
-              <a:buChar char="o"/>
-            </a:pPr>
-            <a:endParaRPr lang="en-US" sz="1700" b="1" dirty="0">
-              <a:solidFill>
-                <a:srgbClr val="FFFFFF"/>
-              </a:solidFill>
-              <a:latin typeface="Lato"/>
-              <a:ea typeface="Lato"/>
-              <a:cs typeface="Lato"/>
-              <a:sym typeface="Lato"/>
-            </a:endParaRPr>
-          </a:p>
-          <a:p>
-            <a:pPr marL="285750" lvl="0" indent="-285750">
-              <a:buClr>
-                <a:schemeClr val="bg1"/>
-              </a:buClr>
-              <a:buFont typeface="Courier New" panose="02070309020205020404" pitchFamily="49" charset="0"/>
-              <a:buChar char="o"/>
-            </a:pPr>
-            <a:r>
-              <a:rPr lang="en-US" sz="1700" b="1" dirty="0">
-                <a:solidFill>
-                  <a:srgbClr val="FFFFFF"/>
-                </a:solidFill>
-                <a:latin typeface="Lato"/>
-                <a:ea typeface="Lato"/>
-                <a:cs typeface="Lato"/>
-                <a:sym typeface="Lato"/>
-              </a:rPr>
-              <a:t>From there we transformed it into SQLite so that it could be more easily read by JavaScript</a:t>
-            </a:r>
-            <a:endParaRPr lang="en" sz="1700" b="1" dirty="0">
-              <a:solidFill>
-                <a:srgbClr val="FFFFFF"/>
-              </a:solidFill>
-              <a:latin typeface="Lato"/>
-              <a:ea typeface="Lato"/>
-              <a:cs typeface="Lato"/>
-              <a:sym typeface="Lato"/>
-            </a:endParaRPr>
-          </a:p>
         </p:txBody>
       </p:sp>
     </p:spTree>
-    <p:extLst>
-      <p:ext uri="{BB962C8B-B14F-4D97-AF65-F5344CB8AC3E}">
-        <p14:creationId xmlns:p14="http://schemas.microsoft.com/office/powerpoint/2010/main" val="1912523930"/>
-      </p:ext>
-    </p:extLst>
   </p:cSld>
   <p:clrMapOvr>
     <a:masterClrMapping/>

--- a/Homies City Collection.pptx
+++ b/Homies City Collection.pptx
@@ -33,14 +33,14 @@
   <p:notesSz cx="6858000" cy="9144000"/>
   <p:embeddedFontLst>
     <p:embeddedFont>
-      <p:font typeface="Lato" panose="020B0604020202020204" charset="0"/>
+      <p:font typeface="Lato" panose="020F0502020204030203" pitchFamily="34" charset="77"/>
       <p:regular r:id="rId23"/>
       <p:bold r:id="rId24"/>
       <p:italic r:id="rId25"/>
       <p:boldItalic r:id="rId26"/>
     </p:embeddedFont>
     <p:embeddedFont>
-      <p:font typeface="Raleway" panose="020B0604020202020204" charset="0"/>
+      <p:font typeface="Raleway" pitchFamily="2" charset="77"/>
       <p:regular r:id="rId27"/>
       <p:bold r:id="rId28"/>
       <p:italic r:id="rId29"/>
@@ -2794,8 +2794,8 @@
               <a:buNone/>
             </a:pPr>
             <a:r>
-              <a:rPr lang="en-US" dirty="0"/>
-              <a:t>Karen</a:t>
+              <a:rPr lang="en-US"/>
+              <a:t>Adil</a:t>
             </a:r>
             <a:endParaRPr dirty="0"/>
           </a:p>
@@ -10680,7 +10680,7 @@
           <a:graphicData uri="http://schemas.openxmlformats.org/presentationml/2006/ole">
             <mc:AlternateContent xmlns:mc="http://schemas.openxmlformats.org/markup-compatibility/2006">
               <mc:Choice xmlns:v="urn:schemas-microsoft-com:vml" Requires="v">
-                <p:oleObj spid="_x0000_s1026" name="Image" r:id="rId4" imgW="20444400" imgH="11504520" progId="Photoshop.Image.16">
+                <p:oleObj spid="_x0000_s1027" name="Image" r:id="rId4" imgW="20444400" imgH="11504520" progId="Photoshop.Image.16">
                   <p:embed/>
                 </p:oleObj>
               </mc:Choice>
@@ -11088,7 +11088,7 @@
           <a:graphicData uri="http://schemas.openxmlformats.org/presentationml/2006/ole">
             <mc:AlternateContent xmlns:mc="http://schemas.openxmlformats.org/markup-compatibility/2006">
               <mc:Choice xmlns:v="urn:schemas-microsoft-com:vml" Requires="v">
-                <p:oleObj spid="_x0000_s2050" name="Image" r:id="rId4" imgW="12215520" imgH="11377440" progId="Photoshop.Image.16">
+                <p:oleObj spid="_x0000_s2052" name="Image" r:id="rId4" imgW="12215520" imgH="11377440" progId="Photoshop.Image.16">
                   <p:embed/>
                 </p:oleObj>
               </mc:Choice>
@@ -11150,7 +11150,7 @@
           <a:graphicData uri="http://schemas.openxmlformats.org/presentationml/2006/ole">
             <mc:AlternateContent xmlns:mc="http://schemas.openxmlformats.org/markup-compatibility/2006">
               <mc:Choice xmlns:v="urn:schemas-microsoft-com:vml" Requires="v">
-                <p:oleObj spid="_x0000_s2051" name="Image" r:id="rId6" imgW="8101440" imgH="11479320" progId="Photoshop.Image.16">
+                <p:oleObj spid="_x0000_s2053" name="Image" r:id="rId6" imgW="8101440" imgH="11479320" progId="Photoshop.Image.16">
                   <p:embed/>
                 </p:oleObj>
               </mc:Choice>
@@ -11534,7 +11534,7 @@
           <a:graphicData uri="http://schemas.openxmlformats.org/presentationml/2006/ole">
             <mc:AlternateContent xmlns:mc="http://schemas.openxmlformats.org/markup-compatibility/2006">
               <mc:Choice xmlns:v="urn:schemas-microsoft-com:vml" Requires="v">
-                <p:oleObj spid="_x0000_s3074" name="Image" r:id="rId4" imgW="8025120" imgH="7364880" progId="Photoshop.Image.16">
+                <p:oleObj spid="_x0000_s3075" name="Image" r:id="rId4" imgW="8025120" imgH="7364880" progId="Photoshop.Image.16">
                   <p:embed/>
                 </p:oleObj>
               </mc:Choice>
@@ -11939,7 +11939,7 @@
           <a:graphicData uri="http://schemas.openxmlformats.org/presentationml/2006/ole">
             <mc:AlternateContent xmlns:mc="http://schemas.openxmlformats.org/markup-compatibility/2006">
               <mc:Choice xmlns:v="urn:schemas-microsoft-com:vml" Requires="v">
-                <p:oleObj spid="_x0000_s4098" name="Image" r:id="rId4" imgW="17015760" imgH="9625320" progId="Photoshop.Image.16">
+                <p:oleObj spid="_x0000_s4099" name="Image" r:id="rId4" imgW="17015760" imgH="9625320" progId="Photoshop.Image.16">
                   <p:embed/>
                 </p:oleObj>
               </mc:Choice>
